--- a/presentation.pptx
+++ b/presentation.pptx
@@ -5,7 +5,7 @@
     <p:sldMasterId id="2147483660" r:id="rId1"/>
   </p:sldMasterIdLst>
   <p:notesMasterIdLst>
-    <p:notesMasterId r:id="rId12"/>
+    <p:notesMasterId r:id="rId15"/>
   </p:notesMasterIdLst>
   <p:sldIdLst>
     <p:sldId id="256" r:id="rId2"/>
@@ -18,6 +18,9 @@
     <p:sldId id="259" r:id="rId9"/>
     <p:sldId id="264" r:id="rId10"/>
     <p:sldId id="265" r:id="rId11"/>
+    <p:sldId id="266" r:id="rId12"/>
+    <p:sldId id="268" r:id="rId13"/>
+    <p:sldId id="267" r:id="rId14"/>
   </p:sldIdLst>
   <p:sldSz cx="9144000" cy="6858000" type="screen4x3"/>
   <p:notesSz cx="6858000" cy="9144000"/>
@@ -201,7 +204,7 @@
           <a:p>
             <a:fld id="{439984CF-8456-4B48-B076-D98EB683EED0}" type="datetimeFigureOut">
               <a:rPr lang="it-IT" smtClean="0"/>
-              <a:t>19/11/2012</a:t>
+              <a:t>20/11/2012</a:t>
             </a:fld>
             <a:endParaRPr lang="it-IT"/>
           </a:p>
@@ -469,6 +472,174 @@
 </p:notesMaster>
 </file>
 
+<file path=ppt/notesSlides/notesSlide1.xml><?xml version="1.0" encoding="utf-8"?>
+<p:notes xmlns:a="http://schemas.openxmlformats.org/drawingml/2006/main" xmlns:r="http://schemas.openxmlformats.org/officeDocument/2006/relationships" xmlns:p="http://schemas.openxmlformats.org/presentationml/2006/main">
+  <p:cSld>
+    <p:spTree>
+      <p:nvGrpSpPr>
+        <p:cNvPr id="1" name=""/>
+        <p:cNvGrpSpPr/>
+        <p:nvPr/>
+      </p:nvGrpSpPr>
+      <p:grpSpPr>
+        <a:xfrm>
+          <a:off x="0" y="0"/>
+          <a:ext cx="0" cy="0"/>
+          <a:chOff x="0" y="0"/>
+          <a:chExt cx="0" cy="0"/>
+        </a:xfrm>
+      </p:grpSpPr>
+      <p:sp>
+        <p:nvSpPr>
+          <p:cNvPr id="2" name="Segnaposto immagine diapositiva 1"/>
+          <p:cNvSpPr>
+            <a:spLocks noGrp="1" noRot="1" noChangeAspect="1"/>
+          </p:cNvSpPr>
+          <p:nvPr>
+            <p:ph type="sldImg"/>
+          </p:nvPr>
+        </p:nvSpPr>
+        <p:spPr/>
+      </p:sp>
+      <p:sp>
+        <p:nvSpPr>
+          <p:cNvPr id="3" name="Segnaposto note 2"/>
+          <p:cNvSpPr>
+            <a:spLocks noGrp="1"/>
+          </p:cNvSpPr>
+          <p:nvPr>
+            <p:ph type="body" idx="1"/>
+          </p:nvPr>
+        </p:nvSpPr>
+        <p:spPr/>
+        <p:txBody>
+          <a:bodyPr/>
+          <a:lstStyle/>
+          <a:p>
+            <a:endParaRPr lang="it-IT" dirty="0"/>
+          </a:p>
+        </p:txBody>
+      </p:sp>
+      <p:sp>
+        <p:nvSpPr>
+          <p:cNvPr id="4" name="Segnaposto numero diapositiva 3"/>
+          <p:cNvSpPr>
+            <a:spLocks noGrp="1"/>
+          </p:cNvSpPr>
+          <p:nvPr>
+            <p:ph type="sldNum" sz="quarter" idx="10"/>
+          </p:nvPr>
+        </p:nvSpPr>
+        <p:spPr/>
+        <p:txBody>
+          <a:bodyPr/>
+          <a:lstStyle/>
+          <a:p>
+            <a:fld id="{D16271CA-1ED0-48E5-97F9-54AAB14AD471}" type="slidenum">
+              <a:rPr lang="it-IT" smtClean="0"/>
+              <a:t>11</a:t>
+            </a:fld>
+            <a:endParaRPr lang="it-IT"/>
+          </a:p>
+        </p:txBody>
+      </p:sp>
+    </p:spTree>
+    <p:extLst>
+      <p:ext uri="{BB962C8B-B14F-4D97-AF65-F5344CB8AC3E}">
+        <p14:creationId xmlns:p14="http://schemas.microsoft.com/office/powerpoint/2010/main" val="2169020274"/>
+      </p:ext>
+    </p:extLst>
+  </p:cSld>
+  <p:clrMapOvr>
+    <a:masterClrMapping/>
+  </p:clrMapOvr>
+</p:notes>
+</file>
+
+<file path=ppt/notesSlides/notesSlide2.xml><?xml version="1.0" encoding="utf-8"?>
+<p:notes xmlns:a="http://schemas.openxmlformats.org/drawingml/2006/main" xmlns:r="http://schemas.openxmlformats.org/officeDocument/2006/relationships" xmlns:p="http://schemas.openxmlformats.org/presentationml/2006/main">
+  <p:cSld>
+    <p:spTree>
+      <p:nvGrpSpPr>
+        <p:cNvPr id="1" name=""/>
+        <p:cNvGrpSpPr/>
+        <p:nvPr/>
+      </p:nvGrpSpPr>
+      <p:grpSpPr>
+        <a:xfrm>
+          <a:off x="0" y="0"/>
+          <a:ext cx="0" cy="0"/>
+          <a:chOff x="0" y="0"/>
+          <a:chExt cx="0" cy="0"/>
+        </a:xfrm>
+      </p:grpSpPr>
+      <p:sp>
+        <p:nvSpPr>
+          <p:cNvPr id="2" name="Segnaposto immagine diapositiva 1"/>
+          <p:cNvSpPr>
+            <a:spLocks noGrp="1" noRot="1" noChangeAspect="1"/>
+          </p:cNvSpPr>
+          <p:nvPr>
+            <p:ph type="sldImg"/>
+          </p:nvPr>
+        </p:nvSpPr>
+        <p:spPr/>
+      </p:sp>
+      <p:sp>
+        <p:nvSpPr>
+          <p:cNvPr id="3" name="Segnaposto note 2"/>
+          <p:cNvSpPr>
+            <a:spLocks noGrp="1"/>
+          </p:cNvSpPr>
+          <p:nvPr>
+            <p:ph type="body" idx="1"/>
+          </p:nvPr>
+        </p:nvSpPr>
+        <p:spPr/>
+        <p:txBody>
+          <a:bodyPr/>
+          <a:lstStyle/>
+          <a:p>
+            <a:endParaRPr lang="it-IT" dirty="0"/>
+          </a:p>
+        </p:txBody>
+      </p:sp>
+      <p:sp>
+        <p:nvSpPr>
+          <p:cNvPr id="4" name="Segnaposto numero diapositiva 3"/>
+          <p:cNvSpPr>
+            <a:spLocks noGrp="1"/>
+          </p:cNvSpPr>
+          <p:nvPr>
+            <p:ph type="sldNum" sz="quarter" idx="10"/>
+          </p:nvPr>
+        </p:nvSpPr>
+        <p:spPr/>
+        <p:txBody>
+          <a:bodyPr/>
+          <a:lstStyle/>
+          <a:p>
+            <a:fld id="{D16271CA-1ED0-48E5-97F9-54AAB14AD471}" type="slidenum">
+              <a:rPr lang="it-IT" smtClean="0"/>
+              <a:t>12</a:t>
+            </a:fld>
+            <a:endParaRPr lang="it-IT"/>
+          </a:p>
+        </p:txBody>
+      </p:sp>
+    </p:spTree>
+    <p:extLst>
+      <p:ext uri="{BB962C8B-B14F-4D97-AF65-F5344CB8AC3E}">
+        <p14:creationId xmlns:p14="http://schemas.microsoft.com/office/powerpoint/2010/main" val="2169020274"/>
+      </p:ext>
+    </p:extLst>
+  </p:cSld>
+  <p:clrMapOvr>
+    <a:masterClrMapping/>
+  </p:clrMapOvr>
+</p:notes>
+</file>
+
 <file path=ppt/slideLayouts/slideLayout1.xml><?xml version="1.0" encoding="utf-8"?>
 <p:sldLayout xmlns:a="http://schemas.openxmlformats.org/drawingml/2006/main" xmlns:r="http://schemas.openxmlformats.org/officeDocument/2006/relationships" xmlns:p="http://schemas.openxmlformats.org/presentationml/2006/main" type="title" preserve="1">
   <p:cSld name="Diapositiva titolo">
@@ -657,7 +828,7 @@
           <a:p>
             <a:fld id="{BF936EAF-A2C7-4229-B0E9-A642D04707BE}" type="datetimeFigureOut">
               <a:rPr lang="it-IT" smtClean="0"/>
-              <a:t>19/11/2012</a:t>
+              <a:t>20/11/2012</a:t>
             </a:fld>
             <a:endParaRPr lang="it-IT"/>
           </a:p>
@@ -857,7 +1028,7 @@
           <a:p>
             <a:fld id="{BF936EAF-A2C7-4229-B0E9-A642D04707BE}" type="datetimeFigureOut">
               <a:rPr lang="it-IT" smtClean="0"/>
-              <a:t>19/11/2012</a:t>
+              <a:t>20/11/2012</a:t>
             </a:fld>
             <a:endParaRPr lang="it-IT"/>
           </a:p>
@@ -1032,7 +1203,7 @@
           <a:p>
             <a:fld id="{BF936EAF-A2C7-4229-B0E9-A642D04707BE}" type="datetimeFigureOut">
               <a:rPr lang="it-IT" smtClean="0"/>
-              <a:t>19/11/2012</a:t>
+              <a:t>20/11/2012</a:t>
             </a:fld>
             <a:endParaRPr lang="it-IT"/>
           </a:p>
@@ -1197,7 +1368,7 @@
           <a:p>
             <a:fld id="{BF936EAF-A2C7-4229-B0E9-A642D04707BE}" type="datetimeFigureOut">
               <a:rPr lang="it-IT" smtClean="0"/>
-              <a:t>19/11/2012</a:t>
+              <a:t>20/11/2012</a:t>
             </a:fld>
             <a:endParaRPr lang="it-IT"/>
           </a:p>
@@ -1445,7 +1616,7 @@
           <a:p>
             <a:fld id="{BF936EAF-A2C7-4229-B0E9-A642D04707BE}" type="datetimeFigureOut">
               <a:rPr lang="it-IT" smtClean="0"/>
-              <a:t>19/11/2012</a:t>
+              <a:t>20/11/2012</a:t>
             </a:fld>
             <a:endParaRPr lang="it-IT"/>
           </a:p>
@@ -1763,7 +1934,7 @@
           <a:p>
             <a:fld id="{BF936EAF-A2C7-4229-B0E9-A642D04707BE}" type="datetimeFigureOut">
               <a:rPr lang="it-IT" smtClean="0"/>
-              <a:t>19/11/2012</a:t>
+              <a:t>20/11/2012</a:t>
             </a:fld>
             <a:endParaRPr lang="it-IT"/>
           </a:p>
@@ -2229,7 +2400,7 @@
           <a:p>
             <a:fld id="{BF936EAF-A2C7-4229-B0E9-A642D04707BE}" type="datetimeFigureOut">
               <a:rPr lang="it-IT" smtClean="0"/>
-              <a:t>19/11/2012</a:t>
+              <a:t>20/11/2012</a:t>
             </a:fld>
             <a:endParaRPr lang="it-IT"/>
           </a:p>
@@ -2377,7 +2548,7 @@
           <a:p>
             <a:fld id="{BF936EAF-A2C7-4229-B0E9-A642D04707BE}" type="datetimeFigureOut">
               <a:rPr lang="it-IT" smtClean="0"/>
-              <a:t>19/11/2012</a:t>
+              <a:t>20/11/2012</a:t>
             </a:fld>
             <a:endParaRPr lang="it-IT"/>
           </a:p>
@@ -2467,7 +2638,7 @@
           <a:p>
             <a:fld id="{BF936EAF-A2C7-4229-B0E9-A642D04707BE}" type="datetimeFigureOut">
               <a:rPr lang="it-IT" smtClean="0"/>
-              <a:t>19/11/2012</a:t>
+              <a:t>20/11/2012</a:t>
             </a:fld>
             <a:endParaRPr lang="it-IT"/>
           </a:p>
@@ -2741,7 +2912,7 @@
           <a:p>
             <a:fld id="{BF936EAF-A2C7-4229-B0E9-A642D04707BE}" type="datetimeFigureOut">
               <a:rPr lang="it-IT" smtClean="0"/>
-              <a:t>19/11/2012</a:t>
+              <a:t>20/11/2012</a:t>
             </a:fld>
             <a:endParaRPr lang="it-IT"/>
           </a:p>
@@ -3046,7 +3217,7 @@
           <a:p>
             <a:fld id="{BF936EAF-A2C7-4229-B0E9-A642D04707BE}" type="datetimeFigureOut">
               <a:rPr lang="it-IT" smtClean="0"/>
-              <a:t>19/11/2012</a:t>
+              <a:t>20/11/2012</a:t>
             </a:fld>
             <a:endParaRPr lang="it-IT"/>
           </a:p>
@@ -3344,7 +3515,7 @@
           <a:p>
             <a:fld id="{BF936EAF-A2C7-4229-B0E9-A642D04707BE}" type="datetimeFigureOut">
               <a:rPr lang="it-IT" smtClean="0"/>
-              <a:t>19/11/2012</a:t>
+              <a:t>20/11/2012</a:t>
             </a:fld>
             <a:endParaRPr lang="it-IT"/>
           </a:p>
@@ -3964,12 +4135,8 @@
               <a:t> the input </a:t>
             </a:r>
             <a:r>
-              <a:rPr lang="it-IT" dirty="0" err="1" smtClean="0"/>
-              <a:t>datas</a:t>
-            </a:r>
-            <a:r>
-              <a:rPr lang="it-IT" dirty="0" smtClean="0"/>
-              <a:t> </a:t>
+              <a:rPr lang="it-IT" dirty="0" smtClean="0"/>
+              <a:t>data </a:t>
             </a:r>
             <a:r>
               <a:rPr lang="it-IT" dirty="0" err="1" smtClean="0"/>
@@ -4365,6 +4532,1139 @@
 </p:sld>
 </file>
 
+<file path=ppt/slides/slide11.xml><?xml version="1.0" encoding="utf-8"?>
+<p:sld xmlns:a="http://schemas.openxmlformats.org/drawingml/2006/main" xmlns:r="http://schemas.openxmlformats.org/officeDocument/2006/relationships" xmlns:p="http://schemas.openxmlformats.org/presentationml/2006/main">
+  <p:cSld>
+    <p:spTree>
+      <p:nvGrpSpPr>
+        <p:cNvPr id="1" name=""/>
+        <p:cNvGrpSpPr/>
+        <p:nvPr/>
+      </p:nvGrpSpPr>
+      <p:grpSpPr>
+        <a:xfrm>
+          <a:off x="0" y="0"/>
+          <a:ext cx="0" cy="0"/>
+          <a:chOff x="0" y="0"/>
+          <a:chExt cx="0" cy="0"/>
+        </a:xfrm>
+      </p:grpSpPr>
+      <p:sp>
+        <p:nvSpPr>
+          <p:cNvPr id="2" name="Titolo 1"/>
+          <p:cNvSpPr>
+            <a:spLocks noGrp="1"/>
+          </p:cNvSpPr>
+          <p:nvPr>
+            <p:ph type="title"/>
+          </p:nvPr>
+        </p:nvSpPr>
+        <p:spPr/>
+        <p:txBody>
+          <a:bodyPr/>
+          <a:lstStyle/>
+          <a:p>
+            <a:r>
+              <a:rPr lang="it-IT" dirty="0" err="1" smtClean="0"/>
+              <a:t>Different</a:t>
+            </a:r>
+            <a:r>
+              <a:rPr lang="it-IT" dirty="0" smtClean="0"/>
+              <a:t> </a:t>
+            </a:r>
+            <a:r>
+              <a:rPr lang="it-IT" dirty="0" err="1" smtClean="0"/>
+              <a:t>kinds</a:t>
+            </a:r>
+            <a:r>
+              <a:rPr lang="it-IT" dirty="0" smtClean="0"/>
+              <a:t> of </a:t>
+            </a:r>
+            <a:r>
+              <a:rPr lang="it-IT" dirty="0" err="1" smtClean="0"/>
+              <a:t>neural</a:t>
+            </a:r>
+            <a:r>
+              <a:rPr lang="it-IT" dirty="0" smtClean="0"/>
+              <a:t> networks</a:t>
+            </a:r>
+            <a:endParaRPr lang="it-IT" dirty="0"/>
+          </a:p>
+        </p:txBody>
+      </p:sp>
+      <p:sp>
+        <p:nvSpPr>
+          <p:cNvPr id="3" name="Segnaposto contenuto 2"/>
+          <p:cNvSpPr>
+            <a:spLocks noGrp="1"/>
+          </p:cNvSpPr>
+          <p:nvPr>
+            <p:ph idx="1"/>
+          </p:nvPr>
+        </p:nvSpPr>
+        <p:spPr/>
+        <p:txBody>
+          <a:bodyPr/>
+          <a:lstStyle/>
+          <a:p>
+            <a:r>
+              <a:rPr lang="it-IT" dirty="0" err="1" smtClean="0"/>
+              <a:t>Based</a:t>
+            </a:r>
+            <a:r>
+              <a:rPr lang="it-IT" dirty="0" smtClean="0"/>
+              <a:t> on the data flow:</a:t>
+            </a:r>
+          </a:p>
+          <a:p>
+            <a:pPr lvl="1"/>
+            <a:r>
+              <a:rPr lang="it-IT" dirty="0" err="1" smtClean="0"/>
+              <a:t>Feed-forward</a:t>
+            </a:r>
+            <a:r>
+              <a:rPr lang="it-IT" dirty="0" smtClean="0"/>
+              <a:t>:  </a:t>
+            </a:r>
+            <a:r>
+              <a:rPr lang="it-IT" dirty="0" err="1" smtClean="0"/>
+              <a:t>there</a:t>
+            </a:r>
+            <a:r>
+              <a:rPr lang="it-IT" dirty="0" smtClean="0"/>
+              <a:t> </a:t>
+            </a:r>
+            <a:r>
+              <a:rPr lang="it-IT" dirty="0" err="1" smtClean="0"/>
+              <a:t>is</a:t>
+            </a:r>
+            <a:r>
+              <a:rPr lang="it-IT" dirty="0" smtClean="0"/>
+              <a:t> no </a:t>
+            </a:r>
+            <a:r>
+              <a:rPr lang="it-IT" dirty="0" err="1" smtClean="0"/>
+              <a:t>need</a:t>
+            </a:r>
+            <a:r>
+              <a:rPr lang="it-IT" dirty="0" smtClean="0"/>
+              <a:t> to </a:t>
+            </a:r>
+            <a:r>
+              <a:rPr lang="it-IT" dirty="0" err="1" smtClean="0"/>
+              <a:t>synchronize</a:t>
+            </a:r>
+            <a:r>
+              <a:rPr lang="it-IT" dirty="0" smtClean="0"/>
+              <a:t> the </a:t>
+            </a:r>
+            <a:r>
+              <a:rPr lang="it-IT" dirty="0" err="1" smtClean="0"/>
+              <a:t>inputs</a:t>
+            </a:r>
+            <a:r>
+              <a:rPr lang="it-IT" dirty="0" smtClean="0"/>
+              <a:t> of a </a:t>
+            </a:r>
+            <a:r>
+              <a:rPr lang="it-IT" dirty="0" err="1" smtClean="0"/>
+              <a:t>neuron</a:t>
+            </a:r>
+            <a:r>
+              <a:rPr lang="it-IT" dirty="0" smtClean="0"/>
+              <a:t>.</a:t>
+            </a:r>
+          </a:p>
+          <a:p>
+            <a:pPr lvl="1"/>
+            <a:endParaRPr lang="it-IT" dirty="0" smtClean="0"/>
+          </a:p>
+          <a:p>
+            <a:pPr lvl="1"/>
+            <a:endParaRPr lang="it-IT" dirty="0"/>
+          </a:p>
+          <a:p>
+            <a:pPr lvl="1"/>
+            <a:endParaRPr lang="it-IT" dirty="0" smtClean="0"/>
+          </a:p>
+          <a:p>
+            <a:pPr lvl="1"/>
+            <a:endParaRPr lang="it-IT" dirty="0" smtClean="0"/>
+          </a:p>
+          <a:p>
+            <a:pPr lvl="1"/>
+            <a:r>
+              <a:rPr lang="it-IT" dirty="0" err="1" smtClean="0"/>
+              <a:t>Recurrent</a:t>
+            </a:r>
+            <a:r>
+              <a:rPr lang="it-IT" dirty="0" smtClean="0"/>
+              <a:t>: </a:t>
+            </a:r>
+            <a:r>
+              <a:rPr lang="it-IT" dirty="0" err="1" smtClean="0"/>
+              <a:t>there</a:t>
+            </a:r>
+            <a:r>
+              <a:rPr lang="it-IT" dirty="0" smtClean="0"/>
+              <a:t> </a:t>
+            </a:r>
+            <a:r>
+              <a:rPr lang="it-IT" dirty="0" err="1" smtClean="0"/>
+              <a:t>is</a:t>
+            </a:r>
+            <a:r>
+              <a:rPr lang="it-IT" dirty="0" smtClean="0"/>
+              <a:t> </a:t>
+            </a:r>
+            <a:r>
+              <a:rPr lang="it-IT" dirty="0" err="1" smtClean="0"/>
+              <a:t>loops</a:t>
+            </a:r>
+            <a:r>
+              <a:rPr lang="it-IT" dirty="0" smtClean="0"/>
+              <a:t> inside the </a:t>
+            </a:r>
+            <a:r>
+              <a:rPr lang="it-IT" dirty="0" err="1" smtClean="0"/>
+              <a:t>neural</a:t>
+            </a:r>
+            <a:r>
+              <a:rPr lang="it-IT" dirty="0" smtClean="0"/>
+              <a:t> network.</a:t>
+            </a:r>
+            <a:endParaRPr lang="it-IT" dirty="0"/>
+          </a:p>
+        </p:txBody>
+      </p:sp>
+      <p:sp>
+        <p:nvSpPr>
+          <p:cNvPr id="4" name="Ovale 3"/>
+          <p:cNvSpPr/>
+          <p:nvPr/>
+        </p:nvSpPr>
+        <p:spPr>
+          <a:xfrm>
+            <a:off x="2843808" y="2996952"/>
+            <a:ext cx="360040" cy="360040"/>
+          </a:xfrm>
+          <a:prstGeom prst="ellipse">
+            <a:avLst/>
+          </a:prstGeom>
+        </p:spPr>
+        <p:style>
+          <a:lnRef idx="2">
+            <a:schemeClr val="accent1">
+              <a:shade val="50000"/>
+            </a:schemeClr>
+          </a:lnRef>
+          <a:fillRef idx="1">
+            <a:schemeClr val="accent1"/>
+          </a:fillRef>
+          <a:effectRef idx="0">
+            <a:schemeClr val="accent1"/>
+          </a:effectRef>
+          <a:fontRef idx="minor">
+            <a:schemeClr val="lt1"/>
+          </a:fontRef>
+        </p:style>
+        <p:txBody>
+          <a:bodyPr rtlCol="0" anchor="ctr"/>
+          <a:lstStyle/>
+          <a:p>
+            <a:pPr algn="ctr"/>
+            <a:endParaRPr lang="it-IT" dirty="0"/>
+          </a:p>
+        </p:txBody>
+      </p:sp>
+      <p:sp>
+        <p:nvSpPr>
+          <p:cNvPr id="5" name="Ovale 4"/>
+          <p:cNvSpPr/>
+          <p:nvPr/>
+        </p:nvSpPr>
+        <p:spPr>
+          <a:xfrm>
+            <a:off x="2843808" y="3645024"/>
+            <a:ext cx="360040" cy="360040"/>
+          </a:xfrm>
+          <a:prstGeom prst="ellipse">
+            <a:avLst/>
+          </a:prstGeom>
+        </p:spPr>
+        <p:style>
+          <a:lnRef idx="2">
+            <a:schemeClr val="accent1">
+              <a:shade val="50000"/>
+            </a:schemeClr>
+          </a:lnRef>
+          <a:fillRef idx="1">
+            <a:schemeClr val="accent1"/>
+          </a:fillRef>
+          <a:effectRef idx="0">
+            <a:schemeClr val="accent1"/>
+          </a:effectRef>
+          <a:fontRef idx="minor">
+            <a:schemeClr val="lt1"/>
+          </a:fontRef>
+        </p:style>
+        <p:txBody>
+          <a:bodyPr rtlCol="0" anchor="ctr"/>
+          <a:lstStyle/>
+          <a:p>
+            <a:pPr algn="ctr"/>
+            <a:endParaRPr lang="it-IT" dirty="0"/>
+          </a:p>
+        </p:txBody>
+      </p:sp>
+      <p:sp>
+        <p:nvSpPr>
+          <p:cNvPr id="6" name="Ovale 5"/>
+          <p:cNvSpPr/>
+          <p:nvPr/>
+        </p:nvSpPr>
+        <p:spPr>
+          <a:xfrm>
+            <a:off x="4293588" y="3324400"/>
+            <a:ext cx="360040" cy="360040"/>
+          </a:xfrm>
+          <a:prstGeom prst="ellipse">
+            <a:avLst/>
+          </a:prstGeom>
+        </p:spPr>
+        <p:style>
+          <a:lnRef idx="2">
+            <a:schemeClr val="accent1">
+              <a:shade val="50000"/>
+            </a:schemeClr>
+          </a:lnRef>
+          <a:fillRef idx="1">
+            <a:schemeClr val="accent1"/>
+          </a:fillRef>
+          <a:effectRef idx="0">
+            <a:schemeClr val="accent1"/>
+          </a:effectRef>
+          <a:fontRef idx="minor">
+            <a:schemeClr val="lt1"/>
+          </a:fontRef>
+        </p:style>
+        <p:txBody>
+          <a:bodyPr rtlCol="0" anchor="ctr"/>
+          <a:lstStyle/>
+          <a:p>
+            <a:pPr algn="ctr"/>
+            <a:endParaRPr lang="it-IT" dirty="0"/>
+          </a:p>
+        </p:txBody>
+      </p:sp>
+      <p:sp>
+        <p:nvSpPr>
+          <p:cNvPr id="7" name="Ovale 6"/>
+          <p:cNvSpPr/>
+          <p:nvPr/>
+        </p:nvSpPr>
+        <p:spPr>
+          <a:xfrm>
+            <a:off x="2843808" y="5157192"/>
+            <a:ext cx="360040" cy="360040"/>
+          </a:xfrm>
+          <a:prstGeom prst="ellipse">
+            <a:avLst/>
+          </a:prstGeom>
+        </p:spPr>
+        <p:style>
+          <a:lnRef idx="2">
+            <a:schemeClr val="accent1">
+              <a:shade val="50000"/>
+            </a:schemeClr>
+          </a:lnRef>
+          <a:fillRef idx="1">
+            <a:schemeClr val="accent1"/>
+          </a:fillRef>
+          <a:effectRef idx="0">
+            <a:schemeClr val="accent1"/>
+          </a:effectRef>
+          <a:fontRef idx="minor">
+            <a:schemeClr val="lt1"/>
+          </a:fontRef>
+        </p:style>
+        <p:txBody>
+          <a:bodyPr rtlCol="0" anchor="ctr"/>
+          <a:lstStyle/>
+          <a:p>
+            <a:pPr algn="ctr"/>
+            <a:endParaRPr lang="it-IT" dirty="0"/>
+          </a:p>
+        </p:txBody>
+      </p:sp>
+      <p:sp>
+        <p:nvSpPr>
+          <p:cNvPr id="9" name="Ovale 8"/>
+          <p:cNvSpPr/>
+          <p:nvPr/>
+        </p:nvSpPr>
+        <p:spPr>
+          <a:xfrm>
+            <a:off x="4293588" y="5337212"/>
+            <a:ext cx="360040" cy="360040"/>
+          </a:xfrm>
+          <a:prstGeom prst="ellipse">
+            <a:avLst/>
+          </a:prstGeom>
+        </p:spPr>
+        <p:style>
+          <a:lnRef idx="2">
+            <a:schemeClr val="accent1">
+              <a:shade val="50000"/>
+            </a:schemeClr>
+          </a:lnRef>
+          <a:fillRef idx="1">
+            <a:schemeClr val="accent1"/>
+          </a:fillRef>
+          <a:effectRef idx="0">
+            <a:schemeClr val="accent1"/>
+          </a:effectRef>
+          <a:fontRef idx="minor">
+            <a:schemeClr val="lt1"/>
+          </a:fontRef>
+        </p:style>
+        <p:txBody>
+          <a:bodyPr rtlCol="0" anchor="ctr"/>
+          <a:lstStyle/>
+          <a:p>
+            <a:pPr algn="ctr"/>
+            <a:endParaRPr lang="it-IT" dirty="0"/>
+          </a:p>
+        </p:txBody>
+      </p:sp>
+      <p:cxnSp>
+        <p:nvCxnSpPr>
+          <p:cNvPr id="13" name="Connettore 2 12"/>
+          <p:cNvCxnSpPr>
+            <a:stCxn id="4" idx="6"/>
+            <a:endCxn id="6" idx="2"/>
+          </p:cNvCxnSpPr>
+          <p:nvPr/>
+        </p:nvCxnSpPr>
+        <p:spPr>
+          <a:xfrm>
+            <a:off x="3203848" y="3176972"/>
+            <a:ext cx="1089740" cy="327448"/>
+          </a:xfrm>
+          <a:prstGeom prst="straightConnector1">
+            <a:avLst/>
+          </a:prstGeom>
+          <a:ln>
+            <a:tailEnd type="arrow"/>
+          </a:ln>
+        </p:spPr>
+        <p:style>
+          <a:lnRef idx="1">
+            <a:schemeClr val="accent1"/>
+          </a:lnRef>
+          <a:fillRef idx="0">
+            <a:schemeClr val="accent1"/>
+          </a:fillRef>
+          <a:effectRef idx="0">
+            <a:schemeClr val="accent1"/>
+          </a:effectRef>
+          <a:fontRef idx="minor">
+            <a:schemeClr val="tx1"/>
+          </a:fontRef>
+        </p:style>
+      </p:cxnSp>
+      <p:cxnSp>
+        <p:nvCxnSpPr>
+          <p:cNvPr id="15" name="Connettore 2 14"/>
+          <p:cNvCxnSpPr>
+            <a:stCxn id="5" idx="6"/>
+            <a:endCxn id="6" idx="2"/>
+          </p:cNvCxnSpPr>
+          <p:nvPr/>
+        </p:nvCxnSpPr>
+        <p:spPr>
+          <a:xfrm flipV="1">
+            <a:off x="3203848" y="3504420"/>
+            <a:ext cx="1089740" cy="320624"/>
+          </a:xfrm>
+          <a:prstGeom prst="straightConnector1">
+            <a:avLst/>
+          </a:prstGeom>
+          <a:ln>
+            <a:tailEnd type="arrow"/>
+          </a:ln>
+        </p:spPr>
+        <p:style>
+          <a:lnRef idx="1">
+            <a:schemeClr val="accent1"/>
+          </a:lnRef>
+          <a:fillRef idx="0">
+            <a:schemeClr val="accent1"/>
+          </a:fillRef>
+          <a:effectRef idx="0">
+            <a:schemeClr val="accent1"/>
+          </a:effectRef>
+          <a:fontRef idx="minor">
+            <a:schemeClr val="tx1"/>
+          </a:fontRef>
+        </p:style>
+      </p:cxnSp>
+      <p:cxnSp>
+        <p:nvCxnSpPr>
+          <p:cNvPr id="17" name="Connettore 2 16"/>
+          <p:cNvCxnSpPr>
+            <a:stCxn id="6" idx="6"/>
+          </p:cNvCxnSpPr>
+          <p:nvPr/>
+        </p:nvCxnSpPr>
+        <p:spPr>
+          <a:xfrm>
+            <a:off x="4653628" y="3504420"/>
+            <a:ext cx="926484" cy="0"/>
+          </a:xfrm>
+          <a:prstGeom prst="straightConnector1">
+            <a:avLst/>
+          </a:prstGeom>
+          <a:ln>
+            <a:tailEnd type="arrow"/>
+          </a:ln>
+        </p:spPr>
+        <p:style>
+          <a:lnRef idx="1">
+            <a:schemeClr val="accent1"/>
+          </a:lnRef>
+          <a:fillRef idx="0">
+            <a:schemeClr val="accent1"/>
+          </a:fillRef>
+          <a:effectRef idx="0">
+            <a:schemeClr val="accent1"/>
+          </a:effectRef>
+          <a:fontRef idx="minor">
+            <a:schemeClr val="tx1"/>
+          </a:fontRef>
+        </p:style>
+      </p:cxnSp>
+      <p:cxnSp>
+        <p:nvCxnSpPr>
+          <p:cNvPr id="19" name="Connettore 2 18"/>
+          <p:cNvCxnSpPr>
+            <a:stCxn id="7" idx="6"/>
+            <a:endCxn id="9" idx="2"/>
+          </p:cNvCxnSpPr>
+          <p:nvPr/>
+        </p:nvCxnSpPr>
+        <p:spPr>
+          <a:xfrm>
+            <a:off x="3203848" y="5337212"/>
+            <a:ext cx="1089740" cy="180020"/>
+          </a:xfrm>
+          <a:prstGeom prst="straightConnector1">
+            <a:avLst/>
+          </a:prstGeom>
+          <a:ln>
+            <a:tailEnd type="arrow"/>
+          </a:ln>
+        </p:spPr>
+        <p:style>
+          <a:lnRef idx="1">
+            <a:schemeClr val="accent1"/>
+          </a:lnRef>
+          <a:fillRef idx="0">
+            <a:schemeClr val="accent1"/>
+          </a:fillRef>
+          <a:effectRef idx="0">
+            <a:schemeClr val="accent1"/>
+          </a:effectRef>
+          <a:fontRef idx="minor">
+            <a:schemeClr val="tx1"/>
+          </a:fontRef>
+        </p:style>
+      </p:cxnSp>
+      <p:cxnSp>
+        <p:nvCxnSpPr>
+          <p:cNvPr id="23" name="Connettore 7 22"/>
+          <p:cNvCxnSpPr>
+            <a:stCxn id="9" idx="5"/>
+            <a:endCxn id="9" idx="3"/>
+          </p:cNvCxnSpPr>
+          <p:nvPr/>
+        </p:nvCxnSpPr>
+        <p:spPr>
+          <a:xfrm rot="5400000">
+            <a:off x="4473608" y="5517232"/>
+            <a:ext cx="12700" cy="254586"/>
+          </a:xfrm>
+          <a:prstGeom prst="curvedConnector3">
+            <a:avLst>
+              <a:gd name="adj1" fmla="val 4390173"/>
+            </a:avLst>
+          </a:prstGeom>
+          <a:ln>
+            <a:tailEnd type="arrow"/>
+          </a:ln>
+        </p:spPr>
+        <p:style>
+          <a:lnRef idx="1">
+            <a:schemeClr val="accent1"/>
+          </a:lnRef>
+          <a:fillRef idx="0">
+            <a:schemeClr val="accent1"/>
+          </a:fillRef>
+          <a:effectRef idx="0">
+            <a:schemeClr val="accent1"/>
+          </a:effectRef>
+          <a:fontRef idx="minor">
+            <a:schemeClr val="tx1"/>
+          </a:fontRef>
+        </p:style>
+      </p:cxnSp>
+      <p:cxnSp>
+        <p:nvCxnSpPr>
+          <p:cNvPr id="26" name="Connettore 2 25"/>
+          <p:cNvCxnSpPr>
+            <a:stCxn id="9" idx="6"/>
+          </p:cNvCxnSpPr>
+          <p:nvPr/>
+        </p:nvCxnSpPr>
+        <p:spPr>
+          <a:xfrm>
+            <a:off x="4653628" y="5517232"/>
+            <a:ext cx="1142508" cy="0"/>
+          </a:xfrm>
+          <a:prstGeom prst="straightConnector1">
+            <a:avLst/>
+          </a:prstGeom>
+          <a:ln>
+            <a:tailEnd type="arrow"/>
+          </a:ln>
+        </p:spPr>
+        <p:style>
+          <a:lnRef idx="1">
+            <a:schemeClr val="accent1"/>
+          </a:lnRef>
+          <a:fillRef idx="0">
+            <a:schemeClr val="accent1"/>
+          </a:fillRef>
+          <a:effectRef idx="0">
+            <a:schemeClr val="accent1"/>
+          </a:effectRef>
+          <a:fontRef idx="minor">
+            <a:schemeClr val="tx1"/>
+          </a:fontRef>
+        </p:style>
+      </p:cxnSp>
+    </p:spTree>
+    <p:extLst>
+      <p:ext uri="{BB962C8B-B14F-4D97-AF65-F5344CB8AC3E}">
+        <p14:creationId xmlns:p14="http://schemas.microsoft.com/office/powerpoint/2010/main" val="3796339483"/>
+      </p:ext>
+    </p:extLst>
+  </p:cSld>
+  <p:clrMapOvr>
+    <a:masterClrMapping/>
+  </p:clrMapOvr>
+</p:sld>
+</file>
+
+<file path=ppt/slides/slide12.xml><?xml version="1.0" encoding="utf-8"?>
+<p:sld xmlns:a="http://schemas.openxmlformats.org/drawingml/2006/main" xmlns:r="http://schemas.openxmlformats.org/officeDocument/2006/relationships" xmlns:p="http://schemas.openxmlformats.org/presentationml/2006/main">
+  <p:cSld>
+    <p:spTree>
+      <p:nvGrpSpPr>
+        <p:cNvPr id="1" name=""/>
+        <p:cNvGrpSpPr/>
+        <p:nvPr/>
+      </p:nvGrpSpPr>
+      <p:grpSpPr>
+        <a:xfrm>
+          <a:off x="0" y="0"/>
+          <a:ext cx="0" cy="0"/>
+          <a:chOff x="0" y="0"/>
+          <a:chExt cx="0" cy="0"/>
+        </a:xfrm>
+      </p:grpSpPr>
+      <p:sp>
+        <p:nvSpPr>
+          <p:cNvPr id="2" name="Titolo 1"/>
+          <p:cNvSpPr>
+            <a:spLocks noGrp="1"/>
+          </p:cNvSpPr>
+          <p:nvPr>
+            <p:ph type="title"/>
+          </p:nvPr>
+        </p:nvSpPr>
+        <p:spPr/>
+        <p:txBody>
+          <a:bodyPr/>
+          <a:lstStyle/>
+          <a:p>
+            <a:r>
+              <a:rPr lang="it-IT" dirty="0" err="1" smtClean="0"/>
+              <a:t>Different</a:t>
+            </a:r>
+            <a:r>
+              <a:rPr lang="it-IT" dirty="0" smtClean="0"/>
+              <a:t> </a:t>
+            </a:r>
+            <a:r>
+              <a:rPr lang="it-IT" dirty="0" err="1" smtClean="0"/>
+              <a:t>kinds</a:t>
+            </a:r>
+            <a:r>
+              <a:rPr lang="it-IT" dirty="0" smtClean="0"/>
+              <a:t> of </a:t>
+            </a:r>
+            <a:r>
+              <a:rPr lang="it-IT" dirty="0" err="1" smtClean="0"/>
+              <a:t>neural</a:t>
+            </a:r>
+            <a:r>
+              <a:rPr lang="it-IT" dirty="0" smtClean="0"/>
+              <a:t> networks</a:t>
+            </a:r>
+            <a:endParaRPr lang="it-IT" dirty="0"/>
+          </a:p>
+        </p:txBody>
+      </p:sp>
+      <p:sp>
+        <p:nvSpPr>
+          <p:cNvPr id="3" name="Segnaposto contenuto 2"/>
+          <p:cNvSpPr>
+            <a:spLocks noGrp="1"/>
+          </p:cNvSpPr>
+          <p:nvPr>
+            <p:ph idx="1"/>
+          </p:nvPr>
+        </p:nvSpPr>
+        <p:spPr/>
+        <p:txBody>
+          <a:bodyPr/>
+          <a:lstStyle/>
+          <a:p>
+            <a:r>
+              <a:rPr lang="it-IT" dirty="0" err="1" smtClean="0"/>
+              <a:t>Based</a:t>
+            </a:r>
+            <a:r>
+              <a:rPr lang="it-IT" dirty="0" smtClean="0"/>
+              <a:t> on </a:t>
+            </a:r>
+            <a:r>
+              <a:rPr lang="it-IT" dirty="0" err="1" smtClean="0"/>
+              <a:t>learning</a:t>
+            </a:r>
+            <a:r>
+              <a:rPr lang="it-IT" dirty="0" smtClean="0"/>
+              <a:t> </a:t>
+            </a:r>
+            <a:r>
+              <a:rPr lang="it-IT" dirty="0" err="1" smtClean="0"/>
+              <a:t>algorithm</a:t>
+            </a:r>
+            <a:r>
+              <a:rPr lang="it-IT" dirty="0" smtClean="0"/>
+              <a:t>:</a:t>
+            </a:r>
+          </a:p>
+          <a:p>
+            <a:endParaRPr lang="it-IT" dirty="0" smtClean="0"/>
+          </a:p>
+          <a:p>
+            <a:pPr lvl="1"/>
+            <a:r>
+              <a:rPr lang="it-IT" dirty="0" err="1" smtClean="0"/>
+              <a:t>Supervised</a:t>
+            </a:r>
+            <a:r>
+              <a:rPr lang="it-IT" dirty="0" smtClean="0"/>
+              <a:t> </a:t>
+            </a:r>
+            <a:r>
+              <a:rPr lang="it-IT" dirty="0" err="1" smtClean="0"/>
+              <a:t>learning</a:t>
+            </a:r>
+            <a:r>
+              <a:rPr lang="it-IT" dirty="0" smtClean="0"/>
+              <a:t>: the </a:t>
+            </a:r>
+            <a:r>
+              <a:rPr lang="it-IT" dirty="0" err="1" smtClean="0"/>
+              <a:t>expected</a:t>
+            </a:r>
+            <a:r>
+              <a:rPr lang="it-IT" dirty="0" smtClean="0"/>
+              <a:t> output </a:t>
+            </a:r>
+            <a:r>
+              <a:rPr lang="it-IT" dirty="0" err="1" smtClean="0"/>
+              <a:t>is</a:t>
+            </a:r>
+            <a:r>
+              <a:rPr lang="it-IT" dirty="0" smtClean="0"/>
+              <a:t> </a:t>
+            </a:r>
+            <a:r>
+              <a:rPr lang="it-IT" dirty="0" err="1" smtClean="0"/>
+              <a:t>known</a:t>
+            </a:r>
+            <a:r>
+              <a:rPr lang="it-IT" dirty="0" smtClean="0"/>
+              <a:t>, the </a:t>
+            </a:r>
+            <a:r>
+              <a:rPr lang="it-IT" dirty="0" err="1" smtClean="0"/>
+              <a:t>neural</a:t>
+            </a:r>
+            <a:r>
+              <a:rPr lang="it-IT" dirty="0" smtClean="0"/>
+              <a:t> network </a:t>
+            </a:r>
+            <a:r>
+              <a:rPr lang="it-IT" dirty="0" err="1" smtClean="0"/>
+              <a:t>is</a:t>
+            </a:r>
+            <a:r>
+              <a:rPr lang="it-IT" dirty="0" smtClean="0"/>
+              <a:t> </a:t>
+            </a:r>
+            <a:r>
+              <a:rPr lang="it-IT" dirty="0" err="1" smtClean="0"/>
+              <a:t>trained</a:t>
+            </a:r>
+            <a:r>
+              <a:rPr lang="it-IT" dirty="0" smtClean="0"/>
+              <a:t> to </a:t>
+            </a:r>
+            <a:r>
+              <a:rPr lang="it-IT" dirty="0" err="1" smtClean="0"/>
+              <a:t>map</a:t>
+            </a:r>
+            <a:r>
+              <a:rPr lang="it-IT" dirty="0" smtClean="0"/>
+              <a:t> the input </a:t>
+            </a:r>
+            <a:r>
+              <a:rPr lang="it-IT" dirty="0" err="1" smtClean="0"/>
+              <a:t>values</a:t>
+            </a:r>
+            <a:r>
+              <a:rPr lang="it-IT" dirty="0" smtClean="0"/>
+              <a:t> to the right output.</a:t>
+            </a:r>
+          </a:p>
+          <a:p>
+            <a:pPr lvl="1"/>
+            <a:endParaRPr lang="it-IT" dirty="0" smtClean="0"/>
+          </a:p>
+          <a:p>
+            <a:pPr lvl="1"/>
+            <a:r>
+              <a:rPr lang="it-IT" dirty="0" err="1" smtClean="0"/>
+              <a:t>Unsupervised</a:t>
+            </a:r>
+            <a:r>
+              <a:rPr lang="it-IT" dirty="0" smtClean="0"/>
+              <a:t> </a:t>
+            </a:r>
+            <a:r>
+              <a:rPr lang="it-IT" dirty="0" err="1" smtClean="0"/>
+              <a:t>learning</a:t>
+            </a:r>
+            <a:r>
+              <a:rPr lang="it-IT" dirty="0" smtClean="0"/>
+              <a:t>: the </a:t>
+            </a:r>
+            <a:r>
+              <a:rPr lang="it-IT" dirty="0" err="1" smtClean="0"/>
+              <a:t>expected</a:t>
+            </a:r>
+            <a:r>
+              <a:rPr lang="it-IT" dirty="0" smtClean="0"/>
+              <a:t> output </a:t>
+            </a:r>
+            <a:r>
+              <a:rPr lang="it-IT" dirty="0" err="1" smtClean="0"/>
+              <a:t>is</a:t>
+            </a:r>
+            <a:r>
+              <a:rPr lang="it-IT" dirty="0" smtClean="0"/>
+              <a:t> </a:t>
+            </a:r>
+            <a:r>
+              <a:rPr lang="it-IT" dirty="0" err="1" smtClean="0"/>
+              <a:t>unknown</a:t>
+            </a:r>
+            <a:r>
+              <a:rPr lang="it-IT" dirty="0" smtClean="0"/>
+              <a:t>, the task of the </a:t>
+            </a:r>
+            <a:r>
+              <a:rPr lang="it-IT" dirty="0" err="1" smtClean="0"/>
+              <a:t>neural</a:t>
+            </a:r>
+            <a:r>
+              <a:rPr lang="it-IT" dirty="0" smtClean="0"/>
+              <a:t> network </a:t>
+            </a:r>
+            <a:r>
+              <a:rPr lang="it-IT" dirty="0" err="1" smtClean="0"/>
+              <a:t>is</a:t>
+            </a:r>
+            <a:r>
+              <a:rPr lang="it-IT" dirty="0" smtClean="0"/>
+              <a:t> to </a:t>
+            </a:r>
+            <a:r>
+              <a:rPr lang="it-IT" dirty="0" err="1" smtClean="0"/>
+              <a:t>adjust</a:t>
+            </a:r>
+            <a:r>
+              <a:rPr lang="it-IT" dirty="0" smtClean="0"/>
+              <a:t> the </a:t>
+            </a:r>
+            <a:r>
+              <a:rPr lang="it-IT" dirty="0" err="1" smtClean="0"/>
+              <a:t>weights</a:t>
+            </a:r>
+            <a:r>
+              <a:rPr lang="it-IT" dirty="0" smtClean="0"/>
+              <a:t> </a:t>
+            </a:r>
+            <a:r>
+              <a:rPr lang="it-IT" dirty="0" err="1" smtClean="0"/>
+              <a:t>itself</a:t>
+            </a:r>
+            <a:r>
+              <a:rPr lang="it-IT" dirty="0" smtClean="0"/>
+              <a:t> to </a:t>
+            </a:r>
+            <a:r>
+              <a:rPr lang="it-IT" dirty="0" err="1" smtClean="0"/>
+              <a:t>obtain</a:t>
+            </a:r>
+            <a:r>
+              <a:rPr lang="it-IT" dirty="0" smtClean="0"/>
+              <a:t> a </a:t>
+            </a:r>
+            <a:r>
+              <a:rPr lang="it-IT" dirty="0" err="1" smtClean="0"/>
+              <a:t>correct</a:t>
+            </a:r>
+            <a:r>
+              <a:rPr lang="it-IT" dirty="0" smtClean="0"/>
+              <a:t> output.</a:t>
+            </a:r>
+            <a:endParaRPr lang="it-IT" dirty="0"/>
+          </a:p>
+        </p:txBody>
+      </p:sp>
+    </p:spTree>
+    <p:extLst>
+      <p:ext uri="{BB962C8B-B14F-4D97-AF65-F5344CB8AC3E}">
+        <p14:creationId xmlns:p14="http://schemas.microsoft.com/office/powerpoint/2010/main" val="4212615713"/>
+      </p:ext>
+    </p:extLst>
+  </p:cSld>
+  <p:clrMapOvr>
+    <a:masterClrMapping/>
+  </p:clrMapOvr>
+</p:sld>
+</file>
+
+<file path=ppt/slides/slide13.xml><?xml version="1.0" encoding="utf-8"?>
+<p:sld xmlns:a="http://schemas.openxmlformats.org/drawingml/2006/main" xmlns:r="http://schemas.openxmlformats.org/officeDocument/2006/relationships" xmlns:p="http://schemas.openxmlformats.org/presentationml/2006/main">
+  <p:cSld>
+    <p:spTree>
+      <p:nvGrpSpPr>
+        <p:cNvPr id="1" name=""/>
+        <p:cNvGrpSpPr/>
+        <p:nvPr/>
+      </p:nvGrpSpPr>
+      <p:grpSpPr>
+        <a:xfrm>
+          <a:off x="0" y="0"/>
+          <a:ext cx="0" cy="0"/>
+          <a:chOff x="0" y="0"/>
+          <a:chExt cx="0" cy="0"/>
+        </a:xfrm>
+      </p:grpSpPr>
+      <p:sp>
+        <p:nvSpPr>
+          <p:cNvPr id="2" name="Titolo 1"/>
+          <p:cNvSpPr>
+            <a:spLocks noGrp="1"/>
+          </p:cNvSpPr>
+          <p:nvPr>
+            <p:ph type="title"/>
+          </p:nvPr>
+        </p:nvSpPr>
+        <p:spPr/>
+        <p:txBody>
+          <a:bodyPr/>
+          <a:lstStyle/>
+          <a:p>
+            <a:r>
+              <a:rPr lang="it-IT" dirty="0" smtClean="0"/>
+              <a:t>A </a:t>
+            </a:r>
+            <a:r>
+              <a:rPr lang="it-IT" dirty="0" err="1" smtClean="0"/>
+              <a:t>simple</a:t>
+            </a:r>
+            <a:r>
+              <a:rPr lang="it-IT" dirty="0" smtClean="0"/>
+              <a:t> </a:t>
+            </a:r>
+            <a:r>
+              <a:rPr lang="it-IT" dirty="0" err="1" smtClean="0"/>
+              <a:t>example</a:t>
+            </a:r>
+            <a:r>
+              <a:rPr lang="it-IT" dirty="0" smtClean="0"/>
+              <a:t>: AND</a:t>
+            </a:r>
+            <a:endParaRPr lang="it-IT" dirty="0"/>
+          </a:p>
+        </p:txBody>
+      </p:sp>
+      <p:sp>
+        <p:nvSpPr>
+          <p:cNvPr id="3" name="Segnaposto contenuto 2"/>
+          <p:cNvSpPr>
+            <a:spLocks noGrp="1"/>
+          </p:cNvSpPr>
+          <p:nvPr>
+            <p:ph idx="1"/>
+          </p:nvPr>
+        </p:nvSpPr>
+        <p:spPr/>
+        <p:txBody>
+          <a:bodyPr/>
+          <a:lstStyle/>
+          <a:p>
+            <a:r>
+              <a:rPr lang="it-IT" dirty="0" err="1" smtClean="0"/>
+              <a:t>We</a:t>
+            </a:r>
+            <a:r>
+              <a:rPr lang="it-IT" dirty="0" smtClean="0"/>
+              <a:t> </a:t>
+            </a:r>
+            <a:r>
+              <a:rPr lang="it-IT" dirty="0" err="1" smtClean="0"/>
+              <a:t>want</a:t>
+            </a:r>
+            <a:r>
+              <a:rPr lang="it-IT" dirty="0" smtClean="0"/>
+              <a:t> </a:t>
+            </a:r>
+            <a:r>
+              <a:rPr lang="it-IT" dirty="0" err="1" smtClean="0"/>
+              <a:t>implement</a:t>
+            </a:r>
+            <a:r>
+              <a:rPr lang="it-IT" dirty="0" smtClean="0"/>
+              <a:t> the AND </a:t>
+            </a:r>
+            <a:r>
+              <a:rPr lang="it-IT" dirty="0" err="1" smtClean="0"/>
+              <a:t>operation</a:t>
+            </a:r>
+            <a:r>
+              <a:rPr lang="it-IT" dirty="0" smtClean="0"/>
+              <a:t> with </a:t>
+            </a:r>
+            <a:r>
+              <a:rPr lang="it-IT" dirty="0" err="1" smtClean="0"/>
+              <a:t>neural</a:t>
+            </a:r>
+            <a:r>
+              <a:rPr lang="it-IT" dirty="0" smtClean="0"/>
+              <a:t> network. To do </a:t>
+            </a:r>
+            <a:r>
+              <a:rPr lang="it-IT" dirty="0" err="1" smtClean="0"/>
+              <a:t>this</a:t>
+            </a:r>
+            <a:r>
+              <a:rPr lang="it-IT" dirty="0" smtClean="0"/>
+              <a:t> </a:t>
+            </a:r>
+            <a:r>
+              <a:rPr lang="it-IT" dirty="0" err="1" smtClean="0"/>
+              <a:t>only</a:t>
+            </a:r>
+            <a:r>
+              <a:rPr lang="it-IT" dirty="0" smtClean="0"/>
+              <a:t> </a:t>
+            </a:r>
+            <a:r>
+              <a:rPr lang="it-IT" dirty="0" err="1" smtClean="0"/>
+              <a:t>one</a:t>
+            </a:r>
+            <a:r>
+              <a:rPr lang="it-IT" dirty="0" smtClean="0"/>
+              <a:t> </a:t>
+            </a:r>
+            <a:r>
+              <a:rPr lang="it-IT" dirty="0" err="1" smtClean="0"/>
+              <a:t>neuron</a:t>
+            </a:r>
+            <a:r>
+              <a:rPr lang="it-IT" dirty="0" smtClean="0"/>
+              <a:t> </a:t>
+            </a:r>
+            <a:r>
+              <a:rPr lang="it-IT" dirty="0" err="1" smtClean="0"/>
+              <a:t>is</a:t>
+            </a:r>
+            <a:r>
+              <a:rPr lang="it-IT" dirty="0" smtClean="0"/>
+              <a:t> </a:t>
+            </a:r>
+            <a:r>
+              <a:rPr lang="it-IT" dirty="0" err="1" smtClean="0"/>
+              <a:t>needed</a:t>
+            </a:r>
+            <a:r>
+              <a:rPr lang="it-IT" dirty="0" smtClean="0"/>
+              <a:t>, with 2 input and 1 output (the </a:t>
+            </a:r>
+            <a:r>
+              <a:rPr lang="it-IT" dirty="0" err="1" smtClean="0"/>
+              <a:t>result</a:t>
+            </a:r>
+            <a:r>
+              <a:rPr lang="it-IT" dirty="0" smtClean="0"/>
+              <a:t> of the </a:t>
+            </a:r>
+            <a:r>
+              <a:rPr lang="it-IT" dirty="0" err="1" smtClean="0"/>
+              <a:t>operation</a:t>
+            </a:r>
+            <a:r>
+              <a:rPr lang="it-IT" dirty="0" smtClean="0"/>
+              <a:t>).</a:t>
+            </a:r>
+          </a:p>
+          <a:p>
+            <a:endParaRPr lang="it-IT" dirty="0"/>
+          </a:p>
+        </p:txBody>
+      </p:sp>
+    </p:spTree>
+    <p:extLst>
+      <p:ext uri="{BB962C8B-B14F-4D97-AF65-F5344CB8AC3E}">
+        <p14:creationId xmlns:p14="http://schemas.microsoft.com/office/powerpoint/2010/main" val="3735340876"/>
+      </p:ext>
+    </p:extLst>
+  </p:cSld>
+  <p:clrMapOvr>
+    <a:masterClrMapping/>
+  </p:clrMapOvr>
+</p:sld>
+</file>
+
 <file path=ppt/slides/slide2.xml><?xml version="1.0" encoding="utf-8"?>
 <p:sld xmlns:a="http://schemas.openxmlformats.org/drawingml/2006/main" xmlns:r="http://schemas.openxmlformats.org/officeDocument/2006/relationships" xmlns:p="http://schemas.openxmlformats.org/presentationml/2006/main">
   <p:cSld>
@@ -4445,11 +5745,7 @@
             </a:r>
             <a:r>
               <a:rPr lang="it-IT" dirty="0" err="1" smtClean="0"/>
-              <a:t>N</a:t>
-            </a:r>
-            <a:r>
-              <a:rPr lang="it-IT" dirty="0" err="1" smtClean="0"/>
-              <a:t>euroscience</a:t>
+              <a:t>Neuroscience</a:t>
             </a:r>
             <a:r>
               <a:rPr lang="it-IT" dirty="0" smtClean="0"/>
@@ -5035,13 +6331,6 @@
               </a:rPr>
               <a:t>"ACTIVATION"?</a:t>
             </a:r>
-            <a:endParaRPr lang="it-IT" sz="5400" dirty="0" smtClean="0">
-              <a:solidFill>
-                <a:schemeClr val="tx2">
-                  <a:lumMod val="75000"/>
-                </a:schemeClr>
-              </a:solidFill>
-            </a:endParaRPr>
           </a:p>
         </p:txBody>
       </p:sp>
@@ -5527,11 +6816,11 @@
   <p:clrMapOvr>
     <a:masterClrMapping/>
   </p:clrMapOvr>
-  <mc:AlternateContent xmlns:mc="http://schemas.openxmlformats.org/markup-compatibility/2006">
-    <mc:Choice xmlns:p14="http://schemas.microsoft.com/office/powerpoint/2010/main" Requires="p14">
+  <mc:AlternateContent xmlns:mc="http://schemas.openxmlformats.org/markup-compatibility/2006" xmlns:p14="http://schemas.microsoft.com/office/powerpoint/2010/main">
+    <mc:Choice Requires="p14">
       <p:transition p14:dur="0"/>
     </mc:Choice>
-    <mc:Fallback>
+    <mc:Fallback xmlns="">
       <p:transition/>
     </mc:Fallback>
   </mc:AlternateContent>
@@ -5763,13 +7052,13 @@
   <p:clrMapOvr>
     <a:masterClrMapping/>
   </p:clrMapOvr>
-  <mc:AlternateContent xmlns:mc="http://schemas.openxmlformats.org/markup-compatibility/2006">
-    <mc:Choice xmlns:p14="http://schemas.microsoft.com/office/powerpoint/2010/main" Requires="p14">
+  <mc:AlternateContent xmlns:mc="http://schemas.openxmlformats.org/markup-compatibility/2006" xmlns:p14="http://schemas.microsoft.com/office/powerpoint/2010/main">
+    <mc:Choice Requires="p14">
       <p:transition spd="med" p14:dur="700">
         <p:fade/>
       </p:transition>
     </mc:Choice>
-    <mc:Fallback>
+    <mc:Fallback xmlns="">
       <p:transition spd="med">
         <p:fade/>
       </p:transition>
@@ -5947,257 +7236,462 @@
               <a:rPr lang="it-IT" dirty="0"/>
               <a:t> networks</a:t>
             </a:r>
-            <a:endParaRPr lang="it-IT" dirty="0"/>
-          </a:p>
-        </p:txBody>
-      </p:sp>
-      <p:sp>
-        <p:nvSpPr>
-          <p:cNvPr id="3" name="Segnaposto contenuto 2"/>
-          <p:cNvSpPr>
-            <a:spLocks noGrp="1"/>
-          </p:cNvSpPr>
-          <p:nvPr>
-            <p:ph idx="1"/>
-          </p:nvPr>
-        </p:nvSpPr>
-        <p:spPr/>
-        <p:txBody>
-          <a:bodyPr/>
-          <a:lstStyle/>
-          <a:p>
-            <a:r>
-              <a:rPr lang="it-IT" dirty="0" smtClean="0"/>
-              <a:t>The </a:t>
-            </a:r>
-            <a:r>
-              <a:rPr lang="it-IT" dirty="0" err="1" smtClean="0"/>
-              <a:t>activation</a:t>
-            </a:r>
-            <a:r>
-              <a:rPr lang="it-IT" dirty="0" smtClean="0"/>
-              <a:t> </a:t>
-            </a:r>
-            <a:r>
-              <a:rPr lang="it-IT" dirty="0" err="1" smtClean="0"/>
-              <a:t>value</a:t>
-            </a:r>
-            <a:r>
-              <a:rPr lang="it-IT" dirty="0" smtClean="0"/>
-              <a:t> (</a:t>
-            </a:r>
-            <a:r>
-              <a:rPr lang="it-IT" i="1" dirty="0" smtClean="0"/>
-              <a:t>a</a:t>
-            </a:r>
-            <a:r>
-              <a:rPr lang="it-IT" dirty="0" smtClean="0"/>
-              <a:t>) </a:t>
-            </a:r>
-            <a:r>
-              <a:rPr lang="it-IT" dirty="0" err="1" smtClean="0"/>
-              <a:t>is</a:t>
-            </a:r>
-            <a:r>
-              <a:rPr lang="it-IT" dirty="0" smtClean="0"/>
-              <a:t> </a:t>
-            </a:r>
-            <a:r>
-              <a:rPr lang="it-IT" dirty="0" err="1" smtClean="0"/>
-              <a:t>calculated</a:t>
-            </a:r>
-            <a:r>
-              <a:rPr lang="it-IT" dirty="0" smtClean="0"/>
-              <a:t> by the formula:</a:t>
-            </a:r>
-          </a:p>
-          <a:p>
-            <a:endParaRPr lang="it-IT" dirty="0"/>
-          </a:p>
-          <a:p>
-            <a:pPr marL="0" indent="0" algn="ctr">
-              <a:buNone/>
-            </a:pPr>
-            <a:r>
-              <a:rPr lang="it-IT" i="1" dirty="0"/>
-              <a:t>a = </a:t>
-            </a:r>
-            <a:r>
-              <a:rPr lang="it-IT" i="1" dirty="0" smtClean="0"/>
-              <a:t>x</a:t>
-            </a:r>
-            <a:r>
-              <a:rPr lang="it-IT" i="1" baseline="-25000" dirty="0" smtClean="0"/>
-              <a:t>1</a:t>
-            </a:r>
-            <a:r>
-              <a:rPr lang="it-IT" i="1" dirty="0" smtClean="0"/>
-              <a:t>w</a:t>
-            </a:r>
-            <a:r>
-              <a:rPr lang="it-IT" i="1" baseline="-25000" dirty="0" smtClean="0"/>
-              <a:t>1 </a:t>
-            </a:r>
-            <a:r>
-              <a:rPr lang="it-IT" i="1" dirty="0" smtClean="0"/>
-              <a:t>+ x</a:t>
-            </a:r>
-            <a:r>
-              <a:rPr lang="it-IT" i="1" baseline="-25000" dirty="0" smtClean="0"/>
-              <a:t>2</a:t>
-            </a:r>
-            <a:r>
-              <a:rPr lang="it-IT" i="1" dirty="0" smtClean="0"/>
-              <a:t>w</a:t>
-            </a:r>
-            <a:r>
-              <a:rPr lang="it-IT" i="1" baseline="-25000" dirty="0" smtClean="0"/>
-              <a:t>2 </a:t>
-            </a:r>
-            <a:r>
-              <a:rPr lang="it-IT" i="1" dirty="0" smtClean="0"/>
-              <a:t>+ x</a:t>
-            </a:r>
-            <a:r>
-              <a:rPr lang="it-IT" i="1" baseline="-25000" dirty="0" smtClean="0"/>
-              <a:t>3</a:t>
-            </a:r>
-            <a:r>
-              <a:rPr lang="it-IT" i="1" dirty="0" smtClean="0"/>
-              <a:t>w</a:t>
-            </a:r>
-            <a:r>
-              <a:rPr lang="it-IT" i="1" baseline="-25000" dirty="0" smtClean="0"/>
-              <a:t>3 </a:t>
-            </a:r>
-            <a:r>
-              <a:rPr lang="it-IT" i="1" dirty="0" smtClean="0"/>
-              <a:t>... </a:t>
-            </a:r>
-            <a:r>
-              <a:rPr lang="it-IT" i="1" dirty="0"/>
-              <a:t>+</a:t>
-            </a:r>
-            <a:r>
-              <a:rPr lang="it-IT" i="1" dirty="0" err="1" smtClean="0"/>
-              <a:t>x</a:t>
-            </a:r>
-            <a:r>
-              <a:rPr lang="it-IT" i="1" baseline="-25000" dirty="0" err="1" smtClean="0"/>
-              <a:t>n</a:t>
-            </a:r>
-            <a:r>
-              <a:rPr lang="it-IT" i="1" dirty="0" err="1" smtClean="0"/>
-              <a:t>w</a:t>
-            </a:r>
-            <a:r>
-              <a:rPr lang="it-IT" i="1" baseline="-25000" dirty="0" err="1" smtClean="0"/>
-              <a:t>n</a:t>
-            </a:r>
-            <a:endParaRPr lang="it-IT" i="1" baseline="-25000" dirty="0" smtClean="0"/>
-          </a:p>
-          <a:p>
-            <a:pPr marL="0" indent="0" algn="ctr">
-              <a:buNone/>
-            </a:pPr>
-            <a:endParaRPr lang="it-IT" i="1" baseline="-25000" dirty="0"/>
-          </a:p>
-          <a:p>
-            <a:r>
-              <a:rPr lang="it-IT" dirty="0" err="1" smtClean="0"/>
-              <a:t>Then</a:t>
-            </a:r>
-            <a:r>
-              <a:rPr lang="it-IT" dirty="0" smtClean="0"/>
-              <a:t> </a:t>
-            </a:r>
-            <a:r>
-              <a:rPr lang="it-IT" dirty="0" err="1" smtClean="0"/>
-              <a:t>we</a:t>
-            </a:r>
-            <a:r>
-              <a:rPr lang="it-IT" dirty="0" smtClean="0"/>
-              <a:t> </a:t>
-            </a:r>
-            <a:r>
-              <a:rPr lang="it-IT" dirty="0" err="1" smtClean="0"/>
-              <a:t>perform</a:t>
-            </a:r>
-            <a:r>
-              <a:rPr lang="it-IT" dirty="0" smtClean="0"/>
-              <a:t> a </a:t>
-            </a:r>
-            <a:r>
-              <a:rPr lang="it-IT" dirty="0" err="1" smtClean="0"/>
-              <a:t>simple</a:t>
-            </a:r>
-            <a:r>
-              <a:rPr lang="it-IT" dirty="0" smtClean="0"/>
-              <a:t> </a:t>
-            </a:r>
-            <a:r>
-              <a:rPr lang="it-IT" dirty="0" err="1" smtClean="0"/>
-              <a:t>check</a:t>
-            </a:r>
-            <a:r>
-              <a:rPr lang="it-IT" dirty="0" smtClean="0"/>
-              <a:t>: </a:t>
-            </a:r>
-          </a:p>
-          <a:p>
-            <a:pPr marL="274320" lvl="1" indent="0">
-              <a:buNone/>
-            </a:pPr>
-            <a:endParaRPr lang="it-IT" i="1" dirty="0" smtClean="0"/>
-          </a:p>
-          <a:p>
-            <a:pPr marL="274320" lvl="1" indent="0" algn="ctr">
-              <a:buNone/>
-            </a:pPr>
-            <a:r>
-              <a:rPr lang="it-IT" sz="2400" i="1" dirty="0" err="1" smtClean="0"/>
-              <a:t>If</a:t>
-            </a:r>
-            <a:r>
-              <a:rPr lang="it-IT" sz="2400" i="1" dirty="0" smtClean="0"/>
-              <a:t> (a &gt; </a:t>
-            </a:r>
-            <a:r>
-              <a:rPr lang="it-IT" sz="2400" i="1" dirty="0" err="1" smtClean="0"/>
-              <a:t>thr</a:t>
-            </a:r>
-            <a:r>
-              <a:rPr lang="it-IT" sz="2400" i="1" dirty="0" smtClean="0"/>
-              <a:t>) </a:t>
-            </a:r>
-            <a:r>
-              <a:rPr lang="it-IT" sz="2400" i="1" dirty="0" err="1" smtClean="0"/>
-              <a:t>then</a:t>
-            </a:r>
-            <a:r>
-              <a:rPr lang="it-IT" sz="2400" i="1" dirty="0" smtClean="0"/>
-              <a:t> </a:t>
-            </a:r>
-            <a:r>
-              <a:rPr lang="it-IT" sz="2400" i="1" dirty="0" err="1" smtClean="0"/>
-              <a:t>activate</a:t>
-            </a:r>
-            <a:r>
-              <a:rPr lang="it-IT" sz="2400" i="1" dirty="0" smtClean="0"/>
-              <a:t>(</a:t>
-            </a:r>
-            <a:r>
-              <a:rPr lang="it-IT" sz="2400" i="1" dirty="0" err="1" smtClean="0"/>
-              <a:t>true</a:t>
-            </a:r>
-            <a:r>
-              <a:rPr lang="it-IT" sz="2400" i="1" dirty="0" smtClean="0"/>
-              <a:t>);</a:t>
-            </a:r>
-            <a:endParaRPr lang="it-IT" sz="2400" i="1" dirty="0"/>
-          </a:p>
-        </p:txBody>
-      </p:sp>
+          </a:p>
+        </p:txBody>
+      </p:sp>
+      <mc:AlternateContent xmlns:mc="http://schemas.openxmlformats.org/markup-compatibility/2006">
+        <mc:Choice xmlns:a14="http://schemas.microsoft.com/office/drawing/2010/main" Requires="a14">
+          <p:sp>
+            <p:nvSpPr>
+              <p:cNvPr id="3" name="Segnaposto contenuto 2"/>
+              <p:cNvSpPr>
+                <a:spLocks noGrp="1"/>
+              </p:cNvSpPr>
+              <p:nvPr>
+                <p:ph idx="1"/>
+              </p:nvPr>
+            </p:nvSpPr>
+            <p:spPr/>
+            <p:txBody>
+              <a:bodyPr/>
+              <a:lstStyle/>
+              <a:p>
+                <a:r>
+                  <a:rPr lang="it-IT" dirty="0" smtClean="0"/>
+                  <a:t>The </a:t>
+                </a:r>
+                <a:r>
+                  <a:rPr lang="it-IT" dirty="0" err="1" smtClean="0"/>
+                  <a:t>activation</a:t>
+                </a:r>
+                <a:r>
+                  <a:rPr lang="it-IT" dirty="0" smtClean="0"/>
+                  <a:t> </a:t>
+                </a:r>
+                <a:r>
+                  <a:rPr lang="it-IT" dirty="0" err="1" smtClean="0"/>
+                  <a:t>value</a:t>
+                </a:r>
+                <a:r>
+                  <a:rPr lang="it-IT" dirty="0" smtClean="0"/>
+                  <a:t> (</a:t>
+                </a:r>
+                <a:r>
+                  <a:rPr lang="it-IT" i="1" dirty="0" smtClean="0"/>
+                  <a:t>a</a:t>
+                </a:r>
+                <a:r>
+                  <a:rPr lang="it-IT" dirty="0" smtClean="0"/>
+                  <a:t>) </a:t>
+                </a:r>
+                <a:r>
+                  <a:rPr lang="it-IT" dirty="0" err="1" smtClean="0"/>
+                  <a:t>is</a:t>
+                </a:r>
+                <a:r>
+                  <a:rPr lang="it-IT" dirty="0" smtClean="0"/>
+                  <a:t> </a:t>
+                </a:r>
+                <a:r>
+                  <a:rPr lang="it-IT" dirty="0" err="1" smtClean="0"/>
+                  <a:t>calculated</a:t>
+                </a:r>
+                <a:r>
+                  <a:rPr lang="it-IT" dirty="0" smtClean="0"/>
+                  <a:t> by the formula:</a:t>
+                </a:r>
+              </a:p>
+              <a:p>
+                <a:endParaRPr lang="it-IT" dirty="0"/>
+              </a:p>
+              <a:p>
+                <a:pPr marL="0" indent="0" algn="ctr">
+                  <a:buNone/>
+                </a:pPr>
+                <a:r>
+                  <a:rPr lang="it-IT" i="1" dirty="0"/>
+                  <a:t>a = </a:t>
+                </a:r>
+                <a:r>
+                  <a:rPr lang="it-IT" i="1" dirty="0" smtClean="0"/>
+                  <a:t>x</a:t>
+                </a:r>
+                <a:r>
+                  <a:rPr lang="it-IT" i="1" baseline="-25000" dirty="0" smtClean="0"/>
+                  <a:t>1</a:t>
+                </a:r>
+                <a:r>
+                  <a:rPr lang="it-IT" i="1" dirty="0" smtClean="0"/>
+                  <a:t>w</a:t>
+                </a:r>
+                <a:r>
+                  <a:rPr lang="it-IT" i="1" baseline="-25000" dirty="0" smtClean="0"/>
+                  <a:t>1 </a:t>
+                </a:r>
+                <a:r>
+                  <a:rPr lang="it-IT" i="1" dirty="0" smtClean="0"/>
+                  <a:t>+ x</a:t>
+                </a:r>
+                <a:r>
+                  <a:rPr lang="it-IT" i="1" baseline="-25000" dirty="0" smtClean="0"/>
+                  <a:t>2</a:t>
+                </a:r>
+                <a:r>
+                  <a:rPr lang="it-IT" i="1" dirty="0" smtClean="0"/>
+                  <a:t>w</a:t>
+                </a:r>
+                <a:r>
+                  <a:rPr lang="it-IT" i="1" baseline="-25000" dirty="0" smtClean="0"/>
+                  <a:t>2 </a:t>
+                </a:r>
+                <a:r>
+                  <a:rPr lang="it-IT" i="1" dirty="0" smtClean="0"/>
+                  <a:t>+ x</a:t>
+                </a:r>
+                <a:r>
+                  <a:rPr lang="it-IT" i="1" baseline="-25000" dirty="0" smtClean="0"/>
+                  <a:t>3</a:t>
+                </a:r>
+                <a:r>
+                  <a:rPr lang="it-IT" i="1" dirty="0" smtClean="0"/>
+                  <a:t>w</a:t>
+                </a:r>
+                <a:r>
+                  <a:rPr lang="it-IT" i="1" baseline="-25000" dirty="0" smtClean="0"/>
+                  <a:t>3 </a:t>
+                </a:r>
+                <a:r>
+                  <a:rPr lang="it-IT" i="1" dirty="0" smtClean="0"/>
+                  <a:t>... </a:t>
+                </a:r>
+                <a:r>
+                  <a:rPr lang="it-IT" i="1" dirty="0"/>
+                  <a:t>+</a:t>
+                </a:r>
+                <a:r>
+                  <a:rPr lang="it-IT" i="1" dirty="0" err="1" smtClean="0"/>
+                  <a:t>x</a:t>
+                </a:r>
+                <a:r>
+                  <a:rPr lang="it-IT" i="1" baseline="-25000" dirty="0" err="1" smtClean="0"/>
+                  <a:t>n</a:t>
+                </a:r>
+                <a:r>
+                  <a:rPr lang="it-IT" i="1" dirty="0" err="1" smtClean="0"/>
+                  <a:t>w</a:t>
+                </a:r>
+                <a:r>
+                  <a:rPr lang="it-IT" i="1" baseline="-25000" dirty="0" err="1" smtClean="0"/>
+                  <a:t>n</a:t>
+                </a:r>
+                <a:endParaRPr lang="it-IT" i="1" baseline="-25000" dirty="0" smtClean="0"/>
+              </a:p>
+              <a:p>
+                <a:pPr marL="274320" lvl="1" indent="0">
+                  <a:buNone/>
+                </a:pPr>
+                <a:endParaRPr lang="it-IT" dirty="0" smtClean="0"/>
+              </a:p>
+              <a:p>
+                <a:pPr lvl="1"/>
+                <a14:m>
+                  <m:oMath xmlns:m="http://schemas.openxmlformats.org/officeDocument/2006/math">
+                    <m:sSub>
+                      <m:sSubPr>
+                        <m:ctrlPr>
+                          <a:rPr lang="it-IT" b="0" i="1" smtClean="0">
+                            <a:latin typeface="Cambria Math"/>
+                          </a:rPr>
+                        </m:ctrlPr>
+                      </m:sSubPr>
+                      <m:e>
+                        <m:r>
+                          <a:rPr lang="it-IT" b="0" i="1" smtClean="0">
+                            <a:latin typeface="Cambria Math"/>
+                          </a:rPr>
+                          <m:t>𝑠</m:t>
+                        </m:r>
+                      </m:e>
+                      <m:sub>
+                        <m:r>
+                          <a:rPr lang="it-IT" b="0" i="1" smtClean="0">
+                            <a:latin typeface="Cambria Math"/>
+                          </a:rPr>
+                          <m:t>𝑖</m:t>
+                        </m:r>
+                      </m:sub>
+                    </m:sSub>
+                  </m:oMath>
+                </a14:m>
+                <a:r>
+                  <a:rPr lang="it-IT" dirty="0" smtClean="0"/>
+                  <a:t> </a:t>
+                </a:r>
+                <a:r>
+                  <a:rPr lang="it-IT" dirty="0" err="1" smtClean="0"/>
+                  <a:t>is</a:t>
+                </a:r>
+                <a:r>
+                  <a:rPr lang="it-IT" dirty="0" smtClean="0"/>
+                  <a:t> the </a:t>
+                </a:r>
+                <a:r>
+                  <a:rPr lang="it-IT" dirty="0" err="1" smtClean="0"/>
+                  <a:t>ith</a:t>
+                </a:r>
+                <a:r>
+                  <a:rPr lang="it-IT" dirty="0" smtClean="0"/>
+                  <a:t> input for </a:t>
+                </a:r>
+                <a14:m>
+                  <m:oMath xmlns:m="http://schemas.openxmlformats.org/officeDocument/2006/math">
+                    <m:r>
+                      <a:rPr lang="it-IT" b="0" i="1" smtClean="0">
+                        <a:latin typeface="Cambria Math"/>
+                      </a:rPr>
+                      <m:t>1≤</m:t>
+                    </m:r>
+                    <m:r>
+                      <a:rPr lang="it-IT" b="0" i="1" smtClean="0">
+                        <a:latin typeface="Cambria Math"/>
+                      </a:rPr>
+                      <m:t>𝑖</m:t>
+                    </m:r>
+                    <m:r>
+                      <a:rPr lang="it-IT" b="0" i="1" smtClean="0">
+                        <a:latin typeface="Cambria Math"/>
+                      </a:rPr>
+                      <m:t>≤</m:t>
+                    </m:r>
+                    <m:r>
+                      <a:rPr lang="it-IT" b="0" i="1" smtClean="0">
+                        <a:latin typeface="Cambria Math"/>
+                      </a:rPr>
+                      <m:t>𝑛</m:t>
+                    </m:r>
+                  </m:oMath>
+                </a14:m>
+                <a:r>
+                  <a:rPr lang="it-IT" dirty="0" smtClean="0"/>
+                  <a:t>.</a:t>
+                </a:r>
+              </a:p>
+              <a:p>
+                <a:pPr lvl="1"/>
+                <a14:m>
+                  <m:oMath xmlns:m="http://schemas.openxmlformats.org/officeDocument/2006/math">
+                    <m:sSub>
+                      <m:sSubPr>
+                        <m:ctrlPr>
+                          <a:rPr lang="it-IT" b="0" i="1" smtClean="0">
+                            <a:latin typeface="Cambria Math"/>
+                          </a:rPr>
+                        </m:ctrlPr>
+                      </m:sSubPr>
+                      <m:e>
+                        <m:r>
+                          <a:rPr lang="it-IT" b="0" i="1" smtClean="0">
+                            <a:latin typeface="Cambria Math"/>
+                          </a:rPr>
+                          <m:t>𝑤</m:t>
+                        </m:r>
+                      </m:e>
+                      <m:sub>
+                        <m:r>
+                          <a:rPr lang="it-IT" b="0" i="1" smtClean="0">
+                            <a:latin typeface="Cambria Math"/>
+                          </a:rPr>
+                          <m:t>𝑖</m:t>
+                        </m:r>
+                      </m:sub>
+                    </m:sSub>
+                  </m:oMath>
+                </a14:m>
+                <a:r>
+                  <a:rPr lang="it-IT" dirty="0" smtClean="0"/>
+                  <a:t> </a:t>
+                </a:r>
+                <a:r>
+                  <a:rPr lang="it-IT" dirty="0" err="1" smtClean="0"/>
+                  <a:t>is</a:t>
+                </a:r>
+                <a:r>
+                  <a:rPr lang="it-IT" dirty="0" smtClean="0"/>
+                  <a:t> the </a:t>
+                </a:r>
+                <a:r>
+                  <a:rPr lang="it-IT" dirty="0" err="1" smtClean="0"/>
+                  <a:t>ith</a:t>
+                </a:r>
+                <a:r>
+                  <a:rPr lang="it-IT" dirty="0" smtClean="0"/>
+                  <a:t> input for </a:t>
+                </a:r>
+                <a14:m>
+                  <m:oMath xmlns:m="http://schemas.openxmlformats.org/officeDocument/2006/math">
+                    <m:r>
+                      <a:rPr lang="it-IT" b="0" i="1" smtClean="0">
+                        <a:latin typeface="Cambria Math"/>
+                      </a:rPr>
+                      <m:t>1≤</m:t>
+                    </m:r>
+                    <m:r>
+                      <a:rPr lang="it-IT" b="0" i="1" smtClean="0">
+                        <a:latin typeface="Cambria Math"/>
+                      </a:rPr>
+                      <m:t>𝑖</m:t>
+                    </m:r>
+                    <m:r>
+                      <a:rPr lang="it-IT" b="0" i="1" smtClean="0">
+                        <a:latin typeface="Cambria Math"/>
+                      </a:rPr>
+                      <m:t>≤</m:t>
+                    </m:r>
+                    <m:r>
+                      <a:rPr lang="it-IT" b="0" i="1" smtClean="0">
+                        <a:latin typeface="Cambria Math"/>
+                      </a:rPr>
+                      <m:t>𝑛</m:t>
+                    </m:r>
+                  </m:oMath>
+                </a14:m>
+                <a:endParaRPr lang="it-IT" b="0" dirty="0" smtClean="0"/>
+              </a:p>
+              <a:p>
+                <a:pPr lvl="1"/>
+                <a:endParaRPr lang="it-IT" dirty="0" smtClean="0"/>
+              </a:p>
+              <a:p>
+                <a:r>
+                  <a:rPr lang="it-IT" dirty="0" err="1" smtClean="0"/>
+                  <a:t>Then</a:t>
+                </a:r>
+                <a:r>
+                  <a:rPr lang="it-IT" dirty="0" smtClean="0"/>
+                  <a:t> </a:t>
+                </a:r>
+                <a:r>
+                  <a:rPr lang="it-IT" dirty="0" err="1" smtClean="0"/>
+                  <a:t>we</a:t>
+                </a:r>
+                <a:r>
+                  <a:rPr lang="it-IT" dirty="0" smtClean="0"/>
+                  <a:t> </a:t>
+                </a:r>
+                <a:r>
+                  <a:rPr lang="it-IT" dirty="0" err="1" smtClean="0"/>
+                  <a:t>perform</a:t>
+                </a:r>
+                <a:r>
+                  <a:rPr lang="it-IT" dirty="0" smtClean="0"/>
+                  <a:t> a </a:t>
+                </a:r>
+                <a:r>
+                  <a:rPr lang="it-IT" dirty="0" err="1" smtClean="0"/>
+                  <a:t>simple</a:t>
+                </a:r>
+                <a:r>
+                  <a:rPr lang="it-IT" dirty="0" smtClean="0"/>
+                  <a:t> </a:t>
+                </a:r>
+                <a:r>
+                  <a:rPr lang="it-IT" dirty="0" err="1" smtClean="0"/>
+                  <a:t>check</a:t>
+                </a:r>
+                <a:r>
+                  <a:rPr lang="it-IT" dirty="0" smtClean="0"/>
+                  <a:t>: </a:t>
+                </a:r>
+              </a:p>
+              <a:p>
+                <a:pPr marL="274320" lvl="1" indent="0">
+                  <a:buNone/>
+                </a:pPr>
+                <a:endParaRPr lang="it-IT" i="1" dirty="0" smtClean="0"/>
+              </a:p>
+              <a:p>
+                <a:pPr marL="274320" lvl="1" indent="0" algn="ctr">
+                  <a:buNone/>
+                </a:pPr>
+                <a:r>
+                  <a:rPr lang="it-IT" sz="2400" i="1" dirty="0" err="1" smtClean="0"/>
+                  <a:t>If</a:t>
+                </a:r>
+                <a:r>
+                  <a:rPr lang="it-IT" sz="2400" i="1" dirty="0" smtClean="0"/>
+                  <a:t> (a &gt; </a:t>
+                </a:r>
+                <a:r>
+                  <a:rPr lang="it-IT" sz="2400" i="1" dirty="0" err="1" smtClean="0"/>
+                  <a:t>thr</a:t>
+                </a:r>
+                <a:r>
+                  <a:rPr lang="it-IT" sz="2400" i="1" dirty="0" smtClean="0"/>
+                  <a:t>) </a:t>
+                </a:r>
+                <a:r>
+                  <a:rPr lang="it-IT" sz="2400" i="1" dirty="0" err="1" smtClean="0"/>
+                  <a:t>then</a:t>
+                </a:r>
+                <a:r>
+                  <a:rPr lang="it-IT" sz="2400" i="1" dirty="0" smtClean="0"/>
+                  <a:t> </a:t>
+                </a:r>
+                <a:r>
+                  <a:rPr lang="it-IT" sz="2400" i="1" dirty="0" err="1" smtClean="0"/>
+                  <a:t>activate</a:t>
+                </a:r>
+                <a:r>
+                  <a:rPr lang="it-IT" sz="2400" i="1" dirty="0" smtClean="0"/>
+                  <a:t>(</a:t>
+                </a:r>
+                <a:r>
+                  <a:rPr lang="it-IT" sz="2400" i="1" dirty="0" err="1" smtClean="0"/>
+                  <a:t>true</a:t>
+                </a:r>
+                <a:r>
+                  <a:rPr lang="it-IT" sz="2400" i="1" dirty="0" smtClean="0"/>
+                  <a:t>);</a:t>
+                </a:r>
+                <a:endParaRPr lang="it-IT" sz="2400" i="1" dirty="0"/>
+              </a:p>
+            </p:txBody>
+          </p:sp>
+        </mc:Choice>
+        <mc:Fallback>
+          <p:sp>
+            <p:nvSpPr>
+              <p:cNvPr id="3" name="Segnaposto contenuto 2"/>
+              <p:cNvSpPr>
+                <a:spLocks noGrp="1" noRot="1" noChangeAspect="1" noMove="1" noResize="1" noEditPoints="1" noAdjustHandles="1" noChangeArrowheads="1" noChangeShapeType="1" noTextEdit="1"/>
+              </p:cNvSpPr>
+              <p:nvPr>
+                <p:ph idx="1"/>
+              </p:nvPr>
+            </p:nvSpPr>
+            <p:spPr>
+              <a:blipFill rotWithShape="1">
+                <a:blip r:embed="rId2"/>
+                <a:stretch>
+                  <a:fillRect l="-593" t="-875"/>
+                </a:stretch>
+              </a:blipFill>
+            </p:spPr>
+            <p:txBody>
+              <a:bodyPr/>
+              <a:lstStyle/>
+              <a:p>
+                <a:r>
+                  <a:rPr lang="it-IT">
+                    <a:noFill/>
+                  </a:rPr>
+                  <a:t> </a:t>
+                </a:r>
+              </a:p>
+            </p:txBody>
+          </p:sp>
+        </mc:Fallback>
+      </mc:AlternateContent>
     </p:spTree>
     <p:extLst>
       <p:ext uri="{BB962C8B-B14F-4D97-AF65-F5344CB8AC3E}">

--- a/presentation.pptx
+++ b/presentation.pptx
@@ -5,7 +5,7 @@
     <p:sldMasterId id="2147483660" r:id="rId1"/>
   </p:sldMasterIdLst>
   <p:notesMasterIdLst>
-    <p:notesMasterId r:id="rId15"/>
+    <p:notesMasterId r:id="rId25"/>
   </p:notesMasterIdLst>
   <p:sldIdLst>
     <p:sldId id="256" r:id="rId2"/>
@@ -21,6 +21,16 @@
     <p:sldId id="266" r:id="rId12"/>
     <p:sldId id="268" r:id="rId13"/>
     <p:sldId id="267" r:id="rId14"/>
+    <p:sldId id="269" r:id="rId15"/>
+    <p:sldId id="270" r:id="rId16"/>
+    <p:sldId id="271" r:id="rId17"/>
+    <p:sldId id="272" r:id="rId18"/>
+    <p:sldId id="273" r:id="rId19"/>
+    <p:sldId id="274" r:id="rId20"/>
+    <p:sldId id="275" r:id="rId21"/>
+    <p:sldId id="276" r:id="rId22"/>
+    <p:sldId id="277" r:id="rId23"/>
+    <p:sldId id="278" r:id="rId24"/>
   </p:sldIdLst>
   <p:sldSz cx="9144000" cy="6858000" type="screen4x3"/>
   <p:notesSz cx="6858000" cy="9144000"/>
@@ -204,7 +214,7 @@
           <a:p>
             <a:fld id="{439984CF-8456-4B48-B076-D98EB683EED0}" type="datetimeFigureOut">
               <a:rPr lang="it-IT" smtClean="0"/>
-              <a:t>20/11/2012</a:t>
+              <a:t>22/11/2012</a:t>
             </a:fld>
             <a:endParaRPr lang="it-IT"/>
           </a:p>
@@ -828,7 +838,7 @@
           <a:p>
             <a:fld id="{BF936EAF-A2C7-4229-B0E9-A642D04707BE}" type="datetimeFigureOut">
               <a:rPr lang="it-IT" smtClean="0"/>
-              <a:t>20/11/2012</a:t>
+              <a:t>22/11/2012</a:t>
             </a:fld>
             <a:endParaRPr lang="it-IT"/>
           </a:p>
@@ -1028,7 +1038,7 @@
           <a:p>
             <a:fld id="{BF936EAF-A2C7-4229-B0E9-A642D04707BE}" type="datetimeFigureOut">
               <a:rPr lang="it-IT" smtClean="0"/>
-              <a:t>20/11/2012</a:t>
+              <a:t>22/11/2012</a:t>
             </a:fld>
             <a:endParaRPr lang="it-IT"/>
           </a:p>
@@ -1203,7 +1213,7 @@
           <a:p>
             <a:fld id="{BF936EAF-A2C7-4229-B0E9-A642D04707BE}" type="datetimeFigureOut">
               <a:rPr lang="it-IT" smtClean="0"/>
-              <a:t>20/11/2012</a:t>
+              <a:t>22/11/2012</a:t>
             </a:fld>
             <a:endParaRPr lang="it-IT"/>
           </a:p>
@@ -1368,7 +1378,7 @@
           <a:p>
             <a:fld id="{BF936EAF-A2C7-4229-B0E9-A642D04707BE}" type="datetimeFigureOut">
               <a:rPr lang="it-IT" smtClean="0"/>
-              <a:t>20/11/2012</a:t>
+              <a:t>22/11/2012</a:t>
             </a:fld>
             <a:endParaRPr lang="it-IT"/>
           </a:p>
@@ -1616,7 +1626,7 @@
           <a:p>
             <a:fld id="{BF936EAF-A2C7-4229-B0E9-A642D04707BE}" type="datetimeFigureOut">
               <a:rPr lang="it-IT" smtClean="0"/>
-              <a:t>20/11/2012</a:t>
+              <a:t>22/11/2012</a:t>
             </a:fld>
             <a:endParaRPr lang="it-IT"/>
           </a:p>
@@ -1934,7 +1944,7 @@
           <a:p>
             <a:fld id="{BF936EAF-A2C7-4229-B0E9-A642D04707BE}" type="datetimeFigureOut">
               <a:rPr lang="it-IT" smtClean="0"/>
-              <a:t>20/11/2012</a:t>
+              <a:t>22/11/2012</a:t>
             </a:fld>
             <a:endParaRPr lang="it-IT"/>
           </a:p>
@@ -2400,7 +2410,7 @@
           <a:p>
             <a:fld id="{BF936EAF-A2C7-4229-B0E9-A642D04707BE}" type="datetimeFigureOut">
               <a:rPr lang="it-IT" smtClean="0"/>
-              <a:t>20/11/2012</a:t>
+              <a:t>22/11/2012</a:t>
             </a:fld>
             <a:endParaRPr lang="it-IT"/>
           </a:p>
@@ -2548,7 +2558,7 @@
           <a:p>
             <a:fld id="{BF936EAF-A2C7-4229-B0E9-A642D04707BE}" type="datetimeFigureOut">
               <a:rPr lang="it-IT" smtClean="0"/>
-              <a:t>20/11/2012</a:t>
+              <a:t>22/11/2012</a:t>
             </a:fld>
             <a:endParaRPr lang="it-IT"/>
           </a:p>
@@ -2638,7 +2648,7 @@
           <a:p>
             <a:fld id="{BF936EAF-A2C7-4229-B0E9-A642D04707BE}" type="datetimeFigureOut">
               <a:rPr lang="it-IT" smtClean="0"/>
-              <a:t>20/11/2012</a:t>
+              <a:t>22/11/2012</a:t>
             </a:fld>
             <a:endParaRPr lang="it-IT"/>
           </a:p>
@@ -2912,7 +2922,7 @@
           <a:p>
             <a:fld id="{BF936EAF-A2C7-4229-B0E9-A642D04707BE}" type="datetimeFigureOut">
               <a:rPr lang="it-IT" smtClean="0"/>
-              <a:t>20/11/2012</a:t>
+              <a:t>22/11/2012</a:t>
             </a:fld>
             <a:endParaRPr lang="it-IT"/>
           </a:p>
@@ -3217,7 +3227,7 @@
           <a:p>
             <a:fld id="{BF936EAF-A2C7-4229-B0E9-A642D04707BE}" type="datetimeFigureOut">
               <a:rPr lang="it-IT" smtClean="0"/>
-              <a:t>20/11/2012</a:t>
+              <a:t>22/11/2012</a:t>
             </a:fld>
             <a:endParaRPr lang="it-IT"/>
           </a:p>
@@ -3515,7 +3525,7 @@
           <a:p>
             <a:fld id="{BF936EAF-A2C7-4229-B0E9-A642D04707BE}" type="datetimeFigureOut">
               <a:rPr lang="it-IT" smtClean="0"/>
-              <a:t>20/11/2012</a:t>
+              <a:t>22/11/2012</a:t>
             </a:fld>
             <a:endParaRPr lang="it-IT"/>
           </a:p>
@@ -4110,7 +4120,7 @@
         <p:spPr/>
         <p:txBody>
           <a:bodyPr>
-            <a:normAutofit/>
+            <a:normAutofit lnSpcReduction="10000"/>
           </a:bodyPr>
           <a:lstStyle/>
           <a:p>
@@ -4132,22 +4142,22 @@
             </a:r>
             <a:r>
               <a:rPr lang="it-IT" dirty="0" smtClean="0"/>
-              <a:t> the input </a:t>
-            </a:r>
-            <a:r>
-              <a:rPr lang="it-IT" dirty="0" smtClean="0"/>
-              <a:t>data </a:t>
-            </a:r>
-            <a:r>
-              <a:rPr lang="it-IT" dirty="0" err="1" smtClean="0"/>
+              <a:t> </a:t>
+            </a:r>
+            <a:r>
+              <a:rPr lang="it-IT" b="1" dirty="0" smtClean="0"/>
+              <a:t>the input data </a:t>
+            </a:r>
+            <a:r>
+              <a:rPr lang="it-IT" b="1" dirty="0" err="1" smtClean="0"/>
               <a:t>coming</a:t>
             </a:r>
             <a:r>
-              <a:rPr lang="it-IT" dirty="0" smtClean="0"/>
+              <a:rPr lang="it-IT" b="1" dirty="0" smtClean="0"/>
               <a:t> from the </a:t>
             </a:r>
             <a:r>
-              <a:rPr lang="it-IT" dirty="0" err="1" smtClean="0"/>
+              <a:rPr lang="it-IT" b="1" dirty="0" err="1" smtClean="0"/>
               <a:t>problem</a:t>
             </a:r>
             <a:r>
@@ -4176,7 +4186,47 @@
             </a:r>
             <a:r>
               <a:rPr lang="it-IT" dirty="0" smtClean="0"/>
-              <a:t> (</a:t>
+              <a:t> </a:t>
+            </a:r>
+            <a:r>
+              <a:rPr lang="it-IT" dirty="0" smtClean="0"/>
+              <a:t>or </a:t>
+            </a:r>
+            <a:r>
+              <a:rPr lang="it-IT" dirty="0" smtClean="0"/>
+              <a:t>the input </a:t>
+            </a:r>
+            <a:r>
+              <a:rPr lang="it-IT" dirty="0" err="1" smtClean="0"/>
+              <a:t>obtained</a:t>
+            </a:r>
+            <a:r>
+              <a:rPr lang="it-IT" dirty="0" smtClean="0"/>
+              <a:t> from </a:t>
+            </a:r>
+            <a:r>
+              <a:rPr lang="it-IT" dirty="0" smtClean="0"/>
+              <a:t>the </a:t>
+            </a:r>
+            <a:r>
+              <a:rPr lang="it-IT" dirty="0" err="1" smtClean="0"/>
+              <a:t>agent's</a:t>
+            </a:r>
+            <a:r>
+              <a:rPr lang="it-IT" dirty="0" smtClean="0"/>
+              <a:t> </a:t>
+            </a:r>
+            <a:r>
+              <a:rPr lang="it-IT" dirty="0" err="1" smtClean="0"/>
+              <a:t>sensors</a:t>
+            </a:r>
+            <a:r>
+              <a:rPr lang="it-IT" dirty="0" smtClean="0"/>
+              <a:t>,</a:t>
+            </a:r>
+            <a:r>
+              <a:rPr lang="it-IT" dirty="0" smtClean="0"/>
+              <a:t> </a:t>
             </a:r>
             <a:r>
               <a:rPr lang="it-IT" dirty="0" err="1" smtClean="0"/>
@@ -4192,23 +4242,11 @@
             </a:r>
             <a:r>
               <a:rPr lang="it-IT" dirty="0" smtClean="0"/>
-              <a:t>) or the input </a:t>
-            </a:r>
-            <a:r>
-              <a:rPr lang="it-IT" dirty="0" err="1" smtClean="0"/>
-              <a:t>obtained</a:t>
-            </a:r>
-            <a:r>
-              <a:rPr lang="it-IT" dirty="0" smtClean="0"/>
-              <a:t> from </a:t>
-            </a:r>
-            <a:r>
-              <a:rPr lang="it-IT" dirty="0" err="1" smtClean="0"/>
-              <a:t>sensors</a:t>
-            </a:r>
-            <a:r>
-              <a:rPr lang="it-IT" dirty="0" smtClean="0"/>
               <a:t>.</a:t>
+            </a:r>
+            <a:r>
+              <a:rPr lang="it-IT" dirty="0" smtClean="0"/>
+              <a:t/>
             </a:r>
             <a:br>
               <a:rPr lang="it-IT" dirty="0" smtClean="0"/>
@@ -4237,19 +4275,19 @@
               <a:t> </a:t>
             </a:r>
             <a:r>
-              <a:rPr lang="it-IT" dirty="0" smtClean="0"/>
+              <a:rPr lang="it-IT" b="1" dirty="0" smtClean="0"/>
               <a:t>the </a:t>
             </a:r>
             <a:r>
-              <a:rPr lang="it-IT" dirty="0" err="1" smtClean="0"/>
+              <a:rPr lang="it-IT" b="1" dirty="0" err="1" smtClean="0"/>
               <a:t>solution</a:t>
             </a:r>
             <a:r>
-              <a:rPr lang="it-IT" dirty="0" smtClean="0"/>
+              <a:rPr lang="it-IT" b="1" dirty="0" smtClean="0"/>
               <a:t> to the </a:t>
             </a:r>
             <a:r>
-              <a:rPr lang="it-IT" dirty="0" err="1" smtClean="0"/>
+              <a:rPr lang="it-IT" b="1" dirty="0" err="1" smtClean="0"/>
               <a:t>problem</a:t>
             </a:r>
             <a:r>
@@ -4434,7 +4472,15 @@
             </a:r>
             <a:r>
               <a:rPr lang="it-IT" dirty="0" smtClean="0"/>
-              <a:t> a mapper </a:t>
+              <a:t> a </a:t>
+            </a:r>
+            <a:r>
+              <a:rPr lang="it-IT" b="1" dirty="0" smtClean="0"/>
+              <a:t>mapper</a:t>
+            </a:r>
+            <a:r>
+              <a:rPr lang="it-IT" dirty="0" smtClean="0"/>
+              <a:t> </a:t>
             </a:r>
             <a:r>
               <a:rPr lang="it-IT" dirty="0" err="1" smtClean="0"/>
@@ -4954,8 +5000,8 @@
           <a:prstGeom prst="straightConnector1">
             <a:avLst/>
           </a:prstGeom>
-          <a:ln>
-            <a:tailEnd type="arrow"/>
+          <a:ln w="25400">
+            <a:tailEnd type="arrow" w="lg" len="med"/>
           </a:ln>
         </p:spPr>
         <p:style>
@@ -4990,8 +5036,8 @@
           <a:prstGeom prst="straightConnector1">
             <a:avLst/>
           </a:prstGeom>
-          <a:ln>
-            <a:tailEnd type="arrow"/>
+          <a:ln w="25400">
+            <a:tailEnd type="arrow" w="lg" len="med"/>
           </a:ln>
         </p:spPr>
         <p:style>
@@ -5025,8 +5071,8 @@
           <a:prstGeom prst="straightConnector1">
             <a:avLst/>
           </a:prstGeom>
-          <a:ln>
-            <a:tailEnd type="arrow"/>
+          <a:ln w="25400">
+            <a:tailEnd type="arrow" w="lg" len="med"/>
           </a:ln>
         </p:spPr>
         <p:style>
@@ -5061,8 +5107,8 @@
           <a:prstGeom prst="straightConnector1">
             <a:avLst/>
           </a:prstGeom>
-          <a:ln>
-            <a:tailEnd type="arrow"/>
+          <a:ln w="25400">
+            <a:tailEnd type="arrow" w="lg" len="med"/>
           </a:ln>
         </p:spPr>
         <p:style>
@@ -5099,8 +5145,8 @@
               <a:gd name="adj1" fmla="val 4390173"/>
             </a:avLst>
           </a:prstGeom>
-          <a:ln>
-            <a:tailEnd type="arrow"/>
+          <a:ln w="25400">
+            <a:tailEnd type="arrow" w="lg" len="med"/>
           </a:ln>
         </p:spPr>
         <p:style>
@@ -5134,8 +5180,8 @@
           <a:prstGeom prst="straightConnector1">
             <a:avLst/>
           </a:prstGeom>
-          <a:ln>
-            <a:tailEnd type="arrow"/>
+          <a:ln w="25400">
+            <a:tailEnd type="arrow" w="lg" len="med"/>
           </a:ln>
         </p:spPr>
         <p:style>
@@ -5163,6 +5209,13 @@
   <p:clrMapOvr>
     <a:masterClrMapping/>
   </p:clrMapOvr>
+  <p:timing>
+    <p:tnLst>
+      <p:par>
+        <p:cTn id="1" dur="indefinite" restart="never" nodeType="tmRoot"/>
+      </p:par>
+    </p:tnLst>
+  </p:timing>
 </p:sld>
 </file>
 
@@ -5349,15 +5402,21 @@
             </a:r>
             <a:r>
               <a:rPr lang="it-IT" dirty="0" smtClean="0"/>
-              <a:t> to the right output.</a:t>
-            </a:r>
+              <a:t> to the right output</a:t>
+            </a:r>
+            <a:r>
+              <a:rPr lang="it-IT" dirty="0" smtClean="0"/>
+              <a:t>.</a:t>
+            </a:r>
+          </a:p>
+          <a:p>
+            <a:pPr marL="274320" lvl="1" indent="0">
+              <a:buNone/>
+            </a:pPr>
+            <a:endParaRPr lang="it-IT" dirty="0" smtClean="0"/>
           </a:p>
           <a:p>
             <a:pPr lvl="1"/>
-            <a:endParaRPr lang="it-IT" dirty="0" smtClean="0"/>
-          </a:p>
-          <a:p>
-            <a:pPr lvl="1"/>
             <a:r>
               <a:rPr lang="it-IT" dirty="0" err="1" smtClean="0"/>
               <a:t>Unsupervised</a:t>
@@ -5415,23 +5474,23 @@
               <a:t> to </a:t>
             </a:r>
             <a:r>
-              <a:rPr lang="it-IT" dirty="0" err="1" smtClean="0"/>
+              <a:rPr lang="it-IT" b="1" dirty="0" err="1" smtClean="0"/>
               <a:t>adjust</a:t>
             </a:r>
             <a:r>
-              <a:rPr lang="it-IT" dirty="0" smtClean="0"/>
+              <a:rPr lang="it-IT" b="1" dirty="0" smtClean="0"/>
               <a:t> the </a:t>
             </a:r>
             <a:r>
-              <a:rPr lang="it-IT" dirty="0" err="1" smtClean="0"/>
+              <a:rPr lang="it-IT" b="1" dirty="0" err="1" smtClean="0"/>
               <a:t>weights</a:t>
             </a:r>
             <a:r>
-              <a:rPr lang="it-IT" dirty="0" smtClean="0"/>
+              <a:rPr lang="it-IT" b="1" dirty="0" smtClean="0"/>
               <a:t> </a:t>
             </a:r>
             <a:r>
-              <a:rPr lang="it-IT" dirty="0" err="1" smtClean="0"/>
+              <a:rPr lang="it-IT" b="1" dirty="0" err="1" smtClean="0"/>
               <a:t>itself</a:t>
             </a:r>
             <a:r>
@@ -5468,10 +5527,226 @@
   <p:clrMapOvr>
     <a:masterClrMapping/>
   </p:clrMapOvr>
+  <p:timing>
+    <p:tnLst>
+      <p:par>
+        <p:cTn id="1" dur="indefinite" restart="never" nodeType="tmRoot"/>
+      </p:par>
+    </p:tnLst>
+  </p:timing>
 </p:sld>
 </file>
 
 <file path=ppt/slides/slide13.xml><?xml version="1.0" encoding="utf-8"?>
+<p:sld xmlns:a="http://schemas.openxmlformats.org/drawingml/2006/main" xmlns:r="http://schemas.openxmlformats.org/officeDocument/2006/relationships" xmlns:p="http://schemas.openxmlformats.org/presentationml/2006/main" show="0">
+  <p:cSld>
+    <p:spTree>
+      <p:nvGrpSpPr>
+        <p:cNvPr id="1" name=""/>
+        <p:cNvGrpSpPr/>
+        <p:nvPr/>
+      </p:nvGrpSpPr>
+      <p:grpSpPr>
+        <a:xfrm>
+          <a:off x="0" y="0"/>
+          <a:ext cx="0" cy="0"/>
+          <a:chOff x="0" y="0"/>
+          <a:chExt cx="0" cy="0"/>
+        </a:xfrm>
+      </p:grpSpPr>
+      <p:sp>
+        <p:nvSpPr>
+          <p:cNvPr id="2" name="Titolo 1"/>
+          <p:cNvSpPr>
+            <a:spLocks noGrp="1"/>
+          </p:cNvSpPr>
+          <p:nvPr>
+            <p:ph type="title"/>
+          </p:nvPr>
+        </p:nvSpPr>
+        <p:spPr/>
+        <p:txBody>
+          <a:bodyPr/>
+          <a:lstStyle/>
+          <a:p>
+            <a:r>
+              <a:rPr lang="it-IT" dirty="0" smtClean="0"/>
+              <a:t>A </a:t>
+            </a:r>
+            <a:r>
+              <a:rPr lang="it-IT" dirty="0" err="1" smtClean="0"/>
+              <a:t>simple</a:t>
+            </a:r>
+            <a:r>
+              <a:rPr lang="it-IT" dirty="0" smtClean="0"/>
+              <a:t> </a:t>
+            </a:r>
+            <a:r>
+              <a:rPr lang="it-IT" dirty="0" err="1" smtClean="0"/>
+              <a:t>example</a:t>
+            </a:r>
+            <a:r>
+              <a:rPr lang="it-IT" dirty="0" smtClean="0"/>
+              <a:t>: AND</a:t>
+            </a:r>
+            <a:endParaRPr lang="it-IT" dirty="0"/>
+          </a:p>
+        </p:txBody>
+      </p:sp>
+      <p:sp>
+        <p:nvSpPr>
+          <p:cNvPr id="3" name="Segnaposto contenuto 2"/>
+          <p:cNvSpPr>
+            <a:spLocks noGrp="1"/>
+          </p:cNvSpPr>
+          <p:nvPr>
+            <p:ph idx="1"/>
+          </p:nvPr>
+        </p:nvSpPr>
+        <p:spPr/>
+        <p:txBody>
+          <a:bodyPr/>
+          <a:lstStyle/>
+          <a:p>
+            <a:r>
+              <a:rPr lang="it-IT" dirty="0" err="1" smtClean="0"/>
+              <a:t>We</a:t>
+            </a:r>
+            <a:r>
+              <a:rPr lang="it-IT" dirty="0" smtClean="0"/>
+              <a:t> </a:t>
+            </a:r>
+            <a:r>
+              <a:rPr lang="it-IT" dirty="0" err="1" smtClean="0"/>
+              <a:t>want</a:t>
+            </a:r>
+            <a:r>
+              <a:rPr lang="it-IT" dirty="0" smtClean="0"/>
+              <a:t> </a:t>
+            </a:r>
+            <a:r>
+              <a:rPr lang="it-IT" dirty="0" err="1" smtClean="0"/>
+              <a:t>implement</a:t>
+            </a:r>
+            <a:r>
+              <a:rPr lang="it-IT" dirty="0" smtClean="0"/>
+              <a:t> the AND </a:t>
+            </a:r>
+            <a:r>
+              <a:rPr lang="it-IT" dirty="0" err="1" smtClean="0"/>
+              <a:t>operation</a:t>
+            </a:r>
+            <a:r>
+              <a:rPr lang="it-IT" dirty="0" smtClean="0"/>
+              <a:t> with </a:t>
+            </a:r>
+            <a:r>
+              <a:rPr lang="it-IT" dirty="0" err="1" smtClean="0"/>
+              <a:t>neural</a:t>
+            </a:r>
+            <a:r>
+              <a:rPr lang="it-IT" dirty="0" smtClean="0"/>
+              <a:t> network. To do </a:t>
+            </a:r>
+            <a:r>
+              <a:rPr lang="it-IT" dirty="0" err="1" smtClean="0"/>
+              <a:t>this</a:t>
+            </a:r>
+            <a:r>
+              <a:rPr lang="it-IT" dirty="0" smtClean="0"/>
+              <a:t> </a:t>
+            </a:r>
+            <a:r>
+              <a:rPr lang="it-IT" dirty="0" err="1" smtClean="0"/>
+              <a:t>only</a:t>
+            </a:r>
+            <a:r>
+              <a:rPr lang="it-IT" dirty="0" smtClean="0"/>
+              <a:t> </a:t>
+            </a:r>
+            <a:r>
+              <a:rPr lang="it-IT" dirty="0" err="1" smtClean="0"/>
+              <a:t>one</a:t>
+            </a:r>
+            <a:r>
+              <a:rPr lang="it-IT" dirty="0" smtClean="0"/>
+              <a:t> </a:t>
+            </a:r>
+            <a:r>
+              <a:rPr lang="it-IT" dirty="0" err="1" smtClean="0"/>
+              <a:t>neuron</a:t>
+            </a:r>
+            <a:r>
+              <a:rPr lang="it-IT" dirty="0" smtClean="0"/>
+              <a:t> </a:t>
+            </a:r>
+            <a:r>
+              <a:rPr lang="it-IT" dirty="0" err="1" smtClean="0"/>
+              <a:t>is</a:t>
+            </a:r>
+            <a:r>
+              <a:rPr lang="it-IT" dirty="0" smtClean="0"/>
+              <a:t> </a:t>
+            </a:r>
+            <a:r>
+              <a:rPr lang="it-IT" dirty="0" err="1" smtClean="0"/>
+              <a:t>needed</a:t>
+            </a:r>
+            <a:r>
+              <a:rPr lang="it-IT" dirty="0" smtClean="0"/>
+              <a:t>, with 2 input and 1 output (the </a:t>
+            </a:r>
+            <a:r>
+              <a:rPr lang="it-IT" dirty="0" err="1" smtClean="0"/>
+              <a:t>result</a:t>
+            </a:r>
+            <a:r>
+              <a:rPr lang="it-IT" dirty="0" smtClean="0"/>
+              <a:t> of the </a:t>
+            </a:r>
+            <a:r>
+              <a:rPr lang="it-IT" dirty="0" err="1" smtClean="0"/>
+              <a:t>operation</a:t>
+            </a:r>
+            <a:r>
+              <a:rPr lang="it-IT" dirty="0" smtClean="0"/>
+              <a:t>).</a:t>
+            </a:r>
+          </a:p>
+          <a:p>
+            <a:endParaRPr lang="it-IT" dirty="0"/>
+          </a:p>
+        </p:txBody>
+      </p:sp>
+    </p:spTree>
+    <p:extLst>
+      <p:ext uri="{BB962C8B-B14F-4D97-AF65-F5344CB8AC3E}">
+        <p14:creationId xmlns:p14="http://schemas.microsoft.com/office/powerpoint/2010/main" val="3735340876"/>
+      </p:ext>
+    </p:extLst>
+  </p:cSld>
+  <p:clrMapOvr>
+    <a:masterClrMapping/>
+  </p:clrMapOvr>
+  <mc:AlternateContent xmlns:mc="http://schemas.openxmlformats.org/markup-compatibility/2006">
+    <mc:Choice xmlns:p14="http://schemas.microsoft.com/office/powerpoint/2010/main" Requires="p14">
+      <p:transition spd="slow" p14:dur="2000"/>
+    </mc:Choice>
+    <mc:Fallback>
+      <p:transition spd="slow"/>
+    </mc:Fallback>
+  </mc:AlternateContent>
+  <p:timing>
+    <p:tnLst>
+      <p:par>
+        <p:cTn id="1" dur="indefinite" restart="never" nodeType="tmRoot"/>
+      </p:par>
+    </p:tnLst>
+  </p:timing>
+</p:sld>
+</file>
+
+<file path=ppt/slides/slide14.xml><?xml version="1.0" encoding="utf-8"?>
 <p:sld xmlns:a="http://schemas.openxmlformats.org/drawingml/2006/main" xmlns:r="http://schemas.openxmlformats.org/officeDocument/2006/relationships" xmlns:p="http://schemas.openxmlformats.org/presentationml/2006/main">
   <p:cSld>
     <p:spTree>
@@ -5504,24 +5779,8 @@
           <a:lstStyle/>
           <a:p>
             <a:r>
-              <a:rPr lang="it-IT" dirty="0" smtClean="0"/>
-              <a:t>A </a:t>
-            </a:r>
-            <a:r>
-              <a:rPr lang="it-IT" dirty="0" err="1" smtClean="0"/>
-              <a:t>simple</a:t>
-            </a:r>
-            <a:r>
-              <a:rPr lang="it-IT" dirty="0" smtClean="0"/>
-              <a:t> </a:t>
-            </a:r>
-            <a:r>
-              <a:rPr lang="it-IT" dirty="0" err="1" smtClean="0"/>
-              <a:t>example</a:t>
-            </a:r>
-            <a:r>
-              <a:rPr lang="it-IT" dirty="0" smtClean="0"/>
-              <a:t>: AND</a:t>
+              <a:rPr lang="it-IT" dirty="0" err="1" smtClean="0"/>
+              <a:t>Weights</a:t>
             </a:r>
             <a:endParaRPr lang="it-IT" dirty="0"/>
           </a:p>
@@ -5543,8 +5802,24 @@
           <a:lstStyle/>
           <a:p>
             <a:r>
-              <a:rPr lang="it-IT" dirty="0" err="1" smtClean="0"/>
-              <a:t>We</a:t>
+              <a:rPr lang="it-IT" i="1" dirty="0" err="1" smtClean="0"/>
+              <a:t>Weights</a:t>
+            </a:r>
+            <a:r>
+              <a:rPr lang="it-IT" dirty="0" smtClean="0"/>
+              <a:t> are the core </a:t>
+            </a:r>
+            <a:r>
+              <a:rPr lang="it-IT" dirty="0" err="1" smtClean="0"/>
+              <a:t>elements</a:t>
+            </a:r>
+            <a:r>
+              <a:rPr lang="it-IT" dirty="0" smtClean="0"/>
+              <a:t> of a </a:t>
+            </a:r>
+            <a:r>
+              <a:rPr lang="it-IT" dirty="0" err="1" smtClean="0"/>
+              <a:t>traditional</a:t>
             </a:r>
             <a:r>
               <a:rPr lang="it-IT" dirty="0" smtClean="0"/>
@@ -5552,7 +5827,15 @@
             </a:r>
             <a:r>
               <a:rPr lang="it-IT" dirty="0" err="1" smtClean="0"/>
-              <a:t>want</a:t>
+              <a:t>neural</a:t>
+            </a:r>
+            <a:r>
+              <a:rPr lang="it-IT" dirty="0" smtClean="0"/>
+              <a:t> network. </a:t>
+            </a:r>
+            <a:r>
+              <a:rPr lang="it-IT" dirty="0" err="1" smtClean="0"/>
+              <a:t>Setting</a:t>
             </a:r>
             <a:r>
               <a:rPr lang="it-IT" dirty="0" smtClean="0"/>
@@ -5560,31 +5843,53 @@
             </a:r>
             <a:r>
               <a:rPr lang="it-IT" dirty="0" err="1" smtClean="0"/>
-              <a:t>implement</a:t>
-            </a:r>
-            <a:r>
-              <a:rPr lang="it-IT" dirty="0" smtClean="0"/>
-              <a:t> the AND </a:t>
-            </a:r>
-            <a:r>
-              <a:rPr lang="it-IT" dirty="0" err="1" smtClean="0"/>
-              <a:t>operation</a:t>
-            </a:r>
-            <a:r>
-              <a:rPr lang="it-IT" dirty="0" smtClean="0"/>
-              <a:t> with </a:t>
-            </a:r>
-            <a:r>
-              <a:rPr lang="it-IT" dirty="0" err="1" smtClean="0"/>
-              <a:t>neural</a:t>
-            </a:r>
-            <a:r>
-              <a:rPr lang="it-IT" dirty="0" smtClean="0"/>
-              <a:t> network. To do </a:t>
-            </a:r>
-            <a:r>
-              <a:rPr lang="it-IT" dirty="0" err="1" smtClean="0"/>
-              <a:t>this</a:t>
+              <a:t>weights</a:t>
+            </a:r>
+            <a:r>
+              <a:rPr lang="it-IT" dirty="0" smtClean="0"/>
+              <a:t> in the right way </a:t>
+            </a:r>
+            <a:r>
+              <a:rPr lang="it-IT" dirty="0" err="1" smtClean="0"/>
+              <a:t>will</a:t>
+            </a:r>
+            <a:r>
+              <a:rPr lang="it-IT" dirty="0" smtClean="0"/>
+              <a:t> led to a </a:t>
+            </a:r>
+            <a:r>
+              <a:rPr lang="it-IT" dirty="0" err="1" smtClean="0"/>
+              <a:t>good</a:t>
+            </a:r>
+            <a:r>
+              <a:rPr lang="it-IT" dirty="0" smtClean="0"/>
+              <a:t> (</a:t>
+            </a:r>
+            <a:r>
+              <a:rPr lang="it-IT" i="1" dirty="0" err="1" smtClean="0"/>
+              <a:t>expected</a:t>
+            </a:r>
+            <a:r>
+              <a:rPr lang="it-IT" dirty="0" smtClean="0"/>
+              <a:t>) </a:t>
+            </a:r>
+            <a:r>
+              <a:rPr lang="it-IT" dirty="0" err="1" smtClean="0"/>
+              <a:t>result</a:t>
+            </a:r>
+            <a:r>
+              <a:rPr lang="it-IT" dirty="0" smtClean="0"/>
+              <a:t> set.</a:t>
+            </a:r>
+            <a:br>
+              <a:rPr lang="it-IT" dirty="0" smtClean="0"/>
+            </a:br>
+            <a:endParaRPr lang="it-IT" dirty="0" smtClean="0"/>
+          </a:p>
+          <a:p>
+            <a:r>
+              <a:rPr lang="it-IT" dirty="0" err="1" smtClean="0"/>
+              <a:t>But</a:t>
             </a:r>
             <a:r>
               <a:rPr lang="it-IT" dirty="0" smtClean="0"/>
@@ -5592,15 +5897,43 @@
             </a:r>
             <a:r>
               <a:rPr lang="it-IT" dirty="0" err="1" smtClean="0"/>
-              <a:t>only</a:t>
-            </a:r>
-            <a:r>
-              <a:rPr lang="it-IT" dirty="0" smtClean="0"/>
+              <a:t>our</a:t>
+            </a:r>
+            <a:r>
+              <a:rPr lang="it-IT" dirty="0" smtClean="0"/>
+              <a:t> goal </a:t>
+            </a:r>
+            <a:r>
+              <a:rPr lang="it-IT" dirty="0" err="1" smtClean="0"/>
+              <a:t>is</a:t>
+            </a:r>
+            <a:r>
+              <a:rPr lang="it-IT" dirty="0" smtClean="0"/>
+              <a:t> to </a:t>
+            </a:r>
+            <a:r>
+              <a:rPr lang="it-IT" b="1" dirty="0" err="1" smtClean="0"/>
+              <a:t>automate</a:t>
+            </a:r>
+            <a:r>
+              <a:rPr lang="it-IT" b="1" dirty="0" smtClean="0"/>
+              <a:t> the </a:t>
+            </a:r>
+            <a:r>
+              <a:rPr lang="it-IT" b="1" dirty="0" err="1" smtClean="0"/>
+              <a:t>process</a:t>
+            </a:r>
+            <a:r>
+              <a:rPr lang="it-IT" b="1" dirty="0" smtClean="0"/>
               <a:t> </a:t>
             </a:r>
             <a:r>
-              <a:rPr lang="it-IT" dirty="0" err="1" smtClean="0"/>
-              <a:t>one</a:t>
+              <a:rPr lang="it-IT" dirty="0" smtClean="0"/>
+              <a:t>of </a:t>
+            </a:r>
+            <a:r>
+              <a:rPr lang="it-IT" dirty="0" err="1" smtClean="0"/>
+              <a:t>weights</a:t>
             </a:r>
             <a:r>
               <a:rPr lang="it-IT" dirty="0" smtClean="0"/>
@@ -5608,7 +5941,7 @@
             </a:r>
             <a:r>
               <a:rPr lang="it-IT" dirty="0" err="1" smtClean="0"/>
-              <a:t>neuron</a:t>
+              <a:t>calculation</a:t>
             </a:r>
             <a:r>
               <a:rPr lang="it-IT" dirty="0" smtClean="0"/>
@@ -5616,7 +5949,15 @@
             </a:r>
             <a:r>
               <a:rPr lang="it-IT" dirty="0" err="1" smtClean="0"/>
-              <a:t>is</a:t>
+              <a:t>trought</a:t>
+            </a:r>
+            <a:r>
+              <a:rPr lang="it-IT" dirty="0" smtClean="0"/>
+              <a:t> a </a:t>
+            </a:r>
+            <a:r>
+              <a:rPr lang="it-IT" dirty="0" err="1" smtClean="0"/>
+              <a:t>method</a:t>
             </a:r>
             <a:r>
               <a:rPr lang="it-IT" dirty="0" smtClean="0"/>
@@ -5624,44 +5965,4019 @@
             </a:r>
             <a:r>
               <a:rPr lang="it-IT" dirty="0" err="1" smtClean="0"/>
-              <a:t>needed</a:t>
-            </a:r>
-            <a:r>
-              <a:rPr lang="it-IT" dirty="0" smtClean="0"/>
-              <a:t>, with 2 input and 1 output (the </a:t>
-            </a:r>
-            <a:r>
-              <a:rPr lang="it-IT" dirty="0" err="1" smtClean="0"/>
-              <a:t>result</a:t>
-            </a:r>
-            <a:r>
-              <a:rPr lang="it-IT" dirty="0" smtClean="0"/>
-              <a:t> of the </a:t>
-            </a:r>
-            <a:r>
-              <a:rPr lang="it-IT" dirty="0" err="1" smtClean="0"/>
-              <a:t>operation</a:t>
-            </a:r>
-            <a:r>
-              <a:rPr lang="it-IT" dirty="0" smtClean="0"/>
-              <a:t>).</a:t>
-            </a:r>
-          </a:p>
-          <a:p>
+              <a:t>based</a:t>
+            </a:r>
+            <a:r>
+              <a:rPr lang="it-IT" dirty="0" smtClean="0"/>
+              <a:t> on the just </a:t>
+            </a:r>
+            <a:r>
+              <a:rPr lang="it-IT" dirty="0" err="1" smtClean="0"/>
+              <a:t>passed</a:t>
+            </a:r>
+            <a:r>
+              <a:rPr lang="it-IT" dirty="0" smtClean="0"/>
+              <a:t> </a:t>
+            </a:r>
+            <a:r>
+              <a:rPr lang="it-IT" dirty="0" err="1" smtClean="0"/>
+              <a:t>experience</a:t>
+            </a:r>
+            <a:r>
+              <a:rPr lang="it-IT" dirty="0"/>
+              <a:t>!</a:t>
+            </a:r>
             <a:endParaRPr lang="it-IT" dirty="0"/>
+          </a:p>
+          <a:p>
+            <a:pPr algn="ctr"/>
+            <a:endParaRPr lang="it-IT" dirty="0" smtClean="0"/>
+          </a:p>
+          <a:p>
+            <a:pPr marL="0" indent="0" algn="ctr">
+              <a:buNone/>
+            </a:pPr>
+            <a:r>
+              <a:rPr lang="it-IT" sz="3200" dirty="0" smtClean="0">
+                <a:solidFill>
+                  <a:schemeClr val="tx2">
+                    <a:lumMod val="75000"/>
+                  </a:schemeClr>
+                </a:solidFill>
+              </a:rPr>
+              <a:t>WHO DOES THE</a:t>
+            </a:r>
+            <a:r>
+              <a:rPr lang="it-IT" sz="3200" dirty="0">
+                <a:solidFill>
+                  <a:schemeClr val="tx2">
+                    <a:lumMod val="75000"/>
+                  </a:schemeClr>
+                </a:solidFill>
+              </a:rPr>
+              <a:t/>
+            </a:r>
+            <a:br>
+              <a:rPr lang="it-IT" sz="3200" dirty="0">
+                <a:solidFill>
+                  <a:schemeClr val="tx2">
+                    <a:lumMod val="75000"/>
+                  </a:schemeClr>
+                </a:solidFill>
+              </a:rPr>
+            </a:br>
+            <a:r>
+              <a:rPr lang="it-IT" sz="5400" dirty="0" smtClean="0">
+                <a:solidFill>
+                  <a:schemeClr val="tx2">
+                    <a:lumMod val="75000"/>
+                  </a:schemeClr>
+                </a:solidFill>
+              </a:rPr>
+              <a:t>DIRTY JOB?</a:t>
+            </a:r>
+            <a:endParaRPr lang="it-IT" sz="5400" dirty="0">
+              <a:solidFill>
+                <a:schemeClr val="tx2">
+                  <a:lumMod val="75000"/>
+                </a:schemeClr>
+              </a:solidFill>
+            </a:endParaRPr>
           </a:p>
         </p:txBody>
       </p:sp>
     </p:spTree>
     <p:extLst>
       <p:ext uri="{BB962C8B-B14F-4D97-AF65-F5344CB8AC3E}">
-        <p14:creationId xmlns:p14="http://schemas.microsoft.com/office/powerpoint/2010/main" val="3735340876"/>
+        <p14:creationId xmlns:p14="http://schemas.microsoft.com/office/powerpoint/2010/main" val="2929218727"/>
       </p:ext>
     </p:extLst>
   </p:cSld>
   <p:clrMapOvr>
     <a:masterClrMapping/>
   </p:clrMapOvr>
+  <p:timing>
+    <p:tnLst>
+      <p:par>
+        <p:cTn id="1" dur="indefinite" restart="never" nodeType="tmRoot">
+          <p:childTnLst>
+            <p:seq concurrent="1" nextAc="seek">
+              <p:cTn id="2" dur="indefinite" nodeType="mainSeq">
+                <p:childTnLst>
+                  <p:par>
+                    <p:cTn id="3" fill="hold">
+                      <p:stCondLst>
+                        <p:cond delay="indefinite"/>
+                      </p:stCondLst>
+                      <p:childTnLst>
+                        <p:par>
+                          <p:cTn id="4" fill="hold">
+                            <p:stCondLst>
+                              <p:cond delay="0"/>
+                            </p:stCondLst>
+                            <p:childTnLst>
+                              <p:par>
+                                <p:cTn id="5" presetID="31" presetClass="entr" presetSubtype="0" fill="hold" nodeType="clickEffect">
+                                  <p:stCondLst>
+                                    <p:cond delay="0"/>
+                                  </p:stCondLst>
+                                  <p:childTnLst>
+                                    <p:set>
+                                      <p:cBhvr>
+                                        <p:cTn id="6" dur="1" fill="hold">
+                                          <p:stCondLst>
+                                            <p:cond delay="0"/>
+                                          </p:stCondLst>
+                                        </p:cTn>
+                                        <p:tgtEl>
+                                          <p:spTgt spid="3">
+                                            <p:txEl>
+                                              <p:pRg st="3" end="3"/>
+                                            </p:txEl>
+                                          </p:spTgt>
+                                        </p:tgtEl>
+                                        <p:attrNameLst>
+                                          <p:attrName>style.visibility</p:attrName>
+                                        </p:attrNameLst>
+                                      </p:cBhvr>
+                                      <p:to>
+                                        <p:strVal val="visible"/>
+                                      </p:to>
+                                    </p:set>
+                                    <p:anim calcmode="lin" valueType="num">
+                                      <p:cBhvr>
+                                        <p:cTn id="7" dur="500" fill="hold"/>
+                                        <p:tgtEl>
+                                          <p:spTgt spid="3">
+                                            <p:txEl>
+                                              <p:pRg st="3" end="3"/>
+                                            </p:txEl>
+                                          </p:spTgt>
+                                        </p:tgtEl>
+                                        <p:attrNameLst>
+                                          <p:attrName>ppt_w</p:attrName>
+                                        </p:attrNameLst>
+                                      </p:cBhvr>
+                                      <p:tavLst>
+                                        <p:tav tm="0">
+                                          <p:val>
+                                            <p:fltVal val="0"/>
+                                          </p:val>
+                                        </p:tav>
+                                        <p:tav tm="100000">
+                                          <p:val>
+                                            <p:strVal val="#ppt_w"/>
+                                          </p:val>
+                                        </p:tav>
+                                      </p:tavLst>
+                                    </p:anim>
+                                    <p:anim calcmode="lin" valueType="num">
+                                      <p:cBhvr>
+                                        <p:cTn id="8" dur="500" fill="hold"/>
+                                        <p:tgtEl>
+                                          <p:spTgt spid="3">
+                                            <p:txEl>
+                                              <p:pRg st="3" end="3"/>
+                                            </p:txEl>
+                                          </p:spTgt>
+                                        </p:tgtEl>
+                                        <p:attrNameLst>
+                                          <p:attrName>ppt_h</p:attrName>
+                                        </p:attrNameLst>
+                                      </p:cBhvr>
+                                      <p:tavLst>
+                                        <p:tav tm="0">
+                                          <p:val>
+                                            <p:fltVal val="0"/>
+                                          </p:val>
+                                        </p:tav>
+                                        <p:tav tm="100000">
+                                          <p:val>
+                                            <p:strVal val="#ppt_h"/>
+                                          </p:val>
+                                        </p:tav>
+                                      </p:tavLst>
+                                    </p:anim>
+                                    <p:anim calcmode="lin" valueType="num">
+                                      <p:cBhvr>
+                                        <p:cTn id="9" dur="500" fill="hold"/>
+                                        <p:tgtEl>
+                                          <p:spTgt spid="3">
+                                            <p:txEl>
+                                              <p:pRg st="3" end="3"/>
+                                            </p:txEl>
+                                          </p:spTgt>
+                                        </p:tgtEl>
+                                        <p:attrNameLst>
+                                          <p:attrName>style.rotation</p:attrName>
+                                        </p:attrNameLst>
+                                      </p:cBhvr>
+                                      <p:tavLst>
+                                        <p:tav tm="0">
+                                          <p:val>
+                                            <p:fltVal val="90"/>
+                                          </p:val>
+                                        </p:tav>
+                                        <p:tav tm="100000">
+                                          <p:val>
+                                            <p:fltVal val="0"/>
+                                          </p:val>
+                                        </p:tav>
+                                      </p:tavLst>
+                                    </p:anim>
+                                    <p:animEffect transition="in" filter="fade">
+                                      <p:cBhvr>
+                                        <p:cTn id="10" dur="500"/>
+                                        <p:tgtEl>
+                                          <p:spTgt spid="3">
+                                            <p:txEl>
+                                              <p:pRg st="3" end="3"/>
+                                            </p:txEl>
+                                          </p:spTgt>
+                                        </p:tgtEl>
+                                      </p:cBhvr>
+                                    </p:animEffect>
+                                  </p:childTnLst>
+                                </p:cTn>
+                              </p:par>
+                            </p:childTnLst>
+                          </p:cTn>
+                        </p:par>
+                      </p:childTnLst>
+                    </p:cTn>
+                  </p:par>
+                </p:childTnLst>
+              </p:cTn>
+              <p:prevCondLst>
+                <p:cond evt="onPrev" delay="0">
+                  <p:tgtEl>
+                    <p:sldTgt/>
+                  </p:tgtEl>
+                </p:cond>
+              </p:prevCondLst>
+              <p:nextCondLst>
+                <p:cond evt="onNext" delay="0">
+                  <p:tgtEl>
+                    <p:sldTgt/>
+                  </p:tgtEl>
+                </p:cond>
+              </p:nextCondLst>
+            </p:seq>
+          </p:childTnLst>
+        </p:cTn>
+      </p:par>
+    </p:tnLst>
+  </p:timing>
+</p:sld>
+</file>
+
+<file path=ppt/slides/slide15.xml><?xml version="1.0" encoding="utf-8"?>
+<p:sld xmlns:a="http://schemas.openxmlformats.org/drawingml/2006/main" xmlns:r="http://schemas.openxmlformats.org/officeDocument/2006/relationships" xmlns:p="http://schemas.openxmlformats.org/presentationml/2006/main">
+  <p:cSld>
+    <p:spTree>
+      <p:nvGrpSpPr>
+        <p:cNvPr id="1" name=""/>
+        <p:cNvGrpSpPr/>
+        <p:nvPr/>
+      </p:nvGrpSpPr>
+      <p:grpSpPr>
+        <a:xfrm>
+          <a:off x="0" y="0"/>
+          <a:ext cx="0" cy="0"/>
+          <a:chOff x="0" y="0"/>
+          <a:chExt cx="0" cy="0"/>
+        </a:xfrm>
+      </p:grpSpPr>
+      <p:sp>
+        <p:nvSpPr>
+          <p:cNvPr id="2" name="Titolo 1"/>
+          <p:cNvSpPr>
+            <a:spLocks noGrp="1"/>
+          </p:cNvSpPr>
+          <p:nvPr>
+            <p:ph type="title"/>
+          </p:nvPr>
+        </p:nvSpPr>
+        <p:spPr/>
+        <p:txBody>
+          <a:bodyPr/>
+          <a:lstStyle/>
+          <a:p>
+            <a:r>
+              <a:rPr lang="it-IT" dirty="0" err="1" smtClean="0"/>
+              <a:t>Genetic</a:t>
+            </a:r>
+            <a:r>
+              <a:rPr lang="it-IT" dirty="0" smtClean="0"/>
+              <a:t> </a:t>
+            </a:r>
+            <a:r>
+              <a:rPr lang="it-IT" dirty="0" err="1" smtClean="0"/>
+              <a:t>algorithms</a:t>
+            </a:r>
+            <a:endParaRPr lang="it-IT" dirty="0"/>
+          </a:p>
+        </p:txBody>
+      </p:sp>
+      <p:sp>
+        <p:nvSpPr>
+          <p:cNvPr id="3" name="Segnaposto contenuto 2"/>
+          <p:cNvSpPr>
+            <a:spLocks noGrp="1"/>
+          </p:cNvSpPr>
+          <p:nvPr>
+            <p:ph idx="1"/>
+          </p:nvPr>
+        </p:nvSpPr>
+        <p:spPr/>
+        <p:txBody>
+          <a:bodyPr>
+            <a:normAutofit fontScale="92500" lnSpcReduction="10000"/>
+          </a:bodyPr>
+          <a:lstStyle/>
+          <a:p>
+            <a:r>
+              <a:rPr lang="en-US" dirty="0" smtClean="0"/>
+              <a:t>Genetic algorithms are a family of </a:t>
+            </a:r>
+            <a:r>
+              <a:rPr lang="en-US" dirty="0"/>
+              <a:t>search </a:t>
+            </a:r>
+            <a:r>
+              <a:rPr lang="en-US" dirty="0" smtClean="0"/>
+              <a:t>heuristics </a:t>
+            </a:r>
+            <a:r>
+              <a:rPr lang="en-US" dirty="0"/>
+              <a:t>that </a:t>
+            </a:r>
+            <a:r>
+              <a:rPr lang="en-US" b="1" dirty="0"/>
+              <a:t>mimics the </a:t>
+            </a:r>
+            <a:r>
+              <a:rPr lang="en-US" b="1" dirty="0" smtClean="0"/>
+              <a:t>processes </a:t>
+            </a:r>
+            <a:r>
+              <a:rPr lang="en-US" b="1" dirty="0"/>
+              <a:t>of natural </a:t>
+            </a:r>
+            <a:r>
+              <a:rPr lang="en-US" b="1" dirty="0" smtClean="0"/>
+              <a:t>evolution</a:t>
+            </a:r>
+            <a:r>
+              <a:rPr lang="en-US" dirty="0" smtClean="0"/>
+              <a:t>, such as </a:t>
+            </a:r>
+            <a:r>
+              <a:rPr lang="en-US" i="1" dirty="0"/>
+              <a:t>inheritance</a:t>
+            </a:r>
+            <a:r>
+              <a:rPr lang="en-US" dirty="0"/>
+              <a:t>, </a:t>
+            </a:r>
+            <a:r>
+              <a:rPr lang="en-US" i="1" dirty="0"/>
+              <a:t>mutation</a:t>
+            </a:r>
+            <a:r>
+              <a:rPr lang="en-US" dirty="0"/>
+              <a:t>, </a:t>
+            </a:r>
+            <a:r>
+              <a:rPr lang="en-US" i="1" dirty="0"/>
+              <a:t>selection</a:t>
+            </a:r>
+            <a:r>
+              <a:rPr lang="en-US" dirty="0"/>
+              <a:t>, and </a:t>
+            </a:r>
+            <a:r>
+              <a:rPr lang="en-US" i="1" dirty="0"/>
+              <a:t>crossover</a:t>
+            </a:r>
+            <a:r>
+              <a:rPr lang="en-US" dirty="0" smtClean="0"/>
+              <a:t>.</a:t>
+            </a:r>
+            <a:br>
+              <a:rPr lang="en-US" dirty="0" smtClean="0"/>
+            </a:br>
+            <a:endParaRPr lang="it-IT" dirty="0" smtClean="0"/>
+          </a:p>
+          <a:p>
+            <a:r>
+              <a:rPr lang="it-IT" dirty="0" smtClean="0"/>
+              <a:t>With </a:t>
+            </a:r>
+            <a:r>
+              <a:rPr lang="it-IT" dirty="0" err="1" smtClean="0"/>
+              <a:t>such</a:t>
+            </a:r>
+            <a:r>
+              <a:rPr lang="it-IT" dirty="0" smtClean="0"/>
+              <a:t> </a:t>
+            </a:r>
+            <a:r>
+              <a:rPr lang="it-IT" dirty="0" err="1" smtClean="0"/>
+              <a:t>methods</a:t>
+            </a:r>
+            <a:r>
+              <a:rPr lang="it-IT" dirty="0" smtClean="0"/>
+              <a:t>, </a:t>
+            </a:r>
+            <a:r>
+              <a:rPr lang="it-IT" dirty="0" err="1" smtClean="0"/>
+              <a:t>we</a:t>
+            </a:r>
+            <a:r>
+              <a:rPr lang="it-IT" dirty="0" smtClean="0"/>
+              <a:t> can </a:t>
+            </a:r>
+            <a:r>
+              <a:rPr lang="it-IT" dirty="0" err="1" smtClean="0"/>
+              <a:t>literally</a:t>
+            </a:r>
+            <a:r>
+              <a:rPr lang="it-IT" dirty="0" smtClean="0"/>
+              <a:t> </a:t>
+            </a:r>
+            <a:r>
+              <a:rPr lang="en-US" dirty="0" smtClean="0"/>
+              <a:t>give </a:t>
+            </a:r>
+            <a:br>
+              <a:rPr lang="en-US" dirty="0" smtClean="0"/>
+            </a:br>
+            <a:r>
+              <a:rPr lang="en-US" dirty="0" smtClean="0"/>
+              <a:t>birth </a:t>
+            </a:r>
+            <a:r>
+              <a:rPr lang="en-US" dirty="0"/>
+              <a:t>to and raise a </a:t>
+            </a:r>
+            <a:r>
+              <a:rPr lang="en-US" b="1" dirty="0" smtClean="0"/>
+              <a:t>population of </a:t>
+            </a:r>
+            <a:br>
+              <a:rPr lang="en-US" b="1" dirty="0" smtClean="0"/>
+            </a:br>
+            <a:r>
+              <a:rPr lang="en-US" b="1" dirty="0" smtClean="0"/>
+              <a:t>chromosomes</a:t>
+            </a:r>
+            <a:r>
+              <a:rPr lang="en-US" dirty="0" smtClean="0"/>
+              <a:t>, each one containing a </a:t>
+            </a:r>
+            <a:br>
+              <a:rPr lang="en-US" dirty="0" smtClean="0"/>
+            </a:br>
+            <a:r>
+              <a:rPr lang="en-US" dirty="0" smtClean="0"/>
+              <a:t>candidate solution to the problem.</a:t>
+            </a:r>
+            <a:br>
+              <a:rPr lang="en-US" dirty="0" smtClean="0"/>
+            </a:br>
+            <a:endParaRPr lang="en-US" dirty="0" smtClean="0"/>
+          </a:p>
+          <a:p>
+            <a:r>
+              <a:rPr lang="en-US" dirty="0" smtClean="0"/>
+              <a:t>In our case, each chromosome will </a:t>
+            </a:r>
+            <a:br>
+              <a:rPr lang="en-US" dirty="0" smtClean="0"/>
+            </a:br>
+            <a:r>
+              <a:rPr lang="en-US" dirty="0" smtClean="0"/>
+              <a:t>contain a possible weight set for the </a:t>
+            </a:r>
+            <a:br>
+              <a:rPr lang="en-US" dirty="0" smtClean="0"/>
+            </a:br>
+            <a:r>
+              <a:rPr lang="en-US" dirty="0" smtClean="0"/>
+              <a:t>neural network.</a:t>
+            </a:r>
+            <a:br>
+              <a:rPr lang="en-US" dirty="0" smtClean="0"/>
+            </a:br>
+            <a:endParaRPr lang="en-US" dirty="0" smtClean="0"/>
+          </a:p>
+          <a:p>
+            <a:r>
+              <a:rPr lang="en-US" dirty="0" smtClean="0"/>
+              <a:t>… the </a:t>
+            </a:r>
+            <a:r>
+              <a:rPr lang="en-US" b="1" u="sng" dirty="0" smtClean="0">
+                <a:solidFill>
+                  <a:schemeClr val="accent3">
+                    <a:lumMod val="75000"/>
+                  </a:schemeClr>
+                </a:solidFill>
+              </a:rPr>
+              <a:t>best</a:t>
+            </a:r>
+            <a:r>
+              <a:rPr lang="en-US" dirty="0" smtClean="0">
+                <a:solidFill>
+                  <a:schemeClr val="accent3">
+                    <a:lumMod val="75000"/>
+                  </a:schemeClr>
+                </a:solidFill>
+              </a:rPr>
+              <a:t> </a:t>
+            </a:r>
+            <a:r>
+              <a:rPr lang="en-US" dirty="0" smtClean="0"/>
+              <a:t>will </a:t>
+            </a:r>
+            <a:r>
+              <a:rPr lang="en-US" b="1" i="1" dirty="0" smtClean="0">
+                <a:solidFill>
+                  <a:schemeClr val="tx2">
+                    <a:lumMod val="75000"/>
+                  </a:schemeClr>
+                </a:solidFill>
+              </a:rPr>
+              <a:t>survive</a:t>
+            </a:r>
+            <a:r>
+              <a:rPr lang="en-US" dirty="0" smtClean="0"/>
+              <a:t>…</a:t>
+            </a:r>
+            <a:endParaRPr lang="it-IT" dirty="0"/>
+          </a:p>
+          <a:p>
+            <a:endParaRPr lang="it-IT" dirty="0"/>
+          </a:p>
+        </p:txBody>
+      </p:sp>
+      <p:pic>
+        <p:nvPicPr>
+          <p:cNvPr id="6" name="Picture 2"/>
+          <p:cNvPicPr>
+            <a:picLocks noChangeAspect="1" noChangeArrowheads="1"/>
+          </p:cNvPicPr>
+          <p:nvPr/>
+        </p:nvPicPr>
+        <p:blipFill>
+          <a:blip r:embed="rId2">
+            <a:extLst>
+              <a:ext uri="{28A0092B-C50C-407E-A947-70E740481C1C}">
+                <a14:useLocalDpi xmlns:a14="http://schemas.microsoft.com/office/drawing/2010/main" val="0"/>
+              </a:ext>
+            </a:extLst>
+          </a:blip>
+          <a:srcRect/>
+          <a:stretch>
+            <a:fillRect/>
+          </a:stretch>
+        </p:blipFill>
+        <p:spPr bwMode="auto">
+          <a:xfrm>
+            <a:off x="6012160" y="2924944"/>
+            <a:ext cx="2454198" cy="3300896"/>
+          </a:xfrm>
+          <a:prstGeom prst="rect">
+            <a:avLst/>
+          </a:prstGeom>
+          <a:noFill/>
+          <a:ln>
+            <a:noFill/>
+          </a:ln>
+          <a:effectLst/>
+          <a:extLst>
+            <a:ext uri="{909E8E84-426E-40DD-AFC4-6F175D3DCCD1}">
+              <a14:hiddenFill xmlns:a14="http://schemas.microsoft.com/office/drawing/2010/main">
+                <a:solidFill>
+                  <a:schemeClr val="accent1"/>
+                </a:solidFill>
+              </a14:hiddenFill>
+            </a:ext>
+            <a:ext uri="{91240B29-F687-4F45-9708-019B960494DF}">
+              <a14:hiddenLine xmlns:a14="http://schemas.microsoft.com/office/drawing/2010/main" w="9525">
+                <a:solidFill>
+                  <a:schemeClr val="tx1"/>
+                </a:solidFill>
+                <a:miter lim="800000"/>
+                <a:headEnd/>
+                <a:tailEnd/>
+              </a14:hiddenLine>
+            </a:ext>
+            <a:ext uri="{AF507438-7753-43E0-B8FC-AC1667EBCBE1}">
+              <a14:hiddenEffects xmlns:a14="http://schemas.microsoft.com/office/drawing/2010/main">
+                <a:effectLst>
+                  <a:outerShdw dist="35921" dir="2700000" algn="ctr" rotWithShape="0">
+                    <a:schemeClr val="bg2"/>
+                  </a:outerShdw>
+                </a:effectLst>
+              </a14:hiddenEffects>
+            </a:ext>
+          </a:extLst>
+        </p:spPr>
+      </p:pic>
+    </p:spTree>
+    <p:extLst>
+      <p:ext uri="{BB962C8B-B14F-4D97-AF65-F5344CB8AC3E}">
+        <p14:creationId xmlns:p14="http://schemas.microsoft.com/office/powerpoint/2010/main" val="916718303"/>
+      </p:ext>
+    </p:extLst>
+  </p:cSld>
+  <p:clrMapOvr>
+    <a:masterClrMapping/>
+  </p:clrMapOvr>
+  <p:timing>
+    <p:tnLst>
+      <p:par>
+        <p:cTn id="1" dur="indefinite" restart="never" nodeType="tmRoot"/>
+      </p:par>
+    </p:tnLst>
+  </p:timing>
+</p:sld>
+</file>
+
+<file path=ppt/slides/slide16.xml><?xml version="1.0" encoding="utf-8"?>
+<p:sld xmlns:a="http://schemas.openxmlformats.org/drawingml/2006/main" xmlns:r="http://schemas.openxmlformats.org/officeDocument/2006/relationships" xmlns:p="http://schemas.openxmlformats.org/presentationml/2006/main">
+  <p:cSld>
+    <p:spTree>
+      <p:nvGrpSpPr>
+        <p:cNvPr id="1" name=""/>
+        <p:cNvGrpSpPr/>
+        <p:nvPr/>
+      </p:nvGrpSpPr>
+      <p:grpSpPr>
+        <a:xfrm>
+          <a:off x="0" y="0"/>
+          <a:ext cx="0" cy="0"/>
+          <a:chOff x="0" y="0"/>
+          <a:chExt cx="0" cy="0"/>
+        </a:xfrm>
+      </p:grpSpPr>
+      <p:sp>
+        <p:nvSpPr>
+          <p:cNvPr id="2" name="Titolo 1"/>
+          <p:cNvSpPr>
+            <a:spLocks noGrp="1"/>
+          </p:cNvSpPr>
+          <p:nvPr>
+            <p:ph type="title"/>
+          </p:nvPr>
+        </p:nvSpPr>
+        <p:spPr/>
+        <p:txBody>
+          <a:bodyPr/>
+          <a:lstStyle/>
+          <a:p>
+            <a:r>
+              <a:rPr lang="it-IT" dirty="0" err="1"/>
+              <a:t>Genetic</a:t>
+            </a:r>
+            <a:r>
+              <a:rPr lang="it-IT" dirty="0"/>
+              <a:t> </a:t>
+            </a:r>
+            <a:r>
+              <a:rPr lang="it-IT" dirty="0" err="1"/>
+              <a:t>algorithms</a:t>
+            </a:r>
+            <a:endParaRPr lang="it-IT" dirty="0"/>
+          </a:p>
+        </p:txBody>
+      </p:sp>
+      <p:sp>
+        <p:nvSpPr>
+          <p:cNvPr id="4" name="Ovale 3"/>
+          <p:cNvSpPr/>
+          <p:nvPr/>
+        </p:nvSpPr>
+        <p:spPr>
+          <a:xfrm>
+            <a:off x="1691680" y="2005721"/>
+            <a:ext cx="4608512" cy="3493135"/>
+          </a:xfrm>
+          <a:prstGeom prst="ellipse">
+            <a:avLst/>
+          </a:prstGeom>
+          <a:solidFill>
+            <a:schemeClr val="bg1">
+              <a:lumMod val="95000"/>
+            </a:schemeClr>
+          </a:solidFill>
+        </p:spPr>
+        <p:style>
+          <a:lnRef idx="2">
+            <a:schemeClr val="accent1">
+              <a:shade val="50000"/>
+            </a:schemeClr>
+          </a:lnRef>
+          <a:fillRef idx="1">
+            <a:schemeClr val="accent1"/>
+          </a:fillRef>
+          <a:effectRef idx="0">
+            <a:schemeClr val="accent1"/>
+          </a:effectRef>
+          <a:fontRef idx="minor">
+            <a:schemeClr val="lt1"/>
+          </a:fontRef>
+        </p:style>
+        <p:txBody>
+          <a:bodyPr rtlCol="0" anchor="ctr"/>
+          <a:lstStyle/>
+          <a:p>
+            <a:pPr algn="ctr"/>
+            <a:endParaRPr lang="it-IT"/>
+          </a:p>
+        </p:txBody>
+      </p:sp>
+      <p:sp>
+        <p:nvSpPr>
+          <p:cNvPr id="12" name="CasellaDiTesto 11"/>
+          <p:cNvSpPr txBox="1"/>
+          <p:nvPr/>
+        </p:nvSpPr>
+        <p:spPr>
+          <a:xfrm>
+            <a:off x="2559267" y="2731981"/>
+            <a:ext cx="803653" cy="369332"/>
+          </a:xfrm>
+          <a:prstGeom prst="rect">
+            <a:avLst/>
+          </a:prstGeom>
+          <a:solidFill>
+            <a:schemeClr val="bg1"/>
+          </a:solidFill>
+          <a:ln w="25400" cap="rnd">
+            <a:solidFill>
+              <a:schemeClr val="accent2"/>
+            </a:solidFill>
+          </a:ln>
+        </p:spPr>
+        <p:txBody>
+          <a:bodyPr wrap="square" rtlCol="0">
+            <a:spAutoFit/>
+          </a:bodyPr>
+          <a:lstStyle/>
+          <a:p>
+            <a:pPr algn="ctr"/>
+            <a:r>
+              <a:rPr lang="it-IT" dirty="0" smtClean="0"/>
+              <a:t>1</a:t>
+            </a:r>
+            <a:endParaRPr lang="it-IT" dirty="0"/>
+          </a:p>
+        </p:txBody>
+      </p:sp>
+      <p:sp>
+        <p:nvSpPr>
+          <p:cNvPr id="19" name="CasellaDiTesto 18"/>
+          <p:cNvSpPr txBox="1"/>
+          <p:nvPr/>
+        </p:nvSpPr>
+        <p:spPr>
+          <a:xfrm>
+            <a:off x="4403986" y="2559847"/>
+            <a:ext cx="803653" cy="369332"/>
+          </a:xfrm>
+          <a:prstGeom prst="rect">
+            <a:avLst/>
+          </a:prstGeom>
+          <a:solidFill>
+            <a:schemeClr val="bg1"/>
+          </a:solidFill>
+          <a:ln w="25400" cap="rnd">
+            <a:solidFill>
+              <a:schemeClr val="accent2"/>
+            </a:solidFill>
+          </a:ln>
+        </p:spPr>
+        <p:txBody>
+          <a:bodyPr wrap="square" rtlCol="0">
+            <a:spAutoFit/>
+          </a:bodyPr>
+          <a:lstStyle/>
+          <a:p>
+            <a:pPr algn="ctr"/>
+            <a:r>
+              <a:rPr lang="it-IT" dirty="0"/>
+              <a:t>3</a:t>
+            </a:r>
+            <a:endParaRPr lang="it-IT" dirty="0"/>
+          </a:p>
+        </p:txBody>
+      </p:sp>
+      <p:sp>
+        <p:nvSpPr>
+          <p:cNvPr id="20" name="CasellaDiTesto 19"/>
+          <p:cNvSpPr txBox="1"/>
+          <p:nvPr/>
+        </p:nvSpPr>
+        <p:spPr>
+          <a:xfrm>
+            <a:off x="2094816" y="3883852"/>
+            <a:ext cx="803653" cy="369332"/>
+          </a:xfrm>
+          <a:prstGeom prst="rect">
+            <a:avLst/>
+          </a:prstGeom>
+          <a:solidFill>
+            <a:schemeClr val="bg1"/>
+          </a:solidFill>
+          <a:ln w="25400" cap="rnd">
+            <a:solidFill>
+              <a:schemeClr val="accent2"/>
+            </a:solidFill>
+          </a:ln>
+        </p:spPr>
+        <p:txBody>
+          <a:bodyPr wrap="square" rtlCol="0">
+            <a:spAutoFit/>
+          </a:bodyPr>
+          <a:lstStyle/>
+          <a:p>
+            <a:pPr algn="ctr"/>
+            <a:r>
+              <a:rPr lang="it-IT" dirty="0"/>
+              <a:t>6</a:t>
+            </a:r>
+            <a:endParaRPr lang="it-IT" dirty="0"/>
+          </a:p>
+        </p:txBody>
+      </p:sp>
+      <p:sp>
+        <p:nvSpPr>
+          <p:cNvPr id="21" name="CasellaDiTesto 20"/>
+          <p:cNvSpPr txBox="1"/>
+          <p:nvPr/>
+        </p:nvSpPr>
+        <p:spPr>
+          <a:xfrm>
+            <a:off x="3594110" y="3329854"/>
+            <a:ext cx="803653" cy="369332"/>
+          </a:xfrm>
+          <a:prstGeom prst="rect">
+            <a:avLst/>
+          </a:prstGeom>
+          <a:solidFill>
+            <a:schemeClr val="bg1"/>
+          </a:solidFill>
+          <a:ln w="25400" cap="rnd">
+            <a:solidFill>
+              <a:schemeClr val="accent2"/>
+            </a:solidFill>
+          </a:ln>
+        </p:spPr>
+        <p:txBody>
+          <a:bodyPr wrap="square" rtlCol="0">
+            <a:spAutoFit/>
+          </a:bodyPr>
+          <a:lstStyle/>
+          <a:p>
+            <a:pPr algn="ctr"/>
+            <a:r>
+              <a:rPr lang="it-IT" dirty="0"/>
+              <a:t>2</a:t>
+            </a:r>
+          </a:p>
+        </p:txBody>
+      </p:sp>
+      <p:sp>
+        <p:nvSpPr>
+          <p:cNvPr id="22" name="CasellaDiTesto 21"/>
+          <p:cNvSpPr txBox="1"/>
+          <p:nvPr/>
+        </p:nvSpPr>
+        <p:spPr>
+          <a:xfrm>
+            <a:off x="4950697" y="3699186"/>
+            <a:ext cx="803653" cy="369332"/>
+          </a:xfrm>
+          <a:prstGeom prst="rect">
+            <a:avLst/>
+          </a:prstGeom>
+          <a:solidFill>
+            <a:schemeClr val="bg1"/>
+          </a:solidFill>
+          <a:ln w="25400" cap="rnd">
+            <a:solidFill>
+              <a:schemeClr val="accent2"/>
+            </a:solidFill>
+          </a:ln>
+        </p:spPr>
+        <p:txBody>
+          <a:bodyPr wrap="square" rtlCol="0">
+            <a:spAutoFit/>
+          </a:bodyPr>
+          <a:lstStyle/>
+          <a:p>
+            <a:pPr algn="ctr"/>
+            <a:r>
+              <a:rPr lang="it-IT" dirty="0"/>
+              <a:t>4</a:t>
+            </a:r>
+            <a:endParaRPr lang="it-IT" dirty="0"/>
+          </a:p>
+        </p:txBody>
+      </p:sp>
+      <p:sp>
+        <p:nvSpPr>
+          <p:cNvPr id="23" name="CasellaDiTesto 22"/>
+          <p:cNvSpPr txBox="1"/>
+          <p:nvPr/>
+        </p:nvSpPr>
+        <p:spPr>
+          <a:xfrm>
+            <a:off x="3995936" y="4265255"/>
+            <a:ext cx="803653" cy="369332"/>
+          </a:xfrm>
+          <a:prstGeom prst="rect">
+            <a:avLst/>
+          </a:prstGeom>
+          <a:solidFill>
+            <a:schemeClr val="bg1"/>
+          </a:solidFill>
+          <a:ln w="25400" cap="rnd">
+            <a:solidFill>
+              <a:schemeClr val="accent2"/>
+            </a:solidFill>
+          </a:ln>
+        </p:spPr>
+        <p:txBody>
+          <a:bodyPr wrap="square" rtlCol="0">
+            <a:spAutoFit/>
+          </a:bodyPr>
+          <a:lstStyle/>
+          <a:p>
+            <a:pPr algn="ctr"/>
+            <a:r>
+              <a:rPr lang="it-IT" dirty="0"/>
+              <a:t>5</a:t>
+            </a:r>
+            <a:endParaRPr lang="it-IT" dirty="0"/>
+          </a:p>
+        </p:txBody>
+      </p:sp>
+      <p:sp>
+        <p:nvSpPr>
+          <p:cNvPr id="24" name="CasellaDiTesto 23"/>
+          <p:cNvSpPr txBox="1"/>
+          <p:nvPr/>
+        </p:nvSpPr>
+        <p:spPr>
+          <a:xfrm>
+            <a:off x="2790457" y="4630312"/>
+            <a:ext cx="803653" cy="369332"/>
+          </a:xfrm>
+          <a:prstGeom prst="rect">
+            <a:avLst/>
+          </a:prstGeom>
+          <a:solidFill>
+            <a:schemeClr val="bg1"/>
+          </a:solidFill>
+          <a:ln w="25400" cap="rnd">
+            <a:solidFill>
+              <a:schemeClr val="accent2"/>
+            </a:solidFill>
+          </a:ln>
+        </p:spPr>
+        <p:txBody>
+          <a:bodyPr wrap="square" rtlCol="0">
+            <a:spAutoFit/>
+          </a:bodyPr>
+          <a:lstStyle/>
+          <a:p>
+            <a:pPr algn="ctr"/>
+            <a:r>
+              <a:rPr lang="it-IT" dirty="0"/>
+              <a:t>7</a:t>
+            </a:r>
+            <a:endParaRPr lang="it-IT" dirty="0"/>
+          </a:p>
+        </p:txBody>
+      </p:sp>
+      <p:sp>
+        <p:nvSpPr>
+          <p:cNvPr id="25" name="CasellaDiTesto 24"/>
+          <p:cNvSpPr txBox="1"/>
+          <p:nvPr/>
+        </p:nvSpPr>
+        <p:spPr>
+          <a:xfrm>
+            <a:off x="611560" y="5805264"/>
+            <a:ext cx="2778090" cy="646331"/>
+          </a:xfrm>
+          <a:prstGeom prst="rect">
+            <a:avLst/>
+          </a:prstGeom>
+          <a:noFill/>
+        </p:spPr>
+        <p:txBody>
+          <a:bodyPr wrap="square" rtlCol="0">
+            <a:spAutoFit/>
+          </a:bodyPr>
+          <a:lstStyle/>
+          <a:p>
+            <a:r>
+              <a:rPr lang="it-IT" dirty="0" err="1" smtClean="0"/>
+              <a:t>This</a:t>
+            </a:r>
+            <a:r>
+              <a:rPr lang="it-IT" dirty="0" smtClean="0"/>
+              <a:t> </a:t>
+            </a:r>
+            <a:r>
+              <a:rPr lang="it-IT" dirty="0" err="1" smtClean="0"/>
+              <a:t>is</a:t>
+            </a:r>
+            <a:r>
+              <a:rPr lang="it-IT" dirty="0" smtClean="0"/>
+              <a:t> a </a:t>
+            </a:r>
+            <a:r>
+              <a:rPr lang="it-IT" b="1" dirty="0" smtClean="0"/>
+              <a:t>generation</a:t>
+            </a:r>
+            <a:r>
+              <a:rPr lang="it-IT" dirty="0" smtClean="0"/>
+              <a:t> of </a:t>
+            </a:r>
+            <a:r>
+              <a:rPr lang="it-IT" dirty="0" err="1" smtClean="0"/>
+              <a:t>chromosomes</a:t>
+            </a:r>
+            <a:endParaRPr lang="it-IT" dirty="0"/>
+          </a:p>
+        </p:txBody>
+      </p:sp>
+      <p:pic>
+        <p:nvPicPr>
+          <p:cNvPr id="3074" name="Picture 2" descr="http://upload.wikimedia.org/wikipedia/commons/thumb/e/e4/Artificial_neural_network.svg/350px-Artificial_neural_network.svg.png"/>
+          <p:cNvPicPr>
+            <a:picLocks noChangeAspect="1" noChangeArrowheads="1"/>
+          </p:cNvPicPr>
+          <p:nvPr/>
+        </p:nvPicPr>
+        <p:blipFill>
+          <a:blip r:embed="rId2">
+            <a:extLst>
+              <a:ext uri="{28A0092B-C50C-407E-A947-70E740481C1C}">
+                <a14:useLocalDpi xmlns:a14="http://schemas.microsoft.com/office/drawing/2010/main" val="0"/>
+              </a:ext>
+            </a:extLst>
+          </a:blip>
+          <a:srcRect/>
+          <a:stretch>
+            <a:fillRect/>
+          </a:stretch>
+        </p:blipFill>
+        <p:spPr bwMode="auto">
+          <a:xfrm>
+            <a:off x="6732240" y="1461956"/>
+            <a:ext cx="1833147" cy="1639357"/>
+          </a:xfrm>
+          <a:prstGeom prst="rect">
+            <a:avLst/>
+          </a:prstGeom>
+          <a:noFill/>
+          <a:extLst>
+            <a:ext uri="{909E8E84-426E-40DD-AFC4-6F175D3DCCD1}">
+              <a14:hiddenFill xmlns:a14="http://schemas.microsoft.com/office/drawing/2010/main">
+                <a:solidFill>
+                  <a:srgbClr val="FFFFFF"/>
+                </a:solidFill>
+              </a14:hiddenFill>
+            </a:ext>
+          </a:extLst>
+        </p:spPr>
+      </p:pic>
+      <p:cxnSp>
+        <p:nvCxnSpPr>
+          <p:cNvPr id="28" name="Connettore 2 27"/>
+          <p:cNvCxnSpPr/>
+          <p:nvPr/>
+        </p:nvCxnSpPr>
+        <p:spPr>
+          <a:xfrm flipV="1">
+            <a:off x="1187624" y="4814978"/>
+            <a:ext cx="648072" cy="846270"/>
+          </a:xfrm>
+          <a:prstGeom prst="straightConnector1">
+            <a:avLst/>
+          </a:prstGeom>
+          <a:ln w="25400">
+            <a:solidFill>
+              <a:schemeClr val="tx1"/>
+            </a:solidFill>
+            <a:tailEnd type="arrow"/>
+          </a:ln>
+        </p:spPr>
+        <p:style>
+          <a:lnRef idx="1">
+            <a:schemeClr val="accent1"/>
+          </a:lnRef>
+          <a:fillRef idx="0">
+            <a:schemeClr val="accent1"/>
+          </a:fillRef>
+          <a:effectRef idx="0">
+            <a:schemeClr val="accent1"/>
+          </a:effectRef>
+          <a:fontRef idx="minor">
+            <a:schemeClr val="tx1"/>
+          </a:fontRef>
+        </p:style>
+      </p:cxnSp>
+    </p:spTree>
+    <p:extLst>
+      <p:ext uri="{BB962C8B-B14F-4D97-AF65-F5344CB8AC3E}">
+        <p14:creationId xmlns:p14="http://schemas.microsoft.com/office/powerpoint/2010/main" val="90853218"/>
+      </p:ext>
+    </p:extLst>
+  </p:cSld>
+  <p:clrMapOvr>
+    <a:masterClrMapping/>
+  </p:clrMapOvr>
+  <p:timing>
+    <p:tnLst>
+      <p:par>
+        <p:cTn id="1" dur="indefinite" restart="never" nodeType="tmRoot"/>
+      </p:par>
+    </p:tnLst>
+  </p:timing>
+</p:sld>
+</file>
+
+<file path=ppt/slides/slide17.xml><?xml version="1.0" encoding="utf-8"?>
+<p:sld xmlns:a="http://schemas.openxmlformats.org/drawingml/2006/main" xmlns:r="http://schemas.openxmlformats.org/officeDocument/2006/relationships" xmlns:p="http://schemas.openxmlformats.org/presentationml/2006/main">
+  <p:cSld>
+    <p:spTree>
+      <p:nvGrpSpPr>
+        <p:cNvPr id="1" name=""/>
+        <p:cNvGrpSpPr/>
+        <p:nvPr/>
+      </p:nvGrpSpPr>
+      <p:grpSpPr>
+        <a:xfrm>
+          <a:off x="0" y="0"/>
+          <a:ext cx="0" cy="0"/>
+          <a:chOff x="0" y="0"/>
+          <a:chExt cx="0" cy="0"/>
+        </a:xfrm>
+      </p:grpSpPr>
+      <p:sp>
+        <p:nvSpPr>
+          <p:cNvPr id="2" name="Titolo 1"/>
+          <p:cNvSpPr>
+            <a:spLocks noGrp="1"/>
+          </p:cNvSpPr>
+          <p:nvPr>
+            <p:ph type="title"/>
+          </p:nvPr>
+        </p:nvSpPr>
+        <p:spPr/>
+        <p:txBody>
+          <a:bodyPr/>
+          <a:lstStyle/>
+          <a:p>
+            <a:r>
+              <a:rPr lang="it-IT" dirty="0" err="1"/>
+              <a:t>Genetic</a:t>
+            </a:r>
+            <a:r>
+              <a:rPr lang="it-IT" dirty="0"/>
+              <a:t> </a:t>
+            </a:r>
+            <a:r>
+              <a:rPr lang="it-IT" dirty="0" err="1"/>
+              <a:t>algorithms</a:t>
+            </a:r>
+            <a:endParaRPr lang="it-IT" dirty="0"/>
+          </a:p>
+        </p:txBody>
+      </p:sp>
+      <p:sp>
+        <p:nvSpPr>
+          <p:cNvPr id="4" name="Ovale 3"/>
+          <p:cNvSpPr/>
+          <p:nvPr/>
+        </p:nvSpPr>
+        <p:spPr>
+          <a:xfrm>
+            <a:off x="1691680" y="2005721"/>
+            <a:ext cx="4608512" cy="3493135"/>
+          </a:xfrm>
+          <a:prstGeom prst="ellipse">
+            <a:avLst/>
+          </a:prstGeom>
+          <a:solidFill>
+            <a:schemeClr val="bg1">
+              <a:lumMod val="95000"/>
+            </a:schemeClr>
+          </a:solidFill>
+        </p:spPr>
+        <p:style>
+          <a:lnRef idx="2">
+            <a:schemeClr val="accent1">
+              <a:shade val="50000"/>
+            </a:schemeClr>
+          </a:lnRef>
+          <a:fillRef idx="1">
+            <a:schemeClr val="accent1"/>
+          </a:fillRef>
+          <a:effectRef idx="0">
+            <a:schemeClr val="accent1"/>
+          </a:effectRef>
+          <a:fontRef idx="minor">
+            <a:schemeClr val="lt1"/>
+          </a:fontRef>
+        </p:style>
+        <p:txBody>
+          <a:bodyPr rtlCol="0" anchor="ctr"/>
+          <a:lstStyle/>
+          <a:p>
+            <a:pPr algn="ctr"/>
+            <a:endParaRPr lang="it-IT"/>
+          </a:p>
+        </p:txBody>
+      </p:sp>
+      <p:sp>
+        <p:nvSpPr>
+          <p:cNvPr id="12" name="CasellaDiTesto 11"/>
+          <p:cNvSpPr txBox="1"/>
+          <p:nvPr/>
+        </p:nvSpPr>
+        <p:spPr>
+          <a:xfrm>
+            <a:off x="2559267" y="2731981"/>
+            <a:ext cx="803653" cy="369332"/>
+          </a:xfrm>
+          <a:prstGeom prst="rect">
+            <a:avLst/>
+          </a:prstGeom>
+          <a:solidFill>
+            <a:schemeClr val="bg1"/>
+          </a:solidFill>
+          <a:ln w="44450" cap="rnd">
+            <a:solidFill>
+              <a:schemeClr val="accent2"/>
+            </a:solidFill>
+            <a:prstDash val="dash"/>
+          </a:ln>
+        </p:spPr>
+        <p:txBody>
+          <a:bodyPr wrap="square" rtlCol="0">
+            <a:spAutoFit/>
+          </a:bodyPr>
+          <a:lstStyle/>
+          <a:p>
+            <a:pPr algn="ctr"/>
+            <a:r>
+              <a:rPr lang="it-IT" dirty="0" smtClean="0"/>
+              <a:t>1</a:t>
+            </a:r>
+            <a:endParaRPr lang="it-IT" dirty="0"/>
+          </a:p>
+        </p:txBody>
+      </p:sp>
+      <p:sp>
+        <p:nvSpPr>
+          <p:cNvPr id="19" name="CasellaDiTesto 18"/>
+          <p:cNvSpPr txBox="1"/>
+          <p:nvPr/>
+        </p:nvSpPr>
+        <p:spPr>
+          <a:xfrm>
+            <a:off x="4403986" y="2559847"/>
+            <a:ext cx="803653" cy="369332"/>
+          </a:xfrm>
+          <a:prstGeom prst="rect">
+            <a:avLst/>
+          </a:prstGeom>
+          <a:solidFill>
+            <a:schemeClr val="bg1"/>
+          </a:solidFill>
+          <a:ln w="25400" cap="rnd">
+            <a:solidFill>
+              <a:schemeClr val="accent2"/>
+            </a:solidFill>
+          </a:ln>
+        </p:spPr>
+        <p:txBody>
+          <a:bodyPr wrap="square" rtlCol="0">
+            <a:spAutoFit/>
+          </a:bodyPr>
+          <a:lstStyle/>
+          <a:p>
+            <a:pPr algn="ctr"/>
+            <a:r>
+              <a:rPr lang="it-IT" dirty="0"/>
+              <a:t>3</a:t>
+            </a:r>
+            <a:endParaRPr lang="it-IT" dirty="0"/>
+          </a:p>
+        </p:txBody>
+      </p:sp>
+      <p:sp>
+        <p:nvSpPr>
+          <p:cNvPr id="20" name="CasellaDiTesto 19"/>
+          <p:cNvSpPr txBox="1"/>
+          <p:nvPr/>
+        </p:nvSpPr>
+        <p:spPr>
+          <a:xfrm>
+            <a:off x="2094816" y="3883852"/>
+            <a:ext cx="803653" cy="369332"/>
+          </a:xfrm>
+          <a:prstGeom prst="rect">
+            <a:avLst/>
+          </a:prstGeom>
+          <a:solidFill>
+            <a:schemeClr val="bg1"/>
+          </a:solidFill>
+          <a:ln w="25400" cap="rnd">
+            <a:solidFill>
+              <a:schemeClr val="accent2"/>
+            </a:solidFill>
+          </a:ln>
+        </p:spPr>
+        <p:txBody>
+          <a:bodyPr wrap="square" rtlCol="0">
+            <a:spAutoFit/>
+          </a:bodyPr>
+          <a:lstStyle/>
+          <a:p>
+            <a:pPr algn="ctr"/>
+            <a:r>
+              <a:rPr lang="it-IT" dirty="0"/>
+              <a:t>6</a:t>
+            </a:r>
+            <a:endParaRPr lang="it-IT" dirty="0"/>
+          </a:p>
+        </p:txBody>
+      </p:sp>
+      <p:sp>
+        <p:nvSpPr>
+          <p:cNvPr id="21" name="CasellaDiTesto 20"/>
+          <p:cNvSpPr txBox="1"/>
+          <p:nvPr/>
+        </p:nvSpPr>
+        <p:spPr>
+          <a:xfrm>
+            <a:off x="3594110" y="3329854"/>
+            <a:ext cx="803653" cy="369332"/>
+          </a:xfrm>
+          <a:prstGeom prst="rect">
+            <a:avLst/>
+          </a:prstGeom>
+          <a:solidFill>
+            <a:schemeClr val="bg1"/>
+          </a:solidFill>
+          <a:ln w="25400" cap="rnd">
+            <a:solidFill>
+              <a:schemeClr val="accent2"/>
+            </a:solidFill>
+          </a:ln>
+        </p:spPr>
+        <p:txBody>
+          <a:bodyPr wrap="square" rtlCol="0">
+            <a:spAutoFit/>
+          </a:bodyPr>
+          <a:lstStyle/>
+          <a:p>
+            <a:pPr algn="ctr"/>
+            <a:r>
+              <a:rPr lang="it-IT" dirty="0"/>
+              <a:t>2</a:t>
+            </a:r>
+          </a:p>
+        </p:txBody>
+      </p:sp>
+      <p:sp>
+        <p:nvSpPr>
+          <p:cNvPr id="22" name="CasellaDiTesto 21"/>
+          <p:cNvSpPr txBox="1"/>
+          <p:nvPr/>
+        </p:nvSpPr>
+        <p:spPr>
+          <a:xfrm>
+            <a:off x="4950697" y="3699186"/>
+            <a:ext cx="803653" cy="369332"/>
+          </a:xfrm>
+          <a:prstGeom prst="rect">
+            <a:avLst/>
+          </a:prstGeom>
+          <a:solidFill>
+            <a:schemeClr val="bg1"/>
+          </a:solidFill>
+          <a:ln w="25400" cap="rnd">
+            <a:solidFill>
+              <a:schemeClr val="accent2"/>
+            </a:solidFill>
+          </a:ln>
+        </p:spPr>
+        <p:txBody>
+          <a:bodyPr wrap="square" rtlCol="0">
+            <a:spAutoFit/>
+          </a:bodyPr>
+          <a:lstStyle/>
+          <a:p>
+            <a:pPr algn="ctr"/>
+            <a:r>
+              <a:rPr lang="it-IT" dirty="0"/>
+              <a:t>4</a:t>
+            </a:r>
+            <a:endParaRPr lang="it-IT" dirty="0"/>
+          </a:p>
+        </p:txBody>
+      </p:sp>
+      <p:sp>
+        <p:nvSpPr>
+          <p:cNvPr id="23" name="CasellaDiTesto 22"/>
+          <p:cNvSpPr txBox="1"/>
+          <p:nvPr/>
+        </p:nvSpPr>
+        <p:spPr>
+          <a:xfrm>
+            <a:off x="3995936" y="4265255"/>
+            <a:ext cx="803653" cy="369332"/>
+          </a:xfrm>
+          <a:prstGeom prst="rect">
+            <a:avLst/>
+          </a:prstGeom>
+          <a:solidFill>
+            <a:schemeClr val="bg1"/>
+          </a:solidFill>
+          <a:ln w="25400" cap="rnd">
+            <a:solidFill>
+              <a:schemeClr val="accent2"/>
+            </a:solidFill>
+          </a:ln>
+        </p:spPr>
+        <p:txBody>
+          <a:bodyPr wrap="square" rtlCol="0">
+            <a:spAutoFit/>
+          </a:bodyPr>
+          <a:lstStyle/>
+          <a:p>
+            <a:pPr algn="ctr"/>
+            <a:r>
+              <a:rPr lang="it-IT" dirty="0"/>
+              <a:t>5</a:t>
+            </a:r>
+            <a:endParaRPr lang="it-IT" dirty="0"/>
+          </a:p>
+        </p:txBody>
+      </p:sp>
+      <p:sp>
+        <p:nvSpPr>
+          <p:cNvPr id="24" name="CasellaDiTesto 23"/>
+          <p:cNvSpPr txBox="1"/>
+          <p:nvPr/>
+        </p:nvSpPr>
+        <p:spPr>
+          <a:xfrm>
+            <a:off x="2790457" y="4630312"/>
+            <a:ext cx="803653" cy="369332"/>
+          </a:xfrm>
+          <a:prstGeom prst="rect">
+            <a:avLst/>
+          </a:prstGeom>
+          <a:solidFill>
+            <a:schemeClr val="bg1"/>
+          </a:solidFill>
+          <a:ln w="25400" cap="rnd">
+            <a:solidFill>
+              <a:schemeClr val="accent2"/>
+            </a:solidFill>
+          </a:ln>
+        </p:spPr>
+        <p:txBody>
+          <a:bodyPr wrap="square" rtlCol="0">
+            <a:spAutoFit/>
+          </a:bodyPr>
+          <a:lstStyle/>
+          <a:p>
+            <a:pPr algn="ctr"/>
+            <a:r>
+              <a:rPr lang="it-IT" dirty="0"/>
+              <a:t>7</a:t>
+            </a:r>
+            <a:endParaRPr lang="it-IT" dirty="0"/>
+          </a:p>
+        </p:txBody>
+      </p:sp>
+      <p:sp>
+        <p:nvSpPr>
+          <p:cNvPr id="25" name="CasellaDiTesto 24"/>
+          <p:cNvSpPr txBox="1"/>
+          <p:nvPr/>
+        </p:nvSpPr>
+        <p:spPr>
+          <a:xfrm>
+            <a:off x="4595129" y="5805263"/>
+            <a:ext cx="3989793" cy="646331"/>
+          </a:xfrm>
+          <a:prstGeom prst="rect">
+            <a:avLst/>
+          </a:prstGeom>
+          <a:noFill/>
+        </p:spPr>
+        <p:txBody>
+          <a:bodyPr wrap="square" rtlCol="0">
+            <a:spAutoFit/>
+          </a:bodyPr>
+          <a:lstStyle/>
+          <a:p>
+            <a:r>
+              <a:rPr lang="it-IT" dirty="0" err="1" smtClean="0"/>
+              <a:t>We</a:t>
+            </a:r>
+            <a:r>
+              <a:rPr lang="it-IT" dirty="0" smtClean="0"/>
+              <a:t> test </a:t>
+            </a:r>
+            <a:r>
+              <a:rPr lang="it-IT" dirty="0" err="1" smtClean="0"/>
+              <a:t>each</a:t>
+            </a:r>
+            <a:r>
+              <a:rPr lang="it-IT" dirty="0" smtClean="0"/>
+              <a:t> </a:t>
+            </a:r>
+            <a:r>
+              <a:rPr lang="it-IT" dirty="0" err="1" smtClean="0"/>
+              <a:t>chromosome's</a:t>
+            </a:r>
+            <a:r>
+              <a:rPr lang="it-IT" dirty="0" smtClean="0"/>
+              <a:t> </a:t>
+            </a:r>
+            <a:r>
+              <a:rPr lang="it-IT" dirty="0" err="1" smtClean="0"/>
+              <a:t>effectiveness</a:t>
+            </a:r>
+            <a:r>
+              <a:rPr lang="it-IT" dirty="0" smtClean="0"/>
+              <a:t> and </a:t>
+            </a:r>
+            <a:r>
+              <a:rPr lang="it-IT" dirty="0" err="1" smtClean="0"/>
+              <a:t>give</a:t>
+            </a:r>
+            <a:r>
+              <a:rPr lang="it-IT" dirty="0" smtClean="0"/>
+              <a:t> a </a:t>
+            </a:r>
+            <a:r>
+              <a:rPr lang="it-IT" b="1" dirty="0" smtClean="0">
+                <a:solidFill>
+                  <a:srgbClr val="FF0000"/>
+                </a:solidFill>
+              </a:rPr>
+              <a:t>score</a:t>
+            </a:r>
+            <a:r>
+              <a:rPr lang="it-IT" dirty="0" smtClean="0">
+                <a:solidFill>
+                  <a:srgbClr val="FF0000"/>
+                </a:solidFill>
+              </a:rPr>
+              <a:t> </a:t>
+            </a:r>
+            <a:r>
+              <a:rPr lang="it-IT" dirty="0" smtClean="0"/>
+              <a:t>to </a:t>
+            </a:r>
+            <a:r>
+              <a:rPr lang="it-IT" dirty="0" err="1" smtClean="0"/>
+              <a:t>it</a:t>
+            </a:r>
+            <a:endParaRPr lang="it-IT" dirty="0"/>
+          </a:p>
+        </p:txBody>
+      </p:sp>
+      <p:pic>
+        <p:nvPicPr>
+          <p:cNvPr id="2050" name="Picture 2" descr="http://netanimations.net/large%20gears.gif"/>
+          <p:cNvPicPr>
+            <a:picLocks noChangeAspect="1" noChangeArrowheads="1" noCrop="1"/>
+          </p:cNvPicPr>
+          <p:nvPr/>
+        </p:nvPicPr>
+        <p:blipFill>
+          <a:blip r:embed="rId2" cstate="print">
+            <a:extLst>
+              <a:ext uri="{28A0092B-C50C-407E-A947-70E740481C1C}">
+                <a14:useLocalDpi xmlns:a14="http://schemas.microsoft.com/office/drawing/2010/main" val="0"/>
+              </a:ext>
+            </a:extLst>
+          </a:blip>
+          <a:srcRect/>
+          <a:stretch>
+            <a:fillRect/>
+          </a:stretch>
+        </p:blipFill>
+        <p:spPr bwMode="auto">
+          <a:xfrm>
+            <a:off x="3108712" y="2463826"/>
+            <a:ext cx="412770" cy="409170"/>
+          </a:xfrm>
+          <a:prstGeom prst="rect">
+            <a:avLst/>
+          </a:prstGeom>
+          <a:noFill/>
+          <a:extLst>
+            <a:ext uri="{909E8E84-426E-40DD-AFC4-6F175D3DCCD1}">
+              <a14:hiddenFill xmlns:a14="http://schemas.microsoft.com/office/drawing/2010/main">
+                <a:solidFill>
+                  <a:srgbClr val="FFFFFF"/>
+                </a:solidFill>
+              </a14:hiddenFill>
+            </a:ext>
+          </a:extLst>
+        </p:spPr>
+      </p:pic>
+      <p:pic>
+        <p:nvPicPr>
+          <p:cNvPr id="13" name="Picture 2" descr="http://upload.wikimedia.org/wikipedia/commons/thumb/e/e4/Artificial_neural_network.svg/350px-Artificial_neural_network.svg.png"/>
+          <p:cNvPicPr>
+            <a:picLocks noChangeAspect="1" noChangeArrowheads="1"/>
+          </p:cNvPicPr>
+          <p:nvPr/>
+        </p:nvPicPr>
+        <p:blipFill>
+          <a:blip r:embed="rId3">
+            <a:extLst>
+              <a:ext uri="{28A0092B-C50C-407E-A947-70E740481C1C}">
+                <a14:useLocalDpi xmlns:a14="http://schemas.microsoft.com/office/drawing/2010/main" val="0"/>
+              </a:ext>
+            </a:extLst>
+          </a:blip>
+          <a:srcRect/>
+          <a:stretch>
+            <a:fillRect/>
+          </a:stretch>
+        </p:blipFill>
+        <p:spPr bwMode="auto">
+          <a:xfrm>
+            <a:off x="6732240" y="1461956"/>
+            <a:ext cx="1833147" cy="1639357"/>
+          </a:xfrm>
+          <a:prstGeom prst="rect">
+            <a:avLst/>
+          </a:prstGeom>
+          <a:noFill/>
+          <a:extLst>
+            <a:ext uri="{909E8E84-426E-40DD-AFC4-6F175D3DCCD1}">
+              <a14:hiddenFill xmlns:a14="http://schemas.microsoft.com/office/drawing/2010/main">
+                <a:solidFill>
+                  <a:srgbClr val="FFFFFF"/>
+                </a:solidFill>
+              </a14:hiddenFill>
+            </a:ext>
+          </a:extLst>
+        </p:spPr>
+      </p:pic>
+      <p:sp>
+        <p:nvSpPr>
+          <p:cNvPr id="3" name="Arco 2"/>
+          <p:cNvSpPr/>
+          <p:nvPr/>
+        </p:nvSpPr>
+        <p:spPr>
+          <a:xfrm rot="20400341">
+            <a:off x="3466211" y="1638745"/>
+            <a:ext cx="3131460" cy="1244236"/>
+          </a:xfrm>
+          <a:prstGeom prst="arc">
+            <a:avLst>
+              <a:gd name="adj1" fmla="val 11349363"/>
+              <a:gd name="adj2" fmla="val 21572815"/>
+            </a:avLst>
+          </a:prstGeom>
+          <a:ln w="25400">
+            <a:solidFill>
+              <a:schemeClr val="tx1"/>
+            </a:solidFill>
+            <a:tailEnd type="triangle" w="lg" len="med"/>
+          </a:ln>
+        </p:spPr>
+        <p:style>
+          <a:lnRef idx="1">
+            <a:schemeClr val="accent1"/>
+          </a:lnRef>
+          <a:fillRef idx="0">
+            <a:schemeClr val="accent1"/>
+          </a:fillRef>
+          <a:effectRef idx="0">
+            <a:schemeClr val="accent1"/>
+          </a:effectRef>
+          <a:fontRef idx="minor">
+            <a:schemeClr val="tx1"/>
+          </a:fontRef>
+        </p:style>
+        <p:txBody>
+          <a:bodyPr rtlCol="0" anchor="ctr"/>
+          <a:lstStyle/>
+          <a:p>
+            <a:pPr algn="ctr"/>
+            <a:endParaRPr lang="it-IT"/>
+          </a:p>
+        </p:txBody>
+      </p:sp>
+    </p:spTree>
+    <p:extLst>
+      <p:ext uri="{BB962C8B-B14F-4D97-AF65-F5344CB8AC3E}">
+        <p14:creationId xmlns:p14="http://schemas.microsoft.com/office/powerpoint/2010/main" val="2017302902"/>
+      </p:ext>
+    </p:extLst>
+  </p:cSld>
+  <p:clrMapOvr>
+    <a:masterClrMapping/>
+  </p:clrMapOvr>
+  <p:timing>
+    <p:tnLst>
+      <p:par>
+        <p:cTn id="1" dur="indefinite" restart="never" nodeType="tmRoot"/>
+      </p:par>
+    </p:tnLst>
+  </p:timing>
+</p:sld>
+</file>
+
+<file path=ppt/slides/slide18.xml><?xml version="1.0" encoding="utf-8"?>
+<p:sld xmlns:a="http://schemas.openxmlformats.org/drawingml/2006/main" xmlns:r="http://schemas.openxmlformats.org/officeDocument/2006/relationships" xmlns:p="http://schemas.openxmlformats.org/presentationml/2006/main">
+  <p:cSld>
+    <p:spTree>
+      <p:nvGrpSpPr>
+        <p:cNvPr id="1" name=""/>
+        <p:cNvGrpSpPr/>
+        <p:nvPr/>
+      </p:nvGrpSpPr>
+      <p:grpSpPr>
+        <a:xfrm>
+          <a:off x="0" y="0"/>
+          <a:ext cx="0" cy="0"/>
+          <a:chOff x="0" y="0"/>
+          <a:chExt cx="0" cy="0"/>
+        </a:xfrm>
+      </p:grpSpPr>
+      <p:sp>
+        <p:nvSpPr>
+          <p:cNvPr id="2" name="Titolo 1"/>
+          <p:cNvSpPr>
+            <a:spLocks noGrp="1"/>
+          </p:cNvSpPr>
+          <p:nvPr>
+            <p:ph type="title"/>
+          </p:nvPr>
+        </p:nvSpPr>
+        <p:spPr/>
+        <p:txBody>
+          <a:bodyPr/>
+          <a:lstStyle/>
+          <a:p>
+            <a:r>
+              <a:rPr lang="it-IT" dirty="0" err="1"/>
+              <a:t>Genetic</a:t>
+            </a:r>
+            <a:r>
+              <a:rPr lang="it-IT" dirty="0"/>
+              <a:t> </a:t>
+            </a:r>
+            <a:r>
+              <a:rPr lang="it-IT" dirty="0" err="1"/>
+              <a:t>algorithms</a:t>
+            </a:r>
+            <a:endParaRPr lang="it-IT" dirty="0"/>
+          </a:p>
+        </p:txBody>
+      </p:sp>
+      <p:sp>
+        <p:nvSpPr>
+          <p:cNvPr id="4" name="Ovale 3"/>
+          <p:cNvSpPr/>
+          <p:nvPr/>
+        </p:nvSpPr>
+        <p:spPr>
+          <a:xfrm>
+            <a:off x="1691680" y="2005721"/>
+            <a:ext cx="4608512" cy="3493135"/>
+          </a:xfrm>
+          <a:prstGeom prst="ellipse">
+            <a:avLst/>
+          </a:prstGeom>
+          <a:solidFill>
+            <a:schemeClr val="bg1">
+              <a:lumMod val="95000"/>
+            </a:schemeClr>
+          </a:solidFill>
+        </p:spPr>
+        <p:style>
+          <a:lnRef idx="2">
+            <a:schemeClr val="accent1">
+              <a:shade val="50000"/>
+            </a:schemeClr>
+          </a:lnRef>
+          <a:fillRef idx="1">
+            <a:schemeClr val="accent1"/>
+          </a:fillRef>
+          <a:effectRef idx="0">
+            <a:schemeClr val="accent1"/>
+          </a:effectRef>
+          <a:fontRef idx="minor">
+            <a:schemeClr val="lt1"/>
+          </a:fontRef>
+        </p:style>
+        <p:txBody>
+          <a:bodyPr rtlCol="0" anchor="ctr"/>
+          <a:lstStyle/>
+          <a:p>
+            <a:pPr algn="ctr"/>
+            <a:endParaRPr lang="it-IT"/>
+          </a:p>
+        </p:txBody>
+      </p:sp>
+      <p:sp>
+        <p:nvSpPr>
+          <p:cNvPr id="12" name="CasellaDiTesto 11"/>
+          <p:cNvSpPr txBox="1"/>
+          <p:nvPr/>
+        </p:nvSpPr>
+        <p:spPr>
+          <a:xfrm>
+            <a:off x="2559267" y="2731981"/>
+            <a:ext cx="803653" cy="369332"/>
+          </a:xfrm>
+          <a:prstGeom prst="rect">
+            <a:avLst/>
+          </a:prstGeom>
+          <a:solidFill>
+            <a:schemeClr val="bg1"/>
+          </a:solidFill>
+          <a:ln w="44450" cap="rnd">
+            <a:solidFill>
+              <a:srgbClr val="92D050"/>
+            </a:solidFill>
+            <a:prstDash val="solid"/>
+          </a:ln>
+        </p:spPr>
+        <p:txBody>
+          <a:bodyPr wrap="square" rtlCol="0">
+            <a:spAutoFit/>
+          </a:bodyPr>
+          <a:lstStyle/>
+          <a:p>
+            <a:pPr algn="ctr"/>
+            <a:r>
+              <a:rPr lang="it-IT" dirty="0" smtClean="0"/>
+              <a:t>1</a:t>
+            </a:r>
+            <a:endParaRPr lang="it-IT" dirty="0"/>
+          </a:p>
+        </p:txBody>
+      </p:sp>
+      <p:sp>
+        <p:nvSpPr>
+          <p:cNvPr id="19" name="CasellaDiTesto 18"/>
+          <p:cNvSpPr txBox="1"/>
+          <p:nvPr/>
+        </p:nvSpPr>
+        <p:spPr>
+          <a:xfrm>
+            <a:off x="4403986" y="2559847"/>
+            <a:ext cx="803653" cy="369332"/>
+          </a:xfrm>
+          <a:prstGeom prst="rect">
+            <a:avLst/>
+          </a:prstGeom>
+          <a:solidFill>
+            <a:schemeClr val="bg1"/>
+          </a:solidFill>
+          <a:ln w="25400" cap="rnd">
+            <a:solidFill>
+              <a:schemeClr val="accent2"/>
+            </a:solidFill>
+          </a:ln>
+        </p:spPr>
+        <p:txBody>
+          <a:bodyPr wrap="square" rtlCol="0">
+            <a:spAutoFit/>
+          </a:bodyPr>
+          <a:lstStyle/>
+          <a:p>
+            <a:pPr algn="ctr"/>
+            <a:r>
+              <a:rPr lang="it-IT" dirty="0"/>
+              <a:t>3</a:t>
+            </a:r>
+            <a:endParaRPr lang="it-IT" dirty="0"/>
+          </a:p>
+        </p:txBody>
+      </p:sp>
+      <p:sp>
+        <p:nvSpPr>
+          <p:cNvPr id="20" name="CasellaDiTesto 19"/>
+          <p:cNvSpPr txBox="1"/>
+          <p:nvPr/>
+        </p:nvSpPr>
+        <p:spPr>
+          <a:xfrm>
+            <a:off x="2094816" y="3883852"/>
+            <a:ext cx="803653" cy="369332"/>
+          </a:xfrm>
+          <a:prstGeom prst="rect">
+            <a:avLst/>
+          </a:prstGeom>
+          <a:solidFill>
+            <a:schemeClr val="bg1"/>
+          </a:solidFill>
+          <a:ln w="25400" cap="rnd">
+            <a:solidFill>
+              <a:schemeClr val="accent2"/>
+            </a:solidFill>
+          </a:ln>
+        </p:spPr>
+        <p:txBody>
+          <a:bodyPr wrap="square" rtlCol="0">
+            <a:spAutoFit/>
+          </a:bodyPr>
+          <a:lstStyle/>
+          <a:p>
+            <a:pPr algn="ctr"/>
+            <a:r>
+              <a:rPr lang="it-IT" dirty="0"/>
+              <a:t>6</a:t>
+            </a:r>
+            <a:endParaRPr lang="it-IT" dirty="0"/>
+          </a:p>
+        </p:txBody>
+      </p:sp>
+      <p:sp>
+        <p:nvSpPr>
+          <p:cNvPr id="21" name="CasellaDiTesto 20"/>
+          <p:cNvSpPr txBox="1"/>
+          <p:nvPr/>
+        </p:nvSpPr>
+        <p:spPr>
+          <a:xfrm>
+            <a:off x="3594110" y="3329854"/>
+            <a:ext cx="803653" cy="369332"/>
+          </a:xfrm>
+          <a:prstGeom prst="rect">
+            <a:avLst/>
+          </a:prstGeom>
+          <a:solidFill>
+            <a:schemeClr val="bg1"/>
+          </a:solidFill>
+          <a:ln w="25400" cap="rnd">
+            <a:solidFill>
+              <a:schemeClr val="accent2"/>
+            </a:solidFill>
+          </a:ln>
+        </p:spPr>
+        <p:txBody>
+          <a:bodyPr wrap="square" rtlCol="0">
+            <a:spAutoFit/>
+          </a:bodyPr>
+          <a:lstStyle/>
+          <a:p>
+            <a:pPr algn="ctr"/>
+            <a:r>
+              <a:rPr lang="it-IT" dirty="0"/>
+              <a:t>2</a:t>
+            </a:r>
+          </a:p>
+        </p:txBody>
+      </p:sp>
+      <p:sp>
+        <p:nvSpPr>
+          <p:cNvPr id="22" name="CasellaDiTesto 21"/>
+          <p:cNvSpPr txBox="1"/>
+          <p:nvPr/>
+        </p:nvSpPr>
+        <p:spPr>
+          <a:xfrm>
+            <a:off x="4950697" y="3699186"/>
+            <a:ext cx="803653" cy="369332"/>
+          </a:xfrm>
+          <a:prstGeom prst="rect">
+            <a:avLst/>
+          </a:prstGeom>
+          <a:solidFill>
+            <a:schemeClr val="bg1"/>
+          </a:solidFill>
+          <a:ln w="25400" cap="rnd">
+            <a:solidFill>
+              <a:schemeClr val="accent2"/>
+            </a:solidFill>
+          </a:ln>
+        </p:spPr>
+        <p:txBody>
+          <a:bodyPr wrap="square" rtlCol="0">
+            <a:spAutoFit/>
+          </a:bodyPr>
+          <a:lstStyle/>
+          <a:p>
+            <a:pPr algn="ctr"/>
+            <a:r>
+              <a:rPr lang="it-IT" dirty="0"/>
+              <a:t>4</a:t>
+            </a:r>
+            <a:endParaRPr lang="it-IT" dirty="0"/>
+          </a:p>
+        </p:txBody>
+      </p:sp>
+      <p:sp>
+        <p:nvSpPr>
+          <p:cNvPr id="23" name="CasellaDiTesto 22"/>
+          <p:cNvSpPr txBox="1"/>
+          <p:nvPr/>
+        </p:nvSpPr>
+        <p:spPr>
+          <a:xfrm>
+            <a:off x="3995936" y="4265255"/>
+            <a:ext cx="803653" cy="369332"/>
+          </a:xfrm>
+          <a:prstGeom prst="rect">
+            <a:avLst/>
+          </a:prstGeom>
+          <a:solidFill>
+            <a:schemeClr val="bg1"/>
+          </a:solidFill>
+          <a:ln w="25400" cap="rnd">
+            <a:solidFill>
+              <a:schemeClr val="accent2"/>
+            </a:solidFill>
+          </a:ln>
+        </p:spPr>
+        <p:txBody>
+          <a:bodyPr wrap="square" rtlCol="0">
+            <a:spAutoFit/>
+          </a:bodyPr>
+          <a:lstStyle/>
+          <a:p>
+            <a:pPr algn="ctr"/>
+            <a:r>
+              <a:rPr lang="it-IT" dirty="0"/>
+              <a:t>5</a:t>
+            </a:r>
+            <a:endParaRPr lang="it-IT" dirty="0"/>
+          </a:p>
+        </p:txBody>
+      </p:sp>
+      <p:sp>
+        <p:nvSpPr>
+          <p:cNvPr id="24" name="CasellaDiTesto 23"/>
+          <p:cNvSpPr txBox="1"/>
+          <p:nvPr/>
+        </p:nvSpPr>
+        <p:spPr>
+          <a:xfrm>
+            <a:off x="2790457" y="4630312"/>
+            <a:ext cx="803653" cy="369332"/>
+          </a:xfrm>
+          <a:prstGeom prst="rect">
+            <a:avLst/>
+          </a:prstGeom>
+          <a:solidFill>
+            <a:schemeClr val="bg1"/>
+          </a:solidFill>
+          <a:ln w="25400" cap="rnd">
+            <a:solidFill>
+              <a:schemeClr val="accent2"/>
+            </a:solidFill>
+          </a:ln>
+        </p:spPr>
+        <p:txBody>
+          <a:bodyPr wrap="square" rtlCol="0">
+            <a:spAutoFit/>
+          </a:bodyPr>
+          <a:lstStyle/>
+          <a:p>
+            <a:pPr algn="ctr"/>
+            <a:r>
+              <a:rPr lang="it-IT" dirty="0"/>
+              <a:t>7</a:t>
+            </a:r>
+            <a:endParaRPr lang="it-IT" dirty="0"/>
+          </a:p>
+        </p:txBody>
+      </p:sp>
+      <p:sp>
+        <p:nvSpPr>
+          <p:cNvPr id="25" name="CasellaDiTesto 24"/>
+          <p:cNvSpPr txBox="1"/>
+          <p:nvPr/>
+        </p:nvSpPr>
+        <p:spPr>
+          <a:xfrm>
+            <a:off x="4595129" y="5805263"/>
+            <a:ext cx="3989793" cy="646331"/>
+          </a:xfrm>
+          <a:prstGeom prst="rect">
+            <a:avLst/>
+          </a:prstGeom>
+          <a:noFill/>
+        </p:spPr>
+        <p:txBody>
+          <a:bodyPr wrap="square" rtlCol="0">
+            <a:spAutoFit/>
+          </a:bodyPr>
+          <a:lstStyle/>
+          <a:p>
+            <a:r>
+              <a:rPr lang="it-IT" dirty="0" err="1" smtClean="0"/>
+              <a:t>We</a:t>
+            </a:r>
+            <a:r>
+              <a:rPr lang="it-IT" dirty="0" smtClean="0"/>
+              <a:t> test </a:t>
+            </a:r>
+            <a:r>
+              <a:rPr lang="it-IT" dirty="0" err="1" smtClean="0"/>
+              <a:t>each</a:t>
+            </a:r>
+            <a:r>
+              <a:rPr lang="it-IT" dirty="0" smtClean="0"/>
+              <a:t> </a:t>
+            </a:r>
+            <a:r>
+              <a:rPr lang="it-IT" dirty="0" err="1" smtClean="0"/>
+              <a:t>chromosome's</a:t>
+            </a:r>
+            <a:r>
+              <a:rPr lang="it-IT" dirty="0" smtClean="0"/>
+              <a:t> </a:t>
+            </a:r>
+            <a:r>
+              <a:rPr lang="it-IT" dirty="0" err="1" smtClean="0"/>
+              <a:t>effectiveness</a:t>
+            </a:r>
+            <a:r>
+              <a:rPr lang="it-IT" dirty="0" smtClean="0"/>
+              <a:t> and </a:t>
+            </a:r>
+            <a:r>
+              <a:rPr lang="it-IT" dirty="0" err="1" smtClean="0"/>
+              <a:t>give</a:t>
+            </a:r>
+            <a:r>
+              <a:rPr lang="it-IT" dirty="0" smtClean="0"/>
+              <a:t> a </a:t>
+            </a:r>
+            <a:r>
+              <a:rPr lang="it-IT" b="1" dirty="0" smtClean="0">
+                <a:solidFill>
+                  <a:srgbClr val="FF0000"/>
+                </a:solidFill>
+              </a:rPr>
+              <a:t>score</a:t>
+            </a:r>
+            <a:r>
+              <a:rPr lang="it-IT" dirty="0" smtClean="0">
+                <a:solidFill>
+                  <a:srgbClr val="FF0000"/>
+                </a:solidFill>
+              </a:rPr>
+              <a:t> </a:t>
+            </a:r>
+            <a:r>
+              <a:rPr lang="it-IT" dirty="0" smtClean="0"/>
+              <a:t>to </a:t>
+            </a:r>
+            <a:r>
+              <a:rPr lang="it-IT" dirty="0" err="1" smtClean="0"/>
+              <a:t>it</a:t>
+            </a:r>
+            <a:endParaRPr lang="it-IT" dirty="0"/>
+          </a:p>
+        </p:txBody>
+      </p:sp>
+      <p:pic>
+        <p:nvPicPr>
+          <p:cNvPr id="13" name="Picture 2" descr="http://upload.wikimedia.org/wikipedia/commons/thumb/e/e4/Artificial_neural_network.svg/350px-Artificial_neural_network.svg.png"/>
+          <p:cNvPicPr>
+            <a:picLocks noChangeAspect="1" noChangeArrowheads="1"/>
+          </p:cNvPicPr>
+          <p:nvPr/>
+        </p:nvPicPr>
+        <p:blipFill>
+          <a:blip r:embed="rId2">
+            <a:extLst>
+              <a:ext uri="{28A0092B-C50C-407E-A947-70E740481C1C}">
+                <a14:useLocalDpi xmlns:a14="http://schemas.microsoft.com/office/drawing/2010/main" val="0"/>
+              </a:ext>
+            </a:extLst>
+          </a:blip>
+          <a:srcRect/>
+          <a:stretch>
+            <a:fillRect/>
+          </a:stretch>
+        </p:blipFill>
+        <p:spPr bwMode="auto">
+          <a:xfrm>
+            <a:off x="6732240" y="1461956"/>
+            <a:ext cx="1833147" cy="1639357"/>
+          </a:xfrm>
+          <a:prstGeom prst="rect">
+            <a:avLst/>
+          </a:prstGeom>
+          <a:noFill/>
+          <a:extLst>
+            <a:ext uri="{909E8E84-426E-40DD-AFC4-6F175D3DCCD1}">
+              <a14:hiddenFill xmlns:a14="http://schemas.microsoft.com/office/drawing/2010/main">
+                <a:solidFill>
+                  <a:srgbClr val="FFFFFF"/>
+                </a:solidFill>
+              </a14:hiddenFill>
+            </a:ext>
+          </a:extLst>
+        </p:spPr>
+      </p:pic>
+      <p:sp>
+        <p:nvSpPr>
+          <p:cNvPr id="3" name="Arco 2"/>
+          <p:cNvSpPr/>
+          <p:nvPr/>
+        </p:nvSpPr>
+        <p:spPr>
+          <a:xfrm rot="6214476">
+            <a:off x="7440039" y="2721077"/>
+            <a:ext cx="1912734" cy="1076312"/>
+          </a:xfrm>
+          <a:prstGeom prst="arc">
+            <a:avLst>
+              <a:gd name="adj1" fmla="val 10675121"/>
+              <a:gd name="adj2" fmla="val 21572815"/>
+            </a:avLst>
+          </a:prstGeom>
+          <a:ln w="25400">
+            <a:solidFill>
+              <a:schemeClr val="tx1"/>
+            </a:solidFill>
+            <a:tailEnd type="triangle" w="lg" len="med"/>
+          </a:ln>
+        </p:spPr>
+        <p:style>
+          <a:lnRef idx="1">
+            <a:schemeClr val="accent1"/>
+          </a:lnRef>
+          <a:fillRef idx="0">
+            <a:schemeClr val="accent1"/>
+          </a:fillRef>
+          <a:effectRef idx="0">
+            <a:schemeClr val="accent1"/>
+          </a:effectRef>
+          <a:fontRef idx="minor">
+            <a:schemeClr val="tx1"/>
+          </a:fontRef>
+        </p:style>
+        <p:txBody>
+          <a:bodyPr rtlCol="0" anchor="ctr"/>
+          <a:lstStyle/>
+          <a:p>
+            <a:pPr algn="ctr"/>
+            <a:endParaRPr lang="it-IT"/>
+          </a:p>
+        </p:txBody>
+      </p:sp>
+      <p:sp>
+        <p:nvSpPr>
+          <p:cNvPr id="5" name="Stella a 8 punte 4"/>
+          <p:cNvSpPr/>
+          <p:nvPr/>
+        </p:nvSpPr>
+        <p:spPr>
+          <a:xfrm>
+            <a:off x="3110002" y="2348880"/>
+            <a:ext cx="515621" cy="504056"/>
+          </a:xfrm>
+          <a:prstGeom prst="star8">
+            <a:avLst/>
+          </a:prstGeom>
+          <a:solidFill>
+            <a:schemeClr val="bg1">
+              <a:alpha val="73000"/>
+            </a:schemeClr>
+          </a:solidFill>
+        </p:spPr>
+        <p:style>
+          <a:lnRef idx="2">
+            <a:schemeClr val="accent1">
+              <a:shade val="50000"/>
+            </a:schemeClr>
+          </a:lnRef>
+          <a:fillRef idx="1">
+            <a:schemeClr val="accent1"/>
+          </a:fillRef>
+          <a:effectRef idx="0">
+            <a:schemeClr val="accent1"/>
+          </a:effectRef>
+          <a:fontRef idx="minor">
+            <a:schemeClr val="lt1"/>
+          </a:fontRef>
+        </p:style>
+        <p:txBody>
+          <a:bodyPr rtlCol="0" anchor="ctr"/>
+          <a:lstStyle/>
+          <a:p>
+            <a:pPr algn="ctr"/>
+            <a:endParaRPr lang="it-IT"/>
+          </a:p>
+        </p:txBody>
+      </p:sp>
+      <p:sp>
+        <p:nvSpPr>
+          <p:cNvPr id="6" name="CasellaDiTesto 5"/>
+          <p:cNvSpPr txBox="1"/>
+          <p:nvPr/>
+        </p:nvSpPr>
+        <p:spPr>
+          <a:xfrm>
+            <a:off x="3212455" y="2416242"/>
+            <a:ext cx="401827" cy="369332"/>
+          </a:xfrm>
+          <a:prstGeom prst="rect">
+            <a:avLst/>
+          </a:prstGeom>
+          <a:noFill/>
+        </p:spPr>
+        <p:txBody>
+          <a:bodyPr wrap="square" rtlCol="0">
+            <a:spAutoFit/>
+          </a:bodyPr>
+          <a:lstStyle/>
+          <a:p>
+            <a:r>
+              <a:rPr lang="it-IT" dirty="0" smtClean="0"/>
+              <a:t>8</a:t>
+            </a:r>
+            <a:endParaRPr lang="it-IT" dirty="0"/>
+          </a:p>
+        </p:txBody>
+      </p:sp>
+      <p:sp>
+        <p:nvSpPr>
+          <p:cNvPr id="7" name="CasellaDiTesto 6"/>
+          <p:cNvSpPr txBox="1"/>
+          <p:nvPr/>
+        </p:nvSpPr>
+        <p:spPr>
+          <a:xfrm>
+            <a:off x="6732240" y="3752288"/>
+            <a:ext cx="1368152" cy="923330"/>
+          </a:xfrm>
+          <a:prstGeom prst="rect">
+            <a:avLst/>
+          </a:prstGeom>
+          <a:noFill/>
+        </p:spPr>
+        <p:txBody>
+          <a:bodyPr wrap="square" rtlCol="0">
+            <a:spAutoFit/>
+          </a:bodyPr>
+          <a:lstStyle/>
+          <a:p>
+            <a:r>
+              <a:rPr lang="it-IT" i="1" dirty="0" smtClean="0"/>
+              <a:t>How </a:t>
+            </a:r>
+            <a:r>
+              <a:rPr lang="it-IT" i="1" dirty="0" err="1" smtClean="0"/>
+              <a:t>much</a:t>
+            </a:r>
+            <a:r>
+              <a:rPr lang="it-IT" i="1" dirty="0" smtClean="0"/>
+              <a:t> </a:t>
+            </a:r>
+            <a:r>
+              <a:rPr lang="it-IT" i="1" dirty="0" err="1" smtClean="0"/>
+              <a:t>we</a:t>
+            </a:r>
+            <a:r>
+              <a:rPr lang="it-IT" i="1" dirty="0" smtClean="0"/>
+              <a:t> </a:t>
+            </a:r>
+            <a:r>
+              <a:rPr lang="it-IT" i="1" dirty="0" err="1" smtClean="0"/>
+              <a:t>like</a:t>
+            </a:r>
+            <a:r>
+              <a:rPr lang="it-IT" i="1" dirty="0" smtClean="0"/>
+              <a:t> </a:t>
+            </a:r>
+            <a:r>
+              <a:rPr lang="it-IT" i="1" dirty="0" err="1" smtClean="0"/>
+              <a:t>this</a:t>
+            </a:r>
+            <a:r>
+              <a:rPr lang="it-IT" i="1" dirty="0" smtClean="0"/>
+              <a:t> output?</a:t>
+            </a:r>
+            <a:endParaRPr lang="it-IT" i="1" dirty="0"/>
+          </a:p>
+        </p:txBody>
+      </p:sp>
+    </p:spTree>
+    <p:extLst>
+      <p:ext uri="{BB962C8B-B14F-4D97-AF65-F5344CB8AC3E}">
+        <p14:creationId xmlns:p14="http://schemas.microsoft.com/office/powerpoint/2010/main" val="745100129"/>
+      </p:ext>
+    </p:extLst>
+  </p:cSld>
+  <p:clrMapOvr>
+    <a:masterClrMapping/>
+  </p:clrMapOvr>
+  <p:timing>
+    <p:tnLst>
+      <p:par>
+        <p:cTn id="1" dur="indefinite" restart="never" nodeType="tmRoot"/>
+      </p:par>
+    </p:tnLst>
+  </p:timing>
+</p:sld>
+</file>
+
+<file path=ppt/slides/slide19.xml><?xml version="1.0" encoding="utf-8"?>
+<p:sld xmlns:a="http://schemas.openxmlformats.org/drawingml/2006/main" xmlns:r="http://schemas.openxmlformats.org/officeDocument/2006/relationships" xmlns:p="http://schemas.openxmlformats.org/presentationml/2006/main">
+  <p:cSld>
+    <p:spTree>
+      <p:nvGrpSpPr>
+        <p:cNvPr id="1" name=""/>
+        <p:cNvGrpSpPr/>
+        <p:nvPr/>
+      </p:nvGrpSpPr>
+      <p:grpSpPr>
+        <a:xfrm>
+          <a:off x="0" y="0"/>
+          <a:ext cx="0" cy="0"/>
+          <a:chOff x="0" y="0"/>
+          <a:chExt cx="0" cy="0"/>
+        </a:xfrm>
+      </p:grpSpPr>
+      <p:sp>
+        <p:nvSpPr>
+          <p:cNvPr id="2" name="Titolo 1"/>
+          <p:cNvSpPr>
+            <a:spLocks noGrp="1"/>
+          </p:cNvSpPr>
+          <p:nvPr>
+            <p:ph type="title"/>
+          </p:nvPr>
+        </p:nvSpPr>
+        <p:spPr/>
+        <p:txBody>
+          <a:bodyPr/>
+          <a:lstStyle/>
+          <a:p>
+            <a:r>
+              <a:rPr lang="it-IT" dirty="0" err="1"/>
+              <a:t>Genetic</a:t>
+            </a:r>
+            <a:r>
+              <a:rPr lang="it-IT" dirty="0"/>
+              <a:t> </a:t>
+            </a:r>
+            <a:r>
+              <a:rPr lang="it-IT" dirty="0" err="1"/>
+              <a:t>algorithms</a:t>
+            </a:r>
+            <a:endParaRPr lang="it-IT" dirty="0"/>
+          </a:p>
+        </p:txBody>
+      </p:sp>
+      <p:sp>
+        <p:nvSpPr>
+          <p:cNvPr id="4" name="Ovale 3"/>
+          <p:cNvSpPr/>
+          <p:nvPr/>
+        </p:nvSpPr>
+        <p:spPr>
+          <a:xfrm>
+            <a:off x="1691680" y="2005721"/>
+            <a:ext cx="4608512" cy="3493135"/>
+          </a:xfrm>
+          <a:prstGeom prst="ellipse">
+            <a:avLst/>
+          </a:prstGeom>
+          <a:solidFill>
+            <a:schemeClr val="bg1">
+              <a:lumMod val="95000"/>
+            </a:schemeClr>
+          </a:solidFill>
+        </p:spPr>
+        <p:style>
+          <a:lnRef idx="2">
+            <a:schemeClr val="accent1">
+              <a:shade val="50000"/>
+            </a:schemeClr>
+          </a:lnRef>
+          <a:fillRef idx="1">
+            <a:schemeClr val="accent1"/>
+          </a:fillRef>
+          <a:effectRef idx="0">
+            <a:schemeClr val="accent1"/>
+          </a:effectRef>
+          <a:fontRef idx="minor">
+            <a:schemeClr val="lt1"/>
+          </a:fontRef>
+        </p:style>
+        <p:txBody>
+          <a:bodyPr rtlCol="0" anchor="ctr"/>
+          <a:lstStyle/>
+          <a:p>
+            <a:pPr algn="ctr"/>
+            <a:endParaRPr lang="it-IT"/>
+          </a:p>
+        </p:txBody>
+      </p:sp>
+      <p:sp>
+        <p:nvSpPr>
+          <p:cNvPr id="12" name="CasellaDiTesto 11"/>
+          <p:cNvSpPr txBox="1"/>
+          <p:nvPr/>
+        </p:nvSpPr>
+        <p:spPr>
+          <a:xfrm>
+            <a:off x="2559267" y="2731981"/>
+            <a:ext cx="803653" cy="369332"/>
+          </a:xfrm>
+          <a:prstGeom prst="rect">
+            <a:avLst/>
+          </a:prstGeom>
+          <a:solidFill>
+            <a:schemeClr val="bg1"/>
+          </a:solidFill>
+          <a:ln w="44450" cap="rnd">
+            <a:solidFill>
+              <a:srgbClr val="92D050"/>
+            </a:solidFill>
+            <a:prstDash val="solid"/>
+          </a:ln>
+        </p:spPr>
+        <p:txBody>
+          <a:bodyPr wrap="square" rtlCol="0">
+            <a:spAutoFit/>
+          </a:bodyPr>
+          <a:lstStyle/>
+          <a:p>
+            <a:pPr algn="ctr"/>
+            <a:r>
+              <a:rPr lang="it-IT" dirty="0" smtClean="0"/>
+              <a:t>1</a:t>
+            </a:r>
+            <a:endParaRPr lang="it-IT" dirty="0"/>
+          </a:p>
+        </p:txBody>
+      </p:sp>
+      <p:sp>
+        <p:nvSpPr>
+          <p:cNvPr id="19" name="CasellaDiTesto 18"/>
+          <p:cNvSpPr txBox="1"/>
+          <p:nvPr/>
+        </p:nvSpPr>
+        <p:spPr>
+          <a:xfrm>
+            <a:off x="4403986" y="2559847"/>
+            <a:ext cx="803653" cy="369332"/>
+          </a:xfrm>
+          <a:prstGeom prst="rect">
+            <a:avLst/>
+          </a:prstGeom>
+          <a:solidFill>
+            <a:schemeClr val="bg1"/>
+          </a:solidFill>
+          <a:ln w="44450" cap="rnd">
+            <a:solidFill>
+              <a:srgbClr val="92D050"/>
+            </a:solidFill>
+            <a:prstDash val="solid"/>
+          </a:ln>
+        </p:spPr>
+        <p:txBody>
+          <a:bodyPr wrap="square" rtlCol="0">
+            <a:spAutoFit/>
+          </a:bodyPr>
+          <a:lstStyle>
+            <a:defPPr>
+              <a:defRPr lang="it-IT"/>
+            </a:defPPr>
+            <a:lvl1pPr algn="ctr"/>
+          </a:lstStyle>
+          <a:p>
+            <a:r>
+              <a:rPr lang="it-IT" dirty="0"/>
+              <a:t>3</a:t>
+            </a:r>
+          </a:p>
+        </p:txBody>
+      </p:sp>
+      <p:sp>
+        <p:nvSpPr>
+          <p:cNvPr id="20" name="CasellaDiTesto 19"/>
+          <p:cNvSpPr txBox="1"/>
+          <p:nvPr/>
+        </p:nvSpPr>
+        <p:spPr>
+          <a:xfrm>
+            <a:off x="2094816" y="3883852"/>
+            <a:ext cx="803653" cy="369332"/>
+          </a:xfrm>
+          <a:prstGeom prst="rect">
+            <a:avLst/>
+          </a:prstGeom>
+          <a:solidFill>
+            <a:schemeClr val="bg1"/>
+          </a:solidFill>
+          <a:ln w="44450" cap="rnd">
+            <a:solidFill>
+              <a:srgbClr val="C00000"/>
+            </a:solidFill>
+            <a:prstDash val="solid"/>
+          </a:ln>
+        </p:spPr>
+        <p:txBody>
+          <a:bodyPr wrap="square" rtlCol="0">
+            <a:spAutoFit/>
+          </a:bodyPr>
+          <a:lstStyle>
+            <a:defPPr>
+              <a:defRPr lang="it-IT"/>
+            </a:defPPr>
+            <a:lvl1pPr algn="ctr"/>
+          </a:lstStyle>
+          <a:p>
+            <a:r>
+              <a:rPr lang="it-IT" dirty="0"/>
+              <a:t>6</a:t>
+            </a:r>
+          </a:p>
+        </p:txBody>
+      </p:sp>
+      <p:sp>
+        <p:nvSpPr>
+          <p:cNvPr id="21" name="CasellaDiTesto 20"/>
+          <p:cNvSpPr txBox="1"/>
+          <p:nvPr/>
+        </p:nvSpPr>
+        <p:spPr>
+          <a:xfrm>
+            <a:off x="3594110" y="3329854"/>
+            <a:ext cx="803653" cy="369332"/>
+          </a:xfrm>
+          <a:prstGeom prst="rect">
+            <a:avLst/>
+          </a:prstGeom>
+          <a:solidFill>
+            <a:schemeClr val="bg1"/>
+          </a:solidFill>
+          <a:ln w="44450" cap="rnd">
+            <a:solidFill>
+              <a:schemeClr val="accent6">
+                <a:lumMod val="75000"/>
+              </a:schemeClr>
+            </a:solidFill>
+            <a:prstDash val="solid"/>
+          </a:ln>
+        </p:spPr>
+        <p:txBody>
+          <a:bodyPr wrap="square" rtlCol="0">
+            <a:spAutoFit/>
+          </a:bodyPr>
+          <a:lstStyle>
+            <a:defPPr>
+              <a:defRPr lang="it-IT"/>
+            </a:defPPr>
+            <a:lvl1pPr algn="ctr"/>
+          </a:lstStyle>
+          <a:p>
+            <a:r>
+              <a:rPr lang="it-IT" dirty="0"/>
+              <a:t>2</a:t>
+            </a:r>
+          </a:p>
+        </p:txBody>
+      </p:sp>
+      <p:sp>
+        <p:nvSpPr>
+          <p:cNvPr id="22" name="CasellaDiTesto 21"/>
+          <p:cNvSpPr txBox="1"/>
+          <p:nvPr/>
+        </p:nvSpPr>
+        <p:spPr>
+          <a:xfrm>
+            <a:off x="4950697" y="3699186"/>
+            <a:ext cx="803653" cy="369332"/>
+          </a:xfrm>
+          <a:prstGeom prst="rect">
+            <a:avLst/>
+          </a:prstGeom>
+          <a:solidFill>
+            <a:schemeClr val="bg1"/>
+          </a:solidFill>
+          <a:ln w="44450" cap="rnd">
+            <a:solidFill>
+              <a:srgbClr val="C00000"/>
+            </a:solidFill>
+            <a:prstDash val="solid"/>
+          </a:ln>
+        </p:spPr>
+        <p:txBody>
+          <a:bodyPr wrap="square" rtlCol="0">
+            <a:spAutoFit/>
+          </a:bodyPr>
+          <a:lstStyle>
+            <a:defPPr>
+              <a:defRPr lang="it-IT"/>
+            </a:defPPr>
+            <a:lvl1pPr algn="ctr"/>
+          </a:lstStyle>
+          <a:p>
+            <a:r>
+              <a:rPr lang="it-IT" dirty="0"/>
+              <a:t>4</a:t>
+            </a:r>
+          </a:p>
+        </p:txBody>
+      </p:sp>
+      <p:sp>
+        <p:nvSpPr>
+          <p:cNvPr id="23" name="CasellaDiTesto 22"/>
+          <p:cNvSpPr txBox="1"/>
+          <p:nvPr/>
+        </p:nvSpPr>
+        <p:spPr>
+          <a:xfrm>
+            <a:off x="3995936" y="4265255"/>
+            <a:ext cx="803653" cy="369332"/>
+          </a:xfrm>
+          <a:prstGeom prst="rect">
+            <a:avLst/>
+          </a:prstGeom>
+          <a:solidFill>
+            <a:schemeClr val="bg1"/>
+          </a:solidFill>
+          <a:ln w="44450" cap="rnd">
+            <a:solidFill>
+              <a:srgbClr val="00B050"/>
+            </a:solidFill>
+            <a:prstDash val="solid"/>
+          </a:ln>
+        </p:spPr>
+        <p:txBody>
+          <a:bodyPr wrap="square" rtlCol="0">
+            <a:spAutoFit/>
+          </a:bodyPr>
+          <a:lstStyle>
+            <a:defPPr>
+              <a:defRPr lang="it-IT"/>
+            </a:defPPr>
+            <a:lvl1pPr algn="ctr"/>
+          </a:lstStyle>
+          <a:p>
+            <a:r>
+              <a:rPr lang="it-IT" dirty="0"/>
+              <a:t>5</a:t>
+            </a:r>
+          </a:p>
+        </p:txBody>
+      </p:sp>
+      <p:sp>
+        <p:nvSpPr>
+          <p:cNvPr id="24" name="CasellaDiTesto 23"/>
+          <p:cNvSpPr txBox="1"/>
+          <p:nvPr/>
+        </p:nvSpPr>
+        <p:spPr>
+          <a:xfrm>
+            <a:off x="2790457" y="4630312"/>
+            <a:ext cx="803653" cy="369332"/>
+          </a:xfrm>
+          <a:prstGeom prst="rect">
+            <a:avLst/>
+          </a:prstGeom>
+          <a:solidFill>
+            <a:schemeClr val="bg1"/>
+          </a:solidFill>
+          <a:ln w="44450" cap="rnd">
+            <a:solidFill>
+              <a:srgbClr val="C00000"/>
+            </a:solidFill>
+            <a:prstDash val="solid"/>
+          </a:ln>
+        </p:spPr>
+        <p:txBody>
+          <a:bodyPr wrap="square" rtlCol="0">
+            <a:spAutoFit/>
+          </a:bodyPr>
+          <a:lstStyle>
+            <a:defPPr>
+              <a:defRPr lang="it-IT"/>
+            </a:defPPr>
+            <a:lvl1pPr algn="ctr"/>
+          </a:lstStyle>
+          <a:p>
+            <a:r>
+              <a:rPr lang="it-IT" dirty="0"/>
+              <a:t>7</a:t>
+            </a:r>
+          </a:p>
+        </p:txBody>
+      </p:sp>
+      <p:sp>
+        <p:nvSpPr>
+          <p:cNvPr id="25" name="CasellaDiTesto 24"/>
+          <p:cNvSpPr txBox="1"/>
+          <p:nvPr/>
+        </p:nvSpPr>
+        <p:spPr>
+          <a:xfrm>
+            <a:off x="4595129" y="5805263"/>
+            <a:ext cx="3989793" cy="646331"/>
+          </a:xfrm>
+          <a:prstGeom prst="rect">
+            <a:avLst/>
+          </a:prstGeom>
+          <a:noFill/>
+        </p:spPr>
+        <p:txBody>
+          <a:bodyPr wrap="square" rtlCol="0">
+            <a:spAutoFit/>
+          </a:bodyPr>
+          <a:lstStyle/>
+          <a:p>
+            <a:r>
+              <a:rPr lang="it-IT" dirty="0" err="1" smtClean="0"/>
+              <a:t>We</a:t>
+            </a:r>
+            <a:r>
+              <a:rPr lang="it-IT" dirty="0" smtClean="0"/>
+              <a:t> test </a:t>
+            </a:r>
+            <a:r>
+              <a:rPr lang="it-IT" dirty="0" err="1" smtClean="0"/>
+              <a:t>each</a:t>
+            </a:r>
+            <a:r>
+              <a:rPr lang="it-IT" dirty="0" smtClean="0"/>
+              <a:t> </a:t>
+            </a:r>
+            <a:r>
+              <a:rPr lang="it-IT" dirty="0" err="1" smtClean="0"/>
+              <a:t>chromosome's</a:t>
+            </a:r>
+            <a:r>
+              <a:rPr lang="it-IT" dirty="0" smtClean="0"/>
+              <a:t> </a:t>
+            </a:r>
+            <a:r>
+              <a:rPr lang="it-IT" dirty="0" err="1" smtClean="0"/>
+              <a:t>effectiveness</a:t>
+            </a:r>
+            <a:r>
+              <a:rPr lang="it-IT" dirty="0" smtClean="0"/>
+              <a:t> and </a:t>
+            </a:r>
+            <a:r>
+              <a:rPr lang="it-IT" dirty="0" err="1" smtClean="0"/>
+              <a:t>give</a:t>
+            </a:r>
+            <a:r>
+              <a:rPr lang="it-IT" dirty="0" smtClean="0"/>
+              <a:t> a </a:t>
+            </a:r>
+            <a:r>
+              <a:rPr lang="it-IT" b="1" dirty="0" smtClean="0">
+                <a:solidFill>
+                  <a:srgbClr val="FF0000"/>
+                </a:solidFill>
+              </a:rPr>
+              <a:t>score</a:t>
+            </a:r>
+            <a:r>
+              <a:rPr lang="it-IT" dirty="0" smtClean="0">
+                <a:solidFill>
+                  <a:srgbClr val="FF0000"/>
+                </a:solidFill>
+              </a:rPr>
+              <a:t> </a:t>
+            </a:r>
+            <a:r>
+              <a:rPr lang="it-IT" dirty="0" smtClean="0"/>
+              <a:t>to </a:t>
+            </a:r>
+            <a:r>
+              <a:rPr lang="it-IT" dirty="0" err="1" smtClean="0"/>
+              <a:t>it</a:t>
+            </a:r>
+            <a:endParaRPr lang="it-IT" dirty="0"/>
+          </a:p>
+        </p:txBody>
+      </p:sp>
+      <p:pic>
+        <p:nvPicPr>
+          <p:cNvPr id="13" name="Picture 2" descr="http://upload.wikimedia.org/wikipedia/commons/thumb/e/e4/Artificial_neural_network.svg/350px-Artificial_neural_network.svg.png"/>
+          <p:cNvPicPr>
+            <a:picLocks noChangeAspect="1" noChangeArrowheads="1"/>
+          </p:cNvPicPr>
+          <p:nvPr/>
+        </p:nvPicPr>
+        <p:blipFill>
+          <a:blip r:embed="rId2">
+            <a:extLst>
+              <a:ext uri="{28A0092B-C50C-407E-A947-70E740481C1C}">
+                <a14:useLocalDpi xmlns:a14="http://schemas.microsoft.com/office/drawing/2010/main" val="0"/>
+              </a:ext>
+            </a:extLst>
+          </a:blip>
+          <a:srcRect/>
+          <a:stretch>
+            <a:fillRect/>
+          </a:stretch>
+        </p:blipFill>
+        <p:spPr bwMode="auto">
+          <a:xfrm>
+            <a:off x="6732240" y="1461956"/>
+            <a:ext cx="1833147" cy="1639357"/>
+          </a:xfrm>
+          <a:prstGeom prst="rect">
+            <a:avLst/>
+          </a:prstGeom>
+          <a:noFill/>
+          <a:extLst>
+            <a:ext uri="{909E8E84-426E-40DD-AFC4-6F175D3DCCD1}">
+              <a14:hiddenFill xmlns:a14="http://schemas.microsoft.com/office/drawing/2010/main">
+                <a:solidFill>
+                  <a:srgbClr val="FFFFFF"/>
+                </a:solidFill>
+              </a14:hiddenFill>
+            </a:ext>
+          </a:extLst>
+        </p:spPr>
+      </p:pic>
+      <p:sp>
+        <p:nvSpPr>
+          <p:cNvPr id="3" name="Arco 2"/>
+          <p:cNvSpPr/>
+          <p:nvPr/>
+        </p:nvSpPr>
+        <p:spPr>
+          <a:xfrm rot="6214476">
+            <a:off x="7440039" y="2721077"/>
+            <a:ext cx="1912734" cy="1076312"/>
+          </a:xfrm>
+          <a:prstGeom prst="arc">
+            <a:avLst>
+              <a:gd name="adj1" fmla="val 10675121"/>
+              <a:gd name="adj2" fmla="val 21572815"/>
+            </a:avLst>
+          </a:prstGeom>
+          <a:ln w="25400">
+            <a:solidFill>
+              <a:schemeClr val="tx1"/>
+            </a:solidFill>
+            <a:tailEnd type="triangle" w="lg" len="med"/>
+          </a:ln>
+        </p:spPr>
+        <p:style>
+          <a:lnRef idx="1">
+            <a:schemeClr val="accent1"/>
+          </a:lnRef>
+          <a:fillRef idx="0">
+            <a:schemeClr val="accent1"/>
+          </a:fillRef>
+          <a:effectRef idx="0">
+            <a:schemeClr val="accent1"/>
+          </a:effectRef>
+          <a:fontRef idx="minor">
+            <a:schemeClr val="tx1"/>
+          </a:fontRef>
+        </p:style>
+        <p:txBody>
+          <a:bodyPr rtlCol="0" anchor="ctr"/>
+          <a:lstStyle/>
+          <a:p>
+            <a:pPr algn="ctr"/>
+            <a:endParaRPr lang="it-IT"/>
+          </a:p>
+        </p:txBody>
+      </p:sp>
+      <p:grpSp>
+        <p:nvGrpSpPr>
+          <p:cNvPr id="8" name="Gruppo 7"/>
+          <p:cNvGrpSpPr/>
+          <p:nvPr/>
+        </p:nvGrpSpPr>
+        <p:grpSpPr>
+          <a:xfrm>
+            <a:off x="3110002" y="2348880"/>
+            <a:ext cx="515621" cy="504056"/>
+            <a:chOff x="3110002" y="2348880"/>
+            <a:chExt cx="515621" cy="504056"/>
+          </a:xfrm>
+        </p:grpSpPr>
+        <p:sp>
+          <p:nvSpPr>
+            <p:cNvPr id="5" name="Stella a 8 punte 4"/>
+            <p:cNvSpPr/>
+            <p:nvPr/>
+          </p:nvSpPr>
+          <p:spPr>
+            <a:xfrm>
+              <a:off x="3110002" y="2348880"/>
+              <a:ext cx="515621" cy="504056"/>
+            </a:xfrm>
+            <a:prstGeom prst="star8">
+              <a:avLst/>
+            </a:prstGeom>
+            <a:solidFill>
+              <a:schemeClr val="bg1">
+                <a:alpha val="73000"/>
+              </a:schemeClr>
+            </a:solidFill>
+          </p:spPr>
+          <p:style>
+            <a:lnRef idx="2">
+              <a:schemeClr val="accent1">
+                <a:shade val="50000"/>
+              </a:schemeClr>
+            </a:lnRef>
+            <a:fillRef idx="1">
+              <a:schemeClr val="accent1"/>
+            </a:fillRef>
+            <a:effectRef idx="0">
+              <a:schemeClr val="accent1"/>
+            </a:effectRef>
+            <a:fontRef idx="minor">
+              <a:schemeClr val="lt1"/>
+            </a:fontRef>
+          </p:style>
+          <p:txBody>
+            <a:bodyPr rtlCol="0" anchor="ctr"/>
+            <a:lstStyle/>
+            <a:p>
+              <a:pPr algn="ctr"/>
+              <a:endParaRPr lang="it-IT"/>
+            </a:p>
+          </p:txBody>
+        </p:sp>
+        <p:sp>
+          <p:nvSpPr>
+            <p:cNvPr id="6" name="CasellaDiTesto 5"/>
+            <p:cNvSpPr txBox="1"/>
+            <p:nvPr/>
+          </p:nvSpPr>
+          <p:spPr>
+            <a:xfrm>
+              <a:off x="3212455" y="2416242"/>
+              <a:ext cx="401827" cy="369332"/>
+            </a:xfrm>
+            <a:prstGeom prst="rect">
+              <a:avLst/>
+            </a:prstGeom>
+            <a:noFill/>
+          </p:spPr>
+          <p:txBody>
+            <a:bodyPr wrap="square" rtlCol="0">
+              <a:spAutoFit/>
+            </a:bodyPr>
+            <a:lstStyle/>
+            <a:p>
+              <a:r>
+                <a:rPr lang="it-IT" dirty="0" smtClean="0"/>
+                <a:t>8</a:t>
+              </a:r>
+              <a:endParaRPr lang="it-IT" dirty="0"/>
+            </a:p>
+          </p:txBody>
+        </p:sp>
+      </p:grpSp>
+      <p:sp>
+        <p:nvSpPr>
+          <p:cNvPr id="7" name="CasellaDiTesto 6"/>
+          <p:cNvSpPr txBox="1"/>
+          <p:nvPr/>
+        </p:nvSpPr>
+        <p:spPr>
+          <a:xfrm>
+            <a:off x="6732240" y="3752288"/>
+            <a:ext cx="1368152" cy="923330"/>
+          </a:xfrm>
+          <a:prstGeom prst="rect">
+            <a:avLst/>
+          </a:prstGeom>
+          <a:noFill/>
+        </p:spPr>
+        <p:txBody>
+          <a:bodyPr wrap="square" rtlCol="0">
+            <a:spAutoFit/>
+          </a:bodyPr>
+          <a:lstStyle/>
+          <a:p>
+            <a:r>
+              <a:rPr lang="it-IT" i="1" dirty="0" smtClean="0"/>
+              <a:t>How </a:t>
+            </a:r>
+            <a:r>
+              <a:rPr lang="it-IT" i="1" dirty="0" err="1" smtClean="0"/>
+              <a:t>much</a:t>
+            </a:r>
+            <a:r>
+              <a:rPr lang="it-IT" i="1" dirty="0" smtClean="0"/>
+              <a:t> </a:t>
+            </a:r>
+            <a:r>
+              <a:rPr lang="it-IT" i="1" dirty="0" err="1" smtClean="0"/>
+              <a:t>we</a:t>
+            </a:r>
+            <a:r>
+              <a:rPr lang="it-IT" i="1" dirty="0" smtClean="0"/>
+              <a:t> </a:t>
+            </a:r>
+            <a:r>
+              <a:rPr lang="it-IT" i="1" dirty="0" err="1" smtClean="0"/>
+              <a:t>like</a:t>
+            </a:r>
+            <a:r>
+              <a:rPr lang="it-IT" i="1" dirty="0" smtClean="0"/>
+              <a:t> </a:t>
+            </a:r>
+            <a:r>
+              <a:rPr lang="it-IT" i="1" dirty="0" err="1" smtClean="0"/>
+              <a:t>this</a:t>
+            </a:r>
+            <a:r>
+              <a:rPr lang="it-IT" i="1" dirty="0" smtClean="0"/>
+              <a:t> output?</a:t>
+            </a:r>
+            <a:endParaRPr lang="it-IT" i="1" dirty="0"/>
+          </a:p>
+        </p:txBody>
+      </p:sp>
+      <p:grpSp>
+        <p:nvGrpSpPr>
+          <p:cNvPr id="26" name="Gruppo 25"/>
+          <p:cNvGrpSpPr/>
+          <p:nvPr/>
+        </p:nvGrpSpPr>
+        <p:grpSpPr>
+          <a:xfrm>
+            <a:off x="4129213" y="3005336"/>
+            <a:ext cx="515621" cy="504056"/>
+            <a:chOff x="3110002" y="2348880"/>
+            <a:chExt cx="515621" cy="504056"/>
+          </a:xfrm>
+        </p:grpSpPr>
+        <p:sp>
+          <p:nvSpPr>
+            <p:cNvPr id="27" name="Stella a 8 punte 26"/>
+            <p:cNvSpPr/>
+            <p:nvPr/>
+          </p:nvSpPr>
+          <p:spPr>
+            <a:xfrm>
+              <a:off x="3110002" y="2348880"/>
+              <a:ext cx="515621" cy="504056"/>
+            </a:xfrm>
+            <a:prstGeom prst="star8">
+              <a:avLst/>
+            </a:prstGeom>
+            <a:solidFill>
+              <a:schemeClr val="bg1">
+                <a:alpha val="73000"/>
+              </a:schemeClr>
+            </a:solidFill>
+          </p:spPr>
+          <p:style>
+            <a:lnRef idx="2">
+              <a:schemeClr val="accent1">
+                <a:shade val="50000"/>
+              </a:schemeClr>
+            </a:lnRef>
+            <a:fillRef idx="1">
+              <a:schemeClr val="accent1"/>
+            </a:fillRef>
+            <a:effectRef idx="0">
+              <a:schemeClr val="accent1"/>
+            </a:effectRef>
+            <a:fontRef idx="minor">
+              <a:schemeClr val="lt1"/>
+            </a:fontRef>
+          </p:style>
+          <p:txBody>
+            <a:bodyPr rtlCol="0" anchor="ctr"/>
+            <a:lstStyle/>
+            <a:p>
+              <a:pPr algn="ctr"/>
+              <a:endParaRPr lang="it-IT"/>
+            </a:p>
+          </p:txBody>
+        </p:sp>
+        <p:sp>
+          <p:nvSpPr>
+            <p:cNvPr id="28" name="CasellaDiTesto 27"/>
+            <p:cNvSpPr txBox="1"/>
+            <p:nvPr/>
+          </p:nvSpPr>
+          <p:spPr>
+            <a:xfrm>
+              <a:off x="3212455" y="2416242"/>
+              <a:ext cx="401827" cy="369332"/>
+            </a:xfrm>
+            <a:prstGeom prst="rect">
+              <a:avLst/>
+            </a:prstGeom>
+            <a:noFill/>
+          </p:spPr>
+          <p:txBody>
+            <a:bodyPr wrap="square" rtlCol="0">
+              <a:spAutoFit/>
+            </a:bodyPr>
+            <a:lstStyle/>
+            <a:p>
+              <a:r>
+                <a:rPr lang="it-IT" dirty="0" smtClean="0"/>
+                <a:t>5</a:t>
+              </a:r>
+              <a:endParaRPr lang="it-IT" dirty="0"/>
+            </a:p>
+          </p:txBody>
+        </p:sp>
+      </p:grpSp>
+      <p:grpSp>
+        <p:nvGrpSpPr>
+          <p:cNvPr id="29" name="Gruppo 28"/>
+          <p:cNvGrpSpPr/>
+          <p:nvPr/>
+        </p:nvGrpSpPr>
+        <p:grpSpPr>
+          <a:xfrm>
+            <a:off x="4950697" y="2240457"/>
+            <a:ext cx="515621" cy="504056"/>
+            <a:chOff x="3110002" y="2348880"/>
+            <a:chExt cx="515621" cy="504056"/>
+          </a:xfrm>
+        </p:grpSpPr>
+        <p:sp>
+          <p:nvSpPr>
+            <p:cNvPr id="30" name="Stella a 8 punte 29"/>
+            <p:cNvSpPr/>
+            <p:nvPr/>
+          </p:nvSpPr>
+          <p:spPr>
+            <a:xfrm>
+              <a:off x="3110002" y="2348880"/>
+              <a:ext cx="515621" cy="504056"/>
+            </a:xfrm>
+            <a:prstGeom prst="star8">
+              <a:avLst/>
+            </a:prstGeom>
+            <a:solidFill>
+              <a:schemeClr val="bg1">
+                <a:alpha val="73000"/>
+              </a:schemeClr>
+            </a:solidFill>
+          </p:spPr>
+          <p:style>
+            <a:lnRef idx="2">
+              <a:schemeClr val="accent1">
+                <a:shade val="50000"/>
+              </a:schemeClr>
+            </a:lnRef>
+            <a:fillRef idx="1">
+              <a:schemeClr val="accent1"/>
+            </a:fillRef>
+            <a:effectRef idx="0">
+              <a:schemeClr val="accent1"/>
+            </a:effectRef>
+            <a:fontRef idx="minor">
+              <a:schemeClr val="lt1"/>
+            </a:fontRef>
+          </p:style>
+          <p:txBody>
+            <a:bodyPr rtlCol="0" anchor="ctr"/>
+            <a:lstStyle/>
+            <a:p>
+              <a:pPr algn="ctr"/>
+              <a:endParaRPr lang="it-IT"/>
+            </a:p>
+          </p:txBody>
+        </p:sp>
+        <p:sp>
+          <p:nvSpPr>
+            <p:cNvPr id="31" name="CasellaDiTesto 30"/>
+            <p:cNvSpPr txBox="1"/>
+            <p:nvPr/>
+          </p:nvSpPr>
+          <p:spPr>
+            <a:xfrm>
+              <a:off x="3212455" y="2416242"/>
+              <a:ext cx="401827" cy="369332"/>
+            </a:xfrm>
+            <a:prstGeom prst="rect">
+              <a:avLst/>
+            </a:prstGeom>
+            <a:noFill/>
+          </p:spPr>
+          <p:txBody>
+            <a:bodyPr wrap="square" rtlCol="0">
+              <a:spAutoFit/>
+            </a:bodyPr>
+            <a:lstStyle/>
+            <a:p>
+              <a:r>
+                <a:rPr lang="it-IT" dirty="0"/>
+                <a:t>7</a:t>
+              </a:r>
+              <a:endParaRPr lang="it-IT" dirty="0"/>
+            </a:p>
+          </p:txBody>
+        </p:sp>
+      </p:grpSp>
+      <p:grpSp>
+        <p:nvGrpSpPr>
+          <p:cNvPr id="32" name="Gruppo 31"/>
+          <p:cNvGrpSpPr/>
+          <p:nvPr/>
+        </p:nvGrpSpPr>
+        <p:grpSpPr>
+          <a:xfrm>
+            <a:off x="5496539" y="3329854"/>
+            <a:ext cx="515621" cy="504056"/>
+            <a:chOff x="3110002" y="2348880"/>
+            <a:chExt cx="515621" cy="504056"/>
+          </a:xfrm>
+        </p:grpSpPr>
+        <p:sp>
+          <p:nvSpPr>
+            <p:cNvPr id="33" name="Stella a 8 punte 32"/>
+            <p:cNvSpPr/>
+            <p:nvPr/>
+          </p:nvSpPr>
+          <p:spPr>
+            <a:xfrm>
+              <a:off x="3110002" y="2348880"/>
+              <a:ext cx="515621" cy="504056"/>
+            </a:xfrm>
+            <a:prstGeom prst="star8">
+              <a:avLst/>
+            </a:prstGeom>
+            <a:solidFill>
+              <a:schemeClr val="bg1">
+                <a:alpha val="73000"/>
+              </a:schemeClr>
+            </a:solidFill>
+          </p:spPr>
+          <p:style>
+            <a:lnRef idx="2">
+              <a:schemeClr val="accent1">
+                <a:shade val="50000"/>
+              </a:schemeClr>
+            </a:lnRef>
+            <a:fillRef idx="1">
+              <a:schemeClr val="accent1"/>
+            </a:fillRef>
+            <a:effectRef idx="0">
+              <a:schemeClr val="accent1"/>
+            </a:effectRef>
+            <a:fontRef idx="minor">
+              <a:schemeClr val="lt1"/>
+            </a:fontRef>
+          </p:style>
+          <p:txBody>
+            <a:bodyPr rtlCol="0" anchor="ctr"/>
+            <a:lstStyle/>
+            <a:p>
+              <a:pPr algn="ctr"/>
+              <a:endParaRPr lang="it-IT"/>
+            </a:p>
+          </p:txBody>
+        </p:sp>
+        <p:sp>
+          <p:nvSpPr>
+            <p:cNvPr id="34" name="CasellaDiTesto 33"/>
+            <p:cNvSpPr txBox="1"/>
+            <p:nvPr/>
+          </p:nvSpPr>
+          <p:spPr>
+            <a:xfrm>
+              <a:off x="3212455" y="2416242"/>
+              <a:ext cx="401827" cy="369332"/>
+            </a:xfrm>
+            <a:prstGeom prst="rect">
+              <a:avLst/>
+            </a:prstGeom>
+            <a:noFill/>
+          </p:spPr>
+          <p:txBody>
+            <a:bodyPr wrap="square" rtlCol="0">
+              <a:spAutoFit/>
+            </a:bodyPr>
+            <a:lstStyle/>
+            <a:p>
+              <a:r>
+                <a:rPr lang="it-IT" dirty="0"/>
+                <a:t>2</a:t>
+              </a:r>
+              <a:endParaRPr lang="it-IT" dirty="0"/>
+            </a:p>
+          </p:txBody>
+        </p:sp>
+      </p:grpSp>
+      <p:grpSp>
+        <p:nvGrpSpPr>
+          <p:cNvPr id="35" name="Gruppo 34"/>
+          <p:cNvGrpSpPr/>
+          <p:nvPr/>
+        </p:nvGrpSpPr>
+        <p:grpSpPr>
+          <a:xfrm>
+            <a:off x="4548001" y="4423590"/>
+            <a:ext cx="515621" cy="504056"/>
+            <a:chOff x="3110002" y="2348880"/>
+            <a:chExt cx="515621" cy="504056"/>
+          </a:xfrm>
+        </p:grpSpPr>
+        <p:sp>
+          <p:nvSpPr>
+            <p:cNvPr id="36" name="Stella a 8 punte 35"/>
+            <p:cNvSpPr/>
+            <p:nvPr/>
+          </p:nvSpPr>
+          <p:spPr>
+            <a:xfrm>
+              <a:off x="3110002" y="2348880"/>
+              <a:ext cx="515621" cy="504056"/>
+            </a:xfrm>
+            <a:prstGeom prst="star8">
+              <a:avLst/>
+            </a:prstGeom>
+            <a:solidFill>
+              <a:schemeClr val="bg1">
+                <a:alpha val="73000"/>
+              </a:schemeClr>
+            </a:solidFill>
+          </p:spPr>
+          <p:style>
+            <a:lnRef idx="2">
+              <a:schemeClr val="accent1">
+                <a:shade val="50000"/>
+              </a:schemeClr>
+            </a:lnRef>
+            <a:fillRef idx="1">
+              <a:schemeClr val="accent1"/>
+            </a:fillRef>
+            <a:effectRef idx="0">
+              <a:schemeClr val="accent1"/>
+            </a:effectRef>
+            <a:fontRef idx="minor">
+              <a:schemeClr val="lt1"/>
+            </a:fontRef>
+          </p:style>
+          <p:txBody>
+            <a:bodyPr rtlCol="0" anchor="ctr"/>
+            <a:lstStyle/>
+            <a:p>
+              <a:pPr algn="ctr"/>
+              <a:endParaRPr lang="it-IT"/>
+            </a:p>
+          </p:txBody>
+        </p:sp>
+        <p:sp>
+          <p:nvSpPr>
+            <p:cNvPr id="37" name="CasellaDiTesto 36"/>
+            <p:cNvSpPr txBox="1"/>
+            <p:nvPr/>
+          </p:nvSpPr>
+          <p:spPr>
+            <a:xfrm>
+              <a:off x="3212455" y="2416242"/>
+              <a:ext cx="401827" cy="369332"/>
+            </a:xfrm>
+            <a:prstGeom prst="rect">
+              <a:avLst/>
+            </a:prstGeom>
+            <a:noFill/>
+          </p:spPr>
+          <p:txBody>
+            <a:bodyPr wrap="square" rtlCol="0">
+              <a:spAutoFit/>
+            </a:bodyPr>
+            <a:lstStyle/>
+            <a:p>
+              <a:r>
+                <a:rPr lang="it-IT" dirty="0"/>
+                <a:t>9</a:t>
+              </a:r>
+            </a:p>
+          </p:txBody>
+        </p:sp>
+      </p:grpSp>
+      <p:grpSp>
+        <p:nvGrpSpPr>
+          <p:cNvPr id="38" name="Gruppo 37"/>
+          <p:cNvGrpSpPr/>
+          <p:nvPr/>
+        </p:nvGrpSpPr>
+        <p:grpSpPr>
+          <a:xfrm>
+            <a:off x="3424587" y="4814978"/>
+            <a:ext cx="515621" cy="504056"/>
+            <a:chOff x="3110002" y="2348880"/>
+            <a:chExt cx="515621" cy="504056"/>
+          </a:xfrm>
+        </p:grpSpPr>
+        <p:sp>
+          <p:nvSpPr>
+            <p:cNvPr id="39" name="Stella a 8 punte 38"/>
+            <p:cNvSpPr/>
+            <p:nvPr/>
+          </p:nvSpPr>
+          <p:spPr>
+            <a:xfrm>
+              <a:off x="3110002" y="2348880"/>
+              <a:ext cx="515621" cy="504056"/>
+            </a:xfrm>
+            <a:prstGeom prst="star8">
+              <a:avLst/>
+            </a:prstGeom>
+            <a:solidFill>
+              <a:schemeClr val="bg1">
+                <a:alpha val="73000"/>
+              </a:schemeClr>
+            </a:solidFill>
+          </p:spPr>
+          <p:style>
+            <a:lnRef idx="2">
+              <a:schemeClr val="accent1">
+                <a:shade val="50000"/>
+              </a:schemeClr>
+            </a:lnRef>
+            <a:fillRef idx="1">
+              <a:schemeClr val="accent1"/>
+            </a:fillRef>
+            <a:effectRef idx="0">
+              <a:schemeClr val="accent1"/>
+            </a:effectRef>
+            <a:fontRef idx="minor">
+              <a:schemeClr val="lt1"/>
+            </a:fontRef>
+          </p:style>
+          <p:txBody>
+            <a:bodyPr rtlCol="0" anchor="ctr"/>
+            <a:lstStyle/>
+            <a:p>
+              <a:pPr algn="ctr"/>
+              <a:endParaRPr lang="it-IT"/>
+            </a:p>
+          </p:txBody>
+        </p:sp>
+        <p:sp>
+          <p:nvSpPr>
+            <p:cNvPr id="40" name="CasellaDiTesto 39"/>
+            <p:cNvSpPr txBox="1"/>
+            <p:nvPr/>
+          </p:nvSpPr>
+          <p:spPr>
+            <a:xfrm>
+              <a:off x="3212455" y="2416242"/>
+              <a:ext cx="401827" cy="369332"/>
+            </a:xfrm>
+            <a:prstGeom prst="rect">
+              <a:avLst/>
+            </a:prstGeom>
+            <a:noFill/>
+          </p:spPr>
+          <p:txBody>
+            <a:bodyPr wrap="square" rtlCol="0">
+              <a:spAutoFit/>
+            </a:bodyPr>
+            <a:lstStyle/>
+            <a:p>
+              <a:r>
+                <a:rPr lang="it-IT" dirty="0"/>
+                <a:t>2</a:t>
+              </a:r>
+              <a:endParaRPr lang="it-IT" dirty="0"/>
+            </a:p>
+          </p:txBody>
+        </p:sp>
+      </p:grpSp>
+      <p:grpSp>
+        <p:nvGrpSpPr>
+          <p:cNvPr id="41" name="Gruppo 40"/>
+          <p:cNvGrpSpPr/>
+          <p:nvPr/>
+        </p:nvGrpSpPr>
+        <p:grpSpPr>
+          <a:xfrm>
+            <a:off x="2742668" y="3564462"/>
+            <a:ext cx="515621" cy="504056"/>
+            <a:chOff x="3110002" y="2348880"/>
+            <a:chExt cx="515621" cy="504056"/>
+          </a:xfrm>
+        </p:grpSpPr>
+        <p:sp>
+          <p:nvSpPr>
+            <p:cNvPr id="42" name="Stella a 8 punte 41"/>
+            <p:cNvSpPr/>
+            <p:nvPr/>
+          </p:nvSpPr>
+          <p:spPr>
+            <a:xfrm>
+              <a:off x="3110002" y="2348880"/>
+              <a:ext cx="515621" cy="504056"/>
+            </a:xfrm>
+            <a:prstGeom prst="star8">
+              <a:avLst/>
+            </a:prstGeom>
+            <a:solidFill>
+              <a:schemeClr val="bg1">
+                <a:alpha val="73000"/>
+              </a:schemeClr>
+            </a:solidFill>
+          </p:spPr>
+          <p:style>
+            <a:lnRef idx="2">
+              <a:schemeClr val="accent1">
+                <a:shade val="50000"/>
+              </a:schemeClr>
+            </a:lnRef>
+            <a:fillRef idx="1">
+              <a:schemeClr val="accent1"/>
+            </a:fillRef>
+            <a:effectRef idx="0">
+              <a:schemeClr val="accent1"/>
+            </a:effectRef>
+            <a:fontRef idx="minor">
+              <a:schemeClr val="lt1"/>
+            </a:fontRef>
+          </p:style>
+          <p:txBody>
+            <a:bodyPr rtlCol="0" anchor="ctr"/>
+            <a:lstStyle/>
+            <a:p>
+              <a:pPr algn="ctr"/>
+              <a:endParaRPr lang="it-IT"/>
+            </a:p>
+          </p:txBody>
+        </p:sp>
+        <p:sp>
+          <p:nvSpPr>
+            <p:cNvPr id="43" name="CasellaDiTesto 42"/>
+            <p:cNvSpPr txBox="1"/>
+            <p:nvPr/>
+          </p:nvSpPr>
+          <p:spPr>
+            <a:xfrm>
+              <a:off x="3212455" y="2416242"/>
+              <a:ext cx="401827" cy="369332"/>
+            </a:xfrm>
+            <a:prstGeom prst="rect">
+              <a:avLst/>
+            </a:prstGeom>
+            <a:noFill/>
+          </p:spPr>
+          <p:txBody>
+            <a:bodyPr wrap="square" rtlCol="0">
+              <a:spAutoFit/>
+            </a:bodyPr>
+            <a:lstStyle/>
+            <a:p>
+              <a:r>
+                <a:rPr lang="it-IT" dirty="0" smtClean="0"/>
+                <a:t>3</a:t>
+              </a:r>
+              <a:endParaRPr lang="it-IT" dirty="0"/>
+            </a:p>
+          </p:txBody>
+        </p:sp>
+      </p:grpSp>
+    </p:spTree>
+    <p:extLst>
+      <p:ext uri="{BB962C8B-B14F-4D97-AF65-F5344CB8AC3E}">
+        <p14:creationId xmlns:p14="http://schemas.microsoft.com/office/powerpoint/2010/main" val="838382517"/>
+      </p:ext>
+    </p:extLst>
+  </p:cSld>
+  <p:clrMapOvr>
+    <a:masterClrMapping/>
+  </p:clrMapOvr>
+  <p:timing>
+    <p:tnLst>
+      <p:par>
+        <p:cTn id="1" dur="indefinite" restart="never" nodeType="tmRoot">
+          <p:childTnLst>
+            <p:seq concurrent="1" nextAc="seek">
+              <p:cTn id="2" dur="indefinite" nodeType="mainSeq">
+                <p:childTnLst>
+                  <p:par>
+                    <p:cTn id="3" fill="hold">
+                      <p:stCondLst>
+                        <p:cond delay="indefinite"/>
+                        <p:cond evt="onBegin" delay="0">
+                          <p:tn val="2"/>
+                        </p:cond>
+                      </p:stCondLst>
+                      <p:childTnLst>
+                        <p:par>
+                          <p:cTn id="4" fill="hold">
+                            <p:stCondLst>
+                              <p:cond delay="0"/>
+                            </p:stCondLst>
+                            <p:childTnLst>
+                              <p:par>
+                                <p:cTn id="5" presetID="10" presetClass="entr" presetSubtype="0" fill="hold" nodeType="withEffect">
+                                  <p:stCondLst>
+                                    <p:cond delay="0"/>
+                                  </p:stCondLst>
+                                  <p:childTnLst>
+                                    <p:set>
+                                      <p:cBhvr>
+                                        <p:cTn id="6" dur="1" fill="hold">
+                                          <p:stCondLst>
+                                            <p:cond delay="0"/>
+                                          </p:stCondLst>
+                                        </p:cTn>
+                                        <p:tgtEl>
+                                          <p:spTgt spid="26"/>
+                                        </p:tgtEl>
+                                        <p:attrNameLst>
+                                          <p:attrName>style.visibility</p:attrName>
+                                        </p:attrNameLst>
+                                      </p:cBhvr>
+                                      <p:to>
+                                        <p:strVal val="visible"/>
+                                      </p:to>
+                                    </p:set>
+                                    <p:animEffect transition="in" filter="fade">
+                                      <p:cBhvr>
+                                        <p:cTn id="7" dur="500"/>
+                                        <p:tgtEl>
+                                          <p:spTgt spid="26"/>
+                                        </p:tgtEl>
+                                      </p:cBhvr>
+                                    </p:animEffect>
+                                  </p:childTnLst>
+                                </p:cTn>
+                              </p:par>
+                            </p:childTnLst>
+                          </p:cTn>
+                        </p:par>
+                        <p:par>
+                          <p:cTn id="8" fill="hold">
+                            <p:stCondLst>
+                              <p:cond delay="500"/>
+                            </p:stCondLst>
+                            <p:childTnLst>
+                              <p:par>
+                                <p:cTn id="9" presetID="10" presetClass="entr" presetSubtype="0" fill="hold" nodeType="afterEffect">
+                                  <p:stCondLst>
+                                    <p:cond delay="0"/>
+                                  </p:stCondLst>
+                                  <p:childTnLst>
+                                    <p:set>
+                                      <p:cBhvr>
+                                        <p:cTn id="10" dur="1" fill="hold">
+                                          <p:stCondLst>
+                                            <p:cond delay="0"/>
+                                          </p:stCondLst>
+                                        </p:cTn>
+                                        <p:tgtEl>
+                                          <p:spTgt spid="29"/>
+                                        </p:tgtEl>
+                                        <p:attrNameLst>
+                                          <p:attrName>style.visibility</p:attrName>
+                                        </p:attrNameLst>
+                                      </p:cBhvr>
+                                      <p:to>
+                                        <p:strVal val="visible"/>
+                                      </p:to>
+                                    </p:set>
+                                    <p:animEffect transition="in" filter="fade">
+                                      <p:cBhvr>
+                                        <p:cTn id="11" dur="500"/>
+                                        <p:tgtEl>
+                                          <p:spTgt spid="29"/>
+                                        </p:tgtEl>
+                                      </p:cBhvr>
+                                    </p:animEffect>
+                                  </p:childTnLst>
+                                </p:cTn>
+                              </p:par>
+                            </p:childTnLst>
+                          </p:cTn>
+                        </p:par>
+                        <p:par>
+                          <p:cTn id="12" fill="hold">
+                            <p:stCondLst>
+                              <p:cond delay="1000"/>
+                            </p:stCondLst>
+                            <p:childTnLst>
+                              <p:par>
+                                <p:cTn id="13" presetID="10" presetClass="entr" presetSubtype="0" fill="hold" nodeType="afterEffect">
+                                  <p:stCondLst>
+                                    <p:cond delay="0"/>
+                                  </p:stCondLst>
+                                  <p:childTnLst>
+                                    <p:set>
+                                      <p:cBhvr>
+                                        <p:cTn id="14" dur="1" fill="hold">
+                                          <p:stCondLst>
+                                            <p:cond delay="0"/>
+                                          </p:stCondLst>
+                                        </p:cTn>
+                                        <p:tgtEl>
+                                          <p:spTgt spid="32"/>
+                                        </p:tgtEl>
+                                        <p:attrNameLst>
+                                          <p:attrName>style.visibility</p:attrName>
+                                        </p:attrNameLst>
+                                      </p:cBhvr>
+                                      <p:to>
+                                        <p:strVal val="visible"/>
+                                      </p:to>
+                                    </p:set>
+                                    <p:animEffect transition="in" filter="fade">
+                                      <p:cBhvr>
+                                        <p:cTn id="15" dur="500"/>
+                                        <p:tgtEl>
+                                          <p:spTgt spid="32"/>
+                                        </p:tgtEl>
+                                      </p:cBhvr>
+                                    </p:animEffect>
+                                  </p:childTnLst>
+                                </p:cTn>
+                              </p:par>
+                            </p:childTnLst>
+                          </p:cTn>
+                        </p:par>
+                        <p:par>
+                          <p:cTn id="16" fill="hold">
+                            <p:stCondLst>
+                              <p:cond delay="1500"/>
+                            </p:stCondLst>
+                            <p:childTnLst>
+                              <p:par>
+                                <p:cTn id="17" presetID="10" presetClass="entr" presetSubtype="0" fill="hold" nodeType="afterEffect">
+                                  <p:stCondLst>
+                                    <p:cond delay="0"/>
+                                  </p:stCondLst>
+                                  <p:childTnLst>
+                                    <p:set>
+                                      <p:cBhvr>
+                                        <p:cTn id="18" dur="1" fill="hold">
+                                          <p:stCondLst>
+                                            <p:cond delay="0"/>
+                                          </p:stCondLst>
+                                        </p:cTn>
+                                        <p:tgtEl>
+                                          <p:spTgt spid="35"/>
+                                        </p:tgtEl>
+                                        <p:attrNameLst>
+                                          <p:attrName>style.visibility</p:attrName>
+                                        </p:attrNameLst>
+                                      </p:cBhvr>
+                                      <p:to>
+                                        <p:strVal val="visible"/>
+                                      </p:to>
+                                    </p:set>
+                                    <p:animEffect transition="in" filter="fade">
+                                      <p:cBhvr>
+                                        <p:cTn id="19" dur="500"/>
+                                        <p:tgtEl>
+                                          <p:spTgt spid="35"/>
+                                        </p:tgtEl>
+                                      </p:cBhvr>
+                                    </p:animEffect>
+                                  </p:childTnLst>
+                                </p:cTn>
+                              </p:par>
+                            </p:childTnLst>
+                          </p:cTn>
+                        </p:par>
+                        <p:par>
+                          <p:cTn id="20" fill="hold">
+                            <p:stCondLst>
+                              <p:cond delay="2000"/>
+                            </p:stCondLst>
+                            <p:childTnLst>
+                              <p:par>
+                                <p:cTn id="21" presetID="10" presetClass="entr" presetSubtype="0" fill="hold" nodeType="afterEffect">
+                                  <p:stCondLst>
+                                    <p:cond delay="0"/>
+                                  </p:stCondLst>
+                                  <p:childTnLst>
+                                    <p:set>
+                                      <p:cBhvr>
+                                        <p:cTn id="22" dur="1" fill="hold">
+                                          <p:stCondLst>
+                                            <p:cond delay="0"/>
+                                          </p:stCondLst>
+                                        </p:cTn>
+                                        <p:tgtEl>
+                                          <p:spTgt spid="38"/>
+                                        </p:tgtEl>
+                                        <p:attrNameLst>
+                                          <p:attrName>style.visibility</p:attrName>
+                                        </p:attrNameLst>
+                                      </p:cBhvr>
+                                      <p:to>
+                                        <p:strVal val="visible"/>
+                                      </p:to>
+                                    </p:set>
+                                    <p:animEffect transition="in" filter="fade">
+                                      <p:cBhvr>
+                                        <p:cTn id="23" dur="500"/>
+                                        <p:tgtEl>
+                                          <p:spTgt spid="38"/>
+                                        </p:tgtEl>
+                                      </p:cBhvr>
+                                    </p:animEffect>
+                                  </p:childTnLst>
+                                </p:cTn>
+                              </p:par>
+                            </p:childTnLst>
+                          </p:cTn>
+                        </p:par>
+                        <p:par>
+                          <p:cTn id="24" fill="hold">
+                            <p:stCondLst>
+                              <p:cond delay="2500"/>
+                            </p:stCondLst>
+                            <p:childTnLst>
+                              <p:par>
+                                <p:cTn id="25" presetID="10" presetClass="entr" presetSubtype="0" fill="hold" nodeType="afterEffect">
+                                  <p:stCondLst>
+                                    <p:cond delay="0"/>
+                                  </p:stCondLst>
+                                  <p:childTnLst>
+                                    <p:set>
+                                      <p:cBhvr>
+                                        <p:cTn id="26" dur="1" fill="hold">
+                                          <p:stCondLst>
+                                            <p:cond delay="0"/>
+                                          </p:stCondLst>
+                                        </p:cTn>
+                                        <p:tgtEl>
+                                          <p:spTgt spid="41"/>
+                                        </p:tgtEl>
+                                        <p:attrNameLst>
+                                          <p:attrName>style.visibility</p:attrName>
+                                        </p:attrNameLst>
+                                      </p:cBhvr>
+                                      <p:to>
+                                        <p:strVal val="visible"/>
+                                      </p:to>
+                                    </p:set>
+                                    <p:animEffect transition="in" filter="fade">
+                                      <p:cBhvr>
+                                        <p:cTn id="27" dur="500"/>
+                                        <p:tgtEl>
+                                          <p:spTgt spid="41"/>
+                                        </p:tgtEl>
+                                      </p:cBhvr>
+                                    </p:animEffect>
+                                  </p:childTnLst>
+                                </p:cTn>
+                              </p:par>
+                            </p:childTnLst>
+                          </p:cTn>
+                        </p:par>
+                      </p:childTnLst>
+                    </p:cTn>
+                  </p:par>
+                </p:childTnLst>
+              </p:cTn>
+              <p:prevCondLst>
+                <p:cond evt="onPrev" delay="0">
+                  <p:tgtEl>
+                    <p:sldTgt/>
+                  </p:tgtEl>
+                </p:cond>
+              </p:prevCondLst>
+              <p:nextCondLst>
+                <p:cond evt="onNext" delay="0">
+                  <p:tgtEl>
+                    <p:sldTgt/>
+                  </p:tgtEl>
+                </p:cond>
+              </p:nextCondLst>
+            </p:seq>
+          </p:childTnLst>
+        </p:cTn>
+      </p:par>
+    </p:tnLst>
+  </p:timing>
 </p:sld>
 </file>
 
@@ -5811,11 +10127,38 @@
               <a:t>eural</a:t>
             </a:r>
             <a:r>
-              <a:rPr lang="it-IT" smtClean="0"/>
-              <a:t> networks</a:t>
+              <a:rPr lang="it-IT" dirty="0" smtClean="0"/>
+              <a:t> </a:t>
+            </a:r>
+            <a:r>
+              <a:rPr lang="it-IT" dirty="0" smtClean="0"/>
+              <a:t>networks</a:t>
+            </a:r>
+          </a:p>
+          <a:p>
+            <a:pPr lvl="1"/>
+            <a:r>
+              <a:rPr lang="it-IT" dirty="0" err="1" smtClean="0"/>
+              <a:t>Different</a:t>
+            </a:r>
+            <a:r>
+              <a:rPr lang="it-IT" dirty="0" smtClean="0"/>
+              <a:t> </a:t>
+            </a:r>
+            <a:r>
+              <a:rPr lang="it-IT" dirty="0" err="1" smtClean="0"/>
+              <a:t>kinds</a:t>
+            </a:r>
+            <a:r>
+              <a:rPr lang="it-IT" dirty="0" smtClean="0"/>
+              <a:t> of networks</a:t>
+            </a:r>
+            <a:r>
+              <a:rPr lang="it-IT" dirty="0" smtClean="0"/>
+              <a:t/>
             </a:r>
             <a:br>
-              <a:rPr lang="it-IT" smtClean="0"/>
+              <a:rPr lang="it-IT" dirty="0" smtClean="0"/>
             </a:br>
             <a:endParaRPr lang="it-IT" dirty="0" smtClean="0"/>
           </a:p>
@@ -5831,6 +10174,46 @@
             <a:r>
               <a:rPr lang="it-IT" dirty="0" err="1" smtClean="0"/>
               <a:t>Algorithms</a:t>
+            </a:r>
+            <a:endParaRPr lang="it-IT" dirty="0" smtClean="0"/>
+          </a:p>
+          <a:p>
+            <a:pPr lvl="1"/>
+            <a:r>
+              <a:rPr lang="it-IT" dirty="0" smtClean="0"/>
+              <a:t>A "</a:t>
+            </a:r>
+            <a:r>
+              <a:rPr lang="it-IT" dirty="0" err="1" smtClean="0"/>
+              <a:t>natural</a:t>
+            </a:r>
+            <a:r>
+              <a:rPr lang="it-IT" dirty="0" smtClean="0"/>
+              <a:t>" </a:t>
+            </a:r>
+            <a:r>
+              <a:rPr lang="it-IT" dirty="0" err="1" smtClean="0"/>
+              <a:t>selection</a:t>
+            </a:r>
+            <a:endParaRPr lang="it-IT" dirty="0" smtClean="0"/>
+          </a:p>
+          <a:p>
+            <a:pPr lvl="1"/>
+            <a:r>
+              <a:rPr lang="it-IT" dirty="0" err="1" smtClean="0"/>
+              <a:t>Methods</a:t>
+            </a:r>
+            <a:r>
+              <a:rPr lang="it-IT" dirty="0" smtClean="0"/>
+              <a:t> for </a:t>
+            </a:r>
+            <a:r>
+              <a:rPr lang="it-IT" dirty="0" err="1" smtClean="0"/>
+              <a:t>creating</a:t>
+            </a:r>
+            <a:r>
+              <a:rPr lang="it-IT" dirty="0" smtClean="0"/>
+              <a:t> a new generation</a:t>
             </a:r>
             <a:endParaRPr lang="it-IT" dirty="0" smtClean="0"/>
           </a:p>
@@ -5844,6 +10227,870 @@
     <p:extLst>
       <p:ext uri="{BB962C8B-B14F-4D97-AF65-F5344CB8AC3E}">
         <p14:creationId xmlns:p14="http://schemas.microsoft.com/office/powerpoint/2010/main" val="2839228232"/>
+      </p:ext>
+    </p:extLst>
+  </p:cSld>
+  <p:clrMapOvr>
+    <a:masterClrMapping/>
+  </p:clrMapOvr>
+  <p:timing>
+    <p:tnLst>
+      <p:par>
+        <p:cTn id="1" dur="indefinite" restart="never" nodeType="tmRoot"/>
+      </p:par>
+    </p:tnLst>
+  </p:timing>
+</p:sld>
+</file>
+
+<file path=ppt/slides/slide20.xml><?xml version="1.0" encoding="utf-8"?>
+<p:sld xmlns:a="http://schemas.openxmlformats.org/drawingml/2006/main" xmlns:r="http://schemas.openxmlformats.org/officeDocument/2006/relationships" xmlns:p="http://schemas.openxmlformats.org/presentationml/2006/main">
+  <p:cSld>
+    <p:spTree>
+      <p:nvGrpSpPr>
+        <p:cNvPr id="1" name=""/>
+        <p:cNvGrpSpPr/>
+        <p:nvPr/>
+      </p:nvGrpSpPr>
+      <p:grpSpPr>
+        <a:xfrm>
+          <a:off x="0" y="0"/>
+          <a:ext cx="0" cy="0"/>
+          <a:chOff x="0" y="0"/>
+          <a:chExt cx="0" cy="0"/>
+        </a:xfrm>
+      </p:grpSpPr>
+      <p:sp>
+        <p:nvSpPr>
+          <p:cNvPr id="2" name="Titolo 1"/>
+          <p:cNvSpPr>
+            <a:spLocks noGrp="1"/>
+          </p:cNvSpPr>
+          <p:nvPr>
+            <p:ph type="title"/>
+          </p:nvPr>
+        </p:nvSpPr>
+        <p:spPr/>
+        <p:txBody>
+          <a:bodyPr/>
+          <a:lstStyle/>
+          <a:p>
+            <a:r>
+              <a:rPr lang="it-IT" dirty="0" smtClean="0"/>
+              <a:t>The fitness </a:t>
+            </a:r>
+            <a:r>
+              <a:rPr lang="it-IT" dirty="0" err="1" smtClean="0"/>
+              <a:t>value</a:t>
+            </a:r>
+            <a:endParaRPr lang="it-IT" dirty="0"/>
+          </a:p>
+        </p:txBody>
+      </p:sp>
+      <p:sp>
+        <p:nvSpPr>
+          <p:cNvPr id="3" name="Segnaposto contenuto 2"/>
+          <p:cNvSpPr>
+            <a:spLocks noGrp="1"/>
+          </p:cNvSpPr>
+          <p:nvPr>
+            <p:ph idx="1"/>
+          </p:nvPr>
+        </p:nvSpPr>
+        <p:spPr/>
+        <p:txBody>
+          <a:bodyPr>
+            <a:normAutofit lnSpcReduction="10000"/>
+          </a:bodyPr>
+          <a:lstStyle/>
+          <a:p>
+            <a:r>
+              <a:rPr lang="it-IT" dirty="0" err="1" smtClean="0"/>
+              <a:t>We</a:t>
+            </a:r>
+            <a:r>
+              <a:rPr lang="it-IT" dirty="0" smtClean="0"/>
+              <a:t> </a:t>
+            </a:r>
+            <a:r>
+              <a:rPr lang="it-IT" dirty="0" err="1" smtClean="0"/>
+              <a:t>talked</a:t>
+            </a:r>
+            <a:r>
+              <a:rPr lang="it-IT" dirty="0" smtClean="0"/>
+              <a:t> </a:t>
+            </a:r>
+            <a:r>
+              <a:rPr lang="it-IT" dirty="0" err="1" smtClean="0"/>
+              <a:t>about</a:t>
+            </a:r>
+            <a:r>
+              <a:rPr lang="it-IT" dirty="0" smtClean="0"/>
+              <a:t> a score </a:t>
+            </a:r>
+            <a:r>
+              <a:rPr lang="it-IT" dirty="0" err="1" smtClean="0"/>
+              <a:t>gived</a:t>
+            </a:r>
+            <a:r>
+              <a:rPr lang="it-IT" dirty="0" smtClean="0"/>
+              <a:t> to </a:t>
+            </a:r>
+            <a:r>
+              <a:rPr lang="it-IT" dirty="0" err="1" smtClean="0"/>
+              <a:t>each</a:t>
+            </a:r>
+            <a:r>
+              <a:rPr lang="it-IT" dirty="0" smtClean="0"/>
+              <a:t> </a:t>
+            </a:r>
+            <a:r>
+              <a:rPr lang="it-IT" dirty="0" err="1" smtClean="0"/>
+              <a:t>chromosome</a:t>
+            </a:r>
+            <a:r>
+              <a:rPr lang="it-IT" dirty="0" smtClean="0"/>
+              <a:t>. A </a:t>
+            </a:r>
+            <a:r>
+              <a:rPr lang="it-IT" dirty="0" err="1" smtClean="0"/>
+              <a:t>better</a:t>
+            </a:r>
+            <a:r>
+              <a:rPr lang="it-IT" dirty="0" smtClean="0"/>
+              <a:t> </a:t>
+            </a:r>
+            <a:r>
+              <a:rPr lang="it-IT" dirty="0" err="1" smtClean="0"/>
+              <a:t>known</a:t>
+            </a:r>
+            <a:r>
+              <a:rPr lang="it-IT" dirty="0" smtClean="0"/>
+              <a:t> </a:t>
+            </a:r>
+            <a:r>
+              <a:rPr lang="it-IT" dirty="0" err="1" smtClean="0"/>
+              <a:t>name</a:t>
+            </a:r>
+            <a:r>
+              <a:rPr lang="it-IT" dirty="0" smtClean="0"/>
+              <a:t> for </a:t>
+            </a:r>
+            <a:r>
+              <a:rPr lang="it-IT" dirty="0" err="1" smtClean="0"/>
+              <a:t>this</a:t>
+            </a:r>
+            <a:r>
+              <a:rPr lang="it-IT" dirty="0" smtClean="0"/>
+              <a:t> </a:t>
+            </a:r>
+            <a:r>
+              <a:rPr lang="it-IT" dirty="0" err="1" smtClean="0"/>
+              <a:t>number</a:t>
+            </a:r>
+            <a:r>
+              <a:rPr lang="it-IT" dirty="0" smtClean="0"/>
+              <a:t> </a:t>
+            </a:r>
+            <a:r>
+              <a:rPr lang="it-IT" dirty="0" err="1" smtClean="0"/>
+              <a:t>is</a:t>
+            </a:r>
+            <a:r>
+              <a:rPr lang="it-IT" dirty="0" smtClean="0"/>
+              <a:t> </a:t>
+            </a:r>
+            <a:r>
+              <a:rPr lang="it-IT" i="1" dirty="0" smtClean="0"/>
+              <a:t>fitness</a:t>
+            </a:r>
+            <a:r>
+              <a:rPr lang="it-IT" dirty="0" smtClean="0"/>
+              <a:t>.</a:t>
+            </a:r>
+          </a:p>
+          <a:p>
+            <a:endParaRPr lang="it-IT" i="1" dirty="0"/>
+          </a:p>
+          <a:p>
+            <a:r>
+              <a:rPr lang="en-US" dirty="0"/>
+              <a:t>In each generation, the fitness of every individual in the population is </a:t>
+            </a:r>
+            <a:r>
+              <a:rPr lang="en-US" dirty="0" smtClean="0"/>
+              <a:t>evaluated. Then, </a:t>
+            </a:r>
+            <a:r>
+              <a:rPr lang="en-US" b="1" dirty="0" smtClean="0"/>
+              <a:t>multiple </a:t>
+            </a:r>
+            <a:r>
+              <a:rPr lang="en-US" b="1" dirty="0"/>
+              <a:t>individuals are </a:t>
+            </a:r>
+            <a:r>
+              <a:rPr lang="en-US" b="1" dirty="0" smtClean="0">
+                <a:solidFill>
+                  <a:srgbClr val="C00000"/>
+                </a:solidFill>
+              </a:rPr>
+              <a:t>selected, recombined and mutated </a:t>
+            </a:r>
+            <a:r>
+              <a:rPr lang="en-US" dirty="0" smtClean="0"/>
+              <a:t>to </a:t>
+            </a:r>
+            <a:r>
+              <a:rPr lang="en-US" dirty="0"/>
+              <a:t>form </a:t>
+            </a:r>
+            <a:r>
+              <a:rPr lang="en-US" b="1" dirty="0"/>
+              <a:t>a new population</a:t>
+            </a:r>
+            <a:r>
+              <a:rPr lang="en-US" dirty="0"/>
+              <a:t>. </a:t>
+            </a:r>
+            <a:r>
+              <a:rPr lang="en-US" dirty="0" smtClean="0"/>
+              <a:t/>
+            </a:r>
+            <a:br>
+              <a:rPr lang="en-US" dirty="0" smtClean="0"/>
+            </a:br>
+            <a:endParaRPr lang="en-US" dirty="0" smtClean="0"/>
+          </a:p>
+          <a:p>
+            <a:r>
+              <a:rPr lang="en-US" dirty="0" smtClean="0"/>
+              <a:t>The </a:t>
+            </a:r>
+            <a:r>
+              <a:rPr lang="en-US" dirty="0"/>
+              <a:t>new population is then used in the next iteration of the algorithm. Commonly, the algorithm terminates when either a maximum number of generations has been produced, or a </a:t>
+            </a:r>
+            <a:r>
+              <a:rPr lang="en-US" b="1" dirty="0"/>
+              <a:t>satisfactory fitness level has been </a:t>
+            </a:r>
+            <a:r>
+              <a:rPr lang="en-US" b="1" dirty="0" smtClean="0"/>
+              <a:t>reached.</a:t>
+            </a:r>
+            <a:endParaRPr lang="it-IT" b="1" dirty="0" smtClean="0"/>
+          </a:p>
+        </p:txBody>
+      </p:sp>
+    </p:spTree>
+    <p:extLst>
+      <p:ext uri="{BB962C8B-B14F-4D97-AF65-F5344CB8AC3E}">
+        <p14:creationId xmlns:p14="http://schemas.microsoft.com/office/powerpoint/2010/main" val="4101140176"/>
+      </p:ext>
+    </p:extLst>
+  </p:cSld>
+  <p:clrMapOvr>
+    <a:masterClrMapping/>
+  </p:clrMapOvr>
+  <p:timing>
+    <p:tnLst>
+      <p:par>
+        <p:cTn id="1" dur="indefinite" restart="never" nodeType="tmRoot"/>
+      </p:par>
+    </p:tnLst>
+  </p:timing>
+</p:sld>
+</file>
+
+<file path=ppt/slides/slide21.xml><?xml version="1.0" encoding="utf-8"?>
+<p:sld xmlns:a="http://schemas.openxmlformats.org/drawingml/2006/main" xmlns:r="http://schemas.openxmlformats.org/officeDocument/2006/relationships" xmlns:p="http://schemas.openxmlformats.org/presentationml/2006/main">
+  <p:cSld>
+    <p:spTree>
+      <p:nvGrpSpPr>
+        <p:cNvPr id="1" name=""/>
+        <p:cNvGrpSpPr/>
+        <p:nvPr/>
+      </p:nvGrpSpPr>
+      <p:grpSpPr>
+        <a:xfrm>
+          <a:off x="0" y="0"/>
+          <a:ext cx="0" cy="0"/>
+          <a:chOff x="0" y="0"/>
+          <a:chExt cx="0" cy="0"/>
+        </a:xfrm>
+      </p:grpSpPr>
+      <p:sp>
+        <p:nvSpPr>
+          <p:cNvPr id="2" name="Titolo 1"/>
+          <p:cNvSpPr>
+            <a:spLocks noGrp="1"/>
+          </p:cNvSpPr>
+          <p:nvPr>
+            <p:ph type="title"/>
+          </p:nvPr>
+        </p:nvSpPr>
+        <p:spPr/>
+        <p:txBody>
+          <a:bodyPr/>
+          <a:lstStyle/>
+          <a:p>
+            <a:r>
+              <a:rPr lang="it-IT" dirty="0" err="1" smtClean="0"/>
+              <a:t>Selection</a:t>
+            </a:r>
+            <a:endParaRPr lang="it-IT" dirty="0"/>
+          </a:p>
+        </p:txBody>
+      </p:sp>
+      <p:sp>
+        <p:nvSpPr>
+          <p:cNvPr id="3" name="Segnaposto contenuto 2"/>
+          <p:cNvSpPr>
+            <a:spLocks noGrp="1"/>
+          </p:cNvSpPr>
+          <p:nvPr>
+            <p:ph idx="1"/>
+          </p:nvPr>
+        </p:nvSpPr>
+        <p:spPr/>
+        <p:txBody>
+          <a:bodyPr/>
+          <a:lstStyle/>
+          <a:p>
+            <a:r>
+              <a:rPr lang="it-IT" dirty="0" smtClean="0"/>
+              <a:t>The </a:t>
+            </a:r>
+            <a:r>
+              <a:rPr lang="it-IT" dirty="0" err="1" smtClean="0"/>
+              <a:t>practice</a:t>
+            </a:r>
+            <a:r>
+              <a:rPr lang="it-IT" dirty="0" smtClean="0"/>
+              <a:t> of </a:t>
+            </a:r>
+            <a:r>
+              <a:rPr lang="it-IT" dirty="0" err="1" smtClean="0"/>
+              <a:t>select</a:t>
+            </a:r>
+            <a:r>
+              <a:rPr lang="it-IT" dirty="0" smtClean="0"/>
+              <a:t> the best </a:t>
+            </a:r>
+            <a:r>
+              <a:rPr lang="it-IT" dirty="0" err="1" smtClean="0"/>
+              <a:t>candidates</a:t>
+            </a:r>
+            <a:r>
+              <a:rPr lang="it-IT" dirty="0" smtClean="0"/>
+              <a:t> can be </a:t>
+            </a:r>
+            <a:r>
+              <a:rPr lang="it-IT" dirty="0" err="1" smtClean="0"/>
+              <a:t>done</a:t>
+            </a:r>
+            <a:r>
+              <a:rPr lang="it-IT" dirty="0" smtClean="0"/>
+              <a:t> in </a:t>
+            </a:r>
+            <a:r>
+              <a:rPr lang="it-IT" dirty="0" err="1" smtClean="0"/>
+              <a:t>various</a:t>
+            </a:r>
+            <a:r>
+              <a:rPr lang="it-IT" dirty="0" smtClean="0"/>
+              <a:t> ways. A </a:t>
+            </a:r>
+            <a:r>
+              <a:rPr lang="it-IT" dirty="0" err="1" smtClean="0"/>
+              <a:t>widely</a:t>
+            </a:r>
+            <a:r>
+              <a:rPr lang="it-IT" dirty="0" smtClean="0"/>
+              <a:t> </a:t>
+            </a:r>
+            <a:r>
+              <a:rPr lang="it-IT" dirty="0" err="1" smtClean="0"/>
+              <a:t>used</a:t>
+            </a:r>
+            <a:r>
+              <a:rPr lang="it-IT" dirty="0" smtClean="0"/>
+              <a:t> </a:t>
+            </a:r>
+            <a:r>
+              <a:rPr lang="it-IT" dirty="0" err="1" smtClean="0"/>
+              <a:t>method</a:t>
+            </a:r>
+            <a:r>
+              <a:rPr lang="it-IT" dirty="0" smtClean="0"/>
+              <a:t> </a:t>
+            </a:r>
+            <a:r>
+              <a:rPr lang="it-IT" dirty="0" err="1" smtClean="0"/>
+              <a:t>is</a:t>
+            </a:r>
+            <a:r>
+              <a:rPr lang="it-IT" dirty="0" smtClean="0"/>
+              <a:t> </a:t>
+            </a:r>
+            <a:r>
+              <a:rPr lang="it-IT" dirty="0" err="1" smtClean="0"/>
+              <a:t>called</a:t>
+            </a:r>
+            <a:r>
+              <a:rPr lang="it-IT" dirty="0" smtClean="0"/>
+              <a:t> "Roulette Wheel".</a:t>
+            </a:r>
+            <a:endParaRPr lang="it-IT" dirty="0"/>
+          </a:p>
+        </p:txBody>
+      </p:sp>
+      <p:pic>
+        <p:nvPicPr>
+          <p:cNvPr id="4099" name="Picture 3"/>
+          <p:cNvPicPr>
+            <a:picLocks noChangeAspect="1" noChangeArrowheads="1"/>
+          </p:cNvPicPr>
+          <p:nvPr/>
+        </p:nvPicPr>
+        <p:blipFill>
+          <a:blip r:embed="rId2">
+            <a:extLst>
+              <a:ext uri="{28A0092B-C50C-407E-A947-70E740481C1C}">
+                <a14:useLocalDpi xmlns:a14="http://schemas.microsoft.com/office/drawing/2010/main" val="0"/>
+              </a:ext>
+            </a:extLst>
+          </a:blip>
+          <a:srcRect/>
+          <a:stretch>
+            <a:fillRect/>
+          </a:stretch>
+        </p:blipFill>
+        <p:spPr bwMode="auto">
+          <a:xfrm>
+            <a:off x="2551996" y="2924944"/>
+            <a:ext cx="4610100" cy="1533525"/>
+          </a:xfrm>
+          <a:prstGeom prst="rect">
+            <a:avLst/>
+          </a:prstGeom>
+          <a:noFill/>
+          <a:ln>
+            <a:noFill/>
+          </a:ln>
+          <a:effectLst/>
+          <a:extLst>
+            <a:ext uri="{909E8E84-426E-40DD-AFC4-6F175D3DCCD1}">
+              <a14:hiddenFill xmlns:a14="http://schemas.microsoft.com/office/drawing/2010/main">
+                <a:solidFill>
+                  <a:schemeClr val="accent1"/>
+                </a:solidFill>
+              </a14:hiddenFill>
+            </a:ext>
+            <a:ext uri="{91240B29-F687-4F45-9708-019B960494DF}">
+              <a14:hiddenLine xmlns:a14="http://schemas.microsoft.com/office/drawing/2010/main" w="9525">
+                <a:solidFill>
+                  <a:schemeClr val="tx1"/>
+                </a:solidFill>
+                <a:miter lim="800000"/>
+                <a:headEnd/>
+                <a:tailEnd/>
+              </a14:hiddenLine>
+            </a:ext>
+            <a:ext uri="{AF507438-7753-43E0-B8FC-AC1667EBCBE1}">
+              <a14:hiddenEffects xmlns:a14="http://schemas.microsoft.com/office/drawing/2010/main">
+                <a:effectLst>
+                  <a:outerShdw dist="35921" dir="2700000" algn="ctr" rotWithShape="0">
+                    <a:schemeClr val="bg2"/>
+                  </a:outerShdw>
+                </a:effectLst>
+              </a14:hiddenEffects>
+            </a:ext>
+          </a:extLst>
+        </p:spPr>
+      </p:pic>
+      <p:sp>
+        <p:nvSpPr>
+          <p:cNvPr id="5" name="CasellaDiTesto 4"/>
+          <p:cNvSpPr txBox="1"/>
+          <p:nvPr/>
+        </p:nvSpPr>
+        <p:spPr>
+          <a:xfrm>
+            <a:off x="827584" y="4581128"/>
+            <a:ext cx="7488832" cy="1323439"/>
+          </a:xfrm>
+          <a:prstGeom prst="rect">
+            <a:avLst/>
+          </a:prstGeom>
+          <a:noFill/>
+        </p:spPr>
+        <p:txBody>
+          <a:bodyPr wrap="square" rtlCol="0">
+            <a:spAutoFit/>
+          </a:bodyPr>
+          <a:lstStyle/>
+          <a:p>
+            <a:pPr marL="342900" indent="-342900">
+              <a:buFont typeface="+mj-lt"/>
+              <a:buAutoNum type="arabicPeriod"/>
+            </a:pPr>
+            <a:r>
+              <a:rPr lang="en-US" sz="1600" dirty="0">
+                <a:latin typeface="Consolas" pitchFamily="49" charset="0"/>
+                <a:cs typeface="Consolas" pitchFamily="49" charset="0"/>
+              </a:rPr>
+              <a:t>Calculate sum </a:t>
+            </a:r>
+            <a:r>
+              <a:rPr lang="en-US" sz="1600" dirty="0" smtClean="0">
+                <a:latin typeface="Consolas" pitchFamily="49" charset="0"/>
+                <a:cs typeface="Consolas" pitchFamily="49" charset="0"/>
+              </a:rPr>
+              <a:t>S of </a:t>
+            </a:r>
+            <a:r>
+              <a:rPr lang="en-US" sz="1600" dirty="0">
+                <a:latin typeface="Consolas" pitchFamily="49" charset="0"/>
+                <a:cs typeface="Consolas" pitchFamily="49" charset="0"/>
+              </a:rPr>
+              <a:t>all chromosome </a:t>
+            </a:r>
+            <a:r>
+              <a:rPr lang="en-US" sz="1600" dirty="0" err="1">
+                <a:latin typeface="Consolas" pitchFamily="49" charset="0"/>
+                <a:cs typeface="Consolas" pitchFamily="49" charset="0"/>
+              </a:rPr>
+              <a:t>fitnesses</a:t>
+            </a:r>
+            <a:r>
+              <a:rPr lang="en-US" sz="1600" dirty="0">
+                <a:latin typeface="Consolas" pitchFamily="49" charset="0"/>
+                <a:cs typeface="Consolas" pitchFamily="49" charset="0"/>
+              </a:rPr>
+              <a:t> </a:t>
+            </a:r>
+            <a:r>
+              <a:rPr lang="en-US" sz="1600" dirty="0" smtClean="0">
+                <a:latin typeface="Consolas" pitchFamily="49" charset="0"/>
+                <a:cs typeface="Consolas" pitchFamily="49" charset="0"/>
+              </a:rPr>
+              <a:t>in population</a:t>
+            </a:r>
+          </a:p>
+          <a:p>
+            <a:pPr marL="342900" indent="-342900">
+              <a:buFont typeface="+mj-lt"/>
+              <a:buAutoNum type="arabicPeriod"/>
+            </a:pPr>
+            <a:r>
+              <a:rPr lang="en-US" sz="1600" dirty="0">
+                <a:latin typeface="Consolas" pitchFamily="49" charset="0"/>
+                <a:cs typeface="Consolas" pitchFamily="49" charset="0"/>
+              </a:rPr>
+              <a:t>Generate random number </a:t>
+            </a:r>
+            <a:r>
+              <a:rPr lang="en-US" sz="1600" dirty="0" smtClean="0">
+                <a:latin typeface="Consolas" pitchFamily="49" charset="0"/>
+                <a:cs typeface="Consolas" pitchFamily="49" charset="0"/>
+              </a:rPr>
+              <a:t>R from 0 to S</a:t>
+            </a:r>
+          </a:p>
+          <a:p>
+            <a:pPr marL="342900" indent="-342900">
+              <a:buFont typeface="+mj-lt"/>
+              <a:buAutoNum type="arabicPeriod"/>
+            </a:pPr>
+            <a:r>
+              <a:rPr lang="en-US" sz="1600" dirty="0" smtClean="0">
+                <a:latin typeface="Consolas" pitchFamily="49" charset="0"/>
+                <a:cs typeface="Consolas" pitchFamily="49" charset="0"/>
+              </a:rPr>
+              <a:t>While S' &lt; R </a:t>
+            </a:r>
+            <a:br>
+              <a:rPr lang="en-US" sz="1600" dirty="0" smtClean="0">
+                <a:latin typeface="Consolas" pitchFamily="49" charset="0"/>
+                <a:cs typeface="Consolas" pitchFamily="49" charset="0"/>
+              </a:rPr>
+            </a:br>
+            <a:r>
+              <a:rPr lang="en-US" sz="1600" dirty="0" smtClean="0">
+                <a:latin typeface="Consolas" pitchFamily="49" charset="0"/>
+                <a:cs typeface="Consolas" pitchFamily="49" charset="0"/>
+              </a:rPr>
+              <a:t>	Go </a:t>
+            </a:r>
+            <a:r>
+              <a:rPr lang="en-US" sz="1600" dirty="0">
+                <a:latin typeface="Consolas" pitchFamily="49" charset="0"/>
+                <a:cs typeface="Consolas" pitchFamily="49" charset="0"/>
+              </a:rPr>
+              <a:t>through the population and sum </a:t>
+            </a:r>
+            <a:r>
+              <a:rPr lang="en-US" sz="1600" dirty="0" err="1" smtClean="0">
+                <a:latin typeface="Consolas" pitchFamily="49" charset="0"/>
+                <a:cs typeface="Consolas" pitchFamily="49" charset="0"/>
+              </a:rPr>
+              <a:t>fitnesses</a:t>
+            </a:r>
+            <a:r>
+              <a:rPr lang="en-US" sz="1600" dirty="0" smtClean="0">
+                <a:latin typeface="Consolas" pitchFamily="49" charset="0"/>
+                <a:cs typeface="Consolas" pitchFamily="49" charset="0"/>
+              </a:rPr>
+              <a:t> in S'</a:t>
+            </a:r>
+          </a:p>
+          <a:p>
+            <a:pPr marL="342900" indent="-342900">
+              <a:buFont typeface="+mj-lt"/>
+              <a:buAutoNum type="arabicPeriod"/>
+            </a:pPr>
+            <a:r>
+              <a:rPr lang="en-US" sz="1600" dirty="0" smtClean="0">
+                <a:latin typeface="Consolas" pitchFamily="49" charset="0"/>
+                <a:cs typeface="Consolas" pitchFamily="49" charset="0"/>
+              </a:rPr>
+              <a:t>Return the chromosome where you are</a:t>
+            </a:r>
+            <a:endParaRPr lang="it-IT" sz="1600" dirty="0">
+              <a:latin typeface="Consolas" pitchFamily="49" charset="0"/>
+              <a:cs typeface="Consolas" pitchFamily="49" charset="0"/>
+            </a:endParaRPr>
+          </a:p>
+        </p:txBody>
+      </p:sp>
+    </p:spTree>
+    <p:extLst>
+      <p:ext uri="{BB962C8B-B14F-4D97-AF65-F5344CB8AC3E}">
+        <p14:creationId xmlns:p14="http://schemas.microsoft.com/office/powerpoint/2010/main" val="454526761"/>
+      </p:ext>
+    </p:extLst>
+  </p:cSld>
+  <p:clrMapOvr>
+    <a:masterClrMapping/>
+  </p:clrMapOvr>
+  <p:timing>
+    <p:tnLst>
+      <p:par>
+        <p:cTn id="1" dur="indefinite" restart="never" nodeType="tmRoot"/>
+      </p:par>
+    </p:tnLst>
+  </p:timing>
+</p:sld>
+</file>
+
+<file path=ppt/slides/slide22.xml><?xml version="1.0" encoding="utf-8"?>
+<p:sld xmlns:a="http://schemas.openxmlformats.org/drawingml/2006/main" xmlns:r="http://schemas.openxmlformats.org/officeDocument/2006/relationships" xmlns:p="http://schemas.openxmlformats.org/presentationml/2006/main">
+  <p:cSld>
+    <p:spTree>
+      <p:nvGrpSpPr>
+        <p:cNvPr id="1" name=""/>
+        <p:cNvGrpSpPr/>
+        <p:nvPr/>
+      </p:nvGrpSpPr>
+      <p:grpSpPr>
+        <a:xfrm>
+          <a:off x="0" y="0"/>
+          <a:ext cx="0" cy="0"/>
+          <a:chOff x="0" y="0"/>
+          <a:chExt cx="0" cy="0"/>
+        </a:xfrm>
+      </p:grpSpPr>
+      <p:sp>
+        <p:nvSpPr>
+          <p:cNvPr id="2" name="Titolo 1"/>
+          <p:cNvSpPr>
+            <a:spLocks noGrp="1"/>
+          </p:cNvSpPr>
+          <p:nvPr>
+            <p:ph type="title"/>
+          </p:nvPr>
+        </p:nvSpPr>
+        <p:spPr/>
+        <p:txBody>
+          <a:bodyPr/>
+          <a:lstStyle/>
+          <a:p>
+            <a:r>
+              <a:rPr lang="it-IT" dirty="0" err="1" smtClean="0"/>
+              <a:t>Recombination</a:t>
+            </a:r>
+            <a:endParaRPr lang="it-IT" dirty="0"/>
+          </a:p>
+        </p:txBody>
+      </p:sp>
+      <p:sp>
+        <p:nvSpPr>
+          <p:cNvPr id="3" name="Segnaposto contenuto 2"/>
+          <p:cNvSpPr>
+            <a:spLocks noGrp="1"/>
+          </p:cNvSpPr>
+          <p:nvPr>
+            <p:ph idx="1"/>
+          </p:nvPr>
+        </p:nvSpPr>
+        <p:spPr/>
+        <p:txBody>
+          <a:bodyPr/>
+          <a:lstStyle/>
+          <a:p>
+            <a:r>
+              <a:rPr lang="it-IT" dirty="0" err="1" smtClean="0"/>
+              <a:t>Recombination</a:t>
+            </a:r>
+            <a:r>
+              <a:rPr lang="it-IT" dirty="0" smtClean="0"/>
+              <a:t> </a:t>
+            </a:r>
+            <a:r>
+              <a:rPr lang="it-IT" dirty="0" err="1" smtClean="0"/>
+              <a:t>between</a:t>
+            </a:r>
+            <a:r>
+              <a:rPr lang="it-IT" dirty="0" smtClean="0"/>
+              <a:t> </a:t>
+            </a:r>
+            <a:r>
+              <a:rPr lang="it-IT" dirty="0" err="1" smtClean="0"/>
+              <a:t>two</a:t>
+            </a:r>
+            <a:r>
+              <a:rPr lang="it-IT" dirty="0" smtClean="0"/>
+              <a:t> or more </a:t>
+            </a:r>
+            <a:r>
+              <a:rPr lang="it-IT" dirty="0" err="1" smtClean="0"/>
+              <a:t>chromosomes</a:t>
+            </a:r>
+            <a:r>
+              <a:rPr lang="it-IT" dirty="0" smtClean="0"/>
+              <a:t> </a:t>
+            </a:r>
+            <a:r>
+              <a:rPr lang="it-IT" dirty="0" err="1" smtClean="0"/>
+              <a:t>is</a:t>
+            </a:r>
+            <a:r>
+              <a:rPr lang="it-IT" dirty="0" smtClean="0"/>
+              <a:t> </a:t>
+            </a:r>
+            <a:r>
+              <a:rPr lang="it-IT" dirty="0" err="1" smtClean="0"/>
+              <a:t>done</a:t>
+            </a:r>
+            <a:r>
+              <a:rPr lang="it-IT" dirty="0" smtClean="0"/>
+              <a:t> with the so </a:t>
+            </a:r>
+            <a:r>
+              <a:rPr lang="it-IT" dirty="0" err="1" smtClean="0"/>
+              <a:t>called</a:t>
+            </a:r>
+            <a:r>
+              <a:rPr lang="it-IT" dirty="0" smtClean="0"/>
+              <a:t> </a:t>
+            </a:r>
+            <a:r>
+              <a:rPr lang="it-IT" i="1" dirty="0" smtClean="0"/>
+              <a:t>crossover</a:t>
+            </a:r>
+            <a:r>
+              <a:rPr lang="it-IT" dirty="0" smtClean="0"/>
+              <a:t>.</a:t>
+            </a:r>
+            <a:endParaRPr lang="it-IT" i="1" dirty="0"/>
+          </a:p>
+        </p:txBody>
+      </p:sp>
+    </p:spTree>
+    <p:extLst>
+      <p:ext uri="{BB962C8B-B14F-4D97-AF65-F5344CB8AC3E}">
+        <p14:creationId xmlns:p14="http://schemas.microsoft.com/office/powerpoint/2010/main" val="1529510469"/>
+      </p:ext>
+    </p:extLst>
+  </p:cSld>
+  <p:clrMapOvr>
+    <a:masterClrMapping/>
+  </p:clrMapOvr>
+  <p:timing>
+    <p:tnLst>
+      <p:par>
+        <p:cTn id="1" dur="indefinite" restart="never" nodeType="tmRoot"/>
+      </p:par>
+    </p:tnLst>
+  </p:timing>
+</p:sld>
+</file>
+
+<file path=ppt/slides/slide23.xml><?xml version="1.0" encoding="utf-8"?>
+<p:sld xmlns:a="http://schemas.openxmlformats.org/drawingml/2006/main" xmlns:r="http://schemas.openxmlformats.org/officeDocument/2006/relationships" xmlns:p="http://schemas.openxmlformats.org/presentationml/2006/main">
+  <p:cSld>
+    <p:spTree>
+      <p:nvGrpSpPr>
+        <p:cNvPr id="1" name=""/>
+        <p:cNvGrpSpPr/>
+        <p:nvPr/>
+      </p:nvGrpSpPr>
+      <p:grpSpPr>
+        <a:xfrm>
+          <a:off x="0" y="0"/>
+          <a:ext cx="0" cy="0"/>
+          <a:chOff x="0" y="0"/>
+          <a:chExt cx="0" cy="0"/>
+        </a:xfrm>
+      </p:grpSpPr>
+      <p:sp>
+        <p:nvSpPr>
+          <p:cNvPr id="2" name="Titolo 1"/>
+          <p:cNvSpPr>
+            <a:spLocks noGrp="1"/>
+          </p:cNvSpPr>
+          <p:nvPr>
+            <p:ph type="title"/>
+          </p:nvPr>
+        </p:nvSpPr>
+        <p:spPr/>
+        <p:txBody>
+          <a:bodyPr/>
+          <a:lstStyle/>
+          <a:p>
+            <a:r>
+              <a:rPr lang="it-IT" dirty="0" err="1" smtClean="0"/>
+              <a:t>Mutation</a:t>
+            </a:r>
+            <a:endParaRPr lang="it-IT" dirty="0"/>
+          </a:p>
+        </p:txBody>
+      </p:sp>
+      <p:sp>
+        <p:nvSpPr>
+          <p:cNvPr id="3" name="Segnaposto contenuto 2"/>
+          <p:cNvSpPr>
+            <a:spLocks noGrp="1"/>
+          </p:cNvSpPr>
+          <p:nvPr>
+            <p:ph idx="1"/>
+          </p:nvPr>
+        </p:nvSpPr>
+        <p:spPr/>
+        <p:txBody>
+          <a:bodyPr/>
+          <a:lstStyle/>
+          <a:p>
+            <a:endParaRPr lang="it-IT"/>
+          </a:p>
+        </p:txBody>
+      </p:sp>
+    </p:spTree>
+    <p:extLst>
+      <p:ext uri="{BB962C8B-B14F-4D97-AF65-F5344CB8AC3E}">
+        <p14:creationId xmlns:p14="http://schemas.microsoft.com/office/powerpoint/2010/main" val="4293372086"/>
       </p:ext>
     </p:extLst>
   </p:cSld>
@@ -6583,7 +11830,23 @@
           <a:p>
             <a:r>
               <a:rPr lang="en-US" sz="2000" dirty="0" smtClean="0"/>
-              <a:t>For our purposes, we can simplified this action as a sum of those inputs values. Then, if this sum is greater than a </a:t>
+              <a:t>For our purposes, we can simplified this action as a sum of those inputs </a:t>
+            </a:r>
+            <a:r>
+              <a:rPr lang="en-US" sz="2000" dirty="0" smtClean="0"/>
+              <a:t>values, each one multiplied by an "importance factor", called </a:t>
+            </a:r>
+            <a:r>
+              <a:rPr lang="en-US" sz="2000" i="1" dirty="0" smtClean="0"/>
+              <a:t>weight</a:t>
+            </a:r>
+            <a:r>
+              <a:rPr lang="en-US" sz="2000" dirty="0" smtClean="0"/>
+              <a:t>. Then</a:t>
+            </a:r>
+            <a:r>
+              <a:rPr lang="en-US" sz="2000" dirty="0" smtClean="0"/>
+              <a:t>, if this sum is greater than a </a:t>
             </a:r>
             <a:r>
               <a:rPr lang="en-US" sz="2000" b="1" dirty="0" smtClean="0"/>
@@ -6628,7 +11891,7 @@
         </p:blipFill>
         <p:spPr bwMode="auto">
           <a:xfrm>
-            <a:off x="2411760" y="3501008"/>
+            <a:off x="2411760" y="3717032"/>
             <a:ext cx="4242594" cy="2668560"/>
           </a:xfrm>
           <a:prstGeom prst="rect">
@@ -7253,7 +12516,9 @@
             </p:nvSpPr>
             <p:spPr/>
             <p:txBody>
-              <a:bodyPr/>
+              <a:bodyPr>
+                <a:normAutofit/>
+              </a:bodyPr>
               <a:lstStyle/>
               <a:p>
                 <a:r>
@@ -7437,11 +12702,19 @@
                 </a:r>
                 <a:r>
                   <a:rPr lang="it-IT" dirty="0" err="1" smtClean="0"/>
-                  <a:t>ith</a:t>
+                  <a:t>i</a:t>
+                </a:r>
+                <a:r>
+                  <a:rPr lang="it-IT" baseline="30000" dirty="0" err="1"/>
+                  <a:t>th</a:t>
                 </a:r>
                 <a:r>
                   <a:rPr lang="it-IT" dirty="0" smtClean="0"/>
-                  <a:t> input for </a:t>
+                  <a:t> </a:t>
+                </a:r>
+                <a:r>
+                  <a:rPr lang="it-IT" dirty="0" smtClean="0"/>
+                  <a:t>input for </a:t>
                 </a:r>
                 <a14:m>
                   <m:oMath xmlns:m="http://schemas.openxmlformats.org/officeDocument/2006/math">
@@ -7517,15 +12790,35 @@
                 </a:r>
                 <a:r>
                   <a:rPr lang="it-IT" dirty="0" smtClean="0"/>
-                  <a:t> the </a:t>
+                  <a:t> </a:t>
+                </a:r>
+                <a:r>
+                  <a:rPr lang="it-IT" dirty="0" smtClean="0"/>
+                  <a:t>the </a:t>
                 </a:r>
                 <a:r>
                   <a:rPr lang="it-IT" dirty="0" err="1" smtClean="0"/>
-                  <a:t>ith</a:t>
+                  <a:t>weight</a:t>
                 </a:r>
                 <a:r>
                   <a:rPr lang="it-IT" dirty="0" smtClean="0"/>
-                  <a:t> input for </a:t>
+                  <a:t> of the </a:t>
+                </a:r>
+                <a:r>
+                  <a:rPr lang="it-IT" dirty="0" err="1" smtClean="0"/>
+                  <a:t>i</a:t>
+                </a:r>
+                <a:r>
+                  <a:rPr lang="it-IT" baseline="30000" dirty="0" err="1" smtClean="0"/>
+                  <a:t>th</a:t>
+                </a:r>
+                <a:r>
+                  <a:rPr lang="it-IT" dirty="0" smtClean="0"/>
+                  <a:t> </a:t>
+                </a:r>
+                <a:r>
+                  <a:rPr lang="it-IT" dirty="0" smtClean="0"/>
+                  <a:t>input for </a:t>
                 </a:r>
                 <a14:m>
                   <m:oMath xmlns:m="http://schemas.openxmlformats.org/officeDocument/2006/math">
@@ -7602,15 +12895,10 @@
                   <a:rPr lang="it-IT" dirty="0" smtClean="0"/>
                   <a:t>: </a:t>
                 </a:r>
+                <a:endParaRPr lang="it-IT" dirty="0" smtClean="0"/>
               </a:p>
               <a:p>
-                <a:pPr marL="274320" lvl="1" indent="0">
-                  <a:buNone/>
-                </a:pPr>
-                <a:endParaRPr lang="it-IT" i="1" dirty="0" smtClean="0"/>
-              </a:p>
-              <a:p>
-                <a:pPr marL="274320" lvl="1" indent="0" algn="ctr">
+                <a:pPr marL="0" indent="0" algn="ctr">
                   <a:buNone/>
                 </a:pPr>
                 <a:r>
@@ -7619,7 +12907,11 @@
                 </a:r>
                 <a:r>
                   <a:rPr lang="it-IT" sz="2400" i="1" dirty="0" smtClean="0"/>
-                  <a:t> (a &gt; </a:t>
+                  <a:t> </a:t>
+                </a:r>
+                <a:r>
+                  <a:rPr lang="it-IT" sz="2400" i="1" dirty="0" smtClean="0"/>
+                  <a:t>(a &gt; </a:t>
                 </a:r>
                 <a:r>
                   <a:rPr lang="it-IT" sz="2400" i="1" dirty="0" err="1" smtClean="0"/>
@@ -7653,6 +12945,82 @@
                   <a:rPr lang="it-IT" sz="2400" i="1" dirty="0" smtClean="0"/>
                   <a:t>);</a:t>
                 </a:r>
+              </a:p>
+              <a:p>
+                <a:pPr marL="0" indent="0">
+                  <a:buNone/>
+                </a:pPr>
+                <a:endParaRPr lang="it-IT" i="1" dirty="0"/>
+              </a:p>
+              <a:p>
+                <a:r>
+                  <a:rPr lang="it-IT" sz="2400" dirty="0" err="1" smtClean="0"/>
+                  <a:t>As</a:t>
+                </a:r>
+                <a:r>
+                  <a:rPr lang="it-IT" sz="2400" dirty="0" smtClean="0"/>
+                  <a:t> </a:t>
+                </a:r>
+                <a:r>
+                  <a:rPr lang="it-IT" sz="2400" dirty="0" err="1" smtClean="0"/>
+                  <a:t>we</a:t>
+                </a:r>
+                <a:r>
+                  <a:rPr lang="it-IT" sz="2400" dirty="0" smtClean="0"/>
+                  <a:t> can </a:t>
+                </a:r>
+                <a:r>
+                  <a:rPr lang="it-IT" sz="2400" dirty="0" err="1" smtClean="0"/>
+                  <a:t>see</a:t>
+                </a:r>
+                <a:r>
+                  <a:rPr lang="it-IT" sz="2400" dirty="0" smtClean="0"/>
+                  <a:t>, </a:t>
+                </a:r>
+                <a:r>
+                  <a:rPr lang="it-IT" sz="2400" dirty="0" err="1" smtClean="0"/>
+                  <a:t>weights</a:t>
+                </a:r>
+                <a:r>
+                  <a:rPr lang="it-IT" sz="2400" dirty="0" smtClean="0"/>
+                  <a:t> are </a:t>
+                </a:r>
+                <a:r>
+                  <a:rPr lang="it-IT" sz="2400" dirty="0" err="1" smtClean="0"/>
+                  <a:t>very</a:t>
+                </a:r>
+                <a:r>
+                  <a:rPr lang="it-IT" sz="2400" dirty="0" smtClean="0"/>
+                  <a:t> </a:t>
+                </a:r>
+                <a:r>
+                  <a:rPr lang="it-IT" sz="2400" dirty="0" err="1" smtClean="0"/>
+                  <a:t>crucial</a:t>
+                </a:r>
+                <a:r>
+                  <a:rPr lang="it-IT" sz="2400" dirty="0" smtClean="0"/>
+                  <a:t> for </a:t>
+                </a:r>
+                <a:r>
+                  <a:rPr lang="it-IT" sz="2400" dirty="0" err="1" smtClean="0"/>
+                  <a:t>our</a:t>
+                </a:r>
+                <a:r>
+                  <a:rPr lang="it-IT" sz="2400" dirty="0" smtClean="0"/>
+                  <a:t> </a:t>
+                </a:r>
+                <a:r>
+                  <a:rPr lang="it-IT" sz="2400" dirty="0" err="1" smtClean="0"/>
+                  <a:t>results</a:t>
+                </a:r>
+                <a:r>
+                  <a:rPr lang="it-IT" dirty="0"/>
+                  <a:t>!</a:t>
+                </a:r>
+                <a:endParaRPr lang="it-IT" sz="2400" dirty="0"/>
+              </a:p>
+              <a:p>
+                <a:pPr lvl="1"/>
                 <a:endParaRPr lang="it-IT" sz="2400" i="1" dirty="0"/>
               </a:p>
             </p:txBody>

--- a/presentation.pptx
+++ b/presentation.pptx
@@ -214,7 +214,7 @@
           <a:p>
             <a:fld id="{439984CF-8456-4B48-B076-D98EB683EED0}" type="datetimeFigureOut">
               <a:rPr lang="it-IT" smtClean="0"/>
-              <a:t>22/11/2012</a:t>
+              <a:t>23/11/2012</a:t>
             </a:fld>
             <a:endParaRPr lang="it-IT"/>
           </a:p>
@@ -838,7 +838,7 @@
           <a:p>
             <a:fld id="{BF936EAF-A2C7-4229-B0E9-A642D04707BE}" type="datetimeFigureOut">
               <a:rPr lang="it-IT" smtClean="0"/>
-              <a:t>22/11/2012</a:t>
+              <a:t>23/11/2012</a:t>
             </a:fld>
             <a:endParaRPr lang="it-IT"/>
           </a:p>
@@ -1038,7 +1038,7 @@
           <a:p>
             <a:fld id="{BF936EAF-A2C7-4229-B0E9-A642D04707BE}" type="datetimeFigureOut">
               <a:rPr lang="it-IT" smtClean="0"/>
-              <a:t>22/11/2012</a:t>
+              <a:t>23/11/2012</a:t>
             </a:fld>
             <a:endParaRPr lang="it-IT"/>
           </a:p>
@@ -1213,7 +1213,7 @@
           <a:p>
             <a:fld id="{BF936EAF-A2C7-4229-B0E9-A642D04707BE}" type="datetimeFigureOut">
               <a:rPr lang="it-IT" smtClean="0"/>
-              <a:t>22/11/2012</a:t>
+              <a:t>23/11/2012</a:t>
             </a:fld>
             <a:endParaRPr lang="it-IT"/>
           </a:p>
@@ -1378,7 +1378,7 @@
           <a:p>
             <a:fld id="{BF936EAF-A2C7-4229-B0E9-A642D04707BE}" type="datetimeFigureOut">
               <a:rPr lang="it-IT" smtClean="0"/>
-              <a:t>22/11/2012</a:t>
+              <a:t>23/11/2012</a:t>
             </a:fld>
             <a:endParaRPr lang="it-IT"/>
           </a:p>
@@ -1626,7 +1626,7 @@
           <a:p>
             <a:fld id="{BF936EAF-A2C7-4229-B0E9-A642D04707BE}" type="datetimeFigureOut">
               <a:rPr lang="it-IT" smtClean="0"/>
-              <a:t>22/11/2012</a:t>
+              <a:t>23/11/2012</a:t>
             </a:fld>
             <a:endParaRPr lang="it-IT"/>
           </a:p>
@@ -1944,7 +1944,7 @@
           <a:p>
             <a:fld id="{BF936EAF-A2C7-4229-B0E9-A642D04707BE}" type="datetimeFigureOut">
               <a:rPr lang="it-IT" smtClean="0"/>
-              <a:t>22/11/2012</a:t>
+              <a:t>23/11/2012</a:t>
             </a:fld>
             <a:endParaRPr lang="it-IT"/>
           </a:p>
@@ -2410,7 +2410,7 @@
           <a:p>
             <a:fld id="{BF936EAF-A2C7-4229-B0E9-A642D04707BE}" type="datetimeFigureOut">
               <a:rPr lang="it-IT" smtClean="0"/>
-              <a:t>22/11/2012</a:t>
+              <a:t>23/11/2012</a:t>
             </a:fld>
             <a:endParaRPr lang="it-IT"/>
           </a:p>
@@ -2558,7 +2558,7 @@
           <a:p>
             <a:fld id="{BF936EAF-A2C7-4229-B0E9-A642D04707BE}" type="datetimeFigureOut">
               <a:rPr lang="it-IT" smtClean="0"/>
-              <a:t>22/11/2012</a:t>
+              <a:t>23/11/2012</a:t>
             </a:fld>
             <a:endParaRPr lang="it-IT"/>
           </a:p>
@@ -2648,7 +2648,7 @@
           <a:p>
             <a:fld id="{BF936EAF-A2C7-4229-B0E9-A642D04707BE}" type="datetimeFigureOut">
               <a:rPr lang="it-IT" smtClean="0"/>
-              <a:t>22/11/2012</a:t>
+              <a:t>23/11/2012</a:t>
             </a:fld>
             <a:endParaRPr lang="it-IT"/>
           </a:p>
@@ -2922,7 +2922,7 @@
           <a:p>
             <a:fld id="{BF936EAF-A2C7-4229-B0E9-A642D04707BE}" type="datetimeFigureOut">
               <a:rPr lang="it-IT" smtClean="0"/>
-              <a:t>22/11/2012</a:t>
+              <a:t>23/11/2012</a:t>
             </a:fld>
             <a:endParaRPr lang="it-IT"/>
           </a:p>
@@ -3227,7 +3227,7 @@
           <a:p>
             <a:fld id="{BF936EAF-A2C7-4229-B0E9-A642D04707BE}" type="datetimeFigureOut">
               <a:rPr lang="it-IT" smtClean="0"/>
-              <a:t>22/11/2012</a:t>
+              <a:t>23/11/2012</a:t>
             </a:fld>
             <a:endParaRPr lang="it-IT"/>
           </a:p>
@@ -3525,7 +3525,7 @@
           <a:p>
             <a:fld id="{BF936EAF-A2C7-4229-B0E9-A642D04707BE}" type="datetimeFigureOut">
               <a:rPr lang="it-IT" smtClean="0"/>
-              <a:t>22/11/2012</a:t>
+              <a:t>23/11/2012</a:t>
             </a:fld>
             <a:endParaRPr lang="it-IT"/>
           </a:p>
@@ -4186,31 +4186,35 @@
             </a:r>
             <a:r>
               <a:rPr lang="it-IT" dirty="0" smtClean="0"/>
+              <a:t> or the input </a:t>
+            </a:r>
+            <a:r>
+              <a:rPr lang="it-IT" dirty="0" err="1" smtClean="0"/>
+              <a:t>obtained</a:t>
+            </a:r>
+            <a:r>
+              <a:rPr lang="it-IT" dirty="0" smtClean="0"/>
+              <a:t> from the </a:t>
+            </a:r>
+            <a:r>
+              <a:rPr lang="it-IT" dirty="0" err="1" smtClean="0"/>
+              <a:t>agent's</a:t>
+            </a:r>
+            <a:r>
+              <a:rPr lang="it-IT" dirty="0" smtClean="0"/>
               <a:t> </a:t>
             </a:r>
             <a:r>
-              <a:rPr lang="it-IT" dirty="0" smtClean="0"/>
-              <a:t>or </a:t>
-            </a:r>
-            <a:r>
-              <a:rPr lang="it-IT" dirty="0" smtClean="0"/>
-              <a:t>the input </a:t>
-            </a:r>
-            <a:r>
-              <a:rPr lang="it-IT" dirty="0" err="1" smtClean="0"/>
-              <a:t>obtained</a:t>
-            </a:r>
-            <a:r>
-              <a:rPr lang="it-IT" dirty="0" smtClean="0"/>
-              <a:t> from </a:t>
-            </a:r>
-            <a:r>
-              <a:rPr lang="it-IT" dirty="0" smtClean="0"/>
-              <a:t>the </a:t>
-            </a:r>
-            <a:r>
-              <a:rPr lang="it-IT" dirty="0" err="1" smtClean="0"/>
-              <a:t>agent's</a:t>
+              <a:rPr lang="it-IT" dirty="0" err="1" smtClean="0"/>
+              <a:t>sensors</a:t>
+            </a:r>
+            <a:r>
+              <a:rPr lang="it-IT" dirty="0" smtClean="0"/>
+              <a:t>, </a:t>
+            </a:r>
+            <a:r>
+              <a:rPr lang="it-IT" dirty="0" err="1" smtClean="0"/>
+              <a:t>properly</a:t>
             </a:r>
             <a:r>
               <a:rPr lang="it-IT" dirty="0" smtClean="0"/>
@@ -4218,35 +4222,11 @@
             </a:r>
             <a:r>
               <a:rPr lang="it-IT" dirty="0" err="1" smtClean="0"/>
-              <a:t>sensors</a:t>
-            </a:r>
-            <a:r>
-              <a:rPr lang="it-IT" dirty="0" smtClean="0"/>
-              <a:t>,</a:t>
-            </a:r>
-            <a:r>
-              <a:rPr lang="it-IT" dirty="0" smtClean="0"/>
-              <a:t> </a:t>
-            </a:r>
-            <a:r>
-              <a:rPr lang="it-IT" dirty="0" err="1" smtClean="0"/>
-              <a:t>properly</a:t>
-            </a:r>
-            <a:r>
-              <a:rPr lang="it-IT" dirty="0" smtClean="0"/>
-              <a:t> </a:t>
-            </a:r>
-            <a:r>
-              <a:rPr lang="it-IT" dirty="0" err="1" smtClean="0"/>
               <a:t>discretized</a:t>
             </a:r>
             <a:r>
               <a:rPr lang="it-IT" dirty="0" smtClean="0"/>
               <a:t>.</a:t>
-            </a:r>
-            <a:r>
-              <a:rPr lang="it-IT" dirty="0" smtClean="0"/>
-              <a:t/>
             </a:r>
             <a:br>
               <a:rPr lang="it-IT" dirty="0" smtClean="0"/>
@@ -5402,11 +5382,7 @@
             </a:r>
             <a:r>
               <a:rPr lang="it-IT" dirty="0" smtClean="0"/>
-              <a:t> to the right output</a:t>
-            </a:r>
-            <a:r>
-              <a:rPr lang="it-IT" dirty="0" smtClean="0"/>
-              <a:t>.</a:t>
+              <a:t> to the right output.</a:t>
             </a:r>
           </a:p>
           <a:p>
@@ -5728,11 +5704,11 @@
   <p:clrMapOvr>
     <a:masterClrMapping/>
   </p:clrMapOvr>
-  <mc:AlternateContent xmlns:mc="http://schemas.openxmlformats.org/markup-compatibility/2006">
-    <mc:Choice xmlns:p14="http://schemas.microsoft.com/office/powerpoint/2010/main" Requires="p14">
+  <mc:AlternateContent xmlns:mc="http://schemas.openxmlformats.org/markup-compatibility/2006" xmlns:p14="http://schemas.microsoft.com/office/powerpoint/2010/main">
+    <mc:Choice Requires="p14">
       <p:transition spd="slow" p14:dur="2000"/>
     </mc:Choice>
-    <mc:Fallback>
+    <mc:Fallback xmlns="">
       <p:transition spd="slow"/>
     </mc:Fallback>
   </mc:AlternateContent>
@@ -5987,7 +5963,6 @@
               <a:rPr lang="it-IT" dirty="0"/>
               <a:t>!</a:t>
             </a:r>
-            <a:endParaRPr lang="it-IT" dirty="0"/>
           </a:p>
           <a:p>
             <a:pPr algn="ctr"/>
@@ -6771,7 +6746,6 @@
               <a:rPr lang="it-IT" dirty="0"/>
               <a:t>3</a:t>
             </a:r>
-            <a:endParaRPr lang="it-IT" dirty="0"/>
           </a:p>
         </p:txBody>
       </p:sp>
@@ -6809,7 +6783,6 @@
               <a:rPr lang="it-IT" dirty="0"/>
               <a:t>6</a:t>
             </a:r>
-            <a:endParaRPr lang="it-IT" dirty="0"/>
           </a:p>
         </p:txBody>
       </p:sp>
@@ -6884,7 +6857,6 @@
               <a:rPr lang="it-IT" dirty="0"/>
               <a:t>4</a:t>
             </a:r>
-            <a:endParaRPr lang="it-IT" dirty="0"/>
           </a:p>
         </p:txBody>
       </p:sp>
@@ -6922,7 +6894,6 @@
               <a:rPr lang="it-IT" dirty="0"/>
               <a:t>5</a:t>
             </a:r>
-            <a:endParaRPr lang="it-IT" dirty="0"/>
           </a:p>
         </p:txBody>
       </p:sp>
@@ -6960,7 +6931,6 @@
               <a:rPr lang="it-IT" dirty="0"/>
               <a:t>7</a:t>
             </a:r>
-            <a:endParaRPr lang="it-IT" dirty="0"/>
           </a:p>
         </p:txBody>
       </p:sp>
@@ -7281,7 +7251,6 @@
               <a:rPr lang="it-IT" dirty="0"/>
               <a:t>3</a:t>
             </a:r>
-            <a:endParaRPr lang="it-IT" dirty="0"/>
           </a:p>
         </p:txBody>
       </p:sp>
@@ -7319,7 +7288,6 @@
               <a:rPr lang="it-IT" dirty="0"/>
               <a:t>6</a:t>
             </a:r>
-            <a:endParaRPr lang="it-IT" dirty="0"/>
           </a:p>
         </p:txBody>
       </p:sp>
@@ -7394,7 +7362,6 @@
               <a:rPr lang="it-IT" dirty="0"/>
               <a:t>4</a:t>
             </a:r>
-            <a:endParaRPr lang="it-IT" dirty="0"/>
           </a:p>
         </p:txBody>
       </p:sp>
@@ -7432,7 +7399,6 @@
               <a:rPr lang="it-IT" dirty="0"/>
               <a:t>5</a:t>
             </a:r>
-            <a:endParaRPr lang="it-IT" dirty="0"/>
           </a:p>
         </p:txBody>
       </p:sp>
@@ -7470,7 +7436,6 @@
               <a:rPr lang="it-IT" dirty="0"/>
               <a:t>7</a:t>
             </a:r>
-            <a:endParaRPr lang="it-IT" dirty="0"/>
           </a:p>
         </p:txBody>
       </p:sp>
@@ -7879,7 +7844,6 @@
               <a:rPr lang="it-IT" dirty="0"/>
               <a:t>3</a:t>
             </a:r>
-            <a:endParaRPr lang="it-IT" dirty="0"/>
           </a:p>
         </p:txBody>
       </p:sp>
@@ -7917,7 +7881,6 @@
               <a:rPr lang="it-IT" dirty="0"/>
               <a:t>6</a:t>
             </a:r>
-            <a:endParaRPr lang="it-IT" dirty="0"/>
           </a:p>
         </p:txBody>
       </p:sp>
@@ -7992,7 +7955,6 @@
               <a:rPr lang="it-IT" dirty="0"/>
               <a:t>4</a:t>
             </a:r>
-            <a:endParaRPr lang="it-IT" dirty="0"/>
           </a:p>
         </p:txBody>
       </p:sp>
@@ -8030,7 +7992,6 @@
               <a:rPr lang="it-IT" dirty="0"/>
               <a:t>5</a:t>
             </a:r>
-            <a:endParaRPr lang="it-IT" dirty="0"/>
           </a:p>
         </p:txBody>
       </p:sp>
@@ -8068,7 +8029,6 @@
               <a:rPr lang="it-IT" dirty="0"/>
               <a:t>7</a:t>
             </a:r>
-            <a:endParaRPr lang="it-IT" dirty="0"/>
           </a:p>
         </p:txBody>
       </p:sp>
@@ -9298,7 +9258,6 @@
                 <a:rPr lang="it-IT" dirty="0"/>
                 <a:t>7</a:t>
               </a:r>
-              <a:endParaRPr lang="it-IT" dirty="0"/>
             </a:p>
           </p:txBody>
         </p:sp>
@@ -9388,7 +9347,6 @@
                 <a:rPr lang="it-IT" dirty="0"/>
                 <a:t>2</a:t>
               </a:r>
-              <a:endParaRPr lang="it-IT" dirty="0"/>
             </a:p>
           </p:txBody>
         </p:sp>
@@ -9567,7 +9525,6 @@
                 <a:rPr lang="it-IT" dirty="0"/>
                 <a:t>2</a:t>
               </a:r>
-              <a:endParaRPr lang="it-IT" dirty="0"/>
             </a:p>
           </p:txBody>
         </p:sp>
@@ -10128,34 +10085,26 @@
             </a:r>
             <a:r>
               <a:rPr lang="it-IT" dirty="0" smtClean="0"/>
+              <a:t> networks</a:t>
+            </a:r>
+          </a:p>
+          <a:p>
+            <a:pPr lvl="1"/>
+            <a:r>
+              <a:rPr lang="it-IT" dirty="0" err="1" smtClean="0"/>
+              <a:t>Different</a:t>
+            </a:r>
+            <a:r>
+              <a:rPr lang="it-IT" dirty="0" smtClean="0"/>
               <a:t> </a:t>
             </a:r>
             <a:r>
-              <a:rPr lang="it-IT" dirty="0" smtClean="0"/>
-              <a:t>networks</a:t>
-            </a:r>
-          </a:p>
-          <a:p>
-            <a:pPr lvl="1"/>
-            <a:r>
-              <a:rPr lang="it-IT" dirty="0" err="1" smtClean="0"/>
-              <a:t>Different</a:t>
-            </a:r>
-            <a:r>
-              <a:rPr lang="it-IT" dirty="0" smtClean="0"/>
-              <a:t> </a:t>
-            </a:r>
-            <a:r>
               <a:rPr lang="it-IT" dirty="0" err="1" smtClean="0"/>
               <a:t>kinds</a:t>
             </a:r>
             <a:r>
               <a:rPr lang="it-IT" dirty="0" smtClean="0"/>
               <a:t> of networks</a:t>
-            </a:r>
-            <a:r>
-              <a:rPr lang="it-IT" dirty="0" smtClean="0"/>
-              <a:t/>
             </a:r>
             <a:br>
               <a:rPr lang="it-IT" dirty="0" smtClean="0"/>
@@ -10215,7 +10164,6 @@
               <a:rPr lang="it-IT" dirty="0" smtClean="0"/>
               <a:t> a new generation</a:t>
             </a:r>
-            <a:endParaRPr lang="it-IT" dirty="0" smtClean="0"/>
           </a:p>
           <a:p>
             <a:pPr lvl="1"/>
@@ -10350,11 +10298,11 @@
             </a:r>
             <a:r>
               <a:rPr lang="it-IT" dirty="0" smtClean="0"/>
-              <a:t>. A </a:t>
-            </a:r>
-            <a:r>
-              <a:rPr lang="it-IT" dirty="0" err="1" smtClean="0"/>
-              <a:t>better</a:t>
+              <a:t>. </a:t>
+            </a:r>
+            <a:r>
+              <a:rPr lang="it-IT" dirty="0" err="1" smtClean="0"/>
+              <a:t>We</a:t>
             </a:r>
             <a:r>
               <a:rPr lang="it-IT" dirty="0" smtClean="0"/>
@@ -10362,52 +10310,33 @@
             </a:r>
             <a:r>
               <a:rPr lang="it-IT" dirty="0" err="1" smtClean="0"/>
-              <a:t>known</a:t>
+              <a:t>will</a:t>
+            </a:r>
+            <a:r>
+              <a:rPr lang="it-IT" dirty="0" smtClean="0"/>
+              <a:t> call </a:t>
+            </a:r>
+            <a:r>
+              <a:rPr lang="it-IT" dirty="0" err="1" smtClean="0"/>
+              <a:t>it</a:t>
             </a:r>
             <a:r>
               <a:rPr lang="it-IT" dirty="0" smtClean="0"/>
               <a:t> </a:t>
             </a:r>
             <a:r>
-              <a:rPr lang="it-IT" dirty="0" err="1" smtClean="0"/>
-              <a:t>name</a:t>
-            </a:r>
-            <a:r>
-              <a:rPr lang="it-IT" dirty="0" smtClean="0"/>
-              <a:t> for </a:t>
-            </a:r>
-            <a:r>
-              <a:rPr lang="it-IT" dirty="0" err="1" smtClean="0"/>
-              <a:t>this</a:t>
-            </a:r>
-            <a:r>
-              <a:rPr lang="it-IT" dirty="0" smtClean="0"/>
-              <a:t> </a:t>
-            </a:r>
-            <a:r>
-              <a:rPr lang="it-IT" dirty="0" err="1" smtClean="0"/>
-              <a:t>number</a:t>
-            </a:r>
-            <a:r>
-              <a:rPr lang="it-IT" dirty="0" smtClean="0"/>
-              <a:t> </a:t>
-            </a:r>
-            <a:r>
-              <a:rPr lang="it-IT" dirty="0" err="1" smtClean="0"/>
-              <a:t>is</a:t>
-            </a:r>
-            <a:r>
-              <a:rPr lang="it-IT" dirty="0" smtClean="0"/>
-              <a:t> </a:t>
-            </a:r>
-            <a:r>
               <a:rPr lang="it-IT" i="1" dirty="0" smtClean="0"/>
-              <a:t>fitness</a:t>
+              <a:t>fitness </a:t>
+            </a:r>
+            <a:r>
+              <a:rPr lang="it-IT" i="1" dirty="0" err="1" smtClean="0"/>
+              <a:t>value</a:t>
             </a:r>
             <a:r>
               <a:rPr lang="it-IT" dirty="0" smtClean="0"/>
               <a:t>.</a:t>
             </a:r>
+            <a:endParaRPr lang="it-IT" dirty="0" smtClean="0"/>
           </a:p>
           <a:p>
             <a:endParaRPr lang="it-IT" i="1" dirty="0"/>
@@ -10822,14 +10751,14 @@
                 <a:latin typeface="Consolas" pitchFamily="49" charset="0"/>
                 <a:cs typeface="Consolas" pitchFamily="49" charset="0"/>
               </a:rPr>
-              <a:t>	Go </a:t>
-            </a:r>
-            <a:r>
-              <a:rPr lang="en-US" sz="1600" dirty="0">
+              <a:t>	</a:t>
+            </a:r>
+            <a:r>
+              <a:rPr lang="en-US" sz="1600" dirty="0" smtClean="0">
                 <a:latin typeface="Consolas" pitchFamily="49" charset="0"/>
                 <a:cs typeface="Consolas" pitchFamily="49" charset="0"/>
               </a:rPr>
-              <a:t>through the population and sum </a:t>
+              <a:t>Re-sum </a:t>
             </a:r>
             <a:r>
               <a:rPr lang="en-US" sz="1600" dirty="0" err="1" smtClean="0">
@@ -10843,8 +10772,19 @@
                 <a:latin typeface="Consolas" pitchFamily="49" charset="0"/>
                 <a:cs typeface="Consolas" pitchFamily="49" charset="0"/>
               </a:rPr>
-              <a:t> in S'</a:t>
-            </a:r>
+              <a:t> in S</a:t>
+            </a:r>
+            <a:r>
+              <a:rPr lang="en-US" sz="1600" dirty="0" smtClean="0">
+                <a:latin typeface="Consolas" pitchFamily="49" charset="0"/>
+                <a:cs typeface="Consolas" pitchFamily="49" charset="0"/>
+              </a:rPr>
+              <a:t>' for each chromosome</a:t>
+            </a:r>
+            <a:endParaRPr lang="en-US" sz="1600" dirty="0" smtClean="0">
+              <a:latin typeface="Consolas" pitchFamily="49" charset="0"/>
+              <a:cs typeface="Consolas" pitchFamily="49" charset="0"/>
+            </a:endParaRPr>
           </a:p>
           <a:p>
             <a:pPr marL="342900" indent="-342900">
@@ -10856,7 +10796,14 @@
                 <a:latin typeface="Consolas" pitchFamily="49" charset="0"/>
                 <a:cs typeface="Consolas" pitchFamily="49" charset="0"/>
               </a:rPr>
-              <a:t>Return the chromosome where you are</a:t>
+              <a:t>Return the </a:t>
+            </a:r>
+            <a:r>
+              <a:rPr lang="en-US" sz="1600" dirty="0" smtClean="0">
+                <a:latin typeface="Consolas" pitchFamily="49" charset="0"/>
+                <a:cs typeface="Consolas" pitchFamily="49" charset="0"/>
+              </a:rPr>
+              <a:t>last accessed chromosome</a:t>
             </a:r>
             <a:endParaRPr lang="it-IT" sz="1600" dirty="0">
               <a:latin typeface="Consolas" pitchFamily="49" charset="0"/>
@@ -10918,8 +10865,8 @@
           <a:lstStyle/>
           <a:p>
             <a:r>
-              <a:rPr lang="it-IT" dirty="0" err="1" smtClean="0"/>
-              <a:t>Recombination</a:t>
+              <a:rPr lang="it-IT" dirty="0" smtClean="0"/>
+              <a:t>Crossover</a:t>
             </a:r>
             <a:endParaRPr lang="it-IT" dirty="0"/>
           </a:p>
@@ -10941,8 +10888,20 @@
           <a:lstStyle/>
           <a:p>
             <a:r>
-              <a:rPr lang="it-IT" dirty="0" err="1" smtClean="0"/>
-              <a:t>Recombination</a:t>
+              <a:rPr lang="it-IT" dirty="0" smtClean="0"/>
+              <a:t>Crossover </a:t>
+            </a:r>
+            <a:r>
+              <a:rPr lang="it-IT" dirty="0" err="1" smtClean="0"/>
+              <a:t>is</a:t>
+            </a:r>
+            <a:r>
+              <a:rPr lang="it-IT" dirty="0" smtClean="0"/>
+              <a:t> the </a:t>
+            </a:r>
+            <a:r>
+              <a:rPr lang="it-IT" dirty="0" err="1" smtClean="0"/>
+              <a:t>recombination</a:t>
             </a:r>
             <a:r>
               <a:rPr lang="it-IT" dirty="0" smtClean="0"/>
@@ -10950,6 +10909,14 @@
             </a:r>
             <a:r>
               <a:rPr lang="it-IT" dirty="0" err="1" smtClean="0"/>
+              <a:t>method</a:t>
+            </a:r>
+            <a:r>
+              <a:rPr lang="it-IT" dirty="0" smtClean="0"/>
+              <a:t> </a:t>
+            </a:r>
+            <a:r>
+              <a:rPr lang="it-IT" dirty="0" err="1" smtClean="0"/>
               <a:t>between</a:t>
             </a:r>
             <a:r>
@@ -10967,38 +10934,6 @@
             <a:r>
               <a:rPr lang="it-IT" dirty="0" err="1" smtClean="0"/>
               <a:t>chromosomes</a:t>
-            </a:r>
-            <a:r>
-              <a:rPr lang="it-IT" dirty="0" smtClean="0"/>
-              <a:t> </a:t>
-            </a:r>
-            <a:r>
-              <a:rPr lang="it-IT" dirty="0" err="1" smtClean="0"/>
-              <a:t>is</a:t>
-            </a:r>
-            <a:r>
-              <a:rPr lang="it-IT" dirty="0" smtClean="0"/>
-              <a:t> </a:t>
-            </a:r>
-            <a:r>
-              <a:rPr lang="it-IT" dirty="0" err="1" smtClean="0"/>
-              <a:t>done</a:t>
-            </a:r>
-            <a:r>
-              <a:rPr lang="it-IT" dirty="0" smtClean="0"/>
-              <a:t> with the so </a:t>
-            </a:r>
-            <a:r>
-              <a:rPr lang="it-IT" dirty="0" err="1" smtClean="0"/>
-              <a:t>called</a:t>
-            </a:r>
-            <a:r>
-              <a:rPr lang="it-IT" dirty="0" smtClean="0"/>
-              <a:t> </a:t>
-            </a:r>
-            <a:r>
-              <a:rPr lang="it-IT" i="1" dirty="0" smtClean="0"/>
-              <a:t>crossover</a:t>
             </a:r>
             <a:r>
               <a:rPr lang="it-IT" dirty="0" smtClean="0"/>
@@ -11830,11 +11765,7 @@
           <a:p>
             <a:r>
               <a:rPr lang="en-US" sz="2000" dirty="0" smtClean="0"/>
-              <a:t>For our purposes, we can simplified this action as a sum of those inputs </a:t>
-            </a:r>
-            <a:r>
-              <a:rPr lang="en-US" sz="2000" dirty="0" smtClean="0"/>
-              <a:t>values, each one multiplied by an "importance factor", called </a:t>
+              <a:t>For our purposes, we can simplified this action as a sum of those inputs values, each one multiplied by an "importance factor", called </a:t>
             </a:r>
             <a:r>
               <a:rPr lang="en-US" sz="2000" i="1" dirty="0" smtClean="0"/>
@@ -11842,11 +11773,7 @@
             </a:r>
             <a:r>
               <a:rPr lang="en-US" sz="2000" dirty="0" smtClean="0"/>
-              <a:t>. Then</a:t>
-            </a:r>
-            <a:r>
-              <a:rPr lang="en-US" sz="2000" dirty="0" smtClean="0"/>
-              <a:t>, if this sum is greater than a </a:t>
+              <a:t>. Then, if this sum is greater than a </a:t>
             </a:r>
             <a:r>
               <a:rPr lang="en-US" sz="2000" b="1" dirty="0" smtClean="0"/>
@@ -12502,8 +12429,8 @@
           </a:p>
         </p:txBody>
       </p:sp>
-      <mc:AlternateContent xmlns:mc="http://schemas.openxmlformats.org/markup-compatibility/2006">
-        <mc:Choice xmlns:a14="http://schemas.microsoft.com/office/drawing/2010/main" Requires="a14">
+      <mc:AlternateContent xmlns:mc="http://schemas.openxmlformats.org/markup-compatibility/2006" xmlns:a14="http://schemas.microsoft.com/office/drawing/2010/main">
+        <mc:Choice Requires="a14">
           <p:sp>
             <p:nvSpPr>
               <p:cNvPr id="3" name="Segnaposto contenuto 2"/>
@@ -12710,11 +12637,7 @@
                 </a:r>
                 <a:r>
                   <a:rPr lang="it-IT" dirty="0" smtClean="0"/>
-                  <a:t> </a:t>
-                </a:r>
-                <a:r>
-                  <a:rPr lang="it-IT" dirty="0" smtClean="0"/>
-                  <a:t>input for </a:t>
+                  <a:t> input for </a:t>
                 </a:r>
                 <a14:m>
                   <m:oMath xmlns:m="http://schemas.openxmlformats.org/officeDocument/2006/math">
@@ -12790,11 +12713,7 @@
                 </a:r>
                 <a:r>
                   <a:rPr lang="it-IT" dirty="0" smtClean="0"/>
-                  <a:t> </a:t>
-                </a:r>
-                <a:r>
-                  <a:rPr lang="it-IT" dirty="0" smtClean="0"/>
-                  <a:t>the </a:t>
+                  <a:t> the </a:t>
                 </a:r>
                 <a:r>
                   <a:rPr lang="it-IT" dirty="0" err="1" smtClean="0"/>
@@ -12814,11 +12733,7 @@
                 </a:r>
                 <a:r>
                   <a:rPr lang="it-IT" dirty="0" smtClean="0"/>
-                  <a:t> </a:t>
-                </a:r>
-                <a:r>
-                  <a:rPr lang="it-IT" dirty="0" smtClean="0"/>
-                  <a:t>input for </a:t>
+                  <a:t> input for </a:t>
                 </a:r>
                 <a14:m>
                   <m:oMath xmlns:m="http://schemas.openxmlformats.org/officeDocument/2006/math">
@@ -12895,7 +12810,6 @@
                   <a:rPr lang="it-IT" dirty="0" smtClean="0"/>
                   <a:t>: </a:t>
                 </a:r>
-                <a:endParaRPr lang="it-IT" dirty="0" smtClean="0"/>
               </a:p>
               <a:p>
                 <a:pPr marL="0" indent="0" algn="ctr">
@@ -12907,11 +12821,7 @@
                 </a:r>
                 <a:r>
                   <a:rPr lang="it-IT" sz="2400" i="1" dirty="0" smtClean="0"/>
-                  <a:t> </a:t>
-                </a:r>
-                <a:r>
-                  <a:rPr lang="it-IT" sz="2400" i="1" dirty="0" smtClean="0"/>
-                  <a:t>(a &gt; </a:t>
+                  <a:t> (a &gt; </a:t>
                 </a:r>
                 <a:r>
                   <a:rPr lang="it-IT" sz="2400" i="1" dirty="0" err="1" smtClean="0"/>
@@ -13026,7 +12936,7 @@
             </p:txBody>
           </p:sp>
         </mc:Choice>
-        <mc:Fallback>
+        <mc:Fallback xmlns="">
           <p:sp>
             <p:nvSpPr>
               <p:cNvPr id="3" name="Segnaposto contenuto 2"/>

--- a/presentation.pptx
+++ b/presentation.pptx
@@ -5,7 +5,7 @@
     <p:sldMasterId id="2147483660" r:id="rId1"/>
   </p:sldMasterIdLst>
   <p:notesMasterIdLst>
-    <p:notesMasterId r:id="rId25"/>
+    <p:notesMasterId r:id="rId27"/>
   </p:notesMasterIdLst>
   <p:sldIdLst>
     <p:sldId id="256" r:id="rId2"/>
@@ -20,17 +20,19 @@
     <p:sldId id="265" r:id="rId11"/>
     <p:sldId id="266" r:id="rId12"/>
     <p:sldId id="268" r:id="rId13"/>
-    <p:sldId id="267" r:id="rId14"/>
-    <p:sldId id="269" r:id="rId15"/>
-    <p:sldId id="270" r:id="rId16"/>
-    <p:sldId id="271" r:id="rId17"/>
-    <p:sldId id="272" r:id="rId18"/>
-    <p:sldId id="273" r:id="rId19"/>
-    <p:sldId id="274" r:id="rId20"/>
-    <p:sldId id="275" r:id="rId21"/>
-    <p:sldId id="276" r:id="rId22"/>
-    <p:sldId id="277" r:id="rId23"/>
-    <p:sldId id="278" r:id="rId24"/>
+    <p:sldId id="269" r:id="rId14"/>
+    <p:sldId id="270" r:id="rId15"/>
+    <p:sldId id="271" r:id="rId16"/>
+    <p:sldId id="272" r:id="rId17"/>
+    <p:sldId id="273" r:id="rId18"/>
+    <p:sldId id="274" r:id="rId19"/>
+    <p:sldId id="275" r:id="rId20"/>
+    <p:sldId id="276" r:id="rId21"/>
+    <p:sldId id="277" r:id="rId22"/>
+    <p:sldId id="278" r:id="rId23"/>
+    <p:sldId id="279" r:id="rId24"/>
+    <p:sldId id="280" r:id="rId25"/>
+    <p:sldId id="281" r:id="rId26"/>
   </p:sldIdLst>
   <p:sldSz cx="9144000" cy="6858000" type="screen4x3"/>
   <p:notesSz cx="6858000" cy="9144000"/>
@@ -5514,215 +5516,6 @@
 </file>
 
 <file path=ppt/slides/slide13.xml><?xml version="1.0" encoding="utf-8"?>
-<p:sld xmlns:a="http://schemas.openxmlformats.org/drawingml/2006/main" xmlns:r="http://schemas.openxmlformats.org/officeDocument/2006/relationships" xmlns:p="http://schemas.openxmlformats.org/presentationml/2006/main" show="0">
-  <p:cSld>
-    <p:spTree>
-      <p:nvGrpSpPr>
-        <p:cNvPr id="1" name=""/>
-        <p:cNvGrpSpPr/>
-        <p:nvPr/>
-      </p:nvGrpSpPr>
-      <p:grpSpPr>
-        <a:xfrm>
-          <a:off x="0" y="0"/>
-          <a:ext cx="0" cy="0"/>
-          <a:chOff x="0" y="0"/>
-          <a:chExt cx="0" cy="0"/>
-        </a:xfrm>
-      </p:grpSpPr>
-      <p:sp>
-        <p:nvSpPr>
-          <p:cNvPr id="2" name="Titolo 1"/>
-          <p:cNvSpPr>
-            <a:spLocks noGrp="1"/>
-          </p:cNvSpPr>
-          <p:nvPr>
-            <p:ph type="title"/>
-          </p:nvPr>
-        </p:nvSpPr>
-        <p:spPr/>
-        <p:txBody>
-          <a:bodyPr/>
-          <a:lstStyle/>
-          <a:p>
-            <a:r>
-              <a:rPr lang="it-IT" dirty="0" smtClean="0"/>
-              <a:t>A </a:t>
-            </a:r>
-            <a:r>
-              <a:rPr lang="it-IT" dirty="0" err="1" smtClean="0"/>
-              <a:t>simple</a:t>
-            </a:r>
-            <a:r>
-              <a:rPr lang="it-IT" dirty="0" smtClean="0"/>
-              <a:t> </a:t>
-            </a:r>
-            <a:r>
-              <a:rPr lang="it-IT" dirty="0" err="1" smtClean="0"/>
-              <a:t>example</a:t>
-            </a:r>
-            <a:r>
-              <a:rPr lang="it-IT" dirty="0" smtClean="0"/>
-              <a:t>: AND</a:t>
-            </a:r>
-            <a:endParaRPr lang="it-IT" dirty="0"/>
-          </a:p>
-        </p:txBody>
-      </p:sp>
-      <p:sp>
-        <p:nvSpPr>
-          <p:cNvPr id="3" name="Segnaposto contenuto 2"/>
-          <p:cNvSpPr>
-            <a:spLocks noGrp="1"/>
-          </p:cNvSpPr>
-          <p:nvPr>
-            <p:ph idx="1"/>
-          </p:nvPr>
-        </p:nvSpPr>
-        <p:spPr/>
-        <p:txBody>
-          <a:bodyPr/>
-          <a:lstStyle/>
-          <a:p>
-            <a:r>
-              <a:rPr lang="it-IT" dirty="0" err="1" smtClean="0"/>
-              <a:t>We</a:t>
-            </a:r>
-            <a:r>
-              <a:rPr lang="it-IT" dirty="0" smtClean="0"/>
-              <a:t> </a:t>
-            </a:r>
-            <a:r>
-              <a:rPr lang="it-IT" dirty="0" err="1" smtClean="0"/>
-              <a:t>want</a:t>
-            </a:r>
-            <a:r>
-              <a:rPr lang="it-IT" dirty="0" smtClean="0"/>
-              <a:t> </a:t>
-            </a:r>
-            <a:r>
-              <a:rPr lang="it-IT" dirty="0" err="1" smtClean="0"/>
-              <a:t>implement</a:t>
-            </a:r>
-            <a:r>
-              <a:rPr lang="it-IT" dirty="0" smtClean="0"/>
-              <a:t> the AND </a:t>
-            </a:r>
-            <a:r>
-              <a:rPr lang="it-IT" dirty="0" err="1" smtClean="0"/>
-              <a:t>operation</a:t>
-            </a:r>
-            <a:r>
-              <a:rPr lang="it-IT" dirty="0" smtClean="0"/>
-              <a:t> with </a:t>
-            </a:r>
-            <a:r>
-              <a:rPr lang="it-IT" dirty="0" err="1" smtClean="0"/>
-              <a:t>neural</a:t>
-            </a:r>
-            <a:r>
-              <a:rPr lang="it-IT" dirty="0" smtClean="0"/>
-              <a:t> network. To do </a:t>
-            </a:r>
-            <a:r>
-              <a:rPr lang="it-IT" dirty="0" err="1" smtClean="0"/>
-              <a:t>this</a:t>
-            </a:r>
-            <a:r>
-              <a:rPr lang="it-IT" dirty="0" smtClean="0"/>
-              <a:t> </a:t>
-            </a:r>
-            <a:r>
-              <a:rPr lang="it-IT" dirty="0" err="1" smtClean="0"/>
-              <a:t>only</a:t>
-            </a:r>
-            <a:r>
-              <a:rPr lang="it-IT" dirty="0" smtClean="0"/>
-              <a:t> </a:t>
-            </a:r>
-            <a:r>
-              <a:rPr lang="it-IT" dirty="0" err="1" smtClean="0"/>
-              <a:t>one</a:t>
-            </a:r>
-            <a:r>
-              <a:rPr lang="it-IT" dirty="0" smtClean="0"/>
-              <a:t> </a:t>
-            </a:r>
-            <a:r>
-              <a:rPr lang="it-IT" dirty="0" err="1" smtClean="0"/>
-              <a:t>neuron</a:t>
-            </a:r>
-            <a:r>
-              <a:rPr lang="it-IT" dirty="0" smtClean="0"/>
-              <a:t> </a:t>
-            </a:r>
-            <a:r>
-              <a:rPr lang="it-IT" dirty="0" err="1" smtClean="0"/>
-              <a:t>is</a:t>
-            </a:r>
-            <a:r>
-              <a:rPr lang="it-IT" dirty="0" smtClean="0"/>
-              <a:t> </a:t>
-            </a:r>
-            <a:r>
-              <a:rPr lang="it-IT" dirty="0" err="1" smtClean="0"/>
-              <a:t>needed</a:t>
-            </a:r>
-            <a:r>
-              <a:rPr lang="it-IT" dirty="0" smtClean="0"/>
-              <a:t>, with 2 input and 1 output (the </a:t>
-            </a:r>
-            <a:r>
-              <a:rPr lang="it-IT" dirty="0" err="1" smtClean="0"/>
-              <a:t>result</a:t>
-            </a:r>
-            <a:r>
-              <a:rPr lang="it-IT" dirty="0" smtClean="0"/>
-              <a:t> of the </a:t>
-            </a:r>
-            <a:r>
-              <a:rPr lang="it-IT" dirty="0" err="1" smtClean="0"/>
-              <a:t>operation</a:t>
-            </a:r>
-            <a:r>
-              <a:rPr lang="it-IT" dirty="0" smtClean="0"/>
-              <a:t>).</a:t>
-            </a:r>
-          </a:p>
-          <a:p>
-            <a:endParaRPr lang="it-IT" dirty="0"/>
-          </a:p>
-        </p:txBody>
-      </p:sp>
-    </p:spTree>
-    <p:extLst>
-      <p:ext uri="{BB962C8B-B14F-4D97-AF65-F5344CB8AC3E}">
-        <p14:creationId xmlns:p14="http://schemas.microsoft.com/office/powerpoint/2010/main" val="3735340876"/>
-      </p:ext>
-    </p:extLst>
-  </p:cSld>
-  <p:clrMapOvr>
-    <a:masterClrMapping/>
-  </p:clrMapOvr>
-  <mc:AlternateContent xmlns:mc="http://schemas.openxmlformats.org/markup-compatibility/2006" xmlns:p14="http://schemas.microsoft.com/office/powerpoint/2010/main">
-    <mc:Choice Requires="p14">
-      <p:transition spd="slow" p14:dur="2000"/>
-    </mc:Choice>
-    <mc:Fallback xmlns="">
-      <p:transition spd="slow"/>
-    </mc:Fallback>
-  </mc:AlternateContent>
-  <p:timing>
-    <p:tnLst>
-      <p:par>
-        <p:cTn id="1" dur="indefinite" restart="never" nodeType="tmRoot"/>
-      </p:par>
-    </p:tnLst>
-  </p:timing>
-</p:sld>
-</file>
-
-<file path=ppt/slides/slide14.xml><?xml version="1.0" encoding="utf-8"?>
 <p:sld xmlns:a="http://schemas.openxmlformats.org/drawingml/2006/main" xmlns:r="http://schemas.openxmlformats.org/officeDocument/2006/relationships" xmlns:p="http://schemas.openxmlformats.org/presentationml/2006/main">
   <p:cSld>
     <p:spTree>
@@ -6206,7 +5999,7 @@
 </p:sld>
 </file>
 
-<file path=ppt/slides/slide15.xml><?xml version="1.0" encoding="utf-8"?>
+<file path=ppt/slides/slide14.xml><?xml version="1.0" encoding="utf-8"?>
 <p:sld xmlns:a="http://schemas.openxmlformats.org/drawingml/2006/main" xmlns:r="http://schemas.openxmlformats.org/officeDocument/2006/relationships" xmlns:p="http://schemas.openxmlformats.org/presentationml/2006/main">
   <p:cSld>
     <p:spTree>
@@ -6581,7 +6374,7 @@
 </p:sld>
 </file>
 
-<file path=ppt/slides/slide16.xml><?xml version="1.0" encoding="utf-8"?>
+<file path=ppt/slides/slide15.xml><?xml version="1.0" encoding="utf-8"?>
 <p:sld xmlns:a="http://schemas.openxmlformats.org/drawingml/2006/main" xmlns:r="http://schemas.openxmlformats.org/officeDocument/2006/relationships" xmlns:p="http://schemas.openxmlformats.org/presentationml/2006/main">
   <p:cSld>
     <p:spTree>
@@ -7085,7 +6878,7 @@
 </p:sld>
 </file>
 
-<file path=ppt/slides/slide17.xml><?xml version="1.0" encoding="utf-8"?>
+<file path=ppt/slides/slide16.xml><?xml version="1.0" encoding="utf-8"?>
 <p:sld xmlns:a="http://schemas.openxmlformats.org/drawingml/2006/main" xmlns:r="http://schemas.openxmlformats.org/officeDocument/2006/relationships" xmlns:p="http://schemas.openxmlformats.org/presentationml/2006/main">
   <p:cSld>
     <p:spTree>
@@ -7678,7 +7471,7 @@
 </p:sld>
 </file>
 
-<file path=ppt/slides/slide18.xml><?xml version="1.0" encoding="utf-8"?>
+<file path=ppt/slides/slide17.xml><?xml version="1.0" encoding="utf-8"?>
 <p:sld xmlns:a="http://schemas.openxmlformats.org/drawingml/2006/main" xmlns:r="http://schemas.openxmlformats.org/officeDocument/2006/relationships" xmlns:p="http://schemas.openxmlformats.org/presentationml/2006/main">
   <p:cSld>
     <p:spTree>
@@ -8367,7 +8160,7 @@
 </p:sld>
 </file>
 
-<file path=ppt/slides/slide19.xml><?xml version="1.0" encoding="utf-8"?>
+<file path=ppt/slides/slide18.xml><?xml version="1.0" encoding="utf-8"?>
 <p:sld xmlns:a="http://schemas.openxmlformats.org/drawingml/2006/main" xmlns:r="http://schemas.openxmlformats.org/officeDocument/2006/relationships" xmlns:p="http://schemas.openxmlformats.org/presentationml/2006/main">
   <p:cSld>
     <p:spTree>
@@ -9938,6 +9731,266 @@
 </p:sld>
 </file>
 
+<file path=ppt/slides/slide19.xml><?xml version="1.0" encoding="utf-8"?>
+<p:sld xmlns:a="http://schemas.openxmlformats.org/drawingml/2006/main" xmlns:r="http://schemas.openxmlformats.org/officeDocument/2006/relationships" xmlns:p="http://schemas.openxmlformats.org/presentationml/2006/main">
+  <p:cSld>
+    <p:spTree>
+      <p:nvGrpSpPr>
+        <p:cNvPr id="1" name=""/>
+        <p:cNvGrpSpPr/>
+        <p:nvPr/>
+      </p:nvGrpSpPr>
+      <p:grpSpPr>
+        <a:xfrm>
+          <a:off x="0" y="0"/>
+          <a:ext cx="0" cy="0"/>
+          <a:chOff x="0" y="0"/>
+          <a:chExt cx="0" cy="0"/>
+        </a:xfrm>
+      </p:grpSpPr>
+      <p:sp>
+        <p:nvSpPr>
+          <p:cNvPr id="2" name="Titolo 1"/>
+          <p:cNvSpPr>
+            <a:spLocks noGrp="1"/>
+          </p:cNvSpPr>
+          <p:nvPr>
+            <p:ph type="title"/>
+          </p:nvPr>
+        </p:nvSpPr>
+        <p:spPr/>
+        <p:txBody>
+          <a:bodyPr/>
+          <a:lstStyle/>
+          <a:p>
+            <a:r>
+              <a:rPr lang="it-IT" dirty="0" smtClean="0"/>
+              <a:t>The fitness </a:t>
+            </a:r>
+            <a:r>
+              <a:rPr lang="it-IT" dirty="0" err="1" smtClean="0"/>
+              <a:t>value</a:t>
+            </a:r>
+            <a:endParaRPr lang="it-IT" dirty="0"/>
+          </a:p>
+        </p:txBody>
+      </p:sp>
+      <p:sp>
+        <p:nvSpPr>
+          <p:cNvPr id="3" name="Segnaposto contenuto 2"/>
+          <p:cNvSpPr>
+            <a:spLocks noGrp="1"/>
+          </p:cNvSpPr>
+          <p:nvPr>
+            <p:ph idx="1"/>
+          </p:nvPr>
+        </p:nvSpPr>
+        <p:spPr/>
+        <p:txBody>
+          <a:bodyPr>
+            <a:normAutofit lnSpcReduction="10000"/>
+          </a:bodyPr>
+          <a:lstStyle/>
+          <a:p>
+            <a:r>
+              <a:rPr lang="it-IT" dirty="0" err="1" smtClean="0"/>
+              <a:t>We</a:t>
+            </a:r>
+            <a:r>
+              <a:rPr lang="it-IT" dirty="0" smtClean="0"/>
+              <a:t> </a:t>
+            </a:r>
+            <a:r>
+              <a:rPr lang="it-IT" dirty="0" err="1" smtClean="0"/>
+              <a:t>talked</a:t>
+            </a:r>
+            <a:r>
+              <a:rPr lang="it-IT" dirty="0" smtClean="0"/>
+              <a:t> </a:t>
+            </a:r>
+            <a:r>
+              <a:rPr lang="it-IT" dirty="0" err="1" smtClean="0"/>
+              <a:t>about</a:t>
+            </a:r>
+            <a:r>
+              <a:rPr lang="it-IT" dirty="0" smtClean="0"/>
+              <a:t> a score </a:t>
+            </a:r>
+            <a:r>
+              <a:rPr lang="it-IT" dirty="0" err="1" smtClean="0"/>
+              <a:t>gived</a:t>
+            </a:r>
+            <a:r>
+              <a:rPr lang="it-IT" dirty="0" smtClean="0"/>
+              <a:t> to </a:t>
+            </a:r>
+            <a:r>
+              <a:rPr lang="it-IT" dirty="0" err="1" smtClean="0"/>
+              <a:t>each</a:t>
+            </a:r>
+            <a:r>
+              <a:rPr lang="it-IT" dirty="0" smtClean="0"/>
+              <a:t> </a:t>
+            </a:r>
+            <a:r>
+              <a:rPr lang="it-IT" dirty="0" err="1" smtClean="0"/>
+              <a:t>chromosome</a:t>
+            </a:r>
+            <a:r>
+              <a:rPr lang="it-IT" dirty="0" smtClean="0"/>
+              <a:t>. A </a:t>
+            </a:r>
+            <a:r>
+              <a:rPr lang="it-IT" dirty="0" err="1" smtClean="0"/>
+              <a:t>better</a:t>
+            </a:r>
+            <a:r>
+              <a:rPr lang="it-IT" dirty="0" smtClean="0"/>
+              <a:t> </a:t>
+            </a:r>
+            <a:r>
+              <a:rPr lang="it-IT" dirty="0" err="1" smtClean="0"/>
+              <a:t>known</a:t>
+            </a:r>
+            <a:r>
+              <a:rPr lang="it-IT" dirty="0" smtClean="0"/>
+              <a:t> </a:t>
+            </a:r>
+            <a:r>
+              <a:rPr lang="it-IT" dirty="0" err="1" smtClean="0"/>
+              <a:t>name</a:t>
+            </a:r>
+            <a:r>
+              <a:rPr lang="it-IT" dirty="0" smtClean="0"/>
+              <a:t> for </a:t>
+            </a:r>
+            <a:r>
+              <a:rPr lang="it-IT" dirty="0" err="1" smtClean="0"/>
+              <a:t>this</a:t>
+            </a:r>
+            <a:r>
+              <a:rPr lang="it-IT" dirty="0" smtClean="0"/>
+              <a:t> </a:t>
+            </a:r>
+            <a:r>
+              <a:rPr lang="it-IT" dirty="0" err="1" smtClean="0"/>
+              <a:t>number</a:t>
+            </a:r>
+            <a:r>
+              <a:rPr lang="it-IT" dirty="0" smtClean="0"/>
+              <a:t> </a:t>
+            </a:r>
+            <a:r>
+              <a:rPr lang="it-IT" dirty="0" err="1" smtClean="0"/>
+              <a:t>is</a:t>
+            </a:r>
+            <a:r>
+              <a:rPr lang="it-IT" dirty="0" smtClean="0"/>
+              <a:t> </a:t>
+            </a:r>
+            <a:r>
+              <a:rPr lang="it-IT" i="1" dirty="0" smtClean="0"/>
+              <a:t>fitness</a:t>
+            </a:r>
+            <a:r>
+              <a:rPr lang="it-IT" dirty="0" smtClean="0"/>
+              <a:t>.</a:t>
+            </a:r>
+          </a:p>
+          <a:p>
+            <a:endParaRPr lang="it-IT" i="1" dirty="0"/>
+          </a:p>
+          <a:p>
+            <a:r>
+              <a:rPr lang="en-US" dirty="0"/>
+              <a:t>In each generation, the fitness of every individual in the population is </a:t>
+            </a:r>
+            <a:r>
+              <a:rPr lang="en-US" dirty="0" smtClean="0"/>
+              <a:t>evaluated. Then, </a:t>
+            </a:r>
+            <a:r>
+              <a:rPr lang="en-US" b="1" dirty="0" smtClean="0"/>
+              <a:t>multiple </a:t>
+            </a:r>
+            <a:r>
+              <a:rPr lang="en-US" b="1" dirty="0"/>
+              <a:t>individuals are </a:t>
+            </a:r>
+            <a:r>
+              <a:rPr lang="en-US" b="1" dirty="0" smtClean="0">
+                <a:solidFill>
+                  <a:srgbClr val="C00000"/>
+                </a:solidFill>
+              </a:rPr>
+              <a:t>selected, recombined and mutated </a:t>
+            </a:r>
+            <a:r>
+              <a:rPr lang="en-US" dirty="0" smtClean="0"/>
+              <a:t>to </a:t>
+            </a:r>
+            <a:r>
+              <a:rPr lang="en-US" dirty="0"/>
+              <a:t>form </a:t>
+            </a:r>
+            <a:r>
+              <a:rPr lang="en-US" b="1" dirty="0"/>
+              <a:t>a new population</a:t>
+            </a:r>
+            <a:r>
+              <a:rPr lang="en-US" dirty="0"/>
+              <a:t>. </a:t>
+            </a:r>
+            <a:r>
+              <a:rPr lang="en-US" dirty="0" smtClean="0"/>
+              <a:t/>
+            </a:r>
+            <a:br>
+              <a:rPr lang="en-US" dirty="0" smtClean="0"/>
+            </a:br>
+            <a:endParaRPr lang="en-US" dirty="0" smtClean="0"/>
+          </a:p>
+          <a:p>
+            <a:r>
+              <a:rPr lang="en-US" dirty="0" smtClean="0"/>
+              <a:t>The </a:t>
+            </a:r>
+            <a:r>
+              <a:rPr lang="en-US" dirty="0"/>
+              <a:t>new population is then used in the next iteration of the algorithm. Commonly, the algorithm terminates when either a maximum number of generations has been produced, or a </a:t>
+            </a:r>
+            <a:r>
+              <a:rPr lang="en-US" b="1" dirty="0"/>
+              <a:t>satisfactory fitness level has been </a:t>
+            </a:r>
+            <a:r>
+              <a:rPr lang="en-US" b="1" dirty="0" smtClean="0"/>
+              <a:t>reached.</a:t>
+            </a:r>
+            <a:endParaRPr lang="it-IT" b="1" dirty="0" smtClean="0"/>
+          </a:p>
+        </p:txBody>
+      </p:sp>
+    </p:spTree>
+    <p:extLst>
+      <p:ext uri="{BB962C8B-B14F-4D97-AF65-F5344CB8AC3E}">
+        <p14:creationId xmlns:p14="http://schemas.microsoft.com/office/powerpoint/2010/main" val="4101140176"/>
+      </p:ext>
+    </p:extLst>
+  </p:cSld>
+  <p:clrMapOvr>
+    <a:masterClrMapping/>
+  </p:clrMapOvr>
+  <p:timing>
+    <p:tnLst>
+      <p:par>
+        <p:cTn id="1" dur="indefinite" restart="never" nodeType="tmRoot"/>
+      </p:par>
+    </p:tnLst>
+  </p:timing>
+</p:sld>
+</file>
+
 <file path=ppt/slides/slide2.xml><?xml version="1.0" encoding="utf-8"?>
 <p:sld xmlns:a="http://schemas.openxmlformats.org/drawingml/2006/main" xmlns:r="http://schemas.openxmlformats.org/officeDocument/2006/relationships" xmlns:p="http://schemas.openxmlformats.org/presentationml/2006/main">
   <p:cSld>
@@ -10192,247 +10245,6 @@
 </file>
 
 <file path=ppt/slides/slide20.xml><?xml version="1.0" encoding="utf-8"?>
-<p:sld xmlns:a="http://schemas.openxmlformats.org/drawingml/2006/main" xmlns:r="http://schemas.openxmlformats.org/officeDocument/2006/relationships" xmlns:p="http://schemas.openxmlformats.org/presentationml/2006/main">
-  <p:cSld>
-    <p:spTree>
-      <p:nvGrpSpPr>
-        <p:cNvPr id="1" name=""/>
-        <p:cNvGrpSpPr/>
-        <p:nvPr/>
-      </p:nvGrpSpPr>
-      <p:grpSpPr>
-        <a:xfrm>
-          <a:off x="0" y="0"/>
-          <a:ext cx="0" cy="0"/>
-          <a:chOff x="0" y="0"/>
-          <a:chExt cx="0" cy="0"/>
-        </a:xfrm>
-      </p:grpSpPr>
-      <p:sp>
-        <p:nvSpPr>
-          <p:cNvPr id="2" name="Titolo 1"/>
-          <p:cNvSpPr>
-            <a:spLocks noGrp="1"/>
-          </p:cNvSpPr>
-          <p:nvPr>
-            <p:ph type="title"/>
-          </p:nvPr>
-        </p:nvSpPr>
-        <p:spPr/>
-        <p:txBody>
-          <a:bodyPr/>
-          <a:lstStyle/>
-          <a:p>
-            <a:r>
-              <a:rPr lang="it-IT" dirty="0" smtClean="0"/>
-              <a:t>The fitness </a:t>
-            </a:r>
-            <a:r>
-              <a:rPr lang="it-IT" dirty="0" err="1" smtClean="0"/>
-              <a:t>value</a:t>
-            </a:r>
-            <a:endParaRPr lang="it-IT" dirty="0"/>
-          </a:p>
-        </p:txBody>
-      </p:sp>
-      <p:sp>
-        <p:nvSpPr>
-          <p:cNvPr id="3" name="Segnaposto contenuto 2"/>
-          <p:cNvSpPr>
-            <a:spLocks noGrp="1"/>
-          </p:cNvSpPr>
-          <p:nvPr>
-            <p:ph idx="1"/>
-          </p:nvPr>
-        </p:nvSpPr>
-        <p:spPr/>
-        <p:txBody>
-          <a:bodyPr>
-            <a:normAutofit lnSpcReduction="10000"/>
-          </a:bodyPr>
-          <a:lstStyle/>
-          <a:p>
-            <a:r>
-              <a:rPr lang="it-IT" dirty="0" err="1" smtClean="0"/>
-              <a:t>We</a:t>
-            </a:r>
-            <a:r>
-              <a:rPr lang="it-IT" dirty="0" smtClean="0"/>
-              <a:t> </a:t>
-            </a:r>
-            <a:r>
-              <a:rPr lang="it-IT" dirty="0" err="1" smtClean="0"/>
-              <a:t>talked</a:t>
-            </a:r>
-            <a:r>
-              <a:rPr lang="it-IT" dirty="0" smtClean="0"/>
-              <a:t> </a:t>
-            </a:r>
-            <a:r>
-              <a:rPr lang="it-IT" dirty="0" err="1" smtClean="0"/>
-              <a:t>about</a:t>
-            </a:r>
-            <a:r>
-              <a:rPr lang="it-IT" dirty="0" smtClean="0"/>
-              <a:t> a score </a:t>
-            </a:r>
-            <a:r>
-              <a:rPr lang="it-IT" dirty="0" err="1" smtClean="0"/>
-              <a:t>gived</a:t>
-            </a:r>
-            <a:r>
-              <a:rPr lang="it-IT" dirty="0" smtClean="0"/>
-              <a:t> to </a:t>
-            </a:r>
-            <a:r>
-              <a:rPr lang="it-IT" dirty="0" err="1" smtClean="0"/>
-              <a:t>each</a:t>
-            </a:r>
-            <a:r>
-              <a:rPr lang="it-IT" dirty="0" smtClean="0"/>
-              <a:t> </a:t>
-            </a:r>
-            <a:r>
-              <a:rPr lang="it-IT" dirty="0" err="1" smtClean="0"/>
-              <a:t>chromosome</a:t>
-            </a:r>
-            <a:r>
-              <a:rPr lang="it-IT" dirty="0" smtClean="0"/>
-              <a:t>. </a:t>
-            </a:r>
-            <a:r>
-              <a:rPr lang="it-IT" dirty="0" err="1" smtClean="0"/>
-              <a:t>We</a:t>
-            </a:r>
-            <a:r>
-              <a:rPr lang="it-IT" dirty="0" smtClean="0"/>
-              <a:t> </a:t>
-            </a:r>
-            <a:r>
-              <a:rPr lang="it-IT" dirty="0" err="1" smtClean="0"/>
-              <a:t>will</a:t>
-            </a:r>
-            <a:r>
-              <a:rPr lang="it-IT" dirty="0" smtClean="0"/>
-              <a:t> call </a:t>
-            </a:r>
-            <a:r>
-              <a:rPr lang="it-IT" dirty="0" err="1" smtClean="0"/>
-              <a:t>it</a:t>
-            </a:r>
-            <a:r>
-              <a:rPr lang="it-IT" dirty="0" smtClean="0"/>
-              <a:t> </a:t>
-            </a:r>
-            <a:r>
-              <a:rPr lang="it-IT" i="1" dirty="0" smtClean="0"/>
-              <a:t>fitness </a:t>
-            </a:r>
-            <a:r>
-              <a:rPr lang="it-IT" i="1" dirty="0" err="1" smtClean="0"/>
-              <a:t>value</a:t>
-            </a:r>
-            <a:r>
-              <a:rPr lang="it-IT" dirty="0" smtClean="0"/>
-              <a:t>.</a:t>
-            </a:r>
-            <a:endParaRPr lang="it-IT" dirty="0" smtClean="0"/>
-          </a:p>
-          <a:p>
-            <a:endParaRPr lang="it-IT" i="1" dirty="0"/>
-          </a:p>
-          <a:p>
-            <a:r>
-              <a:rPr lang="en-US" dirty="0"/>
-              <a:t>In each generation, the fitness of every individual in the population is </a:t>
-            </a:r>
-            <a:r>
-              <a:rPr lang="en-US" dirty="0" smtClean="0"/>
-              <a:t>evaluated. Then, </a:t>
-            </a:r>
-            <a:r>
-              <a:rPr lang="en-US" b="1" dirty="0" smtClean="0"/>
-              <a:t>multiple </a:t>
-            </a:r>
-            <a:r>
-              <a:rPr lang="en-US" b="1" dirty="0"/>
-              <a:t>individuals are </a:t>
-            </a:r>
-            <a:r>
-              <a:rPr lang="en-US" b="1" dirty="0" smtClean="0">
-                <a:solidFill>
-                  <a:srgbClr val="C00000"/>
-                </a:solidFill>
-              </a:rPr>
-              <a:t>selected, recombined and mutated </a:t>
-            </a:r>
-            <a:r>
-              <a:rPr lang="en-US" dirty="0" smtClean="0"/>
-              <a:t>to </a:t>
-            </a:r>
-            <a:r>
-              <a:rPr lang="en-US" dirty="0"/>
-              <a:t>form </a:t>
-            </a:r>
-            <a:r>
-              <a:rPr lang="en-US" b="1" dirty="0"/>
-              <a:t>a new population</a:t>
-            </a:r>
-            <a:r>
-              <a:rPr lang="en-US" dirty="0"/>
-              <a:t>. </a:t>
-            </a:r>
-            <a:r>
-              <a:rPr lang="en-US" dirty="0" smtClean="0"/>
-              <a:t/>
-            </a:r>
-            <a:br>
-              <a:rPr lang="en-US" dirty="0" smtClean="0"/>
-            </a:br>
-            <a:endParaRPr lang="en-US" dirty="0" smtClean="0"/>
-          </a:p>
-          <a:p>
-            <a:r>
-              <a:rPr lang="en-US" dirty="0" smtClean="0"/>
-              <a:t>The </a:t>
-            </a:r>
-            <a:r>
-              <a:rPr lang="en-US" dirty="0"/>
-              <a:t>new population is then used in the next iteration of the algorithm. Commonly, the algorithm terminates when either a maximum number of generations has been produced, or a </a:t>
-            </a:r>
-            <a:r>
-              <a:rPr lang="en-US" b="1" dirty="0"/>
-              <a:t>satisfactory fitness level has been </a:t>
-            </a:r>
-            <a:r>
-              <a:rPr lang="en-US" b="1" dirty="0" smtClean="0"/>
-              <a:t>reached.</a:t>
-            </a:r>
-            <a:endParaRPr lang="it-IT" b="1" dirty="0" smtClean="0"/>
-          </a:p>
-        </p:txBody>
-      </p:sp>
-    </p:spTree>
-    <p:extLst>
-      <p:ext uri="{BB962C8B-B14F-4D97-AF65-F5344CB8AC3E}">
-        <p14:creationId xmlns:p14="http://schemas.microsoft.com/office/powerpoint/2010/main" val="4101140176"/>
-      </p:ext>
-    </p:extLst>
-  </p:cSld>
-  <p:clrMapOvr>
-    <a:masterClrMapping/>
-  </p:clrMapOvr>
-  <p:timing>
-    <p:tnLst>
-      <p:par>
-        <p:cTn id="1" dur="indefinite" restart="never" nodeType="tmRoot"/>
-      </p:par>
-    </p:tnLst>
-  </p:timing>
-</p:sld>
-</file>
-
-<file path=ppt/slides/slide21.xml><?xml version="1.0" encoding="utf-8"?>
 <p:sld xmlns:a="http://schemas.openxmlformats.org/drawingml/2006/main" xmlns:r="http://schemas.openxmlformats.org/officeDocument/2006/relationships" xmlns:p="http://schemas.openxmlformats.org/presentationml/2006/main">
   <p:cSld>
     <p:spTree>
@@ -10751,14 +10563,14 @@
                 <a:latin typeface="Consolas" pitchFamily="49" charset="0"/>
                 <a:cs typeface="Consolas" pitchFamily="49" charset="0"/>
               </a:rPr>
-              <a:t>	</a:t>
-            </a:r>
-            <a:r>
-              <a:rPr lang="en-US" sz="1600" dirty="0" smtClean="0">
+              <a:t>	Go </a:t>
+            </a:r>
+            <a:r>
+              <a:rPr lang="en-US" sz="1600" dirty="0">
                 <a:latin typeface="Consolas" pitchFamily="49" charset="0"/>
                 <a:cs typeface="Consolas" pitchFamily="49" charset="0"/>
               </a:rPr>
-              <a:t>Re-sum </a:t>
+              <a:t>through the population and sum </a:t>
             </a:r>
             <a:r>
               <a:rPr lang="en-US" sz="1600" dirty="0" err="1" smtClean="0">
@@ -10772,38 +10584,20 @@
                 <a:latin typeface="Consolas" pitchFamily="49" charset="0"/>
                 <a:cs typeface="Consolas" pitchFamily="49" charset="0"/>
               </a:rPr>
-              <a:t> in S</a:t>
-            </a:r>
+              <a:t> in S'</a:t>
+            </a:r>
+          </a:p>
+          <a:p>
+            <a:pPr marL="342900" indent="-342900">
+              <a:buFont typeface="+mj-lt"/>
+              <a:buAutoNum type="arabicPeriod"/>
+            </a:pPr>
             <a:r>
               <a:rPr lang="en-US" sz="1600" dirty="0" smtClean="0">
                 <a:latin typeface="Consolas" pitchFamily="49" charset="0"/>
                 <a:cs typeface="Consolas" pitchFamily="49" charset="0"/>
               </a:rPr>
-              <a:t>' for each chromosome</a:t>
-            </a:r>
-            <a:endParaRPr lang="en-US" sz="1600" dirty="0" smtClean="0">
-              <a:latin typeface="Consolas" pitchFamily="49" charset="0"/>
-              <a:cs typeface="Consolas" pitchFamily="49" charset="0"/>
-            </a:endParaRPr>
-          </a:p>
-          <a:p>
-            <a:pPr marL="342900" indent="-342900">
-              <a:buFont typeface="+mj-lt"/>
-              <a:buAutoNum type="arabicPeriod"/>
-            </a:pPr>
-            <a:r>
-              <a:rPr lang="en-US" sz="1600" dirty="0" smtClean="0">
-                <a:latin typeface="Consolas" pitchFamily="49" charset="0"/>
-                <a:cs typeface="Consolas" pitchFamily="49" charset="0"/>
-              </a:rPr>
-              <a:t>Return the </a:t>
-            </a:r>
-            <a:r>
-              <a:rPr lang="en-US" sz="1600" dirty="0" smtClean="0">
-                <a:latin typeface="Consolas" pitchFamily="49" charset="0"/>
-                <a:cs typeface="Consolas" pitchFamily="49" charset="0"/>
-              </a:rPr>
-              <a:t>last accessed chromosome</a:t>
+              <a:t>Return the chromosome where you are</a:t>
             </a:r>
             <a:endParaRPr lang="it-IT" sz="1600" dirty="0">
               <a:latin typeface="Consolas" pitchFamily="49" charset="0"/>
@@ -10816,6 +10610,495 @@
     <p:extLst>
       <p:ext uri="{BB962C8B-B14F-4D97-AF65-F5344CB8AC3E}">
         <p14:creationId xmlns:p14="http://schemas.microsoft.com/office/powerpoint/2010/main" val="454526761"/>
+      </p:ext>
+    </p:extLst>
+  </p:cSld>
+  <p:clrMapOvr>
+    <a:masterClrMapping/>
+  </p:clrMapOvr>
+  <p:timing>
+    <p:tnLst>
+      <p:par>
+        <p:cTn id="1" dur="indefinite" restart="never" nodeType="tmRoot"/>
+      </p:par>
+    </p:tnLst>
+  </p:timing>
+</p:sld>
+</file>
+
+<file path=ppt/slides/slide21.xml><?xml version="1.0" encoding="utf-8"?>
+<p:sld xmlns:a="http://schemas.openxmlformats.org/drawingml/2006/main" xmlns:r="http://schemas.openxmlformats.org/officeDocument/2006/relationships" xmlns:p="http://schemas.openxmlformats.org/presentationml/2006/main">
+  <p:cSld>
+    <p:spTree>
+      <p:nvGrpSpPr>
+        <p:cNvPr id="1" name=""/>
+        <p:cNvGrpSpPr/>
+        <p:nvPr/>
+      </p:nvGrpSpPr>
+      <p:grpSpPr>
+        <a:xfrm>
+          <a:off x="0" y="0"/>
+          <a:ext cx="0" cy="0"/>
+          <a:chOff x="0" y="0"/>
+          <a:chExt cx="0" cy="0"/>
+        </a:xfrm>
+      </p:grpSpPr>
+      <p:sp>
+        <p:nvSpPr>
+          <p:cNvPr id="2" name="Titolo 1"/>
+          <p:cNvSpPr>
+            <a:spLocks noGrp="1"/>
+          </p:cNvSpPr>
+          <p:nvPr>
+            <p:ph type="title"/>
+          </p:nvPr>
+        </p:nvSpPr>
+        <p:spPr/>
+        <p:txBody>
+          <a:bodyPr/>
+          <a:lstStyle/>
+          <a:p>
+            <a:r>
+              <a:rPr lang="it-IT" dirty="0" err="1" smtClean="0"/>
+              <a:t>Recombination</a:t>
+            </a:r>
+            <a:endParaRPr lang="it-IT" dirty="0"/>
+          </a:p>
+        </p:txBody>
+      </p:sp>
+      <p:sp>
+        <p:nvSpPr>
+          <p:cNvPr id="3" name="Segnaposto contenuto 2"/>
+          <p:cNvSpPr>
+            <a:spLocks noGrp="1"/>
+          </p:cNvSpPr>
+          <p:nvPr>
+            <p:ph idx="1"/>
+          </p:nvPr>
+        </p:nvSpPr>
+        <p:spPr>
+          <a:xfrm>
+            <a:off x="457200" y="1600200"/>
+            <a:ext cx="8229600" cy="4860000"/>
+          </a:xfrm>
+        </p:spPr>
+        <p:txBody>
+          <a:bodyPr/>
+          <a:lstStyle/>
+          <a:p>
+            <a:r>
+              <a:rPr lang="it-IT" dirty="0" err="1" smtClean="0"/>
+              <a:t>Recombination</a:t>
+            </a:r>
+            <a:r>
+              <a:rPr lang="it-IT" dirty="0" smtClean="0"/>
+              <a:t> </a:t>
+            </a:r>
+            <a:r>
+              <a:rPr lang="it-IT" dirty="0" err="1" smtClean="0"/>
+              <a:t>between</a:t>
+            </a:r>
+            <a:r>
+              <a:rPr lang="it-IT" dirty="0" smtClean="0"/>
+              <a:t> </a:t>
+            </a:r>
+            <a:r>
+              <a:rPr lang="it-IT" dirty="0" err="1" smtClean="0"/>
+              <a:t>two</a:t>
+            </a:r>
+            <a:r>
+              <a:rPr lang="it-IT" dirty="0" smtClean="0"/>
+              <a:t> or more </a:t>
+            </a:r>
+            <a:r>
+              <a:rPr lang="it-IT" dirty="0" err="1" smtClean="0"/>
+              <a:t>chromosomes</a:t>
+            </a:r>
+            <a:r>
+              <a:rPr lang="it-IT" dirty="0" smtClean="0"/>
+              <a:t> </a:t>
+            </a:r>
+            <a:r>
+              <a:rPr lang="it-IT" dirty="0" err="1" smtClean="0"/>
+              <a:t>is</a:t>
+            </a:r>
+            <a:r>
+              <a:rPr lang="it-IT" dirty="0" smtClean="0"/>
+              <a:t> </a:t>
+            </a:r>
+            <a:r>
+              <a:rPr lang="it-IT" dirty="0" err="1" smtClean="0"/>
+              <a:t>done</a:t>
+            </a:r>
+            <a:r>
+              <a:rPr lang="it-IT" dirty="0" smtClean="0"/>
+              <a:t> with the so </a:t>
+            </a:r>
+            <a:r>
+              <a:rPr lang="it-IT" dirty="0" err="1" smtClean="0"/>
+              <a:t>called</a:t>
+            </a:r>
+            <a:r>
+              <a:rPr lang="it-IT" dirty="0" smtClean="0"/>
+              <a:t> </a:t>
+            </a:r>
+            <a:r>
+              <a:rPr lang="it-IT" i="1" dirty="0" smtClean="0"/>
+              <a:t>crossover</a:t>
+            </a:r>
+            <a:r>
+              <a:rPr lang="it-IT" dirty="0" smtClean="0"/>
+              <a:t>.</a:t>
+            </a:r>
+          </a:p>
+          <a:p>
+            <a:r>
+              <a:rPr lang="it-IT" i="1" dirty="0" err="1" smtClean="0"/>
+              <a:t>There</a:t>
+            </a:r>
+            <a:r>
+              <a:rPr lang="it-IT" i="1" dirty="0" smtClean="0"/>
+              <a:t> are </a:t>
+            </a:r>
+            <a:r>
+              <a:rPr lang="it-IT" i="1" dirty="0" err="1" smtClean="0"/>
+              <a:t>differend</a:t>
+            </a:r>
+            <a:r>
+              <a:rPr lang="it-IT" i="1" dirty="0" smtClean="0"/>
+              <a:t> </a:t>
+            </a:r>
+            <a:r>
+              <a:rPr lang="it-IT" i="1" dirty="0" err="1" smtClean="0"/>
+              <a:t>kinds</a:t>
+            </a:r>
+            <a:r>
+              <a:rPr lang="it-IT" i="1" dirty="0" smtClean="0"/>
+              <a:t> of crossover:</a:t>
+            </a:r>
+          </a:p>
+          <a:p>
+            <a:pPr lvl="1"/>
+            <a:r>
+              <a:rPr lang="it-IT" sz="2400" i="1" dirty="0" err="1" smtClean="0"/>
+              <a:t>One</a:t>
+            </a:r>
+            <a:r>
+              <a:rPr lang="it-IT" sz="2400" i="1" dirty="0" smtClean="0"/>
+              <a:t> </a:t>
+            </a:r>
+            <a:r>
+              <a:rPr lang="it-IT" sz="2400" i="1" dirty="0" err="1" smtClean="0"/>
+              <a:t>point</a:t>
+            </a:r>
+            <a:r>
+              <a:rPr lang="it-IT" sz="2400" i="1" dirty="0" smtClean="0"/>
+              <a:t>:</a:t>
+            </a:r>
+          </a:p>
+          <a:p>
+            <a:pPr lvl="1"/>
+            <a:r>
+              <a:rPr lang="it-IT" sz="2400" i="1" dirty="0" err="1" smtClean="0"/>
+              <a:t>Two</a:t>
+            </a:r>
+            <a:r>
+              <a:rPr lang="it-IT" sz="2400" i="1" dirty="0" smtClean="0"/>
+              <a:t> </a:t>
+            </a:r>
+            <a:r>
+              <a:rPr lang="it-IT" sz="2400" i="1" dirty="0" err="1" smtClean="0"/>
+              <a:t>point</a:t>
+            </a:r>
+            <a:r>
+              <a:rPr lang="it-IT" sz="2400" i="1" dirty="0" smtClean="0"/>
+              <a:t>:</a:t>
+            </a:r>
+          </a:p>
+          <a:p>
+            <a:pPr lvl="1"/>
+            <a:r>
+              <a:rPr lang="it-IT" sz="2400" i="1" dirty="0" err="1" smtClean="0"/>
+              <a:t>Uniform</a:t>
+            </a:r>
+            <a:r>
+              <a:rPr lang="it-IT" sz="2400" i="1" dirty="0" smtClean="0"/>
+              <a:t>:</a:t>
+            </a:r>
+          </a:p>
+          <a:p>
+            <a:pPr lvl="1"/>
+            <a:r>
+              <a:rPr lang="it-IT" sz="2400" i="1" dirty="0" err="1" smtClean="0"/>
+              <a:t>Arithmetic</a:t>
+            </a:r>
+            <a:r>
+              <a:rPr lang="it-IT" sz="2400" i="1" dirty="0" smtClean="0"/>
+              <a:t>:</a:t>
+            </a:r>
+          </a:p>
+          <a:p>
+            <a:pPr lvl="1"/>
+            <a:r>
+              <a:rPr lang="it-IT" sz="2400" i="1" dirty="0"/>
+              <a:t>B</a:t>
+            </a:r>
+            <a:r>
+              <a:rPr lang="it-IT" sz="2400" i="1" dirty="0" smtClean="0"/>
+              <a:t>it </a:t>
+            </a:r>
+            <a:r>
+              <a:rPr lang="it-IT" sz="2400" i="1" dirty="0" err="1" smtClean="0"/>
+              <a:t>inversion</a:t>
+            </a:r>
+            <a:r>
+              <a:rPr lang="it-IT" sz="2400" i="1" dirty="0" smtClean="0"/>
+              <a:t>:</a:t>
+            </a:r>
+          </a:p>
+          <a:p>
+            <a:r>
+              <a:rPr lang="it-IT" i="1" dirty="0" smtClean="0"/>
+              <a:t>With the crossover </a:t>
+            </a:r>
+            <a:r>
+              <a:rPr lang="it-IT" i="1" dirty="0" err="1" smtClean="0"/>
+              <a:t>starting</a:t>
+            </a:r>
+            <a:r>
+              <a:rPr lang="it-IT" i="1" dirty="0" smtClean="0"/>
+              <a:t> from </a:t>
+            </a:r>
+            <a:r>
+              <a:rPr lang="it-IT" i="1" dirty="0" err="1" smtClean="0"/>
+              <a:t>two</a:t>
+            </a:r>
+            <a:r>
+              <a:rPr lang="it-IT" i="1" dirty="0" smtClean="0"/>
+              <a:t> </a:t>
+            </a:r>
+            <a:r>
+              <a:rPr lang="it-IT" i="1" dirty="0" err="1" smtClean="0"/>
+              <a:t>chromosomes</a:t>
+            </a:r>
+            <a:r>
+              <a:rPr lang="it-IT" i="1" dirty="0" smtClean="0"/>
+              <a:t> </a:t>
+            </a:r>
+            <a:r>
+              <a:rPr lang="it-IT" i="1" dirty="0" err="1" smtClean="0"/>
+              <a:t>it</a:t>
+            </a:r>
+            <a:r>
+              <a:rPr lang="it-IT" i="1" dirty="0" smtClean="0"/>
+              <a:t> </a:t>
+            </a:r>
+            <a:r>
+              <a:rPr lang="it-IT" i="1" dirty="0" err="1" smtClean="0"/>
+              <a:t>is</a:t>
+            </a:r>
+            <a:r>
+              <a:rPr lang="it-IT" i="1" dirty="0" smtClean="0"/>
+              <a:t> </a:t>
+            </a:r>
+            <a:r>
+              <a:rPr lang="it-IT" i="1" dirty="0" err="1" smtClean="0"/>
+              <a:t>possible</a:t>
+            </a:r>
+            <a:r>
+              <a:rPr lang="it-IT" i="1" dirty="0" smtClean="0"/>
+              <a:t> to </a:t>
+            </a:r>
+            <a:r>
+              <a:rPr lang="it-IT" i="1" dirty="0" err="1" smtClean="0"/>
+              <a:t>obtain</a:t>
+            </a:r>
+            <a:r>
+              <a:rPr lang="it-IT" i="1" dirty="0" smtClean="0"/>
+              <a:t> a </a:t>
+            </a:r>
+            <a:r>
+              <a:rPr lang="it-IT" i="1" dirty="0" err="1" smtClean="0"/>
+              <a:t>couple</a:t>
+            </a:r>
+            <a:r>
+              <a:rPr lang="it-IT" i="1" dirty="0" smtClean="0"/>
+              <a:t> of </a:t>
+            </a:r>
+            <a:r>
+              <a:rPr lang="it-IT" i="1" dirty="0" err="1" smtClean="0"/>
+              <a:t>better</a:t>
+            </a:r>
+            <a:r>
+              <a:rPr lang="it-IT" i="1" dirty="0" smtClean="0"/>
+              <a:t> </a:t>
+            </a:r>
+            <a:r>
+              <a:rPr lang="it-IT" i="1" dirty="0" err="1" smtClean="0"/>
+              <a:t>chromosomes</a:t>
+            </a:r>
+            <a:r>
+              <a:rPr lang="it-IT" i="1" dirty="0" smtClean="0"/>
+              <a:t>.</a:t>
+            </a:r>
+            <a:endParaRPr lang="it-IT" i="1" dirty="0"/>
+          </a:p>
+        </p:txBody>
+      </p:sp>
+      <p:pic>
+        <p:nvPicPr>
+          <p:cNvPr id="4" name="Immagine 3"/>
+          <p:cNvPicPr>
+            <a:picLocks noChangeAspect="1"/>
+          </p:cNvPicPr>
+          <p:nvPr/>
+        </p:nvPicPr>
+        <p:blipFill>
+          <a:blip r:embed="rId2">
+            <a:extLst>
+              <a:ext uri="{28A0092B-C50C-407E-A947-70E740481C1C}">
+                <a14:useLocalDpi xmlns:a14="http://schemas.microsoft.com/office/drawing/2010/main" val="0"/>
+              </a:ext>
+            </a:extLst>
+          </a:blip>
+          <a:stretch>
+            <a:fillRect/>
+          </a:stretch>
+        </p:blipFill>
+        <p:spPr>
+          <a:xfrm>
+            <a:off x="4788024" y="2780928"/>
+            <a:ext cx="3222303" cy="461095"/>
+          </a:xfrm>
+          <a:prstGeom prst="rect">
+            <a:avLst/>
+          </a:prstGeom>
+        </p:spPr>
+      </p:pic>
+      <p:pic>
+        <p:nvPicPr>
+          <p:cNvPr id="6" name="Immagine 5"/>
+          <p:cNvPicPr>
+            <a:picLocks noChangeAspect="1"/>
+          </p:cNvPicPr>
+          <p:nvPr/>
+        </p:nvPicPr>
+        <p:blipFill>
+          <a:blip r:embed="rId3">
+            <a:extLst>
+              <a:ext uri="{28A0092B-C50C-407E-A947-70E740481C1C}">
+                <a14:useLocalDpi xmlns:a14="http://schemas.microsoft.com/office/drawing/2010/main" val="0"/>
+              </a:ext>
+            </a:extLst>
+          </a:blip>
+          <a:stretch>
+            <a:fillRect/>
+          </a:stretch>
+        </p:blipFill>
+        <p:spPr>
+          <a:xfrm>
+            <a:off x="4791048" y="3242022"/>
+            <a:ext cx="3219279" cy="460662"/>
+          </a:xfrm>
+          <a:prstGeom prst="rect">
+            <a:avLst/>
+          </a:prstGeom>
+        </p:spPr>
+      </p:pic>
+      <p:pic>
+        <p:nvPicPr>
+          <p:cNvPr id="7" name="Immagine 6"/>
+          <p:cNvPicPr>
+            <a:picLocks noChangeAspect="1"/>
+          </p:cNvPicPr>
+          <p:nvPr/>
+        </p:nvPicPr>
+        <p:blipFill>
+          <a:blip r:embed="rId4">
+            <a:extLst>
+              <a:ext uri="{28A0092B-C50C-407E-A947-70E740481C1C}">
+                <a14:useLocalDpi xmlns:a14="http://schemas.microsoft.com/office/drawing/2010/main" val="0"/>
+              </a:ext>
+            </a:extLst>
+          </a:blip>
+          <a:stretch>
+            <a:fillRect/>
+          </a:stretch>
+        </p:blipFill>
+        <p:spPr>
+          <a:xfrm>
+            <a:off x="4791048" y="3717956"/>
+            <a:ext cx="3219279" cy="460662"/>
+          </a:xfrm>
+          <a:prstGeom prst="rect">
+            <a:avLst/>
+          </a:prstGeom>
+        </p:spPr>
+      </p:pic>
+      <p:pic>
+        <p:nvPicPr>
+          <p:cNvPr id="9" name="Immagine 8"/>
+          <p:cNvPicPr>
+            <a:picLocks noChangeAspect="1"/>
+          </p:cNvPicPr>
+          <p:nvPr/>
+        </p:nvPicPr>
+        <p:blipFill>
+          <a:blip r:embed="rId5">
+            <a:extLst>
+              <a:ext uri="{28A0092B-C50C-407E-A947-70E740481C1C}">
+                <a14:useLocalDpi xmlns:a14="http://schemas.microsoft.com/office/drawing/2010/main" val="0"/>
+              </a:ext>
+            </a:extLst>
+          </a:blip>
+          <a:stretch>
+            <a:fillRect/>
+          </a:stretch>
+        </p:blipFill>
+        <p:spPr>
+          <a:xfrm>
+            <a:off x="4788024" y="4178618"/>
+            <a:ext cx="3222303" cy="461095"/>
+          </a:xfrm>
+          <a:prstGeom prst="rect">
+            <a:avLst/>
+          </a:prstGeom>
+        </p:spPr>
+      </p:pic>
+      <p:pic>
+        <p:nvPicPr>
+          <p:cNvPr id="10" name="Immagine 9"/>
+          <p:cNvPicPr>
+            <a:picLocks noChangeAspect="1"/>
+          </p:cNvPicPr>
+          <p:nvPr/>
+        </p:nvPicPr>
+        <p:blipFill>
+          <a:blip r:embed="rId6">
+            <a:extLst>
+              <a:ext uri="{28A0092B-C50C-407E-A947-70E740481C1C}">
+                <a14:useLocalDpi xmlns:a14="http://schemas.microsoft.com/office/drawing/2010/main" val="0"/>
+              </a:ext>
+            </a:extLst>
+          </a:blip>
+          <a:stretch>
+            <a:fillRect/>
+          </a:stretch>
+        </p:blipFill>
+        <p:spPr>
+          <a:xfrm>
+            <a:off x="4791048" y="4639713"/>
+            <a:ext cx="3219279" cy="445471"/>
+          </a:xfrm>
+          <a:prstGeom prst="rect">
+            <a:avLst/>
+          </a:prstGeom>
+        </p:spPr>
+      </p:pic>
+    </p:spTree>
+    <p:extLst>
+      <p:ext uri="{BB962C8B-B14F-4D97-AF65-F5344CB8AC3E}">
+        <p14:creationId xmlns:p14="http://schemas.microsoft.com/office/powerpoint/2010/main" val="1529510469"/>
       </p:ext>
     </p:extLst>
   </p:cSld>
@@ -10865,8 +11148,8 @@
           <a:lstStyle/>
           <a:p>
             <a:r>
-              <a:rPr lang="it-IT" dirty="0" smtClean="0"/>
-              <a:t>Crossover</a:t>
+              <a:rPr lang="it-IT" dirty="0" err="1" smtClean="0"/>
+              <a:t>Mutation</a:t>
             </a:r>
             <a:endParaRPr lang="it-IT" dirty="0"/>
           </a:p>
@@ -10888,8 +11171,12 @@
           <a:lstStyle/>
           <a:p>
             <a:r>
-              <a:rPr lang="it-IT" dirty="0" smtClean="0"/>
-              <a:t>Crossover </a:t>
+              <a:rPr lang="it-IT" dirty="0" err="1" smtClean="0"/>
+              <a:t>Mutation</a:t>
+            </a:r>
+            <a:r>
+              <a:rPr lang="it-IT" dirty="0" smtClean="0"/>
+              <a:t> </a:t>
             </a:r>
             <a:r>
               <a:rPr lang="it-IT" dirty="0" err="1" smtClean="0"/>
@@ -10897,19 +11184,19 @@
             </a:r>
             <a:r>
               <a:rPr lang="it-IT" dirty="0" smtClean="0"/>
-              <a:t> the </a:t>
-            </a:r>
-            <a:r>
-              <a:rPr lang="it-IT" dirty="0" err="1" smtClean="0"/>
-              <a:t>recombination</a:t>
-            </a:r>
-            <a:r>
-              <a:rPr lang="it-IT" dirty="0" smtClean="0"/>
               <a:t> </a:t>
             </a:r>
             <a:r>
               <a:rPr lang="it-IT" dirty="0" err="1" smtClean="0"/>
-              <a:t>method</a:t>
+              <a:t>used</a:t>
+            </a:r>
+            <a:r>
+              <a:rPr lang="it-IT" dirty="0" smtClean="0"/>
+              <a:t> to </a:t>
+            </a:r>
+            <a:r>
+              <a:rPr lang="it-IT" dirty="0" err="1" smtClean="0"/>
+              <a:t>avoid</a:t>
             </a:r>
             <a:r>
               <a:rPr lang="it-IT" dirty="0" smtClean="0"/>
@@ -10917,36 +11204,201 @@
             </a:r>
             <a:r>
               <a:rPr lang="it-IT" dirty="0" err="1" smtClean="0"/>
+              <a:t>local</a:t>
+            </a:r>
+            <a:r>
+              <a:rPr lang="it-IT" dirty="0" smtClean="0"/>
+              <a:t> minimum of the fitness </a:t>
+            </a:r>
+            <a:r>
+              <a:rPr lang="it-IT" dirty="0" err="1" smtClean="0"/>
+              <a:t>function</a:t>
+            </a:r>
+            <a:r>
+              <a:rPr lang="it-IT" dirty="0" smtClean="0"/>
+              <a:t>. </a:t>
+            </a:r>
+            <a:r>
+              <a:rPr lang="it-IT" dirty="0" err="1" smtClean="0"/>
+              <a:t>It</a:t>
+            </a:r>
+            <a:r>
+              <a:rPr lang="it-IT" dirty="0" smtClean="0"/>
+              <a:t> </a:t>
+            </a:r>
+            <a:r>
+              <a:rPr lang="it-IT" dirty="0" err="1" smtClean="0"/>
+              <a:t>is</a:t>
+            </a:r>
+            <a:r>
+              <a:rPr lang="it-IT" dirty="0" smtClean="0"/>
+              <a:t> </a:t>
+            </a:r>
+            <a:r>
+              <a:rPr lang="it-IT" dirty="0" err="1" smtClean="0"/>
+              <a:t>performed</a:t>
+            </a:r>
+            <a:r>
+              <a:rPr lang="it-IT" dirty="0" smtClean="0"/>
+              <a:t> by </a:t>
+            </a:r>
+            <a:r>
+              <a:rPr lang="it-IT" dirty="0" err="1" smtClean="0"/>
+              <a:t>changing</a:t>
+            </a:r>
+            <a:r>
+              <a:rPr lang="it-IT" dirty="0" smtClean="0"/>
+              <a:t> </a:t>
+            </a:r>
+            <a:r>
+              <a:rPr lang="it-IT" dirty="0" err="1" smtClean="0"/>
+              <a:t>elements</a:t>
+            </a:r>
+            <a:r>
+              <a:rPr lang="it-IT" dirty="0" smtClean="0"/>
+              <a:t> of a </a:t>
+            </a:r>
+            <a:r>
+              <a:rPr lang="it-IT" dirty="0" err="1" smtClean="0"/>
+              <a:t>chromosome</a:t>
+            </a:r>
+            <a:r>
+              <a:rPr lang="it-IT" dirty="0" smtClean="0"/>
+              <a:t> of a small </a:t>
+            </a:r>
+            <a:r>
+              <a:rPr lang="it-IT" dirty="0" err="1" smtClean="0"/>
+              <a:t>amount</a:t>
+            </a:r>
+            <a:r>
+              <a:rPr lang="it-IT" dirty="0" smtClean="0"/>
+              <a:t>.</a:t>
+            </a:r>
+          </a:p>
+          <a:p>
+            <a:endParaRPr lang="it-IT" dirty="0" smtClean="0"/>
+          </a:p>
+          <a:p>
+            <a:pPr marL="0" indent="0" algn="ctr">
+              <a:buNone/>
+            </a:pPr>
+            <a:r>
+              <a:rPr lang="it-IT" sz="2000" dirty="0"/>
+              <a:t>(1.29  5.68  </a:t>
+            </a:r>
+            <a:r>
+              <a:rPr lang="it-IT" sz="2000" b="1" dirty="0"/>
+              <a:t>2.86</a:t>
+            </a:r>
+            <a:r>
+              <a:rPr lang="it-IT" sz="2000" dirty="0"/>
+              <a:t>  </a:t>
+            </a:r>
+            <a:r>
+              <a:rPr lang="it-IT" sz="2000" b="1" dirty="0"/>
+              <a:t>4.11</a:t>
+            </a:r>
+            <a:r>
+              <a:rPr lang="it-IT" sz="2000" dirty="0"/>
+              <a:t>  5.55) =&gt; (1.29  5.68  </a:t>
+            </a:r>
+            <a:r>
+              <a:rPr lang="it-IT" sz="2000" b="1" dirty="0"/>
+              <a:t>2.73</a:t>
+            </a:r>
+            <a:r>
+              <a:rPr lang="it-IT" sz="2000" dirty="0"/>
+              <a:t>  </a:t>
+            </a:r>
+            <a:r>
+              <a:rPr lang="it-IT" sz="2000" b="1" dirty="0"/>
+              <a:t>4.22</a:t>
+            </a:r>
+            <a:r>
+              <a:rPr lang="it-IT" sz="2000" dirty="0"/>
+              <a:t>  5.55</a:t>
+            </a:r>
+            <a:r>
+              <a:rPr lang="it-IT" sz="2000" dirty="0" smtClean="0"/>
+              <a:t>)</a:t>
+            </a:r>
+          </a:p>
+          <a:p>
+            <a:endParaRPr lang="it-IT" dirty="0" smtClean="0"/>
+          </a:p>
+          <a:p>
+            <a:r>
+              <a:rPr lang="it-IT" dirty="0" err="1" smtClean="0"/>
+              <a:t>It</a:t>
+            </a:r>
+            <a:r>
+              <a:rPr lang="it-IT" dirty="0" smtClean="0"/>
+              <a:t> </a:t>
+            </a:r>
+            <a:r>
+              <a:rPr lang="it-IT" dirty="0" err="1" smtClean="0"/>
+              <a:t>is</a:t>
+            </a:r>
+            <a:r>
+              <a:rPr lang="it-IT" dirty="0" smtClean="0"/>
+              <a:t> </a:t>
+            </a:r>
+            <a:r>
+              <a:rPr lang="it-IT" dirty="0" err="1" smtClean="0"/>
+              <a:t>suggested</a:t>
+            </a:r>
+            <a:r>
+              <a:rPr lang="it-IT" dirty="0" smtClean="0"/>
+              <a:t> to </a:t>
+            </a:r>
+            <a:r>
+              <a:rPr lang="it-IT" dirty="0" err="1" smtClean="0"/>
+              <a:t>perform</a:t>
+            </a:r>
+            <a:r>
+              <a:rPr lang="it-IT" dirty="0" smtClean="0"/>
+              <a:t> a </a:t>
+            </a:r>
+            <a:r>
+              <a:rPr lang="it-IT" dirty="0" err="1" smtClean="0"/>
+              <a:t>mutation</a:t>
+            </a:r>
+            <a:r>
+              <a:rPr lang="it-IT" dirty="0" smtClean="0"/>
+              <a:t> with </a:t>
+            </a:r>
+            <a:r>
+              <a:rPr lang="it-IT" dirty="0" err="1" smtClean="0"/>
+              <a:t>probability</a:t>
+            </a:r>
+            <a:r>
+              <a:rPr lang="it-IT" dirty="0" smtClean="0"/>
+              <a:t> </a:t>
+            </a:r>
+            <a:r>
+              <a:rPr lang="it-IT" dirty="0" err="1" smtClean="0"/>
               <a:t>between</a:t>
             </a:r>
             <a:r>
               <a:rPr lang="it-IT" dirty="0" smtClean="0"/>
-              <a:t> </a:t>
-            </a:r>
-            <a:r>
-              <a:rPr lang="it-IT" dirty="0" err="1" smtClean="0"/>
-              <a:t>two</a:t>
-            </a:r>
-            <a:r>
-              <a:rPr lang="it-IT" dirty="0" smtClean="0"/>
-              <a:t> or more </a:t>
-            </a:r>
-            <a:r>
-              <a:rPr lang="it-IT" dirty="0" err="1" smtClean="0"/>
-              <a:t>chromosomes</a:t>
-            </a:r>
-            <a:r>
-              <a:rPr lang="it-IT" dirty="0" smtClean="0"/>
-              <a:t>.</a:t>
-            </a:r>
-            <a:endParaRPr lang="it-IT" i="1" dirty="0"/>
+              <a:t> 0,5% </a:t>
+            </a:r>
+            <a:r>
+              <a:rPr lang="it-IT" dirty="0" err="1" smtClean="0"/>
+              <a:t>andd</a:t>
+            </a:r>
+            <a:r>
+              <a:rPr lang="it-IT" dirty="0" smtClean="0"/>
+              <a:t> 1,0%.</a:t>
+            </a:r>
+            <a:endParaRPr lang="it-IT" dirty="0"/>
           </a:p>
         </p:txBody>
       </p:sp>
     </p:spTree>
     <p:extLst>
       <p:ext uri="{BB962C8B-B14F-4D97-AF65-F5344CB8AC3E}">
-        <p14:creationId xmlns:p14="http://schemas.microsoft.com/office/powerpoint/2010/main" val="1529510469"/>
+        <p14:creationId xmlns:p14="http://schemas.microsoft.com/office/powerpoint/2010/main" val="4293372086"/>
       </p:ext>
     </p:extLst>
   </p:cSld>
@@ -10997,7 +11449,7 @@
           <a:p>
             <a:r>
               <a:rPr lang="it-IT" dirty="0" err="1" smtClean="0"/>
-              <a:t>Mutation</a:t>
+              <a:t>Carwin</a:t>
             </a:r>
             <a:endParaRPr lang="it-IT" dirty="0"/>
           </a:p>
@@ -11018,14 +11470,637 @@
           <a:bodyPr/>
           <a:lstStyle/>
           <a:p>
-            <a:endParaRPr lang="it-IT"/>
+            <a:r>
+              <a:rPr lang="it-IT" dirty="0" err="1" smtClean="0"/>
+              <a:t>Carwin</a:t>
+            </a:r>
+            <a:r>
+              <a:rPr lang="it-IT" dirty="0" smtClean="0"/>
+              <a:t> </a:t>
+            </a:r>
+            <a:r>
+              <a:rPr lang="it-IT" dirty="0" err="1" smtClean="0"/>
+              <a:t>is</a:t>
+            </a:r>
+            <a:r>
+              <a:rPr lang="it-IT" dirty="0" smtClean="0"/>
+              <a:t> a car </a:t>
+            </a:r>
+            <a:r>
+              <a:rPr lang="it-IT" dirty="0" err="1" smtClean="0"/>
+              <a:t>driven</a:t>
+            </a:r>
+            <a:r>
+              <a:rPr lang="it-IT" dirty="0" smtClean="0"/>
+              <a:t> by a </a:t>
+            </a:r>
+            <a:r>
+              <a:rPr lang="it-IT" dirty="0" err="1" smtClean="0"/>
+              <a:t>neural</a:t>
+            </a:r>
+            <a:r>
+              <a:rPr lang="it-IT" dirty="0" smtClean="0"/>
+              <a:t> network </a:t>
+            </a:r>
+            <a:r>
+              <a:rPr lang="it-IT" dirty="0" err="1" smtClean="0"/>
+              <a:t>which</a:t>
+            </a:r>
+            <a:r>
+              <a:rPr lang="it-IT" dirty="0" smtClean="0"/>
+              <a:t> </a:t>
+            </a:r>
+            <a:r>
+              <a:rPr lang="it-IT" dirty="0" err="1" smtClean="0"/>
+              <a:t>is</a:t>
+            </a:r>
+            <a:r>
+              <a:rPr lang="it-IT" dirty="0" smtClean="0"/>
+              <a:t> </a:t>
+            </a:r>
+            <a:r>
+              <a:rPr lang="it-IT" dirty="0" err="1" smtClean="0"/>
+              <a:t>trained</a:t>
+            </a:r>
+            <a:r>
+              <a:rPr lang="it-IT" dirty="0" smtClean="0"/>
+              <a:t> by a </a:t>
+            </a:r>
+            <a:r>
+              <a:rPr lang="it-IT" dirty="0" err="1" smtClean="0"/>
+              <a:t>genetic</a:t>
+            </a:r>
+            <a:r>
+              <a:rPr lang="it-IT" dirty="0" smtClean="0"/>
+              <a:t> </a:t>
+            </a:r>
+            <a:r>
+              <a:rPr lang="it-IT" dirty="0" err="1" smtClean="0"/>
+              <a:t>algorithm</a:t>
+            </a:r>
+            <a:r>
+              <a:rPr lang="it-IT" dirty="0" smtClean="0"/>
+              <a:t>.</a:t>
+            </a:r>
+          </a:p>
+          <a:p>
+            <a:r>
+              <a:rPr lang="it-IT" dirty="0" smtClean="0"/>
+              <a:t>Input of the </a:t>
+            </a:r>
+            <a:r>
+              <a:rPr lang="it-IT" dirty="0" err="1" smtClean="0"/>
+              <a:t>neural</a:t>
+            </a:r>
+            <a:r>
+              <a:rPr lang="it-IT" dirty="0" smtClean="0"/>
+              <a:t> network:</a:t>
+            </a:r>
+          </a:p>
+          <a:p>
+            <a:pPr lvl="1"/>
+            <a:r>
+              <a:rPr lang="it-IT" dirty="0" err="1" smtClean="0"/>
+              <a:t>Values</a:t>
+            </a:r>
+            <a:r>
+              <a:rPr lang="it-IT" dirty="0" smtClean="0"/>
+              <a:t> </a:t>
+            </a:r>
+            <a:r>
+              <a:rPr lang="it-IT" dirty="0" err="1" smtClean="0"/>
+              <a:t>returned</a:t>
+            </a:r>
+            <a:r>
+              <a:rPr lang="it-IT" dirty="0" smtClean="0"/>
+              <a:t> by </a:t>
+            </a:r>
+            <a:r>
+              <a:rPr lang="it-IT" dirty="0" err="1" smtClean="0"/>
+              <a:t>sensors</a:t>
+            </a:r>
+            <a:r>
+              <a:rPr lang="it-IT" dirty="0" smtClean="0"/>
+              <a:t> (4 </a:t>
+            </a:r>
+            <a:r>
+              <a:rPr lang="it-IT" dirty="0" err="1" smtClean="0"/>
+              <a:t>rays</a:t>
+            </a:r>
+            <a:r>
+              <a:rPr lang="it-IT" dirty="0" smtClean="0"/>
+              <a:t> to </a:t>
+            </a:r>
+            <a:r>
+              <a:rPr lang="it-IT" dirty="0" err="1" smtClean="0"/>
+              <a:t>tell</a:t>
+            </a:r>
+            <a:r>
+              <a:rPr lang="it-IT" dirty="0" smtClean="0"/>
+              <a:t> the car </a:t>
+            </a:r>
+            <a:r>
+              <a:rPr lang="it-IT" dirty="0" err="1" smtClean="0"/>
+              <a:t>where</a:t>
+            </a:r>
+            <a:r>
+              <a:rPr lang="it-IT" dirty="0" smtClean="0"/>
+              <a:t> </a:t>
+            </a:r>
+            <a:r>
+              <a:rPr lang="it-IT" dirty="0" err="1" smtClean="0"/>
+              <a:t>it</a:t>
+            </a:r>
+            <a:r>
+              <a:rPr lang="it-IT" dirty="0" smtClean="0"/>
+              <a:t> </a:t>
+            </a:r>
+            <a:r>
+              <a:rPr lang="it-IT" dirty="0" err="1" smtClean="0"/>
+              <a:t>is</a:t>
+            </a:r>
+            <a:r>
+              <a:rPr lang="it-IT" dirty="0" smtClean="0"/>
+              <a:t> in the </a:t>
+            </a:r>
+            <a:r>
+              <a:rPr lang="it-IT" dirty="0" err="1" smtClean="0"/>
+              <a:t>track</a:t>
+            </a:r>
+            <a:r>
+              <a:rPr lang="it-IT" dirty="0"/>
+              <a:t>;</a:t>
+            </a:r>
+            <a:endParaRPr lang="it-IT" dirty="0" smtClean="0"/>
+          </a:p>
+          <a:p>
+            <a:pPr lvl="1"/>
+            <a:r>
+              <a:rPr lang="it-IT" dirty="0" err="1" smtClean="0"/>
+              <a:t>Current</a:t>
+            </a:r>
+            <a:r>
+              <a:rPr lang="it-IT" dirty="0" smtClean="0"/>
+              <a:t> </a:t>
+            </a:r>
+            <a:r>
+              <a:rPr lang="it-IT" dirty="0" err="1" smtClean="0"/>
+              <a:t>speed</a:t>
+            </a:r>
+            <a:r>
+              <a:rPr lang="it-IT" dirty="0" smtClean="0"/>
+              <a:t> of the car;</a:t>
+            </a:r>
+          </a:p>
+          <a:p>
+            <a:pPr lvl="1"/>
+            <a:r>
+              <a:rPr lang="it-IT" dirty="0" smtClean="0"/>
+              <a:t>The </a:t>
+            </a:r>
+            <a:r>
+              <a:rPr lang="it-IT" dirty="0" err="1" smtClean="0"/>
+              <a:t>degree</a:t>
+            </a:r>
+            <a:r>
+              <a:rPr lang="it-IT" dirty="0" smtClean="0"/>
+              <a:t> of the curve in </a:t>
+            </a:r>
+            <a:r>
+              <a:rPr lang="it-IT" dirty="0" err="1" smtClean="0"/>
+              <a:t>witch</a:t>
+            </a:r>
+            <a:r>
+              <a:rPr lang="it-IT" dirty="0" smtClean="0"/>
+              <a:t> the car </a:t>
+            </a:r>
+            <a:r>
+              <a:rPr lang="it-IT" dirty="0" err="1" smtClean="0"/>
+              <a:t>is</a:t>
+            </a:r>
+            <a:r>
+              <a:rPr lang="it-IT" dirty="0"/>
+              <a:t> (0 for a </a:t>
+            </a:r>
+            <a:r>
+              <a:rPr lang="it-IT" dirty="0" err="1" smtClean="0"/>
+              <a:t>straight</a:t>
+            </a:r>
+            <a:r>
+              <a:rPr lang="it-IT" dirty="0" smtClean="0"/>
+              <a:t>).</a:t>
+            </a:r>
+          </a:p>
+          <a:p>
+            <a:r>
+              <a:rPr lang="it-IT" dirty="0"/>
+              <a:t>Output of the </a:t>
+            </a:r>
+            <a:r>
+              <a:rPr lang="it-IT" dirty="0" err="1"/>
+              <a:t>neural</a:t>
+            </a:r>
+            <a:r>
+              <a:rPr lang="it-IT" dirty="0"/>
+              <a:t> network:</a:t>
+            </a:r>
+          </a:p>
+          <a:p>
+            <a:pPr lvl="1"/>
+            <a:r>
+              <a:rPr lang="it-IT" dirty="0"/>
+              <a:t>A </a:t>
+            </a:r>
+            <a:r>
+              <a:rPr lang="it-IT" dirty="0" err="1"/>
+              <a:t>speed</a:t>
+            </a:r>
+            <a:r>
+              <a:rPr lang="it-IT" dirty="0"/>
+              <a:t>;</a:t>
+            </a:r>
+          </a:p>
+          <a:p>
+            <a:pPr lvl="1"/>
+            <a:r>
+              <a:rPr lang="it-IT" dirty="0"/>
+              <a:t>A </a:t>
+            </a:r>
+            <a:r>
+              <a:rPr lang="it-IT" dirty="0" err="1"/>
+              <a:t>steering</a:t>
+            </a:r>
+            <a:r>
+              <a:rPr lang="it-IT" dirty="0"/>
+              <a:t> force.</a:t>
+            </a:r>
+          </a:p>
+          <a:p>
+            <a:pPr marL="274320" lvl="1" indent="0">
+              <a:buNone/>
+            </a:pPr>
+            <a:endParaRPr lang="it-IT" dirty="0" smtClean="0"/>
+          </a:p>
+          <a:p>
+            <a:endParaRPr lang="it-IT" dirty="0" smtClean="0"/>
           </a:p>
         </p:txBody>
       </p:sp>
     </p:spTree>
     <p:extLst>
       <p:ext uri="{BB962C8B-B14F-4D97-AF65-F5344CB8AC3E}">
-        <p14:creationId xmlns:p14="http://schemas.microsoft.com/office/powerpoint/2010/main" val="4293372086"/>
+        <p14:creationId xmlns:p14="http://schemas.microsoft.com/office/powerpoint/2010/main" val="3656529460"/>
+      </p:ext>
+    </p:extLst>
+  </p:cSld>
+  <p:clrMapOvr>
+    <a:masterClrMapping/>
+  </p:clrMapOvr>
+  <p:timing>
+    <p:tnLst>
+      <p:par>
+        <p:cTn id="1" dur="indefinite" restart="never" nodeType="tmRoot"/>
+      </p:par>
+    </p:tnLst>
+  </p:timing>
+</p:sld>
+</file>
+
+<file path=ppt/slides/slide24.xml><?xml version="1.0" encoding="utf-8"?>
+<p:sld xmlns:a="http://schemas.openxmlformats.org/drawingml/2006/main" xmlns:r="http://schemas.openxmlformats.org/officeDocument/2006/relationships" xmlns:p="http://schemas.openxmlformats.org/presentationml/2006/main">
+  <p:cSld>
+    <p:spTree>
+      <p:nvGrpSpPr>
+        <p:cNvPr id="1" name=""/>
+        <p:cNvGrpSpPr/>
+        <p:nvPr/>
+      </p:nvGrpSpPr>
+      <p:grpSpPr>
+        <a:xfrm>
+          <a:off x="0" y="0"/>
+          <a:ext cx="0" cy="0"/>
+          <a:chOff x="0" y="0"/>
+          <a:chExt cx="0" cy="0"/>
+        </a:xfrm>
+      </p:grpSpPr>
+      <p:sp>
+        <p:nvSpPr>
+          <p:cNvPr id="2" name="Titolo 1"/>
+          <p:cNvSpPr>
+            <a:spLocks noGrp="1"/>
+          </p:cNvSpPr>
+          <p:nvPr>
+            <p:ph type="title"/>
+          </p:nvPr>
+        </p:nvSpPr>
+        <p:spPr/>
+        <p:txBody>
+          <a:bodyPr/>
+          <a:lstStyle/>
+          <a:p>
+            <a:r>
+              <a:rPr lang="it-IT" dirty="0" err="1" smtClean="0"/>
+              <a:t>Carwin</a:t>
+            </a:r>
+            <a:r>
+              <a:rPr lang="it-IT" dirty="0"/>
+              <a:t> </a:t>
+            </a:r>
+            <a:r>
+              <a:rPr lang="it-IT" dirty="0" smtClean="0"/>
+              <a:t>- 2</a:t>
+            </a:r>
+            <a:endParaRPr lang="it-IT" dirty="0"/>
+          </a:p>
+        </p:txBody>
+      </p:sp>
+      <p:pic>
+        <p:nvPicPr>
+          <p:cNvPr id="5" name="Segnaposto contenuto 4"/>
+          <p:cNvPicPr>
+            <a:picLocks noGrp="1" noChangeAspect="1"/>
+          </p:cNvPicPr>
+          <p:nvPr>
+            <p:ph idx="1"/>
+          </p:nvPr>
+        </p:nvPicPr>
+        <p:blipFill>
+          <a:blip r:embed="rId2" cstate="print">
+            <a:extLst>
+              <a:ext uri="{28A0092B-C50C-407E-A947-70E740481C1C}">
+                <a14:useLocalDpi xmlns:a14="http://schemas.microsoft.com/office/drawing/2010/main" val="0"/>
+              </a:ext>
+            </a:extLst>
+          </a:blip>
+          <a:stretch>
+            <a:fillRect/>
+          </a:stretch>
+        </p:blipFill>
+        <p:spPr>
+          <a:xfrm>
+            <a:off x="1736260" y="1439469"/>
+            <a:ext cx="5671481" cy="3979063"/>
+          </a:xfrm>
+          <a:prstGeom prst="rect">
+            <a:avLst/>
+          </a:prstGeom>
+        </p:spPr>
+      </p:pic>
+    </p:spTree>
+    <p:extLst>
+      <p:ext uri="{BB962C8B-B14F-4D97-AF65-F5344CB8AC3E}">
+        <p14:creationId xmlns:p14="http://schemas.microsoft.com/office/powerpoint/2010/main" val="3512168622"/>
+      </p:ext>
+    </p:extLst>
+  </p:cSld>
+  <p:clrMapOvr>
+    <a:masterClrMapping/>
+  </p:clrMapOvr>
+  <p:timing>
+    <p:tnLst>
+      <p:par>
+        <p:cTn id="1" dur="indefinite" restart="never" nodeType="tmRoot"/>
+      </p:par>
+    </p:tnLst>
+  </p:timing>
+</p:sld>
+</file>
+
+<file path=ppt/slides/slide25.xml><?xml version="1.0" encoding="utf-8"?>
+<p:sld xmlns:a="http://schemas.openxmlformats.org/drawingml/2006/main" xmlns:r="http://schemas.openxmlformats.org/officeDocument/2006/relationships" xmlns:p="http://schemas.openxmlformats.org/presentationml/2006/main">
+  <p:cSld>
+    <p:spTree>
+      <p:nvGrpSpPr>
+        <p:cNvPr id="1" name=""/>
+        <p:cNvGrpSpPr/>
+        <p:nvPr/>
+      </p:nvGrpSpPr>
+      <p:grpSpPr>
+        <a:xfrm>
+          <a:off x="0" y="0"/>
+          <a:ext cx="0" cy="0"/>
+          <a:chOff x="0" y="0"/>
+          <a:chExt cx="0" cy="0"/>
+        </a:xfrm>
+      </p:grpSpPr>
+      <p:sp>
+        <p:nvSpPr>
+          <p:cNvPr id="2" name="Titolo 1"/>
+          <p:cNvSpPr>
+            <a:spLocks noGrp="1"/>
+          </p:cNvSpPr>
+          <p:nvPr>
+            <p:ph type="title"/>
+          </p:nvPr>
+        </p:nvSpPr>
+        <p:spPr/>
+        <p:txBody>
+          <a:bodyPr/>
+          <a:lstStyle/>
+          <a:p>
+            <a:r>
+              <a:rPr lang="it-IT" dirty="0" err="1" smtClean="0"/>
+              <a:t>Carwin</a:t>
+            </a:r>
+            <a:r>
+              <a:rPr lang="it-IT" dirty="0" smtClean="0"/>
+              <a:t>: </a:t>
+            </a:r>
+            <a:r>
+              <a:rPr lang="it-IT" dirty="0" err="1" smtClean="0"/>
+              <a:t>genetic</a:t>
+            </a:r>
+            <a:r>
+              <a:rPr lang="it-IT" dirty="0" smtClean="0"/>
+              <a:t> </a:t>
+            </a:r>
+            <a:r>
+              <a:rPr lang="it-IT" dirty="0" err="1" smtClean="0"/>
+              <a:t>algorithm</a:t>
+            </a:r>
+            <a:endParaRPr lang="it-IT" dirty="0"/>
+          </a:p>
+        </p:txBody>
+      </p:sp>
+      <mc:AlternateContent xmlns:mc="http://schemas.openxmlformats.org/markup-compatibility/2006">
+        <mc:Choice xmlns:a14="http://schemas.microsoft.com/office/drawing/2010/main" Requires="a14">
+          <p:sp>
+            <p:nvSpPr>
+              <p:cNvPr id="3" name="Segnaposto contenuto 2"/>
+              <p:cNvSpPr>
+                <a:spLocks noGrp="1"/>
+              </p:cNvSpPr>
+              <p:nvPr>
+                <p:ph idx="1"/>
+              </p:nvPr>
+            </p:nvSpPr>
+            <p:spPr/>
+            <p:txBody>
+              <a:bodyPr/>
+              <a:lstStyle/>
+              <a:p>
+                <a:r>
+                  <a:rPr lang="it-IT" dirty="0" smtClean="0"/>
+                  <a:t>Chromosome: an array of </a:t>
+                </a:r>
+                <a:r>
+                  <a:rPr lang="it-IT" dirty="0" err="1" smtClean="0"/>
+                  <a:t>all</a:t>
+                </a:r>
+                <a:r>
+                  <a:rPr lang="it-IT" dirty="0" smtClean="0"/>
+                  <a:t> the </a:t>
+                </a:r>
+                <a:r>
+                  <a:rPr lang="it-IT" dirty="0" err="1" smtClean="0"/>
+                  <a:t>weights</a:t>
+                </a:r>
+                <a:r>
+                  <a:rPr lang="it-IT" dirty="0" smtClean="0"/>
+                  <a:t> of the </a:t>
+                </a:r>
+                <a:r>
+                  <a:rPr lang="it-IT" dirty="0" err="1" smtClean="0"/>
+                  <a:t>neural</a:t>
+                </a:r>
+                <a:r>
+                  <a:rPr lang="it-IT" dirty="0" smtClean="0"/>
+                  <a:t> network.</a:t>
+                </a:r>
+              </a:p>
+              <a:p>
+                <a:r>
+                  <a:rPr lang="it-IT" dirty="0" smtClean="0"/>
+                  <a:t>Fitness </a:t>
+                </a:r>
+                <a:r>
+                  <a:rPr lang="it-IT" dirty="0" err="1" smtClean="0"/>
+                  <a:t>function</a:t>
+                </a:r>
+                <a:r>
+                  <a:rPr lang="it-IT" dirty="0" smtClean="0"/>
+                  <a:t>: </a:t>
+                </a:r>
+                <a14:m>
+                  <m:oMath xmlns:m="http://schemas.openxmlformats.org/officeDocument/2006/math">
+                    <m:r>
+                      <m:rPr>
+                        <m:sty m:val="p"/>
+                      </m:rPr>
+                      <a:rPr lang="it-IT" sz="2800" b="0" i="0" smtClean="0">
+                        <a:latin typeface="Cambria Math"/>
+                      </a:rPr>
+                      <m:t>distance</m:t>
+                    </m:r>
+                    <m:r>
+                      <a:rPr lang="it-IT" sz="2800" b="0" i="0" smtClean="0">
+                        <a:latin typeface="Cambria Math"/>
+                      </a:rPr>
+                      <m:t> </m:t>
+                    </m:r>
+                    <m:r>
+                      <m:rPr>
+                        <m:sty m:val="p"/>
+                      </m:rPr>
+                      <a:rPr lang="it-IT" sz="2800" b="0" i="0" smtClean="0">
+                        <a:latin typeface="Cambria Math"/>
+                      </a:rPr>
+                      <m:t>traveled</m:t>
+                    </m:r>
+                    <m:r>
+                      <a:rPr lang="it-IT" sz="2800" b="0" i="0" smtClean="0">
+                        <a:latin typeface="Cambria Math"/>
+                      </a:rPr>
+                      <m:t> ∗</m:t>
+                    </m:r>
+                    <m:r>
+                      <m:rPr>
+                        <m:sty m:val="p"/>
+                      </m:rPr>
+                      <a:rPr lang="it-IT" sz="2800" b="0" i="0" smtClean="0">
+                        <a:latin typeface="Cambria Math"/>
+                      </a:rPr>
+                      <m:t>average</m:t>
+                    </m:r>
+                    <m:r>
+                      <a:rPr lang="it-IT" sz="2800" b="0" i="0" smtClean="0">
+                        <a:latin typeface="Cambria Math"/>
+                      </a:rPr>
+                      <m:t> </m:t>
+                    </m:r>
+                    <m:r>
+                      <m:rPr>
+                        <m:sty m:val="p"/>
+                      </m:rPr>
+                      <a:rPr lang="it-IT" sz="2800" b="0" i="0" smtClean="0">
+                        <a:latin typeface="Cambria Math"/>
+                      </a:rPr>
+                      <m:t>speed</m:t>
+                    </m:r>
+                  </m:oMath>
+                </a14:m>
+                <a:endParaRPr lang="it-IT" sz="2800" dirty="0" smtClean="0"/>
+              </a:p>
+              <a:p>
+                <a:r>
+                  <a:rPr lang="it-IT" dirty="0" smtClean="0"/>
+                  <a:t>Crossover: </a:t>
+                </a:r>
+                <a:r>
+                  <a:rPr lang="it-IT" dirty="0" err="1" smtClean="0"/>
+                  <a:t>one</a:t>
+                </a:r>
+                <a:r>
+                  <a:rPr lang="it-IT" dirty="0" smtClean="0"/>
+                  <a:t> </a:t>
+                </a:r>
+                <a:r>
+                  <a:rPr lang="it-IT" dirty="0" err="1" smtClean="0"/>
+                  <a:t>point</a:t>
+                </a:r>
+                <a:endParaRPr lang="it-IT" dirty="0" smtClean="0"/>
+              </a:p>
+            </p:txBody>
+          </p:sp>
+        </mc:Choice>
+        <mc:Fallback>
+          <p:sp>
+            <p:nvSpPr>
+              <p:cNvPr id="3" name="Segnaposto contenuto 2"/>
+              <p:cNvSpPr>
+                <a:spLocks noGrp="1" noRot="1" noChangeAspect="1" noMove="1" noResize="1" noEditPoints="1" noAdjustHandles="1" noChangeArrowheads="1" noChangeShapeType="1" noTextEdit="1"/>
+              </p:cNvSpPr>
+              <p:nvPr>
+                <p:ph idx="1"/>
+              </p:nvPr>
+            </p:nvSpPr>
+            <p:spPr>
+              <a:blipFill rotWithShape="1">
+                <a:blip r:embed="rId2"/>
+                <a:stretch>
+                  <a:fillRect l="-593" t="-875"/>
+                </a:stretch>
+              </a:blipFill>
+            </p:spPr>
+            <p:txBody>
+              <a:bodyPr/>
+              <a:lstStyle/>
+              <a:p>
+                <a:r>
+                  <a:rPr lang="it-IT">
+                    <a:noFill/>
+                  </a:rPr>
+                  <a:t> </a:t>
+                </a:r>
+              </a:p>
+            </p:txBody>
+          </p:sp>
+        </mc:Fallback>
+      </mc:AlternateContent>
+    </p:spTree>
+    <p:extLst>
+      <p:ext uri="{BB962C8B-B14F-4D97-AF65-F5344CB8AC3E}">
+        <p14:creationId xmlns:p14="http://schemas.microsoft.com/office/powerpoint/2010/main" val="3559687380"/>
       </p:ext>
     </p:extLst>
   </p:cSld>

--- a/presentation.pptx
+++ b/presentation.pptx
@@ -5,7 +5,7 @@
     <p:sldMasterId id="2147483660" r:id="rId1"/>
   </p:sldMasterIdLst>
   <p:notesMasterIdLst>
-    <p:notesMasterId r:id="rId27"/>
+    <p:notesMasterId r:id="rId28"/>
   </p:notesMasterIdLst>
   <p:sldIdLst>
     <p:sldId id="256" r:id="rId2"/>
@@ -30,9 +30,10 @@
     <p:sldId id="276" r:id="rId21"/>
     <p:sldId id="277" r:id="rId22"/>
     <p:sldId id="278" r:id="rId23"/>
-    <p:sldId id="279" r:id="rId24"/>
-    <p:sldId id="280" r:id="rId25"/>
-    <p:sldId id="281" r:id="rId26"/>
+    <p:sldId id="282" r:id="rId24"/>
+    <p:sldId id="279" r:id="rId25"/>
+    <p:sldId id="280" r:id="rId26"/>
+    <p:sldId id="281" r:id="rId27"/>
   </p:sldIdLst>
   <p:sldSz cx="9144000" cy="6858000" type="screen4x3"/>
   <p:notesSz cx="6858000" cy="9144000"/>
@@ -5845,7 +5846,7 @@
                             </p:stCondLst>
                             <p:childTnLst>
                               <p:par>
-                                <p:cTn id="5" presetID="31" presetClass="entr" presetSubtype="0" fill="hold" nodeType="clickEffect">
+                                <p:cTn id="5" presetID="53" presetClass="entr" presetSubtype="16" fill="hold" nodeType="clickEffect">
                                   <p:stCondLst>
                                     <p:cond delay="0"/>
                                   </p:stCondLst>
@@ -5926,36 +5927,9 @@
                                         </p:tav>
                                       </p:tavLst>
                                     </p:anim>
-                                    <p:anim calcmode="lin" valueType="num">
-                                      <p:cBhvr>
-                                        <p:cTn id="9" dur="500" fill="hold"/>
-                                        <p:tgtEl>
-                                          <p:spTgt spid="3">
-                                            <p:txEl>
-                                              <p:pRg st="3" end="3"/>
-                                            </p:txEl>
-                                          </p:spTgt>
-                                        </p:tgtEl>
-                                        <p:attrNameLst>
-                                          <p:attrName>style.rotation</p:attrName>
-                                        </p:attrNameLst>
-                                      </p:cBhvr>
-                                      <p:tavLst>
-                                        <p:tav tm="0">
-                                          <p:val>
-                                            <p:fltVal val="90"/>
-                                          </p:val>
-                                        </p:tav>
-                                        <p:tav tm="100000">
-                                          <p:val>
-                                            <p:fltVal val="0"/>
-                                          </p:val>
-                                        </p:tav>
-                                      </p:tavLst>
-                                    </p:anim>
                                     <p:animEffect transition="in" filter="fade">
                                       <p:cBhvr>
-                                        <p:cTn id="10" dur="500"/>
+                                        <p:cTn id="9" dur="500"/>
                                         <p:tgtEl>
                                           <p:spTgt spid="3">
                                             <p:txEl>
@@ -10215,8 +10189,39 @@
             </a:r>
             <a:r>
               <a:rPr lang="it-IT" dirty="0" smtClean="0"/>
-              <a:t> a new generation</a:t>
-            </a:r>
+              <a:t> a new </a:t>
+            </a:r>
+            <a:r>
+              <a:rPr lang="it-IT" dirty="0" smtClean="0"/>
+              <a:t>generation</a:t>
+            </a:r>
+          </a:p>
+          <a:p>
+            <a:pPr lvl="1"/>
+            <a:endParaRPr lang="it-IT" dirty="0"/>
+          </a:p>
+          <a:p>
+            <a:r>
+              <a:rPr lang="it-IT" dirty="0" smtClean="0"/>
+              <a:t>A "</a:t>
+            </a:r>
+            <a:r>
+              <a:rPr lang="it-IT" dirty="0" err="1" smtClean="0"/>
+              <a:t>little</a:t>
+            </a:r>
+            <a:r>
+              <a:rPr lang="it-IT" dirty="0" smtClean="0"/>
+              <a:t>" </a:t>
+            </a:r>
+            <a:r>
+              <a:rPr lang="it-IT" dirty="0" err="1" smtClean="0"/>
+              <a:t>project</a:t>
+            </a:r>
+            <a:r>
+              <a:rPr lang="it-IT" dirty="0" smtClean="0"/>
+              <a:t>…</a:t>
+            </a:r>
+            <a:endParaRPr lang="it-IT" dirty="0" smtClean="0"/>
           </a:p>
           <a:p>
             <a:pPr lvl="1"/>
@@ -10683,7 +10688,9 @@
           </a:xfrm>
         </p:spPr>
         <p:txBody>
-          <a:bodyPr/>
+          <a:bodyPr>
+            <a:normAutofit lnSpcReduction="10000"/>
+          </a:bodyPr>
           <a:lstStyle/>
           <a:p>
             <a:r>
@@ -10750,198 +10757,186 @@
               <a:rPr lang="it-IT" dirty="0" smtClean="0"/>
               <a:t>.</a:t>
             </a:r>
-          </a:p>
-          <a:p>
-            <a:r>
-              <a:rPr lang="it-IT" i="1" dirty="0" err="1" smtClean="0"/>
-              <a:t>There</a:t>
-            </a:r>
-            <a:r>
-              <a:rPr lang="it-IT" i="1" dirty="0" smtClean="0"/>
-              <a:t> are </a:t>
-            </a:r>
-            <a:r>
-              <a:rPr lang="it-IT" i="1" dirty="0" err="1" smtClean="0"/>
-              <a:t>differend</a:t>
-            </a:r>
-            <a:r>
-              <a:rPr lang="it-IT" i="1" dirty="0" smtClean="0"/>
+            <a:br>
+              <a:rPr lang="it-IT" dirty="0" smtClean="0"/>
+            </a:br>
+            <a:endParaRPr lang="it-IT" dirty="0" smtClean="0"/>
+          </a:p>
+          <a:p>
+            <a:r>
+              <a:rPr lang="it-IT" dirty="0" err="1" smtClean="0"/>
+              <a:t>Differend</a:t>
+            </a:r>
+            <a:r>
+              <a:rPr lang="it-IT" dirty="0" smtClean="0"/>
               <a:t> </a:t>
             </a:r>
             <a:r>
-              <a:rPr lang="it-IT" i="1" dirty="0" err="1" smtClean="0"/>
+              <a:rPr lang="it-IT" dirty="0" err="1" smtClean="0"/>
               <a:t>kinds</a:t>
             </a:r>
             <a:r>
-              <a:rPr lang="it-IT" i="1" dirty="0" smtClean="0"/>
+              <a:rPr lang="it-IT" dirty="0" smtClean="0"/>
               <a:t> of crossover:</a:t>
             </a:r>
           </a:p>
           <a:p>
             <a:pPr lvl="1"/>
             <a:r>
-              <a:rPr lang="it-IT" sz="2400" i="1" dirty="0" err="1" smtClean="0"/>
+              <a:rPr lang="it-IT" sz="2400" dirty="0" err="1" smtClean="0"/>
               <a:t>One</a:t>
             </a:r>
             <a:r>
-              <a:rPr lang="it-IT" sz="2400" i="1" dirty="0" smtClean="0"/>
+              <a:rPr lang="it-IT" sz="2400" dirty="0" smtClean="0"/>
               <a:t> </a:t>
             </a:r>
             <a:r>
-              <a:rPr lang="it-IT" sz="2400" i="1" dirty="0" err="1" smtClean="0"/>
+              <a:rPr lang="it-IT" sz="2400" dirty="0" err="1" smtClean="0"/>
               <a:t>point</a:t>
             </a:r>
-            <a:r>
-              <a:rPr lang="it-IT" sz="2400" i="1" dirty="0" smtClean="0"/>
-              <a:t>:</a:t>
-            </a:r>
+            <a:endParaRPr lang="it-IT" sz="2400" dirty="0" smtClean="0"/>
           </a:p>
           <a:p>
             <a:pPr lvl="1"/>
             <a:r>
-              <a:rPr lang="it-IT" sz="2400" i="1" dirty="0" err="1" smtClean="0"/>
+              <a:rPr lang="it-IT" sz="2400" dirty="0" err="1" smtClean="0"/>
               <a:t>Two</a:t>
             </a:r>
             <a:r>
-              <a:rPr lang="it-IT" sz="2400" i="1" dirty="0" smtClean="0"/>
+              <a:rPr lang="it-IT" sz="2400" dirty="0" smtClean="0"/>
               <a:t> </a:t>
             </a:r>
             <a:r>
-              <a:rPr lang="it-IT" sz="2400" i="1" dirty="0" err="1" smtClean="0"/>
+              <a:rPr lang="it-IT" sz="2400" dirty="0" err="1" smtClean="0"/>
               <a:t>point</a:t>
             </a:r>
-            <a:r>
-              <a:rPr lang="it-IT" sz="2400" i="1" dirty="0" smtClean="0"/>
-              <a:t>:</a:t>
-            </a:r>
+            <a:endParaRPr lang="it-IT" sz="2400" dirty="0" smtClean="0"/>
           </a:p>
           <a:p>
             <a:pPr lvl="1"/>
             <a:r>
-              <a:rPr lang="it-IT" sz="2400" i="1" dirty="0" err="1" smtClean="0"/>
+              <a:rPr lang="it-IT" sz="2400" dirty="0" err="1" smtClean="0"/>
               <a:t>Uniform</a:t>
             </a:r>
-            <a:r>
-              <a:rPr lang="it-IT" sz="2400" i="1" dirty="0" smtClean="0"/>
-              <a:t>:</a:t>
-            </a:r>
+            <a:endParaRPr lang="it-IT" sz="2400" dirty="0" smtClean="0"/>
           </a:p>
           <a:p>
             <a:pPr lvl="1"/>
             <a:r>
-              <a:rPr lang="it-IT" sz="2400" i="1" dirty="0" err="1" smtClean="0"/>
+              <a:rPr lang="it-IT" sz="2400" dirty="0" err="1" smtClean="0"/>
               <a:t>Arithmetic</a:t>
             </a:r>
-            <a:r>
-              <a:rPr lang="it-IT" sz="2400" i="1" dirty="0" smtClean="0"/>
-              <a:t>:</a:t>
-            </a:r>
+            <a:endParaRPr lang="it-IT" sz="2400" dirty="0" smtClean="0"/>
           </a:p>
           <a:p>
             <a:pPr lvl="1"/>
             <a:r>
-              <a:rPr lang="it-IT" sz="2400" i="1" dirty="0"/>
+              <a:rPr lang="it-IT" sz="2400" dirty="0"/>
               <a:t>B</a:t>
             </a:r>
             <a:r>
-              <a:rPr lang="it-IT" sz="2400" i="1" dirty="0" smtClean="0"/>
+              <a:rPr lang="it-IT" sz="2400" dirty="0" smtClean="0"/>
               <a:t>it </a:t>
             </a:r>
             <a:r>
-              <a:rPr lang="it-IT" sz="2400" i="1" dirty="0" err="1" smtClean="0"/>
+              <a:rPr lang="it-IT" sz="2400" dirty="0" err="1" smtClean="0"/>
               <a:t>inversion</a:t>
             </a:r>
             <a:r>
-              <a:rPr lang="it-IT" sz="2400" i="1" dirty="0" smtClean="0"/>
-              <a:t>:</a:t>
-            </a:r>
-          </a:p>
-          <a:p>
-            <a:r>
-              <a:rPr lang="it-IT" i="1" dirty="0" smtClean="0"/>
-              <a:t>With the crossover </a:t>
-            </a:r>
-            <a:r>
-              <a:rPr lang="it-IT" i="1" dirty="0" err="1" smtClean="0"/>
-              <a:t>starting</a:t>
-            </a:r>
-            <a:r>
-              <a:rPr lang="it-IT" i="1" dirty="0" smtClean="0"/>
-              <a:t> from </a:t>
-            </a:r>
-            <a:r>
-              <a:rPr lang="it-IT" i="1" dirty="0" err="1" smtClean="0"/>
+              <a:rPr lang="it-IT" sz="2400" dirty="0" smtClean="0"/>
+              <a:t/>
+            </a:r>
+            <a:br>
+              <a:rPr lang="it-IT" sz="2400" dirty="0" smtClean="0"/>
+            </a:br>
+            <a:endParaRPr lang="it-IT" sz="2400" dirty="0" smtClean="0"/>
+          </a:p>
+          <a:p>
+            <a:r>
+              <a:rPr lang="it-IT" dirty="0" smtClean="0"/>
+              <a:t>By </a:t>
+            </a:r>
+            <a:r>
+              <a:rPr lang="it-IT" dirty="0" err="1" smtClean="0"/>
+              <a:t>crossing</a:t>
+            </a:r>
+            <a:r>
+              <a:rPr lang="it-IT" dirty="0" smtClean="0"/>
+              <a:t> </a:t>
+            </a:r>
+            <a:r>
+              <a:rPr lang="it-IT" dirty="0" err="1" smtClean="0"/>
               <a:t>two</a:t>
             </a:r>
             <a:r>
-              <a:rPr lang="it-IT" i="1" dirty="0" smtClean="0"/>
+              <a:rPr lang="it-IT" dirty="0" smtClean="0"/>
               <a:t> </a:t>
             </a:r>
             <a:r>
-              <a:rPr lang="it-IT" i="1" dirty="0" err="1" smtClean="0"/>
+              <a:rPr lang="it-IT" dirty="0" err="1" smtClean="0"/>
               <a:t>chromosomes</a:t>
             </a:r>
             <a:r>
-              <a:rPr lang="it-IT" i="1" dirty="0" smtClean="0"/>
+              <a:rPr lang="it-IT" dirty="0" smtClean="0"/>
               <a:t> </a:t>
             </a:r>
             <a:r>
-              <a:rPr lang="it-IT" i="1" dirty="0" err="1" smtClean="0"/>
+              <a:rPr lang="it-IT" dirty="0" err="1" smtClean="0"/>
               <a:t>it</a:t>
             </a:r>
             <a:r>
-              <a:rPr lang="it-IT" i="1" dirty="0" smtClean="0"/>
+              <a:rPr lang="it-IT" dirty="0" smtClean="0"/>
               <a:t> </a:t>
             </a:r>
             <a:r>
-              <a:rPr lang="it-IT" i="1" dirty="0" err="1" smtClean="0"/>
+              <a:rPr lang="it-IT" dirty="0" err="1" smtClean="0"/>
               <a:t>is</a:t>
             </a:r>
             <a:r>
-              <a:rPr lang="it-IT" i="1" dirty="0" smtClean="0"/>
+              <a:rPr lang="it-IT" dirty="0" smtClean="0"/>
               <a:t> </a:t>
             </a:r>
             <a:r>
-              <a:rPr lang="it-IT" i="1" dirty="0" err="1" smtClean="0"/>
+              <a:rPr lang="it-IT" dirty="0" err="1" smtClean="0"/>
               <a:t>possible</a:t>
             </a:r>
             <a:r>
-              <a:rPr lang="it-IT" i="1" dirty="0" smtClean="0"/>
+              <a:rPr lang="it-IT" dirty="0" smtClean="0"/>
               <a:t> to </a:t>
             </a:r>
             <a:r>
-              <a:rPr lang="it-IT" i="1" dirty="0" err="1" smtClean="0"/>
+              <a:rPr lang="it-IT" dirty="0" err="1" smtClean="0"/>
               <a:t>obtain</a:t>
             </a:r>
             <a:r>
-              <a:rPr lang="it-IT" i="1" dirty="0" smtClean="0"/>
+              <a:rPr lang="it-IT" dirty="0" smtClean="0"/>
               <a:t> a </a:t>
             </a:r>
             <a:r>
-              <a:rPr lang="it-IT" i="1" dirty="0" err="1" smtClean="0"/>
+              <a:rPr lang="it-IT" dirty="0" err="1" smtClean="0"/>
               <a:t>couple</a:t>
             </a:r>
             <a:r>
-              <a:rPr lang="it-IT" i="1" dirty="0" smtClean="0"/>
+              <a:rPr lang="it-IT" dirty="0" smtClean="0"/>
               <a:t> of </a:t>
             </a:r>
             <a:r>
-              <a:rPr lang="it-IT" i="1" dirty="0" err="1" smtClean="0"/>
+              <a:rPr lang="it-IT" dirty="0" err="1" smtClean="0"/>
               <a:t>better</a:t>
             </a:r>
             <a:r>
-              <a:rPr lang="it-IT" i="1" dirty="0" smtClean="0"/>
+              <a:rPr lang="it-IT" dirty="0" smtClean="0"/>
               <a:t> </a:t>
             </a:r>
             <a:r>
-              <a:rPr lang="it-IT" i="1" dirty="0" err="1" smtClean="0"/>
+              <a:rPr lang="it-IT" dirty="0" err="1" smtClean="0"/>
               <a:t>chromosomes</a:t>
             </a:r>
             <a:r>
-              <a:rPr lang="it-IT" i="1" dirty="0" smtClean="0"/>
-              <a:t>.</a:t>
-            </a:r>
-            <a:endParaRPr lang="it-IT" i="1" dirty="0"/>
+              <a:rPr lang="it-IT" dirty="0"/>
+              <a:t>!</a:t>
+            </a:r>
+            <a:endParaRPr lang="it-IT" dirty="0"/>
           </a:p>
         </p:txBody>
       </p:sp>
@@ -10967,7 +10962,7 @@
         </p:blipFill>
         <p:spPr>
           <a:xfrm>
-            <a:off x="4788024" y="2780928"/>
+            <a:off x="5072637" y="2923811"/>
             <a:ext cx="3222303" cy="461095"/>
           </a:xfrm>
           <a:prstGeom prst="rect">
@@ -10997,7 +10992,7 @@
         </p:blipFill>
         <p:spPr>
           <a:xfrm>
-            <a:off x="4791048" y="3242022"/>
+            <a:off x="5072635" y="3375938"/>
             <a:ext cx="3219279" cy="460662"/>
           </a:xfrm>
           <a:prstGeom prst="rect">
@@ -11027,7 +11022,7 @@
         </p:blipFill>
         <p:spPr>
           <a:xfrm>
-            <a:off x="4791048" y="3717956"/>
+            <a:off x="5072636" y="3836600"/>
             <a:ext cx="3219279" cy="460662"/>
           </a:xfrm>
           <a:prstGeom prst="rect">
@@ -11057,7 +11052,7 @@
         </p:blipFill>
         <p:spPr>
           <a:xfrm>
-            <a:off x="4788024" y="4178618"/>
+            <a:off x="5072637" y="4273575"/>
             <a:ext cx="3222303" cy="461095"/>
           </a:xfrm>
           <a:prstGeom prst="rect">
@@ -11087,7 +11082,7 @@
         </p:blipFill>
         <p:spPr>
           <a:xfrm>
-            <a:off x="4791048" y="4639713"/>
+            <a:off x="5072637" y="4734670"/>
             <a:ext cx="3219279" cy="445471"/>
           </a:xfrm>
           <a:prstGeom prst="rect">
@@ -11384,12 +11379,12 @@
               <a:t> 0,5% </a:t>
             </a:r>
             <a:r>
-              <a:rPr lang="it-IT" dirty="0" err="1" smtClean="0"/>
-              <a:t>andd</a:t>
-            </a:r>
-            <a:r>
-              <a:rPr lang="it-IT" dirty="0" smtClean="0"/>
-              <a:t> 1,0%.</a:t>
+              <a:rPr lang="it-IT" dirty="0" smtClean="0"/>
+              <a:t>and </a:t>
+            </a:r>
+            <a:r>
+              <a:rPr lang="it-IT" dirty="0" smtClean="0"/>
+              <a:t>1,0%.</a:t>
             </a:r>
             <a:endParaRPr lang="it-IT" dirty="0"/>
           </a:p>
@@ -11439,7 +11434,7 @@
             <a:spLocks noGrp="1"/>
           </p:cNvSpPr>
           <p:nvPr>
-            <p:ph type="title"/>
+            <p:ph type="ctrTitle"/>
           </p:nvPr>
         </p:nvSpPr>
         <p:spPr/>
@@ -11457,305 +11452,84 @@
       </p:sp>
       <p:sp>
         <p:nvSpPr>
-          <p:cNvPr id="3" name="Segnaposto contenuto 2"/>
+          <p:cNvPr id="3" name="Sottotitolo 2"/>
           <p:cNvSpPr>
             <a:spLocks noGrp="1"/>
           </p:cNvSpPr>
           <p:nvPr>
-            <p:ph idx="1"/>
+            <p:ph type="subTitle" idx="1"/>
           </p:nvPr>
         </p:nvSpPr>
-        <p:spPr/>
-        <p:txBody>
-          <a:bodyPr/>
+        <p:spPr>
+          <a:xfrm>
+            <a:off x="685800" y="3505200"/>
+            <a:ext cx="7846640" cy="2804120"/>
+          </a:xfrm>
+        </p:spPr>
+        <p:txBody>
+          <a:bodyPr>
+            <a:normAutofit/>
+          </a:bodyPr>
           <a:lstStyle/>
           <a:p>
             <a:r>
-              <a:rPr lang="it-IT" dirty="0" err="1" smtClean="0"/>
-              <a:t>Carwin</a:t>
-            </a:r>
-            <a:r>
-              <a:rPr lang="it-IT" dirty="0" smtClean="0"/>
-              <a:t> </a:t>
-            </a:r>
-            <a:r>
-              <a:rPr lang="it-IT" dirty="0" err="1" smtClean="0"/>
-              <a:t>is</a:t>
-            </a:r>
-            <a:r>
-              <a:rPr lang="it-IT" dirty="0" smtClean="0"/>
-              <a:t> a car </a:t>
-            </a:r>
-            <a:r>
-              <a:rPr lang="it-IT" dirty="0" err="1" smtClean="0"/>
-              <a:t>driven</a:t>
-            </a:r>
-            <a:r>
-              <a:rPr lang="it-IT" dirty="0" smtClean="0"/>
-              <a:t> by a </a:t>
-            </a:r>
-            <a:r>
-              <a:rPr lang="it-IT" dirty="0" err="1" smtClean="0"/>
-              <a:t>neural</a:t>
-            </a:r>
-            <a:r>
-              <a:rPr lang="it-IT" dirty="0" smtClean="0"/>
-              <a:t> network </a:t>
-            </a:r>
-            <a:r>
-              <a:rPr lang="it-IT" dirty="0" err="1" smtClean="0"/>
-              <a:t>which</a:t>
-            </a:r>
-            <a:r>
-              <a:rPr lang="it-IT" dirty="0" smtClean="0"/>
-              <a:t> </a:t>
-            </a:r>
-            <a:r>
-              <a:rPr lang="it-IT" dirty="0" err="1" smtClean="0"/>
-              <a:t>is</a:t>
-            </a:r>
-            <a:r>
-              <a:rPr lang="it-IT" dirty="0" smtClean="0"/>
-              <a:t> </a:t>
-            </a:r>
-            <a:r>
-              <a:rPr lang="it-IT" dirty="0" err="1" smtClean="0"/>
-              <a:t>trained</a:t>
-            </a:r>
-            <a:r>
-              <a:rPr lang="it-IT" dirty="0" smtClean="0"/>
-              <a:t> by a </a:t>
-            </a:r>
-            <a:r>
-              <a:rPr lang="it-IT" dirty="0" err="1" smtClean="0"/>
-              <a:t>genetic</a:t>
-            </a:r>
-            <a:r>
-              <a:rPr lang="it-IT" dirty="0" smtClean="0"/>
-              <a:t> </a:t>
-            </a:r>
-            <a:r>
-              <a:rPr lang="it-IT" dirty="0" err="1" smtClean="0"/>
-              <a:t>algorithm</a:t>
-            </a:r>
-            <a:r>
-              <a:rPr lang="it-IT" dirty="0" smtClean="0"/>
-              <a:t>.</a:t>
-            </a:r>
-          </a:p>
-          <a:p>
-            <a:r>
-              <a:rPr lang="it-IT" dirty="0" smtClean="0"/>
-              <a:t>Input of the </a:t>
-            </a:r>
-            <a:r>
-              <a:rPr lang="it-IT" dirty="0" err="1" smtClean="0"/>
-              <a:t>neural</a:t>
-            </a:r>
-            <a:r>
-              <a:rPr lang="it-IT" dirty="0" smtClean="0"/>
-              <a:t> network:</a:t>
-            </a:r>
-          </a:p>
-          <a:p>
-            <a:pPr lvl="1"/>
-            <a:r>
-              <a:rPr lang="it-IT" dirty="0" err="1" smtClean="0"/>
-              <a:t>Values</a:t>
-            </a:r>
-            <a:r>
-              <a:rPr lang="it-IT" dirty="0" smtClean="0"/>
-              <a:t> </a:t>
-            </a:r>
-            <a:r>
-              <a:rPr lang="it-IT" dirty="0" err="1" smtClean="0"/>
-              <a:t>returned</a:t>
-            </a:r>
-            <a:r>
-              <a:rPr lang="it-IT" dirty="0" smtClean="0"/>
-              <a:t> by </a:t>
-            </a:r>
-            <a:r>
-              <a:rPr lang="it-IT" dirty="0" err="1" smtClean="0"/>
-              <a:t>sensors</a:t>
-            </a:r>
-            <a:r>
-              <a:rPr lang="it-IT" dirty="0" smtClean="0"/>
-              <a:t> (4 </a:t>
-            </a:r>
-            <a:r>
-              <a:rPr lang="it-IT" dirty="0" err="1" smtClean="0"/>
-              <a:t>rays</a:t>
-            </a:r>
-            <a:r>
-              <a:rPr lang="it-IT" dirty="0" smtClean="0"/>
-              <a:t> to </a:t>
-            </a:r>
-            <a:r>
-              <a:rPr lang="it-IT" dirty="0" err="1" smtClean="0"/>
-              <a:t>tell</a:t>
-            </a:r>
-            <a:r>
-              <a:rPr lang="it-IT" dirty="0" smtClean="0"/>
-              <a:t> the car </a:t>
-            </a:r>
-            <a:r>
-              <a:rPr lang="it-IT" dirty="0" err="1" smtClean="0"/>
-              <a:t>where</a:t>
-            </a:r>
-            <a:r>
-              <a:rPr lang="it-IT" dirty="0" smtClean="0"/>
-              <a:t> </a:t>
-            </a:r>
-            <a:r>
-              <a:rPr lang="it-IT" dirty="0" err="1" smtClean="0"/>
-              <a:t>it</a:t>
-            </a:r>
-            <a:r>
-              <a:rPr lang="it-IT" dirty="0" smtClean="0"/>
-              <a:t> </a:t>
-            </a:r>
-            <a:r>
-              <a:rPr lang="it-IT" dirty="0" err="1" smtClean="0"/>
-              <a:t>is</a:t>
-            </a:r>
-            <a:r>
-              <a:rPr lang="it-IT" dirty="0" smtClean="0"/>
-              <a:t> in the </a:t>
-            </a:r>
-            <a:r>
-              <a:rPr lang="it-IT" dirty="0" err="1" smtClean="0"/>
-              <a:t>track</a:t>
-            </a:r>
-            <a:r>
-              <a:rPr lang="it-IT" dirty="0"/>
-              <a:t>;</a:t>
-            </a:r>
-            <a:endParaRPr lang="it-IT" dirty="0" smtClean="0"/>
-          </a:p>
-          <a:p>
-            <a:pPr lvl="1"/>
-            <a:r>
-              <a:rPr lang="it-IT" dirty="0" err="1" smtClean="0"/>
-              <a:t>Current</a:t>
-            </a:r>
-            <a:r>
-              <a:rPr lang="it-IT" dirty="0" smtClean="0"/>
-              <a:t> </a:t>
-            </a:r>
-            <a:r>
-              <a:rPr lang="it-IT" dirty="0" err="1" smtClean="0"/>
-              <a:t>speed</a:t>
-            </a:r>
-            <a:r>
-              <a:rPr lang="it-IT" dirty="0" smtClean="0"/>
-              <a:t> of the car;</a:t>
-            </a:r>
-          </a:p>
-          <a:p>
-            <a:pPr lvl="1"/>
-            <a:r>
-              <a:rPr lang="it-IT" dirty="0" smtClean="0"/>
-              <a:t>The </a:t>
-            </a:r>
-            <a:r>
-              <a:rPr lang="it-IT" dirty="0" err="1" smtClean="0"/>
-              <a:t>degree</a:t>
-            </a:r>
-            <a:r>
-              <a:rPr lang="it-IT" dirty="0" smtClean="0"/>
-              <a:t> of the curve in </a:t>
-            </a:r>
-            <a:r>
-              <a:rPr lang="it-IT" dirty="0" err="1" smtClean="0"/>
-              <a:t>witch</a:t>
-            </a:r>
-            <a:r>
-              <a:rPr lang="it-IT" dirty="0" smtClean="0"/>
-              <a:t> the car </a:t>
-            </a:r>
-            <a:r>
-              <a:rPr lang="it-IT" dirty="0" err="1" smtClean="0"/>
-              <a:t>is</a:t>
-            </a:r>
-            <a:r>
-              <a:rPr lang="it-IT" dirty="0"/>
-              <a:t> (0 for a </a:t>
-            </a:r>
-            <a:r>
-              <a:rPr lang="it-IT" dirty="0" err="1" smtClean="0"/>
-              <a:t>straight</a:t>
-            </a:r>
-            <a:r>
-              <a:rPr lang="it-IT" dirty="0" smtClean="0"/>
-              <a:t>).</a:t>
-            </a:r>
-          </a:p>
-          <a:p>
-            <a:r>
-              <a:rPr lang="it-IT" dirty="0"/>
-              <a:t>Output of the </a:t>
-            </a:r>
-            <a:r>
-              <a:rPr lang="it-IT" dirty="0" err="1"/>
-              <a:t>neural</a:t>
-            </a:r>
-            <a:r>
-              <a:rPr lang="it-IT" dirty="0"/>
-              <a:t> network:</a:t>
-            </a:r>
-          </a:p>
-          <a:p>
-            <a:pPr lvl="1"/>
-            <a:r>
-              <a:rPr lang="it-IT" dirty="0"/>
-              <a:t>A </a:t>
-            </a:r>
-            <a:r>
-              <a:rPr lang="it-IT" dirty="0" err="1"/>
-              <a:t>speed</a:t>
-            </a:r>
-            <a:r>
-              <a:rPr lang="it-IT" dirty="0"/>
-              <a:t>;</a:t>
-            </a:r>
-          </a:p>
-          <a:p>
-            <a:pPr lvl="1"/>
-            <a:r>
-              <a:rPr lang="it-IT" dirty="0"/>
-              <a:t>A </a:t>
-            </a:r>
-            <a:r>
-              <a:rPr lang="it-IT" dirty="0" err="1"/>
-              <a:t>steering</a:t>
-            </a:r>
-            <a:r>
-              <a:rPr lang="it-IT" dirty="0"/>
-              <a:t> force.</a:t>
-            </a:r>
-          </a:p>
-          <a:p>
-            <a:pPr marL="274320" lvl="1" indent="0">
-              <a:buNone/>
-            </a:pPr>
-            <a:endParaRPr lang="it-IT" dirty="0" smtClean="0"/>
-          </a:p>
-          <a:p>
-            <a:endParaRPr lang="it-IT" dirty="0" smtClean="0"/>
+              <a:rPr lang="en-US" dirty="0"/>
+              <a:t>A self-driving car implemented with neural networks and genetic algorithms (AI Course Project)</a:t>
+            </a:r>
+            <a:r>
+              <a:rPr lang="it-IT" dirty="0" smtClean="0"/>
+              <a:t/>
+            </a:r>
+            <a:br>
+              <a:rPr lang="it-IT" dirty="0" smtClean="0"/>
+            </a:br>
+            <a:r>
+              <a:rPr lang="it-IT" dirty="0" smtClean="0"/>
+              <a:t/>
+            </a:r>
+            <a:br>
+              <a:rPr lang="it-IT" dirty="0" smtClean="0"/>
+            </a:br>
+            <a:endParaRPr lang="it-IT" dirty="0"/>
+          </a:p>
+          <a:p>
+            <a:pPr algn="ctr"/>
+            <a:r>
+              <a:rPr lang="it-IT" dirty="0" smtClean="0"/>
+              <a:t>Università degli Studi di Bologna</a:t>
+            </a:r>
+            <a:br>
+              <a:rPr lang="it-IT" dirty="0" smtClean="0"/>
+            </a:br>
+            <a:r>
+              <a:rPr lang="it-IT" dirty="0" smtClean="0"/>
+              <a:t>LM Informatica 2012/13</a:t>
+            </a:r>
           </a:p>
         </p:txBody>
       </p:sp>
     </p:spTree>
     <p:extLst>
       <p:ext uri="{BB962C8B-B14F-4D97-AF65-F5344CB8AC3E}">
-        <p14:creationId xmlns:p14="http://schemas.microsoft.com/office/powerpoint/2010/main" val="3656529460"/>
+        <p14:creationId xmlns:p14="http://schemas.microsoft.com/office/powerpoint/2010/main" val="694007294"/>
       </p:ext>
     </p:extLst>
   </p:cSld>
   <p:clrMapOvr>
     <a:masterClrMapping/>
   </p:clrMapOvr>
+  <mc:AlternateContent xmlns:mc="http://schemas.openxmlformats.org/markup-compatibility/2006">
+    <mc:Choice xmlns:p14="http://schemas.microsoft.com/office/powerpoint/2010/main" Requires="p14">
+      <p:transition spd="slow" p14:dur="1600">
+        <p14:gallery dir="l"/>
+      </p:transition>
+    </mc:Choice>
+    <mc:Fallback>
+      <p:transition spd="slow">
+        <p:fade/>
+      </p:transition>
+    </mc:Fallback>
+  </mc:AlternateContent>
   <p:timing>
     <p:tnLst>
       <p:par>
@@ -11802,54 +11576,438 @@
               <a:rPr lang="it-IT" dirty="0" err="1" smtClean="0"/>
               <a:t>Carwin</a:t>
             </a:r>
-            <a:r>
-              <a:rPr lang="it-IT" dirty="0"/>
-              <a:t> </a:t>
-            </a:r>
-            <a:r>
-              <a:rPr lang="it-IT" dirty="0" smtClean="0"/>
-              <a:t>- 2</a:t>
-            </a:r>
             <a:endParaRPr lang="it-IT" dirty="0"/>
           </a:p>
         </p:txBody>
       </p:sp>
-      <p:pic>
-        <p:nvPicPr>
-          <p:cNvPr id="5" name="Segnaposto contenuto 4"/>
-          <p:cNvPicPr>
-            <a:picLocks noGrp="1" noChangeAspect="1"/>
-          </p:cNvPicPr>
+      <p:sp>
+        <p:nvSpPr>
+          <p:cNvPr id="3" name="Segnaposto contenuto 2"/>
+          <p:cNvSpPr>
+            <a:spLocks noGrp="1"/>
+          </p:cNvSpPr>
           <p:nvPr>
             <p:ph idx="1"/>
           </p:nvPr>
-        </p:nvPicPr>
-        <p:blipFill>
-          <a:blip r:embed="rId2" cstate="print">
+        </p:nvSpPr>
+        <p:spPr/>
+        <p:txBody>
+          <a:bodyPr/>
+          <a:lstStyle/>
+          <a:p>
+            <a:r>
+              <a:rPr lang="it-IT" dirty="0" err="1" smtClean="0"/>
+              <a:t>Carwin</a:t>
+            </a:r>
+            <a:r>
+              <a:rPr lang="it-IT" dirty="0" smtClean="0"/>
+              <a:t> </a:t>
+            </a:r>
+            <a:r>
+              <a:rPr lang="it-IT" dirty="0" err="1" smtClean="0"/>
+              <a:t>is</a:t>
+            </a:r>
+            <a:r>
+              <a:rPr lang="it-IT" dirty="0" smtClean="0"/>
+              <a:t> a car </a:t>
+            </a:r>
+            <a:r>
+              <a:rPr lang="it-IT" dirty="0" err="1" smtClean="0"/>
+              <a:t>driven</a:t>
+            </a:r>
+            <a:r>
+              <a:rPr lang="it-IT" dirty="0" smtClean="0"/>
+              <a:t> by a </a:t>
+            </a:r>
+            <a:r>
+              <a:rPr lang="it-IT" dirty="0" err="1" smtClean="0"/>
+              <a:t>neural</a:t>
+            </a:r>
+            <a:r>
+              <a:rPr lang="it-IT" dirty="0" smtClean="0"/>
+              <a:t> network </a:t>
+            </a:r>
+            <a:r>
+              <a:rPr lang="it-IT" dirty="0" err="1" smtClean="0"/>
+              <a:t>which</a:t>
+            </a:r>
+            <a:r>
+              <a:rPr lang="it-IT" dirty="0" smtClean="0"/>
+              <a:t> </a:t>
+            </a:r>
+            <a:r>
+              <a:rPr lang="it-IT" dirty="0" err="1" smtClean="0"/>
+              <a:t>is</a:t>
+            </a:r>
+            <a:r>
+              <a:rPr lang="it-IT" dirty="0" smtClean="0"/>
+              <a:t> </a:t>
+            </a:r>
+            <a:r>
+              <a:rPr lang="it-IT" dirty="0" err="1" smtClean="0"/>
+              <a:t>trained</a:t>
+            </a:r>
+            <a:r>
+              <a:rPr lang="it-IT" dirty="0" smtClean="0"/>
+              <a:t> by a </a:t>
+            </a:r>
+            <a:r>
+              <a:rPr lang="it-IT" dirty="0" err="1" smtClean="0"/>
+              <a:t>genetic</a:t>
+            </a:r>
+            <a:r>
+              <a:rPr lang="it-IT" dirty="0" smtClean="0"/>
+              <a:t> </a:t>
+            </a:r>
+            <a:r>
+              <a:rPr lang="it-IT" dirty="0" err="1" smtClean="0"/>
+              <a:t>algorithm</a:t>
+            </a:r>
+            <a:r>
+              <a:rPr lang="it-IT" dirty="0" smtClean="0"/>
+              <a:t>.</a:t>
+            </a:r>
+            <a:br>
+              <a:rPr lang="it-IT" dirty="0" smtClean="0"/>
+            </a:br>
+            <a:endParaRPr lang="it-IT" dirty="0" smtClean="0"/>
+          </a:p>
+          <a:p>
+            <a:r>
+              <a:rPr lang="it-IT" dirty="0" smtClean="0"/>
+              <a:t>The </a:t>
+            </a:r>
+            <a:r>
+              <a:rPr lang="it-IT" dirty="0" err="1" smtClean="0"/>
+              <a:t>neural</a:t>
+            </a:r>
+            <a:r>
+              <a:rPr lang="it-IT" dirty="0" smtClean="0"/>
+              <a:t> network </a:t>
+            </a:r>
+            <a:r>
+              <a:rPr lang="it-IT" dirty="0" err="1" smtClean="0"/>
+              <a:t>inputs</a:t>
+            </a:r>
+            <a:r>
+              <a:rPr lang="it-IT" dirty="0" smtClean="0"/>
+              <a:t> are</a:t>
+            </a:r>
+            <a:r>
+              <a:rPr lang="it-IT" dirty="0" smtClean="0"/>
+              <a:t>:</a:t>
+            </a:r>
+            <a:endParaRPr lang="it-IT" dirty="0" smtClean="0"/>
+          </a:p>
+          <a:p>
+            <a:pPr lvl="1"/>
+            <a:r>
+              <a:rPr lang="it-IT" dirty="0" err="1" smtClean="0"/>
+              <a:t>Values</a:t>
+            </a:r>
+            <a:r>
+              <a:rPr lang="it-IT" dirty="0" smtClean="0"/>
+              <a:t> </a:t>
+            </a:r>
+            <a:r>
+              <a:rPr lang="it-IT" dirty="0" err="1" smtClean="0"/>
+              <a:t>returned</a:t>
+            </a:r>
+            <a:r>
+              <a:rPr lang="it-IT" dirty="0" smtClean="0"/>
+              <a:t> </a:t>
+            </a:r>
+            <a:r>
+              <a:rPr lang="it-IT" dirty="0" smtClean="0"/>
+              <a:t>by 4 </a:t>
+            </a:r>
+            <a:r>
+              <a:rPr lang="it-IT" dirty="0" err="1" smtClean="0"/>
+              <a:t>sensors</a:t>
+            </a:r>
+            <a:r>
+              <a:rPr lang="it-IT" dirty="0"/>
+              <a:t> </a:t>
+            </a:r>
+            <a:r>
+              <a:rPr lang="it-IT" dirty="0" err="1" smtClean="0"/>
+              <a:t>using</a:t>
+            </a:r>
+            <a:r>
+              <a:rPr lang="it-IT" dirty="0" smtClean="0"/>
+              <a:t> </a:t>
+            </a:r>
+            <a:r>
+              <a:rPr lang="it-IT" dirty="0" err="1" smtClean="0"/>
+              <a:t>raycast</a:t>
+            </a:r>
+            <a:r>
+              <a:rPr lang="it-IT" dirty="0" smtClean="0"/>
+              <a:t> </a:t>
+            </a:r>
+            <a:r>
+              <a:rPr lang="it-IT" dirty="0" err="1" smtClean="0"/>
+              <a:t>method</a:t>
+            </a:r>
+            <a:r>
+              <a:rPr lang="it-IT" dirty="0" smtClean="0"/>
+              <a:t>:</a:t>
+            </a:r>
+            <a:endParaRPr lang="it-IT" dirty="0" smtClean="0"/>
+          </a:p>
+          <a:p>
+            <a:pPr lvl="2"/>
+            <a:r>
+              <a:rPr lang="it-IT" dirty="0" smtClean="0"/>
+              <a:t>Angle of a </a:t>
+            </a:r>
+            <a:r>
+              <a:rPr lang="it-IT" dirty="0" err="1" smtClean="0"/>
+              <a:t>imminent</a:t>
+            </a:r>
+            <a:r>
+              <a:rPr lang="it-IT" dirty="0" smtClean="0"/>
+              <a:t> turn, in </a:t>
+            </a:r>
+            <a:r>
+              <a:rPr lang="it-IT" dirty="0" err="1" smtClean="0"/>
+              <a:t>degrees</a:t>
+            </a:r>
+            <a:r>
+              <a:rPr lang="it-IT" dirty="0" smtClean="0"/>
+              <a:t> (from -90 to 90)</a:t>
+            </a:r>
+          </a:p>
+          <a:p>
+            <a:pPr lvl="2"/>
+            <a:r>
+              <a:rPr lang="it-IT" dirty="0" err="1" smtClean="0"/>
+              <a:t>Distances</a:t>
+            </a:r>
+            <a:r>
+              <a:rPr lang="it-IT" dirty="0" smtClean="0"/>
+              <a:t> from front and side </a:t>
+            </a:r>
+            <a:r>
+              <a:rPr lang="it-IT" dirty="0" err="1" smtClean="0"/>
+              <a:t>walls</a:t>
+            </a:r>
+            <a:endParaRPr lang="it-IT" dirty="0" smtClean="0"/>
+          </a:p>
+          <a:p>
+            <a:pPr lvl="1"/>
+            <a:r>
+              <a:rPr lang="it-IT" dirty="0" err="1" smtClean="0"/>
+              <a:t>Current</a:t>
+            </a:r>
+            <a:r>
+              <a:rPr lang="it-IT" dirty="0" smtClean="0"/>
+              <a:t> </a:t>
+            </a:r>
+            <a:r>
+              <a:rPr lang="it-IT" dirty="0" err="1" smtClean="0"/>
+              <a:t>speed</a:t>
+            </a:r>
+            <a:r>
+              <a:rPr lang="it-IT" dirty="0" smtClean="0"/>
+              <a:t> of the car</a:t>
+            </a:r>
+            <a:br>
+              <a:rPr lang="it-IT" dirty="0" smtClean="0"/>
+            </a:br>
+            <a:endParaRPr lang="it-IT" dirty="0" smtClean="0"/>
+          </a:p>
+          <a:p>
+            <a:r>
+              <a:rPr lang="it-IT" dirty="0" smtClean="0"/>
+              <a:t>The </a:t>
+            </a:r>
+            <a:r>
+              <a:rPr lang="it-IT" dirty="0" err="1" smtClean="0"/>
+              <a:t>neural</a:t>
+            </a:r>
+            <a:r>
+              <a:rPr lang="it-IT" dirty="0" smtClean="0"/>
+              <a:t> network </a:t>
+            </a:r>
+            <a:r>
+              <a:rPr lang="it-IT" dirty="0" err="1" smtClean="0"/>
+              <a:t>outputs</a:t>
+            </a:r>
+            <a:r>
+              <a:rPr lang="it-IT" dirty="0" smtClean="0"/>
+              <a:t>:</a:t>
+            </a:r>
+            <a:endParaRPr lang="it-IT" dirty="0"/>
+          </a:p>
+          <a:p>
+            <a:pPr lvl="1"/>
+            <a:r>
+              <a:rPr lang="it-IT" dirty="0" smtClean="0"/>
+              <a:t>An </a:t>
+            </a:r>
+            <a:r>
+              <a:rPr lang="it-IT" dirty="0" err="1" smtClean="0"/>
+              <a:t>acceleration</a:t>
+            </a:r>
+            <a:r>
+              <a:rPr lang="it-IT" dirty="0" smtClean="0"/>
+              <a:t> </a:t>
+            </a:r>
+            <a:r>
+              <a:rPr lang="it-IT" dirty="0" err="1" smtClean="0"/>
+              <a:t>factor</a:t>
+            </a:r>
+            <a:r>
+              <a:rPr lang="it-IT" dirty="0" smtClean="0"/>
+              <a:t> (from 0.0 to 1.0)</a:t>
+            </a:r>
+            <a:endParaRPr lang="it-IT" dirty="0"/>
+          </a:p>
+          <a:p>
+            <a:pPr lvl="1"/>
+            <a:r>
+              <a:rPr lang="it-IT" dirty="0"/>
+              <a:t>A </a:t>
+            </a:r>
+            <a:r>
+              <a:rPr lang="it-IT" dirty="0" err="1"/>
+              <a:t>steering</a:t>
+            </a:r>
+            <a:r>
+              <a:rPr lang="it-IT" dirty="0"/>
+              <a:t> </a:t>
+            </a:r>
+            <a:r>
+              <a:rPr lang="it-IT" dirty="0"/>
+              <a:t>force (from </a:t>
+            </a:r>
+            <a:r>
+              <a:rPr lang="it-IT" dirty="0" smtClean="0"/>
+              <a:t>-1.0 </a:t>
+            </a:r>
+            <a:r>
+              <a:rPr lang="it-IT" dirty="0"/>
+              <a:t>to 1.0</a:t>
+            </a:r>
+            <a:r>
+              <a:rPr lang="it-IT" dirty="0" smtClean="0"/>
+              <a:t>)</a:t>
+            </a:r>
+            <a:endParaRPr lang="it-IT" dirty="0"/>
+          </a:p>
+          <a:p>
+            <a:pPr marL="274320" lvl="1" indent="0">
+              <a:buNone/>
+            </a:pPr>
+            <a:endParaRPr lang="it-IT" dirty="0" smtClean="0"/>
+          </a:p>
+          <a:p>
+            <a:endParaRPr lang="it-IT" dirty="0" smtClean="0"/>
+          </a:p>
+        </p:txBody>
+      </p:sp>
+      <p:grpSp>
+        <p:nvGrpSpPr>
+          <p:cNvPr id="4" name="Gruppo 3"/>
+          <p:cNvGrpSpPr/>
+          <p:nvPr/>
+        </p:nvGrpSpPr>
+        <p:grpSpPr>
+          <a:xfrm>
+            <a:off x="5875741" y="3789308"/>
+            <a:ext cx="2482583" cy="2445180"/>
+            <a:chOff x="5940152" y="3789308"/>
+            <a:chExt cx="2482583" cy="2445180"/>
+          </a:xfrm>
+        </p:grpSpPr>
+        <p:pic>
+          <p:nvPicPr>
+            <p:cNvPr id="1028" name="Picture 4" descr="http://www.search-best-cartoon.com/cartoon-cars/cartoon-cars-27.jpg"/>
+            <p:cNvPicPr>
+              <a:picLocks noChangeAspect="1" noChangeArrowheads="1"/>
+            </p:cNvPicPr>
+            <p:nvPr/>
+          </p:nvPicPr>
+          <p:blipFill>
+            <a:blip r:embed="rId2" cstate="print">
+              <a:extLst>
+                <a:ext uri="{28A0092B-C50C-407E-A947-70E740481C1C}">
+                  <a14:useLocalDpi xmlns:a14="http://schemas.microsoft.com/office/drawing/2010/main" val="0"/>
+                </a:ext>
+              </a:extLst>
+            </a:blip>
+            <a:srcRect/>
+            <a:stretch>
+              <a:fillRect/>
+            </a:stretch>
+          </p:blipFill>
+          <p:spPr bwMode="auto">
+            <a:xfrm>
+              <a:off x="5940152" y="5229200"/>
+              <a:ext cx="2418172" cy="1005288"/>
+            </a:xfrm>
+            <a:prstGeom prst="rect">
+              <a:avLst/>
+            </a:prstGeom>
+            <a:noFill/>
             <a:extLst>
-              <a:ext uri="{28A0092B-C50C-407E-A947-70E740481C1C}">
-                <a14:useLocalDpi xmlns:a14="http://schemas.microsoft.com/office/drawing/2010/main" val="0"/>
+              <a:ext uri="{909E8E84-426E-40DD-AFC4-6F175D3DCCD1}">
+                <a14:hiddenFill xmlns:a14="http://schemas.microsoft.com/office/drawing/2010/main">
+                  <a:solidFill>
+                    <a:srgbClr val="FFFFFF"/>
+                  </a:solidFill>
+                </a14:hiddenFill>
               </a:ext>
             </a:extLst>
-          </a:blip>
-          <a:stretch>
-            <a:fillRect/>
-          </a:stretch>
-        </p:blipFill>
-        <p:spPr>
-          <a:xfrm>
-            <a:off x="1736260" y="1439469"/>
-            <a:ext cx="5671481" cy="3979063"/>
-          </a:xfrm>
-          <a:prstGeom prst="rect">
-            <a:avLst/>
-          </a:prstGeom>
-        </p:spPr>
-      </p:pic>
+          </p:spPr>
+        </p:pic>
+        <p:pic>
+          <p:nvPicPr>
+            <p:cNvPr id="1030" name="Picture 6" descr="http://farm4.static.flickr.com/3615/4050115883_3147c673d6_o.jpg"/>
+            <p:cNvPicPr>
+              <a:picLocks noChangeAspect="1" noChangeArrowheads="1"/>
+            </p:cNvPicPr>
+            <p:nvPr/>
+          </p:nvPicPr>
+          <p:blipFill>
+            <a:blip r:embed="rId3" cstate="print">
+              <a:extLst>
+                <a:ext uri="{28A0092B-C50C-407E-A947-70E740481C1C}">
+                  <a14:useLocalDpi xmlns:a14="http://schemas.microsoft.com/office/drawing/2010/main" val="0"/>
+                </a:ext>
+              </a:extLst>
+            </a:blip>
+            <a:srcRect/>
+            <a:stretch>
+              <a:fillRect/>
+            </a:stretch>
+          </p:blipFill>
+          <p:spPr bwMode="auto">
+            <a:xfrm>
+              <a:off x="7232495" y="3789308"/>
+              <a:ext cx="1190240" cy="1406648"/>
+            </a:xfrm>
+            <a:prstGeom prst="rect">
+              <a:avLst/>
+            </a:prstGeom>
+            <a:noFill/>
+            <a:extLst>
+              <a:ext uri="{909E8E84-426E-40DD-AFC4-6F175D3DCCD1}">
+                <a14:hiddenFill xmlns:a14="http://schemas.microsoft.com/office/drawing/2010/main">
+                  <a:solidFill>
+                    <a:srgbClr val="FFFFFF"/>
+                  </a:solidFill>
+                </a14:hiddenFill>
+              </a:ext>
+            </a:extLst>
+          </p:spPr>
+        </p:pic>
+      </p:grpSp>
     </p:spTree>
     <p:extLst>
       <p:ext uri="{BB962C8B-B14F-4D97-AF65-F5344CB8AC3E}">
-        <p14:creationId xmlns:p14="http://schemas.microsoft.com/office/powerpoint/2010/main" val="3512168622"/>
+        <p14:creationId xmlns:p14="http://schemas.microsoft.com/office/powerpoint/2010/main" val="3656529460"/>
       </p:ext>
     </p:extLst>
   </p:cSld>
@@ -11902,6 +12060,98 @@
               <a:rPr lang="it-IT" dirty="0" err="1" smtClean="0"/>
               <a:t>Carwin</a:t>
             </a:r>
+            <a:endParaRPr lang="it-IT" dirty="0"/>
+          </a:p>
+        </p:txBody>
+      </p:sp>
+      <p:pic>
+        <p:nvPicPr>
+          <p:cNvPr id="5" name="Segnaposto contenuto 4"/>
+          <p:cNvPicPr>
+            <a:picLocks noGrp="1" noChangeAspect="1"/>
+          </p:cNvPicPr>
+          <p:nvPr>
+            <p:ph idx="1"/>
+          </p:nvPr>
+        </p:nvPicPr>
+        <p:blipFill>
+          <a:blip r:embed="rId2" cstate="print">
+            <a:extLst>
+              <a:ext uri="{28A0092B-C50C-407E-A947-70E740481C1C}">
+                <a14:useLocalDpi xmlns:a14="http://schemas.microsoft.com/office/drawing/2010/main" val="0"/>
+              </a:ext>
+            </a:extLst>
+          </a:blip>
+          <a:stretch>
+            <a:fillRect/>
+          </a:stretch>
+        </p:blipFill>
+        <p:spPr>
+          <a:xfrm>
+            <a:off x="1187624" y="1628800"/>
+            <a:ext cx="6568654" cy="4608512"/>
+          </a:xfrm>
+          <a:prstGeom prst="rect">
+            <a:avLst/>
+          </a:prstGeom>
+        </p:spPr>
+      </p:pic>
+    </p:spTree>
+    <p:extLst>
+      <p:ext uri="{BB962C8B-B14F-4D97-AF65-F5344CB8AC3E}">
+        <p14:creationId xmlns:p14="http://schemas.microsoft.com/office/powerpoint/2010/main" val="3512168622"/>
+      </p:ext>
+    </p:extLst>
+  </p:cSld>
+  <p:clrMapOvr>
+    <a:masterClrMapping/>
+  </p:clrMapOvr>
+  <p:timing>
+    <p:tnLst>
+      <p:par>
+        <p:cTn id="1" dur="indefinite" restart="never" nodeType="tmRoot"/>
+      </p:par>
+    </p:tnLst>
+  </p:timing>
+</p:sld>
+</file>
+
+<file path=ppt/slides/slide26.xml><?xml version="1.0" encoding="utf-8"?>
+<p:sld xmlns:a="http://schemas.openxmlformats.org/drawingml/2006/main" xmlns:r="http://schemas.openxmlformats.org/officeDocument/2006/relationships" xmlns:p="http://schemas.openxmlformats.org/presentationml/2006/main">
+  <p:cSld>
+    <p:spTree>
+      <p:nvGrpSpPr>
+        <p:cNvPr id="1" name=""/>
+        <p:cNvGrpSpPr/>
+        <p:nvPr/>
+      </p:nvGrpSpPr>
+      <p:grpSpPr>
+        <a:xfrm>
+          <a:off x="0" y="0"/>
+          <a:ext cx="0" cy="0"/>
+          <a:chOff x="0" y="0"/>
+          <a:chExt cx="0" cy="0"/>
+        </a:xfrm>
+      </p:grpSpPr>
+      <p:sp>
+        <p:nvSpPr>
+          <p:cNvPr id="2" name="Titolo 1"/>
+          <p:cNvSpPr>
+            <a:spLocks noGrp="1"/>
+          </p:cNvSpPr>
+          <p:nvPr>
+            <p:ph type="title"/>
+          </p:nvPr>
+        </p:nvSpPr>
+        <p:spPr/>
+        <p:txBody>
+          <a:bodyPr/>
+          <a:lstStyle/>
+          <a:p>
+            <a:r>
+              <a:rPr lang="it-IT" dirty="0" err="1" smtClean="0"/>
+              <a:t>Carwin</a:t>
+            </a:r>
             <a:r>
               <a:rPr lang="it-IT" dirty="0" smtClean="0"/>
               <a:t>: </a:t>
@@ -11922,181 +12172,98 @@
           </a:p>
         </p:txBody>
       </p:sp>
-      <mc:AlternateContent xmlns:mc="http://schemas.openxmlformats.org/markup-compatibility/2006">
-        <mc:Choice xmlns:a14="http://schemas.microsoft.com/office/drawing/2010/main" Requires="a14">
-          <p:sp>
-            <p:nvSpPr>
-              <p:cNvPr id="3" name="Segnaposto contenuto 2"/>
-              <p:cNvSpPr>
-                <a:spLocks noGrp="1"/>
-              </p:cNvSpPr>
-              <p:nvPr>
-                <p:ph idx="1"/>
-              </p:nvPr>
-            </p:nvSpPr>
-            <p:spPr/>
-            <p:txBody>
-              <a:bodyPr/>
-              <a:lstStyle/>
-              <a:p>
-                <a:r>
-                  <a:rPr lang="it-IT" dirty="0" smtClean="0"/>
-                  <a:t>Chromosome: an array of </a:t>
-                </a:r>
-                <a:r>
-                  <a:rPr lang="it-IT" dirty="0" err="1" smtClean="0"/>
-                  <a:t>all</a:t>
-                </a:r>
-                <a:r>
-                  <a:rPr lang="it-IT" dirty="0" smtClean="0"/>
-                  <a:t> the </a:t>
-                </a:r>
-                <a:r>
-                  <a:rPr lang="it-IT" dirty="0" err="1" smtClean="0"/>
-                  <a:t>weights</a:t>
-                </a:r>
-                <a:r>
-                  <a:rPr lang="it-IT" dirty="0" smtClean="0"/>
-                  <a:t> of the </a:t>
-                </a:r>
-                <a:r>
-                  <a:rPr lang="it-IT" dirty="0" err="1" smtClean="0"/>
-                  <a:t>neural</a:t>
-                </a:r>
-                <a:r>
-                  <a:rPr lang="it-IT" dirty="0" smtClean="0"/>
-                  <a:t> network.</a:t>
-                </a:r>
-              </a:p>
-              <a:p>
-                <a:r>
-                  <a:rPr lang="it-IT" dirty="0" smtClean="0"/>
-                  <a:t>Fitness </a:t>
-                </a:r>
-                <a:r>
-                  <a:rPr lang="it-IT" dirty="0" err="1" smtClean="0"/>
-                  <a:t>function</a:t>
-                </a:r>
-                <a:r>
-                  <a:rPr lang="it-IT" dirty="0" smtClean="0"/>
-                  <a:t>: </a:t>
-                </a:r>
-                <a14:m>
-                  <m:oMath xmlns:m="http://schemas.openxmlformats.org/officeDocument/2006/math">
-                    <m:r>
-                      <m:rPr>
-                        <m:sty m:val="p"/>
-                      </m:rPr>
-                      <a:rPr lang="it-IT" sz="2800" b="0" i="0" smtClean="0">
-                        <a:latin typeface="Cambria Math"/>
-                      </a:rPr>
-                      <m:t>distance</m:t>
-                    </m:r>
-                    <m:r>
-                      <a:rPr lang="it-IT" sz="2800" b="0" i="0" smtClean="0">
-                        <a:latin typeface="Cambria Math"/>
-                      </a:rPr>
-                      <m:t> </m:t>
-                    </m:r>
-                    <m:r>
-                      <m:rPr>
-                        <m:sty m:val="p"/>
-                      </m:rPr>
-                      <a:rPr lang="it-IT" sz="2800" b="0" i="0" smtClean="0">
-                        <a:latin typeface="Cambria Math"/>
-                      </a:rPr>
-                      <m:t>traveled</m:t>
-                    </m:r>
-                    <m:r>
-                      <a:rPr lang="it-IT" sz="2800" b="0" i="0" smtClean="0">
-                        <a:latin typeface="Cambria Math"/>
-                      </a:rPr>
-                      <m:t> ∗</m:t>
-                    </m:r>
-                    <m:r>
-                      <m:rPr>
-                        <m:sty m:val="p"/>
-                      </m:rPr>
-                      <a:rPr lang="it-IT" sz="2800" b="0" i="0" smtClean="0">
-                        <a:latin typeface="Cambria Math"/>
-                      </a:rPr>
-                      <m:t>average</m:t>
-                    </m:r>
-                    <m:r>
-                      <a:rPr lang="it-IT" sz="2800" b="0" i="0" smtClean="0">
-                        <a:latin typeface="Cambria Math"/>
-                      </a:rPr>
-                      <m:t> </m:t>
-                    </m:r>
-                    <m:r>
-                      <m:rPr>
-                        <m:sty m:val="p"/>
-                      </m:rPr>
-                      <a:rPr lang="it-IT" sz="2800" b="0" i="0" smtClean="0">
-                        <a:latin typeface="Cambria Math"/>
-                      </a:rPr>
-                      <m:t>speed</m:t>
-                    </m:r>
-                  </m:oMath>
-                </a14:m>
-                <a:endParaRPr lang="it-IT" sz="2800" dirty="0" smtClean="0"/>
-              </a:p>
-              <a:p>
-                <a:r>
-                  <a:rPr lang="it-IT" dirty="0" smtClean="0"/>
-                  <a:t>Crossover: </a:t>
-                </a:r>
-                <a:r>
-                  <a:rPr lang="it-IT" dirty="0" err="1" smtClean="0"/>
-                  <a:t>one</a:t>
-                </a:r>
-                <a:r>
-                  <a:rPr lang="it-IT" dirty="0" smtClean="0"/>
-                  <a:t> </a:t>
-                </a:r>
-                <a:r>
-                  <a:rPr lang="it-IT" dirty="0" err="1" smtClean="0"/>
-                  <a:t>point</a:t>
-                </a:r>
-                <a:endParaRPr lang="it-IT" dirty="0" smtClean="0"/>
-              </a:p>
-            </p:txBody>
-          </p:sp>
-        </mc:Choice>
-        <mc:Fallback>
-          <p:sp>
-            <p:nvSpPr>
-              <p:cNvPr id="3" name="Segnaposto contenuto 2"/>
-              <p:cNvSpPr>
-                <a:spLocks noGrp="1" noRot="1" noChangeAspect="1" noMove="1" noResize="1" noEditPoints="1" noAdjustHandles="1" noChangeArrowheads="1" noChangeShapeType="1" noTextEdit="1"/>
-              </p:cNvSpPr>
-              <p:nvPr>
-                <p:ph idx="1"/>
-              </p:nvPr>
-            </p:nvSpPr>
-            <p:spPr>
-              <a:blipFill rotWithShape="1">
-                <a:blip r:embed="rId2"/>
-                <a:stretch>
-                  <a:fillRect l="-593" t="-875"/>
-                </a:stretch>
-              </a:blipFill>
-            </p:spPr>
-            <p:txBody>
-              <a:bodyPr/>
-              <a:lstStyle/>
-              <a:p>
-                <a:r>
-                  <a:rPr lang="it-IT">
-                    <a:noFill/>
-                  </a:rPr>
-                  <a:t> </a:t>
-                </a:r>
-              </a:p>
-            </p:txBody>
-          </p:sp>
-        </mc:Fallback>
-      </mc:AlternateContent>
+      <p:sp>
+        <p:nvSpPr>
+          <p:cNvPr id="3" name="Segnaposto contenuto 2"/>
+          <p:cNvSpPr>
+            <a:spLocks noGrp="1"/>
+          </p:cNvSpPr>
+          <p:nvPr>
+            <p:ph idx="1"/>
+          </p:nvPr>
+        </p:nvSpPr>
+        <p:spPr/>
+        <p:txBody>
+          <a:bodyPr/>
+          <a:lstStyle/>
+          <a:p>
+            <a:r>
+              <a:rPr lang="it-IT" dirty="0" smtClean="0"/>
+              <a:t>Chromosome: an array of </a:t>
+            </a:r>
+            <a:r>
+              <a:rPr lang="it-IT" dirty="0" err="1" smtClean="0"/>
+              <a:t>all</a:t>
+            </a:r>
+            <a:r>
+              <a:rPr lang="it-IT" dirty="0" smtClean="0"/>
+              <a:t> the </a:t>
+            </a:r>
+            <a:r>
+              <a:rPr lang="it-IT" dirty="0" err="1" smtClean="0"/>
+              <a:t>weights</a:t>
+            </a:r>
+            <a:r>
+              <a:rPr lang="it-IT" dirty="0" smtClean="0"/>
+              <a:t> of the </a:t>
+            </a:r>
+            <a:r>
+              <a:rPr lang="it-IT" dirty="0" err="1" smtClean="0"/>
+              <a:t>neural</a:t>
+            </a:r>
+            <a:r>
+              <a:rPr lang="it-IT" dirty="0" smtClean="0"/>
+              <a:t> network.</a:t>
+            </a:r>
+          </a:p>
+          <a:p>
+            <a:r>
+              <a:rPr lang="it-IT" dirty="0" smtClean="0"/>
+              <a:t>Fitness </a:t>
+            </a:r>
+            <a:r>
+              <a:rPr lang="it-IT" dirty="0" err="1" smtClean="0"/>
+              <a:t>function</a:t>
+            </a:r>
+            <a:r>
+              <a:rPr lang="it-IT" dirty="0" smtClean="0"/>
+              <a:t>: </a:t>
+            </a:r>
+            <a:r>
+              <a:rPr lang="it-IT" dirty="0" err="1" smtClean="0"/>
+              <a:t>traveled_distance</a:t>
+            </a:r>
+            <a:r>
+              <a:rPr lang="it-IT" dirty="0" smtClean="0"/>
+              <a:t> * </a:t>
+            </a:r>
+            <a:r>
+              <a:rPr lang="it-IT" dirty="0" err="1" smtClean="0"/>
+              <a:t>avg_speed</a:t>
+            </a:r>
+            <a:endParaRPr lang="it-IT" sz="2800" dirty="0" smtClean="0"/>
+          </a:p>
+          <a:p>
+            <a:r>
+              <a:rPr lang="it-IT" dirty="0" smtClean="0"/>
+              <a:t>Crossover: </a:t>
+            </a:r>
+            <a:r>
+              <a:rPr lang="it-IT" dirty="0" err="1" smtClean="0"/>
+              <a:t>one</a:t>
+            </a:r>
+            <a:r>
+              <a:rPr lang="it-IT" dirty="0" smtClean="0"/>
+              <a:t> </a:t>
+            </a:r>
+            <a:r>
+              <a:rPr lang="it-IT" dirty="0" err="1" smtClean="0"/>
+              <a:t>point</a:t>
+            </a:r>
+            <a:endParaRPr lang="it-IT" dirty="0" smtClean="0"/>
+          </a:p>
+        </p:txBody>
+      </p:sp>
     </p:spTree>
     <p:extLst>
       <p:ext uri="{BB962C8B-B14F-4D97-AF65-F5344CB8AC3E}">
@@ -13195,118 +13362,133 @@
           </a:extLst>
         </p:spPr>
       </p:pic>
-      <p:sp>
-        <p:nvSpPr>
-          <p:cNvPr id="5" name="CasellaDiTesto 4"/>
-          <p:cNvSpPr txBox="1"/>
+      <p:grpSp>
+        <p:nvGrpSpPr>
+          <p:cNvPr id="3" name="Gruppo 2"/>
+          <p:cNvGrpSpPr/>
           <p:nvPr/>
-        </p:nvSpPr>
-        <p:spPr>
+        </p:nvGrpSpPr>
+        <p:grpSpPr>
           <a:xfrm>
-            <a:off x="4788024" y="5733256"/>
-            <a:ext cx="3456384" cy="646331"/>
+            <a:off x="3995936" y="4797152"/>
+            <a:ext cx="4248472" cy="1582435"/>
+            <a:chOff x="3995936" y="4797152"/>
+            <a:chExt cx="4248472" cy="1582435"/>
           </a:xfrm>
-          <a:prstGeom prst="rect">
-            <a:avLst/>
-          </a:prstGeom>
-          <a:noFill/>
-        </p:spPr>
-        <p:txBody>
-          <a:bodyPr wrap="square" rtlCol="0">
-            <a:spAutoFit/>
-          </a:bodyPr>
-          <a:lstStyle/>
-          <a:p>
-            <a:r>
-              <a:rPr lang="it-IT" dirty="0" smtClean="0"/>
-              <a:t>"</a:t>
-            </a:r>
-            <a:r>
-              <a:rPr lang="it-IT" dirty="0" err="1" smtClean="0"/>
-              <a:t>Weights</a:t>
-            </a:r>
-            <a:r>
-              <a:rPr lang="it-IT" dirty="0" smtClean="0"/>
-              <a:t>" are </a:t>
-            </a:r>
-            <a:r>
-              <a:rPr lang="it-IT" dirty="0" err="1" smtClean="0"/>
-              <a:t>simply</a:t>
-            </a:r>
-            <a:r>
-              <a:rPr lang="it-IT" dirty="0" smtClean="0"/>
-              <a:t> </a:t>
-            </a:r>
-            <a:r>
-              <a:rPr lang="it-IT" dirty="0" err="1" smtClean="0"/>
-              <a:t>signed</a:t>
-            </a:r>
-            <a:r>
-              <a:rPr lang="it-IT" dirty="0" smtClean="0"/>
-              <a:t> </a:t>
-            </a:r>
-            <a:r>
-              <a:rPr lang="it-IT" dirty="0" err="1" smtClean="0"/>
-              <a:t>floating</a:t>
-            </a:r>
-            <a:r>
-              <a:rPr lang="it-IT" dirty="0" smtClean="0"/>
-              <a:t> </a:t>
-            </a:r>
-            <a:r>
-              <a:rPr lang="it-IT" dirty="0" err="1" smtClean="0"/>
-              <a:t>point</a:t>
-            </a:r>
-            <a:r>
-              <a:rPr lang="it-IT" dirty="0" smtClean="0"/>
-              <a:t> </a:t>
-            </a:r>
-            <a:r>
-              <a:rPr lang="it-IT" dirty="0" err="1" smtClean="0"/>
-              <a:t>numbers</a:t>
-            </a:r>
-            <a:endParaRPr lang="it-IT" dirty="0"/>
-          </a:p>
-        </p:txBody>
-      </p:sp>
-      <p:cxnSp>
-        <p:nvCxnSpPr>
-          <p:cNvPr id="7" name="Connettore 2 6"/>
-          <p:cNvCxnSpPr>
-            <a:stCxn id="5" idx="1"/>
-          </p:cNvCxnSpPr>
-          <p:nvPr/>
-        </p:nvCxnSpPr>
-        <p:spPr>
-          <a:xfrm flipH="1" flipV="1">
-            <a:off x="3995936" y="4797152"/>
-            <a:ext cx="792088" cy="1259270"/>
-          </a:xfrm>
-          <a:prstGeom prst="straightConnector1">
-            <a:avLst/>
-          </a:prstGeom>
-          <a:ln w="22225">
-            <a:solidFill>
+        </p:grpSpPr>
+        <p:sp>
+          <p:nvSpPr>
+            <p:cNvPr id="5" name="CasellaDiTesto 4"/>
+            <p:cNvSpPr txBox="1"/>
+            <p:nvPr/>
+          </p:nvSpPr>
+          <p:spPr>
+            <a:xfrm>
+              <a:off x="4788024" y="5733256"/>
+              <a:ext cx="3456384" cy="646331"/>
+            </a:xfrm>
+            <a:prstGeom prst="rect">
+              <a:avLst/>
+            </a:prstGeom>
+            <a:noFill/>
+          </p:spPr>
+          <p:txBody>
+            <a:bodyPr wrap="square" rtlCol="0">
+              <a:spAutoFit/>
+            </a:bodyPr>
+            <a:lstStyle/>
+            <a:p>
+              <a:r>
+                <a:rPr lang="it-IT" dirty="0" smtClean="0"/>
+                <a:t>"</a:t>
+              </a:r>
+              <a:r>
+                <a:rPr lang="it-IT" dirty="0" err="1" smtClean="0"/>
+                <a:t>Weights</a:t>
+              </a:r>
+              <a:r>
+                <a:rPr lang="it-IT" dirty="0" smtClean="0"/>
+                <a:t>" are </a:t>
+              </a:r>
+              <a:r>
+                <a:rPr lang="it-IT" dirty="0" err="1" smtClean="0"/>
+                <a:t>simply</a:t>
+              </a:r>
+              <a:r>
+                <a:rPr lang="it-IT" dirty="0" smtClean="0"/>
+                <a:t> </a:t>
+              </a:r>
+              <a:r>
+                <a:rPr lang="it-IT" dirty="0" err="1" smtClean="0"/>
+                <a:t>signed</a:t>
+              </a:r>
+              <a:r>
+                <a:rPr lang="it-IT" dirty="0" smtClean="0"/>
+                <a:t> </a:t>
+              </a:r>
+              <a:r>
+                <a:rPr lang="it-IT" dirty="0" err="1" smtClean="0"/>
+                <a:t>floating</a:t>
+              </a:r>
+              <a:r>
+                <a:rPr lang="it-IT" dirty="0" smtClean="0"/>
+                <a:t> </a:t>
+              </a:r>
+              <a:r>
+                <a:rPr lang="it-IT" dirty="0" err="1" smtClean="0"/>
+                <a:t>point</a:t>
+              </a:r>
+              <a:r>
+                <a:rPr lang="it-IT" dirty="0" smtClean="0"/>
+                <a:t> </a:t>
+              </a:r>
+              <a:r>
+                <a:rPr lang="it-IT" dirty="0" err="1" smtClean="0"/>
+                <a:t>numbers</a:t>
+              </a:r>
+              <a:endParaRPr lang="it-IT" dirty="0"/>
+            </a:p>
+          </p:txBody>
+        </p:sp>
+        <p:cxnSp>
+          <p:nvCxnSpPr>
+            <p:cNvPr id="7" name="Connettore 2 6"/>
+            <p:cNvCxnSpPr>
+              <a:stCxn id="5" idx="1"/>
+            </p:cNvCxnSpPr>
+            <p:nvPr/>
+          </p:nvCxnSpPr>
+          <p:spPr>
+            <a:xfrm flipH="1" flipV="1">
+              <a:off x="3995936" y="4797152"/>
+              <a:ext cx="792088" cy="1259270"/>
+            </a:xfrm>
+            <a:prstGeom prst="straightConnector1">
+              <a:avLst/>
+            </a:prstGeom>
+            <a:ln w="22225">
+              <a:solidFill>
+                <a:schemeClr val="tx1"/>
+              </a:solidFill>
+              <a:tailEnd type="arrow"/>
+            </a:ln>
+          </p:spPr>
+          <p:style>
+            <a:lnRef idx="1">
+              <a:schemeClr val="accent1"/>
+            </a:lnRef>
+            <a:fillRef idx="0">
+              <a:schemeClr val="accent1"/>
+            </a:fillRef>
+            <a:effectRef idx="0">
+              <a:schemeClr val="accent1"/>
+            </a:effectRef>
+            <a:fontRef idx="minor">
               <a:schemeClr val="tx1"/>
-            </a:solidFill>
-            <a:tailEnd type="arrow"/>
-          </a:ln>
-        </p:spPr>
-        <p:style>
-          <a:lnRef idx="1">
-            <a:schemeClr val="accent1"/>
-          </a:lnRef>
-          <a:fillRef idx="0">
-            <a:schemeClr val="accent1"/>
-          </a:fillRef>
-          <a:effectRef idx="0">
-            <a:schemeClr val="accent1"/>
-          </a:effectRef>
-          <a:fontRef idx="minor">
-            <a:schemeClr val="tx1"/>
-          </a:fontRef>
-        </p:style>
-      </p:cxnSp>
+            </a:fontRef>
+          </p:style>
+        </p:cxnSp>
+      </p:grpSp>
     </p:spTree>
     <p:extLst>
       <p:ext uri="{BB962C8B-B14F-4D97-AF65-F5344CB8AC3E}">
@@ -13341,6 +13523,9 @@
                     <p:cTn id="3" fill="hold">
                       <p:stCondLst>
                         <p:cond delay="indefinite"/>
+                        <p:cond evt="onBegin" delay="0">
+                          <p:tn val="2"/>
+                        </p:cond>
                       </p:stCondLst>
                       <p:childTnLst>
                         <p:par>
@@ -13350,7 +13535,7 @@
                             </p:stCondLst>
                             <p:childTnLst>
                               <p:par>
-                                <p:cTn id="5" presetID="10" presetClass="entr" presetSubtype="0" fill="hold" grpId="0" nodeType="clickEffect">
+                                <p:cTn id="5" presetID="10" presetClass="entr" presetSubtype="0" fill="hold" nodeType="afterEffect">
                                   <p:stCondLst>
                                     <p:cond delay="0"/>
                                   </p:stCondLst>
@@ -13363,7 +13548,7 @@
                                           </p:stCondLst>
                                         </p:cTn>
                                         <p:tgtEl>
-                                          <p:spTgt spid="5"/>
+                                          <p:spTgt spid="3"/>
                                         </p:tgtEl>
                                         <p:attrNameLst>
                                           <p:attrName>style.visibility</p:attrName>
@@ -13377,42 +13562,7 @@
                                       <p:cBhvr>
                                         <p:cTn id="7" dur="500"/>
                                         <p:tgtEl>
-                                          <p:spTgt spid="5"/>
-                                        </p:tgtEl>
-                                      </p:cBhvr>
-                                    </p:animEffect>
-                                  </p:childTnLst>
-                                </p:cTn>
-                              </p:par>
-                              <p:par>
-                                <p:cTn id="8" presetID="10" presetClass="entr" presetSubtype="0" fill="hold" nodeType="withEffect">
-                                  <p:stCondLst>
-                                    <p:cond delay="0"/>
-                                  </p:stCondLst>
-                                  <p:childTnLst>
-                                    <p:set>
-                                      <p:cBhvr>
-                                        <p:cTn id="9" dur="1" fill="hold">
-                                          <p:stCondLst>
-                                            <p:cond delay="0"/>
-                                          </p:stCondLst>
-                                        </p:cTn>
-                                        <p:tgtEl>
-                                          <p:spTgt spid="7"/>
-                                        </p:tgtEl>
-                                        <p:attrNameLst>
-                                          <p:attrName>style.visibility</p:attrName>
-                                        </p:attrNameLst>
-                                      </p:cBhvr>
-                                      <p:to>
-                                        <p:strVal val="visible"/>
-                                      </p:to>
-                                    </p:set>
-                                    <p:animEffect transition="in" filter="fade">
-                                      <p:cBhvr>
-                                        <p:cTn id="10" dur="500"/>
-                                        <p:tgtEl>
-                                          <p:spTgt spid="7"/>
+                                          <p:spTgt spid="3"/>
                                         </p:tgtEl>
                                       </p:cBhvr>
                                     </p:animEffect>
@@ -13446,9 +13596,6 @@
         </p:cTn>
       </p:par>
     </p:tnLst>
-    <p:bldLst>
-      <p:bldP spid="5" grpId="0"/>
-    </p:bldLst>
   </p:timing>
 </p:sld>
 </file>
@@ -13504,547 +13651,422 @@
           </a:p>
         </p:txBody>
       </p:sp>
-      <mc:AlternateContent xmlns:mc="http://schemas.openxmlformats.org/markup-compatibility/2006" xmlns:a14="http://schemas.microsoft.com/office/drawing/2010/main">
-        <mc:Choice Requires="a14">
-          <p:sp>
-            <p:nvSpPr>
-              <p:cNvPr id="3" name="Segnaposto contenuto 2"/>
-              <p:cNvSpPr>
-                <a:spLocks noGrp="1"/>
-              </p:cNvSpPr>
-              <p:nvPr>
-                <p:ph idx="1"/>
-              </p:nvPr>
-            </p:nvSpPr>
-            <p:spPr/>
-            <p:txBody>
-              <a:bodyPr>
-                <a:normAutofit/>
-              </a:bodyPr>
-              <a:lstStyle/>
-              <a:p>
-                <a:r>
-                  <a:rPr lang="it-IT" dirty="0" smtClean="0"/>
-                  <a:t>The </a:t>
-                </a:r>
-                <a:r>
-                  <a:rPr lang="it-IT" dirty="0" err="1" smtClean="0"/>
-                  <a:t>activation</a:t>
-                </a:r>
-                <a:r>
-                  <a:rPr lang="it-IT" dirty="0" smtClean="0"/>
-                  <a:t> </a:t>
-                </a:r>
-                <a:r>
-                  <a:rPr lang="it-IT" dirty="0" err="1" smtClean="0"/>
-                  <a:t>value</a:t>
-                </a:r>
-                <a:r>
-                  <a:rPr lang="it-IT" dirty="0" smtClean="0"/>
-                  <a:t> (</a:t>
-                </a:r>
-                <a:r>
-                  <a:rPr lang="it-IT" i="1" dirty="0" smtClean="0"/>
-                  <a:t>a</a:t>
-                </a:r>
-                <a:r>
-                  <a:rPr lang="it-IT" dirty="0" smtClean="0"/>
-                  <a:t>) </a:t>
-                </a:r>
-                <a:r>
-                  <a:rPr lang="it-IT" dirty="0" err="1" smtClean="0"/>
-                  <a:t>is</a:t>
-                </a:r>
-                <a:r>
-                  <a:rPr lang="it-IT" dirty="0" smtClean="0"/>
-                  <a:t> </a:t>
-                </a:r>
-                <a:r>
-                  <a:rPr lang="it-IT" dirty="0" err="1" smtClean="0"/>
-                  <a:t>calculated</a:t>
-                </a:r>
-                <a:r>
-                  <a:rPr lang="it-IT" dirty="0" smtClean="0"/>
-                  <a:t> by the formula:</a:t>
-                </a:r>
-              </a:p>
-              <a:p>
-                <a:endParaRPr lang="it-IT" dirty="0"/>
-              </a:p>
-              <a:p>
-                <a:pPr marL="0" indent="0" algn="ctr">
-                  <a:buNone/>
-                </a:pPr>
-                <a:r>
-                  <a:rPr lang="it-IT" i="1" dirty="0"/>
-                  <a:t>a = </a:t>
-                </a:r>
-                <a:r>
-                  <a:rPr lang="it-IT" i="1" dirty="0" smtClean="0"/>
-                  <a:t>x</a:t>
-                </a:r>
-                <a:r>
-                  <a:rPr lang="it-IT" i="1" baseline="-25000" dirty="0" smtClean="0"/>
-                  <a:t>1</a:t>
-                </a:r>
-                <a:r>
-                  <a:rPr lang="it-IT" i="1" dirty="0" smtClean="0"/>
-                  <a:t>w</a:t>
-                </a:r>
-                <a:r>
-                  <a:rPr lang="it-IT" i="1" baseline="-25000" dirty="0" smtClean="0"/>
-                  <a:t>1 </a:t>
-                </a:r>
-                <a:r>
-                  <a:rPr lang="it-IT" i="1" dirty="0" smtClean="0"/>
-                  <a:t>+ x</a:t>
-                </a:r>
-                <a:r>
-                  <a:rPr lang="it-IT" i="1" baseline="-25000" dirty="0" smtClean="0"/>
-                  <a:t>2</a:t>
-                </a:r>
-                <a:r>
-                  <a:rPr lang="it-IT" i="1" dirty="0" smtClean="0"/>
-                  <a:t>w</a:t>
-                </a:r>
-                <a:r>
-                  <a:rPr lang="it-IT" i="1" baseline="-25000" dirty="0" smtClean="0"/>
-                  <a:t>2 </a:t>
-                </a:r>
-                <a:r>
-                  <a:rPr lang="it-IT" i="1" dirty="0" smtClean="0"/>
-                  <a:t>+ x</a:t>
-                </a:r>
-                <a:r>
-                  <a:rPr lang="it-IT" i="1" baseline="-25000" dirty="0" smtClean="0"/>
-                  <a:t>3</a:t>
-                </a:r>
-                <a:r>
-                  <a:rPr lang="it-IT" i="1" dirty="0" smtClean="0"/>
-                  <a:t>w</a:t>
-                </a:r>
-                <a:r>
-                  <a:rPr lang="it-IT" i="1" baseline="-25000" dirty="0" smtClean="0"/>
-                  <a:t>3 </a:t>
-                </a:r>
-                <a:r>
-                  <a:rPr lang="it-IT" i="1" dirty="0" smtClean="0"/>
-                  <a:t>... </a:t>
-                </a:r>
-                <a:r>
-                  <a:rPr lang="it-IT" i="1" dirty="0"/>
-                  <a:t>+</a:t>
-                </a:r>
-                <a:r>
-                  <a:rPr lang="it-IT" i="1" dirty="0" err="1" smtClean="0"/>
-                  <a:t>x</a:t>
-                </a:r>
-                <a:r>
-                  <a:rPr lang="it-IT" i="1" baseline="-25000" dirty="0" err="1" smtClean="0"/>
-                  <a:t>n</a:t>
-                </a:r>
-                <a:r>
-                  <a:rPr lang="it-IT" i="1" dirty="0" err="1" smtClean="0"/>
-                  <a:t>w</a:t>
-                </a:r>
-                <a:r>
-                  <a:rPr lang="it-IT" i="1" baseline="-25000" dirty="0" err="1" smtClean="0"/>
-                  <a:t>n</a:t>
-                </a:r>
-                <a:endParaRPr lang="it-IT" i="1" baseline="-25000" dirty="0" smtClean="0"/>
-              </a:p>
-              <a:p>
-                <a:pPr marL="274320" lvl="1" indent="0">
-                  <a:buNone/>
-                </a:pPr>
-                <a:endParaRPr lang="it-IT" dirty="0" smtClean="0"/>
-              </a:p>
-              <a:p>
-                <a:pPr lvl="1"/>
-                <a14:m>
-                  <m:oMath xmlns:m="http://schemas.openxmlformats.org/officeDocument/2006/math">
-                    <m:sSub>
-                      <m:sSubPr>
-                        <m:ctrlPr>
-                          <a:rPr lang="it-IT" b="0" i="1" smtClean="0">
-                            <a:latin typeface="Cambria Math"/>
-                          </a:rPr>
-                        </m:ctrlPr>
-                      </m:sSubPr>
-                      <m:e>
-                        <m:r>
-                          <a:rPr lang="it-IT" b="0" i="1" smtClean="0">
-                            <a:latin typeface="Cambria Math"/>
-                          </a:rPr>
-                          <m:t>𝑠</m:t>
-                        </m:r>
-                      </m:e>
-                      <m:sub>
-                        <m:r>
-                          <a:rPr lang="it-IT" b="0" i="1" smtClean="0">
-                            <a:latin typeface="Cambria Math"/>
-                          </a:rPr>
-                          <m:t>𝑖</m:t>
-                        </m:r>
-                      </m:sub>
-                    </m:sSub>
-                  </m:oMath>
-                </a14:m>
-                <a:r>
-                  <a:rPr lang="it-IT" dirty="0" smtClean="0"/>
-                  <a:t> </a:t>
-                </a:r>
-                <a:r>
-                  <a:rPr lang="it-IT" dirty="0" err="1" smtClean="0"/>
-                  <a:t>is</a:t>
-                </a:r>
-                <a:r>
-                  <a:rPr lang="it-IT" dirty="0" smtClean="0"/>
-                  <a:t> the </a:t>
-                </a:r>
-                <a:r>
-                  <a:rPr lang="it-IT" dirty="0" err="1" smtClean="0"/>
-                  <a:t>i</a:t>
-                </a:r>
-                <a:r>
-                  <a:rPr lang="it-IT" baseline="30000" dirty="0" err="1"/>
-                  <a:t>th</a:t>
-                </a:r>
-                <a:r>
-                  <a:rPr lang="it-IT" dirty="0" smtClean="0"/>
-                  <a:t> input for </a:t>
-                </a:r>
-                <a14:m>
-                  <m:oMath xmlns:m="http://schemas.openxmlformats.org/officeDocument/2006/math">
-                    <m:r>
-                      <a:rPr lang="it-IT" b="0" i="1" smtClean="0">
-                        <a:latin typeface="Cambria Math"/>
-                      </a:rPr>
-                      <m:t>1≤</m:t>
-                    </m:r>
-                    <m:r>
-                      <a:rPr lang="it-IT" b="0" i="1" smtClean="0">
-                        <a:latin typeface="Cambria Math"/>
-                      </a:rPr>
-                      <m:t>𝑖</m:t>
-                    </m:r>
-                    <m:r>
-                      <a:rPr lang="it-IT" b="0" i="1" smtClean="0">
-                        <a:latin typeface="Cambria Math"/>
-                      </a:rPr>
-                      <m:t>≤</m:t>
-                    </m:r>
-                    <m:r>
-                      <a:rPr lang="it-IT" b="0" i="1" smtClean="0">
-                        <a:latin typeface="Cambria Math"/>
-                      </a:rPr>
-                      <m:t>𝑛</m:t>
-                    </m:r>
-                  </m:oMath>
-                </a14:m>
-                <a:r>
-                  <a:rPr lang="it-IT" dirty="0" smtClean="0"/>
-                  <a:t>.</a:t>
-                </a:r>
-              </a:p>
-              <a:p>
-                <a:pPr lvl="1"/>
-                <a14:m>
-                  <m:oMath xmlns:m="http://schemas.openxmlformats.org/officeDocument/2006/math">
-                    <m:sSub>
-                      <m:sSubPr>
-                        <m:ctrlPr>
-                          <a:rPr lang="it-IT" b="0" i="1" smtClean="0">
-                            <a:latin typeface="Cambria Math"/>
-                          </a:rPr>
-                        </m:ctrlPr>
-                      </m:sSubPr>
-                      <m:e>
-                        <m:r>
-                          <a:rPr lang="it-IT" b="0" i="1" smtClean="0">
-                            <a:latin typeface="Cambria Math"/>
-                          </a:rPr>
-                          <m:t>𝑤</m:t>
-                        </m:r>
-                      </m:e>
-                      <m:sub>
-                        <m:r>
-                          <a:rPr lang="it-IT" b="0" i="1" smtClean="0">
-                            <a:latin typeface="Cambria Math"/>
-                          </a:rPr>
-                          <m:t>𝑖</m:t>
-                        </m:r>
-                      </m:sub>
-                    </m:sSub>
-                  </m:oMath>
-                </a14:m>
-                <a:r>
-                  <a:rPr lang="it-IT" dirty="0" smtClean="0"/>
-                  <a:t> </a:t>
-                </a:r>
-                <a:r>
-                  <a:rPr lang="it-IT" dirty="0" err="1" smtClean="0"/>
-                  <a:t>is</a:t>
-                </a:r>
-                <a:r>
-                  <a:rPr lang="it-IT" dirty="0" smtClean="0"/>
-                  <a:t> the </a:t>
-                </a:r>
-                <a:r>
-                  <a:rPr lang="it-IT" dirty="0" err="1" smtClean="0"/>
-                  <a:t>weight</a:t>
-                </a:r>
-                <a:r>
-                  <a:rPr lang="it-IT" dirty="0" smtClean="0"/>
-                  <a:t> of the </a:t>
-                </a:r>
-                <a:r>
-                  <a:rPr lang="it-IT" dirty="0" err="1" smtClean="0"/>
-                  <a:t>i</a:t>
-                </a:r>
-                <a:r>
-                  <a:rPr lang="it-IT" baseline="30000" dirty="0" err="1" smtClean="0"/>
-                  <a:t>th</a:t>
-                </a:r>
-                <a:r>
-                  <a:rPr lang="it-IT" dirty="0" smtClean="0"/>
-                  <a:t> input for </a:t>
-                </a:r>
-                <a14:m>
-                  <m:oMath xmlns:m="http://schemas.openxmlformats.org/officeDocument/2006/math">
-                    <m:r>
-                      <a:rPr lang="it-IT" b="0" i="1" smtClean="0">
-                        <a:latin typeface="Cambria Math"/>
-                      </a:rPr>
-                      <m:t>1≤</m:t>
-                    </m:r>
-                    <m:r>
-                      <a:rPr lang="it-IT" b="0" i="1" smtClean="0">
-                        <a:latin typeface="Cambria Math"/>
-                      </a:rPr>
-                      <m:t>𝑖</m:t>
-                    </m:r>
-                    <m:r>
-                      <a:rPr lang="it-IT" b="0" i="1" smtClean="0">
-                        <a:latin typeface="Cambria Math"/>
-                      </a:rPr>
-                      <m:t>≤</m:t>
-                    </m:r>
-                    <m:r>
-                      <a:rPr lang="it-IT" b="0" i="1" smtClean="0">
-                        <a:latin typeface="Cambria Math"/>
-                      </a:rPr>
-                      <m:t>𝑛</m:t>
-                    </m:r>
-                  </m:oMath>
-                </a14:m>
-                <a:endParaRPr lang="it-IT" b="0" dirty="0" smtClean="0"/>
-              </a:p>
-              <a:p>
-                <a:pPr lvl="1"/>
-                <a:endParaRPr lang="it-IT" dirty="0" smtClean="0"/>
-              </a:p>
-              <a:p>
-                <a:r>
-                  <a:rPr lang="it-IT" dirty="0" err="1" smtClean="0"/>
-                  <a:t>Then</a:t>
-                </a:r>
-                <a:r>
-                  <a:rPr lang="it-IT" dirty="0" smtClean="0"/>
-                  <a:t> </a:t>
-                </a:r>
-                <a:r>
-                  <a:rPr lang="it-IT" dirty="0" err="1" smtClean="0"/>
-                  <a:t>we</a:t>
-                </a:r>
-                <a:r>
-                  <a:rPr lang="it-IT" dirty="0" smtClean="0"/>
-                  <a:t> </a:t>
-                </a:r>
-                <a:r>
-                  <a:rPr lang="it-IT" dirty="0" err="1" smtClean="0"/>
-                  <a:t>perform</a:t>
-                </a:r>
-                <a:r>
-                  <a:rPr lang="it-IT" dirty="0" smtClean="0"/>
-                  <a:t> a </a:t>
-                </a:r>
-                <a:r>
-                  <a:rPr lang="it-IT" dirty="0" err="1" smtClean="0"/>
-                  <a:t>simple</a:t>
-                </a:r>
-                <a:r>
-                  <a:rPr lang="it-IT" dirty="0" smtClean="0"/>
-                  <a:t> </a:t>
-                </a:r>
-                <a:r>
-                  <a:rPr lang="it-IT" dirty="0" err="1" smtClean="0"/>
-                  <a:t>check</a:t>
-                </a:r>
-                <a:r>
-                  <a:rPr lang="it-IT" dirty="0" smtClean="0"/>
-                  <a:t>: </a:t>
-                </a:r>
-              </a:p>
-              <a:p>
-                <a:pPr marL="0" indent="0" algn="ctr">
-                  <a:buNone/>
-                </a:pPr>
-                <a:r>
-                  <a:rPr lang="it-IT" sz="2400" i="1" dirty="0" err="1" smtClean="0"/>
-                  <a:t>If</a:t>
-                </a:r>
-                <a:r>
-                  <a:rPr lang="it-IT" sz="2400" i="1" dirty="0" smtClean="0"/>
-                  <a:t> (a &gt; </a:t>
-                </a:r>
-                <a:r>
-                  <a:rPr lang="it-IT" sz="2400" i="1" dirty="0" err="1" smtClean="0"/>
-                  <a:t>thr</a:t>
-                </a:r>
-                <a:r>
-                  <a:rPr lang="it-IT" sz="2400" i="1" dirty="0" smtClean="0"/>
-                  <a:t>) </a:t>
-                </a:r>
-                <a:r>
-                  <a:rPr lang="it-IT" sz="2400" i="1" dirty="0" err="1" smtClean="0"/>
-                  <a:t>then</a:t>
-                </a:r>
-                <a:r>
-                  <a:rPr lang="it-IT" sz="2400" i="1" dirty="0" smtClean="0"/>
-                  <a:t> </a:t>
-                </a:r>
-                <a:r>
-                  <a:rPr lang="it-IT" sz="2400" i="1" dirty="0" err="1" smtClean="0"/>
-                  <a:t>activate</a:t>
-                </a:r>
-                <a:r>
-                  <a:rPr lang="it-IT" sz="2400" i="1" dirty="0" smtClean="0"/>
-                  <a:t>(</a:t>
-                </a:r>
-                <a:r>
-                  <a:rPr lang="it-IT" sz="2400" i="1" dirty="0" err="1" smtClean="0"/>
-                  <a:t>true</a:t>
-                </a:r>
-                <a:r>
-                  <a:rPr lang="it-IT" sz="2400" i="1" dirty="0" smtClean="0"/>
-                  <a:t>);</a:t>
-                </a:r>
-              </a:p>
-              <a:p>
-                <a:pPr marL="0" indent="0">
-                  <a:buNone/>
-                </a:pPr>
-                <a:endParaRPr lang="it-IT" i="1" dirty="0"/>
-              </a:p>
-              <a:p>
-                <a:r>
-                  <a:rPr lang="it-IT" sz="2400" dirty="0" err="1" smtClean="0"/>
-                  <a:t>As</a:t>
-                </a:r>
-                <a:r>
-                  <a:rPr lang="it-IT" sz="2400" dirty="0" smtClean="0"/>
-                  <a:t> </a:t>
-                </a:r>
-                <a:r>
-                  <a:rPr lang="it-IT" sz="2400" dirty="0" err="1" smtClean="0"/>
-                  <a:t>we</a:t>
-                </a:r>
-                <a:r>
-                  <a:rPr lang="it-IT" sz="2400" dirty="0" smtClean="0"/>
-                  <a:t> can </a:t>
-                </a:r>
-                <a:r>
-                  <a:rPr lang="it-IT" sz="2400" dirty="0" err="1" smtClean="0"/>
-                  <a:t>see</a:t>
-                </a:r>
-                <a:r>
-                  <a:rPr lang="it-IT" sz="2400" dirty="0" smtClean="0"/>
-                  <a:t>, </a:t>
-                </a:r>
-                <a:r>
-                  <a:rPr lang="it-IT" sz="2400" dirty="0" err="1" smtClean="0"/>
-                  <a:t>weights</a:t>
-                </a:r>
-                <a:r>
-                  <a:rPr lang="it-IT" sz="2400" dirty="0" smtClean="0"/>
-                  <a:t> are </a:t>
-                </a:r>
-                <a:r>
-                  <a:rPr lang="it-IT" sz="2400" dirty="0" err="1" smtClean="0"/>
-                  <a:t>very</a:t>
-                </a:r>
-                <a:r>
-                  <a:rPr lang="it-IT" sz="2400" dirty="0" smtClean="0"/>
-                  <a:t> </a:t>
-                </a:r>
-                <a:r>
-                  <a:rPr lang="it-IT" sz="2400" dirty="0" err="1" smtClean="0"/>
-                  <a:t>crucial</a:t>
-                </a:r>
-                <a:r>
-                  <a:rPr lang="it-IT" sz="2400" dirty="0" smtClean="0"/>
-                  <a:t> for </a:t>
-                </a:r>
-                <a:r>
-                  <a:rPr lang="it-IT" sz="2400" dirty="0" err="1" smtClean="0"/>
-                  <a:t>our</a:t>
-                </a:r>
-                <a:r>
-                  <a:rPr lang="it-IT" sz="2400" dirty="0" smtClean="0"/>
-                  <a:t> </a:t>
-                </a:r>
-                <a:r>
-                  <a:rPr lang="it-IT" sz="2400" dirty="0" err="1" smtClean="0"/>
-                  <a:t>results</a:t>
-                </a:r>
-                <a:r>
-                  <a:rPr lang="it-IT" dirty="0"/>
-                  <a:t>!</a:t>
-                </a:r>
-                <a:endParaRPr lang="it-IT" sz="2400" dirty="0"/>
-              </a:p>
-              <a:p>
-                <a:pPr lvl="1"/>
-                <a:endParaRPr lang="it-IT" sz="2400" i="1" dirty="0"/>
-              </a:p>
-            </p:txBody>
-          </p:sp>
-        </mc:Choice>
-        <mc:Fallback xmlns="">
-          <p:sp>
-            <p:nvSpPr>
-              <p:cNvPr id="3" name="Segnaposto contenuto 2"/>
-              <p:cNvSpPr>
-                <a:spLocks noGrp="1" noRot="1" noChangeAspect="1" noMove="1" noResize="1" noEditPoints="1" noAdjustHandles="1" noChangeArrowheads="1" noChangeShapeType="1" noTextEdit="1"/>
-              </p:cNvSpPr>
-              <p:nvPr>
-                <p:ph idx="1"/>
-              </p:nvPr>
-            </p:nvSpPr>
-            <p:spPr>
-              <a:blipFill rotWithShape="1">
-                <a:blip r:embed="rId2"/>
-                <a:stretch>
-                  <a:fillRect l="-593" t="-875"/>
-                </a:stretch>
-              </a:blipFill>
-            </p:spPr>
-            <p:txBody>
-              <a:bodyPr/>
-              <a:lstStyle/>
-              <a:p>
-                <a:r>
-                  <a:rPr lang="it-IT">
-                    <a:noFill/>
-                  </a:rPr>
-                  <a:t> </a:t>
-                </a:r>
-              </a:p>
-            </p:txBody>
-          </p:sp>
-        </mc:Fallback>
-      </mc:AlternateContent>
+      <p:sp>
+        <p:nvSpPr>
+          <p:cNvPr id="3" name="Segnaposto contenuto 2"/>
+          <p:cNvSpPr>
+            <a:spLocks noGrp="1"/>
+          </p:cNvSpPr>
+          <p:nvPr>
+            <p:ph idx="1"/>
+          </p:nvPr>
+        </p:nvSpPr>
+        <p:spPr/>
+        <p:txBody>
+          <a:bodyPr>
+            <a:normAutofit/>
+          </a:bodyPr>
+          <a:lstStyle/>
+          <a:p>
+            <a:r>
+              <a:rPr lang="it-IT" dirty="0" smtClean="0"/>
+              <a:t>The </a:t>
+            </a:r>
+            <a:r>
+              <a:rPr lang="it-IT" dirty="0" err="1" smtClean="0"/>
+              <a:t>activation</a:t>
+            </a:r>
+            <a:r>
+              <a:rPr lang="it-IT" dirty="0" smtClean="0"/>
+              <a:t> </a:t>
+            </a:r>
+            <a:r>
+              <a:rPr lang="it-IT" dirty="0" err="1" smtClean="0"/>
+              <a:t>value</a:t>
+            </a:r>
+            <a:r>
+              <a:rPr lang="it-IT" dirty="0" smtClean="0"/>
+              <a:t> (</a:t>
+            </a:r>
+            <a:r>
+              <a:rPr lang="it-IT" i="1" dirty="0" smtClean="0"/>
+              <a:t>a</a:t>
+            </a:r>
+            <a:r>
+              <a:rPr lang="it-IT" dirty="0" smtClean="0"/>
+              <a:t>) </a:t>
+            </a:r>
+            <a:r>
+              <a:rPr lang="it-IT" dirty="0" err="1" smtClean="0"/>
+              <a:t>is</a:t>
+            </a:r>
+            <a:r>
+              <a:rPr lang="it-IT" dirty="0" smtClean="0"/>
+              <a:t> </a:t>
+            </a:r>
+            <a:r>
+              <a:rPr lang="it-IT" dirty="0" err="1" smtClean="0"/>
+              <a:t>calculated</a:t>
+            </a:r>
+            <a:r>
+              <a:rPr lang="it-IT" dirty="0" smtClean="0"/>
+              <a:t> by the formula:</a:t>
+            </a:r>
+          </a:p>
+          <a:p>
+            <a:endParaRPr lang="it-IT" dirty="0"/>
+          </a:p>
+          <a:p>
+            <a:pPr marL="0" indent="0" algn="ctr">
+              <a:buNone/>
+            </a:pPr>
+            <a:r>
+              <a:rPr lang="it-IT" i="1" dirty="0"/>
+              <a:t>a = </a:t>
+            </a:r>
+            <a:r>
+              <a:rPr lang="it-IT" i="1" dirty="0" smtClean="0"/>
+              <a:t>x</a:t>
+            </a:r>
+            <a:r>
+              <a:rPr lang="it-IT" i="1" baseline="-25000" dirty="0" smtClean="0"/>
+              <a:t>1</a:t>
+            </a:r>
+            <a:r>
+              <a:rPr lang="it-IT" i="1" dirty="0" smtClean="0"/>
+              <a:t>w</a:t>
+            </a:r>
+            <a:r>
+              <a:rPr lang="it-IT" i="1" baseline="-25000" dirty="0" smtClean="0"/>
+              <a:t>1 </a:t>
+            </a:r>
+            <a:r>
+              <a:rPr lang="it-IT" i="1" dirty="0" smtClean="0"/>
+              <a:t>+ x</a:t>
+            </a:r>
+            <a:r>
+              <a:rPr lang="it-IT" i="1" baseline="-25000" dirty="0" smtClean="0"/>
+              <a:t>2</a:t>
+            </a:r>
+            <a:r>
+              <a:rPr lang="it-IT" i="1" dirty="0" smtClean="0"/>
+              <a:t>w</a:t>
+            </a:r>
+            <a:r>
+              <a:rPr lang="it-IT" i="1" baseline="-25000" dirty="0" smtClean="0"/>
+              <a:t>2 </a:t>
+            </a:r>
+            <a:r>
+              <a:rPr lang="it-IT" i="1" dirty="0" smtClean="0"/>
+              <a:t>+ x</a:t>
+            </a:r>
+            <a:r>
+              <a:rPr lang="it-IT" i="1" baseline="-25000" dirty="0" smtClean="0"/>
+              <a:t>3</a:t>
+            </a:r>
+            <a:r>
+              <a:rPr lang="it-IT" i="1" dirty="0" smtClean="0"/>
+              <a:t>w</a:t>
+            </a:r>
+            <a:r>
+              <a:rPr lang="it-IT" i="1" baseline="-25000" dirty="0" smtClean="0"/>
+              <a:t>3 </a:t>
+            </a:r>
+            <a:r>
+              <a:rPr lang="it-IT" i="1" dirty="0" smtClean="0"/>
+              <a:t>... </a:t>
+            </a:r>
+            <a:r>
+              <a:rPr lang="it-IT" i="1" dirty="0"/>
+              <a:t>+</a:t>
+            </a:r>
+            <a:r>
+              <a:rPr lang="it-IT" i="1" dirty="0" err="1" smtClean="0"/>
+              <a:t>x</a:t>
+            </a:r>
+            <a:r>
+              <a:rPr lang="it-IT" i="1" baseline="-25000" dirty="0" err="1" smtClean="0"/>
+              <a:t>n</a:t>
+            </a:r>
+            <a:r>
+              <a:rPr lang="it-IT" i="1" dirty="0" err="1" smtClean="0"/>
+              <a:t>w</a:t>
+            </a:r>
+            <a:r>
+              <a:rPr lang="it-IT" i="1" baseline="-25000" dirty="0" err="1" smtClean="0"/>
+              <a:t>n</a:t>
+            </a:r>
+            <a:endParaRPr lang="it-IT" i="1" baseline="-25000" dirty="0" smtClean="0"/>
+          </a:p>
+          <a:p>
+            <a:pPr marL="274320" lvl="1" indent="0">
+              <a:buNone/>
+            </a:pPr>
+            <a:endParaRPr lang="it-IT" dirty="0" smtClean="0"/>
+          </a:p>
+          <a:p>
+            <a:pPr lvl="1"/>
+            <a:r>
+              <a:rPr lang="it-IT" dirty="0" smtClean="0"/>
+              <a:t>x</a:t>
+            </a:r>
+            <a:r>
+              <a:rPr lang="it-IT" baseline="-25000" dirty="0" smtClean="0"/>
+              <a:t>i</a:t>
+            </a:r>
+            <a:r>
+              <a:rPr lang="it-IT" dirty="0" smtClean="0"/>
+              <a:t> is </a:t>
+            </a:r>
+            <a:r>
+              <a:rPr lang="it-IT" dirty="0" smtClean="0"/>
+              <a:t>the </a:t>
+            </a:r>
+            <a:r>
+              <a:rPr lang="it-IT" dirty="0" err="1" smtClean="0"/>
+              <a:t>i</a:t>
+            </a:r>
+            <a:r>
+              <a:rPr lang="it-IT" baseline="30000" dirty="0" err="1"/>
+              <a:t>th</a:t>
+            </a:r>
+            <a:r>
+              <a:rPr lang="it-IT" dirty="0" smtClean="0"/>
+              <a:t> input </a:t>
+            </a:r>
+            <a:r>
+              <a:rPr lang="it-IT" dirty="0" smtClean="0"/>
+              <a:t>for 1 ≤ </a:t>
+            </a:r>
+            <a:r>
+              <a:rPr lang="it-IT" dirty="0"/>
+              <a:t>i </a:t>
+            </a:r>
+            <a:r>
+              <a:rPr lang="it-IT" dirty="0" smtClean="0"/>
+              <a:t>≤ n</a:t>
+            </a:r>
+            <a:endParaRPr lang="it-IT" dirty="0" smtClean="0"/>
+          </a:p>
+          <a:p>
+            <a:pPr lvl="1"/>
+            <a:r>
+              <a:rPr lang="it-IT" dirty="0" err="1" smtClean="0"/>
+              <a:t>w</a:t>
+            </a:r>
+            <a:r>
+              <a:rPr lang="it-IT" baseline="-25000" dirty="0" err="1" smtClean="0"/>
+              <a:t>i</a:t>
+            </a:r>
+            <a:r>
+              <a:rPr lang="it-IT" baseline="-25000" dirty="0" smtClean="0"/>
+              <a:t> </a:t>
+            </a:r>
+            <a:r>
+              <a:rPr lang="it-IT" dirty="0" smtClean="0"/>
+              <a:t>is </a:t>
+            </a:r>
+            <a:r>
+              <a:rPr lang="it-IT" dirty="0" smtClean="0"/>
+              <a:t>the </a:t>
+            </a:r>
+            <a:r>
+              <a:rPr lang="it-IT" dirty="0" err="1" smtClean="0"/>
+              <a:t>weight</a:t>
+            </a:r>
+            <a:r>
+              <a:rPr lang="it-IT" dirty="0" smtClean="0"/>
+              <a:t> of the </a:t>
+            </a:r>
+            <a:r>
+              <a:rPr lang="it-IT" dirty="0" err="1" smtClean="0"/>
+              <a:t>i</a:t>
+            </a:r>
+            <a:r>
+              <a:rPr lang="it-IT" baseline="30000" dirty="0" err="1" smtClean="0"/>
+              <a:t>th</a:t>
+            </a:r>
+            <a:r>
+              <a:rPr lang="it-IT" dirty="0" smtClean="0"/>
+              <a:t> </a:t>
+            </a:r>
+            <a:r>
+              <a:rPr lang="it-IT" dirty="0"/>
+              <a:t>input for 1 ≤ i ≤ n</a:t>
+            </a:r>
+          </a:p>
+          <a:p>
+            <a:pPr marL="274320" lvl="1" indent="0">
+              <a:buNone/>
+            </a:pPr>
+            <a:endParaRPr lang="it-IT" dirty="0" smtClean="0"/>
+          </a:p>
+          <a:p>
+            <a:r>
+              <a:rPr lang="it-IT" dirty="0" err="1" smtClean="0"/>
+              <a:t>Then</a:t>
+            </a:r>
+            <a:r>
+              <a:rPr lang="it-IT" dirty="0" smtClean="0"/>
+              <a:t> </a:t>
+            </a:r>
+            <a:r>
+              <a:rPr lang="it-IT" dirty="0" err="1" smtClean="0"/>
+              <a:t>we</a:t>
+            </a:r>
+            <a:r>
+              <a:rPr lang="it-IT" dirty="0" smtClean="0"/>
+              <a:t> </a:t>
+            </a:r>
+            <a:r>
+              <a:rPr lang="it-IT" dirty="0" err="1" smtClean="0"/>
+              <a:t>perform</a:t>
+            </a:r>
+            <a:r>
+              <a:rPr lang="it-IT" dirty="0" smtClean="0"/>
+              <a:t> a </a:t>
+            </a:r>
+            <a:r>
+              <a:rPr lang="it-IT" dirty="0" err="1" smtClean="0"/>
+              <a:t>simple</a:t>
+            </a:r>
+            <a:r>
+              <a:rPr lang="it-IT" dirty="0" smtClean="0"/>
+              <a:t> </a:t>
+            </a:r>
+            <a:r>
+              <a:rPr lang="it-IT" dirty="0" err="1" smtClean="0"/>
+              <a:t>check</a:t>
+            </a:r>
+            <a:r>
+              <a:rPr lang="it-IT" dirty="0" smtClean="0"/>
+              <a:t>: </a:t>
+            </a:r>
+          </a:p>
+          <a:p>
+            <a:pPr marL="0" indent="0" algn="ctr">
+              <a:buNone/>
+            </a:pPr>
+            <a:r>
+              <a:rPr lang="it-IT" sz="2400" i="1" dirty="0" err="1" smtClean="0"/>
+              <a:t>If</a:t>
+            </a:r>
+            <a:r>
+              <a:rPr lang="it-IT" sz="2400" i="1" dirty="0" smtClean="0"/>
+              <a:t> (a &gt; </a:t>
+            </a:r>
+            <a:r>
+              <a:rPr lang="it-IT" sz="2400" i="1" dirty="0" err="1" smtClean="0"/>
+              <a:t>threshold</a:t>
+            </a:r>
+            <a:r>
+              <a:rPr lang="it-IT" sz="2400" i="1" dirty="0" smtClean="0"/>
+              <a:t>) </a:t>
+            </a:r>
+            <a:r>
+              <a:rPr lang="it-IT" sz="2400" i="1" dirty="0" err="1" smtClean="0"/>
+              <a:t>then</a:t>
+            </a:r>
+            <a:r>
+              <a:rPr lang="it-IT" sz="2400" i="1" dirty="0" smtClean="0"/>
+              <a:t> </a:t>
+            </a:r>
+            <a:r>
+              <a:rPr lang="it-IT" sz="2400" i="1" dirty="0" err="1" smtClean="0"/>
+              <a:t>activate</a:t>
+            </a:r>
+            <a:r>
+              <a:rPr lang="it-IT" sz="2400" i="1" dirty="0" smtClean="0"/>
+              <a:t>(</a:t>
+            </a:r>
+            <a:r>
+              <a:rPr lang="it-IT" sz="2400" i="1" dirty="0" err="1" smtClean="0"/>
+              <a:t>true</a:t>
+            </a:r>
+            <a:r>
+              <a:rPr lang="it-IT" sz="2400" i="1" dirty="0" smtClean="0"/>
+              <a:t>);</a:t>
+            </a:r>
+          </a:p>
+          <a:p>
+            <a:pPr marL="0" indent="0">
+              <a:buNone/>
+            </a:pPr>
+            <a:endParaRPr lang="it-IT" i="1" dirty="0"/>
+          </a:p>
+          <a:p>
+            <a:r>
+              <a:rPr lang="it-IT" sz="2400" dirty="0" err="1" smtClean="0"/>
+              <a:t>As</a:t>
+            </a:r>
+            <a:r>
+              <a:rPr lang="it-IT" sz="2400" dirty="0" smtClean="0"/>
+              <a:t> </a:t>
+            </a:r>
+            <a:r>
+              <a:rPr lang="it-IT" sz="2400" dirty="0" err="1" smtClean="0"/>
+              <a:t>we</a:t>
+            </a:r>
+            <a:r>
+              <a:rPr lang="it-IT" sz="2400" dirty="0" smtClean="0"/>
+              <a:t> can </a:t>
+            </a:r>
+            <a:r>
+              <a:rPr lang="it-IT" sz="2400" dirty="0" err="1" smtClean="0"/>
+              <a:t>see</a:t>
+            </a:r>
+            <a:r>
+              <a:rPr lang="it-IT" sz="2400" dirty="0" smtClean="0"/>
+              <a:t>, </a:t>
+            </a:r>
+            <a:r>
+              <a:rPr lang="it-IT" sz="2400" dirty="0" err="1" smtClean="0"/>
+              <a:t>weights</a:t>
+            </a:r>
+            <a:r>
+              <a:rPr lang="it-IT" sz="2400" dirty="0" smtClean="0"/>
+              <a:t> are </a:t>
+            </a:r>
+            <a:r>
+              <a:rPr lang="it-IT" sz="2400" dirty="0" err="1" smtClean="0"/>
+              <a:t>very</a:t>
+            </a:r>
+            <a:r>
+              <a:rPr lang="it-IT" sz="2400" dirty="0" smtClean="0"/>
+              <a:t> </a:t>
+            </a:r>
+            <a:r>
+              <a:rPr lang="it-IT" sz="2400" dirty="0" err="1" smtClean="0"/>
+              <a:t>crucial</a:t>
+            </a:r>
+            <a:r>
+              <a:rPr lang="it-IT" sz="2400" dirty="0" smtClean="0"/>
+              <a:t> for </a:t>
+            </a:r>
+            <a:r>
+              <a:rPr lang="it-IT" sz="2400" dirty="0" err="1" smtClean="0"/>
+              <a:t>our</a:t>
+            </a:r>
+            <a:r>
+              <a:rPr lang="it-IT" sz="2400" dirty="0" smtClean="0"/>
+              <a:t> </a:t>
+            </a:r>
+            <a:r>
+              <a:rPr lang="it-IT" sz="2400" dirty="0" err="1" smtClean="0"/>
+              <a:t>results</a:t>
+            </a:r>
+            <a:r>
+              <a:rPr lang="it-IT" dirty="0"/>
+              <a:t>!</a:t>
+            </a:r>
+            <a:endParaRPr lang="it-IT" sz="2400" dirty="0"/>
+          </a:p>
+          <a:p>
+            <a:pPr lvl="1"/>
+            <a:endParaRPr lang="it-IT" sz="2400" i="1" dirty="0"/>
+          </a:p>
+        </p:txBody>
+      </p:sp>
     </p:spTree>
     <p:extLst>
       <p:ext uri="{BB962C8B-B14F-4D97-AF65-F5344CB8AC3E}">

--- a/presentation.pptx
+++ b/presentation.pptx
@@ -5,7 +5,7 @@
     <p:sldMasterId id="2147483660" r:id="rId1"/>
   </p:sldMasterIdLst>
   <p:notesMasterIdLst>
-    <p:notesMasterId r:id="rId28"/>
+    <p:notesMasterId r:id="rId31"/>
   </p:notesMasterIdLst>
   <p:sldIdLst>
     <p:sldId id="256" r:id="rId2"/>
@@ -30,10 +30,13 @@
     <p:sldId id="276" r:id="rId21"/>
     <p:sldId id="277" r:id="rId22"/>
     <p:sldId id="278" r:id="rId23"/>
-    <p:sldId id="282" r:id="rId24"/>
-    <p:sldId id="279" r:id="rId25"/>
-    <p:sldId id="280" r:id="rId26"/>
-    <p:sldId id="281" r:id="rId27"/>
+    <p:sldId id="283" r:id="rId24"/>
+    <p:sldId id="282" r:id="rId25"/>
+    <p:sldId id="279" r:id="rId26"/>
+    <p:sldId id="280" r:id="rId27"/>
+    <p:sldId id="281" r:id="rId28"/>
+    <p:sldId id="285" r:id="rId29"/>
+    <p:sldId id="284" r:id="rId30"/>
   </p:sldIdLst>
   <p:sldSz cx="9144000" cy="6858000" type="screen4x3"/>
   <p:notesSz cx="6858000" cy="9144000"/>
@@ -217,7 +220,7 @@
           <a:p>
             <a:fld id="{439984CF-8456-4B48-B076-D98EB683EED0}" type="datetimeFigureOut">
               <a:rPr lang="it-IT" smtClean="0"/>
-              <a:t>23/11/2012</a:t>
+              <a:t>27/11/2012</a:t>
             </a:fld>
             <a:endParaRPr lang="it-IT"/>
           </a:p>
@@ -841,7 +844,7 @@
           <a:p>
             <a:fld id="{BF936EAF-A2C7-4229-B0E9-A642D04707BE}" type="datetimeFigureOut">
               <a:rPr lang="it-IT" smtClean="0"/>
-              <a:t>23/11/2012</a:t>
+              <a:t>27/11/2012</a:t>
             </a:fld>
             <a:endParaRPr lang="it-IT"/>
           </a:p>
@@ -1041,7 +1044,7 @@
           <a:p>
             <a:fld id="{BF936EAF-A2C7-4229-B0E9-A642D04707BE}" type="datetimeFigureOut">
               <a:rPr lang="it-IT" smtClean="0"/>
-              <a:t>23/11/2012</a:t>
+              <a:t>27/11/2012</a:t>
             </a:fld>
             <a:endParaRPr lang="it-IT"/>
           </a:p>
@@ -1216,7 +1219,7 @@
           <a:p>
             <a:fld id="{BF936EAF-A2C7-4229-B0E9-A642D04707BE}" type="datetimeFigureOut">
               <a:rPr lang="it-IT" smtClean="0"/>
-              <a:t>23/11/2012</a:t>
+              <a:t>27/11/2012</a:t>
             </a:fld>
             <a:endParaRPr lang="it-IT"/>
           </a:p>
@@ -1381,7 +1384,7 @@
           <a:p>
             <a:fld id="{BF936EAF-A2C7-4229-B0E9-A642D04707BE}" type="datetimeFigureOut">
               <a:rPr lang="it-IT" smtClean="0"/>
-              <a:t>23/11/2012</a:t>
+              <a:t>27/11/2012</a:t>
             </a:fld>
             <a:endParaRPr lang="it-IT"/>
           </a:p>
@@ -1629,7 +1632,7 @@
           <a:p>
             <a:fld id="{BF936EAF-A2C7-4229-B0E9-A642D04707BE}" type="datetimeFigureOut">
               <a:rPr lang="it-IT" smtClean="0"/>
-              <a:t>23/11/2012</a:t>
+              <a:t>27/11/2012</a:t>
             </a:fld>
             <a:endParaRPr lang="it-IT"/>
           </a:p>
@@ -1947,7 +1950,7 @@
           <a:p>
             <a:fld id="{BF936EAF-A2C7-4229-B0E9-A642D04707BE}" type="datetimeFigureOut">
               <a:rPr lang="it-IT" smtClean="0"/>
-              <a:t>23/11/2012</a:t>
+              <a:t>27/11/2012</a:t>
             </a:fld>
             <a:endParaRPr lang="it-IT"/>
           </a:p>
@@ -2413,7 +2416,7 @@
           <a:p>
             <a:fld id="{BF936EAF-A2C7-4229-B0E9-A642D04707BE}" type="datetimeFigureOut">
               <a:rPr lang="it-IT" smtClean="0"/>
-              <a:t>23/11/2012</a:t>
+              <a:t>27/11/2012</a:t>
             </a:fld>
             <a:endParaRPr lang="it-IT"/>
           </a:p>
@@ -2561,7 +2564,7 @@
           <a:p>
             <a:fld id="{BF936EAF-A2C7-4229-B0E9-A642D04707BE}" type="datetimeFigureOut">
               <a:rPr lang="it-IT" smtClean="0"/>
-              <a:t>23/11/2012</a:t>
+              <a:t>27/11/2012</a:t>
             </a:fld>
             <a:endParaRPr lang="it-IT"/>
           </a:p>
@@ -2651,7 +2654,7 @@
           <a:p>
             <a:fld id="{BF936EAF-A2C7-4229-B0E9-A642D04707BE}" type="datetimeFigureOut">
               <a:rPr lang="it-IT" smtClean="0"/>
-              <a:t>23/11/2012</a:t>
+              <a:t>27/11/2012</a:t>
             </a:fld>
             <a:endParaRPr lang="it-IT"/>
           </a:p>
@@ -2925,7 +2928,7 @@
           <a:p>
             <a:fld id="{BF936EAF-A2C7-4229-B0E9-A642D04707BE}" type="datetimeFigureOut">
               <a:rPr lang="it-IT" smtClean="0"/>
-              <a:t>23/11/2012</a:t>
+              <a:t>27/11/2012</a:t>
             </a:fld>
             <a:endParaRPr lang="it-IT"/>
           </a:p>
@@ -3230,7 +3233,7 @@
           <a:p>
             <a:fld id="{BF936EAF-A2C7-4229-B0E9-A642D04707BE}" type="datetimeFigureOut">
               <a:rPr lang="it-IT" smtClean="0"/>
-              <a:t>23/11/2012</a:t>
+              <a:t>27/11/2012</a:t>
             </a:fld>
             <a:endParaRPr lang="it-IT"/>
           </a:p>
@@ -3528,7 +3531,7 @@
           <a:p>
             <a:fld id="{BF936EAF-A2C7-4229-B0E9-A642D04707BE}" type="datetimeFigureOut">
               <a:rPr lang="it-IT" smtClean="0"/>
-              <a:t>23/11/2012</a:t>
+              <a:t>27/11/2012</a:t>
             </a:fld>
             <a:endParaRPr lang="it-IT"/>
           </a:p>
@@ -10189,11 +10192,7 @@
             </a:r>
             <a:r>
               <a:rPr lang="it-IT" dirty="0" smtClean="0"/>
-              <a:t> a new </a:t>
-            </a:r>
-            <a:r>
-              <a:rPr lang="it-IT" dirty="0" smtClean="0"/>
-              <a:t>generation</a:t>
+              <a:t> a new generation</a:t>
             </a:r>
           </a:p>
           <a:p>
@@ -10221,7 +10220,6 @@
               <a:rPr lang="it-IT" dirty="0" smtClean="0"/>
               <a:t>…</a:t>
             </a:r>
-            <a:endParaRPr lang="it-IT" dirty="0" smtClean="0"/>
           </a:p>
           <a:p>
             <a:pPr lvl="1"/>
@@ -10322,15 +10320,23 @@
             </a:r>
             <a:r>
               <a:rPr lang="it-IT" dirty="0" smtClean="0"/>
-              <a:t> the best </a:t>
-            </a:r>
-            <a:r>
-              <a:rPr lang="it-IT" dirty="0" err="1" smtClean="0"/>
+              <a:t> </a:t>
+            </a:r>
+            <a:r>
+              <a:rPr lang="it-IT" b="1" dirty="0" smtClean="0"/>
+              <a:t>the best </a:t>
+            </a:r>
+            <a:r>
+              <a:rPr lang="it-IT" b="1" dirty="0" err="1" smtClean="0"/>
               <a:t>candidates</a:t>
             </a:r>
             <a:r>
-              <a:rPr lang="it-IT" dirty="0" smtClean="0"/>
-              <a:t> can be </a:t>
+              <a:rPr lang="it-IT" b="1" dirty="0" smtClean="0"/>
+              <a:t> </a:t>
+            </a:r>
+            <a:r>
+              <a:rPr lang="it-IT" dirty="0" smtClean="0"/>
+              <a:t>can be </a:t>
             </a:r>
             <a:r>
               <a:rPr lang="it-IT" dirty="0" err="1" smtClean="0"/>
@@ -10464,8 +10470,8 @@
         </p:nvSpPr>
         <p:spPr>
           <a:xfrm>
-            <a:off x="827584" y="4581128"/>
-            <a:ext cx="7488832" cy="1323439"/>
+            <a:off x="544875" y="4725144"/>
+            <a:ext cx="7776864" cy="1477328"/>
           </a:xfrm>
           <a:prstGeom prst="rect">
             <a:avLst/>
@@ -10483,42 +10489,42 @@
               <a:buAutoNum type="arabicPeriod"/>
             </a:pPr>
             <a:r>
-              <a:rPr lang="en-US" sz="1600" dirty="0">
+              <a:rPr lang="en-US" dirty="0">
                 <a:latin typeface="Consolas" pitchFamily="49" charset="0"/>
                 <a:cs typeface="Consolas" pitchFamily="49" charset="0"/>
               </a:rPr>
               <a:t>Calculate sum </a:t>
             </a:r>
             <a:r>
-              <a:rPr lang="en-US" sz="1600" dirty="0" smtClean="0">
+              <a:rPr lang="en-US" dirty="0" smtClean="0">
                 <a:latin typeface="Consolas" pitchFamily="49" charset="0"/>
                 <a:cs typeface="Consolas" pitchFamily="49" charset="0"/>
               </a:rPr>
               <a:t>S of </a:t>
             </a:r>
             <a:r>
-              <a:rPr lang="en-US" sz="1600" dirty="0">
+              <a:rPr lang="en-US" dirty="0">
                 <a:latin typeface="Consolas" pitchFamily="49" charset="0"/>
                 <a:cs typeface="Consolas" pitchFamily="49" charset="0"/>
               </a:rPr>
               <a:t>all chromosome </a:t>
             </a:r>
             <a:r>
-              <a:rPr lang="en-US" sz="1600" dirty="0" err="1">
+              <a:rPr lang="en-US" dirty="0" err="1">
                 <a:latin typeface="Consolas" pitchFamily="49" charset="0"/>
                 <a:cs typeface="Consolas" pitchFamily="49" charset="0"/>
               </a:rPr>
               <a:t>fitnesses</a:t>
             </a:r>
             <a:r>
-              <a:rPr lang="en-US" sz="1600" dirty="0">
+              <a:rPr lang="en-US" dirty="0">
                 <a:latin typeface="Consolas" pitchFamily="49" charset="0"/>
                 <a:cs typeface="Consolas" pitchFamily="49" charset="0"/>
               </a:rPr>
               <a:t> </a:t>
             </a:r>
             <a:r>
-              <a:rPr lang="en-US" sz="1600" dirty="0" smtClean="0">
+              <a:rPr lang="en-US" dirty="0" smtClean="0">
                 <a:latin typeface="Consolas" pitchFamily="49" charset="0"/>
                 <a:cs typeface="Consolas" pitchFamily="49" charset="0"/>
               </a:rPr>
@@ -10531,14 +10537,14 @@
               <a:buAutoNum type="arabicPeriod"/>
             </a:pPr>
             <a:r>
-              <a:rPr lang="en-US" sz="1600" dirty="0">
+              <a:rPr lang="en-US" dirty="0">
                 <a:latin typeface="Consolas" pitchFamily="49" charset="0"/>
                 <a:cs typeface="Consolas" pitchFamily="49" charset="0"/>
               </a:rPr>
               <a:t>Generate random number </a:t>
             </a:r>
             <a:r>
-              <a:rPr lang="en-US" sz="1600" dirty="0" smtClean="0">
+              <a:rPr lang="en-US" dirty="0" smtClean="0">
                 <a:latin typeface="Consolas" pitchFamily="49" charset="0"/>
                 <a:cs typeface="Consolas" pitchFamily="49" charset="0"/>
               </a:rPr>
@@ -10551,41 +10557,41 @@
               <a:buAutoNum type="arabicPeriod"/>
             </a:pPr>
             <a:r>
-              <a:rPr lang="en-US" sz="1600" dirty="0" smtClean="0">
+              <a:rPr lang="en-US" dirty="0" smtClean="0">
                 <a:latin typeface="Consolas" pitchFamily="49" charset="0"/>
                 <a:cs typeface="Consolas" pitchFamily="49" charset="0"/>
               </a:rPr>
               <a:t>While S' &lt; R </a:t>
             </a:r>
             <a:br>
-              <a:rPr lang="en-US" sz="1600" dirty="0" smtClean="0">
+              <a:rPr lang="en-US" dirty="0" smtClean="0">
                 <a:latin typeface="Consolas" pitchFamily="49" charset="0"/>
                 <a:cs typeface="Consolas" pitchFamily="49" charset="0"/>
               </a:rPr>
             </a:br>
             <a:r>
-              <a:rPr lang="en-US" sz="1600" dirty="0" smtClean="0">
+              <a:rPr lang="en-US" dirty="0" smtClean="0">
                 <a:latin typeface="Consolas" pitchFamily="49" charset="0"/>
                 <a:cs typeface="Consolas" pitchFamily="49" charset="0"/>
               </a:rPr>
               <a:t>	Go </a:t>
             </a:r>
             <a:r>
-              <a:rPr lang="en-US" sz="1600" dirty="0">
+              <a:rPr lang="en-US" dirty="0">
                 <a:latin typeface="Consolas" pitchFamily="49" charset="0"/>
                 <a:cs typeface="Consolas" pitchFamily="49" charset="0"/>
               </a:rPr>
               <a:t>through the population and sum </a:t>
             </a:r>
             <a:r>
-              <a:rPr lang="en-US" sz="1600" dirty="0" err="1" smtClean="0">
+              <a:rPr lang="en-US" dirty="0" err="1" smtClean="0">
                 <a:latin typeface="Consolas" pitchFamily="49" charset="0"/>
                 <a:cs typeface="Consolas" pitchFamily="49" charset="0"/>
               </a:rPr>
               <a:t>fitnesses</a:t>
             </a:r>
             <a:r>
-              <a:rPr lang="en-US" sz="1600" dirty="0" smtClean="0">
+              <a:rPr lang="en-US" dirty="0" smtClean="0">
                 <a:latin typeface="Consolas" pitchFamily="49" charset="0"/>
                 <a:cs typeface="Consolas" pitchFamily="49" charset="0"/>
               </a:rPr>
@@ -10598,13 +10604,13 @@
               <a:buAutoNum type="arabicPeriod"/>
             </a:pPr>
             <a:r>
-              <a:rPr lang="en-US" sz="1600" dirty="0" smtClean="0">
+              <a:rPr lang="en-US" dirty="0" smtClean="0">
                 <a:latin typeface="Consolas" pitchFamily="49" charset="0"/>
                 <a:cs typeface="Consolas" pitchFamily="49" charset="0"/>
               </a:rPr>
               <a:t>Return the chromosome where you are</a:t>
             </a:r>
-            <a:endParaRPr lang="it-IT" sz="1600" dirty="0">
+            <a:endParaRPr lang="it-IT" dirty="0">
               <a:latin typeface="Consolas" pitchFamily="49" charset="0"/>
               <a:cs typeface="Consolas" pitchFamily="49" charset="0"/>
             </a:endParaRPr>
@@ -10689,21 +10695,17 @@
         </p:spPr>
         <p:txBody>
           <a:bodyPr>
-            <a:normAutofit lnSpcReduction="10000"/>
+            <a:normAutofit fontScale="92500" lnSpcReduction="10000"/>
           </a:bodyPr>
           <a:lstStyle/>
           <a:p>
             <a:r>
-              <a:rPr lang="it-IT" dirty="0" err="1" smtClean="0"/>
-              <a:t>Recombination</a:t>
-            </a:r>
-            <a:r>
-              <a:rPr lang="it-IT" dirty="0" smtClean="0"/>
-              <a:t> </a:t>
-            </a:r>
-            <a:r>
-              <a:rPr lang="it-IT" dirty="0" err="1" smtClean="0"/>
-              <a:t>between</a:t>
+              <a:rPr lang="it-IT" dirty="0"/>
+              <a:t>By </a:t>
+            </a:r>
+            <a:r>
+              <a:rPr lang="it-IT" dirty="0" err="1" smtClean="0"/>
+              <a:t>recombining</a:t>
             </a:r>
             <a:r>
               <a:rPr lang="it-IT" dirty="0" smtClean="0"/>
@@ -10715,31 +10717,115 @@
             </a:r>
             <a:r>
               <a:rPr lang="it-IT" dirty="0" smtClean="0"/>
-              <a:t> or more </a:t>
-            </a:r>
-            <a:r>
-              <a:rPr lang="it-IT" dirty="0" err="1" smtClean="0"/>
+              <a:t> </a:t>
+            </a:r>
+            <a:r>
+              <a:rPr lang="it-IT" dirty="0" err="1"/>
               <a:t>chromosomes</a:t>
             </a:r>
             <a:r>
-              <a:rPr lang="it-IT" dirty="0" smtClean="0"/>
-              <a:t> </a:t>
-            </a:r>
-            <a:r>
-              <a:rPr lang="it-IT" dirty="0" err="1" smtClean="0"/>
+              <a:rPr lang="it-IT" dirty="0"/>
+              <a:t> </a:t>
+            </a:r>
+            <a:r>
+              <a:rPr lang="it-IT" dirty="0" err="1"/>
+              <a:t>it</a:t>
+            </a:r>
+            <a:r>
+              <a:rPr lang="it-IT" dirty="0"/>
+              <a:t> </a:t>
+            </a:r>
+            <a:r>
+              <a:rPr lang="it-IT" dirty="0" err="1"/>
               <a:t>is</a:t>
             </a:r>
             <a:r>
-              <a:rPr lang="it-IT" dirty="0" smtClean="0"/>
-              <a:t> </a:t>
-            </a:r>
-            <a:r>
-              <a:rPr lang="it-IT" dirty="0" err="1" smtClean="0"/>
-              <a:t>done</a:t>
-            </a:r>
-            <a:r>
-              <a:rPr lang="it-IT" dirty="0" smtClean="0"/>
-              <a:t> with the so </a:t>
+              <a:rPr lang="it-IT" dirty="0"/>
+              <a:t> </a:t>
+            </a:r>
+            <a:r>
+              <a:rPr lang="it-IT" dirty="0" err="1"/>
+              <a:t>possible</a:t>
+            </a:r>
+            <a:r>
+              <a:rPr lang="it-IT" dirty="0"/>
+              <a:t> to </a:t>
+            </a:r>
+            <a:r>
+              <a:rPr lang="it-IT" dirty="0" err="1"/>
+              <a:t>obtain</a:t>
+            </a:r>
+            <a:r>
+              <a:rPr lang="it-IT" dirty="0"/>
+              <a:t> </a:t>
+            </a:r>
+            <a:r>
+              <a:rPr lang="it-IT" b="1" dirty="0"/>
+              <a:t>a </a:t>
+            </a:r>
+            <a:r>
+              <a:rPr lang="it-IT" b="1" dirty="0" err="1"/>
+              <a:t>couple</a:t>
+            </a:r>
+            <a:r>
+              <a:rPr lang="it-IT" b="1" dirty="0"/>
+              <a:t> of </a:t>
+            </a:r>
+            <a:r>
+              <a:rPr lang="it-IT" b="1" dirty="0" err="1"/>
+              <a:t>better</a:t>
+            </a:r>
+            <a:r>
+              <a:rPr lang="it-IT" b="1" dirty="0"/>
+              <a:t> </a:t>
+            </a:r>
+            <a:r>
+              <a:rPr lang="it-IT" b="1" dirty="0" err="1" smtClean="0"/>
+              <a:t>chromosomes</a:t>
+            </a:r>
+            <a:r>
+              <a:rPr lang="it-IT" dirty="0" smtClean="0"/>
+              <a:t> (</a:t>
+            </a:r>
+            <a:r>
+              <a:rPr lang="it-IT" i="1" dirty="0" err="1" smtClean="0"/>
+              <a:t>offspring</a:t>
+            </a:r>
+            <a:r>
+              <a:rPr lang="it-IT" dirty="0" smtClean="0"/>
+              <a:t>). </a:t>
+            </a:r>
+            <a:r>
+              <a:rPr lang="it-IT" dirty="0" err="1" smtClean="0"/>
+              <a:t>This</a:t>
+            </a:r>
+            <a:r>
+              <a:rPr lang="it-IT" dirty="0" smtClean="0"/>
+              <a:t> </a:t>
+            </a:r>
+            <a:r>
+              <a:rPr lang="it-IT" dirty="0" err="1" smtClean="0"/>
+              <a:t>operation</a:t>
+            </a:r>
+            <a:r>
+              <a:rPr lang="it-IT" dirty="0" smtClean="0"/>
+              <a:t> </a:t>
+            </a:r>
+            <a:r>
+              <a:rPr lang="it-IT" dirty="0" err="1" smtClean="0"/>
+              <a:t>is</a:t>
+            </a:r>
+            <a:r>
+              <a:rPr lang="it-IT" dirty="0" smtClean="0"/>
+              <a:t> </a:t>
+            </a:r>
+            <a:r>
+              <a:rPr lang="it-IT" dirty="0" err="1" smtClean="0"/>
+              <a:t>also</a:t>
+            </a:r>
+            <a:r>
+              <a:rPr lang="it-IT" dirty="0" smtClean="0"/>
+              <a:t> </a:t>
             </a:r>
             <a:r>
               <a:rPr lang="it-IT" dirty="0" err="1" smtClean="0"/>
@@ -10853,52 +10939,24 @@
           </a:p>
           <a:p>
             <a:r>
-              <a:rPr lang="it-IT" dirty="0" smtClean="0"/>
-              <a:t>By </a:t>
-            </a:r>
-            <a:r>
-              <a:rPr lang="it-IT" dirty="0" err="1" smtClean="0"/>
-              <a:t>crossing</a:t>
-            </a:r>
-            <a:r>
-              <a:rPr lang="it-IT" dirty="0" smtClean="0"/>
-              <a:t> </a:t>
-            </a:r>
-            <a:r>
-              <a:rPr lang="it-IT" dirty="0" err="1" smtClean="0"/>
-              <a:t>two</a:t>
-            </a:r>
-            <a:r>
-              <a:rPr lang="it-IT" dirty="0" smtClean="0"/>
-              <a:t> </a:t>
-            </a:r>
-            <a:r>
-              <a:rPr lang="it-IT" dirty="0" err="1" smtClean="0"/>
-              <a:t>chromosomes</a:t>
-            </a:r>
-            <a:r>
-              <a:rPr lang="it-IT" dirty="0" smtClean="0"/>
-              <a:t> </a:t>
-            </a:r>
-            <a:r>
-              <a:rPr lang="it-IT" dirty="0" err="1" smtClean="0"/>
-              <a:t>it</a:t>
-            </a:r>
-            <a:r>
-              <a:rPr lang="it-IT" dirty="0" smtClean="0"/>
-              <a:t> </a:t>
-            </a:r>
-            <a:r>
-              <a:rPr lang="it-IT" dirty="0" err="1" smtClean="0"/>
-              <a:t>is</a:t>
-            </a:r>
-            <a:r>
-              <a:rPr lang="it-IT" dirty="0" smtClean="0"/>
-              <a:t> </a:t>
-            </a:r>
-            <a:r>
-              <a:rPr lang="it-IT" dirty="0" err="1" smtClean="0"/>
-              <a:t>possible</a:t>
+              <a:rPr lang="it-IT" dirty="0" err="1" smtClean="0"/>
+              <a:t>It's</a:t>
+            </a:r>
+            <a:r>
+              <a:rPr lang="it-IT" dirty="0" smtClean="0"/>
+              <a:t> </a:t>
+            </a:r>
+            <a:r>
+              <a:rPr lang="it-IT" dirty="0" err="1" smtClean="0"/>
+              <a:t>suggested</a:t>
+            </a:r>
+            <a:r>
+              <a:rPr lang="it-IT" dirty="0" smtClean="0"/>
+              <a:t> to set the </a:t>
+            </a:r>
+            <a:r>
+              <a:rPr lang="it-IT" dirty="0" err="1" smtClean="0"/>
+              <a:t>probability</a:t>
             </a:r>
             <a:r>
               <a:rPr lang="it-IT" dirty="0" smtClean="0"/>
@@ -10906,35 +10964,27 @@
             </a:r>
             <a:r>
               <a:rPr lang="it-IT" dirty="0" err="1" smtClean="0"/>
-              <a:t>obtain</a:t>
-            </a:r>
-            <a:r>
-              <a:rPr lang="it-IT" dirty="0" smtClean="0"/>
-              <a:t> a </a:t>
-            </a:r>
-            <a:r>
-              <a:rPr lang="it-IT" dirty="0" err="1" smtClean="0"/>
-              <a:t>couple</a:t>
-            </a:r>
-            <a:r>
-              <a:rPr lang="it-IT" dirty="0" smtClean="0"/>
-              <a:t> of </a:t>
-            </a:r>
-            <a:r>
-              <a:rPr lang="it-IT" dirty="0" err="1" smtClean="0"/>
-              <a:t>better</a:t>
-            </a:r>
-            <a:r>
-              <a:rPr lang="it-IT" dirty="0" smtClean="0"/>
-              <a:t> </a:t>
-            </a:r>
-            <a:r>
-              <a:rPr lang="it-IT" dirty="0" err="1" smtClean="0"/>
-              <a:t>chromosomes</a:t>
-            </a:r>
-            <a:r>
-              <a:rPr lang="it-IT" dirty="0"/>
-              <a:t>!</a:t>
+              <a:t>have</a:t>
+            </a:r>
+            <a:r>
+              <a:rPr lang="it-IT" dirty="0" smtClean="0"/>
+              <a:t> a crossover for </a:t>
+            </a:r>
+            <a:r>
+              <a:rPr lang="it-IT" dirty="0" err="1" smtClean="0"/>
+              <a:t>each</a:t>
+            </a:r>
+            <a:r>
+              <a:rPr lang="it-IT" dirty="0" smtClean="0"/>
+              <a:t> new generation </a:t>
+            </a:r>
+            <a:r>
+              <a:rPr lang="it-IT" dirty="0" err="1" smtClean="0"/>
+              <a:t>between</a:t>
+            </a:r>
+            <a:r>
+              <a:rPr lang="it-IT" dirty="0" smtClean="0"/>
+              <a:t> 80% and 95%</a:t>
             </a:r>
             <a:endParaRPr lang="it-IT" dirty="0"/>
           </a:p>
@@ -10962,7 +11012,7 @@
         </p:blipFill>
         <p:spPr>
           <a:xfrm>
-            <a:off x="5072637" y="2923811"/>
+            <a:off x="5072637" y="3039913"/>
             <a:ext cx="3222303" cy="461095"/>
           </a:xfrm>
           <a:prstGeom prst="rect">
@@ -10992,7 +11042,7 @@
         </p:blipFill>
         <p:spPr>
           <a:xfrm>
-            <a:off x="5072635" y="3375938"/>
+            <a:off x="5072635" y="3400386"/>
             <a:ext cx="3219279" cy="460662"/>
           </a:xfrm>
           <a:prstGeom prst="rect">
@@ -11082,7 +11132,7 @@
         </p:blipFill>
         <p:spPr>
           <a:xfrm>
-            <a:off x="5072637" y="4734670"/>
+            <a:off x="5076056" y="4639713"/>
             <a:ext cx="3219279" cy="445471"/>
           </a:xfrm>
           <a:prstGeom prst="rect">
@@ -11187,23 +11237,31 @@
             </a:r>
             <a:r>
               <a:rPr lang="it-IT" dirty="0" smtClean="0"/>
-              <a:t> to </a:t>
-            </a:r>
-            <a:r>
-              <a:rPr lang="it-IT" dirty="0" err="1" smtClean="0"/>
+              <a:t> </a:t>
+            </a:r>
+            <a:r>
+              <a:rPr lang="it-IT" b="1" dirty="0" smtClean="0"/>
+              <a:t>to </a:t>
+            </a:r>
+            <a:r>
+              <a:rPr lang="it-IT" b="1" dirty="0" err="1" smtClean="0"/>
               <a:t>avoid</a:t>
             </a:r>
             <a:r>
-              <a:rPr lang="it-IT" dirty="0" smtClean="0"/>
-              <a:t> </a:t>
-            </a:r>
-            <a:r>
-              <a:rPr lang="it-IT" dirty="0" err="1" smtClean="0"/>
+              <a:rPr lang="it-IT" b="1" dirty="0" smtClean="0"/>
+              <a:t> </a:t>
+            </a:r>
+            <a:r>
+              <a:rPr lang="it-IT" b="1" dirty="0" err="1" smtClean="0"/>
               <a:t>local</a:t>
             </a:r>
             <a:r>
-              <a:rPr lang="it-IT" dirty="0" smtClean="0"/>
-              <a:t> minimum of the fitness </a:t>
+              <a:rPr lang="it-IT" b="1" dirty="0" smtClean="0"/>
+              <a:t> minimum </a:t>
+            </a:r>
+            <a:r>
+              <a:rPr lang="it-IT" dirty="0" smtClean="0"/>
+              <a:t>of the fitness </a:t>
             </a:r>
             <a:r>
               <a:rPr lang="it-IT" dirty="0" err="1" smtClean="0"/>
@@ -11360,7 +11418,27 @@
             </a:r>
             <a:r>
               <a:rPr lang="it-IT" dirty="0" smtClean="0"/>
-              <a:t> with </a:t>
+              <a:t> </a:t>
+            </a:r>
+            <a:r>
+              <a:rPr lang="it-IT" dirty="0" err="1" smtClean="0"/>
+              <a:t>before</a:t>
+            </a:r>
+            <a:r>
+              <a:rPr lang="it-IT" dirty="0" smtClean="0"/>
+              <a:t> </a:t>
+            </a:r>
+            <a:r>
+              <a:rPr lang="it-IT" dirty="0" err="1" smtClean="0"/>
+              <a:t>any</a:t>
+            </a:r>
+            <a:r>
+              <a:rPr lang="it-IT" dirty="0" smtClean="0"/>
+              <a:t> new generation </a:t>
+            </a:r>
+            <a:r>
+              <a:rPr lang="it-IT" dirty="0" smtClean="0"/>
+              <a:t>with </a:t>
             </a:r>
             <a:r>
               <a:rPr lang="it-IT" dirty="0" err="1" smtClean="0"/>
@@ -11376,15 +11454,7 @@
             </a:r>
             <a:r>
               <a:rPr lang="it-IT" dirty="0" smtClean="0"/>
-              <a:t> 0,5% </a:t>
-            </a:r>
-            <a:r>
-              <a:rPr lang="it-IT" dirty="0" smtClean="0"/>
-              <a:t>and </a:t>
-            </a:r>
-            <a:r>
-              <a:rPr lang="it-IT" dirty="0" smtClean="0"/>
-              <a:t>1,0%.</a:t>
+              <a:t> 0,5% and 1,0%.</a:t>
             </a:r>
             <a:endParaRPr lang="it-IT" dirty="0"/>
           </a:p>
@@ -11434,7 +11504,7 @@
             <a:spLocks noGrp="1"/>
           </p:cNvSpPr>
           <p:nvPr>
-            <p:ph type="ctrTitle"/>
+            <p:ph type="title"/>
           </p:nvPr>
         </p:nvSpPr>
         <p:spPr/>
@@ -11444,7 +11514,7 @@
           <a:p>
             <a:r>
               <a:rPr lang="it-IT" dirty="0" err="1" smtClean="0"/>
-              <a:t>Carwin</a:t>
+              <a:t>References</a:t>
             </a:r>
             <a:endParaRPr lang="it-IT" dirty="0"/>
           </a:p>
@@ -11452,40 +11522,187 @@
       </p:sp>
       <p:sp>
         <p:nvSpPr>
-          <p:cNvPr id="3" name="Sottotitolo 2"/>
+          <p:cNvPr id="3" name="Segnaposto contenuto 2"/>
           <p:cNvSpPr>
             <a:spLocks noGrp="1"/>
           </p:cNvSpPr>
           <p:nvPr>
-            <p:ph type="subTitle" idx="1"/>
+            <p:ph idx="1"/>
           </p:nvPr>
         </p:nvSpPr>
-        <p:spPr>
-          <a:xfrm>
-            <a:off x="685800" y="3505200"/>
-            <a:ext cx="7846640" cy="2804120"/>
-          </a:xfrm>
-        </p:spPr>
+        <p:spPr/>
         <p:txBody>
-          <a:bodyPr>
-            <a:normAutofit/>
-          </a:bodyPr>
+          <a:bodyPr/>
           <a:lstStyle/>
           <a:p>
             <a:r>
-              <a:rPr lang="en-US" dirty="0"/>
-              <a:t>A self-driving car implemented with neural networks and genetic algorithms (AI Course Project)</a:t>
-            </a:r>
-            <a:r>
-              <a:rPr lang="it-IT" dirty="0" smtClean="0"/>
-              <a:t/>
-            </a:r>
-            <a:br>
-              <a:rPr lang="it-IT" dirty="0" smtClean="0"/>
-            </a:br>
-            <a:r>
-              <a:rPr lang="it-IT" dirty="0" smtClean="0"/>
-              <a:t/>
+              <a:rPr lang="it-IT" dirty="0" smtClean="0"/>
+              <a:t>For </a:t>
+            </a:r>
+            <a:r>
+              <a:rPr lang="it-IT" dirty="0" err="1"/>
+              <a:t>N</a:t>
+            </a:r>
+            <a:r>
+              <a:rPr lang="it-IT" dirty="0" err="1" smtClean="0"/>
+              <a:t>eural</a:t>
+            </a:r>
+            <a:r>
+              <a:rPr lang="it-IT" dirty="0" smtClean="0"/>
+              <a:t> Networks:</a:t>
+            </a:r>
+          </a:p>
+          <a:p>
+            <a:pPr lvl="1"/>
+            <a:r>
+              <a:rPr lang="it-IT" dirty="0" smtClean="0"/>
+              <a:t>R. </a:t>
+            </a:r>
+            <a:r>
+              <a:rPr lang="it-IT" dirty="0" err="1" smtClean="0"/>
+              <a:t>Rojas</a:t>
+            </a:r>
+            <a:r>
+              <a:rPr lang="it-IT" dirty="0" smtClean="0"/>
+              <a:t>: </a:t>
+            </a:r>
+            <a:r>
+              <a:rPr lang="it-IT" i="1" dirty="0" err="1" smtClean="0"/>
+              <a:t>Neural</a:t>
+            </a:r>
+            <a:r>
+              <a:rPr lang="it-IT" i="1" dirty="0" smtClean="0"/>
+              <a:t> Networks – A </a:t>
+            </a:r>
+            <a:r>
+              <a:rPr lang="it-IT" i="1" dirty="0" err="1" smtClean="0"/>
+              <a:t>systematic</a:t>
+            </a:r>
+            <a:r>
+              <a:rPr lang="it-IT" i="1" dirty="0" smtClean="0"/>
+              <a:t> </a:t>
+            </a:r>
+            <a:r>
+              <a:rPr lang="it-IT" i="1" dirty="0" err="1" smtClean="0"/>
+              <a:t>introduction</a:t>
+            </a:r>
+            <a:r>
+              <a:rPr lang="it-IT" i="1" dirty="0" smtClean="0"/>
+              <a:t> </a:t>
+            </a:r>
+          </a:p>
+          <a:p>
+            <a:pPr lvl="2"/>
+            <a:r>
+              <a:rPr lang="it-IT" dirty="0" err="1" smtClean="0"/>
+              <a:t>Springer-Verlag</a:t>
+            </a:r>
+            <a:r>
+              <a:rPr lang="it-IT" dirty="0"/>
+              <a:t>, </a:t>
+            </a:r>
+            <a:r>
+              <a:rPr lang="it-IT" dirty="0" err="1"/>
+              <a:t>Berlin</a:t>
+            </a:r>
+            <a:r>
+              <a:rPr lang="it-IT" dirty="0"/>
+              <a:t>, New-York, </a:t>
+            </a:r>
+            <a:r>
+              <a:rPr lang="it-IT" dirty="0" smtClean="0"/>
+              <a:t>1996.</a:t>
+            </a:r>
+          </a:p>
+          <a:p>
+            <a:pPr lvl="2"/>
+            <a:r>
+              <a:rPr lang="it-IT" dirty="0" smtClean="0"/>
+              <a:t>Free online PDF: </a:t>
+            </a:r>
+            <a:r>
+              <a:rPr lang="it-IT" dirty="0" smtClean="0">
+                <a:hlinkClick r:id="rId2"/>
+              </a:rPr>
+              <a:t>http</a:t>
+            </a:r>
+            <a:r>
+              <a:rPr lang="it-IT" dirty="0">
+                <a:hlinkClick r:id="rId2"/>
+              </a:rPr>
+              <a:t>://</a:t>
+            </a:r>
+            <a:r>
+              <a:rPr lang="it-IT" dirty="0" smtClean="0">
+                <a:hlinkClick r:id="rId2"/>
+              </a:rPr>
+              <a:t>page.mi.fu-berlin.de/rojas/neural/index.html.html</a:t>
+            </a:r>
+            <a:endParaRPr lang="it-IT" dirty="0" smtClean="0"/>
+          </a:p>
+          <a:p>
+            <a:pPr lvl="2"/>
+            <a:endParaRPr lang="it-IT" dirty="0" smtClean="0"/>
+          </a:p>
+          <a:p>
+            <a:pPr lvl="1"/>
+            <a:r>
+              <a:rPr lang="it-IT" dirty="0" smtClean="0"/>
+              <a:t>AI </a:t>
+            </a:r>
+            <a:r>
+              <a:rPr lang="it-IT" dirty="0" err="1" smtClean="0"/>
+              <a:t>Junkie</a:t>
+            </a:r>
+            <a:r>
+              <a:rPr lang="it-IT" dirty="0" smtClean="0"/>
+              <a:t> - </a:t>
+            </a:r>
+            <a:r>
+              <a:rPr lang="it-IT" dirty="0" err="1" smtClean="0"/>
+              <a:t>Neural</a:t>
+            </a:r>
+            <a:r>
+              <a:rPr lang="it-IT" dirty="0" smtClean="0"/>
+              <a:t> Networks in </a:t>
+            </a:r>
+            <a:r>
+              <a:rPr lang="it-IT" dirty="0" err="1" smtClean="0"/>
+              <a:t>plain</a:t>
+            </a:r>
+            <a:r>
+              <a:rPr lang="it-IT" dirty="0" smtClean="0"/>
+              <a:t> </a:t>
+            </a:r>
+            <a:r>
+              <a:rPr lang="it-IT" dirty="0" err="1" smtClean="0"/>
+              <a:t>english</a:t>
+            </a:r>
+            <a:endParaRPr lang="it-IT" dirty="0" smtClean="0"/>
+          </a:p>
+          <a:p>
+            <a:pPr lvl="2"/>
+            <a:r>
+              <a:rPr lang="it-IT" dirty="0" smtClean="0">
+                <a:hlinkClick r:id="rId3"/>
+              </a:rPr>
+              <a:t>http</a:t>
+            </a:r>
+            <a:r>
+              <a:rPr lang="it-IT" dirty="0">
+                <a:hlinkClick r:id="rId3"/>
+              </a:rPr>
+              <a:t>://</a:t>
+            </a:r>
+            <a:r>
+              <a:rPr lang="it-IT" dirty="0" smtClean="0">
+                <a:hlinkClick r:id="rId3"/>
+              </a:rPr>
+              <a:t>www.ai-junkie.com/ann/evolved/nnt1.html</a:t>
+            </a:r>
+            <a:r>
+              <a:rPr lang="it-IT" dirty="0" smtClean="0"/>
+              <a:t> </a:t>
             </a:r>
             <a:br>
               <a:rPr lang="it-IT" dirty="0" smtClean="0"/>
@@ -11493,17 +11710,119 @@
             <a:endParaRPr lang="it-IT" dirty="0"/>
           </a:p>
           <a:p>
-            <a:pPr algn="ctr"/>
-            <a:r>
-              <a:rPr lang="it-IT" dirty="0" smtClean="0"/>
-              <a:t>Università degli Studi di Bologna</a:t>
-            </a:r>
-            <a:br>
-              <a:rPr lang="it-IT" dirty="0" smtClean="0"/>
-            </a:br>
-            <a:r>
-              <a:rPr lang="it-IT" dirty="0" smtClean="0"/>
-              <a:t>LM Informatica 2012/13</a:t>
+            <a:r>
+              <a:rPr lang="it-IT" dirty="0" smtClean="0"/>
+              <a:t>For </a:t>
+            </a:r>
+            <a:r>
+              <a:rPr lang="it-IT" dirty="0" err="1" smtClean="0"/>
+              <a:t>genetic</a:t>
+            </a:r>
+            <a:r>
+              <a:rPr lang="it-IT" dirty="0" smtClean="0"/>
+              <a:t> </a:t>
+            </a:r>
+            <a:r>
+              <a:rPr lang="it-IT" dirty="0" err="1" smtClean="0"/>
+              <a:t>algorithms</a:t>
+            </a:r>
+            <a:r>
+              <a:rPr lang="it-IT" dirty="0" smtClean="0"/>
+              <a:t>:</a:t>
+            </a:r>
+          </a:p>
+          <a:p>
+            <a:pPr lvl="1"/>
+            <a:r>
+              <a:rPr lang="it-IT" dirty="0" err="1" smtClean="0"/>
+              <a:t>Introduction</a:t>
+            </a:r>
+            <a:r>
+              <a:rPr lang="it-IT" dirty="0" smtClean="0"/>
+              <a:t> to </a:t>
+            </a:r>
+            <a:r>
+              <a:rPr lang="it-IT" dirty="0" err="1" smtClean="0"/>
+              <a:t>Genetic</a:t>
+            </a:r>
+            <a:r>
+              <a:rPr lang="it-IT" dirty="0" smtClean="0"/>
+              <a:t> </a:t>
+            </a:r>
+            <a:r>
+              <a:rPr lang="it-IT" dirty="0" err="1" smtClean="0"/>
+              <a:t>Algorithms</a:t>
+            </a:r>
+            <a:endParaRPr lang="it-IT" dirty="0" smtClean="0">
+              <a:hlinkClick r:id="rId4"/>
+            </a:endParaRPr>
+          </a:p>
+          <a:p>
+            <a:pPr lvl="2"/>
+            <a:r>
+              <a:rPr lang="it-IT" dirty="0" smtClean="0">
+                <a:hlinkClick r:id="rId4"/>
+              </a:rPr>
+              <a:t>http</a:t>
+            </a:r>
+            <a:r>
+              <a:rPr lang="it-IT" dirty="0">
+                <a:hlinkClick r:id="rId4"/>
+              </a:rPr>
+              <a:t>://</a:t>
+            </a:r>
+            <a:r>
+              <a:rPr lang="it-IT" dirty="0" smtClean="0">
+                <a:hlinkClick r:id="rId4"/>
+              </a:rPr>
+              <a:t>www.obitko.com/tutorials/genetic-algorithms/index.php</a:t>
+            </a:r>
+            <a:r>
+              <a:rPr lang="it-IT" dirty="0" smtClean="0"/>
+              <a:t> </a:t>
+            </a:r>
+          </a:p>
+          <a:p>
+            <a:pPr lvl="1"/>
+            <a:r>
+              <a:rPr lang="it-IT" dirty="0"/>
+              <a:t>D</a:t>
+            </a:r>
+            <a:r>
+              <a:rPr lang="it-IT" dirty="0" smtClean="0"/>
+              <a:t>. </a:t>
+            </a:r>
+            <a:r>
+              <a:rPr lang="it-IT" dirty="0" err="1" smtClean="0"/>
+              <a:t>Whitley</a:t>
+            </a:r>
+            <a:r>
+              <a:rPr lang="it-IT" dirty="0"/>
+              <a:t>: </a:t>
+            </a:r>
+            <a:r>
+              <a:rPr lang="it-IT" dirty="0" err="1" smtClean="0"/>
+              <a:t>Genetic</a:t>
+            </a:r>
+            <a:r>
+              <a:rPr lang="it-IT" dirty="0" smtClean="0"/>
+              <a:t> </a:t>
+            </a:r>
+            <a:r>
+              <a:rPr lang="it-IT" dirty="0" err="1" smtClean="0"/>
+              <a:t>Algorithms</a:t>
+            </a:r>
+            <a:r>
+              <a:rPr lang="it-IT" dirty="0" smtClean="0"/>
+              <a:t> and </a:t>
+            </a:r>
+            <a:r>
+              <a:rPr lang="it-IT" dirty="0" err="1" smtClean="0"/>
+              <a:t>Neural</a:t>
+            </a:r>
+            <a:r>
+              <a:rPr lang="it-IT" dirty="0" smtClean="0"/>
+              <a:t> Networks (1995)</a:t>
             </a:r>
           </a:p>
         </p:txBody>
@@ -11511,25 +11830,13 @@
     </p:spTree>
     <p:extLst>
       <p:ext uri="{BB962C8B-B14F-4D97-AF65-F5344CB8AC3E}">
-        <p14:creationId xmlns:p14="http://schemas.microsoft.com/office/powerpoint/2010/main" val="694007294"/>
+        <p14:creationId xmlns:p14="http://schemas.microsoft.com/office/powerpoint/2010/main" val="4029696738"/>
       </p:ext>
     </p:extLst>
   </p:cSld>
   <p:clrMapOvr>
     <a:masterClrMapping/>
   </p:clrMapOvr>
-  <mc:AlternateContent xmlns:mc="http://schemas.openxmlformats.org/markup-compatibility/2006">
-    <mc:Choice xmlns:p14="http://schemas.microsoft.com/office/powerpoint/2010/main" Requires="p14">
-      <p:transition spd="slow" p14:dur="1600">
-        <p14:gallery dir="l"/>
-      </p:transition>
-    </mc:Choice>
-    <mc:Fallback>
-      <p:transition spd="slow">
-        <p:fade/>
-      </p:transition>
-    </mc:Fallback>
-  </mc:AlternateContent>
   <p:timing>
     <p:tnLst>
       <p:par>
@@ -11564,6 +11871,152 @@
             <a:spLocks noGrp="1"/>
           </p:cNvSpPr>
           <p:nvPr>
+            <p:ph type="ctrTitle"/>
+          </p:nvPr>
+        </p:nvSpPr>
+        <p:spPr/>
+        <p:txBody>
+          <a:bodyPr/>
+          <a:lstStyle/>
+          <a:p>
+            <a:r>
+              <a:rPr lang="it-IT" dirty="0" err="1" smtClean="0"/>
+              <a:t>Carwin</a:t>
+            </a:r>
+            <a:endParaRPr lang="it-IT" dirty="0"/>
+          </a:p>
+        </p:txBody>
+      </p:sp>
+      <p:sp>
+        <p:nvSpPr>
+          <p:cNvPr id="3" name="Sottotitolo 2"/>
+          <p:cNvSpPr>
+            <a:spLocks noGrp="1"/>
+          </p:cNvSpPr>
+          <p:nvPr>
+            <p:ph type="subTitle" idx="1"/>
+          </p:nvPr>
+        </p:nvSpPr>
+        <p:spPr>
+          <a:xfrm>
+            <a:off x="685800" y="3505200"/>
+            <a:ext cx="7846640" cy="2804120"/>
+          </a:xfrm>
+        </p:spPr>
+        <p:txBody>
+          <a:bodyPr>
+            <a:normAutofit/>
+          </a:bodyPr>
+          <a:lstStyle/>
+          <a:p>
+            <a:r>
+              <a:rPr lang="en-US" dirty="0"/>
+              <a:t>A self-driving car implemented with </a:t>
+            </a:r>
+            <a:r>
+              <a:rPr lang="en-US" dirty="0" smtClean="0"/>
+              <a:t>a neural network and a </a:t>
+            </a:r>
+            <a:r>
+              <a:rPr lang="en-US" dirty="0"/>
+              <a:t>genetic </a:t>
+            </a:r>
+            <a:r>
+              <a:rPr lang="en-US" dirty="0" smtClean="0"/>
+              <a:t>algorithm </a:t>
+            </a:r>
+            <a:r>
+              <a:rPr lang="en-US" dirty="0"/>
+              <a:t>(AI Course Project)</a:t>
+            </a:r>
+            <a:r>
+              <a:rPr lang="it-IT" dirty="0" smtClean="0"/>
+              <a:t/>
+            </a:r>
+            <a:br>
+              <a:rPr lang="it-IT" dirty="0" smtClean="0"/>
+            </a:br>
+            <a:r>
+              <a:rPr lang="it-IT" dirty="0" smtClean="0"/>
+              <a:t/>
+            </a:r>
+            <a:br>
+              <a:rPr lang="it-IT" dirty="0" smtClean="0"/>
+            </a:br>
+            <a:endParaRPr lang="it-IT" dirty="0"/>
+          </a:p>
+          <a:p>
+            <a:pPr algn="ctr"/>
+            <a:r>
+              <a:rPr lang="it-IT" dirty="0" smtClean="0"/>
+              <a:t>Università degli Studi di Bologna</a:t>
+            </a:r>
+            <a:br>
+              <a:rPr lang="it-IT" dirty="0" smtClean="0"/>
+            </a:br>
+            <a:r>
+              <a:rPr lang="it-IT" dirty="0" smtClean="0"/>
+              <a:t>LM Informatica 2012/13</a:t>
+            </a:r>
+          </a:p>
+        </p:txBody>
+      </p:sp>
+    </p:spTree>
+    <p:extLst>
+      <p:ext uri="{BB962C8B-B14F-4D97-AF65-F5344CB8AC3E}">
+        <p14:creationId xmlns:p14="http://schemas.microsoft.com/office/powerpoint/2010/main" val="694007294"/>
+      </p:ext>
+    </p:extLst>
+  </p:cSld>
+  <p:clrMapOvr>
+    <a:masterClrMapping/>
+  </p:clrMapOvr>
+  <mc:AlternateContent xmlns:mc="http://schemas.openxmlformats.org/markup-compatibility/2006" xmlns:p14="http://schemas.microsoft.com/office/powerpoint/2010/main">
+    <mc:Choice Requires="p14">
+      <p:transition spd="slow" p14:dur="1600">
+        <p14:gallery dir="l"/>
+      </p:transition>
+    </mc:Choice>
+    <mc:Fallback xmlns="">
+      <p:transition spd="slow">
+        <p:fade/>
+      </p:transition>
+    </mc:Fallback>
+  </mc:AlternateContent>
+  <p:timing>
+    <p:tnLst>
+      <p:par>
+        <p:cTn id="1" dur="indefinite" restart="never" nodeType="tmRoot"/>
+      </p:par>
+    </p:tnLst>
+  </p:timing>
+</p:sld>
+</file>
+
+<file path=ppt/slides/slide25.xml><?xml version="1.0" encoding="utf-8"?>
+<p:sld xmlns:a="http://schemas.openxmlformats.org/drawingml/2006/main" xmlns:r="http://schemas.openxmlformats.org/officeDocument/2006/relationships" xmlns:p="http://schemas.openxmlformats.org/presentationml/2006/main">
+  <p:cSld>
+    <p:spTree>
+      <p:nvGrpSpPr>
+        <p:cNvPr id="1" name=""/>
+        <p:cNvGrpSpPr/>
+        <p:nvPr/>
+      </p:nvGrpSpPr>
+      <p:grpSpPr>
+        <a:xfrm>
+          <a:off x="0" y="0"/>
+          <a:ext cx="0" cy="0"/>
+          <a:chOff x="0" y="0"/>
+          <a:chExt cx="0" cy="0"/>
+        </a:xfrm>
+      </p:grpSpPr>
+      <p:sp>
+        <p:nvSpPr>
+          <p:cNvPr id="2" name="Titolo 1"/>
+          <p:cNvSpPr>
+            <a:spLocks noGrp="1"/>
+          </p:cNvSpPr>
+          <p:nvPr>
             <p:ph type="title"/>
           </p:nvPr>
         </p:nvSpPr>
@@ -11691,69 +12144,59 @@
             </a:r>
             <a:r>
               <a:rPr lang="it-IT" dirty="0" smtClean="0"/>
-              <a:t> are</a:t>
+              <a:t> are:</a:t>
+            </a:r>
+          </a:p>
+          <a:p>
+            <a:pPr lvl="1"/>
+            <a:r>
+              <a:rPr lang="it-IT" dirty="0" err="1" smtClean="0"/>
+              <a:t>Values</a:t>
+            </a:r>
+            <a:r>
+              <a:rPr lang="it-IT" dirty="0" smtClean="0"/>
+              <a:t> </a:t>
+            </a:r>
+            <a:r>
+              <a:rPr lang="it-IT" dirty="0" err="1" smtClean="0"/>
+              <a:t>returned</a:t>
+            </a:r>
+            <a:r>
+              <a:rPr lang="it-IT" dirty="0" smtClean="0"/>
+              <a:t> by 4 </a:t>
+            </a:r>
+            <a:r>
+              <a:rPr lang="it-IT" dirty="0" err="1" smtClean="0"/>
+              <a:t>sensors</a:t>
+            </a:r>
+            <a:r>
+              <a:rPr lang="it-IT" dirty="0"/>
+              <a:t> </a:t>
+            </a:r>
+            <a:r>
+              <a:rPr lang="it-IT" dirty="0" err="1" smtClean="0"/>
+              <a:t>using</a:t>
+            </a:r>
+            <a:r>
+              <a:rPr lang="it-IT" dirty="0" smtClean="0"/>
+              <a:t> </a:t>
+            </a:r>
+            <a:r>
+              <a:rPr lang="it-IT" dirty="0" err="1" smtClean="0"/>
+              <a:t>raycast</a:t>
+            </a:r>
+            <a:r>
+              <a:rPr lang="it-IT" dirty="0" smtClean="0"/>
+              <a:t> </a:t>
+            </a:r>
+            <a:r>
+              <a:rPr lang="it-IT" dirty="0" err="1" smtClean="0"/>
+              <a:t>method</a:t>
             </a:r>
             <a:r>
               <a:rPr lang="it-IT" dirty="0" smtClean="0"/>
               <a:t>:</a:t>
             </a:r>
-            <a:endParaRPr lang="it-IT" dirty="0" smtClean="0"/>
-          </a:p>
-          <a:p>
-            <a:pPr lvl="1"/>
-            <a:r>
-              <a:rPr lang="it-IT" dirty="0" err="1" smtClean="0"/>
-              <a:t>Values</a:t>
-            </a:r>
-            <a:r>
-              <a:rPr lang="it-IT" dirty="0" smtClean="0"/>
-              <a:t> </a:t>
-            </a:r>
-            <a:r>
-              <a:rPr lang="it-IT" dirty="0" err="1" smtClean="0"/>
-              <a:t>returned</a:t>
-            </a:r>
-            <a:r>
-              <a:rPr lang="it-IT" dirty="0" smtClean="0"/>
-              <a:t> </a:t>
-            </a:r>
-            <a:r>
-              <a:rPr lang="it-IT" dirty="0" smtClean="0"/>
-              <a:t>by 4 </a:t>
-            </a:r>
-            <a:r>
-              <a:rPr lang="it-IT" dirty="0" err="1" smtClean="0"/>
-              <a:t>sensors</a:t>
-            </a:r>
-            <a:r>
-              <a:rPr lang="it-IT" dirty="0"/>
-              <a:t> </a:t>
-            </a:r>
-            <a:r>
-              <a:rPr lang="it-IT" dirty="0" err="1" smtClean="0"/>
-              <a:t>using</a:t>
-            </a:r>
-            <a:r>
-              <a:rPr lang="it-IT" dirty="0" smtClean="0"/>
-              <a:t> </a:t>
-            </a:r>
-            <a:r>
-              <a:rPr lang="it-IT" dirty="0" err="1" smtClean="0"/>
-              <a:t>raycast</a:t>
-            </a:r>
-            <a:r>
-              <a:rPr lang="it-IT" dirty="0" smtClean="0"/>
-              <a:t> </a:t>
-            </a:r>
-            <a:r>
-              <a:rPr lang="it-IT" dirty="0" err="1" smtClean="0"/>
-              <a:t>method</a:t>
-            </a:r>
-            <a:r>
-              <a:rPr lang="it-IT" dirty="0" smtClean="0"/>
-              <a:t>:</a:t>
-            </a:r>
-            <a:endParaRPr lang="it-IT" dirty="0" smtClean="0"/>
           </a:p>
           <a:p>
             <a:pPr lvl="2"/>
@@ -11876,11 +12319,7 @@
             </a:r>
             <a:r>
               <a:rPr lang="it-IT" dirty="0"/>
-              <a:t> </a:t>
-            </a:r>
-            <a:r>
-              <a:rPr lang="it-IT" dirty="0"/>
-              <a:t>force (from </a:t>
+              <a:t> force (from </a:t>
             </a:r>
             <a:r>
               <a:rPr lang="it-IT" dirty="0" smtClean="0"/>
@@ -12024,7 +12463,7 @@
 </p:sld>
 </file>
 
-<file path=ppt/slides/slide25.xml><?xml version="1.0" encoding="utf-8"?>
+<file path=ppt/slides/slide26.xml><?xml version="1.0" encoding="utf-8"?>
 <p:sld xmlns:a="http://schemas.openxmlformats.org/drawingml/2006/main" xmlns:r="http://schemas.openxmlformats.org/officeDocument/2006/relationships" xmlns:p="http://schemas.openxmlformats.org/presentationml/2006/main">
   <p:cSld>
     <p:spTree>
@@ -12116,7 +12555,7 @@
 </p:sld>
 </file>
 
-<file path=ppt/slides/slide26.xml><?xml version="1.0" encoding="utf-8"?>
+<file path=ppt/slides/slide27.xml><?xml version="1.0" encoding="utf-8"?>
 <p:sld xmlns:a="http://schemas.openxmlformats.org/drawingml/2006/main" xmlns:r="http://schemas.openxmlformats.org/officeDocument/2006/relationships" xmlns:p="http://schemas.openxmlformats.org/presentationml/2006/main">
   <p:cSld>
     <p:spTree>
@@ -12150,11 +12589,215 @@
           <a:p>
             <a:r>
               <a:rPr lang="it-IT" dirty="0" err="1" smtClean="0"/>
-              <a:t>Carwin</a:t>
-            </a:r>
-            <a:r>
-              <a:rPr lang="it-IT" dirty="0" smtClean="0"/>
-              <a:t>: </a:t>
+              <a:t>Facts</a:t>
+            </a:r>
+            <a:endParaRPr lang="it-IT" dirty="0"/>
+          </a:p>
+        </p:txBody>
+      </p:sp>
+      <p:sp>
+        <p:nvSpPr>
+          <p:cNvPr id="3" name="Segnaposto contenuto 2"/>
+          <p:cNvSpPr>
+            <a:spLocks noGrp="1"/>
+          </p:cNvSpPr>
+          <p:nvPr>
+            <p:ph idx="1"/>
+          </p:nvPr>
+        </p:nvSpPr>
+        <p:spPr/>
+        <p:txBody>
+          <a:bodyPr>
+            <a:normAutofit fontScale="92500" lnSpcReduction="10000"/>
+          </a:bodyPr>
+          <a:lstStyle/>
+          <a:p>
+            <a:r>
+              <a:rPr lang="it-IT" dirty="0" err="1" smtClean="0"/>
+              <a:t>Our</a:t>
+            </a:r>
+            <a:r>
+              <a:rPr lang="it-IT" dirty="0" smtClean="0"/>
+              <a:t> </a:t>
+            </a:r>
+            <a:r>
+              <a:rPr lang="it-IT" dirty="0" err="1" smtClean="0"/>
+              <a:t>neural</a:t>
+            </a:r>
+            <a:r>
+              <a:rPr lang="it-IT" dirty="0" smtClean="0"/>
+              <a:t> network </a:t>
+            </a:r>
+            <a:r>
+              <a:rPr lang="it-IT" dirty="0" err="1" smtClean="0"/>
+              <a:t>is</a:t>
+            </a:r>
+            <a:r>
+              <a:rPr lang="it-IT" dirty="0" smtClean="0"/>
+              <a:t> </a:t>
+            </a:r>
+            <a:r>
+              <a:rPr lang="it-IT" dirty="0" err="1" smtClean="0"/>
+              <a:t>composed</a:t>
+            </a:r>
+            <a:r>
+              <a:rPr lang="it-IT" dirty="0" smtClean="0"/>
+              <a:t> by</a:t>
+            </a:r>
+          </a:p>
+          <a:p>
+            <a:pPr marL="731520" lvl="1" indent="-457200">
+              <a:buFont typeface="+mj-lt"/>
+              <a:buAutoNum type="arabicPeriod"/>
+            </a:pPr>
+            <a:r>
+              <a:rPr lang="it-IT" dirty="0"/>
+              <a:t>I</a:t>
+            </a:r>
+            <a:r>
+              <a:rPr lang="it-IT" dirty="0" smtClean="0"/>
+              <a:t>nput </a:t>
+            </a:r>
+            <a:r>
+              <a:rPr lang="it-IT" dirty="0" err="1" smtClean="0"/>
+              <a:t>layer</a:t>
+            </a:r>
+            <a:r>
+              <a:rPr lang="it-IT" dirty="0" smtClean="0"/>
+              <a:t> with 5 </a:t>
+            </a:r>
+            <a:r>
+              <a:rPr lang="it-IT" dirty="0" err="1" smtClean="0"/>
+              <a:t>neurons</a:t>
+            </a:r>
+            <a:r>
+              <a:rPr lang="it-IT" dirty="0" smtClean="0"/>
+              <a:t> (</a:t>
+            </a:r>
+            <a:r>
+              <a:rPr lang="it-IT" dirty="0" err="1" smtClean="0"/>
+              <a:t>one</a:t>
+            </a:r>
+            <a:r>
+              <a:rPr lang="it-IT" dirty="0" smtClean="0"/>
+              <a:t> for </a:t>
+            </a:r>
+            <a:r>
+              <a:rPr lang="it-IT" dirty="0" err="1" smtClean="0"/>
+              <a:t>each</a:t>
+            </a:r>
+            <a:r>
+              <a:rPr lang="it-IT" dirty="0" smtClean="0"/>
+              <a:t> input)</a:t>
+            </a:r>
+          </a:p>
+          <a:p>
+            <a:pPr marL="731520" lvl="1" indent="-457200">
+              <a:buFont typeface="+mj-lt"/>
+              <a:buAutoNum type="arabicPeriod"/>
+            </a:pPr>
+            <a:r>
+              <a:rPr lang="it-IT" dirty="0" smtClean="0"/>
+              <a:t>1 </a:t>
+            </a:r>
+            <a:r>
+              <a:rPr lang="it-IT" dirty="0" err="1" smtClean="0"/>
+              <a:t>hidden</a:t>
+            </a:r>
+            <a:r>
+              <a:rPr lang="it-IT" dirty="0" smtClean="0"/>
+              <a:t> </a:t>
+            </a:r>
+            <a:r>
+              <a:rPr lang="it-IT" dirty="0" err="1" smtClean="0"/>
+              <a:t>layer</a:t>
+            </a:r>
+            <a:r>
+              <a:rPr lang="it-IT" dirty="0" smtClean="0"/>
+              <a:t> with 24 </a:t>
+            </a:r>
+            <a:r>
+              <a:rPr lang="it-IT" dirty="0" err="1" smtClean="0"/>
+              <a:t>neurons</a:t>
+            </a:r>
+            <a:r>
+              <a:rPr lang="it-IT" dirty="0" smtClean="0"/>
+              <a:t> (</a:t>
+            </a:r>
+            <a:r>
+              <a:rPr lang="it-IT" dirty="0" err="1" smtClean="0"/>
+              <a:t>heuristically</a:t>
+            </a:r>
+            <a:r>
+              <a:rPr lang="it-IT" dirty="0" smtClean="0"/>
+              <a:t> </a:t>
+            </a:r>
+            <a:r>
+              <a:rPr lang="it-IT" dirty="0" err="1" smtClean="0"/>
+              <a:t>chosen</a:t>
+            </a:r>
+            <a:r>
+              <a:rPr lang="it-IT" dirty="0" smtClean="0"/>
+              <a:t>)</a:t>
+            </a:r>
+          </a:p>
+          <a:p>
+            <a:pPr marL="731520" lvl="1" indent="-457200">
+              <a:buFont typeface="+mj-lt"/>
+              <a:buAutoNum type="arabicPeriod"/>
+            </a:pPr>
+            <a:r>
+              <a:rPr lang="it-IT" dirty="0"/>
+              <a:t>O</a:t>
+            </a:r>
+            <a:r>
+              <a:rPr lang="it-IT" dirty="0" smtClean="0"/>
+              <a:t>utput </a:t>
+            </a:r>
+            <a:r>
+              <a:rPr lang="it-IT" dirty="0" err="1" smtClean="0"/>
+              <a:t>layer</a:t>
+            </a:r>
+            <a:r>
+              <a:rPr lang="it-IT" dirty="0" smtClean="0"/>
+              <a:t> with 2 </a:t>
+            </a:r>
+            <a:r>
+              <a:rPr lang="it-IT" dirty="0" err="1" smtClean="0"/>
+              <a:t>neurons</a:t>
+            </a:r>
+            <a:r>
+              <a:rPr lang="it-IT" dirty="0" smtClean="0"/>
+              <a:t> (</a:t>
+            </a:r>
+            <a:r>
+              <a:rPr lang="it-IT" dirty="0" err="1" smtClean="0"/>
+              <a:t>one</a:t>
+            </a:r>
+            <a:r>
+              <a:rPr lang="it-IT" dirty="0" smtClean="0"/>
+              <a:t> for </a:t>
+            </a:r>
+            <a:r>
+              <a:rPr lang="it-IT" dirty="0" err="1" smtClean="0"/>
+              <a:t>each</a:t>
+            </a:r>
+            <a:r>
+              <a:rPr lang="it-IT" dirty="0" smtClean="0"/>
+              <a:t> output)</a:t>
+            </a:r>
+          </a:p>
+          <a:p>
+            <a:pPr marL="731520" lvl="1" indent="-457200">
+              <a:buFont typeface="+mj-lt"/>
+              <a:buAutoNum type="arabicPeriod"/>
+            </a:pPr>
+            <a:endParaRPr lang="it-IT" dirty="0"/>
+          </a:p>
+          <a:p>
+            <a:r>
+              <a:rPr lang="it-IT" dirty="0" smtClean="0"/>
+              <a:t>The </a:t>
             </a:r>
             <a:r>
               <a:rPr lang="it-IT" dirty="0" err="1" smtClean="0"/>
@@ -12166,7 +12809,896 @@
             </a:r>
             <a:r>
               <a:rPr lang="it-IT" dirty="0" err="1" smtClean="0"/>
-              <a:t>algorithm</a:t>
+              <a:t>population</a:t>
+            </a:r>
+            <a:r>
+              <a:rPr lang="it-IT" dirty="0" smtClean="0"/>
+              <a:t> </a:t>
+            </a:r>
+            <a:r>
+              <a:rPr lang="it-IT" dirty="0" err="1" smtClean="0"/>
+              <a:t>is</a:t>
+            </a:r>
+            <a:r>
+              <a:rPr lang="it-IT" dirty="0" smtClean="0"/>
+              <a:t> a set of 14 </a:t>
+            </a:r>
+            <a:r>
+              <a:rPr lang="it-IT" dirty="0" err="1" smtClean="0"/>
+              <a:t>chromosomes</a:t>
+            </a:r>
+            <a:endParaRPr lang="it-IT" dirty="0"/>
+          </a:p>
+          <a:p>
+            <a:r>
+              <a:rPr lang="it-IT" dirty="0" err="1" smtClean="0"/>
+              <a:t>Remember</a:t>
+            </a:r>
+            <a:r>
+              <a:rPr lang="it-IT" dirty="0" smtClean="0"/>
+              <a:t> </a:t>
+            </a:r>
+            <a:r>
+              <a:rPr lang="it-IT" dirty="0" err="1" smtClean="0"/>
+              <a:t>that</a:t>
+            </a:r>
+            <a:r>
+              <a:rPr lang="it-IT" dirty="0" smtClean="0"/>
+              <a:t> </a:t>
+            </a:r>
+            <a:r>
+              <a:rPr lang="it-IT" dirty="0" err="1" smtClean="0"/>
+              <a:t>each</a:t>
+            </a:r>
+            <a:r>
+              <a:rPr lang="it-IT" dirty="0" smtClean="0"/>
+              <a:t> </a:t>
+            </a:r>
+            <a:r>
+              <a:rPr lang="it-IT" dirty="0" err="1" smtClean="0"/>
+              <a:t>neuron</a:t>
+            </a:r>
+            <a:r>
+              <a:rPr lang="it-IT" dirty="0" smtClean="0"/>
+              <a:t> </a:t>
+            </a:r>
+            <a:r>
+              <a:rPr lang="it-IT" dirty="0" err="1" smtClean="0"/>
+              <a:t>receives</a:t>
+            </a:r>
+            <a:r>
+              <a:rPr lang="it-IT" dirty="0" smtClean="0"/>
+              <a:t> the </a:t>
+            </a:r>
+            <a:r>
+              <a:rPr lang="it-IT" dirty="0" err="1" smtClean="0"/>
+              <a:t>total</a:t>
+            </a:r>
+            <a:r>
+              <a:rPr lang="it-IT" dirty="0" smtClean="0"/>
+              <a:t> of </a:t>
+            </a:r>
+            <a:r>
+              <a:rPr lang="it-IT" dirty="0" err="1" smtClean="0"/>
+              <a:t>weights</a:t>
+            </a:r>
+            <a:r>
+              <a:rPr lang="it-IT" dirty="0" smtClean="0"/>
+              <a:t> from the </a:t>
+            </a:r>
+            <a:r>
+              <a:rPr lang="it-IT" dirty="0" err="1" smtClean="0"/>
+              <a:t>upper</a:t>
+            </a:r>
+            <a:r>
+              <a:rPr lang="it-IT" dirty="0" smtClean="0"/>
+              <a:t> </a:t>
+            </a:r>
+            <a:r>
+              <a:rPr lang="it-IT" dirty="0" err="1" smtClean="0"/>
+              <a:t>level</a:t>
+            </a:r>
+            <a:r>
+              <a:rPr lang="it-IT" dirty="0" smtClean="0"/>
+              <a:t> plus </a:t>
+            </a:r>
+            <a:r>
+              <a:rPr lang="it-IT" dirty="0" err="1" smtClean="0"/>
+              <a:t>one</a:t>
+            </a:r>
+            <a:r>
+              <a:rPr lang="it-IT" dirty="0" smtClean="0"/>
+              <a:t> "</a:t>
+            </a:r>
+            <a:r>
+              <a:rPr lang="it-IT" dirty="0" err="1" smtClean="0"/>
+              <a:t>fake</a:t>
+            </a:r>
+            <a:r>
+              <a:rPr lang="it-IT" dirty="0" smtClean="0"/>
+              <a:t>" </a:t>
+            </a:r>
+            <a:r>
+              <a:rPr lang="it-IT" dirty="0" err="1" smtClean="0"/>
+              <a:t>weight</a:t>
+            </a:r>
+            <a:r>
+              <a:rPr lang="it-IT" dirty="0" smtClean="0"/>
+              <a:t> for the </a:t>
+            </a:r>
+            <a:r>
+              <a:rPr lang="it-IT" dirty="0" err="1" smtClean="0"/>
+              <a:t>bias</a:t>
+            </a:r>
+            <a:r>
+              <a:rPr lang="it-IT" dirty="0" smtClean="0"/>
+              <a:t>!</a:t>
+            </a:r>
+          </a:p>
+          <a:p>
+            <a:pPr marL="0" indent="0" algn="ctr">
+              <a:buNone/>
+            </a:pPr>
+            <a:r>
+              <a:rPr lang="it-IT" b="1" dirty="0" smtClean="0">
+                <a:solidFill>
+                  <a:srgbClr val="C00000"/>
+                </a:solidFill>
+              </a:rPr>
+              <a:t/>
+            </a:r>
+            <a:br>
+              <a:rPr lang="it-IT" b="1" dirty="0" smtClean="0">
+                <a:solidFill>
+                  <a:srgbClr val="C00000"/>
+                </a:solidFill>
+              </a:rPr>
+            </a:br>
+            <a:r>
+              <a:rPr lang="it-IT" sz="2600" b="1" dirty="0" smtClean="0">
+                <a:solidFill>
+                  <a:srgbClr val="C00000"/>
+                </a:solidFill>
+              </a:rPr>
+              <a:t>How </a:t>
+            </a:r>
+            <a:r>
+              <a:rPr lang="it-IT" sz="2600" b="1" dirty="0" err="1" smtClean="0">
+                <a:solidFill>
+                  <a:srgbClr val="C00000"/>
+                </a:solidFill>
+              </a:rPr>
+              <a:t>many</a:t>
+            </a:r>
+            <a:r>
+              <a:rPr lang="it-IT" sz="2600" b="1" dirty="0" smtClean="0">
+                <a:solidFill>
+                  <a:srgbClr val="C00000"/>
+                </a:solidFill>
+              </a:rPr>
+              <a:t> </a:t>
+            </a:r>
+            <a:r>
+              <a:rPr lang="it-IT" sz="2600" b="1" dirty="0" err="1" smtClean="0">
+                <a:solidFill>
+                  <a:srgbClr val="C00000"/>
+                </a:solidFill>
+              </a:rPr>
+              <a:t>weights</a:t>
+            </a:r>
+            <a:r>
+              <a:rPr lang="it-IT" sz="2600" b="1" dirty="0" smtClean="0">
+                <a:solidFill>
+                  <a:srgbClr val="C00000"/>
+                </a:solidFill>
+              </a:rPr>
+              <a:t> </a:t>
+            </a:r>
+            <a:br>
+              <a:rPr lang="it-IT" sz="2600" b="1" dirty="0" smtClean="0">
+                <a:solidFill>
+                  <a:srgbClr val="C00000"/>
+                </a:solidFill>
+              </a:rPr>
+            </a:br>
+            <a:r>
+              <a:rPr lang="it-IT" sz="2600" b="1" dirty="0" smtClean="0">
+                <a:solidFill>
+                  <a:srgbClr val="C00000"/>
+                </a:solidFill>
+              </a:rPr>
+              <a:t>in </a:t>
+            </a:r>
+            <a:r>
+              <a:rPr lang="it-IT" sz="2600" b="1" dirty="0" err="1" smtClean="0">
+                <a:solidFill>
+                  <a:srgbClr val="C00000"/>
+                </a:solidFill>
+              </a:rPr>
+              <a:t>each</a:t>
+            </a:r>
+            <a:r>
+              <a:rPr lang="it-IT" sz="2600" b="1" dirty="0" smtClean="0">
+                <a:solidFill>
+                  <a:srgbClr val="C00000"/>
+                </a:solidFill>
+              </a:rPr>
+              <a:t> </a:t>
+            </a:r>
+            <a:r>
+              <a:rPr lang="it-IT" sz="2600" b="1" dirty="0" err="1" smtClean="0">
+                <a:solidFill>
+                  <a:srgbClr val="C00000"/>
+                </a:solidFill>
+              </a:rPr>
+              <a:t>chromosome</a:t>
+            </a:r>
+            <a:r>
+              <a:rPr lang="it-IT" sz="2600" b="1" dirty="0" smtClean="0">
+                <a:solidFill>
+                  <a:srgbClr val="C00000"/>
+                </a:solidFill>
+              </a:rPr>
+              <a:t>?</a:t>
+            </a:r>
+          </a:p>
+          <a:p>
+            <a:pPr marL="0" indent="0" algn="ctr">
+              <a:buNone/>
+            </a:pPr>
+            <a:endParaRPr lang="it-IT" dirty="0">
+              <a:solidFill>
+                <a:srgbClr val="C00000"/>
+              </a:solidFill>
+            </a:endParaRPr>
+          </a:p>
+          <a:p>
+            <a:pPr marL="0" indent="0" algn="ctr">
+              <a:buNone/>
+            </a:pPr>
+            <a:r>
+              <a:rPr lang="it-IT" sz="3200" b="1" dirty="0" smtClean="0">
+                <a:solidFill>
+                  <a:srgbClr val="00B050"/>
+                </a:solidFill>
+              </a:rPr>
+              <a:t>(5 x 24) + (24 x 2) + 24 + 2 = 194!</a:t>
+            </a:r>
+            <a:endParaRPr lang="it-IT" sz="3200" b="1" dirty="0">
+              <a:solidFill>
+                <a:srgbClr val="00B050"/>
+              </a:solidFill>
+            </a:endParaRPr>
+          </a:p>
+        </p:txBody>
+      </p:sp>
+    </p:spTree>
+    <p:extLst>
+      <p:ext uri="{BB962C8B-B14F-4D97-AF65-F5344CB8AC3E}">
+        <p14:creationId xmlns:p14="http://schemas.microsoft.com/office/powerpoint/2010/main" val="3559687380"/>
+      </p:ext>
+    </p:extLst>
+  </p:cSld>
+  <p:clrMapOvr>
+    <a:masterClrMapping/>
+  </p:clrMapOvr>
+  <p:timing>
+    <p:tnLst>
+      <p:par>
+        <p:cTn id="1" dur="indefinite" restart="never" nodeType="tmRoot">
+          <p:childTnLst>
+            <p:seq concurrent="1" nextAc="seek">
+              <p:cTn id="2" dur="indefinite" nodeType="mainSeq">
+                <p:childTnLst>
+                  <p:par>
+                    <p:cTn id="3" fill="hold">
+                      <p:stCondLst>
+                        <p:cond delay="indefinite"/>
+                      </p:stCondLst>
+                      <p:childTnLst>
+                        <p:par>
+                          <p:cTn id="4" fill="hold">
+                            <p:stCondLst>
+                              <p:cond delay="0"/>
+                            </p:stCondLst>
+                            <p:childTnLst>
+                              <p:par>
+                                <p:cTn id="5" presetID="26" presetClass="entr" presetSubtype="0" fill="hold" nodeType="clickEffect">
+                                  <p:stCondLst>
+                                    <p:cond delay="0"/>
+                                  </p:stCondLst>
+                                  <p:childTnLst>
+                                    <p:set>
+                                      <p:cBhvr>
+                                        <p:cTn id="6" dur="1" fill="hold">
+                                          <p:stCondLst>
+                                            <p:cond delay="0"/>
+                                          </p:stCondLst>
+                                        </p:cTn>
+                                        <p:tgtEl>
+                                          <p:spTgt spid="3">
+                                            <p:txEl>
+                                              <p:pRg st="7" end="7"/>
+                                            </p:txEl>
+                                          </p:spTgt>
+                                        </p:tgtEl>
+                                        <p:attrNameLst>
+                                          <p:attrName>style.visibility</p:attrName>
+                                        </p:attrNameLst>
+                                      </p:cBhvr>
+                                      <p:to>
+                                        <p:strVal val="visible"/>
+                                      </p:to>
+                                    </p:set>
+                                    <p:animEffect transition="in" filter="wipe(down)">
+                                      <p:cBhvr>
+                                        <p:cTn id="7" dur="435">
+                                          <p:stCondLst>
+                                            <p:cond delay="0"/>
+                                          </p:stCondLst>
+                                        </p:cTn>
+                                        <p:tgtEl>
+                                          <p:spTgt spid="3">
+                                            <p:txEl>
+                                              <p:pRg st="7" end="7"/>
+                                            </p:txEl>
+                                          </p:spTgt>
+                                        </p:tgtEl>
+                                      </p:cBhvr>
+                                    </p:animEffect>
+                                    <p:anim calcmode="lin" valueType="num">
+                                      <p:cBhvr>
+                                        <p:cTn id="8" dur="1367" tmFilter="0,0; 0.14,0.36; 0.43,0.73; 0.71,0.91; 1.0,1.0">
+                                          <p:stCondLst>
+                                            <p:cond delay="0"/>
+                                          </p:stCondLst>
+                                        </p:cTn>
+                                        <p:tgtEl>
+                                          <p:spTgt spid="3">
+                                            <p:txEl>
+                                              <p:pRg st="7" end="7"/>
+                                            </p:txEl>
+                                          </p:spTgt>
+                                        </p:tgtEl>
+                                        <p:attrNameLst>
+                                          <p:attrName>ppt_x</p:attrName>
+                                        </p:attrNameLst>
+                                      </p:cBhvr>
+                                      <p:tavLst>
+                                        <p:tav tm="0">
+                                          <p:val>
+                                            <p:strVal val="#ppt_x-0.25"/>
+                                          </p:val>
+                                        </p:tav>
+                                        <p:tav tm="100000">
+                                          <p:val>
+                                            <p:strVal val="#ppt_x"/>
+                                          </p:val>
+                                        </p:tav>
+                                      </p:tavLst>
+                                    </p:anim>
+                                    <p:anim calcmode="lin" valueType="num">
+                                      <p:cBhvr>
+                                        <p:cTn id="9" dur="498" tmFilter="0.0,0.0; 0.25,0.07; 0.50,0.2; 0.75,0.467; 1.0,1.0">
+                                          <p:stCondLst>
+                                            <p:cond delay="0"/>
+                                          </p:stCondLst>
+                                        </p:cTn>
+                                        <p:tgtEl>
+                                          <p:spTgt spid="3">
+                                            <p:txEl>
+                                              <p:pRg st="7" end="7"/>
+                                            </p:txEl>
+                                          </p:spTgt>
+                                        </p:tgtEl>
+                                        <p:attrNameLst>
+                                          <p:attrName>ppt_y</p:attrName>
+                                        </p:attrNameLst>
+                                      </p:cBhvr>
+                                      <p:tavLst>
+                                        <p:tav tm="0" fmla="#ppt_y-sin(pi*$)/3">
+                                          <p:val>
+                                            <p:fltVal val="0.5"/>
+                                          </p:val>
+                                        </p:tav>
+                                        <p:tav tm="100000">
+                                          <p:val>
+                                            <p:fltVal val="1"/>
+                                          </p:val>
+                                        </p:tav>
+                                      </p:tavLst>
+                                    </p:anim>
+                                    <p:anim calcmode="lin" valueType="num">
+                                      <p:cBhvr>
+                                        <p:cTn id="10" dur="498" tmFilter="0, 0; 0.125,0.2665; 0.25,0.4; 0.375,0.465; 0.5,0.5;  0.625,0.535; 0.75,0.6; 0.875,0.7335; 1,1">
+                                          <p:stCondLst>
+                                            <p:cond delay="498"/>
+                                          </p:stCondLst>
+                                        </p:cTn>
+                                        <p:tgtEl>
+                                          <p:spTgt spid="3">
+                                            <p:txEl>
+                                              <p:pRg st="7" end="7"/>
+                                            </p:txEl>
+                                          </p:spTgt>
+                                        </p:tgtEl>
+                                        <p:attrNameLst>
+                                          <p:attrName>ppt_y</p:attrName>
+                                        </p:attrNameLst>
+                                      </p:cBhvr>
+                                      <p:tavLst>
+                                        <p:tav tm="0" fmla="#ppt_y-sin(pi*$)/9">
+                                          <p:val>
+                                            <p:fltVal val="0"/>
+                                          </p:val>
+                                        </p:tav>
+                                        <p:tav tm="100000">
+                                          <p:val>
+                                            <p:fltVal val="1"/>
+                                          </p:val>
+                                        </p:tav>
+                                      </p:tavLst>
+                                    </p:anim>
+                                    <p:anim calcmode="lin" valueType="num">
+                                      <p:cBhvr>
+                                        <p:cTn id="11" dur="249" tmFilter="0, 0; 0.125,0.2665; 0.25,0.4; 0.375,0.465; 0.5,0.5;  0.625,0.535; 0.75,0.6; 0.875,0.7335; 1,1">
+                                          <p:stCondLst>
+                                            <p:cond delay="993"/>
+                                          </p:stCondLst>
+                                        </p:cTn>
+                                        <p:tgtEl>
+                                          <p:spTgt spid="3">
+                                            <p:txEl>
+                                              <p:pRg st="7" end="7"/>
+                                            </p:txEl>
+                                          </p:spTgt>
+                                        </p:tgtEl>
+                                        <p:attrNameLst>
+                                          <p:attrName>ppt_y</p:attrName>
+                                        </p:attrNameLst>
+                                      </p:cBhvr>
+                                      <p:tavLst>
+                                        <p:tav tm="0" fmla="#ppt_y-sin(pi*$)/27">
+                                          <p:val>
+                                            <p:fltVal val="0"/>
+                                          </p:val>
+                                        </p:tav>
+                                        <p:tav tm="100000">
+                                          <p:val>
+                                            <p:fltVal val="1"/>
+                                          </p:val>
+                                        </p:tav>
+                                      </p:tavLst>
+                                    </p:anim>
+                                    <p:anim calcmode="lin" valueType="num">
+                                      <p:cBhvr>
+                                        <p:cTn id="12" dur="123" tmFilter="0, 0; 0.125,0.2665; 0.25,0.4; 0.375,0.465; 0.5,0.5;  0.625,0.535; 0.75,0.6; 0.875,0.7335; 1,1">
+                                          <p:stCondLst>
+                                            <p:cond delay="1242"/>
+                                          </p:stCondLst>
+                                        </p:cTn>
+                                        <p:tgtEl>
+                                          <p:spTgt spid="3">
+                                            <p:txEl>
+                                              <p:pRg st="7" end="7"/>
+                                            </p:txEl>
+                                          </p:spTgt>
+                                        </p:tgtEl>
+                                        <p:attrNameLst>
+                                          <p:attrName>ppt_y</p:attrName>
+                                        </p:attrNameLst>
+                                      </p:cBhvr>
+                                      <p:tavLst>
+                                        <p:tav tm="0" fmla="#ppt_y-sin(pi*$)/81">
+                                          <p:val>
+                                            <p:fltVal val="0"/>
+                                          </p:val>
+                                        </p:tav>
+                                        <p:tav tm="100000">
+                                          <p:val>
+                                            <p:fltVal val="1"/>
+                                          </p:val>
+                                        </p:tav>
+                                      </p:tavLst>
+                                    </p:anim>
+                                    <p:animScale>
+                                      <p:cBhvr>
+                                        <p:cTn id="13" dur="20">
+                                          <p:stCondLst>
+                                            <p:cond delay="487"/>
+                                          </p:stCondLst>
+                                        </p:cTn>
+                                        <p:tgtEl>
+                                          <p:spTgt spid="3">
+                                            <p:txEl>
+                                              <p:pRg st="7" end="7"/>
+                                            </p:txEl>
+                                          </p:spTgt>
+                                        </p:tgtEl>
+                                      </p:cBhvr>
+                                      <p:to x="100000" y="60000"/>
+                                    </p:animScale>
+                                    <p:animScale>
+                                      <p:cBhvr>
+                                        <p:cTn id="14" dur="124" decel="50000">
+                                          <p:stCondLst>
+                                            <p:cond delay="507"/>
+                                          </p:stCondLst>
+                                        </p:cTn>
+                                        <p:tgtEl>
+                                          <p:spTgt spid="3">
+                                            <p:txEl>
+                                              <p:pRg st="7" end="7"/>
+                                            </p:txEl>
+                                          </p:spTgt>
+                                        </p:tgtEl>
+                                      </p:cBhvr>
+                                      <p:to x="100000" y="100000"/>
+                                    </p:animScale>
+                                    <p:animScale>
+                                      <p:cBhvr>
+                                        <p:cTn id="15" dur="20">
+                                          <p:stCondLst>
+                                            <p:cond delay="984"/>
+                                          </p:stCondLst>
+                                        </p:cTn>
+                                        <p:tgtEl>
+                                          <p:spTgt spid="3">
+                                            <p:txEl>
+                                              <p:pRg st="7" end="7"/>
+                                            </p:txEl>
+                                          </p:spTgt>
+                                        </p:tgtEl>
+                                      </p:cBhvr>
+                                      <p:to x="100000" y="80000"/>
+                                    </p:animScale>
+                                    <p:animScale>
+                                      <p:cBhvr>
+                                        <p:cTn id="16" dur="124" decel="50000">
+                                          <p:stCondLst>
+                                            <p:cond delay="1004"/>
+                                          </p:stCondLst>
+                                        </p:cTn>
+                                        <p:tgtEl>
+                                          <p:spTgt spid="3">
+                                            <p:txEl>
+                                              <p:pRg st="7" end="7"/>
+                                            </p:txEl>
+                                          </p:spTgt>
+                                        </p:tgtEl>
+                                      </p:cBhvr>
+                                      <p:to x="100000" y="100000"/>
+                                    </p:animScale>
+                                    <p:animScale>
+                                      <p:cBhvr>
+                                        <p:cTn id="17" dur="20">
+                                          <p:stCondLst>
+                                            <p:cond delay="1231"/>
+                                          </p:stCondLst>
+                                        </p:cTn>
+                                        <p:tgtEl>
+                                          <p:spTgt spid="3">
+                                            <p:txEl>
+                                              <p:pRg st="7" end="7"/>
+                                            </p:txEl>
+                                          </p:spTgt>
+                                        </p:tgtEl>
+                                      </p:cBhvr>
+                                      <p:to x="100000" y="90000"/>
+                                    </p:animScale>
+                                    <p:animScale>
+                                      <p:cBhvr>
+                                        <p:cTn id="18" dur="124" decel="50000">
+                                          <p:stCondLst>
+                                            <p:cond delay="1251"/>
+                                          </p:stCondLst>
+                                        </p:cTn>
+                                        <p:tgtEl>
+                                          <p:spTgt spid="3">
+                                            <p:txEl>
+                                              <p:pRg st="7" end="7"/>
+                                            </p:txEl>
+                                          </p:spTgt>
+                                        </p:tgtEl>
+                                      </p:cBhvr>
+                                      <p:to x="100000" y="100000"/>
+                                    </p:animScale>
+                                    <p:animScale>
+                                      <p:cBhvr>
+                                        <p:cTn id="19" dur="20">
+                                          <p:stCondLst>
+                                            <p:cond delay="1356"/>
+                                          </p:stCondLst>
+                                        </p:cTn>
+                                        <p:tgtEl>
+                                          <p:spTgt spid="3">
+                                            <p:txEl>
+                                              <p:pRg st="7" end="7"/>
+                                            </p:txEl>
+                                          </p:spTgt>
+                                        </p:tgtEl>
+                                      </p:cBhvr>
+                                      <p:to x="100000" y="95000"/>
+                                    </p:animScale>
+                                    <p:animScale>
+                                      <p:cBhvr>
+                                        <p:cTn id="20" dur="124" decel="50000">
+                                          <p:stCondLst>
+                                            <p:cond delay="1376"/>
+                                          </p:stCondLst>
+                                        </p:cTn>
+                                        <p:tgtEl>
+                                          <p:spTgt spid="3">
+                                            <p:txEl>
+                                              <p:pRg st="7" end="7"/>
+                                            </p:txEl>
+                                          </p:spTgt>
+                                        </p:tgtEl>
+                                      </p:cBhvr>
+                                      <p:to x="100000" y="100000"/>
+                                    </p:animScale>
+                                  </p:childTnLst>
+                                </p:cTn>
+                              </p:par>
+                            </p:childTnLst>
+                          </p:cTn>
+                        </p:par>
+                      </p:childTnLst>
+                    </p:cTn>
+                  </p:par>
+                  <p:par>
+                    <p:cTn id="21" fill="hold">
+                      <p:stCondLst>
+                        <p:cond delay="indefinite"/>
+                      </p:stCondLst>
+                      <p:childTnLst>
+                        <p:par>
+                          <p:cTn id="22" fill="hold">
+                            <p:stCondLst>
+                              <p:cond delay="0"/>
+                            </p:stCondLst>
+                            <p:childTnLst>
+                              <p:par>
+                                <p:cTn id="23" presetID="53" presetClass="entr" presetSubtype="16" fill="hold" nodeType="clickEffect">
+                                  <p:stCondLst>
+                                    <p:cond delay="0"/>
+                                  </p:stCondLst>
+                                  <p:childTnLst>
+                                    <p:set>
+                                      <p:cBhvr>
+                                        <p:cTn id="24" dur="1" fill="hold">
+                                          <p:stCondLst>
+                                            <p:cond delay="0"/>
+                                          </p:stCondLst>
+                                        </p:cTn>
+                                        <p:tgtEl>
+                                          <p:spTgt spid="3">
+                                            <p:txEl>
+                                              <p:pRg st="9" end="9"/>
+                                            </p:txEl>
+                                          </p:spTgt>
+                                        </p:tgtEl>
+                                        <p:attrNameLst>
+                                          <p:attrName>style.visibility</p:attrName>
+                                        </p:attrNameLst>
+                                      </p:cBhvr>
+                                      <p:to>
+                                        <p:strVal val="visible"/>
+                                      </p:to>
+                                    </p:set>
+                                    <p:anim calcmode="lin" valueType="num">
+                                      <p:cBhvr>
+                                        <p:cTn id="25" dur="500" fill="hold"/>
+                                        <p:tgtEl>
+                                          <p:spTgt spid="3">
+                                            <p:txEl>
+                                              <p:pRg st="9" end="9"/>
+                                            </p:txEl>
+                                          </p:spTgt>
+                                        </p:tgtEl>
+                                        <p:attrNameLst>
+                                          <p:attrName>ppt_w</p:attrName>
+                                        </p:attrNameLst>
+                                      </p:cBhvr>
+                                      <p:tavLst>
+                                        <p:tav tm="0">
+                                          <p:val>
+                                            <p:fltVal val="0"/>
+                                          </p:val>
+                                        </p:tav>
+                                        <p:tav tm="100000">
+                                          <p:val>
+                                            <p:strVal val="#ppt_w"/>
+                                          </p:val>
+                                        </p:tav>
+                                      </p:tavLst>
+                                    </p:anim>
+                                    <p:anim calcmode="lin" valueType="num">
+                                      <p:cBhvr>
+                                        <p:cTn id="26" dur="500" fill="hold"/>
+                                        <p:tgtEl>
+                                          <p:spTgt spid="3">
+                                            <p:txEl>
+                                              <p:pRg st="9" end="9"/>
+                                            </p:txEl>
+                                          </p:spTgt>
+                                        </p:tgtEl>
+                                        <p:attrNameLst>
+                                          <p:attrName>ppt_h</p:attrName>
+                                        </p:attrNameLst>
+                                      </p:cBhvr>
+                                      <p:tavLst>
+                                        <p:tav tm="0">
+                                          <p:val>
+                                            <p:fltVal val="0"/>
+                                          </p:val>
+                                        </p:tav>
+                                        <p:tav tm="100000">
+                                          <p:val>
+                                            <p:strVal val="#ppt_h"/>
+                                          </p:val>
+                                        </p:tav>
+                                      </p:tavLst>
+                                    </p:anim>
+                                    <p:animEffect transition="in" filter="fade">
+                                      <p:cBhvr>
+                                        <p:cTn id="27" dur="500"/>
+                                        <p:tgtEl>
+                                          <p:spTgt spid="3">
+                                            <p:txEl>
+                                              <p:pRg st="9" end="9"/>
+                                            </p:txEl>
+                                          </p:spTgt>
+                                        </p:tgtEl>
+                                      </p:cBhvr>
+                                    </p:animEffect>
+                                  </p:childTnLst>
+                                </p:cTn>
+                              </p:par>
+                            </p:childTnLst>
+                          </p:cTn>
+                        </p:par>
+                      </p:childTnLst>
+                    </p:cTn>
+                  </p:par>
+                </p:childTnLst>
+              </p:cTn>
+              <p:prevCondLst>
+                <p:cond evt="onPrev" delay="0">
+                  <p:tgtEl>
+                    <p:sldTgt/>
+                  </p:tgtEl>
+                </p:cond>
+              </p:prevCondLst>
+              <p:nextCondLst>
+                <p:cond evt="onNext" delay="0">
+                  <p:tgtEl>
+                    <p:sldTgt/>
+                  </p:tgtEl>
+                </p:cond>
+              </p:nextCondLst>
+            </p:seq>
+          </p:childTnLst>
+        </p:cTn>
+      </p:par>
+    </p:tnLst>
+  </p:timing>
+</p:sld>
+</file>
+
+<file path=ppt/slides/slide28.xml><?xml version="1.0" encoding="utf-8"?>
+<p:sld xmlns:a="http://schemas.openxmlformats.org/drawingml/2006/main" xmlns:r="http://schemas.openxmlformats.org/officeDocument/2006/relationships" xmlns:p="http://schemas.openxmlformats.org/presentationml/2006/main">
+  <p:cSld>
+    <p:spTree>
+      <p:nvGrpSpPr>
+        <p:cNvPr id="1" name=""/>
+        <p:cNvGrpSpPr/>
+        <p:nvPr/>
+      </p:nvGrpSpPr>
+      <p:grpSpPr>
+        <a:xfrm>
+          <a:off x="0" y="0"/>
+          <a:ext cx="0" cy="0"/>
+          <a:chOff x="0" y="0"/>
+          <a:chExt cx="0" cy="0"/>
+        </a:xfrm>
+      </p:grpSpPr>
+      <p:sp>
+        <p:nvSpPr>
+          <p:cNvPr id="2" name="Titolo 1"/>
+          <p:cNvSpPr>
+            <a:spLocks noGrp="1"/>
+          </p:cNvSpPr>
+          <p:nvPr>
+            <p:ph type="title"/>
+          </p:nvPr>
+        </p:nvSpPr>
+        <p:spPr>
+          <a:xfrm>
+            <a:off x="457200" y="533400"/>
+            <a:ext cx="8229600" cy="5631904"/>
+          </a:xfrm>
+        </p:spPr>
+        <p:txBody>
+          <a:bodyPr/>
+          <a:lstStyle/>
+          <a:p>
+            <a:pPr algn="ctr"/>
+            <a:r>
+              <a:rPr lang="it-IT" dirty="0" smtClean="0"/>
+              <a:t>DEMO</a:t>
+            </a:r>
+            <a:endParaRPr lang="it-IT" dirty="0"/>
+          </a:p>
+        </p:txBody>
+      </p:sp>
+    </p:spTree>
+    <p:extLst>
+      <p:ext uri="{BB962C8B-B14F-4D97-AF65-F5344CB8AC3E}">
+        <p14:creationId xmlns:p14="http://schemas.microsoft.com/office/powerpoint/2010/main" val="4040248931"/>
+      </p:ext>
+    </p:extLst>
+  </p:cSld>
+  <p:clrMapOvr>
+    <a:masterClrMapping/>
+  </p:clrMapOvr>
+  <p:timing>
+    <p:tnLst>
+      <p:par>
+        <p:cTn id="1" dur="indefinite" restart="never" nodeType="tmRoot"/>
+      </p:par>
+    </p:tnLst>
+  </p:timing>
+</p:sld>
+</file>
+
+<file path=ppt/slides/slide29.xml><?xml version="1.0" encoding="utf-8"?>
+<p:sld xmlns:a="http://schemas.openxmlformats.org/drawingml/2006/main" xmlns:r="http://schemas.openxmlformats.org/officeDocument/2006/relationships" xmlns:p="http://schemas.openxmlformats.org/presentationml/2006/main">
+  <p:cSld>
+    <p:spTree>
+      <p:nvGrpSpPr>
+        <p:cNvPr id="1" name=""/>
+        <p:cNvGrpSpPr/>
+        <p:nvPr/>
+      </p:nvGrpSpPr>
+      <p:grpSpPr>
+        <a:xfrm>
+          <a:off x="0" y="0"/>
+          <a:ext cx="0" cy="0"/>
+          <a:chOff x="0" y="0"/>
+          <a:chExt cx="0" cy="0"/>
+        </a:xfrm>
+      </p:grpSpPr>
+      <p:sp>
+        <p:nvSpPr>
+          <p:cNvPr id="2" name="Titolo 1"/>
+          <p:cNvSpPr>
+            <a:spLocks noGrp="1"/>
+          </p:cNvSpPr>
+          <p:nvPr>
+            <p:ph type="title"/>
+          </p:nvPr>
+        </p:nvSpPr>
+        <p:spPr/>
+        <p:txBody>
+          <a:bodyPr/>
+          <a:lstStyle/>
+          <a:p>
+            <a:r>
+              <a:rPr lang="it-IT" dirty="0" err="1" smtClean="0"/>
+              <a:t>Fork</a:t>
+            </a:r>
+            <a:r>
+              <a:rPr lang="it-IT" dirty="0" smtClean="0"/>
+              <a:t> </a:t>
+            </a:r>
+            <a:r>
+              <a:rPr lang="it-IT" dirty="0" err="1" smtClean="0"/>
+              <a:t>it</a:t>
+            </a:r>
+            <a:r>
+              <a:rPr lang="it-IT" dirty="0" smtClean="0"/>
+              <a:t> on </a:t>
             </a:r>
             <a:endParaRPr lang="it-IT" dirty="0"/>
           </a:p>
@@ -12187,87 +13719,171 @@
           <a:bodyPr/>
           <a:lstStyle/>
           <a:p>
-            <a:r>
-              <a:rPr lang="it-IT" dirty="0" smtClean="0"/>
-              <a:t>Chromosome: an array of </a:t>
-            </a:r>
-            <a:r>
-              <a:rPr lang="it-IT" dirty="0" err="1" smtClean="0"/>
-              <a:t>all</a:t>
-            </a:r>
-            <a:r>
-              <a:rPr lang="it-IT" dirty="0" smtClean="0"/>
-              <a:t> the </a:t>
-            </a:r>
-            <a:r>
-              <a:rPr lang="it-IT" dirty="0" err="1" smtClean="0"/>
-              <a:t>weights</a:t>
-            </a:r>
-            <a:r>
-              <a:rPr lang="it-IT" dirty="0" smtClean="0"/>
-              <a:t> of the </a:t>
-            </a:r>
-            <a:r>
-              <a:rPr lang="it-IT" dirty="0" err="1" smtClean="0"/>
-              <a:t>neural</a:t>
-            </a:r>
-            <a:r>
-              <a:rPr lang="it-IT" dirty="0" smtClean="0"/>
-              <a:t> network.</a:t>
-            </a:r>
-          </a:p>
-          <a:p>
-            <a:r>
-              <a:rPr lang="it-IT" dirty="0" smtClean="0"/>
-              <a:t>Fitness </a:t>
-            </a:r>
-            <a:r>
-              <a:rPr lang="it-IT" dirty="0" err="1" smtClean="0"/>
-              <a:t>function</a:t>
-            </a:r>
-            <a:r>
-              <a:rPr lang="it-IT" dirty="0" smtClean="0"/>
-              <a:t>: </a:t>
-            </a:r>
-            <a:r>
-              <a:rPr lang="it-IT" dirty="0" err="1" smtClean="0"/>
-              <a:t>traveled_distance</a:t>
-            </a:r>
-            <a:r>
-              <a:rPr lang="it-IT" dirty="0" smtClean="0"/>
-              <a:t> * </a:t>
-            </a:r>
-            <a:r>
-              <a:rPr lang="it-IT" dirty="0" err="1" smtClean="0"/>
-              <a:t>avg_speed</a:t>
-            </a:r>
-            <a:endParaRPr lang="it-IT" sz="2800" dirty="0" smtClean="0"/>
-          </a:p>
-          <a:p>
-            <a:r>
-              <a:rPr lang="it-IT" dirty="0" smtClean="0"/>
-              <a:t>Crossover: </a:t>
-            </a:r>
-            <a:r>
-              <a:rPr lang="it-IT" dirty="0" err="1" smtClean="0"/>
-              <a:t>one</a:t>
-            </a:r>
-            <a:r>
-              <a:rPr lang="it-IT" dirty="0" smtClean="0"/>
-              <a:t> </a:t>
-            </a:r>
-            <a:r>
-              <a:rPr lang="it-IT" dirty="0" err="1" smtClean="0"/>
-              <a:t>point</a:t>
-            </a:r>
             <a:endParaRPr lang="it-IT" dirty="0" smtClean="0"/>
+          </a:p>
+          <a:p>
+            <a:endParaRPr lang="it-IT" dirty="0"/>
+          </a:p>
+          <a:p>
+            <a:pPr algn="ctr"/>
+            <a:endParaRPr lang="it-IT" dirty="0" smtClean="0"/>
+          </a:p>
+          <a:p>
+            <a:pPr marL="0" indent="0" algn="ctr">
+              <a:buNone/>
+            </a:pPr>
+            <a:r>
+              <a:rPr lang="it-IT" dirty="0" err="1" smtClean="0"/>
+              <a:t>This</a:t>
+            </a:r>
+            <a:r>
+              <a:rPr lang="it-IT" dirty="0" smtClean="0"/>
+              <a:t> </a:t>
+            </a:r>
+            <a:r>
+              <a:rPr lang="it-IT" dirty="0" err="1" smtClean="0"/>
+              <a:t>project</a:t>
+            </a:r>
+            <a:r>
+              <a:rPr lang="it-IT" dirty="0" smtClean="0"/>
+              <a:t> </a:t>
+            </a:r>
+            <a:r>
+              <a:rPr lang="it-IT" dirty="0" err="1" smtClean="0"/>
+              <a:t>is</a:t>
+            </a:r>
+            <a:r>
+              <a:rPr lang="it-IT" dirty="0" smtClean="0"/>
+              <a:t> free and open-source. </a:t>
+            </a:r>
+            <a:br>
+              <a:rPr lang="it-IT" dirty="0" smtClean="0"/>
+            </a:br>
+            <a:r>
+              <a:rPr lang="it-IT" dirty="0" err="1" smtClean="0"/>
+              <a:t>Fell</a:t>
+            </a:r>
+            <a:r>
+              <a:rPr lang="it-IT" dirty="0" smtClean="0"/>
+              <a:t> free to test and </a:t>
+            </a:r>
+            <a:r>
+              <a:rPr lang="it-IT" dirty="0" err="1" smtClean="0"/>
+              <a:t>hack</a:t>
+            </a:r>
+            <a:r>
+              <a:rPr lang="it-IT" dirty="0" smtClean="0"/>
+              <a:t> </a:t>
+            </a:r>
+            <a:r>
+              <a:rPr lang="it-IT" dirty="0" err="1" smtClean="0"/>
+              <a:t>it!</a:t>
+            </a:r>
+            <a:endParaRPr lang="it-IT" dirty="0" smtClean="0"/>
+          </a:p>
+          <a:p>
+            <a:pPr marL="0" indent="0" algn="ctr">
+              <a:buNone/>
+            </a:pPr>
+            <a:endParaRPr lang="it-IT" dirty="0">
+              <a:hlinkClick r:id="rId2"/>
+            </a:endParaRPr>
+          </a:p>
+          <a:p>
+            <a:pPr marL="0" indent="0" algn="ctr">
+              <a:buNone/>
+            </a:pPr>
+            <a:r>
+              <a:rPr lang="it-IT" dirty="0" smtClean="0">
+                <a:hlinkClick r:id="rId2"/>
+              </a:rPr>
+              <a:t>https</a:t>
+            </a:r>
+            <a:r>
+              <a:rPr lang="it-IT" dirty="0">
+                <a:hlinkClick r:id="rId2"/>
+              </a:rPr>
+              <a:t>://</a:t>
+            </a:r>
+            <a:r>
+              <a:rPr lang="it-IT" dirty="0" smtClean="0">
+                <a:hlinkClick r:id="rId2"/>
+              </a:rPr>
+              <a:t>github.com/alessandrofrancesconi/carwin</a:t>
+            </a:r>
+            <a:endParaRPr lang="it-IT" dirty="0" smtClean="0"/>
+          </a:p>
+          <a:p>
+            <a:pPr marL="274320" lvl="1" indent="0">
+              <a:buNone/>
+            </a:pPr>
+            <a:endParaRPr lang="it-IT" dirty="0"/>
           </a:p>
         </p:txBody>
       </p:sp>
+      <p:pic>
+        <p:nvPicPr>
+          <p:cNvPr id="1026" name="Picture 2"/>
+          <p:cNvPicPr>
+            <a:picLocks noChangeAspect="1" noChangeArrowheads="1"/>
+          </p:cNvPicPr>
+          <p:nvPr/>
+        </p:nvPicPr>
+        <p:blipFill>
+          <a:blip r:embed="rId3">
+            <a:extLst>
+              <a:ext uri="{28A0092B-C50C-407E-A947-70E740481C1C}">
+                <a14:useLocalDpi xmlns:a14="http://schemas.microsoft.com/office/drawing/2010/main" val="0"/>
+              </a:ext>
+            </a:extLst>
+          </a:blip>
+          <a:srcRect/>
+          <a:stretch>
+            <a:fillRect/>
+          </a:stretch>
+        </p:blipFill>
+        <p:spPr bwMode="auto">
+          <a:xfrm>
+            <a:off x="2699792" y="688132"/>
+            <a:ext cx="1449288" cy="724644"/>
+          </a:xfrm>
+          <a:prstGeom prst="rect">
+            <a:avLst/>
+          </a:prstGeom>
+          <a:ln>
+            <a:noFill/>
+          </a:ln>
+          <a:effectLst>
+            <a:outerShdw dist="35921" dir="2700000" algn="ctr" rotWithShape="0">
+              <a:schemeClr val="bg2"/>
+            </a:outerShdw>
+            <a:softEdge rad="31750"/>
+          </a:effectLst>
+          <a:extLst>
+            <a:ext uri="{909E8E84-426E-40DD-AFC4-6F175D3DCCD1}">
+              <a14:hiddenFill xmlns:a14="http://schemas.microsoft.com/office/drawing/2010/main">
+                <a:solidFill>
+                  <a:schemeClr val="accent1"/>
+                </a:solidFill>
+              </a14:hiddenFill>
+            </a:ext>
+            <a:ext uri="{91240B29-F687-4F45-9708-019B960494DF}">
+              <a14:hiddenLine xmlns:a14="http://schemas.microsoft.com/office/drawing/2010/main" w="9525">
+                <a:solidFill>
+                  <a:schemeClr val="tx1"/>
+                </a:solidFill>
+                <a:miter lim="800000"/>
+                <a:headEnd/>
+                <a:tailEnd/>
+              </a14:hiddenLine>
+            </a:ext>
+          </a:extLst>
+        </p:spPr>
+      </p:pic>
     </p:spTree>
     <p:extLst>
       <p:ext uri="{BB962C8B-B14F-4D97-AF65-F5344CB8AC3E}">
-        <p14:creationId xmlns:p14="http://schemas.microsoft.com/office/powerpoint/2010/main" val="3559687380"/>
+        <p14:creationId xmlns:p14="http://schemas.microsoft.com/office/powerpoint/2010/main" val="2187177554"/>
       </p:ext>
     </p:extLst>
   </p:cSld>
@@ -13370,10 +14986,10 @@
         </p:nvGrpSpPr>
         <p:grpSpPr>
           <a:xfrm>
-            <a:off x="3995936" y="4797152"/>
-            <a:ext cx="4248472" cy="1582435"/>
-            <a:chOff x="3995936" y="4797152"/>
-            <a:chExt cx="4248472" cy="1582435"/>
+            <a:off x="3995936" y="4797154"/>
+            <a:ext cx="4248472" cy="1859432"/>
+            <a:chOff x="3995936" y="4797154"/>
+            <a:chExt cx="4248472" cy="1859432"/>
           </a:xfrm>
         </p:grpSpPr>
         <p:sp>
@@ -13385,7 +15001,7 @@
           <p:spPr>
             <a:xfrm>
               <a:off x="4788024" y="5733256"/>
-              <a:ext cx="3456384" cy="646331"/>
+              <a:ext cx="3456384" cy="923330"/>
             </a:xfrm>
             <a:prstGeom prst="rect">
               <a:avLst/>
@@ -13446,6 +15062,37 @@
                 <a:rPr lang="it-IT" dirty="0" err="1" smtClean="0"/>
                 <a:t>numbers</a:t>
               </a:r>
+              <a:r>
+                <a:rPr lang="it-IT" dirty="0" smtClean="0"/>
+                <a:t>.</a:t>
+              </a:r>
+              <a:br>
+                <a:rPr lang="it-IT" dirty="0" smtClean="0"/>
+              </a:br>
+              <a:r>
+                <a:rPr lang="it-IT" dirty="0" err="1" smtClean="0"/>
+                <a:t>Initial</a:t>
+              </a:r>
+              <a:r>
+                <a:rPr lang="it-IT" dirty="0" smtClean="0"/>
+                <a:t> </a:t>
+              </a:r>
+              <a:r>
+                <a:rPr lang="it-IT" dirty="0" err="1" smtClean="0"/>
+                <a:t>value</a:t>
+              </a:r>
+              <a:r>
+                <a:rPr lang="it-IT" dirty="0" smtClean="0"/>
+                <a:t> </a:t>
+              </a:r>
+              <a:r>
+                <a:rPr lang="it-IT" dirty="0" err="1" smtClean="0"/>
+                <a:t>is</a:t>
+              </a:r>
+              <a:r>
+                <a:rPr lang="it-IT" dirty="0" smtClean="0"/>
+                <a:t> random.</a:t>
+              </a:r>
               <a:endParaRPr lang="it-IT" dirty="0"/>
             </a:p>
           </p:txBody>
@@ -13460,8 +15107,8 @@
           </p:nvCxnSpPr>
           <p:spPr>
             <a:xfrm flipH="1" flipV="1">
-              <a:off x="3995936" y="4797152"/>
-              <a:ext cx="792088" cy="1259270"/>
+              <a:off x="3995936" y="4797154"/>
+              <a:ext cx="792088" cy="1397767"/>
             </a:xfrm>
             <a:prstGeom prst="straightConnector1">
               <a:avLst/>
@@ -13664,7 +15311,7 @@
         <p:spPr/>
         <p:txBody>
           <a:bodyPr>
-            <a:normAutofit/>
+            <a:normAutofit fontScale="85000" lnSpcReduction="20000"/>
           </a:bodyPr>
           <a:lstStyle/>
           <a:p>
@@ -13682,36 +15329,37 @@
             </a:r>
             <a:r>
               <a:rPr lang="it-IT" dirty="0" err="1" smtClean="0"/>
-              <a:t>value</a:t>
-            </a:r>
-            <a:r>
-              <a:rPr lang="it-IT" dirty="0" smtClean="0"/>
-              <a:t> (</a:t>
-            </a:r>
-            <a:r>
-              <a:rPr lang="it-IT" i="1" dirty="0" smtClean="0"/>
-              <a:t>a</a:t>
-            </a:r>
-            <a:r>
-              <a:rPr lang="it-IT" dirty="0" smtClean="0"/>
-              <a:t>) </a:t>
-            </a:r>
-            <a:r>
-              <a:rPr lang="it-IT" dirty="0" err="1" smtClean="0"/>
               <a:t>is</a:t>
             </a:r>
             <a:r>
               <a:rPr lang="it-IT" dirty="0" smtClean="0"/>
-              <a:t> </a:t>
-            </a:r>
-            <a:r>
-              <a:rPr lang="it-IT" dirty="0" err="1" smtClean="0"/>
-              <a:t>calculated</a:t>
-            </a:r>
-            <a:r>
-              <a:rPr lang="it-IT" dirty="0" smtClean="0"/>
-              <a:t> by the formula:</a:t>
-            </a:r>
+              <a:t> made by </a:t>
+            </a:r>
+            <a:r>
+              <a:rPr lang="it-IT" dirty="0" err="1" smtClean="0"/>
+              <a:t>checking</a:t>
+            </a:r>
+            <a:r>
+              <a:rPr lang="it-IT" dirty="0" smtClean="0"/>
+              <a:t> </a:t>
+            </a:r>
+            <a:r>
+              <a:rPr lang="it-IT" dirty="0" err="1" smtClean="0"/>
+              <a:t>this</a:t>
+            </a:r>
+            <a:r>
+              <a:rPr lang="it-IT" dirty="0" smtClean="0"/>
+              <a:t> </a:t>
+            </a:r>
+            <a:r>
+              <a:rPr lang="it-IT" dirty="0" err="1" smtClean="0"/>
+              <a:t>equation</a:t>
+            </a:r>
+            <a:r>
+              <a:rPr lang="it-IT" dirty="0" smtClean="0"/>
+              <a:t>:</a:t>
+            </a:r>
+            <a:endParaRPr lang="it-IT" dirty="0" smtClean="0"/>
           </a:p>
           <a:p>
             <a:endParaRPr lang="it-IT" dirty="0"/>
@@ -13721,10 +15369,6 @@
               <a:buNone/>
             </a:pPr>
             <a:r>
-              <a:rPr lang="it-IT" i="1" dirty="0"/>
-              <a:t>a = </a:t>
-            </a:r>
-            <a:r>
               <a:rPr lang="it-IT" i="1" dirty="0" smtClean="0"/>
               <a:t>x</a:t>
             </a:r>
@@ -13777,8 +15421,8 @@
               <a:t>... </a:t>
             </a:r>
             <a:r>
-              <a:rPr lang="it-IT" i="1" dirty="0"/>
-              <a:t>+</a:t>
+              <a:rPr lang="it-IT" i="1" dirty="0" smtClean="0"/>
+              <a:t>+ </a:t>
             </a:r>
             <a:r>
               <a:rPr lang="it-IT" i="1" dirty="0" err="1" smtClean="0"/>
@@ -13795,6 +15439,14 @@
             <a:r>
               <a:rPr lang="it-IT" i="1" baseline="-25000" dirty="0" err="1" smtClean="0"/>
               <a:t>n</a:t>
+            </a:r>
+            <a:r>
+              <a:rPr lang="it-IT" i="1" baseline="-25000" dirty="0"/>
+              <a:t> </a:t>
+            </a:r>
+            <a:r>
+              <a:rPr lang="it-IT" i="1" dirty="0" smtClean="0"/>
+              <a:t>≥ t</a:t>
             </a:r>
             <a:endParaRPr lang="it-IT" i="1" baseline="-25000" dirty="0" smtClean="0"/>
           </a:p>
@@ -13816,11 +15468,7 @@
             </a:r>
             <a:r>
               <a:rPr lang="it-IT" dirty="0" smtClean="0"/>
-              <a:t> is </a:t>
-            </a:r>
-            <a:r>
-              <a:rPr lang="it-IT" dirty="0" smtClean="0"/>
-              <a:t>the </a:t>
+              <a:t> is the </a:t>
             </a:r>
             <a:r>
               <a:rPr lang="it-IT" dirty="0" err="1" smtClean="0"/>
@@ -13832,11 +15480,7 @@
             </a:r>
             <a:r>
               <a:rPr lang="it-IT" dirty="0" smtClean="0"/>
-              <a:t> input </a:t>
-            </a:r>
-            <a:r>
-              <a:rPr lang="it-IT" dirty="0" smtClean="0"/>
-              <a:t>for 1 ≤ </a:t>
+              <a:t> input for 1 ≤ </a:t>
             </a:r>
             <a:r>
               <a:rPr lang="it-IT" dirty="0"/>
@@ -13846,7 +15490,6 @@
               <a:rPr lang="it-IT" dirty="0" smtClean="0"/>
               <a:t>≤ n</a:t>
             </a:r>
-            <a:endParaRPr lang="it-IT" dirty="0" smtClean="0"/>
           </a:p>
           <a:p>
             <a:pPr lvl="1"/>
@@ -13864,11 +15507,7 @@
             </a:r>
             <a:r>
               <a:rPr lang="it-IT" dirty="0" smtClean="0"/>
-              <a:t>is </a:t>
-            </a:r>
-            <a:r>
-              <a:rPr lang="it-IT" dirty="0" smtClean="0"/>
-              <a:t>the </a:t>
+              <a:t>is the </a:t>
             </a:r>
             <a:r>
               <a:rPr lang="it-IT" dirty="0" err="1" smtClean="0"/>
@@ -13892,178 +15531,483 @@
             </a:r>
             <a:r>
               <a:rPr lang="it-IT" dirty="0"/>
-              <a:t>input for 1 ≤ i ≤ n</a:t>
-            </a:r>
-          </a:p>
-          <a:p>
-            <a:pPr marL="274320" lvl="1" indent="0">
-              <a:buNone/>
-            </a:pPr>
+              <a:t>input for 1 ≤ i ≤ </a:t>
+            </a:r>
+            <a:r>
+              <a:rPr lang="it-IT" dirty="0" smtClean="0"/>
+              <a:t>n</a:t>
+            </a:r>
+          </a:p>
+          <a:p>
+            <a:pPr lvl="1"/>
+            <a:r>
+              <a:rPr lang="it-IT" dirty="0" smtClean="0"/>
+              <a:t>t </a:t>
+            </a:r>
+            <a:r>
+              <a:rPr lang="it-IT" dirty="0" err="1" smtClean="0"/>
+              <a:t>is</a:t>
+            </a:r>
+            <a:r>
+              <a:rPr lang="it-IT" dirty="0" smtClean="0"/>
+              <a:t> a </a:t>
+            </a:r>
+            <a:r>
+              <a:rPr lang="it-IT" dirty="0" err="1" smtClean="0"/>
+              <a:t>threshold</a:t>
+            </a:r>
+            <a:r>
+              <a:rPr lang="it-IT" dirty="0"/>
+              <a:t> </a:t>
+            </a:r>
+            <a:r>
+              <a:rPr lang="it-IT" dirty="0" err="1" smtClean="0"/>
+              <a:t>value</a:t>
+            </a:r>
             <a:endParaRPr lang="it-IT" dirty="0" smtClean="0"/>
           </a:p>
           <a:p>
-            <a:r>
-              <a:rPr lang="it-IT" dirty="0" err="1" smtClean="0"/>
-              <a:t>Then</a:t>
-            </a:r>
-            <a:r>
-              <a:rPr lang="it-IT" dirty="0" smtClean="0"/>
-              <a:t> </a:t>
-            </a:r>
-            <a:r>
-              <a:rPr lang="it-IT" dirty="0" err="1" smtClean="0"/>
-              <a:t>we</a:t>
-            </a:r>
-            <a:r>
-              <a:rPr lang="it-IT" dirty="0" smtClean="0"/>
-              <a:t> </a:t>
-            </a:r>
-            <a:r>
-              <a:rPr lang="it-IT" dirty="0" err="1" smtClean="0"/>
-              <a:t>perform</a:t>
-            </a:r>
-            <a:r>
-              <a:rPr lang="it-IT" dirty="0" smtClean="0"/>
-              <a:t> a </a:t>
-            </a:r>
-            <a:r>
-              <a:rPr lang="it-IT" dirty="0" err="1" smtClean="0"/>
-              <a:t>simple</a:t>
-            </a:r>
-            <a:r>
-              <a:rPr lang="it-IT" dirty="0" smtClean="0"/>
-              <a:t> </a:t>
-            </a:r>
-            <a:r>
-              <a:rPr lang="it-IT" dirty="0" err="1" smtClean="0"/>
-              <a:t>check</a:t>
-            </a:r>
-            <a:r>
-              <a:rPr lang="it-IT" dirty="0" smtClean="0"/>
-              <a:t>: </a:t>
-            </a:r>
+            <a:pPr lvl="1"/>
+            <a:endParaRPr lang="it-IT" dirty="0"/>
+          </a:p>
+          <a:p>
+            <a:r>
+              <a:rPr lang="it-IT" dirty="0" smtClean="0"/>
+              <a:t>So, the </a:t>
+            </a:r>
+            <a:r>
+              <a:rPr lang="it-IT" dirty="0" err="1" smtClean="0"/>
+              <a:t>activation</a:t>
+            </a:r>
+            <a:r>
+              <a:rPr lang="it-IT" dirty="0" smtClean="0"/>
+              <a:t> </a:t>
+            </a:r>
+            <a:r>
+              <a:rPr lang="it-IT" dirty="0" err="1" smtClean="0"/>
+              <a:t>depends</a:t>
+            </a:r>
+            <a:r>
+              <a:rPr lang="it-IT" dirty="0" smtClean="0"/>
+              <a:t> </a:t>
+            </a:r>
+            <a:r>
+              <a:rPr lang="it-IT" dirty="0" err="1" smtClean="0"/>
+              <a:t>upon</a:t>
+            </a:r>
+            <a:r>
+              <a:rPr lang="it-IT" dirty="0" smtClean="0"/>
+              <a:t> </a:t>
+            </a:r>
+            <a:r>
+              <a:rPr lang="it-IT" dirty="0" err="1" smtClean="0"/>
+              <a:t>whether</a:t>
+            </a:r>
+            <a:r>
+              <a:rPr lang="it-IT" dirty="0" smtClean="0"/>
+              <a:t> or </a:t>
+            </a:r>
+            <a:r>
+              <a:rPr lang="it-IT" dirty="0" err="1" smtClean="0"/>
+              <a:t>not</a:t>
+            </a:r>
+            <a:r>
+              <a:rPr lang="it-IT" dirty="0" smtClean="0"/>
+              <a:t> the </a:t>
+            </a:r>
+            <a:r>
+              <a:rPr lang="it-IT" dirty="0" err="1" smtClean="0"/>
+              <a:t>left</a:t>
+            </a:r>
+            <a:r>
+              <a:rPr lang="it-IT" dirty="0" smtClean="0"/>
+              <a:t> sum </a:t>
+            </a:r>
+            <a:r>
+              <a:rPr lang="it-IT" dirty="0" err="1" smtClean="0"/>
+              <a:t>exceeds</a:t>
+            </a:r>
+            <a:r>
+              <a:rPr lang="it-IT" dirty="0" smtClean="0"/>
+              <a:t> the </a:t>
+            </a:r>
+            <a:r>
+              <a:rPr lang="it-IT" dirty="0" err="1" smtClean="0"/>
+              <a:t>threshold</a:t>
+            </a:r>
+            <a:r>
+              <a:rPr lang="it-IT" dirty="0" smtClean="0"/>
+              <a:t> </a:t>
+            </a:r>
+            <a:r>
+              <a:rPr lang="it-IT" dirty="0" err="1" smtClean="0"/>
+              <a:t>value</a:t>
+            </a:r>
+            <a:r>
+              <a:rPr lang="it-IT" dirty="0" smtClean="0"/>
+              <a:t>. How big </a:t>
+            </a:r>
+            <a:r>
+              <a:rPr lang="it-IT" dirty="0" err="1" smtClean="0"/>
+              <a:t>is</a:t>
+            </a:r>
+            <a:r>
+              <a:rPr lang="it-IT" dirty="0" smtClean="0"/>
+              <a:t> </a:t>
+            </a:r>
+            <a:r>
+              <a:rPr lang="it-IT" dirty="0" err="1" smtClean="0"/>
+              <a:t>it</a:t>
+            </a:r>
+            <a:r>
+              <a:rPr lang="it-IT" dirty="0" smtClean="0"/>
+              <a:t>? </a:t>
+            </a:r>
+            <a:r>
+              <a:rPr lang="it-IT" dirty="0" err="1" smtClean="0"/>
+              <a:t>We</a:t>
+            </a:r>
+            <a:r>
+              <a:rPr lang="it-IT" dirty="0" smtClean="0"/>
+              <a:t> can do </a:t>
+            </a:r>
+            <a:r>
+              <a:rPr lang="it-IT" dirty="0" err="1" smtClean="0"/>
+              <a:t>this</a:t>
+            </a:r>
+            <a:r>
+              <a:rPr lang="it-IT" dirty="0" smtClean="0"/>
+              <a:t> way…</a:t>
+            </a:r>
+            <a:br>
+              <a:rPr lang="it-IT" dirty="0" smtClean="0"/>
+            </a:br>
+            <a:endParaRPr lang="it-IT" dirty="0"/>
           </a:p>
           <a:p>
             <a:pPr marL="0" indent="0" algn="ctr">
               <a:buNone/>
             </a:pPr>
             <a:r>
-              <a:rPr lang="it-IT" sz="2400" i="1" dirty="0" err="1" smtClean="0"/>
-              <a:t>If</a:t>
-            </a:r>
-            <a:r>
-              <a:rPr lang="it-IT" sz="2400" i="1" dirty="0" smtClean="0"/>
-              <a:t> (a &gt; </a:t>
-            </a:r>
-            <a:r>
-              <a:rPr lang="it-IT" sz="2400" i="1" dirty="0" err="1" smtClean="0"/>
-              <a:t>threshold</a:t>
-            </a:r>
-            <a:r>
-              <a:rPr lang="it-IT" sz="2400" i="1" dirty="0" smtClean="0"/>
-              <a:t>) </a:t>
-            </a:r>
-            <a:r>
-              <a:rPr lang="it-IT" sz="2400" i="1" dirty="0" err="1" smtClean="0"/>
-              <a:t>then</a:t>
-            </a:r>
-            <a:r>
-              <a:rPr lang="it-IT" sz="2400" i="1" dirty="0" smtClean="0"/>
-              <a:t> </a:t>
-            </a:r>
-            <a:r>
-              <a:rPr lang="it-IT" sz="2400" i="1" dirty="0" err="1" smtClean="0"/>
-              <a:t>activate</a:t>
-            </a:r>
-            <a:r>
-              <a:rPr lang="it-IT" sz="2400" i="1" dirty="0" smtClean="0"/>
-              <a:t>(</a:t>
-            </a:r>
-            <a:r>
-              <a:rPr lang="it-IT" sz="2400" i="1" dirty="0" err="1" smtClean="0"/>
-              <a:t>true</a:t>
-            </a:r>
-            <a:r>
-              <a:rPr lang="it-IT" sz="2400" i="1" dirty="0" smtClean="0"/>
-              <a:t>);</a:t>
-            </a:r>
-          </a:p>
-          <a:p>
-            <a:pPr marL="0" indent="0">
+              <a:rPr lang="it-IT" i="1" dirty="0"/>
+              <a:t>x</a:t>
+            </a:r>
+            <a:r>
+              <a:rPr lang="it-IT" i="1" baseline="-25000" dirty="0"/>
+              <a:t>1</a:t>
+            </a:r>
+            <a:r>
+              <a:rPr lang="it-IT" i="1" dirty="0"/>
+              <a:t>w</a:t>
+            </a:r>
+            <a:r>
+              <a:rPr lang="it-IT" i="1" baseline="-25000" dirty="0"/>
+              <a:t>1 </a:t>
+            </a:r>
+            <a:r>
+              <a:rPr lang="it-IT" i="1" dirty="0"/>
+              <a:t>+ x</a:t>
+            </a:r>
+            <a:r>
+              <a:rPr lang="it-IT" i="1" baseline="-25000" dirty="0"/>
+              <a:t>2</a:t>
+            </a:r>
+            <a:r>
+              <a:rPr lang="it-IT" i="1" dirty="0"/>
+              <a:t>w</a:t>
+            </a:r>
+            <a:r>
+              <a:rPr lang="it-IT" i="1" baseline="-25000" dirty="0"/>
+              <a:t>2 </a:t>
+            </a:r>
+            <a:r>
+              <a:rPr lang="it-IT" i="1" dirty="0"/>
+              <a:t>+ x</a:t>
+            </a:r>
+            <a:r>
+              <a:rPr lang="it-IT" i="1" baseline="-25000" dirty="0"/>
+              <a:t>3</a:t>
+            </a:r>
+            <a:r>
+              <a:rPr lang="it-IT" i="1" dirty="0"/>
+              <a:t>w</a:t>
+            </a:r>
+            <a:r>
+              <a:rPr lang="it-IT" i="1" baseline="-25000" dirty="0"/>
+              <a:t>3 </a:t>
+            </a:r>
+            <a:r>
+              <a:rPr lang="it-IT" i="1" dirty="0"/>
+              <a:t>... + </a:t>
+            </a:r>
+            <a:r>
+              <a:rPr lang="it-IT" i="1" dirty="0" err="1"/>
+              <a:t>x</a:t>
+            </a:r>
+            <a:r>
+              <a:rPr lang="it-IT" i="1" baseline="-25000" dirty="0" err="1"/>
+              <a:t>n</a:t>
+            </a:r>
+            <a:r>
+              <a:rPr lang="it-IT" i="1" dirty="0" err="1"/>
+              <a:t>w</a:t>
+            </a:r>
+            <a:r>
+              <a:rPr lang="it-IT" i="1" baseline="-25000" dirty="0" err="1"/>
+              <a:t>n</a:t>
+            </a:r>
+            <a:r>
+              <a:rPr lang="it-IT" i="1" baseline="-25000" dirty="0"/>
+              <a:t> </a:t>
+            </a:r>
+            <a:r>
+              <a:rPr lang="it-IT" i="1" dirty="0" smtClean="0"/>
+              <a:t>– t </a:t>
+            </a:r>
+            <a:r>
+              <a:rPr lang="it-IT" i="1" dirty="0"/>
+              <a:t>≥</a:t>
+            </a:r>
+            <a:r>
+              <a:rPr lang="it-IT" i="1" dirty="0" smtClean="0"/>
+              <a:t> 0</a:t>
+            </a:r>
+            <a:br>
+              <a:rPr lang="it-IT" i="1" dirty="0" smtClean="0"/>
+            </a:br>
+            <a:endParaRPr lang="it-IT" i="1" dirty="0" smtClean="0"/>
+          </a:p>
+          <a:p>
+            <a:r>
+              <a:rPr lang="it-IT" dirty="0" err="1" smtClean="0"/>
+              <a:t>That</a:t>
+            </a:r>
+            <a:r>
+              <a:rPr lang="it-IT" dirty="0" smtClean="0"/>
+              <a:t> </a:t>
+            </a:r>
+            <a:r>
+              <a:rPr lang="it-IT" dirty="0" err="1" smtClean="0"/>
+              <a:t>is</a:t>
+            </a:r>
+            <a:r>
+              <a:rPr lang="it-IT" dirty="0" smtClean="0"/>
+              <a:t> </a:t>
+            </a:r>
+            <a:r>
+              <a:rPr lang="it-IT" dirty="0" err="1" smtClean="0"/>
+              <a:t>equal</a:t>
+            </a:r>
+            <a:r>
+              <a:rPr lang="it-IT" dirty="0" smtClean="0"/>
+              <a:t> to</a:t>
+            </a:r>
+          </a:p>
+          <a:p>
+            <a:pPr marL="0" indent="0" algn="ctr">
               <a:buNone/>
             </a:pPr>
-            <a:endParaRPr lang="it-IT" i="1" dirty="0"/>
-          </a:p>
-          <a:p>
-            <a:r>
-              <a:rPr lang="it-IT" sz="2400" dirty="0" err="1" smtClean="0"/>
-              <a:t>As</a:t>
-            </a:r>
-            <a:r>
-              <a:rPr lang="it-IT" sz="2400" dirty="0" smtClean="0"/>
-              <a:t> </a:t>
-            </a:r>
-            <a:r>
-              <a:rPr lang="it-IT" sz="2400" dirty="0" err="1" smtClean="0"/>
-              <a:t>we</a:t>
-            </a:r>
-            <a:r>
-              <a:rPr lang="it-IT" sz="2400" dirty="0" smtClean="0"/>
-              <a:t> can </a:t>
-            </a:r>
-            <a:r>
-              <a:rPr lang="it-IT" sz="2400" dirty="0" err="1" smtClean="0"/>
-              <a:t>see</a:t>
-            </a:r>
-            <a:r>
-              <a:rPr lang="it-IT" sz="2400" dirty="0" smtClean="0"/>
-              <a:t>, </a:t>
-            </a:r>
-            <a:r>
-              <a:rPr lang="it-IT" sz="2400" dirty="0" err="1" smtClean="0"/>
-              <a:t>weights</a:t>
-            </a:r>
-            <a:r>
-              <a:rPr lang="it-IT" sz="2400" dirty="0" smtClean="0"/>
-              <a:t> are </a:t>
-            </a:r>
-            <a:r>
-              <a:rPr lang="it-IT" sz="2400" dirty="0" err="1" smtClean="0"/>
-              <a:t>very</a:t>
-            </a:r>
-            <a:r>
-              <a:rPr lang="it-IT" sz="2400" dirty="0" smtClean="0"/>
-              <a:t> </a:t>
-            </a:r>
-            <a:r>
-              <a:rPr lang="it-IT" sz="2400" dirty="0" err="1" smtClean="0"/>
-              <a:t>crucial</a:t>
-            </a:r>
-            <a:r>
-              <a:rPr lang="it-IT" sz="2400" dirty="0" smtClean="0"/>
-              <a:t> for </a:t>
-            </a:r>
-            <a:r>
-              <a:rPr lang="it-IT" sz="2400" dirty="0" err="1" smtClean="0"/>
-              <a:t>our</a:t>
-            </a:r>
-            <a:r>
-              <a:rPr lang="it-IT" sz="2400" dirty="0" smtClean="0"/>
-              <a:t> </a:t>
-            </a:r>
-            <a:r>
-              <a:rPr lang="it-IT" sz="2400" dirty="0" err="1" smtClean="0"/>
-              <a:t>results</a:t>
-            </a:r>
-            <a:r>
-              <a:rPr lang="it-IT" dirty="0"/>
-              <a:t>!</a:t>
-            </a:r>
-            <a:endParaRPr lang="it-IT" sz="2400" dirty="0"/>
-          </a:p>
-          <a:p>
-            <a:pPr lvl="1"/>
-            <a:endParaRPr lang="it-IT" sz="2400" i="1" dirty="0"/>
+            <a:r>
+              <a:rPr lang="it-IT" i="1" dirty="0"/>
+              <a:t>x</a:t>
+            </a:r>
+            <a:r>
+              <a:rPr lang="it-IT" i="1" baseline="-25000" dirty="0"/>
+              <a:t>1</a:t>
+            </a:r>
+            <a:r>
+              <a:rPr lang="it-IT" i="1" dirty="0"/>
+              <a:t>w</a:t>
+            </a:r>
+            <a:r>
+              <a:rPr lang="it-IT" i="1" baseline="-25000" dirty="0"/>
+              <a:t>1 </a:t>
+            </a:r>
+            <a:r>
+              <a:rPr lang="it-IT" i="1" dirty="0"/>
+              <a:t>+ x</a:t>
+            </a:r>
+            <a:r>
+              <a:rPr lang="it-IT" i="1" baseline="-25000" dirty="0"/>
+              <a:t>2</a:t>
+            </a:r>
+            <a:r>
+              <a:rPr lang="it-IT" i="1" dirty="0"/>
+              <a:t>w</a:t>
+            </a:r>
+            <a:r>
+              <a:rPr lang="it-IT" i="1" baseline="-25000" dirty="0"/>
+              <a:t>2 </a:t>
+            </a:r>
+            <a:r>
+              <a:rPr lang="it-IT" i="1" dirty="0"/>
+              <a:t>+ x</a:t>
+            </a:r>
+            <a:r>
+              <a:rPr lang="it-IT" i="1" baseline="-25000" dirty="0"/>
+              <a:t>3</a:t>
+            </a:r>
+            <a:r>
+              <a:rPr lang="it-IT" i="1" dirty="0"/>
+              <a:t>w</a:t>
+            </a:r>
+            <a:r>
+              <a:rPr lang="it-IT" i="1" baseline="-25000" dirty="0"/>
+              <a:t>3 </a:t>
+            </a:r>
+            <a:r>
+              <a:rPr lang="it-IT" i="1" dirty="0"/>
+              <a:t>... + </a:t>
+            </a:r>
+            <a:r>
+              <a:rPr lang="it-IT" i="1" dirty="0" err="1"/>
+              <a:t>x</a:t>
+            </a:r>
+            <a:r>
+              <a:rPr lang="it-IT" i="1" baseline="-25000" dirty="0" err="1"/>
+              <a:t>n</a:t>
+            </a:r>
+            <a:r>
+              <a:rPr lang="it-IT" i="1" dirty="0" err="1"/>
+              <a:t>w</a:t>
+            </a:r>
+            <a:r>
+              <a:rPr lang="it-IT" i="1" baseline="-25000" dirty="0" err="1"/>
+              <a:t>n</a:t>
+            </a:r>
+            <a:r>
+              <a:rPr lang="it-IT" i="1" baseline="-25000" dirty="0"/>
+              <a:t> </a:t>
+            </a:r>
+            <a:r>
+              <a:rPr lang="it-IT" i="1" dirty="0" smtClean="0"/>
+              <a:t>+ (-1)t </a:t>
+            </a:r>
+            <a:r>
+              <a:rPr lang="it-IT" i="1" dirty="0"/>
+              <a:t>≥ </a:t>
+            </a:r>
+            <a:r>
+              <a:rPr lang="it-IT" i="1" dirty="0" smtClean="0"/>
+              <a:t>0</a:t>
+            </a:r>
+            <a:br>
+              <a:rPr lang="it-IT" i="1" dirty="0" smtClean="0"/>
+            </a:br>
+            <a:endParaRPr lang="it-IT" i="1" dirty="0" smtClean="0"/>
+          </a:p>
+          <a:p>
+            <a:r>
+              <a:rPr lang="it-IT" dirty="0" err="1" smtClean="0"/>
+              <a:t>Threshold</a:t>
+            </a:r>
+            <a:r>
+              <a:rPr lang="it-IT" dirty="0" smtClean="0"/>
+              <a:t> </a:t>
+            </a:r>
+            <a:r>
+              <a:rPr lang="it-IT" dirty="0" err="1" smtClean="0"/>
+              <a:t>is</a:t>
+            </a:r>
+            <a:r>
+              <a:rPr lang="it-IT" dirty="0" smtClean="0"/>
+              <a:t> </a:t>
+            </a:r>
+            <a:r>
+              <a:rPr lang="it-IT" dirty="0" err="1" smtClean="0"/>
+              <a:t>now</a:t>
+            </a:r>
+            <a:r>
+              <a:rPr lang="it-IT" dirty="0" smtClean="0"/>
+              <a:t> a </a:t>
+            </a:r>
+            <a:r>
+              <a:rPr lang="it-IT" dirty="0" err="1" smtClean="0"/>
+              <a:t>further</a:t>
+            </a:r>
+            <a:r>
+              <a:rPr lang="it-IT" dirty="0" smtClean="0"/>
+              <a:t> </a:t>
+            </a:r>
+            <a:r>
+              <a:rPr lang="it-IT" dirty="0" err="1" smtClean="0"/>
+              <a:t>weight</a:t>
+            </a:r>
+            <a:r>
+              <a:rPr lang="it-IT" dirty="0" smtClean="0"/>
+              <a:t> </a:t>
+            </a:r>
+            <a:r>
+              <a:rPr lang="it-IT" dirty="0" err="1" smtClean="0"/>
+              <a:t>multiplied</a:t>
+            </a:r>
+            <a:r>
+              <a:rPr lang="it-IT" dirty="0" smtClean="0"/>
+              <a:t> by a </a:t>
+            </a:r>
+            <a:r>
+              <a:rPr lang="it-IT" dirty="0" err="1" smtClean="0"/>
+              <a:t>constant</a:t>
+            </a:r>
+            <a:r>
+              <a:rPr lang="it-IT" dirty="0" smtClean="0"/>
+              <a:t> </a:t>
+            </a:r>
+            <a:r>
+              <a:rPr lang="it-IT" dirty="0" err="1" smtClean="0"/>
+              <a:t>called</a:t>
+            </a:r>
+            <a:r>
+              <a:rPr lang="it-IT" dirty="0" smtClean="0"/>
+              <a:t> </a:t>
+            </a:r>
+            <a:r>
+              <a:rPr lang="it-IT" b="1" dirty="0" err="1" smtClean="0"/>
+              <a:t>bias</a:t>
+            </a:r>
+            <a:endParaRPr lang="it-IT" b="1" dirty="0"/>
+          </a:p>
+          <a:p>
+            <a:pPr marL="0" indent="0" algn="ctr">
+              <a:buNone/>
+            </a:pPr>
+            <a:endParaRPr lang="it-IT" i="1" dirty="0" smtClean="0"/>
+          </a:p>
+          <a:p>
+            <a:pPr marL="0" indent="0" algn="ctr">
+              <a:buNone/>
+            </a:pPr>
+            <a:endParaRPr lang="it-IT" i="1" baseline="-25000" dirty="0"/>
+          </a:p>
+          <a:p>
+            <a:pPr marL="0" indent="0" algn="ctr">
+              <a:buNone/>
+            </a:pPr>
+            <a:endParaRPr lang="it-IT" i="1" baseline="-25000" dirty="0"/>
+          </a:p>
+          <a:p>
+            <a:pPr marL="0" indent="0" algn="ctr">
+              <a:buNone/>
+            </a:pPr>
+            <a:endParaRPr lang="it-IT" sz="2800" i="1" baseline="-25000" dirty="0"/>
+          </a:p>
+          <a:p>
+            <a:pPr marL="0" indent="0" algn="ctr">
+              <a:buNone/>
+            </a:pPr>
+            <a:endParaRPr lang="it-IT" sz="2800" i="1" baseline="-25000" dirty="0" smtClean="0"/>
+          </a:p>
+          <a:p>
+            <a:pPr marL="0" indent="0" algn="ctr">
+              <a:buNone/>
+            </a:pPr>
+            <a:endParaRPr lang="it-IT" sz="2800" i="1" baseline="-25000" dirty="0"/>
+          </a:p>
+          <a:p>
+            <a:endParaRPr lang="it-IT" sz="2800" i="1" dirty="0" smtClean="0"/>
+          </a:p>
+          <a:p>
+            <a:endParaRPr lang="it-IT" sz="2800" i="1" dirty="0"/>
           </a:p>
         </p:txBody>
       </p:sp>

--- a/presentation.pptx
+++ b/presentation.pptx
@@ -11434,11 +11434,7 @@
             </a:r>
             <a:r>
               <a:rPr lang="it-IT" dirty="0" smtClean="0"/>
-              <a:t> new generation </a:t>
-            </a:r>
-            <a:r>
-              <a:rPr lang="it-IT" dirty="0" smtClean="0"/>
-              <a:t>with </a:t>
+              <a:t> new generation with </a:t>
             </a:r>
             <a:r>
               <a:rPr lang="it-IT" dirty="0" err="1" smtClean="0"/>
@@ -12608,9 +12604,43 @@
         <p:spPr/>
         <p:txBody>
           <a:bodyPr>
-            <a:normAutofit fontScale="92500" lnSpcReduction="10000"/>
+            <a:normAutofit fontScale="92500" lnSpcReduction="20000"/>
           </a:bodyPr>
           <a:lstStyle/>
+          <a:p>
+            <a:r>
+              <a:rPr lang="it-IT" dirty="0" smtClean="0"/>
+              <a:t>Fitness </a:t>
+            </a:r>
+            <a:r>
+              <a:rPr lang="it-IT" dirty="0" err="1" smtClean="0"/>
+              <a:t>value</a:t>
+            </a:r>
+            <a:r>
+              <a:rPr lang="it-IT" dirty="0" smtClean="0"/>
+              <a:t> = </a:t>
+            </a:r>
+            <a:r>
+              <a:rPr lang="it-IT" dirty="0" err="1" smtClean="0"/>
+              <a:t>distanceMade</a:t>
+            </a:r>
+            <a:r>
+              <a:rPr lang="it-IT" dirty="0" smtClean="0"/>
+              <a:t> x </a:t>
+            </a:r>
+            <a:r>
+              <a:rPr lang="it-IT" dirty="0" err="1" smtClean="0"/>
+              <a:t>avgSpeed</a:t>
+            </a:r>
+            <a:r>
+              <a:rPr lang="it-IT" dirty="0" smtClean="0"/>
+              <a:t/>
+            </a:r>
+            <a:br>
+              <a:rPr lang="it-IT" dirty="0" smtClean="0"/>
+            </a:br>
+            <a:endParaRPr lang="it-IT" dirty="0" smtClean="0"/>
+          </a:p>
           <a:p>
             <a:r>
               <a:rPr lang="it-IT" dirty="0" err="1" smtClean="0"/>
@@ -13062,7 +13092,39 @@
                   <a:srgbClr val="00B050"/>
                 </a:solidFill>
               </a:rPr>
-              <a:t>(5 x 24) + (24 x 2) + 24 + 2 = 194!</a:t>
+              <a:t>(5 </a:t>
+            </a:r>
+            <a:r>
+              <a:rPr lang="it-IT" sz="3200" b="1" dirty="0" smtClean="0">
+                <a:solidFill>
+                  <a:srgbClr val="00B050"/>
+                </a:solidFill>
+              </a:rPr>
+              <a:t>x </a:t>
+            </a:r>
+            <a:r>
+              <a:rPr lang="it-IT" sz="3200" b="1" dirty="0" smtClean="0">
+                <a:solidFill>
+                  <a:srgbClr val="00B050"/>
+                </a:solidFill>
+              </a:rPr>
+              <a:t>24) + (24 </a:t>
+            </a:r>
+            <a:r>
+              <a:rPr lang="it-IT" sz="3200" b="1" dirty="0" smtClean="0">
+                <a:solidFill>
+                  <a:srgbClr val="00B050"/>
+                </a:solidFill>
+              </a:rPr>
+              <a:t>x </a:t>
+            </a:r>
+            <a:r>
+              <a:rPr lang="it-IT" sz="3200" b="1" dirty="0" smtClean="0">
+                <a:solidFill>
+                  <a:srgbClr val="00B050"/>
+                </a:solidFill>
+              </a:rPr>
+              <a:t>2) + 24 + 2 = 194!</a:t>
             </a:r>
             <a:endParaRPr lang="it-IT" sz="3200" b="1" dirty="0">
               <a:solidFill>
@@ -13118,7 +13180,7 @@
                                         <p:tgtEl>
                                           <p:spTgt spid="3">
                                             <p:txEl>
-                                              <p:pRg st="7" end="7"/>
+                                              <p:pRg st="8" end="8"/>
                                             </p:txEl>
                                           </p:spTgt>
                                         </p:tgtEl>
@@ -13140,7 +13202,7 @@
                                         <p:tgtEl>
                                           <p:spTgt spid="3">
                                             <p:txEl>
-                                              <p:pRg st="7" end="7"/>
+                                              <p:pRg st="8" end="8"/>
                                             </p:txEl>
                                           </p:spTgt>
                                         </p:tgtEl>
@@ -13156,7 +13218,7 @@
                                         <p:tgtEl>
                                           <p:spTgt spid="3">
                                             <p:txEl>
-                                              <p:pRg st="7" end="7"/>
+                                              <p:pRg st="8" end="8"/>
                                             </p:txEl>
                                           </p:spTgt>
                                         </p:tgtEl>
@@ -13187,7 +13249,7 @@
                                         <p:tgtEl>
                                           <p:spTgt spid="3">
                                             <p:txEl>
-                                              <p:pRg st="7" end="7"/>
+                                              <p:pRg st="8" end="8"/>
                                             </p:txEl>
                                           </p:spTgt>
                                         </p:tgtEl>
@@ -13218,7 +13280,7 @@
                                         <p:tgtEl>
                                           <p:spTgt spid="3">
                                             <p:txEl>
-                                              <p:pRg st="7" end="7"/>
+                                              <p:pRg st="8" end="8"/>
                                             </p:txEl>
                                           </p:spTgt>
                                         </p:tgtEl>
@@ -13249,7 +13311,7 @@
                                         <p:tgtEl>
                                           <p:spTgt spid="3">
                                             <p:txEl>
-                                              <p:pRg st="7" end="7"/>
+                                              <p:pRg st="8" end="8"/>
                                             </p:txEl>
                                           </p:spTgt>
                                         </p:tgtEl>
@@ -13280,7 +13342,7 @@
                                         <p:tgtEl>
                                           <p:spTgt spid="3">
                                             <p:txEl>
-                                              <p:pRg st="7" end="7"/>
+                                              <p:pRg st="8" end="8"/>
                                             </p:txEl>
                                           </p:spTgt>
                                         </p:tgtEl>
@@ -13311,7 +13373,7 @@
                                         <p:tgtEl>
                                           <p:spTgt spid="3">
                                             <p:txEl>
-                                              <p:pRg st="7" end="7"/>
+                                              <p:pRg st="8" end="8"/>
                                             </p:txEl>
                                           </p:spTgt>
                                         </p:tgtEl>
@@ -13328,7 +13390,7 @@
                                         <p:tgtEl>
                                           <p:spTgt spid="3">
                                             <p:txEl>
-                                              <p:pRg st="7" end="7"/>
+                                              <p:pRg st="8" end="8"/>
                                             </p:txEl>
                                           </p:spTgt>
                                         </p:tgtEl>
@@ -13345,7 +13407,7 @@
                                         <p:tgtEl>
                                           <p:spTgt spid="3">
                                             <p:txEl>
-                                              <p:pRg st="7" end="7"/>
+                                              <p:pRg st="8" end="8"/>
                                             </p:txEl>
                                           </p:spTgt>
                                         </p:tgtEl>
@@ -13362,7 +13424,7 @@
                                         <p:tgtEl>
                                           <p:spTgt spid="3">
                                             <p:txEl>
-                                              <p:pRg st="7" end="7"/>
+                                              <p:pRg st="8" end="8"/>
                                             </p:txEl>
                                           </p:spTgt>
                                         </p:tgtEl>
@@ -13379,7 +13441,7 @@
                                         <p:tgtEl>
                                           <p:spTgt spid="3">
                                             <p:txEl>
-                                              <p:pRg st="7" end="7"/>
+                                              <p:pRg st="8" end="8"/>
                                             </p:txEl>
                                           </p:spTgt>
                                         </p:tgtEl>
@@ -13396,7 +13458,7 @@
                                         <p:tgtEl>
                                           <p:spTgt spid="3">
                                             <p:txEl>
-                                              <p:pRg st="7" end="7"/>
+                                              <p:pRg st="8" end="8"/>
                                             </p:txEl>
                                           </p:spTgt>
                                         </p:tgtEl>
@@ -13413,7 +13475,7 @@
                                         <p:tgtEl>
                                           <p:spTgt spid="3">
                                             <p:txEl>
-                                              <p:pRg st="7" end="7"/>
+                                              <p:pRg st="8" end="8"/>
                                             </p:txEl>
                                           </p:spTgt>
                                         </p:tgtEl>
@@ -13430,7 +13492,7 @@
                                         <p:tgtEl>
                                           <p:spTgt spid="3">
                                             <p:txEl>
-                                              <p:pRg st="7" end="7"/>
+                                              <p:pRg st="8" end="8"/>
                                             </p:txEl>
                                           </p:spTgt>
                                         </p:tgtEl>
@@ -13474,7 +13536,7 @@
                                         <p:tgtEl>
                                           <p:spTgt spid="3">
                                             <p:txEl>
-                                              <p:pRg st="9" end="9"/>
+                                              <p:pRg st="10" end="10"/>
                                             </p:txEl>
                                           </p:spTgt>
                                         </p:tgtEl>
@@ -13492,7 +13554,7 @@
                                         <p:tgtEl>
                                           <p:spTgt spid="3">
                                             <p:txEl>
-                                              <p:pRg st="9" end="9"/>
+                                              <p:pRg st="10" end="10"/>
                                             </p:txEl>
                                           </p:spTgt>
                                         </p:tgtEl>
@@ -13519,7 +13581,7 @@
                                         <p:tgtEl>
                                           <p:spTgt spid="3">
                                             <p:txEl>
-                                              <p:pRg st="9" end="9"/>
+                                              <p:pRg st="10" end="10"/>
                                             </p:txEl>
                                           </p:spTgt>
                                         </p:tgtEl>
@@ -13546,7 +13608,7 @@
                                         <p:tgtEl>
                                           <p:spTgt spid="3">
                                             <p:txEl>
-                                              <p:pRg st="9" end="9"/>
+                                              <p:pRg st="10" end="10"/>
                                             </p:txEl>
                                           </p:spTgt>
                                         </p:tgtEl>
@@ -14599,7 +14661,15 @@
             </a:r>
             <a:r>
               <a:rPr lang="en-US" sz="2000" dirty="0"/>
-              <a:t>continuously receives signals from these inputs and then performs a little bit </a:t>
+              <a:t>continuously receives signals from these inputs and </a:t>
+            </a:r>
+            <a:r>
+              <a:rPr lang="en-US" sz="2000" dirty="0" smtClean="0"/>
+              <a:t>chooses what to transmit using a little </a:t>
+            </a:r>
+            <a:r>
+              <a:rPr lang="en-US" sz="2000" dirty="0"/>
+              <a:t>bit </a:t>
             </a:r>
             <a:r>
               <a:rPr lang="en-US" sz="2000" dirty="0" smtClean="0"/>
@@ -14623,7 +14693,11 @@
           <a:p>
             <a:r>
               <a:rPr lang="en-US" sz="2000" dirty="0" smtClean="0"/>
-              <a:t>For our purposes, we can simplified this action as a sum of those inputs values, each one multiplied by an "importance factor", called </a:t>
+              <a:t>For our purposes, we can simplified this </a:t>
+            </a:r>
+            <a:r>
+              <a:rPr lang="en-US" sz="2000" dirty="0" smtClean="0"/>
+              <a:t>action in a way such that an "importance factor" called </a:t>
             </a:r>
             <a:r>
               <a:rPr lang="en-US" sz="2000" i="1" dirty="0" smtClean="0"/>
@@ -14631,25 +14705,21 @@
             </a:r>
             <a:r>
               <a:rPr lang="en-US" sz="2000" dirty="0" smtClean="0"/>
-              <a:t>. Then, if this sum is greater than a </a:t>
+              <a:t> is assigned to each input. The neuron will tra</a:t>
+            </a:r>
+            <a:r>
+              <a:rPr lang="en-US" sz="2000" dirty="0" smtClean="0"/>
+              <a:t>nsmit a single value that belongs to </a:t>
             </a:r>
             <a:r>
               <a:rPr lang="en-US" sz="2000" b="1" dirty="0" smtClean="0"/>
-              <a:t>threshold</a:t>
+              <a:t>most important received inputs</a:t>
             </a:r>
             <a:r>
               <a:rPr lang="en-US" sz="2000" dirty="0" smtClean="0"/>
-              <a:t>, the neuron fires an “</a:t>
-            </a:r>
-            <a:r>
-              <a:rPr lang="en-US" sz="2000" dirty="0" err="1" smtClean="0"/>
-              <a:t>affermative</a:t>
-            </a:r>
-            <a:r>
-              <a:rPr lang="en-US" sz="2000" dirty="0" smtClean="0"/>
-              <a:t>” response. </a:t>
-            </a:r>
-            <a:endParaRPr lang="it-IT" sz="2000" dirty="0" smtClean="0"/>
+              <a:t>.</a:t>
+            </a:r>
+            <a:endParaRPr lang="it-IT" sz="1600" dirty="0" smtClean="0"/>
           </a:p>
         </p:txBody>
       </p:sp>
@@ -14676,7 +14746,7 @@
         </p:blipFill>
         <p:spPr bwMode="auto">
           <a:xfrm>
-            <a:off x="2411760" y="3717032"/>
+            <a:off x="2411760" y="3789040"/>
             <a:ext cx="4242594" cy="2668560"/>
           </a:xfrm>
           <a:prstGeom prst="rect">
@@ -15359,7 +15429,6 @@
               <a:rPr lang="it-IT" dirty="0" smtClean="0"/>
               <a:t>:</a:t>
             </a:r>
-            <a:endParaRPr lang="it-IT" dirty="0" smtClean="0"/>
           </a:p>
           <a:p>
             <a:endParaRPr lang="it-IT" dirty="0"/>
@@ -15418,11 +15487,7 @@
             </a:r>
             <a:r>
               <a:rPr lang="it-IT" i="1" dirty="0" smtClean="0"/>
-              <a:t>... </a:t>
-            </a:r>
-            <a:r>
-              <a:rPr lang="it-IT" i="1" dirty="0" smtClean="0"/>
-              <a:t>+ </a:t>
+              <a:t>... + </a:t>
             </a:r>
             <a:r>
               <a:rPr lang="it-IT" i="1" dirty="0" err="1" smtClean="0"/>
@@ -15530,13 +15595,10 @@
               <a:t> </a:t>
             </a:r>
             <a:r>
-              <a:rPr lang="it-IT" dirty="0"/>
-              <a:t>input for 1 ≤ i ≤ </a:t>
-            </a:r>
-            <a:r>
-              <a:rPr lang="it-IT" dirty="0" smtClean="0"/>
-              <a:t>n</a:t>
-            </a:r>
+              <a:rPr lang="it-IT" dirty="0" smtClean="0"/>
+              <a:t>input</a:t>
+            </a:r>
+            <a:endParaRPr lang="it-IT" dirty="0" smtClean="0"/>
           </a:p>
           <a:p>
             <a:pPr lvl="1"/>
@@ -15881,7 +15943,11 @@
             </a:r>
             <a:r>
               <a:rPr lang="it-IT" i="1" dirty="0" smtClean="0"/>
-              <a:t>+ (-1)t </a:t>
+              <a:t>+ </a:t>
+            </a:r>
+            <a:r>
+              <a:rPr lang="it-IT" b="1" i="1" dirty="0" smtClean="0"/>
+              <a:t>(-1)t </a:t>
             </a:r>
             <a:r>
               <a:rPr lang="it-IT" i="1" dirty="0"/>

--- a/presentation.pptx
+++ b/presentation.pptx
@@ -13092,39 +13092,7 @@
                   <a:srgbClr val="00B050"/>
                 </a:solidFill>
               </a:rPr>
-              <a:t>(5 </a:t>
-            </a:r>
-            <a:r>
-              <a:rPr lang="it-IT" sz="3200" b="1" dirty="0" smtClean="0">
-                <a:solidFill>
-                  <a:srgbClr val="00B050"/>
-                </a:solidFill>
-              </a:rPr>
-              <a:t>x </a:t>
-            </a:r>
-            <a:r>
-              <a:rPr lang="it-IT" sz="3200" b="1" dirty="0" smtClean="0">
-                <a:solidFill>
-                  <a:srgbClr val="00B050"/>
-                </a:solidFill>
-              </a:rPr>
-              <a:t>24) + (24 </a:t>
-            </a:r>
-            <a:r>
-              <a:rPr lang="it-IT" sz="3200" b="1" dirty="0" smtClean="0">
-                <a:solidFill>
-                  <a:srgbClr val="00B050"/>
-                </a:solidFill>
-              </a:rPr>
-              <a:t>x </a:t>
-            </a:r>
-            <a:r>
-              <a:rPr lang="it-IT" sz="3200" b="1" dirty="0" smtClean="0">
-                <a:solidFill>
-                  <a:srgbClr val="00B050"/>
-                </a:solidFill>
-              </a:rPr>
-              <a:t>2) + 24 + 2 = 194!</a:t>
+              <a:t>(5 x 24) + (24 x 2) + 24 + 2 = 194!</a:t>
             </a:r>
             <a:endParaRPr lang="it-IT" sz="3200" b="1" dirty="0">
               <a:solidFill>
@@ -13822,12 +13790,16 @@
               <a:rPr lang="it-IT" dirty="0" smtClean="0"/>
             </a:br>
             <a:r>
-              <a:rPr lang="it-IT" dirty="0" err="1" smtClean="0"/>
-              <a:t>Fell</a:t>
-            </a:r>
-            <a:r>
-              <a:rPr lang="it-IT" dirty="0" smtClean="0"/>
-              <a:t> free to test and </a:t>
+              <a:rPr lang="it-IT" smtClean="0"/>
+              <a:t>Feel</a:t>
+            </a:r>
+            <a:r>
+              <a:rPr lang="it-IT" dirty="0" smtClean="0"/>
+              <a:t> </a:t>
+            </a:r>
+            <a:r>
+              <a:rPr lang="it-IT" dirty="0" smtClean="0"/>
+              <a:t>free to test and </a:t>
             </a:r>
             <a:r>
               <a:rPr lang="it-IT" dirty="0" err="1" smtClean="0"/>
@@ -14693,11 +14665,7 @@
           <a:p>
             <a:r>
               <a:rPr lang="en-US" sz="2000" dirty="0" smtClean="0"/>
-              <a:t>For our purposes, we can simplified this </a:t>
-            </a:r>
-            <a:r>
-              <a:rPr lang="en-US" sz="2000" dirty="0" smtClean="0"/>
-              <a:t>action in a way such that an "importance factor" called </a:t>
+              <a:t>For our purposes, we can simplified this action in a way such that an "importance factor" called </a:t>
             </a:r>
             <a:r>
               <a:rPr lang="en-US" sz="2000" i="1" dirty="0" smtClean="0"/>
@@ -14705,11 +14673,7 @@
             </a:r>
             <a:r>
               <a:rPr lang="en-US" sz="2000" dirty="0" smtClean="0"/>
-              <a:t> is assigned to each input. The neuron will tra</a:t>
-            </a:r>
-            <a:r>
-              <a:rPr lang="en-US" sz="2000" dirty="0" smtClean="0"/>
-              <a:t>nsmit a single value that belongs to </a:t>
+              <a:t> is assigned to each input. The neuron will transmit a single value that belongs to </a:t>
             </a:r>
             <a:r>
               <a:rPr lang="en-US" sz="2000" b="1" dirty="0" smtClean="0"/>
@@ -15592,13 +15556,8 @@
             </a:r>
             <a:r>
               <a:rPr lang="it-IT" dirty="0" smtClean="0"/>
-              <a:t> </a:t>
-            </a:r>
-            <a:r>
-              <a:rPr lang="it-IT" dirty="0" smtClean="0"/>
-              <a:t>input</a:t>
-            </a:r>
-            <a:endParaRPr lang="it-IT" dirty="0" smtClean="0"/>
+              <a:t> input</a:t>
+            </a:r>
           </a:p>
           <a:p>
             <a:pPr lvl="1"/>

--- a/presentation.pptx
+++ b/presentation.pptx
@@ -5,7 +5,7 @@
     <p:sldMasterId id="2147483660" r:id="rId1"/>
   </p:sldMasterIdLst>
   <p:notesMasterIdLst>
-    <p:notesMasterId r:id="rId31"/>
+    <p:notesMasterId r:id="rId32"/>
   </p:notesMasterIdLst>
   <p:sldIdLst>
     <p:sldId id="256" r:id="rId2"/>
@@ -26,17 +26,18 @@
     <p:sldId id="272" r:id="rId17"/>
     <p:sldId id="273" r:id="rId18"/>
     <p:sldId id="274" r:id="rId19"/>
-    <p:sldId id="275" r:id="rId20"/>
-    <p:sldId id="276" r:id="rId21"/>
-    <p:sldId id="277" r:id="rId22"/>
-    <p:sldId id="278" r:id="rId23"/>
-    <p:sldId id="283" r:id="rId24"/>
-    <p:sldId id="282" r:id="rId25"/>
-    <p:sldId id="279" r:id="rId26"/>
-    <p:sldId id="280" r:id="rId27"/>
-    <p:sldId id="281" r:id="rId28"/>
-    <p:sldId id="285" r:id="rId29"/>
-    <p:sldId id="284" r:id="rId30"/>
+    <p:sldId id="286" r:id="rId20"/>
+    <p:sldId id="275" r:id="rId21"/>
+    <p:sldId id="276" r:id="rId22"/>
+    <p:sldId id="277" r:id="rId23"/>
+    <p:sldId id="278" r:id="rId24"/>
+    <p:sldId id="283" r:id="rId25"/>
+    <p:sldId id="282" r:id="rId26"/>
+    <p:sldId id="279" r:id="rId27"/>
+    <p:sldId id="280" r:id="rId28"/>
+    <p:sldId id="281" r:id="rId29"/>
+    <p:sldId id="285" r:id="rId30"/>
+    <p:sldId id="284" r:id="rId31"/>
   </p:sldIdLst>
   <p:sldSz cx="9144000" cy="6858000" type="screen4x3"/>
   <p:notesSz cx="6858000" cy="9144000"/>
@@ -220,7 +221,7 @@
           <a:p>
             <a:fld id="{439984CF-8456-4B48-B076-D98EB683EED0}" type="datetimeFigureOut">
               <a:rPr lang="it-IT" smtClean="0"/>
-              <a:t>27/11/2012</a:t>
+              <a:t>30/11/2012</a:t>
             </a:fld>
             <a:endParaRPr lang="it-IT"/>
           </a:p>
@@ -844,7 +845,7 @@
           <a:p>
             <a:fld id="{BF936EAF-A2C7-4229-B0E9-A642D04707BE}" type="datetimeFigureOut">
               <a:rPr lang="it-IT" smtClean="0"/>
-              <a:t>27/11/2012</a:t>
+              <a:t>30/11/2012</a:t>
             </a:fld>
             <a:endParaRPr lang="it-IT"/>
           </a:p>
@@ -1044,7 +1045,7 @@
           <a:p>
             <a:fld id="{BF936EAF-A2C7-4229-B0E9-A642D04707BE}" type="datetimeFigureOut">
               <a:rPr lang="it-IT" smtClean="0"/>
-              <a:t>27/11/2012</a:t>
+              <a:t>30/11/2012</a:t>
             </a:fld>
             <a:endParaRPr lang="it-IT"/>
           </a:p>
@@ -1219,7 +1220,7 @@
           <a:p>
             <a:fld id="{BF936EAF-A2C7-4229-B0E9-A642D04707BE}" type="datetimeFigureOut">
               <a:rPr lang="it-IT" smtClean="0"/>
-              <a:t>27/11/2012</a:t>
+              <a:t>30/11/2012</a:t>
             </a:fld>
             <a:endParaRPr lang="it-IT"/>
           </a:p>
@@ -1384,7 +1385,7 @@
           <a:p>
             <a:fld id="{BF936EAF-A2C7-4229-B0E9-A642D04707BE}" type="datetimeFigureOut">
               <a:rPr lang="it-IT" smtClean="0"/>
-              <a:t>27/11/2012</a:t>
+              <a:t>30/11/2012</a:t>
             </a:fld>
             <a:endParaRPr lang="it-IT"/>
           </a:p>
@@ -1632,7 +1633,7 @@
           <a:p>
             <a:fld id="{BF936EAF-A2C7-4229-B0E9-A642D04707BE}" type="datetimeFigureOut">
               <a:rPr lang="it-IT" smtClean="0"/>
-              <a:t>27/11/2012</a:t>
+              <a:t>30/11/2012</a:t>
             </a:fld>
             <a:endParaRPr lang="it-IT"/>
           </a:p>
@@ -1950,7 +1951,7 @@
           <a:p>
             <a:fld id="{BF936EAF-A2C7-4229-B0E9-A642D04707BE}" type="datetimeFigureOut">
               <a:rPr lang="it-IT" smtClean="0"/>
-              <a:t>27/11/2012</a:t>
+              <a:t>30/11/2012</a:t>
             </a:fld>
             <a:endParaRPr lang="it-IT"/>
           </a:p>
@@ -2416,7 +2417,7 @@
           <a:p>
             <a:fld id="{BF936EAF-A2C7-4229-B0E9-A642D04707BE}" type="datetimeFigureOut">
               <a:rPr lang="it-IT" smtClean="0"/>
-              <a:t>27/11/2012</a:t>
+              <a:t>30/11/2012</a:t>
             </a:fld>
             <a:endParaRPr lang="it-IT"/>
           </a:p>
@@ -2564,7 +2565,7 @@
           <a:p>
             <a:fld id="{BF936EAF-A2C7-4229-B0E9-A642D04707BE}" type="datetimeFigureOut">
               <a:rPr lang="it-IT" smtClean="0"/>
-              <a:t>27/11/2012</a:t>
+              <a:t>30/11/2012</a:t>
             </a:fld>
             <a:endParaRPr lang="it-IT"/>
           </a:p>
@@ -2654,7 +2655,7 @@
           <a:p>
             <a:fld id="{BF936EAF-A2C7-4229-B0E9-A642D04707BE}" type="datetimeFigureOut">
               <a:rPr lang="it-IT" smtClean="0"/>
-              <a:t>27/11/2012</a:t>
+              <a:t>30/11/2012</a:t>
             </a:fld>
             <a:endParaRPr lang="it-IT"/>
           </a:p>
@@ -2928,7 +2929,7 @@
           <a:p>
             <a:fld id="{BF936EAF-A2C7-4229-B0E9-A642D04707BE}" type="datetimeFigureOut">
               <a:rPr lang="it-IT" smtClean="0"/>
-              <a:t>27/11/2012</a:t>
+              <a:t>30/11/2012</a:t>
             </a:fld>
             <a:endParaRPr lang="it-IT"/>
           </a:p>
@@ -3233,7 +3234,7 @@
           <a:p>
             <a:fld id="{BF936EAF-A2C7-4229-B0E9-A642D04707BE}" type="datetimeFigureOut">
               <a:rPr lang="it-IT" smtClean="0"/>
-              <a:t>27/11/2012</a:t>
+              <a:t>30/11/2012</a:t>
             </a:fld>
             <a:endParaRPr lang="it-IT"/>
           </a:p>
@@ -3531,7 +3532,7 @@
           <a:p>
             <a:fld id="{BF936EAF-A2C7-4229-B0E9-A642D04707BE}" type="datetimeFigureOut">
               <a:rPr lang="it-IT" smtClean="0"/>
-              <a:t>27/11/2012</a:t>
+              <a:t>30/11/2012</a:t>
             </a:fld>
             <a:endParaRPr lang="it-IT"/>
           </a:p>
@@ -9741,12 +9742,16 @@
           <a:lstStyle/>
           <a:p>
             <a:r>
-              <a:rPr lang="it-IT" dirty="0" smtClean="0"/>
-              <a:t>The fitness </a:t>
-            </a:r>
-            <a:r>
-              <a:rPr lang="it-IT" dirty="0" err="1" smtClean="0"/>
-              <a:t>value</a:t>
+              <a:rPr lang="it-IT" dirty="0" err="1"/>
+              <a:t>Genetic</a:t>
+            </a:r>
+            <a:r>
+              <a:rPr lang="it-IT" dirty="0"/>
+              <a:t> </a:t>
+            </a:r>
+            <a:r>
+              <a:rPr lang="it-IT" dirty="0" err="1"/>
+              <a:t>algorithms</a:t>
             </a:r>
             <a:endParaRPr lang="it-IT" dirty="0"/>
           </a:p>
@@ -9754,210 +9759,1141 @@
       </p:sp>
       <p:sp>
         <p:nvSpPr>
-          <p:cNvPr id="3" name="Segnaposto contenuto 2"/>
-          <p:cNvSpPr>
-            <a:spLocks noGrp="1"/>
-          </p:cNvSpPr>
-          <p:nvPr>
-            <p:ph idx="1"/>
-          </p:nvPr>
+          <p:cNvPr id="4" name="Ovale 3"/>
+          <p:cNvSpPr/>
+          <p:nvPr/>
         </p:nvSpPr>
-        <p:spPr/>
+        <p:spPr>
+          <a:xfrm>
+            <a:off x="1691680" y="2005721"/>
+            <a:ext cx="4608512" cy="3493135"/>
+          </a:xfrm>
+          <a:prstGeom prst="ellipse">
+            <a:avLst/>
+          </a:prstGeom>
+          <a:solidFill>
+            <a:schemeClr val="bg1">
+              <a:lumMod val="95000"/>
+            </a:schemeClr>
+          </a:solidFill>
+        </p:spPr>
+        <p:style>
+          <a:lnRef idx="2">
+            <a:schemeClr val="accent1">
+              <a:shade val="50000"/>
+            </a:schemeClr>
+          </a:lnRef>
+          <a:fillRef idx="1">
+            <a:schemeClr val="accent1"/>
+          </a:fillRef>
+          <a:effectRef idx="0">
+            <a:schemeClr val="accent1"/>
+          </a:effectRef>
+          <a:fontRef idx="minor">
+            <a:schemeClr val="lt1"/>
+          </a:fontRef>
+        </p:style>
         <p:txBody>
-          <a:bodyPr>
-            <a:normAutofit lnSpcReduction="10000"/>
+          <a:bodyPr rtlCol="0" anchor="ctr"/>
+          <a:lstStyle/>
+          <a:p>
+            <a:pPr algn="ctr"/>
+            <a:endParaRPr lang="it-IT"/>
+          </a:p>
+        </p:txBody>
+      </p:sp>
+      <p:sp>
+        <p:nvSpPr>
+          <p:cNvPr id="12" name="CasellaDiTesto 11"/>
+          <p:cNvSpPr txBox="1"/>
+          <p:nvPr/>
+        </p:nvSpPr>
+        <p:spPr>
+          <a:xfrm>
+            <a:off x="2559267" y="2851726"/>
+            <a:ext cx="803653" cy="369332"/>
+          </a:xfrm>
+          <a:prstGeom prst="rect">
+            <a:avLst/>
+          </a:prstGeom>
+          <a:solidFill>
+            <a:schemeClr val="bg1"/>
+          </a:solidFill>
+          <a:ln w="44450" cap="rnd">
+            <a:solidFill>
+              <a:srgbClr val="92D050"/>
+            </a:solidFill>
+            <a:prstDash val="solid"/>
+          </a:ln>
+        </p:spPr>
+        <p:txBody>
+          <a:bodyPr wrap="square" rtlCol="0">
+            <a:spAutoFit/>
           </a:bodyPr>
           <a:lstStyle/>
           <a:p>
-            <a:r>
-              <a:rPr lang="it-IT" dirty="0" err="1" smtClean="0"/>
-              <a:t>We</a:t>
-            </a:r>
-            <a:r>
-              <a:rPr lang="it-IT" dirty="0" smtClean="0"/>
-              <a:t> </a:t>
-            </a:r>
-            <a:r>
-              <a:rPr lang="it-IT" dirty="0" err="1" smtClean="0"/>
-              <a:t>talked</a:t>
-            </a:r>
-            <a:r>
-              <a:rPr lang="it-IT" dirty="0" smtClean="0"/>
-              <a:t> </a:t>
-            </a:r>
-            <a:r>
-              <a:rPr lang="it-IT" dirty="0" err="1" smtClean="0"/>
-              <a:t>about</a:t>
-            </a:r>
-            <a:r>
-              <a:rPr lang="it-IT" dirty="0" smtClean="0"/>
-              <a:t> a score </a:t>
-            </a:r>
-            <a:r>
-              <a:rPr lang="it-IT" dirty="0" err="1" smtClean="0"/>
-              <a:t>gived</a:t>
-            </a:r>
-            <a:r>
-              <a:rPr lang="it-IT" dirty="0" smtClean="0"/>
-              <a:t> to </a:t>
-            </a:r>
-            <a:r>
-              <a:rPr lang="it-IT" dirty="0" err="1" smtClean="0"/>
-              <a:t>each</a:t>
-            </a:r>
-            <a:r>
-              <a:rPr lang="it-IT" dirty="0" smtClean="0"/>
-              <a:t> </a:t>
-            </a:r>
-            <a:r>
-              <a:rPr lang="it-IT" dirty="0" err="1" smtClean="0"/>
-              <a:t>chromosome</a:t>
-            </a:r>
-            <a:r>
-              <a:rPr lang="it-IT" dirty="0" smtClean="0"/>
-              <a:t>. A </a:t>
-            </a:r>
-            <a:r>
-              <a:rPr lang="it-IT" dirty="0" err="1" smtClean="0"/>
-              <a:t>better</a:t>
-            </a:r>
-            <a:r>
-              <a:rPr lang="it-IT" dirty="0" smtClean="0"/>
-              <a:t> </a:t>
-            </a:r>
-            <a:r>
-              <a:rPr lang="it-IT" dirty="0" err="1" smtClean="0"/>
-              <a:t>known</a:t>
-            </a:r>
-            <a:r>
-              <a:rPr lang="it-IT" dirty="0" smtClean="0"/>
-              <a:t> </a:t>
-            </a:r>
-            <a:r>
-              <a:rPr lang="it-IT" dirty="0" err="1" smtClean="0"/>
-              <a:t>name</a:t>
-            </a:r>
-            <a:r>
-              <a:rPr lang="it-IT" dirty="0" smtClean="0"/>
-              <a:t> for </a:t>
-            </a:r>
-            <a:r>
-              <a:rPr lang="it-IT" dirty="0" err="1" smtClean="0"/>
-              <a:t>this</a:t>
-            </a:r>
-            <a:r>
-              <a:rPr lang="it-IT" dirty="0" smtClean="0"/>
-              <a:t> </a:t>
-            </a:r>
-            <a:r>
-              <a:rPr lang="it-IT" dirty="0" err="1" smtClean="0"/>
-              <a:t>number</a:t>
-            </a:r>
-            <a:r>
-              <a:rPr lang="it-IT" dirty="0" smtClean="0"/>
-              <a:t> </a:t>
-            </a:r>
-            <a:r>
-              <a:rPr lang="it-IT" dirty="0" err="1" smtClean="0"/>
-              <a:t>is</a:t>
-            </a:r>
-            <a:r>
-              <a:rPr lang="it-IT" dirty="0" smtClean="0"/>
-              <a:t> </a:t>
-            </a:r>
-            <a:r>
-              <a:rPr lang="it-IT" i="1" dirty="0" smtClean="0"/>
-              <a:t>fitness</a:t>
-            </a:r>
-            <a:r>
-              <a:rPr lang="it-IT" dirty="0" smtClean="0"/>
-              <a:t>.</a:t>
-            </a:r>
-          </a:p>
-          <a:p>
-            <a:endParaRPr lang="it-IT" i="1" dirty="0"/>
-          </a:p>
-          <a:p>
-            <a:r>
-              <a:rPr lang="en-US" dirty="0"/>
-              <a:t>In each generation, the fitness of every individual in the population is </a:t>
-            </a:r>
-            <a:r>
-              <a:rPr lang="en-US" dirty="0" smtClean="0"/>
-              <a:t>evaluated. Then, </a:t>
-            </a:r>
-            <a:r>
-              <a:rPr lang="en-US" b="1" dirty="0" smtClean="0"/>
-              <a:t>multiple </a:t>
-            </a:r>
-            <a:r>
-              <a:rPr lang="en-US" b="1" dirty="0"/>
-              <a:t>individuals are </a:t>
-            </a:r>
-            <a:r>
-              <a:rPr lang="en-US" b="1" dirty="0" smtClean="0">
-                <a:solidFill>
-                  <a:srgbClr val="C00000"/>
-                </a:solidFill>
-              </a:rPr>
-              <a:t>selected, recombined and mutated </a:t>
-            </a:r>
-            <a:r>
-              <a:rPr lang="en-US" dirty="0" smtClean="0"/>
-              <a:t>to </a:t>
-            </a:r>
-            <a:r>
-              <a:rPr lang="en-US" dirty="0"/>
-              <a:t>form </a:t>
-            </a:r>
-            <a:r>
-              <a:rPr lang="en-US" b="1" dirty="0"/>
-              <a:t>a new population</a:t>
-            </a:r>
-            <a:r>
-              <a:rPr lang="en-US" dirty="0"/>
-              <a:t>. </a:t>
-            </a:r>
-            <a:r>
-              <a:rPr lang="en-US" dirty="0" smtClean="0"/>
-              <a:t/>
-            </a:r>
-            <a:br>
-              <a:rPr lang="en-US" dirty="0" smtClean="0"/>
-            </a:br>
-            <a:endParaRPr lang="en-US" dirty="0" smtClean="0"/>
-          </a:p>
-          <a:p>
-            <a:r>
-              <a:rPr lang="en-US" dirty="0" smtClean="0"/>
-              <a:t>The </a:t>
-            </a:r>
-            <a:r>
-              <a:rPr lang="en-US" dirty="0"/>
-              <a:t>new population is then used in the next iteration of the algorithm. Commonly, the algorithm terminates when either a maximum number of generations has been produced, or a </a:t>
-            </a:r>
-            <a:r>
-              <a:rPr lang="en-US" b="1" dirty="0"/>
-              <a:t>satisfactory fitness level has been </a:t>
-            </a:r>
-            <a:r>
-              <a:rPr lang="en-US" b="1" dirty="0" smtClean="0"/>
-              <a:t>reached.</a:t>
-            </a:r>
-            <a:endParaRPr lang="it-IT" b="1" dirty="0" smtClean="0"/>
+            <a:pPr algn="ctr"/>
+            <a:r>
+              <a:rPr lang="it-IT" dirty="0"/>
+              <a:t>3</a:t>
+            </a:r>
+            <a:endParaRPr lang="it-IT" dirty="0"/>
           </a:p>
         </p:txBody>
       </p:sp>
+      <p:sp>
+        <p:nvSpPr>
+          <p:cNvPr id="19" name="CasellaDiTesto 18"/>
+          <p:cNvSpPr txBox="1"/>
+          <p:nvPr/>
+        </p:nvSpPr>
+        <p:spPr>
+          <a:xfrm>
+            <a:off x="4047714" y="2568355"/>
+            <a:ext cx="803653" cy="369332"/>
+          </a:xfrm>
+          <a:prstGeom prst="rect">
+            <a:avLst/>
+          </a:prstGeom>
+          <a:solidFill>
+            <a:schemeClr val="bg1"/>
+          </a:solidFill>
+          <a:ln w="44450" cap="rnd">
+            <a:solidFill>
+              <a:srgbClr val="92D050"/>
+            </a:solidFill>
+            <a:prstDash val="solid"/>
+          </a:ln>
+        </p:spPr>
+        <p:txBody>
+          <a:bodyPr wrap="square" rtlCol="0">
+            <a:spAutoFit/>
+          </a:bodyPr>
+          <a:lstStyle>
+            <a:defPPr>
+              <a:defRPr lang="it-IT"/>
+            </a:defPPr>
+            <a:lvl1pPr algn="ctr"/>
+          </a:lstStyle>
+          <a:p>
+            <a:r>
+              <a:rPr lang="it-IT" dirty="0"/>
+              <a:t>1</a:t>
+            </a:r>
+            <a:endParaRPr lang="it-IT" dirty="0"/>
+          </a:p>
+        </p:txBody>
+      </p:sp>
+      <p:sp>
+        <p:nvSpPr>
+          <p:cNvPr id="20" name="CasellaDiTesto 19"/>
+          <p:cNvSpPr txBox="1"/>
+          <p:nvPr/>
+        </p:nvSpPr>
+        <p:spPr>
+          <a:xfrm>
+            <a:off x="2242381" y="4089529"/>
+            <a:ext cx="803653" cy="369332"/>
+          </a:xfrm>
+          <a:prstGeom prst="rect">
+            <a:avLst/>
+          </a:prstGeom>
+          <a:solidFill>
+            <a:schemeClr val="bg1"/>
+          </a:solidFill>
+          <a:ln w="44450" cap="rnd">
+            <a:solidFill>
+              <a:srgbClr val="00B050"/>
+            </a:solidFill>
+            <a:prstDash val="solid"/>
+          </a:ln>
+        </p:spPr>
+        <p:txBody>
+          <a:bodyPr wrap="square" rtlCol="0">
+            <a:spAutoFit/>
+          </a:bodyPr>
+          <a:lstStyle>
+            <a:defPPr>
+              <a:defRPr lang="it-IT"/>
+            </a:defPPr>
+            <a:lvl1pPr algn="ctr"/>
+          </a:lstStyle>
+          <a:p>
+            <a:r>
+              <a:rPr lang="it-IT" dirty="0"/>
+              <a:t>6</a:t>
+            </a:r>
+          </a:p>
+        </p:txBody>
+      </p:sp>
+      <p:sp>
+        <p:nvSpPr>
+          <p:cNvPr id="21" name="CasellaDiTesto 20"/>
+          <p:cNvSpPr txBox="1"/>
+          <p:nvPr/>
+        </p:nvSpPr>
+        <p:spPr>
+          <a:xfrm>
+            <a:off x="3594110" y="3468169"/>
+            <a:ext cx="803653" cy="369332"/>
+          </a:xfrm>
+          <a:prstGeom prst="rect">
+            <a:avLst/>
+          </a:prstGeom>
+          <a:solidFill>
+            <a:schemeClr val="bg1"/>
+          </a:solidFill>
+          <a:ln w="44450" cap="rnd">
+            <a:solidFill>
+              <a:schemeClr val="accent3">
+                <a:lumMod val="75000"/>
+              </a:schemeClr>
+            </a:solidFill>
+            <a:prstDash val="solid"/>
+          </a:ln>
+        </p:spPr>
+        <p:txBody>
+          <a:bodyPr wrap="square" rtlCol="0">
+            <a:spAutoFit/>
+          </a:bodyPr>
+          <a:lstStyle>
+            <a:defPPr>
+              <a:defRPr lang="it-IT"/>
+            </a:defPPr>
+            <a:lvl1pPr algn="ctr"/>
+          </a:lstStyle>
+          <a:p>
+            <a:r>
+              <a:rPr lang="it-IT" dirty="0" smtClean="0"/>
+              <a:t>7</a:t>
+            </a:r>
+            <a:endParaRPr lang="it-IT" dirty="0"/>
+          </a:p>
+        </p:txBody>
+      </p:sp>
+      <p:sp>
+        <p:nvSpPr>
+          <p:cNvPr id="23" name="CasellaDiTesto 22"/>
+          <p:cNvSpPr txBox="1"/>
+          <p:nvPr/>
+        </p:nvSpPr>
+        <p:spPr>
+          <a:xfrm>
+            <a:off x="4904014" y="3224784"/>
+            <a:ext cx="803653" cy="369332"/>
+          </a:xfrm>
+          <a:prstGeom prst="rect">
+            <a:avLst/>
+          </a:prstGeom>
+          <a:solidFill>
+            <a:schemeClr val="bg1"/>
+          </a:solidFill>
+          <a:ln w="44450" cap="rnd">
+            <a:solidFill>
+              <a:srgbClr val="00B050"/>
+            </a:solidFill>
+            <a:prstDash val="solid"/>
+          </a:ln>
+        </p:spPr>
+        <p:txBody>
+          <a:bodyPr wrap="square" rtlCol="0">
+            <a:spAutoFit/>
+          </a:bodyPr>
+          <a:lstStyle>
+            <a:defPPr>
+              <a:defRPr lang="it-IT"/>
+            </a:defPPr>
+            <a:lvl1pPr algn="ctr"/>
+          </a:lstStyle>
+          <a:p>
+            <a:r>
+              <a:rPr lang="it-IT" dirty="0"/>
+              <a:t>5</a:t>
+            </a:r>
+          </a:p>
+        </p:txBody>
+      </p:sp>
+      <p:sp>
+        <p:nvSpPr>
+          <p:cNvPr id="24" name="CasellaDiTesto 23"/>
+          <p:cNvSpPr txBox="1"/>
+          <p:nvPr/>
+        </p:nvSpPr>
+        <p:spPr>
+          <a:xfrm>
+            <a:off x="3512045" y="4324454"/>
+            <a:ext cx="803653" cy="369332"/>
+          </a:xfrm>
+          <a:prstGeom prst="rect">
+            <a:avLst/>
+          </a:prstGeom>
+          <a:solidFill>
+            <a:schemeClr val="bg1"/>
+          </a:solidFill>
+          <a:ln w="44450" cap="rnd">
+            <a:solidFill>
+              <a:srgbClr val="C00000"/>
+            </a:solidFill>
+            <a:prstDash val="solid"/>
+          </a:ln>
+        </p:spPr>
+        <p:txBody>
+          <a:bodyPr wrap="square" rtlCol="0">
+            <a:spAutoFit/>
+          </a:bodyPr>
+          <a:lstStyle>
+            <a:defPPr>
+              <a:defRPr lang="it-IT"/>
+            </a:defPPr>
+            <a:lvl1pPr algn="ctr"/>
+          </a:lstStyle>
+          <a:p>
+            <a:r>
+              <a:rPr lang="it-IT" dirty="0"/>
+              <a:t>2</a:t>
+            </a:r>
+            <a:endParaRPr lang="it-IT" dirty="0"/>
+          </a:p>
+        </p:txBody>
+      </p:sp>
+      <p:sp>
+        <p:nvSpPr>
+          <p:cNvPr id="25" name="CasellaDiTesto 24"/>
+          <p:cNvSpPr txBox="1"/>
+          <p:nvPr/>
+        </p:nvSpPr>
+        <p:spPr>
+          <a:xfrm>
+            <a:off x="707085" y="5801466"/>
+            <a:ext cx="3989793" cy="646331"/>
+          </a:xfrm>
+          <a:prstGeom prst="rect">
+            <a:avLst/>
+          </a:prstGeom>
+          <a:noFill/>
+        </p:spPr>
+        <p:txBody>
+          <a:bodyPr wrap="square" rtlCol="0">
+            <a:spAutoFit/>
+          </a:bodyPr>
+          <a:lstStyle/>
+          <a:p>
+            <a:r>
+              <a:rPr lang="it-IT" dirty="0" smtClean="0"/>
+              <a:t>The </a:t>
+            </a:r>
+            <a:r>
+              <a:rPr lang="it-IT" b="1" dirty="0" err="1" smtClean="0"/>
+              <a:t>next</a:t>
+            </a:r>
+            <a:r>
+              <a:rPr lang="it-IT" b="1" dirty="0" smtClean="0"/>
+              <a:t> generation </a:t>
+            </a:r>
+            <a:r>
+              <a:rPr lang="it-IT" dirty="0" err="1" smtClean="0"/>
+              <a:t>will</a:t>
+            </a:r>
+            <a:r>
+              <a:rPr lang="it-IT" dirty="0" smtClean="0"/>
+              <a:t> </a:t>
+            </a:r>
+            <a:r>
+              <a:rPr lang="it-IT" dirty="0" err="1" smtClean="0"/>
+              <a:t>contain</a:t>
+            </a:r>
+            <a:r>
+              <a:rPr lang="it-IT" dirty="0" smtClean="0"/>
+              <a:t> </a:t>
+            </a:r>
+            <a:r>
+              <a:rPr lang="it-IT" dirty="0" err="1" smtClean="0"/>
+              <a:t>better</a:t>
+            </a:r>
+            <a:r>
+              <a:rPr lang="it-IT" dirty="0" smtClean="0"/>
+              <a:t> </a:t>
+            </a:r>
+            <a:r>
+              <a:rPr lang="it-IT" dirty="0" err="1" smtClean="0"/>
+              <a:t>chromosomes</a:t>
+            </a:r>
+            <a:r>
+              <a:rPr lang="it-IT" dirty="0" smtClean="0"/>
+              <a:t>!</a:t>
+            </a:r>
+            <a:endParaRPr lang="it-IT" dirty="0"/>
+          </a:p>
+        </p:txBody>
+      </p:sp>
+      <p:pic>
+        <p:nvPicPr>
+          <p:cNvPr id="13" name="Picture 2" descr="http://upload.wikimedia.org/wikipedia/commons/thumb/e/e4/Artificial_neural_network.svg/350px-Artificial_neural_network.svg.png"/>
+          <p:cNvPicPr>
+            <a:picLocks noChangeAspect="1" noChangeArrowheads="1"/>
+          </p:cNvPicPr>
+          <p:nvPr/>
+        </p:nvPicPr>
+        <p:blipFill>
+          <a:blip r:embed="rId2">
+            <a:extLst>
+              <a:ext uri="{28A0092B-C50C-407E-A947-70E740481C1C}">
+                <a14:useLocalDpi xmlns:a14="http://schemas.microsoft.com/office/drawing/2010/main" val="0"/>
+              </a:ext>
+            </a:extLst>
+          </a:blip>
+          <a:srcRect/>
+          <a:stretch>
+            <a:fillRect/>
+          </a:stretch>
+        </p:blipFill>
+        <p:spPr bwMode="auto">
+          <a:xfrm>
+            <a:off x="6732240" y="1461956"/>
+            <a:ext cx="1833147" cy="1639357"/>
+          </a:xfrm>
+          <a:prstGeom prst="rect">
+            <a:avLst/>
+          </a:prstGeom>
+          <a:noFill/>
+          <a:extLst>
+            <a:ext uri="{909E8E84-426E-40DD-AFC4-6F175D3DCCD1}">
+              <a14:hiddenFill xmlns:a14="http://schemas.microsoft.com/office/drawing/2010/main">
+                <a:solidFill>
+                  <a:srgbClr val="FFFFFF"/>
+                </a:solidFill>
+              </a14:hiddenFill>
+            </a:ext>
+          </a:extLst>
+        </p:spPr>
+      </p:pic>
+      <p:grpSp>
+        <p:nvGrpSpPr>
+          <p:cNvPr id="8" name="Gruppo 7"/>
+          <p:cNvGrpSpPr/>
+          <p:nvPr/>
+        </p:nvGrpSpPr>
+        <p:grpSpPr>
+          <a:xfrm>
+            <a:off x="3110002" y="2468625"/>
+            <a:ext cx="515621" cy="504056"/>
+            <a:chOff x="3110002" y="2348880"/>
+            <a:chExt cx="515621" cy="504056"/>
+          </a:xfrm>
+        </p:grpSpPr>
+        <p:sp>
+          <p:nvSpPr>
+            <p:cNvPr id="5" name="Stella a 8 punte 4"/>
+            <p:cNvSpPr/>
+            <p:nvPr/>
+          </p:nvSpPr>
+          <p:spPr>
+            <a:xfrm>
+              <a:off x="3110002" y="2348880"/>
+              <a:ext cx="515621" cy="504056"/>
+            </a:xfrm>
+            <a:prstGeom prst="star8">
+              <a:avLst/>
+            </a:prstGeom>
+            <a:solidFill>
+              <a:schemeClr val="bg1">
+                <a:alpha val="73000"/>
+              </a:schemeClr>
+            </a:solidFill>
+          </p:spPr>
+          <p:style>
+            <a:lnRef idx="2">
+              <a:schemeClr val="accent1">
+                <a:shade val="50000"/>
+              </a:schemeClr>
+            </a:lnRef>
+            <a:fillRef idx="1">
+              <a:schemeClr val="accent1"/>
+            </a:fillRef>
+            <a:effectRef idx="0">
+              <a:schemeClr val="accent1"/>
+            </a:effectRef>
+            <a:fontRef idx="minor">
+              <a:schemeClr val="lt1"/>
+            </a:fontRef>
+          </p:style>
+          <p:txBody>
+            <a:bodyPr rtlCol="0" anchor="ctr"/>
+            <a:lstStyle/>
+            <a:p>
+              <a:pPr algn="ctr"/>
+              <a:endParaRPr lang="it-IT"/>
+            </a:p>
+          </p:txBody>
+        </p:sp>
+        <p:sp>
+          <p:nvSpPr>
+            <p:cNvPr id="6" name="CasellaDiTesto 5"/>
+            <p:cNvSpPr txBox="1"/>
+            <p:nvPr/>
+          </p:nvSpPr>
+          <p:spPr>
+            <a:xfrm>
+              <a:off x="3212455" y="2416242"/>
+              <a:ext cx="401827" cy="369332"/>
+            </a:xfrm>
+            <a:prstGeom prst="rect">
+              <a:avLst/>
+            </a:prstGeom>
+            <a:noFill/>
+          </p:spPr>
+          <p:txBody>
+            <a:bodyPr wrap="square" rtlCol="0">
+              <a:spAutoFit/>
+            </a:bodyPr>
+            <a:lstStyle/>
+            <a:p>
+              <a:r>
+                <a:rPr lang="it-IT" dirty="0" smtClean="0"/>
+                <a:t>8</a:t>
+              </a:r>
+              <a:endParaRPr lang="it-IT" dirty="0"/>
+            </a:p>
+          </p:txBody>
+        </p:sp>
+      </p:grpSp>
+      <p:grpSp>
+        <p:nvGrpSpPr>
+          <p:cNvPr id="26" name="Gruppo 25"/>
+          <p:cNvGrpSpPr/>
+          <p:nvPr/>
+        </p:nvGrpSpPr>
+        <p:grpSpPr>
+          <a:xfrm>
+            <a:off x="4129213" y="3143651"/>
+            <a:ext cx="515621" cy="504056"/>
+            <a:chOff x="3110002" y="2348880"/>
+            <a:chExt cx="515621" cy="504056"/>
+          </a:xfrm>
+        </p:grpSpPr>
+        <p:sp>
+          <p:nvSpPr>
+            <p:cNvPr id="27" name="Stella a 8 punte 26"/>
+            <p:cNvSpPr/>
+            <p:nvPr/>
+          </p:nvSpPr>
+          <p:spPr>
+            <a:xfrm>
+              <a:off x="3110002" y="2348880"/>
+              <a:ext cx="515621" cy="504056"/>
+            </a:xfrm>
+            <a:prstGeom prst="star8">
+              <a:avLst/>
+            </a:prstGeom>
+            <a:solidFill>
+              <a:schemeClr val="bg1">
+                <a:alpha val="73000"/>
+              </a:schemeClr>
+            </a:solidFill>
+          </p:spPr>
+          <p:style>
+            <a:lnRef idx="2">
+              <a:schemeClr val="accent1">
+                <a:shade val="50000"/>
+              </a:schemeClr>
+            </a:lnRef>
+            <a:fillRef idx="1">
+              <a:schemeClr val="accent1"/>
+            </a:fillRef>
+            <a:effectRef idx="0">
+              <a:schemeClr val="accent1"/>
+            </a:effectRef>
+            <a:fontRef idx="minor">
+              <a:schemeClr val="lt1"/>
+            </a:fontRef>
+          </p:style>
+          <p:txBody>
+            <a:bodyPr rtlCol="0" anchor="ctr"/>
+            <a:lstStyle/>
+            <a:p>
+              <a:pPr algn="ctr"/>
+              <a:endParaRPr lang="it-IT"/>
+            </a:p>
+          </p:txBody>
+        </p:sp>
+        <p:sp>
+          <p:nvSpPr>
+            <p:cNvPr id="28" name="CasellaDiTesto 27"/>
+            <p:cNvSpPr txBox="1"/>
+            <p:nvPr/>
+          </p:nvSpPr>
+          <p:spPr>
+            <a:xfrm>
+              <a:off x="3212455" y="2416242"/>
+              <a:ext cx="401827" cy="369332"/>
+            </a:xfrm>
+            <a:prstGeom prst="rect">
+              <a:avLst/>
+            </a:prstGeom>
+            <a:noFill/>
+          </p:spPr>
+          <p:txBody>
+            <a:bodyPr wrap="square" rtlCol="0">
+              <a:spAutoFit/>
+            </a:bodyPr>
+            <a:lstStyle/>
+            <a:p>
+              <a:r>
+                <a:rPr lang="it-IT" dirty="0"/>
+                <a:t>6</a:t>
+              </a:r>
+              <a:endParaRPr lang="it-IT" dirty="0"/>
+            </a:p>
+          </p:txBody>
+        </p:sp>
+      </p:grpSp>
+      <p:grpSp>
+        <p:nvGrpSpPr>
+          <p:cNvPr id="29" name="Gruppo 28"/>
+          <p:cNvGrpSpPr/>
+          <p:nvPr/>
+        </p:nvGrpSpPr>
+        <p:grpSpPr>
+          <a:xfrm>
+            <a:off x="4594425" y="2248965"/>
+            <a:ext cx="515621" cy="504056"/>
+            <a:chOff x="3110002" y="2348880"/>
+            <a:chExt cx="515621" cy="504056"/>
+          </a:xfrm>
+        </p:grpSpPr>
+        <p:sp>
+          <p:nvSpPr>
+            <p:cNvPr id="30" name="Stella a 8 punte 29"/>
+            <p:cNvSpPr/>
+            <p:nvPr/>
+          </p:nvSpPr>
+          <p:spPr>
+            <a:xfrm>
+              <a:off x="3110002" y="2348880"/>
+              <a:ext cx="515621" cy="504056"/>
+            </a:xfrm>
+            <a:prstGeom prst="star8">
+              <a:avLst/>
+            </a:prstGeom>
+            <a:solidFill>
+              <a:schemeClr val="bg1">
+                <a:alpha val="73000"/>
+              </a:schemeClr>
+            </a:solidFill>
+          </p:spPr>
+          <p:style>
+            <a:lnRef idx="2">
+              <a:schemeClr val="accent1">
+                <a:shade val="50000"/>
+              </a:schemeClr>
+            </a:lnRef>
+            <a:fillRef idx="1">
+              <a:schemeClr val="accent1"/>
+            </a:fillRef>
+            <a:effectRef idx="0">
+              <a:schemeClr val="accent1"/>
+            </a:effectRef>
+            <a:fontRef idx="minor">
+              <a:schemeClr val="lt1"/>
+            </a:fontRef>
+          </p:style>
+          <p:txBody>
+            <a:bodyPr rtlCol="0" anchor="ctr"/>
+            <a:lstStyle/>
+            <a:p>
+              <a:pPr algn="ctr"/>
+              <a:endParaRPr lang="it-IT"/>
+            </a:p>
+          </p:txBody>
+        </p:sp>
+        <p:sp>
+          <p:nvSpPr>
+            <p:cNvPr id="31" name="CasellaDiTesto 30"/>
+            <p:cNvSpPr txBox="1"/>
+            <p:nvPr/>
+          </p:nvSpPr>
+          <p:spPr>
+            <a:xfrm>
+              <a:off x="3212455" y="2416242"/>
+              <a:ext cx="401827" cy="369332"/>
+            </a:xfrm>
+            <a:prstGeom prst="rect">
+              <a:avLst/>
+            </a:prstGeom>
+            <a:noFill/>
+          </p:spPr>
+          <p:txBody>
+            <a:bodyPr wrap="square" rtlCol="0">
+              <a:spAutoFit/>
+            </a:bodyPr>
+            <a:lstStyle/>
+            <a:p>
+              <a:r>
+                <a:rPr lang="it-IT" dirty="0"/>
+                <a:t>7</a:t>
+              </a:r>
+            </a:p>
+          </p:txBody>
+        </p:sp>
+      </p:grpSp>
+      <p:grpSp>
+        <p:nvGrpSpPr>
+          <p:cNvPr id="35" name="Gruppo 34"/>
+          <p:cNvGrpSpPr/>
+          <p:nvPr/>
+        </p:nvGrpSpPr>
+        <p:grpSpPr>
+          <a:xfrm>
+            <a:off x="5456079" y="3383119"/>
+            <a:ext cx="515621" cy="504056"/>
+            <a:chOff x="3110002" y="2348880"/>
+            <a:chExt cx="515621" cy="504056"/>
+          </a:xfrm>
+        </p:grpSpPr>
+        <p:sp>
+          <p:nvSpPr>
+            <p:cNvPr id="36" name="Stella a 8 punte 35"/>
+            <p:cNvSpPr/>
+            <p:nvPr/>
+          </p:nvSpPr>
+          <p:spPr>
+            <a:xfrm>
+              <a:off x="3110002" y="2348880"/>
+              <a:ext cx="515621" cy="504056"/>
+            </a:xfrm>
+            <a:prstGeom prst="star8">
+              <a:avLst/>
+            </a:prstGeom>
+            <a:solidFill>
+              <a:schemeClr val="bg1">
+                <a:alpha val="73000"/>
+              </a:schemeClr>
+            </a:solidFill>
+          </p:spPr>
+          <p:style>
+            <a:lnRef idx="2">
+              <a:schemeClr val="accent1">
+                <a:shade val="50000"/>
+              </a:schemeClr>
+            </a:lnRef>
+            <a:fillRef idx="1">
+              <a:schemeClr val="accent1"/>
+            </a:fillRef>
+            <a:effectRef idx="0">
+              <a:schemeClr val="accent1"/>
+            </a:effectRef>
+            <a:fontRef idx="minor">
+              <a:schemeClr val="lt1"/>
+            </a:fontRef>
+          </p:style>
+          <p:txBody>
+            <a:bodyPr rtlCol="0" anchor="ctr"/>
+            <a:lstStyle/>
+            <a:p>
+              <a:pPr algn="ctr"/>
+              <a:endParaRPr lang="it-IT"/>
+            </a:p>
+          </p:txBody>
+        </p:sp>
+        <p:sp>
+          <p:nvSpPr>
+            <p:cNvPr id="37" name="CasellaDiTesto 36"/>
+            <p:cNvSpPr txBox="1"/>
+            <p:nvPr/>
+          </p:nvSpPr>
+          <p:spPr>
+            <a:xfrm>
+              <a:off x="3212455" y="2416242"/>
+              <a:ext cx="401827" cy="369332"/>
+            </a:xfrm>
+            <a:prstGeom prst="rect">
+              <a:avLst/>
+            </a:prstGeom>
+            <a:noFill/>
+          </p:spPr>
+          <p:txBody>
+            <a:bodyPr wrap="square" rtlCol="0">
+              <a:spAutoFit/>
+            </a:bodyPr>
+            <a:lstStyle/>
+            <a:p>
+              <a:r>
+                <a:rPr lang="it-IT" dirty="0"/>
+                <a:t>9</a:t>
+              </a:r>
+            </a:p>
+          </p:txBody>
+        </p:sp>
+      </p:grpSp>
+      <p:grpSp>
+        <p:nvGrpSpPr>
+          <p:cNvPr id="38" name="Gruppo 37"/>
+          <p:cNvGrpSpPr/>
+          <p:nvPr/>
+        </p:nvGrpSpPr>
+        <p:grpSpPr>
+          <a:xfrm>
+            <a:off x="4146175" y="4509120"/>
+            <a:ext cx="515621" cy="504056"/>
+            <a:chOff x="3110002" y="2348880"/>
+            <a:chExt cx="515621" cy="504056"/>
+          </a:xfrm>
+        </p:grpSpPr>
+        <p:sp>
+          <p:nvSpPr>
+            <p:cNvPr id="39" name="Stella a 8 punte 38"/>
+            <p:cNvSpPr/>
+            <p:nvPr/>
+          </p:nvSpPr>
+          <p:spPr>
+            <a:xfrm>
+              <a:off x="3110002" y="2348880"/>
+              <a:ext cx="515621" cy="504056"/>
+            </a:xfrm>
+            <a:prstGeom prst="star8">
+              <a:avLst/>
+            </a:prstGeom>
+            <a:solidFill>
+              <a:schemeClr val="bg1">
+                <a:alpha val="73000"/>
+              </a:schemeClr>
+            </a:solidFill>
+          </p:spPr>
+          <p:style>
+            <a:lnRef idx="2">
+              <a:schemeClr val="accent1">
+                <a:shade val="50000"/>
+              </a:schemeClr>
+            </a:lnRef>
+            <a:fillRef idx="1">
+              <a:schemeClr val="accent1"/>
+            </a:fillRef>
+            <a:effectRef idx="0">
+              <a:schemeClr val="accent1"/>
+            </a:effectRef>
+            <a:fontRef idx="minor">
+              <a:schemeClr val="lt1"/>
+            </a:fontRef>
+          </p:style>
+          <p:txBody>
+            <a:bodyPr rtlCol="0" anchor="ctr"/>
+            <a:lstStyle/>
+            <a:p>
+              <a:pPr algn="ctr"/>
+              <a:endParaRPr lang="it-IT"/>
+            </a:p>
+          </p:txBody>
+        </p:sp>
+        <p:sp>
+          <p:nvSpPr>
+            <p:cNvPr id="40" name="CasellaDiTesto 39"/>
+            <p:cNvSpPr txBox="1"/>
+            <p:nvPr/>
+          </p:nvSpPr>
+          <p:spPr>
+            <a:xfrm>
+              <a:off x="3212455" y="2416242"/>
+              <a:ext cx="401827" cy="369332"/>
+            </a:xfrm>
+            <a:prstGeom prst="rect">
+              <a:avLst/>
+            </a:prstGeom>
+            <a:noFill/>
+          </p:spPr>
+          <p:txBody>
+            <a:bodyPr wrap="square" rtlCol="0">
+              <a:spAutoFit/>
+            </a:bodyPr>
+            <a:lstStyle/>
+            <a:p>
+              <a:r>
+                <a:rPr lang="it-IT" dirty="0"/>
+                <a:t>2</a:t>
+              </a:r>
+            </a:p>
+          </p:txBody>
+        </p:sp>
+      </p:grpSp>
+      <p:grpSp>
+        <p:nvGrpSpPr>
+          <p:cNvPr id="41" name="Gruppo 40"/>
+          <p:cNvGrpSpPr/>
+          <p:nvPr/>
+        </p:nvGrpSpPr>
+        <p:grpSpPr>
+          <a:xfrm>
+            <a:off x="2890233" y="3770139"/>
+            <a:ext cx="515621" cy="504056"/>
+            <a:chOff x="3110002" y="2348880"/>
+            <a:chExt cx="515621" cy="504056"/>
+          </a:xfrm>
+        </p:grpSpPr>
+        <p:sp>
+          <p:nvSpPr>
+            <p:cNvPr id="42" name="Stella a 8 punte 41"/>
+            <p:cNvSpPr/>
+            <p:nvPr/>
+          </p:nvSpPr>
+          <p:spPr>
+            <a:xfrm>
+              <a:off x="3110002" y="2348880"/>
+              <a:ext cx="515621" cy="504056"/>
+            </a:xfrm>
+            <a:prstGeom prst="star8">
+              <a:avLst/>
+            </a:prstGeom>
+            <a:solidFill>
+              <a:schemeClr val="bg1">
+                <a:alpha val="73000"/>
+              </a:schemeClr>
+            </a:solidFill>
+          </p:spPr>
+          <p:style>
+            <a:lnRef idx="2">
+              <a:schemeClr val="accent1">
+                <a:shade val="50000"/>
+              </a:schemeClr>
+            </a:lnRef>
+            <a:fillRef idx="1">
+              <a:schemeClr val="accent1"/>
+            </a:fillRef>
+            <a:effectRef idx="0">
+              <a:schemeClr val="accent1"/>
+            </a:effectRef>
+            <a:fontRef idx="minor">
+              <a:schemeClr val="lt1"/>
+            </a:fontRef>
+          </p:style>
+          <p:txBody>
+            <a:bodyPr rtlCol="0" anchor="ctr"/>
+            <a:lstStyle/>
+            <a:p>
+              <a:pPr algn="ctr"/>
+              <a:endParaRPr lang="it-IT"/>
+            </a:p>
+          </p:txBody>
+        </p:sp>
+        <p:sp>
+          <p:nvSpPr>
+            <p:cNvPr id="43" name="CasellaDiTesto 42"/>
+            <p:cNvSpPr txBox="1"/>
+            <p:nvPr/>
+          </p:nvSpPr>
+          <p:spPr>
+            <a:xfrm>
+              <a:off x="3212455" y="2416242"/>
+              <a:ext cx="401827" cy="369332"/>
+            </a:xfrm>
+            <a:prstGeom prst="rect">
+              <a:avLst/>
+            </a:prstGeom>
+            <a:noFill/>
+          </p:spPr>
+          <p:txBody>
+            <a:bodyPr wrap="square" rtlCol="0">
+              <a:spAutoFit/>
+            </a:bodyPr>
+            <a:lstStyle/>
+            <a:p>
+              <a:r>
+                <a:rPr lang="it-IT" dirty="0"/>
+                <a:t>9</a:t>
+              </a:r>
+              <a:endParaRPr lang="it-IT" dirty="0"/>
+            </a:p>
+          </p:txBody>
+        </p:sp>
+      </p:grpSp>
+      <p:sp>
+        <p:nvSpPr>
+          <p:cNvPr id="44" name="CasellaDiTesto 43"/>
+          <p:cNvSpPr txBox="1"/>
+          <p:nvPr/>
+        </p:nvSpPr>
+        <p:spPr>
+          <a:xfrm>
+            <a:off x="4633493" y="3972213"/>
+            <a:ext cx="803653" cy="369332"/>
+          </a:xfrm>
+          <a:prstGeom prst="rect">
+            <a:avLst/>
+          </a:prstGeom>
+          <a:solidFill>
+            <a:schemeClr val="bg1"/>
+          </a:solidFill>
+          <a:ln w="44450" cap="rnd">
+            <a:solidFill>
+              <a:srgbClr val="92D050"/>
+            </a:solidFill>
+            <a:prstDash val="solid"/>
+          </a:ln>
+        </p:spPr>
+        <p:txBody>
+          <a:bodyPr wrap="square" rtlCol="0">
+            <a:spAutoFit/>
+          </a:bodyPr>
+          <a:lstStyle>
+            <a:defPPr>
+              <a:defRPr lang="it-IT"/>
+            </a:defPPr>
+            <a:lvl1pPr algn="ctr"/>
+          </a:lstStyle>
+          <a:p>
+            <a:r>
+              <a:rPr lang="it-IT" dirty="0"/>
+              <a:t>4</a:t>
+            </a:r>
+          </a:p>
+        </p:txBody>
+      </p:sp>
+      <p:grpSp>
+        <p:nvGrpSpPr>
+          <p:cNvPr id="45" name="Gruppo 44"/>
+          <p:cNvGrpSpPr/>
+          <p:nvPr/>
+        </p:nvGrpSpPr>
+        <p:grpSpPr>
+          <a:xfrm>
+            <a:off x="5185558" y="4130548"/>
+            <a:ext cx="515621" cy="504056"/>
+            <a:chOff x="3110002" y="2348880"/>
+            <a:chExt cx="515621" cy="504056"/>
+          </a:xfrm>
+        </p:grpSpPr>
+        <p:sp>
+          <p:nvSpPr>
+            <p:cNvPr id="46" name="Stella a 8 punte 45"/>
+            <p:cNvSpPr/>
+            <p:nvPr/>
+          </p:nvSpPr>
+          <p:spPr>
+            <a:xfrm>
+              <a:off x="3110002" y="2348880"/>
+              <a:ext cx="515621" cy="504056"/>
+            </a:xfrm>
+            <a:prstGeom prst="star8">
+              <a:avLst/>
+            </a:prstGeom>
+            <a:solidFill>
+              <a:schemeClr val="bg1">
+                <a:alpha val="73000"/>
+              </a:schemeClr>
+            </a:solidFill>
+          </p:spPr>
+          <p:style>
+            <a:lnRef idx="2">
+              <a:schemeClr val="accent1">
+                <a:shade val="50000"/>
+              </a:schemeClr>
+            </a:lnRef>
+            <a:fillRef idx="1">
+              <a:schemeClr val="accent1"/>
+            </a:fillRef>
+            <a:effectRef idx="0">
+              <a:schemeClr val="accent1"/>
+            </a:effectRef>
+            <a:fontRef idx="minor">
+              <a:schemeClr val="lt1"/>
+            </a:fontRef>
+          </p:style>
+          <p:txBody>
+            <a:bodyPr rtlCol="0" anchor="ctr"/>
+            <a:lstStyle/>
+            <a:p>
+              <a:pPr algn="ctr"/>
+              <a:endParaRPr lang="it-IT"/>
+            </a:p>
+          </p:txBody>
+        </p:sp>
+        <p:sp>
+          <p:nvSpPr>
+            <p:cNvPr id="47" name="CasellaDiTesto 46"/>
+            <p:cNvSpPr txBox="1"/>
+            <p:nvPr/>
+          </p:nvSpPr>
+          <p:spPr>
+            <a:xfrm>
+              <a:off x="3212455" y="2416242"/>
+              <a:ext cx="401827" cy="369332"/>
+            </a:xfrm>
+            <a:prstGeom prst="rect">
+              <a:avLst/>
+            </a:prstGeom>
+            <a:noFill/>
+          </p:spPr>
+          <p:txBody>
+            <a:bodyPr wrap="square" rtlCol="0">
+              <a:spAutoFit/>
+            </a:bodyPr>
+            <a:lstStyle/>
+            <a:p>
+              <a:r>
+                <a:rPr lang="it-IT" dirty="0"/>
+                <a:t>7</a:t>
+              </a:r>
+              <a:endParaRPr lang="it-IT" dirty="0"/>
+            </a:p>
+          </p:txBody>
+        </p:sp>
+      </p:grpSp>
+      <p:cxnSp>
+        <p:nvCxnSpPr>
+          <p:cNvPr id="48" name="Connettore 2 47"/>
+          <p:cNvCxnSpPr/>
+          <p:nvPr/>
+        </p:nvCxnSpPr>
+        <p:spPr>
+          <a:xfrm flipV="1">
+            <a:off x="1187624" y="4814978"/>
+            <a:ext cx="648072" cy="846270"/>
+          </a:xfrm>
+          <a:prstGeom prst="straightConnector1">
+            <a:avLst/>
+          </a:prstGeom>
+          <a:ln w="25400">
+            <a:solidFill>
+              <a:schemeClr val="tx1"/>
+            </a:solidFill>
+            <a:tailEnd type="arrow"/>
+          </a:ln>
+        </p:spPr>
+        <p:style>
+          <a:lnRef idx="1">
+            <a:schemeClr val="accent1"/>
+          </a:lnRef>
+          <a:fillRef idx="0">
+            <a:schemeClr val="accent1"/>
+          </a:fillRef>
+          <a:effectRef idx="0">
+            <a:schemeClr val="accent1"/>
+          </a:effectRef>
+          <a:fontRef idx="minor">
+            <a:schemeClr val="tx1"/>
+          </a:fontRef>
+        </p:style>
+      </p:cxnSp>
     </p:spTree>
     <p:extLst>
       <p:ext uri="{BB962C8B-B14F-4D97-AF65-F5344CB8AC3E}">
-        <p14:creationId xmlns:p14="http://schemas.microsoft.com/office/powerpoint/2010/main" val="4101140176"/>
+        <p14:creationId xmlns:p14="http://schemas.microsoft.com/office/powerpoint/2010/main" val="255997309"/>
       </p:ext>
     </p:extLst>
   </p:cSld>
   <p:clrMapOvr>
     <a:masterClrMapping/>
   </p:clrMapOvr>
+  <mc:AlternateContent xmlns:mc="http://schemas.openxmlformats.org/markup-compatibility/2006">
+    <mc:Choice xmlns:p14="http://schemas.microsoft.com/office/powerpoint/2010/main" Requires="p14">
+      <p:transition spd="med" p14:dur="700">
+        <p:fade/>
+      </p:transition>
+    </mc:Choice>
+    <mc:Fallback>
+      <p:transition spd="med">
+        <p:fade/>
+      </p:transition>
+    </mc:Fallback>
+  </mc:AlternateContent>
   <p:timing>
     <p:tnLst>
       <p:par>
@@ -10201,8 +11137,12 @@
           </a:p>
           <a:p>
             <a:r>
-              <a:rPr lang="it-IT" dirty="0" smtClean="0"/>
-              <a:t>A "</a:t>
+              <a:rPr lang="it-IT" dirty="0"/>
+              <a:t>A</a:t>
+            </a:r>
+            <a:r>
+              <a:rPr lang="it-IT" dirty="0" smtClean="0"/>
+              <a:t> </a:t>
             </a:r>
             <a:r>
               <a:rPr lang="it-IT" dirty="0" err="1" smtClean="0"/>
@@ -10210,7 +11150,7 @@
             </a:r>
             <a:r>
               <a:rPr lang="it-IT" dirty="0" smtClean="0"/>
-              <a:t>" </a:t>
+              <a:t> </a:t>
             </a:r>
             <a:r>
               <a:rPr lang="it-IT" dirty="0" err="1" smtClean="0"/>
@@ -10248,6 +11188,270 @@
 </file>
 
 <file path=ppt/slides/slide20.xml><?xml version="1.0" encoding="utf-8"?>
+<p:sld xmlns:a="http://schemas.openxmlformats.org/drawingml/2006/main" xmlns:r="http://schemas.openxmlformats.org/officeDocument/2006/relationships" xmlns:p="http://schemas.openxmlformats.org/presentationml/2006/main">
+  <p:cSld>
+    <p:spTree>
+      <p:nvGrpSpPr>
+        <p:cNvPr id="1" name=""/>
+        <p:cNvGrpSpPr/>
+        <p:nvPr/>
+      </p:nvGrpSpPr>
+      <p:grpSpPr>
+        <a:xfrm>
+          <a:off x="0" y="0"/>
+          <a:ext cx="0" cy="0"/>
+          <a:chOff x="0" y="0"/>
+          <a:chExt cx="0" cy="0"/>
+        </a:xfrm>
+      </p:grpSpPr>
+      <p:sp>
+        <p:nvSpPr>
+          <p:cNvPr id="2" name="Titolo 1"/>
+          <p:cNvSpPr>
+            <a:spLocks noGrp="1"/>
+          </p:cNvSpPr>
+          <p:nvPr>
+            <p:ph type="title"/>
+          </p:nvPr>
+        </p:nvSpPr>
+        <p:spPr/>
+        <p:txBody>
+          <a:bodyPr/>
+          <a:lstStyle/>
+          <a:p>
+            <a:r>
+              <a:rPr lang="it-IT" dirty="0" smtClean="0"/>
+              <a:t>The fitness </a:t>
+            </a:r>
+            <a:r>
+              <a:rPr lang="it-IT" dirty="0" err="1" smtClean="0"/>
+              <a:t>value</a:t>
+            </a:r>
+            <a:endParaRPr lang="it-IT" dirty="0"/>
+          </a:p>
+        </p:txBody>
+      </p:sp>
+      <p:sp>
+        <p:nvSpPr>
+          <p:cNvPr id="3" name="Segnaposto contenuto 2"/>
+          <p:cNvSpPr>
+            <a:spLocks noGrp="1"/>
+          </p:cNvSpPr>
+          <p:nvPr>
+            <p:ph idx="1"/>
+          </p:nvPr>
+        </p:nvSpPr>
+        <p:spPr/>
+        <p:txBody>
+          <a:bodyPr>
+            <a:normAutofit/>
+          </a:bodyPr>
+          <a:lstStyle/>
+          <a:p>
+            <a:r>
+              <a:rPr lang="it-IT" dirty="0" err="1" smtClean="0"/>
+              <a:t>We</a:t>
+            </a:r>
+            <a:r>
+              <a:rPr lang="it-IT" dirty="0" smtClean="0"/>
+              <a:t> </a:t>
+            </a:r>
+            <a:r>
+              <a:rPr lang="it-IT" dirty="0" err="1" smtClean="0"/>
+              <a:t>talked</a:t>
+            </a:r>
+            <a:r>
+              <a:rPr lang="it-IT" dirty="0" smtClean="0"/>
+              <a:t> </a:t>
+            </a:r>
+            <a:r>
+              <a:rPr lang="it-IT" dirty="0" err="1" smtClean="0"/>
+              <a:t>about</a:t>
+            </a:r>
+            <a:r>
+              <a:rPr lang="it-IT" dirty="0" smtClean="0"/>
+              <a:t> a score </a:t>
+            </a:r>
+            <a:r>
+              <a:rPr lang="it-IT" dirty="0" err="1" smtClean="0"/>
+              <a:t>gived</a:t>
+            </a:r>
+            <a:r>
+              <a:rPr lang="it-IT" dirty="0" smtClean="0"/>
+              <a:t> to </a:t>
+            </a:r>
+            <a:r>
+              <a:rPr lang="it-IT" dirty="0" err="1" smtClean="0"/>
+              <a:t>each</a:t>
+            </a:r>
+            <a:r>
+              <a:rPr lang="it-IT" dirty="0" smtClean="0"/>
+              <a:t> </a:t>
+            </a:r>
+            <a:r>
+              <a:rPr lang="it-IT" dirty="0" err="1" smtClean="0"/>
+              <a:t>chromosome</a:t>
+            </a:r>
+            <a:r>
+              <a:rPr lang="it-IT" dirty="0" smtClean="0"/>
+              <a:t>. A </a:t>
+            </a:r>
+            <a:r>
+              <a:rPr lang="it-IT" dirty="0" err="1" smtClean="0"/>
+              <a:t>better</a:t>
+            </a:r>
+            <a:r>
+              <a:rPr lang="it-IT" dirty="0" smtClean="0"/>
+              <a:t> </a:t>
+            </a:r>
+            <a:r>
+              <a:rPr lang="it-IT" dirty="0" err="1" smtClean="0"/>
+              <a:t>known</a:t>
+            </a:r>
+            <a:r>
+              <a:rPr lang="it-IT" dirty="0" smtClean="0"/>
+              <a:t> </a:t>
+            </a:r>
+            <a:r>
+              <a:rPr lang="it-IT" dirty="0" err="1" smtClean="0"/>
+              <a:t>name</a:t>
+            </a:r>
+            <a:r>
+              <a:rPr lang="it-IT" dirty="0" smtClean="0"/>
+              <a:t> for </a:t>
+            </a:r>
+            <a:r>
+              <a:rPr lang="it-IT" dirty="0" err="1" smtClean="0"/>
+              <a:t>this</a:t>
+            </a:r>
+            <a:r>
+              <a:rPr lang="it-IT" dirty="0" smtClean="0"/>
+              <a:t> </a:t>
+            </a:r>
+            <a:r>
+              <a:rPr lang="it-IT" dirty="0" err="1" smtClean="0"/>
+              <a:t>number</a:t>
+            </a:r>
+            <a:r>
+              <a:rPr lang="it-IT" dirty="0" smtClean="0"/>
+              <a:t> </a:t>
+            </a:r>
+            <a:r>
+              <a:rPr lang="it-IT" dirty="0" err="1" smtClean="0"/>
+              <a:t>is</a:t>
+            </a:r>
+            <a:r>
+              <a:rPr lang="it-IT" dirty="0" smtClean="0"/>
+              <a:t> </a:t>
+            </a:r>
+            <a:r>
+              <a:rPr lang="it-IT" i="1" dirty="0" smtClean="0"/>
+              <a:t>fitness</a:t>
+            </a:r>
+            <a:r>
+              <a:rPr lang="it-IT" dirty="0" smtClean="0"/>
+              <a:t>.</a:t>
+            </a:r>
+          </a:p>
+          <a:p>
+            <a:endParaRPr lang="it-IT" i="1" dirty="0"/>
+          </a:p>
+          <a:p>
+            <a:r>
+              <a:rPr lang="en-US" dirty="0"/>
+              <a:t>In each generation, the fitness of every individual </a:t>
+            </a:r>
+            <a:r>
+              <a:rPr lang="en-US" dirty="0" smtClean="0"/>
+              <a:t>is </a:t>
+            </a:r>
+            <a:r>
+              <a:rPr lang="en-US" dirty="0" smtClean="0"/>
+              <a:t>evaluated. Then, </a:t>
+            </a:r>
+            <a:r>
+              <a:rPr lang="en-US" b="1" dirty="0" smtClean="0"/>
+              <a:t>multiple </a:t>
+            </a:r>
+            <a:r>
+              <a:rPr lang="en-US" b="1" dirty="0"/>
+              <a:t>individuals are </a:t>
+            </a:r>
+            <a:r>
+              <a:rPr lang="en-US" b="1" dirty="0" smtClean="0">
+                <a:solidFill>
+                  <a:srgbClr val="C00000"/>
+                </a:solidFill>
+              </a:rPr>
+              <a:t>selected, recombined and mutated </a:t>
+            </a:r>
+            <a:r>
+              <a:rPr lang="en-US" dirty="0" smtClean="0"/>
+              <a:t>to </a:t>
+            </a:r>
+            <a:r>
+              <a:rPr lang="en-US" dirty="0"/>
+              <a:t>form </a:t>
+            </a:r>
+            <a:r>
+              <a:rPr lang="en-US" b="1" dirty="0"/>
+              <a:t>a new population</a:t>
+            </a:r>
+            <a:r>
+              <a:rPr lang="en-US" dirty="0"/>
+              <a:t>. </a:t>
+            </a:r>
+            <a:r>
+              <a:rPr lang="en-US" dirty="0" smtClean="0"/>
+              <a:t/>
+            </a:r>
+            <a:br>
+              <a:rPr lang="en-US" dirty="0" smtClean="0"/>
+            </a:br>
+            <a:endParaRPr lang="en-US" dirty="0" smtClean="0"/>
+          </a:p>
+          <a:p>
+            <a:r>
+              <a:rPr lang="en-US" dirty="0" smtClean="0"/>
+              <a:t>The </a:t>
+            </a:r>
+            <a:r>
+              <a:rPr lang="en-US" dirty="0"/>
+              <a:t>new population is then used in the next iteration of the algorithm. Commonly, the algorithm terminates when either a maximum number of generations has been produced, or a </a:t>
+            </a:r>
+            <a:r>
+              <a:rPr lang="en-US" b="1" dirty="0"/>
+              <a:t>satisfactory fitness level has been </a:t>
+            </a:r>
+            <a:r>
+              <a:rPr lang="en-US" b="1" dirty="0" smtClean="0"/>
+              <a:t>reached.</a:t>
+            </a:r>
+            <a:endParaRPr lang="it-IT" b="1" dirty="0" smtClean="0"/>
+          </a:p>
+        </p:txBody>
+      </p:sp>
+    </p:spTree>
+    <p:extLst>
+      <p:ext uri="{BB962C8B-B14F-4D97-AF65-F5344CB8AC3E}">
+        <p14:creationId xmlns:p14="http://schemas.microsoft.com/office/powerpoint/2010/main" val="4101140176"/>
+      </p:ext>
+    </p:extLst>
+  </p:cSld>
+  <p:clrMapOvr>
+    <a:masterClrMapping/>
+  </p:clrMapOvr>
+  <p:timing>
+    <p:tnLst>
+      <p:par>
+        <p:cTn id="1" dur="indefinite" restart="never" nodeType="tmRoot"/>
+      </p:par>
+    </p:tnLst>
+  </p:timing>
+</p:sld>
+</file>
+
+<file path=ppt/slides/slide21.xml><?xml version="1.0" encoding="utf-8"?>
 <p:sld xmlns:a="http://schemas.openxmlformats.org/drawingml/2006/main" xmlns:r="http://schemas.openxmlformats.org/officeDocument/2006/relationships" xmlns:p="http://schemas.openxmlformats.org/presentationml/2006/main">
   <p:cSld>
     <p:spTree>
@@ -10637,7 +11841,7 @@
 </p:sld>
 </file>
 
-<file path=ppt/slides/slide21.xml><?xml version="1.0" encoding="utf-8"?>
+<file path=ppt/slides/slide22.xml><?xml version="1.0" encoding="utf-8"?>
 <p:sld xmlns:a="http://schemas.openxmlformats.org/drawingml/2006/main" xmlns:r="http://schemas.openxmlformats.org/officeDocument/2006/relationships" xmlns:p="http://schemas.openxmlformats.org/presentationml/2006/main">
   <p:cSld>
     <p:spTree>
@@ -11160,322 +12364,6 @@
 </p:sld>
 </file>
 
-<file path=ppt/slides/slide22.xml><?xml version="1.0" encoding="utf-8"?>
-<p:sld xmlns:a="http://schemas.openxmlformats.org/drawingml/2006/main" xmlns:r="http://schemas.openxmlformats.org/officeDocument/2006/relationships" xmlns:p="http://schemas.openxmlformats.org/presentationml/2006/main">
-  <p:cSld>
-    <p:spTree>
-      <p:nvGrpSpPr>
-        <p:cNvPr id="1" name=""/>
-        <p:cNvGrpSpPr/>
-        <p:nvPr/>
-      </p:nvGrpSpPr>
-      <p:grpSpPr>
-        <a:xfrm>
-          <a:off x="0" y="0"/>
-          <a:ext cx="0" cy="0"/>
-          <a:chOff x="0" y="0"/>
-          <a:chExt cx="0" cy="0"/>
-        </a:xfrm>
-      </p:grpSpPr>
-      <p:sp>
-        <p:nvSpPr>
-          <p:cNvPr id="2" name="Titolo 1"/>
-          <p:cNvSpPr>
-            <a:spLocks noGrp="1"/>
-          </p:cNvSpPr>
-          <p:nvPr>
-            <p:ph type="title"/>
-          </p:nvPr>
-        </p:nvSpPr>
-        <p:spPr/>
-        <p:txBody>
-          <a:bodyPr/>
-          <a:lstStyle/>
-          <a:p>
-            <a:r>
-              <a:rPr lang="it-IT" dirty="0" err="1" smtClean="0"/>
-              <a:t>Mutation</a:t>
-            </a:r>
-            <a:endParaRPr lang="it-IT" dirty="0"/>
-          </a:p>
-        </p:txBody>
-      </p:sp>
-      <p:sp>
-        <p:nvSpPr>
-          <p:cNvPr id="3" name="Segnaposto contenuto 2"/>
-          <p:cNvSpPr>
-            <a:spLocks noGrp="1"/>
-          </p:cNvSpPr>
-          <p:nvPr>
-            <p:ph idx="1"/>
-          </p:nvPr>
-        </p:nvSpPr>
-        <p:spPr/>
-        <p:txBody>
-          <a:bodyPr/>
-          <a:lstStyle/>
-          <a:p>
-            <a:r>
-              <a:rPr lang="it-IT" dirty="0" err="1" smtClean="0"/>
-              <a:t>Mutation</a:t>
-            </a:r>
-            <a:r>
-              <a:rPr lang="it-IT" dirty="0" smtClean="0"/>
-              <a:t> </a:t>
-            </a:r>
-            <a:r>
-              <a:rPr lang="it-IT" dirty="0" err="1" smtClean="0"/>
-              <a:t>is</a:t>
-            </a:r>
-            <a:r>
-              <a:rPr lang="it-IT" dirty="0" smtClean="0"/>
-              <a:t> </a:t>
-            </a:r>
-            <a:r>
-              <a:rPr lang="it-IT" dirty="0" err="1" smtClean="0"/>
-              <a:t>used</a:t>
-            </a:r>
-            <a:r>
-              <a:rPr lang="it-IT" dirty="0" smtClean="0"/>
-              <a:t> </a:t>
-            </a:r>
-            <a:r>
-              <a:rPr lang="it-IT" b="1" dirty="0" smtClean="0"/>
-              <a:t>to </a:t>
-            </a:r>
-            <a:r>
-              <a:rPr lang="it-IT" b="1" dirty="0" err="1" smtClean="0"/>
-              <a:t>avoid</a:t>
-            </a:r>
-            <a:r>
-              <a:rPr lang="it-IT" b="1" dirty="0" smtClean="0"/>
-              <a:t> </a:t>
-            </a:r>
-            <a:r>
-              <a:rPr lang="it-IT" b="1" dirty="0" err="1" smtClean="0"/>
-              <a:t>local</a:t>
-            </a:r>
-            <a:r>
-              <a:rPr lang="it-IT" b="1" dirty="0" smtClean="0"/>
-              <a:t> minimum </a:t>
-            </a:r>
-            <a:r>
-              <a:rPr lang="it-IT" dirty="0" smtClean="0"/>
-              <a:t>of the fitness </a:t>
-            </a:r>
-            <a:r>
-              <a:rPr lang="it-IT" dirty="0" err="1" smtClean="0"/>
-              <a:t>function</a:t>
-            </a:r>
-            <a:r>
-              <a:rPr lang="it-IT" dirty="0" smtClean="0"/>
-              <a:t>. </a:t>
-            </a:r>
-            <a:r>
-              <a:rPr lang="it-IT" dirty="0" err="1" smtClean="0"/>
-              <a:t>It</a:t>
-            </a:r>
-            <a:r>
-              <a:rPr lang="it-IT" dirty="0" smtClean="0"/>
-              <a:t> </a:t>
-            </a:r>
-            <a:r>
-              <a:rPr lang="it-IT" dirty="0" err="1" smtClean="0"/>
-              <a:t>is</a:t>
-            </a:r>
-            <a:r>
-              <a:rPr lang="it-IT" dirty="0" smtClean="0"/>
-              <a:t> </a:t>
-            </a:r>
-            <a:r>
-              <a:rPr lang="it-IT" dirty="0" err="1" smtClean="0"/>
-              <a:t>performed</a:t>
-            </a:r>
-            <a:r>
-              <a:rPr lang="it-IT" dirty="0" smtClean="0"/>
-              <a:t> by </a:t>
-            </a:r>
-            <a:r>
-              <a:rPr lang="it-IT" dirty="0" err="1" smtClean="0"/>
-              <a:t>changing</a:t>
-            </a:r>
-            <a:r>
-              <a:rPr lang="it-IT" dirty="0" smtClean="0"/>
-              <a:t> </a:t>
-            </a:r>
-            <a:r>
-              <a:rPr lang="it-IT" dirty="0" err="1" smtClean="0"/>
-              <a:t>elements</a:t>
-            </a:r>
-            <a:r>
-              <a:rPr lang="it-IT" dirty="0" smtClean="0"/>
-              <a:t> of a </a:t>
-            </a:r>
-            <a:r>
-              <a:rPr lang="it-IT" dirty="0" err="1" smtClean="0"/>
-              <a:t>chromosome</a:t>
-            </a:r>
-            <a:r>
-              <a:rPr lang="it-IT" dirty="0" smtClean="0"/>
-              <a:t> of a small </a:t>
-            </a:r>
-            <a:r>
-              <a:rPr lang="it-IT" dirty="0" err="1" smtClean="0"/>
-              <a:t>amount</a:t>
-            </a:r>
-            <a:r>
-              <a:rPr lang="it-IT" dirty="0" smtClean="0"/>
-              <a:t>.</a:t>
-            </a:r>
-          </a:p>
-          <a:p>
-            <a:endParaRPr lang="it-IT" dirty="0" smtClean="0"/>
-          </a:p>
-          <a:p>
-            <a:pPr marL="0" indent="0" algn="ctr">
-              <a:buNone/>
-            </a:pPr>
-            <a:r>
-              <a:rPr lang="it-IT" sz="2000" dirty="0"/>
-              <a:t>(1.29  5.68  </a:t>
-            </a:r>
-            <a:r>
-              <a:rPr lang="it-IT" sz="2000" b="1" dirty="0"/>
-              <a:t>2.86</a:t>
-            </a:r>
-            <a:r>
-              <a:rPr lang="it-IT" sz="2000" dirty="0"/>
-              <a:t>  </a:t>
-            </a:r>
-            <a:r>
-              <a:rPr lang="it-IT" sz="2000" b="1" dirty="0"/>
-              <a:t>4.11</a:t>
-            </a:r>
-            <a:r>
-              <a:rPr lang="it-IT" sz="2000" dirty="0"/>
-              <a:t>  5.55) =&gt; (1.29  5.68  </a:t>
-            </a:r>
-            <a:r>
-              <a:rPr lang="it-IT" sz="2000" b="1" dirty="0"/>
-              <a:t>2.73</a:t>
-            </a:r>
-            <a:r>
-              <a:rPr lang="it-IT" sz="2000" dirty="0"/>
-              <a:t>  </a:t>
-            </a:r>
-            <a:r>
-              <a:rPr lang="it-IT" sz="2000" b="1" dirty="0"/>
-              <a:t>4.22</a:t>
-            </a:r>
-            <a:r>
-              <a:rPr lang="it-IT" sz="2000" dirty="0"/>
-              <a:t>  5.55</a:t>
-            </a:r>
-            <a:r>
-              <a:rPr lang="it-IT" sz="2000" dirty="0" smtClean="0"/>
-              <a:t>)</a:t>
-            </a:r>
-          </a:p>
-          <a:p>
-            <a:endParaRPr lang="it-IT" dirty="0" smtClean="0"/>
-          </a:p>
-          <a:p>
-            <a:r>
-              <a:rPr lang="it-IT" dirty="0" err="1" smtClean="0"/>
-              <a:t>It</a:t>
-            </a:r>
-            <a:r>
-              <a:rPr lang="it-IT" dirty="0" smtClean="0"/>
-              <a:t> </a:t>
-            </a:r>
-            <a:r>
-              <a:rPr lang="it-IT" dirty="0" err="1" smtClean="0"/>
-              <a:t>is</a:t>
-            </a:r>
-            <a:r>
-              <a:rPr lang="it-IT" dirty="0" smtClean="0"/>
-              <a:t> </a:t>
-            </a:r>
-            <a:r>
-              <a:rPr lang="it-IT" dirty="0" err="1" smtClean="0"/>
-              <a:t>suggested</a:t>
-            </a:r>
-            <a:r>
-              <a:rPr lang="it-IT" dirty="0" smtClean="0"/>
-              <a:t> to </a:t>
-            </a:r>
-            <a:r>
-              <a:rPr lang="it-IT" dirty="0" err="1" smtClean="0"/>
-              <a:t>perform</a:t>
-            </a:r>
-            <a:r>
-              <a:rPr lang="it-IT" dirty="0" smtClean="0"/>
-              <a:t> a </a:t>
-            </a:r>
-            <a:r>
-              <a:rPr lang="it-IT" dirty="0" err="1" smtClean="0"/>
-              <a:t>mutation</a:t>
-            </a:r>
-            <a:r>
-              <a:rPr lang="it-IT" dirty="0" smtClean="0"/>
-              <a:t> </a:t>
-            </a:r>
-            <a:r>
-              <a:rPr lang="it-IT" dirty="0" err="1" smtClean="0"/>
-              <a:t>before</a:t>
-            </a:r>
-            <a:r>
-              <a:rPr lang="it-IT" dirty="0" smtClean="0"/>
-              <a:t> </a:t>
-            </a:r>
-            <a:r>
-              <a:rPr lang="it-IT" dirty="0" err="1" smtClean="0"/>
-              <a:t>any</a:t>
-            </a:r>
-            <a:r>
-              <a:rPr lang="it-IT" dirty="0" smtClean="0"/>
-              <a:t> new generation with </a:t>
-            </a:r>
-            <a:r>
-              <a:rPr lang="it-IT" dirty="0" err="1" smtClean="0"/>
-              <a:t>probability</a:t>
-            </a:r>
-            <a:r>
-              <a:rPr lang="it-IT" dirty="0" smtClean="0"/>
-              <a:t> </a:t>
-            </a:r>
-            <a:r>
-              <a:rPr lang="it-IT" dirty="0" err="1" smtClean="0"/>
-              <a:t>between</a:t>
-            </a:r>
-            <a:r>
-              <a:rPr lang="it-IT" dirty="0" smtClean="0"/>
-              <a:t> 0,5% and 1,0%.</a:t>
-            </a:r>
-            <a:endParaRPr lang="it-IT" dirty="0"/>
-          </a:p>
-        </p:txBody>
-      </p:sp>
-    </p:spTree>
-    <p:extLst>
-      <p:ext uri="{BB962C8B-B14F-4D97-AF65-F5344CB8AC3E}">
-        <p14:creationId xmlns:p14="http://schemas.microsoft.com/office/powerpoint/2010/main" val="4293372086"/>
-      </p:ext>
-    </p:extLst>
-  </p:cSld>
-  <p:clrMapOvr>
-    <a:masterClrMapping/>
-  </p:clrMapOvr>
-  <p:timing>
-    <p:tnLst>
-      <p:par>
-        <p:cTn id="1" dur="indefinite" restart="never" nodeType="tmRoot"/>
-      </p:par>
-    </p:tnLst>
-  </p:timing>
-</p:sld>
-</file>
-
 <file path=ppt/slides/slide23.xml><?xml version="1.0" encoding="utf-8"?>
 <p:sld xmlns:a="http://schemas.openxmlformats.org/drawingml/2006/main" xmlns:r="http://schemas.openxmlformats.org/officeDocument/2006/relationships" xmlns:p="http://schemas.openxmlformats.org/presentationml/2006/main">
   <p:cSld>
@@ -11510,7 +12398,7 @@
           <a:p>
             <a:r>
               <a:rPr lang="it-IT" dirty="0" err="1" smtClean="0"/>
-              <a:t>References</a:t>
+              <a:t>Mutation</a:t>
             </a:r>
             <a:endParaRPr lang="it-IT" dirty="0"/>
           </a:p>
@@ -11532,301 +12420,250 @@
           <a:lstStyle/>
           <a:p>
             <a:r>
-              <a:rPr lang="it-IT" dirty="0" smtClean="0"/>
-              <a:t>For </a:t>
-            </a:r>
-            <a:r>
-              <a:rPr lang="it-IT" dirty="0" err="1"/>
-              <a:t>N</a:t>
-            </a:r>
-            <a:r>
-              <a:rPr lang="it-IT" dirty="0" err="1" smtClean="0"/>
-              <a:t>eural</a:t>
-            </a:r>
-            <a:r>
-              <a:rPr lang="it-IT" dirty="0" smtClean="0"/>
-              <a:t> Networks:</a:t>
-            </a:r>
-          </a:p>
-          <a:p>
-            <a:pPr lvl="1"/>
-            <a:r>
-              <a:rPr lang="it-IT" dirty="0" smtClean="0"/>
-              <a:t>R. </a:t>
-            </a:r>
-            <a:r>
-              <a:rPr lang="it-IT" dirty="0" err="1" smtClean="0"/>
-              <a:t>Rojas</a:t>
-            </a:r>
-            <a:r>
-              <a:rPr lang="it-IT" dirty="0" smtClean="0"/>
-              <a:t>: </a:t>
-            </a:r>
-            <a:r>
-              <a:rPr lang="it-IT" i="1" dirty="0" err="1" smtClean="0"/>
-              <a:t>Neural</a:t>
-            </a:r>
-            <a:r>
-              <a:rPr lang="it-IT" i="1" dirty="0" smtClean="0"/>
-              <a:t> Networks – A </a:t>
-            </a:r>
-            <a:r>
-              <a:rPr lang="it-IT" i="1" dirty="0" err="1" smtClean="0"/>
-              <a:t>systematic</a:t>
-            </a:r>
-            <a:r>
-              <a:rPr lang="it-IT" i="1" dirty="0" smtClean="0"/>
-              <a:t> </a:t>
-            </a:r>
-            <a:r>
-              <a:rPr lang="it-IT" i="1" dirty="0" err="1" smtClean="0"/>
-              <a:t>introduction</a:t>
-            </a:r>
-            <a:r>
-              <a:rPr lang="it-IT" i="1" dirty="0" smtClean="0"/>
-              <a:t> </a:t>
-            </a:r>
-          </a:p>
-          <a:p>
-            <a:pPr lvl="2"/>
-            <a:r>
-              <a:rPr lang="it-IT" dirty="0" err="1" smtClean="0"/>
-              <a:t>Springer-Verlag</a:t>
-            </a:r>
-            <a:r>
-              <a:rPr lang="it-IT" dirty="0"/>
-              <a:t>, </a:t>
-            </a:r>
-            <a:r>
-              <a:rPr lang="it-IT" dirty="0" err="1"/>
-              <a:t>Berlin</a:t>
-            </a:r>
-            <a:r>
-              <a:rPr lang="it-IT" dirty="0"/>
-              <a:t>, New-York, </a:t>
-            </a:r>
-            <a:r>
-              <a:rPr lang="it-IT" dirty="0" smtClean="0"/>
-              <a:t>1996.</a:t>
-            </a:r>
-          </a:p>
-          <a:p>
-            <a:pPr lvl="2"/>
-            <a:r>
-              <a:rPr lang="it-IT" dirty="0" smtClean="0"/>
-              <a:t>Free online PDF: </a:t>
-            </a:r>
-            <a:r>
-              <a:rPr lang="it-IT" dirty="0" smtClean="0">
-                <a:hlinkClick r:id="rId2"/>
-              </a:rPr>
-              <a:t>http</a:t>
-            </a:r>
-            <a:r>
-              <a:rPr lang="it-IT" dirty="0">
-                <a:hlinkClick r:id="rId2"/>
-              </a:rPr>
-              <a:t>://</a:t>
-            </a:r>
-            <a:r>
-              <a:rPr lang="it-IT" dirty="0" smtClean="0">
-                <a:hlinkClick r:id="rId2"/>
-              </a:rPr>
-              <a:t>page.mi.fu-berlin.de/rojas/neural/index.html.html</a:t>
-            </a:r>
+              <a:rPr lang="it-IT" dirty="0" err="1" smtClean="0"/>
+              <a:t>Mutation</a:t>
+            </a:r>
+            <a:r>
+              <a:rPr lang="it-IT" dirty="0" smtClean="0"/>
+              <a:t> </a:t>
+            </a:r>
+            <a:r>
+              <a:rPr lang="it-IT" dirty="0" err="1" smtClean="0"/>
+              <a:t>is</a:t>
+            </a:r>
+            <a:r>
+              <a:rPr lang="it-IT" dirty="0" smtClean="0"/>
+              <a:t> </a:t>
+            </a:r>
+            <a:r>
+              <a:rPr lang="it-IT" dirty="0" err="1" smtClean="0"/>
+              <a:t>used</a:t>
+            </a:r>
+            <a:r>
+              <a:rPr lang="it-IT" dirty="0" smtClean="0"/>
+              <a:t> </a:t>
+            </a:r>
+            <a:r>
+              <a:rPr lang="it-IT" b="1" dirty="0" smtClean="0"/>
+              <a:t>to </a:t>
+            </a:r>
+            <a:r>
+              <a:rPr lang="it-IT" b="1" dirty="0" err="1" smtClean="0"/>
+              <a:t>avoid</a:t>
+            </a:r>
+            <a:r>
+              <a:rPr lang="it-IT" b="1" dirty="0" smtClean="0"/>
+              <a:t> </a:t>
+            </a:r>
+            <a:r>
+              <a:rPr lang="it-IT" b="1" dirty="0" err="1" smtClean="0"/>
+              <a:t>local</a:t>
+            </a:r>
+            <a:r>
+              <a:rPr lang="it-IT" b="1" dirty="0" smtClean="0"/>
+              <a:t> minimum </a:t>
+            </a:r>
+            <a:r>
+              <a:rPr lang="it-IT" dirty="0" smtClean="0"/>
+              <a:t>of the fitness </a:t>
+            </a:r>
+            <a:r>
+              <a:rPr lang="it-IT" dirty="0" err="1" smtClean="0"/>
+              <a:t>function</a:t>
+            </a:r>
+            <a:r>
+              <a:rPr lang="it-IT" dirty="0" smtClean="0"/>
+              <a:t>. </a:t>
+            </a:r>
+            <a:r>
+              <a:rPr lang="it-IT" dirty="0" err="1" smtClean="0"/>
+              <a:t>It</a:t>
+            </a:r>
+            <a:r>
+              <a:rPr lang="it-IT" dirty="0" smtClean="0"/>
+              <a:t> </a:t>
+            </a:r>
+            <a:r>
+              <a:rPr lang="it-IT" dirty="0" err="1" smtClean="0"/>
+              <a:t>is</a:t>
+            </a:r>
+            <a:r>
+              <a:rPr lang="it-IT" dirty="0" smtClean="0"/>
+              <a:t> </a:t>
+            </a:r>
+            <a:r>
+              <a:rPr lang="it-IT" dirty="0" err="1" smtClean="0"/>
+              <a:t>performed</a:t>
+            </a:r>
+            <a:r>
+              <a:rPr lang="it-IT" dirty="0" smtClean="0"/>
+              <a:t> by </a:t>
+            </a:r>
+            <a:r>
+              <a:rPr lang="it-IT" dirty="0" err="1" smtClean="0"/>
+              <a:t>changing</a:t>
+            </a:r>
+            <a:r>
+              <a:rPr lang="it-IT" dirty="0" smtClean="0"/>
+              <a:t> </a:t>
+            </a:r>
+            <a:r>
+              <a:rPr lang="it-IT" dirty="0" err="1" smtClean="0"/>
+              <a:t>elements</a:t>
+            </a:r>
+            <a:r>
+              <a:rPr lang="it-IT" dirty="0" smtClean="0"/>
+              <a:t> of a </a:t>
+            </a:r>
+            <a:r>
+              <a:rPr lang="it-IT" dirty="0" err="1" smtClean="0"/>
+              <a:t>chromosome</a:t>
+            </a:r>
+            <a:r>
+              <a:rPr lang="it-IT" dirty="0" smtClean="0"/>
+              <a:t> of a small </a:t>
+            </a:r>
+            <a:r>
+              <a:rPr lang="it-IT" dirty="0" err="1" smtClean="0"/>
+              <a:t>amount</a:t>
+            </a:r>
+            <a:r>
+              <a:rPr lang="it-IT" dirty="0" smtClean="0"/>
+              <a:t>.</a:t>
+            </a:r>
+          </a:p>
+          <a:p>
             <a:endParaRPr lang="it-IT" dirty="0" smtClean="0"/>
           </a:p>
           <a:p>
-            <a:pPr lvl="2"/>
+            <a:pPr marL="0" indent="0" algn="ctr">
+              <a:buNone/>
+            </a:pPr>
+            <a:r>
+              <a:rPr lang="it-IT" sz="2000" dirty="0"/>
+              <a:t>(1.29  5.68  </a:t>
+            </a:r>
+            <a:r>
+              <a:rPr lang="it-IT" sz="2000" b="1" dirty="0"/>
+              <a:t>2.86</a:t>
+            </a:r>
+            <a:r>
+              <a:rPr lang="it-IT" sz="2000" dirty="0"/>
+              <a:t>  </a:t>
+            </a:r>
+            <a:r>
+              <a:rPr lang="it-IT" sz="2000" b="1" dirty="0"/>
+              <a:t>4.11</a:t>
+            </a:r>
+            <a:r>
+              <a:rPr lang="it-IT" sz="2000" dirty="0"/>
+              <a:t>  5.55) =&gt; (1.29  5.68  </a:t>
+            </a:r>
+            <a:r>
+              <a:rPr lang="it-IT" sz="2000" b="1" dirty="0"/>
+              <a:t>2.73</a:t>
+            </a:r>
+            <a:r>
+              <a:rPr lang="it-IT" sz="2000" dirty="0"/>
+              <a:t>  </a:t>
+            </a:r>
+            <a:r>
+              <a:rPr lang="it-IT" sz="2000" b="1" dirty="0"/>
+              <a:t>4.22</a:t>
+            </a:r>
+            <a:r>
+              <a:rPr lang="it-IT" sz="2000" dirty="0"/>
+              <a:t>  5.55</a:t>
+            </a:r>
+            <a:r>
+              <a:rPr lang="it-IT" sz="2000" dirty="0" smtClean="0"/>
+              <a:t>)</a:t>
+            </a:r>
+          </a:p>
+          <a:p>
             <a:endParaRPr lang="it-IT" dirty="0" smtClean="0"/>
           </a:p>
           <a:p>
-            <a:pPr lvl="1"/>
-            <a:r>
-              <a:rPr lang="it-IT" dirty="0" smtClean="0"/>
-              <a:t>AI </a:t>
-            </a:r>
-            <a:r>
-              <a:rPr lang="it-IT" dirty="0" err="1" smtClean="0"/>
-              <a:t>Junkie</a:t>
-            </a:r>
-            <a:r>
-              <a:rPr lang="it-IT" dirty="0" smtClean="0"/>
-              <a:t> - </a:t>
-            </a:r>
-            <a:r>
-              <a:rPr lang="it-IT" dirty="0" err="1" smtClean="0"/>
-              <a:t>Neural</a:t>
-            </a:r>
-            <a:r>
-              <a:rPr lang="it-IT" dirty="0" smtClean="0"/>
-              <a:t> Networks in </a:t>
-            </a:r>
-            <a:r>
-              <a:rPr lang="it-IT" dirty="0" err="1" smtClean="0"/>
-              <a:t>plain</a:t>
-            </a:r>
-            <a:r>
-              <a:rPr lang="it-IT" dirty="0" smtClean="0"/>
-              <a:t> </a:t>
-            </a:r>
-            <a:r>
-              <a:rPr lang="it-IT" dirty="0" err="1" smtClean="0"/>
-              <a:t>english</a:t>
-            </a:r>
-            <a:endParaRPr lang="it-IT" dirty="0" smtClean="0"/>
-          </a:p>
-          <a:p>
-            <a:pPr lvl="2"/>
-            <a:r>
-              <a:rPr lang="it-IT" dirty="0" smtClean="0">
-                <a:hlinkClick r:id="rId3"/>
-              </a:rPr>
-              <a:t>http</a:t>
-            </a:r>
-            <a:r>
-              <a:rPr lang="it-IT" dirty="0">
-                <a:hlinkClick r:id="rId3"/>
-              </a:rPr>
-              <a:t>://</a:t>
-            </a:r>
-            <a:r>
-              <a:rPr lang="it-IT" dirty="0" smtClean="0">
-                <a:hlinkClick r:id="rId3"/>
-              </a:rPr>
-              <a:t>www.ai-junkie.com/ann/evolved/nnt1.html</a:t>
-            </a:r>
-            <a:r>
-              <a:rPr lang="it-IT" dirty="0" smtClean="0"/>
-              <a:t> </a:t>
-            </a:r>
-            <a:br>
-              <a:rPr lang="it-IT" dirty="0" smtClean="0"/>
-            </a:br>
+            <a:r>
+              <a:rPr lang="it-IT" dirty="0" err="1" smtClean="0"/>
+              <a:t>It</a:t>
+            </a:r>
+            <a:r>
+              <a:rPr lang="it-IT" dirty="0" smtClean="0"/>
+              <a:t> </a:t>
+            </a:r>
+            <a:r>
+              <a:rPr lang="it-IT" dirty="0" err="1" smtClean="0"/>
+              <a:t>is</a:t>
+            </a:r>
+            <a:r>
+              <a:rPr lang="it-IT" dirty="0" smtClean="0"/>
+              <a:t> </a:t>
+            </a:r>
+            <a:r>
+              <a:rPr lang="it-IT" dirty="0" err="1" smtClean="0"/>
+              <a:t>suggested</a:t>
+            </a:r>
+            <a:r>
+              <a:rPr lang="it-IT" dirty="0" smtClean="0"/>
+              <a:t> to </a:t>
+            </a:r>
+            <a:r>
+              <a:rPr lang="it-IT" dirty="0" err="1" smtClean="0"/>
+              <a:t>perform</a:t>
+            </a:r>
+            <a:r>
+              <a:rPr lang="it-IT" dirty="0" smtClean="0"/>
+              <a:t> a </a:t>
+            </a:r>
+            <a:r>
+              <a:rPr lang="it-IT" dirty="0" err="1" smtClean="0"/>
+              <a:t>mutation</a:t>
+            </a:r>
+            <a:r>
+              <a:rPr lang="it-IT" dirty="0" smtClean="0"/>
+              <a:t> </a:t>
+            </a:r>
+            <a:r>
+              <a:rPr lang="it-IT" dirty="0" err="1" smtClean="0"/>
+              <a:t>before</a:t>
+            </a:r>
+            <a:r>
+              <a:rPr lang="it-IT" dirty="0" smtClean="0"/>
+              <a:t> </a:t>
+            </a:r>
+            <a:r>
+              <a:rPr lang="it-IT" dirty="0" err="1" smtClean="0"/>
+              <a:t>any</a:t>
+            </a:r>
+            <a:r>
+              <a:rPr lang="it-IT" dirty="0" smtClean="0"/>
+              <a:t> new generation with </a:t>
+            </a:r>
+            <a:r>
+              <a:rPr lang="it-IT" dirty="0" err="1" smtClean="0"/>
+              <a:t>probability</a:t>
+            </a:r>
+            <a:r>
+              <a:rPr lang="it-IT" dirty="0" smtClean="0"/>
+              <a:t> </a:t>
+            </a:r>
+            <a:r>
+              <a:rPr lang="it-IT" dirty="0" err="1" smtClean="0"/>
+              <a:t>between</a:t>
+            </a:r>
+            <a:r>
+              <a:rPr lang="it-IT" dirty="0" smtClean="0"/>
+              <a:t> 0,5% and 1,0%.</a:t>
+            </a:r>
             <a:endParaRPr lang="it-IT" dirty="0"/>
-          </a:p>
-          <a:p>
-            <a:r>
-              <a:rPr lang="it-IT" dirty="0" smtClean="0"/>
-              <a:t>For </a:t>
-            </a:r>
-            <a:r>
-              <a:rPr lang="it-IT" dirty="0" err="1" smtClean="0"/>
-              <a:t>genetic</a:t>
-            </a:r>
-            <a:r>
-              <a:rPr lang="it-IT" dirty="0" smtClean="0"/>
-              <a:t> </a:t>
-            </a:r>
-            <a:r>
-              <a:rPr lang="it-IT" dirty="0" err="1" smtClean="0"/>
-              <a:t>algorithms</a:t>
-            </a:r>
-            <a:r>
-              <a:rPr lang="it-IT" dirty="0" smtClean="0"/>
-              <a:t>:</a:t>
-            </a:r>
-          </a:p>
-          <a:p>
-            <a:pPr lvl="1"/>
-            <a:r>
-              <a:rPr lang="it-IT" dirty="0" err="1" smtClean="0"/>
-              <a:t>Introduction</a:t>
-            </a:r>
-            <a:r>
-              <a:rPr lang="it-IT" dirty="0" smtClean="0"/>
-              <a:t> to </a:t>
-            </a:r>
-            <a:r>
-              <a:rPr lang="it-IT" dirty="0" err="1" smtClean="0"/>
-              <a:t>Genetic</a:t>
-            </a:r>
-            <a:r>
-              <a:rPr lang="it-IT" dirty="0" smtClean="0"/>
-              <a:t> </a:t>
-            </a:r>
-            <a:r>
-              <a:rPr lang="it-IT" dirty="0" err="1" smtClean="0"/>
-              <a:t>Algorithms</a:t>
-            </a:r>
-            <a:endParaRPr lang="it-IT" dirty="0" smtClean="0">
-              <a:hlinkClick r:id="rId4"/>
-            </a:endParaRPr>
-          </a:p>
-          <a:p>
-            <a:pPr lvl="2"/>
-            <a:r>
-              <a:rPr lang="it-IT" dirty="0" smtClean="0">
-                <a:hlinkClick r:id="rId4"/>
-              </a:rPr>
-              <a:t>http</a:t>
-            </a:r>
-            <a:r>
-              <a:rPr lang="it-IT" dirty="0">
-                <a:hlinkClick r:id="rId4"/>
-              </a:rPr>
-              <a:t>://</a:t>
-            </a:r>
-            <a:r>
-              <a:rPr lang="it-IT" dirty="0" smtClean="0">
-                <a:hlinkClick r:id="rId4"/>
-              </a:rPr>
-              <a:t>www.obitko.com/tutorials/genetic-algorithms/index.php</a:t>
-            </a:r>
-            <a:r>
-              <a:rPr lang="it-IT" dirty="0" smtClean="0"/>
-              <a:t> </a:t>
-            </a:r>
-          </a:p>
-          <a:p>
-            <a:pPr lvl="1"/>
-            <a:r>
-              <a:rPr lang="it-IT" dirty="0"/>
-              <a:t>D</a:t>
-            </a:r>
-            <a:r>
-              <a:rPr lang="it-IT" dirty="0" smtClean="0"/>
-              <a:t>. </a:t>
-            </a:r>
-            <a:r>
-              <a:rPr lang="it-IT" dirty="0" err="1" smtClean="0"/>
-              <a:t>Whitley</a:t>
-            </a:r>
-            <a:r>
-              <a:rPr lang="it-IT" dirty="0"/>
-              <a:t>: </a:t>
-            </a:r>
-            <a:r>
-              <a:rPr lang="it-IT" dirty="0" err="1" smtClean="0"/>
-              <a:t>Genetic</a:t>
-            </a:r>
-            <a:r>
-              <a:rPr lang="it-IT" dirty="0" smtClean="0"/>
-              <a:t> </a:t>
-            </a:r>
-            <a:r>
-              <a:rPr lang="it-IT" dirty="0" err="1" smtClean="0"/>
-              <a:t>Algorithms</a:t>
-            </a:r>
-            <a:r>
-              <a:rPr lang="it-IT" dirty="0" smtClean="0"/>
-              <a:t> and </a:t>
-            </a:r>
-            <a:r>
-              <a:rPr lang="it-IT" dirty="0" err="1" smtClean="0"/>
-              <a:t>Neural</a:t>
-            </a:r>
-            <a:r>
-              <a:rPr lang="it-IT" dirty="0" smtClean="0"/>
-              <a:t> Networks (1995)</a:t>
-            </a:r>
           </a:p>
         </p:txBody>
       </p:sp>
     </p:spTree>
     <p:extLst>
       <p:ext uri="{BB962C8B-B14F-4D97-AF65-F5344CB8AC3E}">
-        <p14:creationId xmlns:p14="http://schemas.microsoft.com/office/powerpoint/2010/main" val="4029696738"/>
+        <p14:creationId xmlns:p14="http://schemas.microsoft.com/office/powerpoint/2010/main" val="4293372086"/>
       </p:ext>
     </p:extLst>
   </p:cSld>
@@ -11867,6 +12704,373 @@
             <a:spLocks noGrp="1"/>
           </p:cNvSpPr>
           <p:nvPr>
+            <p:ph type="title"/>
+          </p:nvPr>
+        </p:nvSpPr>
+        <p:spPr/>
+        <p:txBody>
+          <a:bodyPr/>
+          <a:lstStyle/>
+          <a:p>
+            <a:r>
+              <a:rPr lang="it-IT" dirty="0" err="1" smtClean="0"/>
+              <a:t>References</a:t>
+            </a:r>
+            <a:endParaRPr lang="it-IT" dirty="0"/>
+          </a:p>
+        </p:txBody>
+      </p:sp>
+      <p:sp>
+        <p:nvSpPr>
+          <p:cNvPr id="3" name="Segnaposto contenuto 2"/>
+          <p:cNvSpPr>
+            <a:spLocks noGrp="1"/>
+          </p:cNvSpPr>
+          <p:nvPr>
+            <p:ph idx="1"/>
+          </p:nvPr>
+        </p:nvSpPr>
+        <p:spPr/>
+        <p:txBody>
+          <a:bodyPr/>
+          <a:lstStyle/>
+          <a:p>
+            <a:r>
+              <a:rPr lang="it-IT" dirty="0" smtClean="0"/>
+              <a:t>For </a:t>
+            </a:r>
+            <a:r>
+              <a:rPr lang="it-IT" dirty="0" err="1"/>
+              <a:t>N</a:t>
+            </a:r>
+            <a:r>
+              <a:rPr lang="it-IT" dirty="0" err="1" smtClean="0"/>
+              <a:t>eural</a:t>
+            </a:r>
+            <a:r>
+              <a:rPr lang="it-IT" dirty="0" smtClean="0"/>
+              <a:t> Networks:</a:t>
+            </a:r>
+          </a:p>
+          <a:p>
+            <a:pPr lvl="1"/>
+            <a:r>
+              <a:rPr lang="it-IT" dirty="0" smtClean="0"/>
+              <a:t>R. </a:t>
+            </a:r>
+            <a:r>
+              <a:rPr lang="it-IT" dirty="0" err="1" smtClean="0"/>
+              <a:t>Rojas</a:t>
+            </a:r>
+            <a:r>
+              <a:rPr lang="it-IT" dirty="0" smtClean="0"/>
+              <a:t>: </a:t>
+            </a:r>
+            <a:r>
+              <a:rPr lang="it-IT" i="1" dirty="0" err="1" smtClean="0"/>
+              <a:t>Neural</a:t>
+            </a:r>
+            <a:r>
+              <a:rPr lang="it-IT" i="1" dirty="0" smtClean="0"/>
+              <a:t> Networks – A </a:t>
+            </a:r>
+            <a:r>
+              <a:rPr lang="it-IT" i="1" dirty="0" err="1" smtClean="0"/>
+              <a:t>systematic</a:t>
+            </a:r>
+            <a:r>
+              <a:rPr lang="it-IT" i="1" dirty="0" smtClean="0"/>
+              <a:t> </a:t>
+            </a:r>
+            <a:r>
+              <a:rPr lang="it-IT" i="1" dirty="0" err="1" smtClean="0"/>
+              <a:t>introduction</a:t>
+            </a:r>
+            <a:r>
+              <a:rPr lang="it-IT" i="1" dirty="0" smtClean="0"/>
+              <a:t> </a:t>
+            </a:r>
+          </a:p>
+          <a:p>
+            <a:pPr lvl="2"/>
+            <a:r>
+              <a:rPr lang="it-IT" dirty="0" err="1" smtClean="0"/>
+              <a:t>Springer-Verlag</a:t>
+            </a:r>
+            <a:r>
+              <a:rPr lang="it-IT" dirty="0"/>
+              <a:t>, </a:t>
+            </a:r>
+            <a:r>
+              <a:rPr lang="it-IT" dirty="0" err="1"/>
+              <a:t>Berlin</a:t>
+            </a:r>
+            <a:r>
+              <a:rPr lang="it-IT" dirty="0"/>
+              <a:t>, New-York, </a:t>
+            </a:r>
+            <a:r>
+              <a:rPr lang="it-IT" dirty="0" smtClean="0"/>
+              <a:t>1996.</a:t>
+            </a:r>
+          </a:p>
+          <a:p>
+            <a:pPr lvl="2"/>
+            <a:r>
+              <a:rPr lang="it-IT" dirty="0" smtClean="0"/>
+              <a:t>Free online PDF: </a:t>
+            </a:r>
+            <a:r>
+              <a:rPr lang="it-IT" dirty="0" smtClean="0">
+                <a:hlinkClick r:id="rId2"/>
+              </a:rPr>
+              <a:t>http</a:t>
+            </a:r>
+            <a:r>
+              <a:rPr lang="it-IT" dirty="0">
+                <a:hlinkClick r:id="rId2"/>
+              </a:rPr>
+              <a:t>://</a:t>
+            </a:r>
+            <a:r>
+              <a:rPr lang="it-IT" dirty="0" smtClean="0">
+                <a:hlinkClick r:id="rId2"/>
+              </a:rPr>
+              <a:t>page.mi.fu-berlin.de/rojas/neural/index.html.html</a:t>
+            </a:r>
+            <a:endParaRPr lang="it-IT" dirty="0" smtClean="0"/>
+          </a:p>
+          <a:p>
+            <a:pPr lvl="2"/>
+            <a:endParaRPr lang="it-IT" dirty="0" smtClean="0"/>
+          </a:p>
+          <a:p>
+            <a:pPr lvl="1"/>
+            <a:r>
+              <a:rPr lang="it-IT" dirty="0" smtClean="0"/>
+              <a:t>AI </a:t>
+            </a:r>
+            <a:r>
+              <a:rPr lang="it-IT" dirty="0" err="1" smtClean="0"/>
+              <a:t>Junkie</a:t>
+            </a:r>
+            <a:r>
+              <a:rPr lang="it-IT" dirty="0" smtClean="0"/>
+              <a:t> - </a:t>
+            </a:r>
+            <a:r>
+              <a:rPr lang="it-IT" dirty="0" err="1" smtClean="0"/>
+              <a:t>Neural</a:t>
+            </a:r>
+            <a:r>
+              <a:rPr lang="it-IT" dirty="0" smtClean="0"/>
+              <a:t> Networks in </a:t>
+            </a:r>
+            <a:r>
+              <a:rPr lang="it-IT" dirty="0" err="1" smtClean="0"/>
+              <a:t>plain</a:t>
+            </a:r>
+            <a:r>
+              <a:rPr lang="it-IT" dirty="0" smtClean="0"/>
+              <a:t> </a:t>
+            </a:r>
+            <a:r>
+              <a:rPr lang="it-IT" dirty="0" err="1" smtClean="0"/>
+              <a:t>english</a:t>
+            </a:r>
+            <a:endParaRPr lang="it-IT" dirty="0" smtClean="0"/>
+          </a:p>
+          <a:p>
+            <a:pPr lvl="2"/>
+            <a:r>
+              <a:rPr lang="it-IT" dirty="0" smtClean="0">
+                <a:hlinkClick r:id="rId3"/>
+              </a:rPr>
+              <a:t>http</a:t>
+            </a:r>
+            <a:r>
+              <a:rPr lang="it-IT" dirty="0">
+                <a:hlinkClick r:id="rId3"/>
+              </a:rPr>
+              <a:t>://</a:t>
+            </a:r>
+            <a:r>
+              <a:rPr lang="it-IT" dirty="0" smtClean="0">
+                <a:hlinkClick r:id="rId3"/>
+              </a:rPr>
+              <a:t>www.ai-junkie.com/ann/evolved/nnt1.html</a:t>
+            </a:r>
+            <a:r>
+              <a:rPr lang="it-IT" dirty="0" smtClean="0"/>
+              <a:t> </a:t>
+            </a:r>
+            <a:br>
+              <a:rPr lang="it-IT" dirty="0" smtClean="0"/>
+            </a:br>
+            <a:endParaRPr lang="it-IT" dirty="0"/>
+          </a:p>
+          <a:p>
+            <a:r>
+              <a:rPr lang="it-IT" dirty="0" smtClean="0"/>
+              <a:t>For </a:t>
+            </a:r>
+            <a:r>
+              <a:rPr lang="it-IT" dirty="0" err="1" smtClean="0"/>
+              <a:t>genetic</a:t>
+            </a:r>
+            <a:r>
+              <a:rPr lang="it-IT" dirty="0" smtClean="0"/>
+              <a:t> </a:t>
+            </a:r>
+            <a:r>
+              <a:rPr lang="it-IT" dirty="0" err="1" smtClean="0"/>
+              <a:t>algorithms</a:t>
+            </a:r>
+            <a:r>
+              <a:rPr lang="it-IT" dirty="0" smtClean="0"/>
+              <a:t>:</a:t>
+            </a:r>
+          </a:p>
+          <a:p>
+            <a:pPr lvl="1"/>
+            <a:r>
+              <a:rPr lang="it-IT" dirty="0" err="1" smtClean="0"/>
+              <a:t>Introduction</a:t>
+            </a:r>
+            <a:r>
+              <a:rPr lang="it-IT" dirty="0" smtClean="0"/>
+              <a:t> to </a:t>
+            </a:r>
+            <a:r>
+              <a:rPr lang="it-IT" dirty="0" err="1" smtClean="0"/>
+              <a:t>Genetic</a:t>
+            </a:r>
+            <a:r>
+              <a:rPr lang="it-IT" dirty="0" smtClean="0"/>
+              <a:t> </a:t>
+            </a:r>
+            <a:r>
+              <a:rPr lang="it-IT" dirty="0" err="1" smtClean="0"/>
+              <a:t>Algorithms</a:t>
+            </a:r>
+            <a:endParaRPr lang="it-IT" dirty="0" smtClean="0">
+              <a:hlinkClick r:id="rId4"/>
+            </a:endParaRPr>
+          </a:p>
+          <a:p>
+            <a:pPr lvl="2"/>
+            <a:r>
+              <a:rPr lang="it-IT" dirty="0" smtClean="0">
+                <a:hlinkClick r:id="rId4"/>
+              </a:rPr>
+              <a:t>http</a:t>
+            </a:r>
+            <a:r>
+              <a:rPr lang="it-IT" dirty="0">
+                <a:hlinkClick r:id="rId4"/>
+              </a:rPr>
+              <a:t>://</a:t>
+            </a:r>
+            <a:r>
+              <a:rPr lang="it-IT" dirty="0" smtClean="0">
+                <a:hlinkClick r:id="rId4"/>
+              </a:rPr>
+              <a:t>www.obitko.com/tutorials/genetic-algorithms/index.php</a:t>
+            </a:r>
+            <a:r>
+              <a:rPr lang="it-IT" dirty="0" smtClean="0"/>
+              <a:t> </a:t>
+            </a:r>
+          </a:p>
+          <a:p>
+            <a:pPr lvl="1"/>
+            <a:r>
+              <a:rPr lang="it-IT" dirty="0"/>
+              <a:t>D</a:t>
+            </a:r>
+            <a:r>
+              <a:rPr lang="it-IT" dirty="0" smtClean="0"/>
+              <a:t>. </a:t>
+            </a:r>
+            <a:r>
+              <a:rPr lang="it-IT" dirty="0" err="1" smtClean="0"/>
+              <a:t>Whitley</a:t>
+            </a:r>
+            <a:r>
+              <a:rPr lang="it-IT" dirty="0"/>
+              <a:t>: </a:t>
+            </a:r>
+            <a:r>
+              <a:rPr lang="it-IT" dirty="0" err="1" smtClean="0"/>
+              <a:t>Genetic</a:t>
+            </a:r>
+            <a:r>
+              <a:rPr lang="it-IT" dirty="0" smtClean="0"/>
+              <a:t> </a:t>
+            </a:r>
+            <a:r>
+              <a:rPr lang="it-IT" dirty="0" err="1" smtClean="0"/>
+              <a:t>Algorithms</a:t>
+            </a:r>
+            <a:r>
+              <a:rPr lang="it-IT" dirty="0" smtClean="0"/>
+              <a:t> and </a:t>
+            </a:r>
+            <a:r>
+              <a:rPr lang="it-IT" dirty="0" err="1" smtClean="0"/>
+              <a:t>Neural</a:t>
+            </a:r>
+            <a:r>
+              <a:rPr lang="it-IT" dirty="0" smtClean="0"/>
+              <a:t> Networks (1995)</a:t>
+            </a:r>
+          </a:p>
+        </p:txBody>
+      </p:sp>
+    </p:spTree>
+    <p:extLst>
+      <p:ext uri="{BB962C8B-B14F-4D97-AF65-F5344CB8AC3E}">
+        <p14:creationId xmlns:p14="http://schemas.microsoft.com/office/powerpoint/2010/main" val="4029696738"/>
+      </p:ext>
+    </p:extLst>
+  </p:cSld>
+  <p:clrMapOvr>
+    <a:masterClrMapping/>
+  </p:clrMapOvr>
+  <p:timing>
+    <p:tnLst>
+      <p:par>
+        <p:cTn id="1" dur="indefinite" restart="never" nodeType="tmRoot"/>
+      </p:par>
+    </p:tnLst>
+  </p:timing>
+</p:sld>
+</file>
+
+<file path=ppt/slides/slide25.xml><?xml version="1.0" encoding="utf-8"?>
+<p:sld xmlns:a="http://schemas.openxmlformats.org/drawingml/2006/main" xmlns:r="http://schemas.openxmlformats.org/officeDocument/2006/relationships" xmlns:p="http://schemas.openxmlformats.org/presentationml/2006/main">
+  <p:cSld>
+    <p:spTree>
+      <p:nvGrpSpPr>
+        <p:cNvPr id="1" name=""/>
+        <p:cNvGrpSpPr/>
+        <p:nvPr/>
+      </p:nvGrpSpPr>
+      <p:grpSpPr>
+        <a:xfrm>
+          <a:off x="0" y="0"/>
+          <a:ext cx="0" cy="0"/>
+          <a:chOff x="0" y="0"/>
+          <a:chExt cx="0" cy="0"/>
+        </a:xfrm>
+      </p:grpSpPr>
+      <p:sp>
+        <p:nvSpPr>
+          <p:cNvPr id="2" name="Titolo 1"/>
+          <p:cNvSpPr>
+            <a:spLocks noGrp="1"/>
+          </p:cNvSpPr>
+          <p:nvPr>
             <p:ph type="ctrTitle"/>
           </p:nvPr>
         </p:nvSpPr>
@@ -11989,7 +13193,7 @@
 </p:sld>
 </file>
 
-<file path=ppt/slides/slide25.xml><?xml version="1.0" encoding="utf-8"?>
+<file path=ppt/slides/slide26.xml><?xml version="1.0" encoding="utf-8"?>
 <p:sld xmlns:a="http://schemas.openxmlformats.org/drawingml/2006/main" xmlns:r="http://schemas.openxmlformats.org/officeDocument/2006/relationships" xmlns:p="http://schemas.openxmlformats.org/presentationml/2006/main">
   <p:cSld>
     <p:spTree>
@@ -12459,7 +13663,7 @@
 </p:sld>
 </file>
 
-<file path=ppt/slides/slide26.xml><?xml version="1.0" encoding="utf-8"?>
+<file path=ppt/slides/slide27.xml><?xml version="1.0" encoding="utf-8"?>
 <p:sld xmlns:a="http://schemas.openxmlformats.org/drawingml/2006/main" xmlns:r="http://schemas.openxmlformats.org/officeDocument/2006/relationships" xmlns:p="http://schemas.openxmlformats.org/presentationml/2006/main">
   <p:cSld>
     <p:spTree>
@@ -12551,7 +13755,7 @@
 </p:sld>
 </file>
 
-<file path=ppt/slides/slide27.xml><?xml version="1.0" encoding="utf-8"?>
+<file path=ppt/slides/slide28.xml><?xml version="1.0" encoding="utf-8"?>
 <p:sld xmlns:a="http://schemas.openxmlformats.org/drawingml/2006/main" xmlns:r="http://schemas.openxmlformats.org/officeDocument/2006/relationships" xmlns:p="http://schemas.openxmlformats.org/presentationml/2006/main">
   <p:cSld>
     <p:spTree>
@@ -13616,7 +14820,7 @@
 </p:sld>
 </file>
 
-<file path=ppt/slides/slide28.xml><?xml version="1.0" encoding="utf-8"?>
+<file path=ppt/slides/slide29.xml><?xml version="1.0" encoding="utf-8"?>
 <p:sld xmlns:a="http://schemas.openxmlformats.org/drawingml/2006/main" xmlns:r="http://schemas.openxmlformats.org/officeDocument/2006/relationships" xmlns:p="http://schemas.openxmlformats.org/presentationml/2006/main">
   <p:cSld>
     <p:spTree>
@@ -13682,7 +14886,7 @@
 </p:sld>
 </file>
 
-<file path=ppt/slides/slide29.xml><?xml version="1.0" encoding="utf-8"?>
+<file path=ppt/slides/slide3.xml><?xml version="1.0" encoding="utf-8"?>
 <p:sld xmlns:a="http://schemas.openxmlformats.org/drawingml/2006/main" xmlns:r="http://schemas.openxmlformats.org/officeDocument/2006/relationships" xmlns:p="http://schemas.openxmlformats.org/presentationml/2006/main">
   <p:cSld>
     <p:spTree>
@@ -13715,20 +14919,12 @@
           <a:lstStyle/>
           <a:p>
             <a:r>
-              <a:rPr lang="it-IT" dirty="0" err="1" smtClean="0"/>
-              <a:t>Fork</a:t>
-            </a:r>
-            <a:r>
-              <a:rPr lang="it-IT" dirty="0" smtClean="0"/>
-              <a:t> </a:t>
-            </a:r>
-            <a:r>
-              <a:rPr lang="it-IT" dirty="0" err="1" smtClean="0"/>
-              <a:t>it</a:t>
-            </a:r>
-            <a:r>
-              <a:rPr lang="it-IT" dirty="0" smtClean="0"/>
-              <a:t> on </a:t>
+              <a:rPr lang="it-IT" dirty="0" smtClean="0"/>
+              <a:t>The </a:t>
+            </a:r>
+            <a:r>
+              <a:rPr lang="it-IT" dirty="0" err="1" smtClean="0"/>
+              <a:t>Neuroscience</a:t>
             </a:r>
             <a:endParaRPr lang="it-IT" dirty="0"/>
           </a:p>
@@ -13749,6 +14945,286 @@
           <a:bodyPr/>
           <a:lstStyle/>
           <a:p>
+            <a:r>
+              <a:rPr lang="it-IT" dirty="0" err="1" smtClean="0"/>
+              <a:t>Our</a:t>
+            </a:r>
+            <a:r>
+              <a:rPr lang="it-IT" dirty="0" smtClean="0"/>
+              <a:t> brain </a:t>
+            </a:r>
+            <a:r>
+              <a:rPr lang="it-IT" dirty="0" err="1" smtClean="0"/>
+              <a:t>is</a:t>
+            </a:r>
+            <a:r>
+              <a:rPr lang="it-IT" dirty="0" smtClean="0"/>
+              <a:t>, </a:t>
+            </a:r>
+            <a:r>
+              <a:rPr lang="it-IT" dirty="0" err="1" smtClean="0"/>
+              <a:t>substantially</a:t>
+            </a:r>
+            <a:r>
+              <a:rPr lang="it-IT" dirty="0" smtClean="0"/>
+              <a:t>, </a:t>
+            </a:r>
+            <a:r>
+              <a:rPr lang="en-US" dirty="0" smtClean="0"/>
+              <a:t>a Parallel </a:t>
+            </a:r>
+            <a:r>
+              <a:rPr lang="en-US" dirty="0"/>
+              <a:t>Information Processing </a:t>
+            </a:r>
+            <a:r>
+              <a:rPr lang="en-US" dirty="0" smtClean="0"/>
+              <a:t>System.</a:t>
+            </a:r>
+          </a:p>
+          <a:p>
+            <a:r>
+              <a:rPr lang="it-IT" dirty="0" err="1" smtClean="0"/>
+              <a:t>It</a:t>
+            </a:r>
+            <a:r>
+              <a:rPr lang="it-IT" dirty="0" smtClean="0"/>
+              <a:t> </a:t>
+            </a:r>
+            <a:r>
+              <a:rPr lang="it-IT" dirty="0" err="1" smtClean="0"/>
+              <a:t>contains</a:t>
+            </a:r>
+            <a:r>
+              <a:rPr lang="it-IT" dirty="0" smtClean="0"/>
+              <a:t> </a:t>
+            </a:r>
+            <a:r>
+              <a:rPr lang="it-IT" dirty="0" err="1" smtClean="0"/>
+              <a:t>about</a:t>
+            </a:r>
+            <a:r>
+              <a:rPr lang="it-IT" dirty="0" smtClean="0"/>
+              <a:t> 10 BILLION </a:t>
+            </a:r>
+            <a:r>
+              <a:rPr lang="it-IT" dirty="0" err="1" smtClean="0"/>
+              <a:t>nerve</a:t>
+            </a:r>
+            <a:r>
+              <a:rPr lang="it-IT" dirty="0" smtClean="0"/>
+              <a:t> </a:t>
+            </a:r>
+            <a:r>
+              <a:rPr lang="it-IT" dirty="0" err="1" smtClean="0"/>
+              <a:t>cells</a:t>
+            </a:r>
+            <a:r>
+              <a:rPr lang="it-IT" dirty="0" smtClean="0"/>
+              <a:t>, </a:t>
+            </a:r>
+            <a:r>
+              <a:rPr lang="it-IT" dirty="0" err="1" smtClean="0"/>
+              <a:t>called</a:t>
+            </a:r>
+            <a:r>
+              <a:rPr lang="it-IT" dirty="0" smtClean="0"/>
+              <a:t> </a:t>
+            </a:r>
+            <a:r>
+              <a:rPr lang="it-IT" b="1" dirty="0" err="1" smtClean="0"/>
+              <a:t>neurons</a:t>
+            </a:r>
+            <a:r>
+              <a:rPr lang="it-IT" dirty="0" smtClean="0"/>
+              <a:t>, </a:t>
+            </a:r>
+            <a:r>
+              <a:rPr lang="it-IT" dirty="0" err="1" smtClean="0"/>
+              <a:t>each</a:t>
+            </a:r>
+            <a:r>
+              <a:rPr lang="it-IT" dirty="0" smtClean="0"/>
+              <a:t> </a:t>
+            </a:r>
+            <a:r>
+              <a:rPr lang="it-IT" dirty="0" err="1" smtClean="0"/>
+              <a:t>one</a:t>
+            </a:r>
+            <a:r>
+              <a:rPr lang="it-IT" dirty="0" smtClean="0"/>
+              <a:t> </a:t>
+            </a:r>
+            <a:r>
+              <a:rPr lang="it-IT" dirty="0" err="1" smtClean="0"/>
+              <a:t>connected</a:t>
+            </a:r>
+            <a:r>
+              <a:rPr lang="it-IT" dirty="0" smtClean="0"/>
+              <a:t> to </a:t>
+            </a:r>
+            <a:r>
+              <a:rPr lang="it-IT" dirty="0" err="1" smtClean="0"/>
+              <a:t>other</a:t>
+            </a:r>
+            <a:r>
+              <a:rPr lang="it-IT" dirty="0" smtClean="0"/>
+              <a:t> </a:t>
+            </a:r>
+            <a:r>
+              <a:rPr lang="it-IT" dirty="0" err="1" smtClean="0"/>
+              <a:t>ones</a:t>
+            </a:r>
+            <a:r>
+              <a:rPr lang="it-IT" dirty="0" smtClean="0"/>
+              <a:t> by </a:t>
+            </a:r>
+            <a:r>
+              <a:rPr lang="it-IT" b="1" dirty="0" err="1" smtClean="0"/>
+              <a:t>synapses</a:t>
+            </a:r>
+            <a:r>
+              <a:rPr lang="it-IT" dirty="0" smtClean="0"/>
+              <a:t>.</a:t>
+            </a:r>
+            <a:endParaRPr lang="it-IT" dirty="0"/>
+          </a:p>
+          <a:p>
+            <a:pPr marL="0" indent="0">
+              <a:buNone/>
+            </a:pPr>
+            <a:endParaRPr lang="it-IT" dirty="0" smtClean="0"/>
+          </a:p>
+        </p:txBody>
+      </p:sp>
+      <p:pic>
+        <p:nvPicPr>
+          <p:cNvPr id="3074" name="Picture 2" descr="network of neurons"/>
+          <p:cNvPicPr>
+            <a:picLocks noChangeAspect="1" noChangeArrowheads="1"/>
+          </p:cNvPicPr>
+          <p:nvPr/>
+        </p:nvPicPr>
+        <p:blipFill>
+          <a:blip r:embed="rId2">
+            <a:extLst>
+              <a:ext uri="{28A0092B-C50C-407E-A947-70E740481C1C}">
+                <a14:useLocalDpi xmlns:a14="http://schemas.microsoft.com/office/drawing/2010/main" val="0"/>
+              </a:ext>
+            </a:extLst>
+          </a:blip>
+          <a:srcRect/>
+          <a:stretch>
+            <a:fillRect/>
+          </a:stretch>
+        </p:blipFill>
+        <p:spPr bwMode="auto">
+          <a:xfrm>
+            <a:off x="2548717" y="3717032"/>
+            <a:ext cx="4056538" cy="2482602"/>
+          </a:xfrm>
+          <a:prstGeom prst="rect">
+            <a:avLst/>
+          </a:prstGeom>
+          <a:noFill/>
+          <a:extLst>
+            <a:ext uri="{909E8E84-426E-40DD-AFC4-6F175D3DCCD1}">
+              <a14:hiddenFill xmlns:a14="http://schemas.microsoft.com/office/drawing/2010/main">
+                <a:solidFill>
+                  <a:srgbClr val="FFFFFF"/>
+                </a:solidFill>
+              </a14:hiddenFill>
+            </a:ext>
+          </a:extLst>
+        </p:spPr>
+      </p:pic>
+    </p:spTree>
+    <p:extLst>
+      <p:ext uri="{BB962C8B-B14F-4D97-AF65-F5344CB8AC3E}">
+        <p14:creationId xmlns:p14="http://schemas.microsoft.com/office/powerpoint/2010/main" val="3140449482"/>
+      </p:ext>
+    </p:extLst>
+  </p:cSld>
+  <p:clrMapOvr>
+    <a:masterClrMapping/>
+  </p:clrMapOvr>
+  <p:timing>
+    <p:tnLst>
+      <p:par>
+        <p:cTn id="1" dur="indefinite" restart="never" nodeType="tmRoot"/>
+      </p:par>
+    </p:tnLst>
+  </p:timing>
+</p:sld>
+</file>
+
+<file path=ppt/slides/slide30.xml><?xml version="1.0" encoding="utf-8"?>
+<p:sld xmlns:a="http://schemas.openxmlformats.org/drawingml/2006/main" xmlns:r="http://schemas.openxmlformats.org/officeDocument/2006/relationships" xmlns:p="http://schemas.openxmlformats.org/presentationml/2006/main">
+  <p:cSld>
+    <p:spTree>
+      <p:nvGrpSpPr>
+        <p:cNvPr id="1" name=""/>
+        <p:cNvGrpSpPr/>
+        <p:nvPr/>
+      </p:nvGrpSpPr>
+      <p:grpSpPr>
+        <a:xfrm>
+          <a:off x="0" y="0"/>
+          <a:ext cx="0" cy="0"/>
+          <a:chOff x="0" y="0"/>
+          <a:chExt cx="0" cy="0"/>
+        </a:xfrm>
+      </p:grpSpPr>
+      <p:sp>
+        <p:nvSpPr>
+          <p:cNvPr id="2" name="Titolo 1"/>
+          <p:cNvSpPr>
+            <a:spLocks noGrp="1"/>
+          </p:cNvSpPr>
+          <p:nvPr>
+            <p:ph type="title"/>
+          </p:nvPr>
+        </p:nvSpPr>
+        <p:spPr/>
+        <p:txBody>
+          <a:bodyPr/>
+          <a:lstStyle/>
+          <a:p>
+            <a:r>
+              <a:rPr lang="it-IT" dirty="0" err="1" smtClean="0"/>
+              <a:t>Fork</a:t>
+            </a:r>
+            <a:r>
+              <a:rPr lang="it-IT" dirty="0" smtClean="0"/>
+              <a:t> </a:t>
+            </a:r>
+            <a:r>
+              <a:rPr lang="it-IT" dirty="0" err="1" smtClean="0"/>
+              <a:t>it</a:t>
+            </a:r>
+            <a:r>
+              <a:rPr lang="it-IT" dirty="0" smtClean="0"/>
+              <a:t> on </a:t>
+            </a:r>
+            <a:endParaRPr lang="it-IT" dirty="0"/>
+          </a:p>
+        </p:txBody>
+      </p:sp>
+      <p:sp>
+        <p:nvSpPr>
+          <p:cNvPr id="3" name="Segnaposto contenuto 2"/>
+          <p:cNvSpPr>
+            <a:spLocks noGrp="1"/>
+          </p:cNvSpPr>
+          <p:nvPr>
+            <p:ph idx="1"/>
+          </p:nvPr>
+        </p:nvSpPr>
+        <p:spPr/>
+        <p:txBody>
+          <a:bodyPr/>
+          <a:lstStyle/>
+          <a:p>
             <a:endParaRPr lang="it-IT" dirty="0" smtClean="0"/>
           </a:p>
           <a:p>
@@ -13795,11 +15271,7 @@
             </a:r>
             <a:r>
               <a:rPr lang="it-IT" dirty="0" smtClean="0"/>
-              <a:t> </a:t>
-            </a:r>
-            <a:r>
-              <a:rPr lang="it-IT" dirty="0" smtClean="0"/>
-              <a:t>free to test and </a:t>
+              <a:t> free to test and </a:t>
             </a:r>
             <a:r>
               <a:rPr lang="it-IT" dirty="0" err="1" smtClean="0"/>
@@ -13918,278 +15390,6 @@
     <p:extLst>
       <p:ext uri="{BB962C8B-B14F-4D97-AF65-F5344CB8AC3E}">
         <p14:creationId xmlns:p14="http://schemas.microsoft.com/office/powerpoint/2010/main" val="2187177554"/>
-      </p:ext>
-    </p:extLst>
-  </p:cSld>
-  <p:clrMapOvr>
-    <a:masterClrMapping/>
-  </p:clrMapOvr>
-  <p:timing>
-    <p:tnLst>
-      <p:par>
-        <p:cTn id="1" dur="indefinite" restart="never" nodeType="tmRoot"/>
-      </p:par>
-    </p:tnLst>
-  </p:timing>
-</p:sld>
-</file>
-
-<file path=ppt/slides/slide3.xml><?xml version="1.0" encoding="utf-8"?>
-<p:sld xmlns:a="http://schemas.openxmlformats.org/drawingml/2006/main" xmlns:r="http://schemas.openxmlformats.org/officeDocument/2006/relationships" xmlns:p="http://schemas.openxmlformats.org/presentationml/2006/main">
-  <p:cSld>
-    <p:spTree>
-      <p:nvGrpSpPr>
-        <p:cNvPr id="1" name=""/>
-        <p:cNvGrpSpPr/>
-        <p:nvPr/>
-      </p:nvGrpSpPr>
-      <p:grpSpPr>
-        <a:xfrm>
-          <a:off x="0" y="0"/>
-          <a:ext cx="0" cy="0"/>
-          <a:chOff x="0" y="0"/>
-          <a:chExt cx="0" cy="0"/>
-        </a:xfrm>
-      </p:grpSpPr>
-      <p:sp>
-        <p:nvSpPr>
-          <p:cNvPr id="2" name="Titolo 1"/>
-          <p:cNvSpPr>
-            <a:spLocks noGrp="1"/>
-          </p:cNvSpPr>
-          <p:nvPr>
-            <p:ph type="title"/>
-          </p:nvPr>
-        </p:nvSpPr>
-        <p:spPr/>
-        <p:txBody>
-          <a:bodyPr/>
-          <a:lstStyle/>
-          <a:p>
-            <a:r>
-              <a:rPr lang="it-IT" dirty="0" smtClean="0"/>
-              <a:t>The </a:t>
-            </a:r>
-            <a:r>
-              <a:rPr lang="it-IT" dirty="0" err="1" smtClean="0"/>
-              <a:t>Neuroscience</a:t>
-            </a:r>
-            <a:endParaRPr lang="it-IT" dirty="0"/>
-          </a:p>
-        </p:txBody>
-      </p:sp>
-      <p:sp>
-        <p:nvSpPr>
-          <p:cNvPr id="3" name="Segnaposto contenuto 2"/>
-          <p:cNvSpPr>
-            <a:spLocks noGrp="1"/>
-          </p:cNvSpPr>
-          <p:nvPr>
-            <p:ph idx="1"/>
-          </p:nvPr>
-        </p:nvSpPr>
-        <p:spPr/>
-        <p:txBody>
-          <a:bodyPr/>
-          <a:lstStyle/>
-          <a:p>
-            <a:r>
-              <a:rPr lang="it-IT" dirty="0" err="1" smtClean="0"/>
-              <a:t>Our</a:t>
-            </a:r>
-            <a:r>
-              <a:rPr lang="it-IT" dirty="0" smtClean="0"/>
-              <a:t> brain </a:t>
-            </a:r>
-            <a:r>
-              <a:rPr lang="it-IT" dirty="0" err="1" smtClean="0"/>
-              <a:t>is</a:t>
-            </a:r>
-            <a:r>
-              <a:rPr lang="it-IT" dirty="0" smtClean="0"/>
-              <a:t>, </a:t>
-            </a:r>
-            <a:r>
-              <a:rPr lang="it-IT" dirty="0" err="1" smtClean="0"/>
-              <a:t>substantially</a:t>
-            </a:r>
-            <a:r>
-              <a:rPr lang="it-IT" dirty="0" smtClean="0"/>
-              <a:t>, </a:t>
-            </a:r>
-            <a:r>
-              <a:rPr lang="en-US" dirty="0" smtClean="0"/>
-              <a:t>a Parallel </a:t>
-            </a:r>
-            <a:r>
-              <a:rPr lang="en-US" dirty="0"/>
-              <a:t>Information Processing </a:t>
-            </a:r>
-            <a:r>
-              <a:rPr lang="en-US" dirty="0" smtClean="0"/>
-              <a:t>System.</a:t>
-            </a:r>
-          </a:p>
-          <a:p>
-            <a:r>
-              <a:rPr lang="it-IT" dirty="0" err="1" smtClean="0"/>
-              <a:t>It</a:t>
-            </a:r>
-            <a:r>
-              <a:rPr lang="it-IT" dirty="0" smtClean="0"/>
-              <a:t> </a:t>
-            </a:r>
-            <a:r>
-              <a:rPr lang="it-IT" dirty="0" err="1" smtClean="0"/>
-              <a:t>contains</a:t>
-            </a:r>
-            <a:r>
-              <a:rPr lang="it-IT" dirty="0" smtClean="0"/>
-              <a:t> </a:t>
-            </a:r>
-            <a:r>
-              <a:rPr lang="it-IT" dirty="0" err="1" smtClean="0"/>
-              <a:t>about</a:t>
-            </a:r>
-            <a:r>
-              <a:rPr lang="it-IT" dirty="0" smtClean="0"/>
-              <a:t> 10 BILLION </a:t>
-            </a:r>
-            <a:r>
-              <a:rPr lang="it-IT" dirty="0" err="1" smtClean="0"/>
-              <a:t>nerve</a:t>
-            </a:r>
-            <a:r>
-              <a:rPr lang="it-IT" dirty="0" smtClean="0"/>
-              <a:t> </a:t>
-            </a:r>
-            <a:r>
-              <a:rPr lang="it-IT" dirty="0" err="1" smtClean="0"/>
-              <a:t>cells</a:t>
-            </a:r>
-            <a:r>
-              <a:rPr lang="it-IT" dirty="0" smtClean="0"/>
-              <a:t>, </a:t>
-            </a:r>
-            <a:r>
-              <a:rPr lang="it-IT" dirty="0" err="1" smtClean="0"/>
-              <a:t>called</a:t>
-            </a:r>
-            <a:r>
-              <a:rPr lang="it-IT" dirty="0" smtClean="0"/>
-              <a:t> </a:t>
-            </a:r>
-            <a:r>
-              <a:rPr lang="it-IT" b="1" dirty="0" err="1" smtClean="0"/>
-              <a:t>neurons</a:t>
-            </a:r>
-            <a:r>
-              <a:rPr lang="it-IT" dirty="0" smtClean="0"/>
-              <a:t>, </a:t>
-            </a:r>
-            <a:r>
-              <a:rPr lang="it-IT" dirty="0" err="1" smtClean="0"/>
-              <a:t>each</a:t>
-            </a:r>
-            <a:r>
-              <a:rPr lang="it-IT" dirty="0" smtClean="0"/>
-              <a:t> </a:t>
-            </a:r>
-            <a:r>
-              <a:rPr lang="it-IT" dirty="0" err="1" smtClean="0"/>
-              <a:t>one</a:t>
-            </a:r>
-            <a:r>
-              <a:rPr lang="it-IT" dirty="0" smtClean="0"/>
-              <a:t> </a:t>
-            </a:r>
-            <a:r>
-              <a:rPr lang="it-IT" dirty="0" err="1" smtClean="0"/>
-              <a:t>connected</a:t>
-            </a:r>
-            <a:r>
-              <a:rPr lang="it-IT" dirty="0" smtClean="0"/>
-              <a:t> to </a:t>
-            </a:r>
-            <a:r>
-              <a:rPr lang="it-IT" dirty="0" err="1" smtClean="0"/>
-              <a:t>other</a:t>
-            </a:r>
-            <a:r>
-              <a:rPr lang="it-IT" dirty="0" smtClean="0"/>
-              <a:t> </a:t>
-            </a:r>
-            <a:r>
-              <a:rPr lang="it-IT" dirty="0" err="1" smtClean="0"/>
-              <a:t>ones</a:t>
-            </a:r>
-            <a:r>
-              <a:rPr lang="it-IT" dirty="0" smtClean="0"/>
-              <a:t> by </a:t>
-            </a:r>
-            <a:r>
-              <a:rPr lang="it-IT" b="1" dirty="0" err="1" smtClean="0"/>
-              <a:t>synapses</a:t>
-            </a:r>
-            <a:r>
-              <a:rPr lang="it-IT" dirty="0" smtClean="0"/>
-              <a:t>.</a:t>
-            </a:r>
-            <a:endParaRPr lang="it-IT" dirty="0"/>
-          </a:p>
-          <a:p>
-            <a:pPr marL="0" indent="0">
-              <a:buNone/>
-            </a:pPr>
-            <a:endParaRPr lang="it-IT" dirty="0" smtClean="0"/>
-          </a:p>
-        </p:txBody>
-      </p:sp>
-      <p:pic>
-        <p:nvPicPr>
-          <p:cNvPr id="3074" name="Picture 2" descr="network of neurons"/>
-          <p:cNvPicPr>
-            <a:picLocks noChangeAspect="1" noChangeArrowheads="1"/>
-          </p:cNvPicPr>
-          <p:nvPr/>
-        </p:nvPicPr>
-        <p:blipFill>
-          <a:blip r:embed="rId2">
-            <a:extLst>
-              <a:ext uri="{28A0092B-C50C-407E-A947-70E740481C1C}">
-                <a14:useLocalDpi xmlns:a14="http://schemas.microsoft.com/office/drawing/2010/main" val="0"/>
-              </a:ext>
-            </a:extLst>
-          </a:blip>
-          <a:srcRect/>
-          <a:stretch>
-            <a:fillRect/>
-          </a:stretch>
-        </p:blipFill>
-        <p:spPr bwMode="auto">
-          <a:xfrm>
-            <a:off x="2548717" y="3717032"/>
-            <a:ext cx="4056538" cy="2482602"/>
-          </a:xfrm>
-          <a:prstGeom prst="rect">
-            <a:avLst/>
-          </a:prstGeom>
-          <a:noFill/>
-          <a:extLst>
-            <a:ext uri="{909E8E84-426E-40DD-AFC4-6F175D3DCCD1}">
-              <a14:hiddenFill xmlns:a14="http://schemas.microsoft.com/office/drawing/2010/main">
-                <a:solidFill>
-                  <a:srgbClr val="FFFFFF"/>
-                </a:solidFill>
-              </a14:hiddenFill>
-            </a:ext>
-          </a:extLst>
-        </p:spPr>
-      </p:pic>
-    </p:spTree>
-    <p:extLst>
-      <p:ext uri="{BB962C8B-B14F-4D97-AF65-F5344CB8AC3E}">
-        <p14:creationId xmlns:p14="http://schemas.microsoft.com/office/powerpoint/2010/main" val="3140449482"/>
       </p:ext>
     </p:extLst>
   </p:cSld>
@@ -14637,7 +15837,19 @@
             </a:r>
             <a:r>
               <a:rPr lang="en-US" sz="2000" dirty="0" smtClean="0"/>
-              <a:t>chooses what to transmit using a little </a:t>
+              <a:t>transmits </a:t>
+            </a:r>
+            <a:r>
+              <a:rPr lang="en-US" sz="2000" dirty="0" err="1" smtClean="0"/>
+              <a:t>informations</a:t>
+            </a:r>
+            <a:r>
+              <a:rPr lang="en-US" sz="2000" dirty="0" smtClean="0"/>
+              <a:t> </a:t>
+            </a:r>
+            <a:r>
+              <a:rPr lang="en-US" sz="2000" dirty="0" smtClean="0"/>
+              <a:t>using a little </a:t>
             </a:r>
             <a:r>
               <a:rPr lang="en-US" sz="2000" dirty="0"/>
@@ -14665,23 +15877,107 @@
           <a:p>
             <a:r>
               <a:rPr lang="en-US" sz="2000" dirty="0" smtClean="0"/>
-              <a:t>For our purposes, we can simplified this action in a way such that an "importance factor" called </a:t>
+              <a:t>For our purposes, we can </a:t>
+            </a:r>
+            <a:r>
+              <a:rPr lang="en-US" sz="2000" dirty="0" smtClean="0"/>
+              <a:t>simplify </a:t>
+            </a:r>
+            <a:r>
+              <a:rPr lang="en-US" sz="2000" dirty="0" smtClean="0"/>
+              <a:t>this </a:t>
+            </a:r>
+            <a:r>
+              <a:rPr lang="en-US" sz="2000" dirty="0" smtClean="0"/>
+              <a:t>action </a:t>
+            </a:r>
+            <a:r>
+              <a:rPr lang="en-US" sz="2000" dirty="0" smtClean="0"/>
+              <a:t>in a way such that </a:t>
+            </a:r>
+            <a:r>
+              <a:rPr lang="en-US" sz="2000" dirty="0" smtClean="0"/>
+              <a:t>a neuron outputs </a:t>
+            </a:r>
+            <a:r>
+              <a:rPr lang="en-US" sz="2000" b="1" dirty="0" smtClean="0"/>
+              <a:t>a value that is </a:t>
+            </a:r>
+            <a:r>
+              <a:rPr lang="it-IT" sz="2000" b="1" dirty="0" err="1"/>
+              <a:t>strongly</a:t>
+            </a:r>
+            <a:r>
+              <a:rPr lang="it-IT" sz="2000" b="1" dirty="0"/>
+              <a:t> </a:t>
+            </a:r>
+            <a:r>
+              <a:rPr lang="it-IT" sz="2000" b="1" dirty="0" err="1" smtClean="0"/>
+              <a:t>influenced</a:t>
+            </a:r>
+            <a:r>
+              <a:rPr lang="it-IT" sz="2000" b="1" dirty="0" smtClean="0"/>
+              <a:t> </a:t>
+            </a:r>
+            <a:r>
+              <a:rPr lang="it-IT" sz="2000" dirty="0" smtClean="0"/>
+              <a:t>by </a:t>
+            </a:r>
+            <a:r>
+              <a:rPr lang="it-IT" sz="2000" dirty="0" err="1" smtClean="0"/>
+              <a:t>those</a:t>
+            </a:r>
+            <a:r>
+              <a:rPr lang="it-IT" sz="2000" dirty="0" smtClean="0"/>
+              <a:t> </a:t>
+            </a:r>
+            <a:r>
+              <a:rPr lang="it-IT" sz="2000" dirty="0" err="1" smtClean="0"/>
+              <a:t>inputs</a:t>
+            </a:r>
+            <a:r>
+              <a:rPr lang="it-IT" sz="2000" dirty="0" smtClean="0"/>
+              <a:t> </a:t>
+            </a:r>
+            <a:r>
+              <a:rPr lang="it-IT" sz="2000" err="1" smtClean="0"/>
+              <a:t>that</a:t>
+            </a:r>
+            <a:r>
+              <a:rPr lang="it-IT" sz="2000" smtClean="0"/>
+              <a:t> have a </a:t>
+            </a:r>
+            <a:r>
+              <a:rPr lang="it-IT" sz="2000" dirty="0" err="1" smtClean="0"/>
+              <a:t>higher</a:t>
+            </a:r>
+            <a:r>
+              <a:rPr lang="it-IT" sz="2000" dirty="0" smtClean="0"/>
+              <a:t> "i</a:t>
+            </a:r>
+            <a:r>
+              <a:rPr lang="en-US" sz="2000" dirty="0" err="1" smtClean="0"/>
+              <a:t>mportance</a:t>
+            </a:r>
+            <a:r>
+              <a:rPr lang="en-US" sz="2000" dirty="0" smtClean="0"/>
+              <a:t> </a:t>
+            </a:r>
+            <a:r>
+              <a:rPr lang="en-US" sz="2000" dirty="0" smtClean="0"/>
+              <a:t>factor</a:t>
+            </a:r>
+            <a:r>
+              <a:rPr lang="en-US" sz="2000" dirty="0" smtClean="0"/>
+              <a:t>", </a:t>
+            </a:r>
+            <a:r>
+              <a:rPr lang="en-US" sz="2000" dirty="0" smtClean="0"/>
+              <a:t>called </a:t>
             </a:r>
             <a:r>
               <a:rPr lang="en-US" sz="2000" i="1" dirty="0" smtClean="0"/>
-              <a:t>weight</a:t>
-            </a:r>
-            <a:r>
-              <a:rPr lang="en-US" sz="2000" dirty="0" smtClean="0"/>
-              <a:t> is assigned to each input. The neuron will transmit a single value that belongs to </a:t>
-            </a:r>
-            <a:r>
-              <a:rPr lang="en-US" sz="2000" b="1" dirty="0" smtClean="0"/>
-              <a:t>most important received inputs</a:t>
-            </a:r>
-            <a:r>
-              <a:rPr lang="en-US" sz="2000" dirty="0" smtClean="0"/>
-              <a:t>.</a:t>
+              <a:t>weight. </a:t>
             </a:r>
             <a:endParaRPr lang="it-IT" sz="1600" dirty="0" smtClean="0"/>
           </a:p>
@@ -14710,7 +16006,7 @@
         </p:blipFill>
         <p:spPr bwMode="auto">
           <a:xfrm>
-            <a:off x="2411760" y="3789040"/>
+            <a:off x="2411760" y="3527553"/>
             <a:ext cx="4242594" cy="2668560"/>
           </a:xfrm>
           <a:prstGeom prst="rect">

--- a/presentation.pptx
+++ b/presentation.pptx
@@ -8800,8 +8800,8 @@
         </p:nvSpPr>
         <p:spPr>
           <a:xfrm>
-            <a:off x="6732240" y="3752288"/>
-            <a:ext cx="1368152" cy="923330"/>
+            <a:off x="6590025" y="3752288"/>
+            <a:ext cx="1510367" cy="923330"/>
           </a:xfrm>
           <a:prstGeom prst="rect">
             <a:avLst/>
@@ -8816,7 +8816,7 @@
           <a:p>
             <a:r>
               <a:rPr lang="it-IT" i="1" dirty="0" smtClean="0"/>
-              <a:t>How </a:t>
+              <a:t>"How </a:t>
             </a:r>
             <a:r>
               <a:rPr lang="it-IT" i="1" dirty="0" err="1" smtClean="0"/>
@@ -8827,6 +8827,10 @@
               <a:t> </a:t>
             </a:r>
             <a:r>
+              <a:rPr lang="it-IT" i="1" dirty="0" smtClean="0"/>
+              <a:t>do </a:t>
+            </a:r>
+            <a:r>
               <a:rPr lang="it-IT" i="1" dirty="0" err="1" smtClean="0"/>
               <a:t>we</a:t>
             </a:r>
@@ -8848,7 +8852,11 @@
             </a:r>
             <a:r>
               <a:rPr lang="it-IT" i="1" dirty="0" smtClean="0"/>
-              <a:t> output?</a:t>
+              <a:t> output</a:t>
+            </a:r>
+            <a:r>
+              <a:rPr lang="it-IT" i="1" dirty="0" smtClean="0"/>
+              <a:t>?"</a:t>
             </a:r>
             <a:endParaRPr lang="it-IT" i="1" dirty="0"/>
           </a:p>
@@ -9837,7 +9845,6 @@
               <a:rPr lang="it-IT" dirty="0"/>
               <a:t>3</a:t>
             </a:r>
-            <a:endParaRPr lang="it-IT" dirty="0"/>
           </a:p>
         </p:txBody>
       </p:sp>
@@ -9880,7 +9887,6 @@
               <a:rPr lang="it-IT" dirty="0"/>
               <a:t>1</a:t>
             </a:r>
-            <a:endParaRPr lang="it-IT" dirty="0"/>
           </a:p>
         </p:txBody>
       </p:sp>
@@ -10052,7 +10058,6 @@
               <a:rPr lang="it-IT" dirty="0"/>
               <a:t>2</a:t>
             </a:r>
-            <a:endParaRPr lang="it-IT" dirty="0"/>
           </a:p>
         </p:txBody>
       </p:sp>
@@ -10342,7 +10347,6 @@
                 <a:rPr lang="it-IT" dirty="0"/>
                 <a:t>6</a:t>
               </a:r>
-              <a:endParaRPr lang="it-IT" dirty="0"/>
             </a:p>
           </p:txBody>
         </p:sp>
@@ -10699,7 +10703,6 @@
                 <a:rPr lang="it-IT" dirty="0"/>
                 <a:t>9</a:t>
               </a:r>
-              <a:endParaRPr lang="it-IT" dirty="0"/>
             </a:p>
           </p:txBody>
         </p:sp>
@@ -10831,7 +10834,6 @@
                 <a:rPr lang="it-IT" dirty="0"/>
                 <a:t>7</a:t>
               </a:r>
-              <a:endParaRPr lang="it-IT" dirty="0"/>
             </a:p>
           </p:txBody>
         </p:sp>
@@ -10882,13 +10884,13 @@
   <p:clrMapOvr>
     <a:masterClrMapping/>
   </p:clrMapOvr>
-  <mc:AlternateContent xmlns:mc="http://schemas.openxmlformats.org/markup-compatibility/2006">
-    <mc:Choice xmlns:p14="http://schemas.microsoft.com/office/powerpoint/2010/main" Requires="p14">
+  <mc:AlternateContent xmlns:mc="http://schemas.openxmlformats.org/markup-compatibility/2006" xmlns:p14="http://schemas.microsoft.com/office/powerpoint/2010/main">
+    <mc:Choice Requires="p14">
       <p:transition spd="med" p14:dur="700">
         <p:fade/>
       </p:transition>
     </mc:Choice>
-    <mc:Fallback>
+    <mc:Fallback xmlns="">
       <p:transition spd="med">
         <p:fade/>
       </p:transition>
@@ -11363,11 +11365,7 @@
             </a:r>
             <a:r>
               <a:rPr lang="en-US" dirty="0" smtClean="0"/>
-              <a:t>is </a:t>
-            </a:r>
-            <a:r>
-              <a:rPr lang="en-US" dirty="0" smtClean="0"/>
-              <a:t>evaluated. Then, </a:t>
+              <a:t>is evaluated. Then, </a:t>
             </a:r>
             <a:r>
               <a:rPr lang="en-US" b="1" dirty="0" smtClean="0"/>
@@ -12055,7 +12053,7 @@
           <a:p>
             <a:r>
               <a:rPr lang="it-IT" dirty="0" err="1" smtClean="0"/>
-              <a:t>Differend</a:t>
+              <a:t>Different</a:t>
             </a:r>
             <a:r>
               <a:rPr lang="it-IT" dirty="0" smtClean="0"/>
@@ -12067,7 +12065,11 @@
             </a:r>
             <a:r>
               <a:rPr lang="it-IT" dirty="0" smtClean="0"/>
-              <a:t> of crossover:</a:t>
+              <a:t> of </a:t>
+            </a:r>
+            <a:r>
+              <a:rPr lang="it-IT" dirty="0" smtClean="0"/>
+              <a:t>crossover:</a:t>
             </a:r>
           </a:p>
           <a:p>
@@ -15845,11 +15847,7 @@
             </a:r>
             <a:r>
               <a:rPr lang="en-US" sz="2000" dirty="0" smtClean="0"/>
-              <a:t> </a:t>
-            </a:r>
-            <a:r>
-              <a:rPr lang="en-US" sz="2000" dirty="0" smtClean="0"/>
-              <a:t>using a little </a:t>
+              <a:t> using a little </a:t>
             </a:r>
             <a:r>
               <a:rPr lang="en-US" sz="2000" dirty="0"/>
@@ -15877,27 +15875,7 @@
           <a:p>
             <a:r>
               <a:rPr lang="en-US" sz="2000" dirty="0" smtClean="0"/>
-              <a:t>For our purposes, we can </a:t>
-            </a:r>
-            <a:r>
-              <a:rPr lang="en-US" sz="2000" dirty="0" smtClean="0"/>
-              <a:t>simplify </a:t>
-            </a:r>
-            <a:r>
-              <a:rPr lang="en-US" sz="2000" dirty="0" smtClean="0"/>
-              <a:t>this </a:t>
-            </a:r>
-            <a:r>
-              <a:rPr lang="en-US" sz="2000" dirty="0" smtClean="0"/>
-              <a:t>action </a:t>
-            </a:r>
-            <a:r>
-              <a:rPr lang="en-US" sz="2000" dirty="0" smtClean="0"/>
-              <a:t>in a way such that </a:t>
-            </a:r>
-            <a:r>
-              <a:rPr lang="en-US" sz="2000" dirty="0" smtClean="0"/>
-              <a:t>a neuron outputs </a:t>
+              <a:t>For our purposes, we can simplify this action in a way such that a neuron outputs </a:t>
             </a:r>
             <a:r>
               <a:rPr lang="en-US" sz="2000" b="1" dirty="0" smtClean="0"/>
@@ -15961,19 +15939,7 @@
             </a:r>
             <a:r>
               <a:rPr lang="en-US" sz="2000" dirty="0" smtClean="0"/>
-              <a:t> </a:t>
-            </a:r>
-            <a:r>
-              <a:rPr lang="en-US" sz="2000" dirty="0" smtClean="0"/>
-              <a:t>factor</a:t>
-            </a:r>
-            <a:r>
-              <a:rPr lang="en-US" sz="2000" dirty="0" smtClean="0"/>
-              <a:t>", </a:t>
-            </a:r>
-            <a:r>
-              <a:rPr lang="en-US" sz="2000" dirty="0" smtClean="0"/>
-              <a:t>called </a:t>
+              <a:t> factor", called </a:t>
             </a:r>
             <a:r>
               <a:rPr lang="en-US" sz="2000" i="1" dirty="0" smtClean="0"/>

--- a/presentation.pptx
+++ b/presentation.pptx
@@ -221,7 +221,7 @@
           <a:p>
             <a:fld id="{439984CF-8456-4B48-B076-D98EB683EED0}" type="datetimeFigureOut">
               <a:rPr lang="it-IT" smtClean="0"/>
-              <a:t>30/11/2012</a:t>
+              <a:t>02/12/2012</a:t>
             </a:fld>
             <a:endParaRPr lang="it-IT"/>
           </a:p>
@@ -845,7 +845,7 @@
           <a:p>
             <a:fld id="{BF936EAF-A2C7-4229-B0E9-A642D04707BE}" type="datetimeFigureOut">
               <a:rPr lang="it-IT" smtClean="0"/>
-              <a:t>30/11/2012</a:t>
+              <a:t>02/12/2012</a:t>
             </a:fld>
             <a:endParaRPr lang="it-IT"/>
           </a:p>
@@ -1045,7 +1045,7 @@
           <a:p>
             <a:fld id="{BF936EAF-A2C7-4229-B0E9-A642D04707BE}" type="datetimeFigureOut">
               <a:rPr lang="it-IT" smtClean="0"/>
-              <a:t>30/11/2012</a:t>
+              <a:t>02/12/2012</a:t>
             </a:fld>
             <a:endParaRPr lang="it-IT"/>
           </a:p>
@@ -1220,7 +1220,7 @@
           <a:p>
             <a:fld id="{BF936EAF-A2C7-4229-B0E9-A642D04707BE}" type="datetimeFigureOut">
               <a:rPr lang="it-IT" smtClean="0"/>
-              <a:t>30/11/2012</a:t>
+              <a:t>02/12/2012</a:t>
             </a:fld>
             <a:endParaRPr lang="it-IT"/>
           </a:p>
@@ -1385,7 +1385,7 @@
           <a:p>
             <a:fld id="{BF936EAF-A2C7-4229-B0E9-A642D04707BE}" type="datetimeFigureOut">
               <a:rPr lang="it-IT" smtClean="0"/>
-              <a:t>30/11/2012</a:t>
+              <a:t>02/12/2012</a:t>
             </a:fld>
             <a:endParaRPr lang="it-IT"/>
           </a:p>
@@ -1633,7 +1633,7 @@
           <a:p>
             <a:fld id="{BF936EAF-A2C7-4229-B0E9-A642D04707BE}" type="datetimeFigureOut">
               <a:rPr lang="it-IT" smtClean="0"/>
-              <a:t>30/11/2012</a:t>
+              <a:t>02/12/2012</a:t>
             </a:fld>
             <a:endParaRPr lang="it-IT"/>
           </a:p>
@@ -1951,7 +1951,7 @@
           <a:p>
             <a:fld id="{BF936EAF-A2C7-4229-B0E9-A642D04707BE}" type="datetimeFigureOut">
               <a:rPr lang="it-IT" smtClean="0"/>
-              <a:t>30/11/2012</a:t>
+              <a:t>02/12/2012</a:t>
             </a:fld>
             <a:endParaRPr lang="it-IT"/>
           </a:p>
@@ -2417,7 +2417,7 @@
           <a:p>
             <a:fld id="{BF936EAF-A2C7-4229-B0E9-A642D04707BE}" type="datetimeFigureOut">
               <a:rPr lang="it-IT" smtClean="0"/>
-              <a:t>30/11/2012</a:t>
+              <a:t>02/12/2012</a:t>
             </a:fld>
             <a:endParaRPr lang="it-IT"/>
           </a:p>
@@ -2565,7 +2565,7 @@
           <a:p>
             <a:fld id="{BF936EAF-A2C7-4229-B0E9-A642D04707BE}" type="datetimeFigureOut">
               <a:rPr lang="it-IT" smtClean="0"/>
-              <a:t>30/11/2012</a:t>
+              <a:t>02/12/2012</a:t>
             </a:fld>
             <a:endParaRPr lang="it-IT"/>
           </a:p>
@@ -2655,7 +2655,7 @@
           <a:p>
             <a:fld id="{BF936EAF-A2C7-4229-B0E9-A642D04707BE}" type="datetimeFigureOut">
               <a:rPr lang="it-IT" smtClean="0"/>
-              <a:t>30/11/2012</a:t>
+              <a:t>02/12/2012</a:t>
             </a:fld>
             <a:endParaRPr lang="it-IT"/>
           </a:p>
@@ -2929,7 +2929,7 @@
           <a:p>
             <a:fld id="{BF936EAF-A2C7-4229-B0E9-A642D04707BE}" type="datetimeFigureOut">
               <a:rPr lang="it-IT" smtClean="0"/>
-              <a:t>30/11/2012</a:t>
+              <a:t>02/12/2012</a:t>
             </a:fld>
             <a:endParaRPr lang="it-IT"/>
           </a:p>
@@ -3234,7 +3234,7 @@
           <a:p>
             <a:fld id="{BF936EAF-A2C7-4229-B0E9-A642D04707BE}" type="datetimeFigureOut">
               <a:rPr lang="it-IT" smtClean="0"/>
-              <a:t>30/11/2012</a:t>
+              <a:t>02/12/2012</a:t>
             </a:fld>
             <a:endParaRPr lang="it-IT"/>
           </a:p>
@@ -3532,7 +3532,7 @@
           <a:p>
             <a:fld id="{BF936EAF-A2C7-4229-B0E9-A642D04707BE}" type="datetimeFigureOut">
               <a:rPr lang="it-IT" smtClean="0"/>
-              <a:t>30/11/2012</a:t>
+              <a:t>02/12/2012</a:t>
             </a:fld>
             <a:endParaRPr lang="it-IT"/>
           </a:p>
@@ -4705,8 +4705,17 @@
             </a:r>
             <a:r>
               <a:rPr lang="it-IT" dirty="0" smtClean="0"/>
-              <a:t>.</a:t>
-            </a:r>
+              <a:t> (no time </a:t>
+            </a:r>
+            <a:r>
+              <a:rPr lang="it-IT" dirty="0" err="1" smtClean="0"/>
+              <a:t>dimension</a:t>
+            </a:r>
+            <a:r>
+              <a:rPr lang="it-IT" dirty="0" smtClean="0"/>
+              <a:t>).</a:t>
+            </a:r>
+            <a:endParaRPr lang="it-IT" dirty="0" smtClean="0"/>
           </a:p>
           <a:p>
             <a:pPr lvl="1"/>
@@ -5325,15 +5334,35 @@
             </a:r>
             <a:r>
               <a:rPr lang="it-IT" dirty="0" smtClean="0"/>
-              <a:t>: the </a:t>
-            </a:r>
-            <a:r>
-              <a:rPr lang="it-IT" dirty="0" err="1" smtClean="0"/>
-              <a:t>expected</a:t>
-            </a:r>
-            <a:r>
-              <a:rPr lang="it-IT" dirty="0" smtClean="0"/>
-              <a:t> output </a:t>
+              <a:t>: </a:t>
+            </a:r>
+            <a:r>
+              <a:rPr lang="it-IT" dirty="0" smtClean="0"/>
+              <a:t>a training set of </a:t>
+            </a:r>
+            <a:r>
+              <a:rPr lang="it-IT" dirty="0" err="1" smtClean="0"/>
+              <a:t>inputs</a:t>
+            </a:r>
+            <a:r>
+              <a:rPr lang="it-IT" dirty="0" smtClean="0"/>
+              <a:t> / </a:t>
+            </a:r>
+            <a:r>
+              <a:rPr lang="it-IT" dirty="0" err="1" smtClean="0"/>
+              <a:t>outputs</a:t>
+            </a:r>
+            <a:r>
+              <a:rPr lang="it-IT" dirty="0" smtClean="0"/>
+              <a:t> </a:t>
+            </a:r>
+            <a:r>
+              <a:rPr lang="it-IT" dirty="0" err="1" smtClean="0"/>
+              <a:t>pairs</a:t>
+            </a:r>
+            <a:r>
+              <a:rPr lang="it-IT" dirty="0" smtClean="0"/>
+              <a:t> </a:t>
             </a:r>
             <a:r>
               <a:rPr lang="it-IT" dirty="0" err="1" smtClean="0"/>
@@ -5345,19 +5374,11 @@
             </a:r>
             <a:r>
               <a:rPr lang="it-IT" dirty="0" err="1" smtClean="0"/>
-              <a:t>known</a:t>
-            </a:r>
-            <a:r>
-              <a:rPr lang="it-IT" dirty="0" smtClean="0"/>
-              <a:t>, the </a:t>
-            </a:r>
-            <a:r>
-              <a:rPr lang="it-IT" dirty="0" err="1" smtClean="0"/>
-              <a:t>neural</a:t>
-            </a:r>
-            <a:r>
-              <a:rPr lang="it-IT" dirty="0" smtClean="0"/>
-              <a:t> network </a:t>
+              <a:t>used</a:t>
+            </a:r>
+            <a:r>
+              <a:rPr lang="it-IT" dirty="0" smtClean="0"/>
+              <a:t>, and the network </a:t>
             </a:r>
             <a:r>
               <a:rPr lang="it-IT" dirty="0" err="1" smtClean="0"/>
@@ -5377,20 +5398,37 @@
             </a:r>
             <a:r>
               <a:rPr lang="it-IT" dirty="0" err="1" smtClean="0"/>
-              <a:t>map</a:t>
-            </a:r>
-            <a:r>
-              <a:rPr lang="it-IT" dirty="0" smtClean="0"/>
-              <a:t> the input </a:t>
-            </a:r>
-            <a:r>
-              <a:rPr lang="it-IT" dirty="0" err="1" smtClean="0"/>
-              <a:t>values</a:t>
-            </a:r>
-            <a:r>
-              <a:rPr lang="it-IT" dirty="0" smtClean="0"/>
-              <a:t> to the right output.</a:t>
-            </a:r>
+              <a:t>find</a:t>
+            </a:r>
+            <a:r>
+              <a:rPr lang="it-IT" dirty="0" smtClean="0"/>
+              <a:t> the relation </a:t>
+            </a:r>
+            <a:r>
+              <a:rPr lang="it-IT" dirty="0" err="1" smtClean="0"/>
+              <a:t>between</a:t>
+            </a:r>
+            <a:r>
+              <a:rPr lang="it-IT" dirty="0" smtClean="0"/>
+              <a:t> </a:t>
+            </a:r>
+            <a:r>
+              <a:rPr lang="it-IT" dirty="0" err="1" smtClean="0"/>
+              <a:t>inputs</a:t>
+            </a:r>
+            <a:r>
+              <a:rPr lang="it-IT" dirty="0" smtClean="0"/>
+              <a:t> and </a:t>
+            </a:r>
+            <a:r>
+              <a:rPr lang="it-IT" dirty="0" err="1" smtClean="0"/>
+              <a:t>outputs</a:t>
+            </a:r>
+            <a:r>
+              <a:rPr lang="it-IT" dirty="0"/>
+              <a:t>.</a:t>
+            </a:r>
+            <a:endParaRPr lang="it-IT" dirty="0" smtClean="0"/>
           </a:p>
           <a:p>
             <a:pPr marL="274320" lvl="1" indent="0">
@@ -5494,7 +5532,142 @@
             </a:r>
             <a:r>
               <a:rPr lang="it-IT" dirty="0" smtClean="0"/>
-              <a:t> output.</a:t>
+              <a:t> </a:t>
+            </a:r>
+            <a:r>
+              <a:rPr lang="it-IT" dirty="0" smtClean="0"/>
+              <a:t>output. </a:t>
+            </a:r>
+            <a:r>
+              <a:rPr lang="it-IT" dirty="0" err="1" smtClean="0"/>
+              <a:t>Only</a:t>
+            </a:r>
+            <a:r>
+              <a:rPr lang="it-IT" dirty="0" smtClean="0"/>
+              <a:t> </a:t>
+            </a:r>
+            <a:r>
+              <a:rPr lang="it-IT" dirty="0" err="1" smtClean="0"/>
+              <a:t>inputs</a:t>
+            </a:r>
+            <a:r>
+              <a:rPr lang="it-IT" dirty="0" smtClean="0"/>
+              <a:t> are </a:t>
+            </a:r>
+            <a:r>
+              <a:rPr lang="it-IT" dirty="0" err="1" smtClean="0"/>
+              <a:t>provided</a:t>
+            </a:r>
+            <a:r>
+              <a:rPr lang="it-IT" dirty="0" smtClean="0"/>
+              <a:t>.</a:t>
+            </a:r>
+          </a:p>
+          <a:p>
+            <a:pPr lvl="1"/>
+            <a:endParaRPr lang="it-IT" dirty="0" smtClean="0"/>
+          </a:p>
+          <a:p>
+            <a:pPr lvl="1"/>
+            <a:r>
+              <a:rPr lang="it-IT" dirty="0" err="1" smtClean="0"/>
+              <a:t>Reinforcement</a:t>
+            </a:r>
+            <a:r>
+              <a:rPr lang="it-IT" dirty="0" smtClean="0"/>
+              <a:t> </a:t>
+            </a:r>
+            <a:r>
+              <a:rPr lang="it-IT" dirty="0" err="1" smtClean="0"/>
+              <a:t>learning</a:t>
+            </a:r>
+            <a:r>
+              <a:rPr lang="it-IT" dirty="0" smtClean="0"/>
+              <a:t>: </a:t>
+            </a:r>
+            <a:r>
+              <a:rPr lang="it-IT" dirty="0" err="1" smtClean="0"/>
+              <a:t>after</a:t>
+            </a:r>
+            <a:r>
+              <a:rPr lang="it-IT" dirty="0" smtClean="0"/>
+              <a:t> an </a:t>
+            </a:r>
+            <a:r>
+              <a:rPr lang="it-IT" dirty="0" err="1" smtClean="0"/>
+              <a:t>observation</a:t>
+            </a:r>
+            <a:r>
+              <a:rPr lang="it-IT" dirty="0" smtClean="0"/>
+              <a:t> of the </a:t>
+            </a:r>
+            <a:r>
+              <a:rPr lang="it-IT" dirty="0" err="1" smtClean="0"/>
+              <a:t>environment</a:t>
+            </a:r>
+            <a:r>
+              <a:rPr lang="it-IT" dirty="0"/>
+              <a:t> </a:t>
+            </a:r>
+            <a:r>
+              <a:rPr lang="it-IT" dirty="0" smtClean="0"/>
+              <a:t>the </a:t>
+            </a:r>
+            <a:r>
+              <a:rPr lang="it-IT" dirty="0" err="1" smtClean="0"/>
+              <a:t>algorithm</a:t>
+            </a:r>
+            <a:r>
+              <a:rPr lang="it-IT" dirty="0" smtClean="0"/>
+              <a:t> must produce a </a:t>
+            </a:r>
+            <a:r>
+              <a:rPr lang="it-IT" dirty="0" err="1" smtClean="0"/>
+              <a:t>sequence</a:t>
+            </a:r>
+            <a:r>
+              <a:rPr lang="it-IT" dirty="0" smtClean="0"/>
+              <a:t> of </a:t>
+            </a:r>
+            <a:r>
+              <a:rPr lang="it-IT" dirty="0" err="1" smtClean="0"/>
+              <a:t>actions</a:t>
+            </a:r>
+            <a:r>
+              <a:rPr lang="it-IT" dirty="0" smtClean="0"/>
+              <a:t> to </a:t>
+            </a:r>
+            <a:r>
+              <a:rPr lang="it-IT" dirty="0" err="1" smtClean="0"/>
+              <a:t>maximize</a:t>
+            </a:r>
+            <a:r>
+              <a:rPr lang="it-IT" dirty="0" smtClean="0"/>
+              <a:t> the </a:t>
+            </a:r>
+            <a:r>
+              <a:rPr lang="it-IT" dirty="0" err="1" smtClean="0"/>
+              <a:t>incentives</a:t>
+            </a:r>
+            <a:r>
+              <a:rPr lang="it-IT" dirty="0" smtClean="0"/>
+              <a:t> </a:t>
+            </a:r>
+            <a:r>
+              <a:rPr lang="it-IT" dirty="0" err="1" smtClean="0"/>
+              <a:t>provided</a:t>
+            </a:r>
+            <a:r>
+              <a:rPr lang="it-IT" dirty="0" smtClean="0"/>
+              <a:t> by the </a:t>
+            </a:r>
+            <a:r>
+              <a:rPr lang="it-IT" dirty="0" err="1" smtClean="0"/>
+              <a:t>envirnoment</a:t>
+            </a:r>
+            <a:r>
+              <a:rPr lang="it-IT" dirty="0" smtClean="0"/>
+              <a:t>.</a:t>
             </a:r>
             <a:endParaRPr lang="it-IT" dirty="0"/>
           </a:p>
@@ -8824,11 +8997,7 @@
             </a:r>
             <a:r>
               <a:rPr lang="it-IT" i="1" dirty="0" smtClean="0"/>
-              <a:t> </a:t>
-            </a:r>
-            <a:r>
-              <a:rPr lang="it-IT" i="1" dirty="0" smtClean="0"/>
-              <a:t>do </a:t>
+              <a:t> do </a:t>
             </a:r>
             <a:r>
               <a:rPr lang="it-IT" i="1" dirty="0" err="1" smtClean="0"/>
@@ -8852,11 +9021,7 @@
             </a:r>
             <a:r>
               <a:rPr lang="it-IT" i="1" dirty="0" smtClean="0"/>
-              <a:t> output</a:t>
-            </a:r>
-            <a:r>
-              <a:rPr lang="it-IT" i="1" dirty="0" smtClean="0"/>
-              <a:t>?"</a:t>
+              <a:t> output?"</a:t>
             </a:r>
             <a:endParaRPr lang="it-IT" i="1" dirty="0"/>
           </a:p>
@@ -12065,11 +12230,7 @@
             </a:r>
             <a:r>
               <a:rPr lang="it-IT" dirty="0" smtClean="0"/>
-              <a:t> of </a:t>
-            </a:r>
-            <a:r>
-              <a:rPr lang="it-IT" dirty="0" smtClean="0"/>
-              <a:t>crossover:</a:t>
+              <a:t> of crossover:</a:t>
             </a:r>
           </a:p>
           <a:p>
